--- a/php/tam-v.anh/doc/detail_design/frontend/wireframe/MiniBlog_Wireframe_Ver_0.1.0.pptx
+++ b/php/tam-v.anh/doc/detail_design/frontend/wireframe/MiniBlog_Wireframe_Ver_0.1.0.pptx
@@ -9,6 +9,8 @@
     <p:sldId id="256" r:id="rId3"/>
     <p:sldId id="258" r:id="rId4"/>
     <p:sldId id="259" r:id="rId5"/>
+    <p:sldId id="260" r:id="rId6"/>
+    <p:sldId id="261" r:id="rId7"/>
   </p:sldIdLst>
   <p:sldSz cx="9144000" cy="6858000" type="screen4x3"/>
   <p:notesSz cx="6858000" cy="9144000"/>
@@ -9124,29 +9126,6 @@
               </a:rPr>
               <a:t>Mini Blog</a:t>
             </a:r>
-            <a:endParaRPr lang="en-US" altLang="ja-JP" sz="2000" b="1" cap="none" spc="0">
-              <a:ln w="12700">
-                <a:solidFill>
-                  <a:schemeClr val="tx2">
-                    <a:satMod val="155000"/>
-                  </a:schemeClr>
-                </a:solidFill>
-                <a:prstDash val="solid"/>
-              </a:ln>
-              <a:solidFill>
-                <a:schemeClr val="bg2">
-                  <a:tint val="85000"/>
-                  <a:satMod val="155000"/>
-                </a:schemeClr>
-              </a:solidFill>
-              <a:effectLst>
-                <a:outerShdw blurRad="41275" dist="20320" dir="1800000" algn="tl" rotWithShape="0">
-                  <a:srgbClr val="000000">
-                    <a:alpha val="40000"/>
-                  </a:srgbClr>
-                </a:outerShdw>
-              </a:effectLst>
-            </a:endParaRPr>
           </a:p>
         </p:txBody>
       </p:sp>
@@ -9325,11 +9304,7 @@
             <a:pPr algn="r"/>
             <a:r>
               <a:rPr kumimoji="1" lang="en-US" altLang="ja-JP" sz="1000"/>
-              <a:t>  </a:t>
-            </a:r>
-            <a:r>
-              <a:rPr kumimoji="1" lang="en-US" altLang="ja-JP" sz="1000"/>
-              <a:t>Blog | Sitemap | </a:t>
+              <a:t>  Blog | Sitemap | </a:t>
             </a:r>
             <a:r>
               <a:rPr kumimoji="1" lang="en-US" altLang="ja-JP" sz="1000">
@@ -9655,14 +9630,14 @@
           <p:nvPr>
             <p:extLst>
               <p:ext uri="{D42A27DB-BD31-4B8C-83A1-F6EECF244321}">
-                <p14:modId xmlns:p14="http://schemas.microsoft.com/office/powerpoint/2010/main" val="620877537"/>
+                <p14:modId xmlns:p14="http://schemas.microsoft.com/office/powerpoint/2010/main" val="1703034106"/>
               </p:ext>
             </p:extLst>
           </p:nvPr>
         </p:nvGraphicFramePr>
         <p:xfrm>
           <a:off x="4478866" y="876073"/>
-          <a:ext cx="4461935" cy="1635410"/>
+          <a:ext cx="4461935" cy="1962492"/>
         </p:xfrm>
         <a:graphic>
           <a:graphicData uri="http://schemas.openxmlformats.org/drawingml/2006/table">
@@ -9793,6 +9768,10 @@
                     <a:bodyPr/>
                     <a:lstStyle/>
                     <a:p>
+                      <a:r>
+                        <a:rPr kumimoji="1" lang="en-US" altLang="ja-JP" sz="1000"/>
+                        <a:t>Input username</a:t>
+                      </a:r>
                       <a:endParaRPr kumimoji="1" lang="ja-JP" altLang="en-US" sz="1000"/>
                     </a:p>
                   </a:txBody>
@@ -9853,6 +9832,10 @@
                     <a:bodyPr/>
                     <a:lstStyle/>
                     <a:p>
+                      <a:r>
+                        <a:rPr kumimoji="1" lang="en-US" altLang="ja-JP" sz="1000"/>
+                        <a:t>Input password</a:t>
+                      </a:r>
                       <a:endParaRPr kumimoji="1" lang="ja-JP" altLang="en-US" sz="1000"/>
                     </a:p>
                   </a:txBody>
@@ -9973,6 +9956,14 @@
                     <a:bodyPr/>
                     <a:lstStyle/>
                     <a:p>
+                      <a:r>
+                        <a:rPr kumimoji="1" lang="en-US" altLang="ja-JP" sz="1000"/>
+                        <a:t>Search</a:t>
+                      </a:r>
+                      <a:r>
+                        <a:rPr kumimoji="1" lang="en-US" altLang="ja-JP" sz="1000" baseline="0"/>
+                        <a:t> all user</a:t>
+                      </a:r>
                       <a:endParaRPr kumimoji="1" lang="ja-JP" altLang="en-US" sz="1000"/>
                     </a:p>
                   </a:txBody>
@@ -9985,8 +9976,72 @@
                     <a:p>
                       <a:r>
                         <a:rPr kumimoji="1" lang="vi-VN" altLang="ja-JP" sz="1000"/>
-                        <a:t>S-5-1</a:t>
+                        <a:t>S-5-2</a:t>
                       </a:r>
+                      <a:endParaRPr kumimoji="1" lang="ja-JP" altLang="en-US" sz="1000"/>
+                    </a:p>
+                  </a:txBody>
+                  <a:tcPr/>
+                </a:tc>
+              </a:tr>
+              <a:tr h="327082">
+                <a:tc>
+                  <a:txBody>
+                    <a:bodyPr/>
+                    <a:lstStyle/>
+                    <a:p>
+                      <a:r>
+                        <a:rPr kumimoji="1" lang="en-US" altLang="ja-JP" sz="1000"/>
+                        <a:t>5</a:t>
+                      </a:r>
+                      <a:endParaRPr kumimoji="1" lang="ja-JP" altLang="en-US" sz="1000"/>
+                    </a:p>
+                  </a:txBody>
+                  <a:tcPr/>
+                </a:tc>
+                <a:tc>
+                  <a:txBody>
+                    <a:bodyPr/>
+                    <a:lstStyle/>
+                    <a:p>
+                      <a:r>
+                        <a:rPr kumimoji="1" lang="en-US" altLang="ja-JP" sz="1000"/>
+                        <a:t>Message</a:t>
+                      </a:r>
+                      <a:endParaRPr kumimoji="1" lang="ja-JP" altLang="en-US" sz="1000"/>
+                    </a:p>
+                  </a:txBody>
+                  <a:tcPr/>
+                </a:tc>
+                <a:tc>
+                  <a:txBody>
+                    <a:bodyPr/>
+                    <a:lstStyle/>
+                    <a:p>
+                      <a:endParaRPr kumimoji="1" lang="ja-JP" altLang="en-US" sz="1000"/>
+                    </a:p>
+                  </a:txBody>
+                  <a:tcPr/>
+                </a:tc>
+                <a:tc>
+                  <a:txBody>
+                    <a:bodyPr/>
+                    <a:lstStyle/>
+                    <a:p>
+                      <a:r>
+                        <a:rPr kumimoji="1" lang="en-US" altLang="ja-JP" sz="1000"/>
+                        <a:t>Show message</a:t>
+                      </a:r>
+                      <a:endParaRPr kumimoji="1" lang="ja-JP" altLang="en-US" sz="1000"/>
+                    </a:p>
+                  </a:txBody>
+                  <a:tcPr/>
+                </a:tc>
+                <a:tc>
+                  <a:txBody>
+                    <a:bodyPr/>
+                    <a:lstStyle/>
+                    <a:p>
                       <a:endParaRPr kumimoji="1" lang="ja-JP" altLang="en-US" sz="1000"/>
                     </a:p>
                   </a:txBody>
@@ -10140,6 +10195,98 @@
                 </a:solidFill>
               </a:rPr>
               <a:t>(4)</a:t>
+            </a:r>
+            <a:endParaRPr kumimoji="1" lang="ja-JP" altLang="en-US" sz="1000">
+              <a:solidFill>
+                <a:srgbClr val="FF0000"/>
+              </a:solidFill>
+            </a:endParaRPr>
+          </a:p>
+        </p:txBody>
+      </p:sp>
+      <p:sp>
+        <p:nvSpPr>
+          <p:cNvPr id="22" name="TextBox 21"/>
+          <p:cNvSpPr txBox="1"/>
+          <p:nvPr/>
+        </p:nvSpPr>
+        <p:spPr>
+          <a:xfrm>
+            <a:off x="3594123" y="2200731"/>
+            <a:ext cx="327433" cy="246221"/>
+          </a:xfrm>
+          <a:prstGeom prst="rect">
+            <a:avLst/>
+          </a:prstGeom>
+          <a:noFill/>
+        </p:spPr>
+        <p:txBody>
+          <a:bodyPr wrap="none" rtlCol="0">
+            <a:spAutoFit/>
+          </a:bodyPr>
+          <a:lstStyle/>
+          <a:p>
+            <a:r>
+              <a:rPr kumimoji="1" lang="en-US" altLang="ja-JP" sz="1000">
+                <a:solidFill>
+                  <a:srgbClr val="FF0000"/>
+                </a:solidFill>
+              </a:rPr>
+              <a:t>(5)</a:t>
+            </a:r>
+            <a:endParaRPr kumimoji="1" lang="ja-JP" altLang="en-US" sz="1000">
+              <a:solidFill>
+                <a:srgbClr val="FF0000"/>
+              </a:solidFill>
+            </a:endParaRPr>
+          </a:p>
+        </p:txBody>
+      </p:sp>
+      <p:sp>
+        <p:nvSpPr>
+          <p:cNvPr id="23" name="TextBox 22"/>
+          <p:cNvSpPr txBox="1"/>
+          <p:nvPr/>
+        </p:nvSpPr>
+        <p:spPr>
+          <a:xfrm>
+            <a:off x="2007187" y="2217061"/>
+            <a:ext cx="1020419" cy="246221"/>
+          </a:xfrm>
+          <a:prstGeom prst="rect">
+            <a:avLst/>
+          </a:prstGeom>
+          <a:noFill/>
+        </p:spPr>
+        <p:txBody>
+          <a:bodyPr wrap="none" rtlCol="0">
+            <a:spAutoFit/>
+          </a:bodyPr>
+          <a:lstStyle/>
+          <a:p>
+            <a:r>
+              <a:rPr kumimoji="1" lang="en-US" altLang="ja-JP" sz="1000">
+                <a:solidFill>
+                  <a:srgbClr val="FF0000"/>
+                </a:solidFill>
+              </a:rPr>
+              <a:t>(</a:t>
+            </a:r>
+            <a:r>
+              <a:rPr kumimoji="1" lang="en-US" altLang="ja-JP" sz="1000">
+                <a:solidFill>
+                  <a:srgbClr val="FF0000"/>
+                </a:solidFill>
+              </a:rPr>
+              <a:t>show message</a:t>
+            </a:r>
+            <a:r>
+              <a:rPr kumimoji="1" lang="en-US" altLang="ja-JP" sz="1000">
+                <a:solidFill>
+                  <a:srgbClr val="FF0000"/>
+                </a:solidFill>
+              </a:rPr>
+              <a:t>)</a:t>
             </a:r>
             <a:endParaRPr kumimoji="1" lang="ja-JP" altLang="en-US" sz="1000">
               <a:solidFill>
@@ -10343,29 +10490,6 @@
               </a:rPr>
               <a:t>Mini Blog</a:t>
             </a:r>
-            <a:endParaRPr lang="en-US" altLang="ja-JP" sz="2000" b="1" cap="none" spc="0">
-              <a:ln w="12700">
-                <a:solidFill>
-                  <a:schemeClr val="tx2">
-                    <a:satMod val="155000"/>
-                  </a:schemeClr>
-                </a:solidFill>
-                <a:prstDash val="solid"/>
-              </a:ln>
-              <a:solidFill>
-                <a:schemeClr val="bg2">
-                  <a:tint val="85000"/>
-                  <a:satMod val="155000"/>
-                </a:schemeClr>
-              </a:solidFill>
-              <a:effectLst>
-                <a:outerShdw blurRad="41275" dist="20320" dir="1800000" algn="tl" rotWithShape="0">
-                  <a:srgbClr val="000000">
-                    <a:alpha val="40000"/>
-                  </a:srgbClr>
-                </a:outerShdw>
-              </a:effectLst>
-            </a:endParaRPr>
           </a:p>
         </p:txBody>
       </p:sp>
@@ -10544,11 +10668,7 @@
             <a:pPr algn="r"/>
             <a:r>
               <a:rPr kumimoji="1" lang="en-US" altLang="ja-JP" sz="1000"/>
-              <a:t>  </a:t>
-            </a:r>
-            <a:r>
-              <a:rPr kumimoji="1" lang="en-US" altLang="ja-JP" sz="1000"/>
-              <a:t>Blog | Sitemap | </a:t>
+              <a:t>  Blog | Sitemap | </a:t>
             </a:r>
             <a:r>
               <a:rPr kumimoji="1" lang="en-US" altLang="ja-JP" sz="1000">
@@ -10654,14 +10774,14 @@
           <p:nvPr>
             <p:extLst>
               <p:ext uri="{D42A27DB-BD31-4B8C-83A1-F6EECF244321}">
-                <p14:modId xmlns:p14="http://schemas.microsoft.com/office/powerpoint/2010/main" val="3794096445"/>
+                <p14:modId xmlns:p14="http://schemas.microsoft.com/office/powerpoint/2010/main" val="2164747788"/>
               </p:ext>
             </p:extLst>
           </p:nvPr>
         </p:nvGraphicFramePr>
         <p:xfrm>
           <a:off x="4478866" y="876073"/>
-          <a:ext cx="4461935" cy="1962492"/>
+          <a:ext cx="4461935" cy="2031650"/>
         </p:xfrm>
         <a:graphic>
           <a:graphicData uri="http://schemas.openxmlformats.org/drawingml/2006/table">
@@ -10802,10 +10922,6 @@
                     <a:bodyPr/>
                     <a:lstStyle/>
                     <a:p>
-                      <a:r>
-                        <a:rPr kumimoji="1" lang="vi-VN" altLang="ja-JP" sz="1000"/>
-                        <a:t>S-4-2</a:t>
-                      </a:r>
                       <a:endParaRPr kumimoji="1" lang="ja-JP" altLang="en-US" sz="1000"/>
                     </a:p>
                   </a:txBody>
@@ -10866,10 +10982,6 @@
                     <a:bodyPr/>
                     <a:lstStyle/>
                     <a:p>
-                      <a:r>
-                        <a:rPr kumimoji="1" lang="vi-VN" altLang="ja-JP" sz="1000"/>
-                        <a:t>S-4-3</a:t>
-                      </a:r>
                       <a:endParaRPr kumimoji="1" lang="ja-JP" altLang="en-US" sz="1000"/>
                     </a:p>
                   </a:txBody>
@@ -10920,6 +11032,14 @@
                     <a:bodyPr/>
                     <a:lstStyle/>
                     <a:p>
+                      <a:r>
+                        <a:rPr kumimoji="1" lang="en-US" altLang="ja-JP" sz="1000"/>
+                        <a:t>Add, edit,</a:t>
+                      </a:r>
+                      <a:r>
+                        <a:rPr kumimoji="1" lang="en-US" altLang="ja-JP" sz="1000" baseline="0"/>
+                        <a:t> delete post</a:t>
+                      </a:r>
                       <a:endParaRPr kumimoji="1" lang="ja-JP" altLang="en-US" sz="1000"/>
                     </a:p>
                   </a:txBody>
@@ -10930,10 +11050,6 @@
                     <a:bodyPr/>
                     <a:lstStyle/>
                     <a:p>
-                      <a:r>
-                        <a:rPr kumimoji="1" lang="vi-VN" altLang="ja-JP" sz="1000"/>
-                        <a:t>S-4-4</a:t>
-                      </a:r>
                       <a:endParaRPr kumimoji="1" lang="ja-JP" altLang="en-US" sz="1000"/>
                     </a:p>
                   </a:txBody>
@@ -10994,10 +11110,6 @@
                     <a:bodyPr/>
                     <a:lstStyle/>
                     <a:p>
-                      <a:r>
-                        <a:rPr kumimoji="1" lang="vi-VN" altLang="ja-JP" sz="1000"/>
-                        <a:t>S-4-8</a:t>
-                      </a:r>
                       <a:endParaRPr kumimoji="1" lang="ja-JP" altLang="en-US" sz="1000"/>
                     </a:p>
                   </a:txBody>
@@ -11048,6 +11160,10 @@
                     <a:bodyPr/>
                     <a:lstStyle/>
                     <a:p>
+                      <a:r>
+                        <a:rPr kumimoji="1" lang="en-US" altLang="ja-JP" sz="1000"/>
+                        <a:t>Search all user</a:t>
+                      </a:r>
                       <a:endParaRPr kumimoji="1" lang="ja-JP" altLang="en-US" sz="1000"/>
                     </a:p>
                   </a:txBody>
@@ -11063,7 +11179,7 @@
                           <a:latin typeface="Arial"/>
                           <a:cs typeface="Arial"/>
                         </a:rPr>
-                        <a:t>S-5-1</a:t>
+                        <a:t>S-5-2</a:t>
                       </a:r>
                       <a:endParaRPr kumimoji="1" lang="ja-JP" altLang="en-US" sz="1000">
                         <a:latin typeface="Arial"/>
@@ -11420,6 +11536,5393 @@
       </p:par>
     </p:tnLst>
   </p:timing>
+</p:sld>
+</file>
+
+<file path=ppt/slides/slide5.xml><?xml version="1.0" encoding="utf-8"?>
+<p:sld xmlns:a="http://schemas.openxmlformats.org/drawingml/2006/main" xmlns:r="http://schemas.openxmlformats.org/officeDocument/2006/relationships" xmlns:p="http://schemas.openxmlformats.org/presentationml/2006/main">
+  <p:cSld>
+    <p:spTree>
+      <p:nvGrpSpPr>
+        <p:cNvPr id="1" name=""/>
+        <p:cNvGrpSpPr/>
+        <p:nvPr/>
+      </p:nvGrpSpPr>
+      <p:grpSpPr>
+        <a:xfrm>
+          <a:off x="0" y="0"/>
+          <a:ext cx="0" cy="0"/>
+          <a:chOff x="0" y="0"/>
+          <a:chExt cx="0" cy="0"/>
+        </a:xfrm>
+      </p:grpSpPr>
+      <p:grpSp>
+        <p:nvGrpSpPr>
+          <p:cNvPr id="4" name="Group 3"/>
+          <p:cNvGrpSpPr/>
+          <p:nvPr/>
+        </p:nvGrpSpPr>
+        <p:grpSpPr>
+          <a:xfrm>
+            <a:off x="0" y="12878"/>
+            <a:ext cx="8775700" cy="386366"/>
+            <a:chOff x="0" y="12878"/>
+            <a:chExt cx="12192000" cy="386366"/>
+          </a:xfrm>
+        </p:grpSpPr>
+        <p:sp>
+          <p:nvSpPr>
+            <p:cNvPr id="5" name="TextBox 4"/>
+            <p:cNvSpPr txBox="1"/>
+            <p:nvPr/>
+          </p:nvSpPr>
+          <p:spPr>
+            <a:xfrm>
+              <a:off x="0" y="12878"/>
+              <a:ext cx="12192000" cy="369332"/>
+            </a:xfrm>
+            <a:prstGeom prst="rect">
+              <a:avLst/>
+            </a:prstGeom>
+            <a:noFill/>
+          </p:spPr>
+          <p:txBody>
+            <a:bodyPr wrap="square" rtlCol="0">
+              <a:spAutoFit/>
+            </a:bodyPr>
+            <a:lstStyle/>
+            <a:p>
+              <a:r>
+                <a:rPr lang="en-US" b="1" dirty="0">
+                  <a:latin typeface="Times New Roman" panose="02020603050405020304" pitchFamily="18" charset="0"/>
+                  <a:cs typeface="Times New Roman" panose="02020603050405020304" pitchFamily="18" charset="0"/>
+                </a:rPr>
+                <a:t> </a:t>
+              </a:r>
+              <a:r>
+                <a:rPr lang="en-US" b="1" dirty="0">
+                  <a:latin typeface="Times New Roman" panose="02020603050405020304" pitchFamily="18" charset="0"/>
+                  <a:cs typeface="Times New Roman" panose="02020603050405020304" pitchFamily="18" charset="0"/>
+                </a:rPr>
+                <a:t>S-4-2 </a:t>
+              </a:r>
+              <a:r>
+                <a:rPr lang="en-US" b="1" dirty="0">
+                  <a:latin typeface="Times New Roman" panose="02020603050405020304" pitchFamily="18" charset="0"/>
+                  <a:cs typeface="Times New Roman" panose="02020603050405020304" pitchFamily="18" charset="0"/>
+                </a:rPr>
+                <a:t>Update </a:t>
+              </a:r>
+              <a:r>
+                <a:rPr lang="en-US" b="1" dirty="0" smtClean="0">
+                  <a:latin typeface="Times New Roman" panose="02020603050405020304" pitchFamily="18" charset="0"/>
+                  <a:cs typeface="Times New Roman" panose="02020603050405020304" pitchFamily="18" charset="0"/>
+                </a:rPr>
+                <a:t>user info</a:t>
+              </a:r>
+              <a:endParaRPr lang="en-US" b="1" dirty="0">
+                <a:latin typeface="Times New Roman" panose="02020603050405020304" pitchFamily="18" charset="0"/>
+                <a:cs typeface="Times New Roman" panose="02020603050405020304" pitchFamily="18" charset="0"/>
+              </a:endParaRPr>
+            </a:p>
+          </p:txBody>
+        </p:sp>
+        <p:cxnSp>
+          <p:nvCxnSpPr>
+            <p:cNvPr id="6" name="Straight Connector 5"/>
+            <p:cNvCxnSpPr/>
+            <p:nvPr/>
+          </p:nvCxnSpPr>
+          <p:spPr>
+            <a:xfrm>
+              <a:off x="0" y="399244"/>
+              <a:ext cx="12192000" cy="0"/>
+            </a:xfrm>
+            <a:prstGeom prst="line">
+              <a:avLst/>
+            </a:prstGeom>
+          </p:spPr>
+          <p:style>
+            <a:lnRef idx="1">
+              <a:schemeClr val="dk1"/>
+            </a:lnRef>
+            <a:fillRef idx="0">
+              <a:schemeClr val="dk1"/>
+            </a:fillRef>
+            <a:effectRef idx="0">
+              <a:schemeClr val="dk1"/>
+            </a:effectRef>
+            <a:fontRef idx="minor">
+              <a:schemeClr val="tx1"/>
+            </a:fontRef>
+          </p:style>
+        </p:cxnSp>
+      </p:grpSp>
+      <p:grpSp>
+        <p:nvGrpSpPr>
+          <p:cNvPr id="8" name="Group 7"/>
+          <p:cNvGrpSpPr/>
+          <p:nvPr/>
+        </p:nvGrpSpPr>
+        <p:grpSpPr>
+          <a:xfrm>
+            <a:off x="438144" y="429159"/>
+            <a:ext cx="6411057" cy="6103068"/>
+            <a:chOff x="20607" y="429158"/>
+            <a:chExt cx="6411057" cy="6441721"/>
+          </a:xfrm>
+        </p:grpSpPr>
+        <p:grpSp>
+          <p:nvGrpSpPr>
+            <p:cNvPr id="9" name="Group 8"/>
+            <p:cNvGrpSpPr/>
+            <p:nvPr/>
+          </p:nvGrpSpPr>
+          <p:grpSpPr>
+            <a:xfrm>
+              <a:off x="20607" y="429158"/>
+              <a:ext cx="6346709" cy="6441721"/>
+              <a:chOff x="0" y="0"/>
+              <a:chExt cx="6632575" cy="7839075"/>
+            </a:xfrm>
+          </p:grpSpPr>
+          <p:grpSp>
+            <p:nvGrpSpPr>
+              <p:cNvPr id="24" name="Group 23"/>
+              <p:cNvGrpSpPr/>
+              <p:nvPr/>
+            </p:nvGrpSpPr>
+            <p:grpSpPr>
+              <a:xfrm>
+                <a:off x="0" y="0"/>
+                <a:ext cx="6632575" cy="7839075"/>
+                <a:chOff x="0" y="0"/>
+                <a:chExt cx="6632575" cy="7839075"/>
+              </a:xfrm>
+            </p:grpSpPr>
+            <p:grpSp>
+              <p:nvGrpSpPr>
+                <p:cNvPr id="30" name="Group 29"/>
+                <p:cNvGrpSpPr/>
+                <p:nvPr/>
+              </p:nvGrpSpPr>
+              <p:grpSpPr>
+                <a:xfrm>
+                  <a:off x="0" y="0"/>
+                  <a:ext cx="6632575" cy="7839075"/>
+                  <a:chOff x="0" y="0"/>
+                  <a:chExt cx="6632575" cy="7839075"/>
+                </a:xfrm>
+              </p:grpSpPr>
+              <p:sp>
+                <p:nvSpPr>
+                  <p:cNvPr id="80" name="Rectangle 79"/>
+                  <p:cNvSpPr/>
+                  <p:nvPr/>
+                </p:nvSpPr>
+                <p:spPr>
+                  <a:xfrm>
+                    <a:off x="0" y="1"/>
+                    <a:ext cx="6632575" cy="7839074"/>
+                  </a:xfrm>
+                  <a:prstGeom prst="rect">
+                    <a:avLst/>
+                  </a:prstGeom>
+                  <a:ln>
+                    <a:solidFill>
+                      <a:schemeClr val="accent1">
+                        <a:lumMod val="75000"/>
+                      </a:schemeClr>
+                    </a:solidFill>
+                  </a:ln>
+                </p:spPr>
+                <p:style>
+                  <a:lnRef idx="2">
+                    <a:schemeClr val="accent1"/>
+                  </a:lnRef>
+                  <a:fillRef idx="1">
+                    <a:schemeClr val="lt1"/>
+                  </a:fillRef>
+                  <a:effectRef idx="0">
+                    <a:schemeClr val="accent1"/>
+                  </a:effectRef>
+                  <a:fontRef idx="minor">
+                    <a:schemeClr val="dk1"/>
+                  </a:fontRef>
+                </p:style>
+                <p:txBody>
+                  <a:bodyPr rot="0" spcFirstLastPara="0" vert="horz" wrap="square" lIns="91440" tIns="45720" rIns="91440" bIns="45720" numCol="1" spcCol="0" rtlCol="0" fromWordArt="0" anchor="ctr" anchorCtr="0" forceAA="0" compatLnSpc="1">
+                    <a:prstTxWarp prst="textNoShape">
+                      <a:avLst/>
+                    </a:prstTxWarp>
+                    <a:noAutofit/>
+                  </a:bodyPr>
+                  <a:lstStyle/>
+                  <a:p>
+                    <a:endParaRPr lang="en-US"/>
+                  </a:p>
+                </p:txBody>
+              </p:sp>
+              <p:sp>
+                <p:nvSpPr>
+                  <p:cNvPr id="81" name="Rectangle 80"/>
+                  <p:cNvSpPr/>
+                  <p:nvPr/>
+                </p:nvSpPr>
+                <p:spPr>
+                  <a:xfrm>
+                    <a:off x="0" y="0"/>
+                    <a:ext cx="6632575" cy="412115"/>
+                  </a:xfrm>
+                  <a:prstGeom prst="rect">
+                    <a:avLst/>
+                  </a:prstGeom>
+                  <a:ln>
+                    <a:solidFill>
+                      <a:schemeClr val="accent1">
+                        <a:lumMod val="75000"/>
+                      </a:schemeClr>
+                    </a:solidFill>
+                  </a:ln>
+                </p:spPr>
+                <p:style>
+                  <a:lnRef idx="2">
+                    <a:schemeClr val="accent1">
+                      <a:shade val="50000"/>
+                    </a:schemeClr>
+                  </a:lnRef>
+                  <a:fillRef idx="1">
+                    <a:schemeClr val="accent1"/>
+                  </a:fillRef>
+                  <a:effectRef idx="0">
+                    <a:schemeClr val="accent1"/>
+                  </a:effectRef>
+                  <a:fontRef idx="minor">
+                    <a:schemeClr val="lt1"/>
+                  </a:fontRef>
+                </p:style>
+                <p:txBody>
+                  <a:bodyPr rot="0" spcFirstLastPara="0" vert="horz" wrap="square" lIns="91440" tIns="45720" rIns="91440" bIns="45720" numCol="1" spcCol="0" rtlCol="0" fromWordArt="0" anchor="ctr" anchorCtr="0" forceAA="0" compatLnSpc="1">
+                    <a:prstTxWarp prst="textNoShape">
+                      <a:avLst/>
+                    </a:prstTxWarp>
+                    <a:noAutofit/>
+                  </a:bodyPr>
+                  <a:lstStyle/>
+                  <a:p>
+                    <a:pPr algn="ctr">
+                      <a:spcAft>
+                        <a:spcPts val="0"/>
+                      </a:spcAft>
+                    </a:pPr>
+                    <a:r>
+                      <a:rPr lang="en-GB" sz="1800" kern="1200">
+                        <a:solidFill>
+                          <a:srgbClr val="FEFEFE"/>
+                        </a:solidFill>
+                        <a:effectLst/>
+                        <a:ea typeface="Times New Roman" panose="02020603050405020304" pitchFamily="18" charset="0"/>
+                        <a:cs typeface="Times New Roman" panose="02020603050405020304" pitchFamily="18" charset="0"/>
+                      </a:rPr>
+                      <a:t>Header</a:t>
+                    </a:r>
+                    <a:endParaRPr lang="en-US" sz="1200">
+                      <a:effectLst/>
+                      <a:latin typeface="Times New Roman" panose="02020603050405020304" pitchFamily="18" charset="0"/>
+                      <a:ea typeface="Times New Roman" panose="02020603050405020304" pitchFamily="18" charset="0"/>
+                    </a:endParaRPr>
+                  </a:p>
+                </p:txBody>
+              </p:sp>
+              <p:sp>
+                <p:nvSpPr>
+                  <p:cNvPr id="82" name="Rectangle 81"/>
+                  <p:cNvSpPr/>
+                  <p:nvPr/>
+                </p:nvSpPr>
+                <p:spPr>
+                  <a:xfrm>
+                    <a:off x="0" y="7426960"/>
+                    <a:ext cx="6632575" cy="412115"/>
+                  </a:xfrm>
+                  <a:prstGeom prst="rect">
+                    <a:avLst/>
+                  </a:prstGeom>
+                  <a:ln>
+                    <a:solidFill>
+                      <a:schemeClr val="accent1">
+                        <a:lumMod val="75000"/>
+                      </a:schemeClr>
+                    </a:solidFill>
+                  </a:ln>
+                </p:spPr>
+                <p:style>
+                  <a:lnRef idx="2">
+                    <a:schemeClr val="accent1">
+                      <a:shade val="50000"/>
+                    </a:schemeClr>
+                  </a:lnRef>
+                  <a:fillRef idx="1">
+                    <a:schemeClr val="accent1"/>
+                  </a:fillRef>
+                  <a:effectRef idx="0">
+                    <a:schemeClr val="accent1"/>
+                  </a:effectRef>
+                  <a:fontRef idx="minor">
+                    <a:schemeClr val="lt1"/>
+                  </a:fontRef>
+                </p:style>
+                <p:txBody>
+                  <a:bodyPr rot="0" spcFirstLastPara="0" vert="horz" wrap="square" lIns="91440" tIns="45720" rIns="91440" bIns="45720" numCol="1" spcCol="0" rtlCol="0" fromWordArt="0" anchor="ctr" anchorCtr="0" forceAA="0" compatLnSpc="1">
+                    <a:prstTxWarp prst="textNoShape">
+                      <a:avLst/>
+                    </a:prstTxWarp>
+                    <a:noAutofit/>
+                  </a:bodyPr>
+                  <a:lstStyle/>
+                  <a:p>
+                    <a:pPr algn="ctr">
+                      <a:spcAft>
+                        <a:spcPts val="0"/>
+                      </a:spcAft>
+                    </a:pPr>
+                    <a:r>
+                      <a:rPr lang="en-GB" sz="1800" kern="1200">
+                        <a:solidFill>
+                          <a:srgbClr val="FEFEFE"/>
+                        </a:solidFill>
+                        <a:effectLst/>
+                        <a:ea typeface="Times New Roman" panose="02020603050405020304" pitchFamily="18" charset="0"/>
+                        <a:cs typeface="Times New Roman" panose="02020603050405020304" pitchFamily="18" charset="0"/>
+                      </a:rPr>
+                      <a:t>Footer</a:t>
+                    </a:r>
+                    <a:endParaRPr lang="en-US" sz="1200">
+                      <a:effectLst/>
+                      <a:latin typeface="Times New Roman" panose="02020603050405020304" pitchFamily="18" charset="0"/>
+                      <a:ea typeface="Times New Roman" panose="02020603050405020304" pitchFamily="18" charset="0"/>
+                    </a:endParaRPr>
+                  </a:p>
+                </p:txBody>
+              </p:sp>
+            </p:grpSp>
+            <p:grpSp>
+              <p:nvGrpSpPr>
+                <p:cNvPr id="31" name="Group 30"/>
+                <p:cNvGrpSpPr/>
+                <p:nvPr/>
+              </p:nvGrpSpPr>
+              <p:grpSpPr>
+                <a:xfrm>
+                  <a:off x="133350" y="503265"/>
+                  <a:ext cx="6374765" cy="2800348"/>
+                  <a:chOff x="19050" y="-125385"/>
+                  <a:chExt cx="6374765" cy="2800348"/>
+                </a:xfrm>
+              </p:grpSpPr>
+              <p:grpSp>
+                <p:nvGrpSpPr>
+                  <p:cNvPr id="50" name="Group 49"/>
+                  <p:cNvGrpSpPr/>
+                  <p:nvPr/>
+                </p:nvGrpSpPr>
+                <p:grpSpPr>
+                  <a:xfrm>
+                    <a:off x="19050" y="-125385"/>
+                    <a:ext cx="6374765" cy="2800348"/>
+                    <a:chOff x="19050" y="-125385"/>
+                    <a:chExt cx="6374765" cy="2800348"/>
+                  </a:xfrm>
+                </p:grpSpPr>
+                <p:grpSp>
+                  <p:nvGrpSpPr>
+                    <p:cNvPr id="52" name="Group 51"/>
+                    <p:cNvGrpSpPr/>
+                    <p:nvPr/>
+                  </p:nvGrpSpPr>
+                  <p:grpSpPr>
+                    <a:xfrm>
+                      <a:off x="19050" y="-125385"/>
+                      <a:ext cx="6374765" cy="2800348"/>
+                      <a:chOff x="131536" y="694699"/>
+                      <a:chExt cx="5228823" cy="2800523"/>
+                    </a:xfrm>
+                  </p:grpSpPr>
+                  <p:sp>
+                    <p:nvSpPr>
+                      <p:cNvPr id="78" name="Rectangle 77"/>
+                      <p:cNvSpPr/>
+                      <p:nvPr/>
+                    </p:nvSpPr>
+                    <p:spPr>
+                      <a:xfrm>
+                        <a:off x="131536" y="694699"/>
+                        <a:ext cx="1510549" cy="463640"/>
+                      </a:xfrm>
+                      <a:prstGeom prst="rect">
+                        <a:avLst/>
+                      </a:prstGeom>
+                      <a:ln>
+                        <a:solidFill>
+                          <a:schemeClr val="accent1">
+                            <a:lumMod val="75000"/>
+                          </a:schemeClr>
+                        </a:solidFill>
+                      </a:ln>
+                    </p:spPr>
+                    <p:style>
+                      <a:lnRef idx="2">
+                        <a:schemeClr val="accent1">
+                          <a:shade val="50000"/>
+                        </a:schemeClr>
+                      </a:lnRef>
+                      <a:fillRef idx="1">
+                        <a:schemeClr val="accent1"/>
+                      </a:fillRef>
+                      <a:effectRef idx="0">
+                        <a:schemeClr val="accent1"/>
+                      </a:effectRef>
+                      <a:fontRef idx="minor">
+                        <a:schemeClr val="lt1"/>
+                      </a:fontRef>
+                    </p:style>
+                    <p:txBody>
+                      <a:bodyPr rot="0" spcFirstLastPara="0" vert="horz" wrap="square" lIns="91440" tIns="45720" rIns="91440" bIns="45720" numCol="1" spcCol="0" rtlCol="0" fromWordArt="0" anchor="ctr" anchorCtr="0" forceAA="0" compatLnSpc="1">
+                        <a:prstTxWarp prst="textNoShape">
+                          <a:avLst/>
+                        </a:prstTxWarp>
+                        <a:noAutofit/>
+                      </a:bodyPr>
+                      <a:lstStyle/>
+                      <a:p>
+                        <a:pPr algn="ctr">
+                          <a:spcAft>
+                            <a:spcPts val="0"/>
+                          </a:spcAft>
+                        </a:pPr>
+                        <a:r>
+                          <a:rPr lang="en-GB" sz="1800" kern="1200">
+                            <a:solidFill>
+                              <a:srgbClr val="FEFEFE"/>
+                            </a:solidFill>
+                            <a:effectLst/>
+                            <a:ea typeface="Times New Roman" panose="02020603050405020304" pitchFamily="18" charset="0"/>
+                            <a:cs typeface="Times New Roman" panose="02020603050405020304" pitchFamily="18" charset="0"/>
+                          </a:rPr>
+                          <a:t>Basic info</a:t>
+                        </a:r>
+                        <a:endParaRPr lang="en-US" sz="1200">
+                          <a:effectLst/>
+                          <a:latin typeface="Times New Roman" panose="02020603050405020304" pitchFamily="18" charset="0"/>
+                          <a:ea typeface="Times New Roman" panose="02020603050405020304" pitchFamily="18" charset="0"/>
+                        </a:endParaRPr>
+                      </a:p>
+                    </p:txBody>
+                  </p:sp>
+                  <p:sp>
+                    <p:nvSpPr>
+                      <p:cNvPr id="79" name="Rectangle 78"/>
+                      <p:cNvSpPr/>
+                      <p:nvPr/>
+                    </p:nvSpPr>
+                    <p:spPr>
+                      <a:xfrm>
+                        <a:off x="131536" y="1158339"/>
+                        <a:ext cx="5228823" cy="2336883"/>
+                      </a:xfrm>
+                      <a:prstGeom prst="rect">
+                        <a:avLst/>
+                      </a:prstGeom>
+                      <a:ln>
+                        <a:solidFill>
+                          <a:schemeClr val="accent1">
+                            <a:lumMod val="75000"/>
+                          </a:schemeClr>
+                        </a:solidFill>
+                      </a:ln>
+                    </p:spPr>
+                    <p:style>
+                      <a:lnRef idx="2">
+                        <a:schemeClr val="dk1"/>
+                      </a:lnRef>
+                      <a:fillRef idx="1">
+                        <a:schemeClr val="lt1"/>
+                      </a:fillRef>
+                      <a:effectRef idx="0">
+                        <a:schemeClr val="dk1"/>
+                      </a:effectRef>
+                      <a:fontRef idx="minor">
+                        <a:schemeClr val="dk1"/>
+                      </a:fontRef>
+                    </p:style>
+                    <p:txBody>
+                      <a:bodyPr rot="0" spcFirstLastPara="0" vert="horz" wrap="square" lIns="91440" tIns="45720" rIns="91440" bIns="45720" numCol="1" spcCol="0" rtlCol="0" fromWordArt="0" anchor="ctr" anchorCtr="0" forceAA="0" compatLnSpc="1">
+                        <a:prstTxWarp prst="textNoShape">
+                          <a:avLst/>
+                        </a:prstTxWarp>
+                        <a:noAutofit/>
+                      </a:bodyPr>
+                      <a:lstStyle/>
+                      <a:p>
+                        <a:endParaRPr lang="en-US"/>
+                      </a:p>
+                    </p:txBody>
+                  </p:sp>
+                </p:grpSp>
+                <p:grpSp>
+                  <p:nvGrpSpPr>
+                    <p:cNvPr id="53" name="Group 52"/>
+                    <p:cNvGrpSpPr/>
+                    <p:nvPr/>
+                  </p:nvGrpSpPr>
+                  <p:grpSpPr>
+                    <a:xfrm>
+                      <a:off x="95250" y="895350"/>
+                      <a:ext cx="6153150" cy="1509395"/>
+                      <a:chOff x="0" y="0"/>
+                      <a:chExt cx="6153150" cy="1509395"/>
+                    </a:xfrm>
+                  </p:grpSpPr>
+                  <p:grpSp>
+                    <p:nvGrpSpPr>
+                      <p:cNvPr id="54" name="Group 53"/>
+                      <p:cNvGrpSpPr/>
+                      <p:nvPr/>
+                    </p:nvGrpSpPr>
+                    <p:grpSpPr>
+                      <a:xfrm>
+                        <a:off x="0" y="0"/>
+                        <a:ext cx="4657725" cy="1509395"/>
+                        <a:chOff x="0" y="0"/>
+                        <a:chExt cx="4657725" cy="1509395"/>
+                      </a:xfrm>
+                    </p:grpSpPr>
+                    <p:grpSp>
+                      <p:nvGrpSpPr>
+                        <p:cNvPr id="56" name="Group 55"/>
+                        <p:cNvGrpSpPr/>
+                        <p:nvPr/>
+                      </p:nvGrpSpPr>
+                      <p:grpSpPr>
+                        <a:xfrm>
+                          <a:off x="1152525" y="0"/>
+                          <a:ext cx="3505200" cy="307340"/>
+                          <a:chOff x="1083970" y="1537810"/>
+                          <a:chExt cx="4456090" cy="307777"/>
+                        </a:xfrm>
+                      </p:grpSpPr>
+                      <p:sp>
+                        <p:nvSpPr>
+                          <p:cNvPr id="76" name="Rectangle 75"/>
+                          <p:cNvSpPr/>
+                          <p:nvPr/>
+                        </p:nvSpPr>
+                        <p:spPr>
+                          <a:xfrm>
+                            <a:off x="1083971" y="1537810"/>
+                            <a:ext cx="4456089" cy="307777"/>
+                          </a:xfrm>
+                          <a:prstGeom prst="rect">
+                            <a:avLst/>
+                          </a:prstGeom>
+                          <a:ln>
+                            <a:solidFill>
+                              <a:schemeClr val="accent1">
+                                <a:lumMod val="75000"/>
+                              </a:schemeClr>
+                            </a:solidFill>
+                          </a:ln>
+                        </p:spPr>
+                        <p:style>
+                          <a:lnRef idx="2">
+                            <a:schemeClr val="accent5"/>
+                          </a:lnRef>
+                          <a:fillRef idx="1">
+                            <a:schemeClr val="lt1"/>
+                          </a:fillRef>
+                          <a:effectRef idx="0">
+                            <a:schemeClr val="accent5"/>
+                          </a:effectRef>
+                          <a:fontRef idx="minor">
+                            <a:schemeClr val="dk1"/>
+                          </a:fontRef>
+                        </p:style>
+                        <p:txBody>
+                          <a:bodyPr rot="0" spcFirstLastPara="0" vert="horz" wrap="square" lIns="91440" tIns="45720" rIns="91440" bIns="45720" numCol="1" spcCol="0" rtlCol="0" fromWordArt="0" anchor="ctr" anchorCtr="0" forceAA="0" compatLnSpc="1">
+                            <a:prstTxWarp prst="textNoShape">
+                              <a:avLst/>
+                            </a:prstTxWarp>
+                            <a:noAutofit/>
+                          </a:bodyPr>
+                          <a:lstStyle/>
+                          <a:p>
+                            <a:endParaRPr lang="en-US"/>
+                          </a:p>
+                        </p:txBody>
+                      </p:sp>
+                      <p:sp>
+                        <p:nvSpPr>
+                          <p:cNvPr id="77" name="TextBox 16"/>
+                          <p:cNvSpPr txBox="1"/>
+                          <p:nvPr/>
+                        </p:nvSpPr>
+                        <p:spPr>
+                          <a:xfrm>
+                            <a:off x="1083970" y="1537810"/>
+                            <a:ext cx="4456090" cy="307777"/>
+                          </a:xfrm>
+                          <a:prstGeom prst="rect">
+                            <a:avLst/>
+                          </a:prstGeom>
+                          <a:noFill/>
+                          <a:ln>
+                            <a:solidFill>
+                              <a:schemeClr val="accent1">
+                                <a:lumMod val="75000"/>
+                              </a:schemeClr>
+                            </a:solidFill>
+                          </a:ln>
+                        </p:spPr>
+                        <p:txBody>
+                          <a:bodyPr wrap="square" rtlCol="0">
+                            <a:noAutofit/>
+                          </a:bodyPr>
+                          <a:lstStyle/>
+                          <a:p>
+                            <a:pPr>
+                              <a:spcAft>
+                                <a:spcPts val="0"/>
+                              </a:spcAft>
+                            </a:pPr>
+                            <a:r>
+                              <a:rPr lang="en-GB" sz="1200" kern="1200" dirty="0" err="1">
+                                <a:solidFill>
+                                  <a:srgbClr val="2E75B6"/>
+                                </a:solidFill>
+                                <a:effectLst/>
+                                <a:latin typeface="Times New Roman" panose="02020603050405020304" pitchFamily="18" charset="0"/>
+                                <a:ea typeface="Times New Roman" panose="02020603050405020304" pitchFamily="18" charset="0"/>
+                                <a:cs typeface="Times New Roman" panose="02020603050405020304" pitchFamily="18" charset="0"/>
+                              </a:rPr>
+                              <a:t>Ti</a:t>
+                            </a:r>
+                            <a:endParaRPr lang="en-US" sz="1200" dirty="0">
+                              <a:effectLst/>
+                              <a:latin typeface="Times New Roman" panose="02020603050405020304" pitchFamily="18" charset="0"/>
+                              <a:ea typeface="Times New Roman" panose="02020603050405020304" pitchFamily="18" charset="0"/>
+                              <a:cs typeface="Times New Roman" panose="02020603050405020304" pitchFamily="18" charset="0"/>
+                            </a:endParaRPr>
+                          </a:p>
+                        </p:txBody>
+                      </p:sp>
+                    </p:grpSp>
+                    <p:grpSp>
+                      <p:nvGrpSpPr>
+                        <p:cNvPr id="57" name="Group 56"/>
+                        <p:cNvGrpSpPr/>
+                        <p:nvPr/>
+                      </p:nvGrpSpPr>
+                      <p:grpSpPr>
+                        <a:xfrm>
+                          <a:off x="1152525" y="400050"/>
+                          <a:ext cx="3505200" cy="307340"/>
+                          <a:chOff x="1083971" y="1930975"/>
+                          <a:chExt cx="4456089" cy="307777"/>
+                        </a:xfrm>
+                      </p:grpSpPr>
+                      <p:sp>
+                        <p:nvSpPr>
+                          <p:cNvPr id="74" name="Rectangle 73"/>
+                          <p:cNvSpPr/>
+                          <p:nvPr/>
+                        </p:nvSpPr>
+                        <p:spPr>
+                          <a:xfrm>
+                            <a:off x="1083971" y="1930975"/>
+                            <a:ext cx="4456089" cy="307777"/>
+                          </a:xfrm>
+                          <a:prstGeom prst="rect">
+                            <a:avLst/>
+                          </a:prstGeom>
+                          <a:ln>
+                            <a:solidFill>
+                              <a:schemeClr val="accent1">
+                                <a:lumMod val="75000"/>
+                              </a:schemeClr>
+                            </a:solidFill>
+                          </a:ln>
+                        </p:spPr>
+                        <p:style>
+                          <a:lnRef idx="2">
+                            <a:schemeClr val="accent5"/>
+                          </a:lnRef>
+                          <a:fillRef idx="1">
+                            <a:schemeClr val="lt1"/>
+                          </a:fillRef>
+                          <a:effectRef idx="0">
+                            <a:schemeClr val="accent5"/>
+                          </a:effectRef>
+                          <a:fontRef idx="minor">
+                            <a:schemeClr val="dk1"/>
+                          </a:fontRef>
+                        </p:style>
+                        <p:txBody>
+                          <a:bodyPr rot="0" spcFirstLastPara="0" vert="horz" wrap="square" lIns="91440" tIns="45720" rIns="91440" bIns="45720" numCol="1" spcCol="0" rtlCol="0" fromWordArt="0" anchor="ctr" anchorCtr="0" forceAA="0" compatLnSpc="1">
+                            <a:prstTxWarp prst="textNoShape">
+                              <a:avLst/>
+                            </a:prstTxWarp>
+                            <a:noAutofit/>
+                          </a:bodyPr>
+                          <a:lstStyle/>
+                          <a:p>
+                            <a:endParaRPr lang="en-US"/>
+                          </a:p>
+                        </p:txBody>
+                      </p:sp>
+                      <p:sp>
+                        <p:nvSpPr>
+                          <p:cNvPr id="75" name="TextBox 21"/>
+                          <p:cNvSpPr txBox="1"/>
+                          <p:nvPr/>
+                        </p:nvSpPr>
+                        <p:spPr>
+                          <a:xfrm>
+                            <a:off x="1083971" y="1930975"/>
+                            <a:ext cx="4456089" cy="307777"/>
+                          </a:xfrm>
+                          <a:prstGeom prst="rect">
+                            <a:avLst/>
+                          </a:prstGeom>
+                          <a:noFill/>
+                          <a:ln>
+                            <a:solidFill>
+                              <a:schemeClr val="accent1">
+                                <a:lumMod val="75000"/>
+                              </a:schemeClr>
+                            </a:solidFill>
+                          </a:ln>
+                        </p:spPr>
+                        <p:txBody>
+                          <a:bodyPr wrap="square" rtlCol="0">
+                            <a:noAutofit/>
+                          </a:bodyPr>
+                          <a:lstStyle/>
+                          <a:p>
+                            <a:pPr>
+                              <a:spcAft>
+                                <a:spcPts val="0"/>
+                              </a:spcAft>
+                            </a:pPr>
+                            <a:r>
+                              <a:rPr lang="en-GB" sz="1200" dirty="0">
+                                <a:solidFill>
+                                  <a:srgbClr val="2E75B6"/>
+                                </a:solidFill>
+                                <a:latin typeface="Times New Roman" panose="02020603050405020304" pitchFamily="18" charset="0"/>
+                                <a:ea typeface="Times New Roman" panose="02020603050405020304" pitchFamily="18" charset="0"/>
+                                <a:cs typeface="Times New Roman" panose="02020603050405020304" pitchFamily="18" charset="0"/>
+                              </a:rPr>
+                              <a:t>Nguyen</a:t>
+                            </a:r>
+                            <a:r>
+                              <a:rPr lang="en-GB" sz="1200" kern="1200" dirty="0">
+                                <a:solidFill>
+                                  <a:srgbClr val="2E75B6"/>
+                                </a:solidFill>
+                                <a:effectLst/>
+                                <a:latin typeface="Times New Roman" panose="02020603050405020304" pitchFamily="18" charset="0"/>
+                                <a:ea typeface="Times New Roman" panose="02020603050405020304" pitchFamily="18" charset="0"/>
+                                <a:cs typeface="Times New Roman" panose="02020603050405020304" pitchFamily="18" charset="0"/>
+                              </a:rPr>
+                              <a:t> Van</a:t>
+                            </a:r>
+                            <a:endParaRPr lang="en-US" sz="1200" dirty="0">
+                              <a:effectLst/>
+                              <a:latin typeface="Times New Roman" panose="02020603050405020304" pitchFamily="18" charset="0"/>
+                              <a:ea typeface="Times New Roman" panose="02020603050405020304" pitchFamily="18" charset="0"/>
+                              <a:cs typeface="Times New Roman" panose="02020603050405020304" pitchFamily="18" charset="0"/>
+                            </a:endParaRPr>
+                          </a:p>
+                        </p:txBody>
+                      </p:sp>
+                    </p:grpSp>
+                    <p:grpSp>
+                      <p:nvGrpSpPr>
+                        <p:cNvPr id="58" name="Group 57"/>
+                        <p:cNvGrpSpPr/>
+                        <p:nvPr/>
+                      </p:nvGrpSpPr>
+                      <p:grpSpPr>
+                        <a:xfrm>
+                          <a:off x="1147890" y="790575"/>
+                          <a:ext cx="1410744" cy="309245"/>
+                          <a:chOff x="1079329" y="2324140"/>
+                          <a:chExt cx="1411096" cy="309600"/>
+                        </a:xfrm>
+                      </p:grpSpPr>
+                      <p:sp>
+                        <p:nvSpPr>
+                          <p:cNvPr id="72" name="Rectangle 71"/>
+                          <p:cNvSpPr/>
+                          <p:nvPr/>
+                        </p:nvSpPr>
+                        <p:spPr>
+                          <a:xfrm>
+                            <a:off x="1079329" y="2324140"/>
+                            <a:ext cx="1411096" cy="309600"/>
+                          </a:xfrm>
+                          <a:prstGeom prst="rect">
+                            <a:avLst/>
+                          </a:prstGeom>
+                          <a:solidFill>
+                            <a:schemeClr val="accent1">
+                              <a:lumMod val="20000"/>
+                              <a:lumOff val="80000"/>
+                            </a:schemeClr>
+                          </a:solidFill>
+                          <a:ln>
+                            <a:solidFill>
+                              <a:schemeClr val="accent1">
+                                <a:lumMod val="75000"/>
+                              </a:schemeClr>
+                            </a:solidFill>
+                          </a:ln>
+                        </p:spPr>
+                        <p:style>
+                          <a:lnRef idx="2">
+                            <a:schemeClr val="accent5"/>
+                          </a:lnRef>
+                          <a:fillRef idx="1">
+                            <a:schemeClr val="lt1"/>
+                          </a:fillRef>
+                          <a:effectRef idx="0">
+                            <a:schemeClr val="accent5"/>
+                          </a:effectRef>
+                          <a:fontRef idx="minor">
+                            <a:schemeClr val="dk1"/>
+                          </a:fontRef>
+                        </p:style>
+                        <p:txBody>
+                          <a:bodyPr rot="0" spcFirstLastPara="0" vert="horz" wrap="square" lIns="91440" tIns="45720" rIns="91440" bIns="45720" numCol="1" spcCol="0" rtlCol="0" fromWordArt="0" anchor="ctr" anchorCtr="0" forceAA="0" compatLnSpc="1">
+                            <a:prstTxWarp prst="textNoShape">
+                              <a:avLst/>
+                            </a:prstTxWarp>
+                            <a:noAutofit/>
+                          </a:bodyPr>
+                          <a:lstStyle/>
+                          <a:p>
+                            <a:pPr algn="ctr">
+                              <a:spcAft>
+                                <a:spcPts val="0"/>
+                              </a:spcAft>
+                            </a:pPr>
+                            <a:r>
+                              <a:rPr lang="en-GB" sz="1200" dirty="0">
+                                <a:solidFill>
+                                  <a:srgbClr val="2E75B6"/>
+                                </a:solidFill>
+                                <a:latin typeface="Times New Roman" panose="02020603050405020304" pitchFamily="18" charset="0"/>
+                                <a:ea typeface="Times New Roman" panose="02020603050405020304" pitchFamily="18" charset="0"/>
+                                <a:cs typeface="Times New Roman" panose="02020603050405020304" pitchFamily="18" charset="0"/>
+                              </a:rPr>
+                              <a:t>Male</a:t>
+                            </a:r>
+                            <a:endParaRPr lang="en-US" sz="1200" dirty="0">
+                              <a:solidFill>
+                                <a:srgbClr val="2E75B6"/>
+                              </a:solidFill>
+                              <a:latin typeface="Times New Roman" panose="02020603050405020304" pitchFamily="18" charset="0"/>
+                              <a:ea typeface="Times New Roman" panose="02020603050405020304" pitchFamily="18" charset="0"/>
+                              <a:cs typeface="Times New Roman" panose="02020603050405020304" pitchFamily="18" charset="0"/>
+                            </a:endParaRPr>
+                          </a:p>
+                        </p:txBody>
+                      </p:sp>
+                      <p:sp>
+                        <p:nvSpPr>
+                          <p:cNvPr id="73" name="Isosceles Triangle 72"/>
+                          <p:cNvSpPr/>
+                          <p:nvPr/>
+                        </p:nvSpPr>
+                        <p:spPr>
+                          <a:xfrm rot="10800000">
+                            <a:off x="2254071" y="2442116"/>
+                            <a:ext cx="115534" cy="86740"/>
+                          </a:xfrm>
+                          <a:prstGeom prst="triangle">
+                            <a:avLst/>
+                          </a:prstGeom>
+                          <a:ln>
+                            <a:solidFill>
+                              <a:schemeClr val="accent1">
+                                <a:lumMod val="75000"/>
+                              </a:schemeClr>
+                            </a:solidFill>
+                          </a:ln>
+                        </p:spPr>
+                        <p:style>
+                          <a:lnRef idx="2">
+                            <a:schemeClr val="accent1">
+                              <a:shade val="50000"/>
+                            </a:schemeClr>
+                          </a:lnRef>
+                          <a:fillRef idx="1">
+                            <a:schemeClr val="accent1"/>
+                          </a:fillRef>
+                          <a:effectRef idx="0">
+                            <a:schemeClr val="accent1"/>
+                          </a:effectRef>
+                          <a:fontRef idx="minor">
+                            <a:schemeClr val="lt1"/>
+                          </a:fontRef>
+                        </p:style>
+                        <p:txBody>
+                          <a:bodyPr rot="0" spcFirstLastPara="0" vert="horz" wrap="square" lIns="91440" tIns="45720" rIns="91440" bIns="45720" numCol="1" spcCol="0" rtlCol="0" fromWordArt="0" anchor="ctr" anchorCtr="0" forceAA="0" compatLnSpc="1">
+                            <a:prstTxWarp prst="textNoShape">
+                              <a:avLst/>
+                            </a:prstTxWarp>
+                            <a:noAutofit/>
+                          </a:bodyPr>
+                          <a:lstStyle/>
+                          <a:p>
+                            <a:endParaRPr lang="en-US"/>
+                          </a:p>
+                        </p:txBody>
+                      </p:sp>
+                    </p:grpSp>
+                    <p:grpSp>
+                      <p:nvGrpSpPr>
+                        <p:cNvPr id="59" name="Group 58"/>
+                        <p:cNvGrpSpPr/>
+                        <p:nvPr/>
+                      </p:nvGrpSpPr>
+                      <p:grpSpPr>
+                        <a:xfrm>
+                          <a:off x="1152525" y="1200150"/>
+                          <a:ext cx="796290" cy="309245"/>
+                          <a:chOff x="1081733" y="2734115"/>
+                          <a:chExt cx="1878169" cy="309600"/>
+                        </a:xfrm>
+                      </p:grpSpPr>
+                      <p:sp>
+                        <p:nvSpPr>
+                          <p:cNvPr id="70" name="Rectangle 69"/>
+                          <p:cNvSpPr/>
+                          <p:nvPr/>
+                        </p:nvSpPr>
+                        <p:spPr>
+                          <a:xfrm>
+                            <a:off x="1081733" y="2734115"/>
+                            <a:ext cx="1878169" cy="309600"/>
+                          </a:xfrm>
+                          <a:prstGeom prst="rect">
+                            <a:avLst/>
+                          </a:prstGeom>
+                          <a:solidFill>
+                            <a:schemeClr val="accent1">
+                              <a:lumMod val="20000"/>
+                              <a:lumOff val="80000"/>
+                            </a:schemeClr>
+                          </a:solidFill>
+                          <a:ln>
+                            <a:solidFill>
+                              <a:schemeClr val="accent1">
+                                <a:lumMod val="75000"/>
+                              </a:schemeClr>
+                            </a:solidFill>
+                          </a:ln>
+                        </p:spPr>
+                        <p:style>
+                          <a:lnRef idx="2">
+                            <a:schemeClr val="accent5"/>
+                          </a:lnRef>
+                          <a:fillRef idx="1">
+                            <a:schemeClr val="lt1"/>
+                          </a:fillRef>
+                          <a:effectRef idx="0">
+                            <a:schemeClr val="accent5"/>
+                          </a:effectRef>
+                          <a:fontRef idx="minor">
+                            <a:schemeClr val="dk1"/>
+                          </a:fontRef>
+                        </p:style>
+                        <p:txBody>
+                          <a:bodyPr rot="0" spcFirstLastPara="0" vert="horz" wrap="square" lIns="91440" tIns="45720" rIns="91440" bIns="45720" numCol="1" spcCol="0" rtlCol="0" fromWordArt="0" anchor="ctr" anchorCtr="0" forceAA="0" compatLnSpc="1">
+                            <a:prstTxWarp prst="textNoShape">
+                              <a:avLst/>
+                            </a:prstTxWarp>
+                            <a:noAutofit/>
+                          </a:bodyPr>
+                          <a:lstStyle/>
+                          <a:p>
+                            <a:pPr algn="ctr">
+                              <a:spcAft>
+                                <a:spcPts val="0"/>
+                              </a:spcAft>
+                            </a:pPr>
+                            <a:r>
+                              <a:rPr lang="en-GB" sz="1200" dirty="0" smtClean="0">
+                                <a:solidFill>
+                                  <a:srgbClr val="2E75B6"/>
+                                </a:solidFill>
+                                <a:latin typeface="Times New Roman" panose="02020603050405020304" pitchFamily="18" charset="0"/>
+                                <a:ea typeface="Times New Roman" panose="02020603050405020304" pitchFamily="18" charset="0"/>
+                                <a:cs typeface="Times New Roman" panose="02020603050405020304" pitchFamily="18" charset="0"/>
+                              </a:rPr>
+                              <a:t>25</a:t>
+                            </a:r>
+                            <a:endParaRPr lang="en-US" sz="1200" dirty="0">
+                              <a:solidFill>
+                                <a:srgbClr val="2E75B6"/>
+                              </a:solidFill>
+                              <a:latin typeface="Times New Roman" panose="02020603050405020304" pitchFamily="18" charset="0"/>
+                              <a:ea typeface="Times New Roman" panose="02020603050405020304" pitchFamily="18" charset="0"/>
+                              <a:cs typeface="Times New Roman" panose="02020603050405020304" pitchFamily="18" charset="0"/>
+                            </a:endParaRPr>
+                          </a:p>
+                        </p:txBody>
+                      </p:sp>
+                      <p:sp>
+                        <p:nvSpPr>
+                          <p:cNvPr id="71" name="Isosceles Triangle 70"/>
+                          <p:cNvSpPr/>
+                          <p:nvPr/>
+                        </p:nvSpPr>
+                        <p:spPr>
+                          <a:xfrm rot="10800000">
+                            <a:off x="2632857" y="2859618"/>
+                            <a:ext cx="153774" cy="71686"/>
+                          </a:xfrm>
+                          <a:prstGeom prst="triangle">
+                            <a:avLst/>
+                          </a:prstGeom>
+                          <a:ln>
+                            <a:solidFill>
+                              <a:schemeClr val="accent1">
+                                <a:lumMod val="75000"/>
+                              </a:schemeClr>
+                            </a:solidFill>
+                          </a:ln>
+                        </p:spPr>
+                        <p:style>
+                          <a:lnRef idx="2">
+                            <a:schemeClr val="accent1">
+                              <a:shade val="50000"/>
+                            </a:schemeClr>
+                          </a:lnRef>
+                          <a:fillRef idx="1">
+                            <a:schemeClr val="accent1"/>
+                          </a:fillRef>
+                          <a:effectRef idx="0">
+                            <a:schemeClr val="accent1"/>
+                          </a:effectRef>
+                          <a:fontRef idx="minor">
+                            <a:schemeClr val="lt1"/>
+                          </a:fontRef>
+                        </p:style>
+                        <p:txBody>
+                          <a:bodyPr rot="0" spcFirstLastPara="0" vert="horz" wrap="square" lIns="91440" tIns="45720" rIns="91440" bIns="45720" numCol="1" spcCol="0" rtlCol="0" fromWordArt="0" anchor="ctr" anchorCtr="0" forceAA="0" compatLnSpc="1">
+                            <a:prstTxWarp prst="textNoShape">
+                              <a:avLst/>
+                            </a:prstTxWarp>
+                            <a:noAutofit/>
+                          </a:bodyPr>
+                          <a:lstStyle/>
+                          <a:p>
+                            <a:endParaRPr lang="en-US"/>
+                          </a:p>
+                        </p:txBody>
+                      </p:sp>
+                    </p:grpSp>
+                    <p:grpSp>
+                      <p:nvGrpSpPr>
+                        <p:cNvPr id="60" name="Group 59"/>
+                        <p:cNvGrpSpPr/>
+                        <p:nvPr/>
+                      </p:nvGrpSpPr>
+                      <p:grpSpPr>
+                        <a:xfrm>
+                          <a:off x="2009775" y="1200150"/>
+                          <a:ext cx="963295" cy="309245"/>
+                          <a:chOff x="1940082" y="2734115"/>
+                          <a:chExt cx="1878169" cy="309600"/>
+                        </a:xfrm>
+                      </p:grpSpPr>
+                      <p:sp>
+                        <p:nvSpPr>
+                          <p:cNvPr id="68" name="Rectangle 67"/>
+                          <p:cNvSpPr/>
+                          <p:nvPr/>
+                        </p:nvSpPr>
+                        <p:spPr>
+                          <a:xfrm>
+                            <a:off x="1940082" y="2734115"/>
+                            <a:ext cx="1878169" cy="309600"/>
+                          </a:xfrm>
+                          <a:prstGeom prst="rect">
+                            <a:avLst/>
+                          </a:prstGeom>
+                          <a:solidFill>
+                            <a:schemeClr val="accent1">
+                              <a:lumMod val="20000"/>
+                              <a:lumOff val="80000"/>
+                            </a:schemeClr>
+                          </a:solidFill>
+                          <a:ln>
+                            <a:solidFill>
+                              <a:schemeClr val="accent1">
+                                <a:lumMod val="75000"/>
+                              </a:schemeClr>
+                            </a:solidFill>
+                          </a:ln>
+                        </p:spPr>
+                        <p:style>
+                          <a:lnRef idx="2">
+                            <a:schemeClr val="accent5"/>
+                          </a:lnRef>
+                          <a:fillRef idx="1">
+                            <a:schemeClr val="lt1"/>
+                          </a:fillRef>
+                          <a:effectRef idx="0">
+                            <a:schemeClr val="accent5"/>
+                          </a:effectRef>
+                          <a:fontRef idx="minor">
+                            <a:schemeClr val="dk1"/>
+                          </a:fontRef>
+                        </p:style>
+                        <p:txBody>
+                          <a:bodyPr rot="0" spcFirstLastPara="0" vert="horz" wrap="square" lIns="91440" tIns="45720" rIns="91440" bIns="45720" numCol="1" spcCol="0" rtlCol="0" fromWordArt="0" anchor="ctr" anchorCtr="0" forceAA="0" compatLnSpc="1">
+                            <a:prstTxWarp prst="textNoShape">
+                              <a:avLst/>
+                            </a:prstTxWarp>
+                            <a:noAutofit/>
+                          </a:bodyPr>
+                          <a:lstStyle/>
+                          <a:p>
+                            <a:pPr algn="ctr">
+                              <a:spcAft>
+                                <a:spcPts val="0"/>
+                              </a:spcAft>
+                            </a:pPr>
+                            <a:r>
+                              <a:rPr lang="en-GB" sz="1200" dirty="0" smtClean="0">
+                                <a:solidFill>
+                                  <a:srgbClr val="2E75B6"/>
+                                </a:solidFill>
+                                <a:latin typeface="Times New Roman" panose="02020603050405020304" pitchFamily="18" charset="0"/>
+                                <a:ea typeface="Times New Roman" panose="02020603050405020304" pitchFamily="18" charset="0"/>
+                                <a:cs typeface="Times New Roman" panose="02020603050405020304" pitchFamily="18" charset="0"/>
+                              </a:rPr>
+                              <a:t>December</a:t>
+                            </a:r>
+                            <a:endParaRPr lang="en-US" sz="1200" dirty="0">
+                              <a:solidFill>
+                                <a:srgbClr val="2E75B6"/>
+                              </a:solidFill>
+                              <a:latin typeface="Times New Roman" panose="02020603050405020304" pitchFamily="18" charset="0"/>
+                              <a:ea typeface="Times New Roman" panose="02020603050405020304" pitchFamily="18" charset="0"/>
+                              <a:cs typeface="Times New Roman" panose="02020603050405020304" pitchFamily="18" charset="0"/>
+                            </a:endParaRPr>
+                          </a:p>
+                        </p:txBody>
+                      </p:sp>
+                      <p:sp>
+                        <p:nvSpPr>
+                          <p:cNvPr id="69" name="Isosceles Triangle 68"/>
+                          <p:cNvSpPr/>
+                          <p:nvPr/>
+                        </p:nvSpPr>
+                        <p:spPr>
+                          <a:xfrm rot="10800000">
+                            <a:off x="3569930" y="2859618"/>
+                            <a:ext cx="153774" cy="71686"/>
+                          </a:xfrm>
+                          <a:prstGeom prst="triangle">
+                            <a:avLst/>
+                          </a:prstGeom>
+                          <a:ln>
+                            <a:solidFill>
+                              <a:schemeClr val="accent1">
+                                <a:lumMod val="75000"/>
+                              </a:schemeClr>
+                            </a:solidFill>
+                          </a:ln>
+                        </p:spPr>
+                        <p:style>
+                          <a:lnRef idx="2">
+                            <a:schemeClr val="accent1">
+                              <a:shade val="50000"/>
+                            </a:schemeClr>
+                          </a:lnRef>
+                          <a:fillRef idx="1">
+                            <a:schemeClr val="accent1"/>
+                          </a:fillRef>
+                          <a:effectRef idx="0">
+                            <a:schemeClr val="accent1"/>
+                          </a:effectRef>
+                          <a:fontRef idx="minor">
+                            <a:schemeClr val="lt1"/>
+                          </a:fontRef>
+                        </p:style>
+                        <p:txBody>
+                          <a:bodyPr rot="0" spcFirstLastPara="0" vert="horz" wrap="square" lIns="91440" tIns="45720" rIns="91440" bIns="45720" numCol="1" spcCol="0" rtlCol="0" fromWordArt="0" anchor="ctr" anchorCtr="0" forceAA="0" compatLnSpc="1">
+                            <a:prstTxWarp prst="textNoShape">
+                              <a:avLst/>
+                            </a:prstTxWarp>
+                            <a:noAutofit/>
+                          </a:bodyPr>
+                          <a:lstStyle/>
+                          <a:p>
+                            <a:endParaRPr lang="en-US"/>
+                          </a:p>
+                        </p:txBody>
+                      </p:sp>
+                    </p:grpSp>
+                    <p:grpSp>
+                      <p:nvGrpSpPr>
+                        <p:cNvPr id="61" name="Group 60"/>
+                        <p:cNvGrpSpPr/>
+                        <p:nvPr/>
+                      </p:nvGrpSpPr>
+                      <p:grpSpPr>
+                        <a:xfrm>
+                          <a:off x="3028950" y="1200150"/>
+                          <a:ext cx="796290" cy="309245"/>
+                          <a:chOff x="2960085" y="2734115"/>
+                          <a:chExt cx="1878169" cy="309600"/>
+                        </a:xfrm>
+                      </p:grpSpPr>
+                      <p:sp>
+                        <p:nvSpPr>
+                          <p:cNvPr id="66" name="Rectangle 65"/>
+                          <p:cNvSpPr/>
+                          <p:nvPr/>
+                        </p:nvSpPr>
+                        <p:spPr>
+                          <a:xfrm>
+                            <a:off x="2960085" y="2734115"/>
+                            <a:ext cx="1878169" cy="309600"/>
+                          </a:xfrm>
+                          <a:prstGeom prst="rect">
+                            <a:avLst/>
+                          </a:prstGeom>
+                          <a:solidFill>
+                            <a:schemeClr val="accent1">
+                              <a:lumMod val="20000"/>
+                              <a:lumOff val="80000"/>
+                            </a:schemeClr>
+                          </a:solidFill>
+                          <a:ln>
+                            <a:solidFill>
+                              <a:schemeClr val="accent1">
+                                <a:lumMod val="75000"/>
+                              </a:schemeClr>
+                            </a:solidFill>
+                          </a:ln>
+                        </p:spPr>
+                        <p:style>
+                          <a:lnRef idx="2">
+                            <a:schemeClr val="accent5"/>
+                          </a:lnRef>
+                          <a:fillRef idx="1">
+                            <a:schemeClr val="lt1"/>
+                          </a:fillRef>
+                          <a:effectRef idx="0">
+                            <a:schemeClr val="accent5"/>
+                          </a:effectRef>
+                          <a:fontRef idx="minor">
+                            <a:schemeClr val="dk1"/>
+                          </a:fontRef>
+                        </p:style>
+                        <p:txBody>
+                          <a:bodyPr rot="0" spcFirstLastPara="0" vert="horz" wrap="square" lIns="91440" tIns="45720" rIns="91440" bIns="45720" numCol="1" spcCol="0" rtlCol="0" fromWordArt="0" anchor="ctr" anchorCtr="0" forceAA="0" compatLnSpc="1">
+                            <a:prstTxWarp prst="textNoShape">
+                              <a:avLst/>
+                            </a:prstTxWarp>
+                            <a:noAutofit/>
+                          </a:bodyPr>
+                          <a:lstStyle/>
+                          <a:p>
+                            <a:pPr algn="ctr">
+                              <a:spcAft>
+                                <a:spcPts val="0"/>
+                              </a:spcAft>
+                            </a:pPr>
+                            <a:r>
+                              <a:rPr lang="en-GB" sz="1200" dirty="0" smtClean="0">
+                                <a:solidFill>
+                                  <a:srgbClr val="2E75B6"/>
+                                </a:solidFill>
+                                <a:latin typeface="Times New Roman" panose="02020603050405020304" pitchFamily="18" charset="0"/>
+                                <a:ea typeface="Times New Roman" panose="02020603050405020304" pitchFamily="18" charset="0"/>
+                                <a:cs typeface="Times New Roman" panose="02020603050405020304" pitchFamily="18" charset="0"/>
+                              </a:rPr>
+                              <a:t>1999</a:t>
+                            </a:r>
+                            <a:endParaRPr lang="en-US" sz="1200" dirty="0">
+                              <a:solidFill>
+                                <a:srgbClr val="2E75B6"/>
+                              </a:solidFill>
+                              <a:latin typeface="Times New Roman" panose="02020603050405020304" pitchFamily="18" charset="0"/>
+                              <a:ea typeface="Times New Roman" panose="02020603050405020304" pitchFamily="18" charset="0"/>
+                              <a:cs typeface="Times New Roman" panose="02020603050405020304" pitchFamily="18" charset="0"/>
+                            </a:endParaRPr>
+                          </a:p>
+                        </p:txBody>
+                      </p:sp>
+                      <p:sp>
+                        <p:nvSpPr>
+                          <p:cNvPr id="67" name="Isosceles Triangle 66"/>
+                          <p:cNvSpPr/>
+                          <p:nvPr/>
+                        </p:nvSpPr>
+                        <p:spPr>
+                          <a:xfrm rot="10800000">
+                            <a:off x="4511209" y="2859618"/>
+                            <a:ext cx="153774" cy="71686"/>
+                          </a:xfrm>
+                          <a:prstGeom prst="triangle">
+                            <a:avLst/>
+                          </a:prstGeom>
+                          <a:ln>
+                            <a:solidFill>
+                              <a:schemeClr val="accent1">
+                                <a:lumMod val="75000"/>
+                              </a:schemeClr>
+                            </a:solidFill>
+                          </a:ln>
+                        </p:spPr>
+                        <p:style>
+                          <a:lnRef idx="2">
+                            <a:schemeClr val="accent1">
+                              <a:shade val="50000"/>
+                            </a:schemeClr>
+                          </a:lnRef>
+                          <a:fillRef idx="1">
+                            <a:schemeClr val="accent1"/>
+                          </a:fillRef>
+                          <a:effectRef idx="0">
+                            <a:schemeClr val="accent1"/>
+                          </a:effectRef>
+                          <a:fontRef idx="minor">
+                            <a:schemeClr val="lt1"/>
+                          </a:fontRef>
+                        </p:style>
+                        <p:txBody>
+                          <a:bodyPr rot="0" spcFirstLastPara="0" vert="horz" wrap="square" lIns="91440" tIns="45720" rIns="91440" bIns="45720" numCol="1" spcCol="0" rtlCol="0" fromWordArt="0" anchor="ctr" anchorCtr="0" forceAA="0" compatLnSpc="1">
+                            <a:prstTxWarp prst="textNoShape">
+                              <a:avLst/>
+                            </a:prstTxWarp>
+                            <a:noAutofit/>
+                          </a:bodyPr>
+                          <a:lstStyle/>
+                          <a:p>
+                            <a:endParaRPr lang="en-US"/>
+                          </a:p>
+                        </p:txBody>
+                      </p:sp>
+                    </p:grpSp>
+                    <p:sp>
+                      <p:nvSpPr>
+                        <p:cNvPr id="62" name="Text Box 1"/>
+                        <p:cNvSpPr txBox="1"/>
+                        <p:nvPr/>
+                      </p:nvSpPr>
+                      <p:spPr>
+                        <a:xfrm>
+                          <a:off x="0" y="9525"/>
+                          <a:ext cx="1123950" cy="304800"/>
+                        </a:xfrm>
+                        <a:prstGeom prst="rect">
+                          <a:avLst/>
+                        </a:prstGeom>
+                        <a:noFill/>
+                        <a:ln w="6350">
+                          <a:noFill/>
+                        </a:ln>
+                        <a:effectLst/>
+                      </p:spPr>
+                      <p:style>
+                        <a:lnRef idx="0">
+                          <a:schemeClr val="accent1"/>
+                        </a:lnRef>
+                        <a:fillRef idx="0">
+                          <a:schemeClr val="accent1"/>
+                        </a:fillRef>
+                        <a:effectRef idx="0">
+                          <a:schemeClr val="accent1"/>
+                        </a:effectRef>
+                        <a:fontRef idx="minor">
+                          <a:schemeClr val="dk1"/>
+                        </a:fontRef>
+                      </p:style>
+                      <p:txBody>
+                        <a:bodyPr rot="0" spcFirstLastPara="0" vert="horz" wrap="square" lIns="91440" tIns="45720" rIns="91440" bIns="45720" numCol="1" spcCol="0" rtlCol="0" fromWordArt="0" anchor="ctr" anchorCtr="0" forceAA="0" compatLnSpc="1">
+                          <a:prstTxWarp prst="textNoShape">
+                            <a:avLst/>
+                          </a:prstTxWarp>
+                          <a:noAutofit/>
+                        </a:bodyPr>
+                        <a:lstStyle/>
+                        <a:p>
+                          <a:pPr>
+                            <a:lnSpc>
+                              <a:spcPct val="107000"/>
+                            </a:lnSpc>
+                            <a:spcAft>
+                              <a:spcPts val="800"/>
+                            </a:spcAft>
+                          </a:pPr>
+                          <a:r>
+                            <a:rPr lang="en-US" sz="1200" b="1" dirty="0">
+                              <a:solidFill>
+                                <a:srgbClr val="2E75B6"/>
+                              </a:solidFill>
+                              <a:effectLst/>
+                              <a:latin typeface="Times New Roman" panose="02020603050405020304" pitchFamily="18" charset="0"/>
+                              <a:ea typeface="Calibri" panose="020F0502020204030204" pitchFamily="34" charset="0"/>
+                              <a:cs typeface="Times New Roman" panose="02020603050405020304" pitchFamily="18" charset="0"/>
+                            </a:rPr>
+                            <a:t>First name</a:t>
+                          </a:r>
+                          <a:endParaRPr lang="en-US" sz="1200" dirty="0">
+                            <a:effectLst/>
+                            <a:latin typeface="Times New Roman" panose="02020603050405020304" pitchFamily="18" charset="0"/>
+                            <a:ea typeface="Calibri" panose="020F0502020204030204" pitchFamily="34" charset="0"/>
+                            <a:cs typeface="Times New Roman" panose="02020603050405020304" pitchFamily="18" charset="0"/>
+                          </a:endParaRPr>
+                        </a:p>
+                      </p:txBody>
+                    </p:sp>
+                    <p:sp>
+                      <p:nvSpPr>
+                        <p:cNvPr id="63" name="Text Box 3"/>
+                        <p:cNvSpPr txBox="1"/>
+                        <p:nvPr/>
+                      </p:nvSpPr>
+                      <p:spPr>
+                        <a:xfrm>
+                          <a:off x="0" y="390525"/>
+                          <a:ext cx="1123950" cy="304800"/>
+                        </a:xfrm>
+                        <a:prstGeom prst="rect">
+                          <a:avLst/>
+                        </a:prstGeom>
+                        <a:noFill/>
+                        <a:ln w="6350">
+                          <a:noFill/>
+                        </a:ln>
+                        <a:effectLst/>
+                      </p:spPr>
+                      <p:style>
+                        <a:lnRef idx="0">
+                          <a:schemeClr val="accent1"/>
+                        </a:lnRef>
+                        <a:fillRef idx="0">
+                          <a:schemeClr val="accent1"/>
+                        </a:fillRef>
+                        <a:effectRef idx="0">
+                          <a:schemeClr val="accent1"/>
+                        </a:effectRef>
+                        <a:fontRef idx="minor">
+                          <a:schemeClr val="dk1"/>
+                        </a:fontRef>
+                      </p:style>
+                      <p:txBody>
+                        <a:bodyPr rot="0" spcFirstLastPara="0" vert="horz" wrap="square" lIns="91440" tIns="45720" rIns="91440" bIns="45720" numCol="1" spcCol="0" rtlCol="0" fromWordArt="0" anchor="ctr" anchorCtr="0" forceAA="0" compatLnSpc="1">
+                          <a:prstTxWarp prst="textNoShape">
+                            <a:avLst/>
+                          </a:prstTxWarp>
+                          <a:noAutofit/>
+                        </a:bodyPr>
+                        <a:lstStyle/>
+                        <a:p>
+                          <a:pPr>
+                            <a:lnSpc>
+                              <a:spcPct val="107000"/>
+                            </a:lnSpc>
+                            <a:spcAft>
+                              <a:spcPts val="800"/>
+                            </a:spcAft>
+                          </a:pPr>
+                          <a:r>
+                            <a:rPr lang="en-US" sz="1200" b="1" dirty="0">
+                              <a:solidFill>
+                                <a:srgbClr val="2E75B6"/>
+                              </a:solidFill>
+                              <a:effectLst/>
+                              <a:latin typeface="Times New Roman" panose="02020603050405020304" pitchFamily="18" charset="0"/>
+                              <a:ea typeface="Calibri" panose="020F0502020204030204" pitchFamily="34" charset="0"/>
+                              <a:cs typeface="Times New Roman" panose="02020603050405020304" pitchFamily="18" charset="0"/>
+                            </a:rPr>
+                            <a:t>Last name</a:t>
+                          </a:r>
+                          <a:endParaRPr lang="en-US" sz="1200" dirty="0">
+                            <a:effectLst/>
+                            <a:latin typeface="Times New Roman" panose="02020603050405020304" pitchFamily="18" charset="0"/>
+                            <a:ea typeface="Calibri" panose="020F0502020204030204" pitchFamily="34" charset="0"/>
+                            <a:cs typeface="Times New Roman" panose="02020603050405020304" pitchFamily="18" charset="0"/>
+                          </a:endParaRPr>
+                        </a:p>
+                      </p:txBody>
+                    </p:sp>
+                    <p:sp>
+                      <p:nvSpPr>
+                        <p:cNvPr id="64" name="Text Box 4"/>
+                        <p:cNvSpPr txBox="1"/>
+                        <p:nvPr/>
+                      </p:nvSpPr>
+                      <p:spPr>
+                        <a:xfrm>
+                          <a:off x="0" y="781050"/>
+                          <a:ext cx="1123950" cy="304800"/>
+                        </a:xfrm>
+                        <a:prstGeom prst="rect">
+                          <a:avLst/>
+                        </a:prstGeom>
+                        <a:noFill/>
+                        <a:ln w="6350">
+                          <a:noFill/>
+                        </a:ln>
+                        <a:effectLst/>
+                      </p:spPr>
+                      <p:style>
+                        <a:lnRef idx="0">
+                          <a:schemeClr val="accent1"/>
+                        </a:lnRef>
+                        <a:fillRef idx="0">
+                          <a:schemeClr val="accent1"/>
+                        </a:fillRef>
+                        <a:effectRef idx="0">
+                          <a:schemeClr val="accent1"/>
+                        </a:effectRef>
+                        <a:fontRef idx="minor">
+                          <a:schemeClr val="dk1"/>
+                        </a:fontRef>
+                      </p:style>
+                      <p:txBody>
+                        <a:bodyPr rot="0" spcFirstLastPara="0" vert="horz" wrap="square" lIns="91440" tIns="45720" rIns="91440" bIns="45720" numCol="1" spcCol="0" rtlCol="0" fromWordArt="0" anchor="ctr" anchorCtr="0" forceAA="0" compatLnSpc="1">
+                          <a:prstTxWarp prst="textNoShape">
+                            <a:avLst/>
+                          </a:prstTxWarp>
+                          <a:noAutofit/>
+                        </a:bodyPr>
+                        <a:lstStyle/>
+                        <a:p>
+                          <a:pPr>
+                            <a:lnSpc>
+                              <a:spcPct val="107000"/>
+                            </a:lnSpc>
+                            <a:spcAft>
+                              <a:spcPts val="800"/>
+                            </a:spcAft>
+                          </a:pPr>
+                          <a:r>
+                            <a:rPr lang="en-US" sz="1200" b="1" dirty="0">
+                              <a:solidFill>
+                                <a:srgbClr val="2E75B6"/>
+                              </a:solidFill>
+                              <a:latin typeface="Times New Roman" panose="02020603050405020304" pitchFamily="18" charset="0"/>
+                              <a:ea typeface="Calibri" panose="020F0502020204030204" pitchFamily="34" charset="0"/>
+                              <a:cs typeface="Times New Roman" panose="02020603050405020304" pitchFamily="18" charset="0"/>
+                            </a:rPr>
+                            <a:t>Gender</a:t>
+                          </a:r>
+                        </a:p>
+                      </p:txBody>
+                    </p:sp>
+                    <p:sp>
+                      <p:nvSpPr>
+                        <p:cNvPr id="65" name="Text Box 7"/>
+                        <p:cNvSpPr txBox="1"/>
+                        <p:nvPr/>
+                      </p:nvSpPr>
+                      <p:spPr>
+                        <a:xfrm>
+                          <a:off x="0" y="1200150"/>
+                          <a:ext cx="1123950" cy="304800"/>
+                        </a:xfrm>
+                        <a:prstGeom prst="rect">
+                          <a:avLst/>
+                        </a:prstGeom>
+                        <a:noFill/>
+                        <a:ln w="6350">
+                          <a:noFill/>
+                        </a:ln>
+                        <a:effectLst/>
+                      </p:spPr>
+                      <p:style>
+                        <a:lnRef idx="0">
+                          <a:schemeClr val="accent1"/>
+                        </a:lnRef>
+                        <a:fillRef idx="0">
+                          <a:schemeClr val="accent1"/>
+                        </a:fillRef>
+                        <a:effectRef idx="0">
+                          <a:schemeClr val="accent1"/>
+                        </a:effectRef>
+                        <a:fontRef idx="minor">
+                          <a:schemeClr val="dk1"/>
+                        </a:fontRef>
+                      </p:style>
+                      <p:txBody>
+                        <a:bodyPr rot="0" spcFirstLastPara="0" vert="horz" wrap="square" lIns="91440" tIns="45720" rIns="91440" bIns="45720" numCol="1" spcCol="0" rtlCol="0" fromWordArt="0" anchor="ctr" anchorCtr="0" forceAA="0" compatLnSpc="1">
+                          <a:prstTxWarp prst="textNoShape">
+                            <a:avLst/>
+                          </a:prstTxWarp>
+                          <a:noAutofit/>
+                        </a:bodyPr>
+                        <a:lstStyle/>
+                        <a:p>
+                          <a:pPr>
+                            <a:lnSpc>
+                              <a:spcPct val="107000"/>
+                            </a:lnSpc>
+                            <a:spcAft>
+                              <a:spcPts val="800"/>
+                            </a:spcAft>
+                          </a:pPr>
+                          <a:r>
+                            <a:rPr lang="en-US" sz="1200" b="1" dirty="0">
+                              <a:solidFill>
+                                <a:srgbClr val="2E75B6"/>
+                              </a:solidFill>
+                              <a:latin typeface="Times New Roman" panose="02020603050405020304" pitchFamily="18" charset="0"/>
+                              <a:ea typeface="Calibri" panose="020F0502020204030204" pitchFamily="34" charset="0"/>
+                              <a:cs typeface="Times New Roman" panose="02020603050405020304" pitchFamily="18" charset="0"/>
+                            </a:rPr>
+                            <a:t>Birthday</a:t>
+                          </a:r>
+                        </a:p>
+                      </p:txBody>
+                    </p:sp>
+                  </p:grpSp>
+                  <p:pic>
+                    <p:nvPicPr>
+                      <p:cNvPr id="55" name="Picture 54"/>
+                      <p:cNvPicPr>
+                        <a:picLocks noChangeAspect="1"/>
+                      </p:cNvPicPr>
+                      <p:nvPr/>
+                    </p:nvPicPr>
+                    <p:blipFill>
+                      <a:blip r:embed="rId2">
+                        <a:extLst>
+                          <a:ext uri="{28A0092B-C50C-407E-A947-70E740481C1C}">
+                            <a14:useLocalDpi xmlns:a14="http://schemas.microsoft.com/office/drawing/2010/main" val="0"/>
+                          </a:ext>
+                        </a:extLst>
+                      </a:blip>
+                      <a:stretch>
+                        <a:fillRect/>
+                      </a:stretch>
+                    </p:blipFill>
+                    <p:spPr>
+                      <a:xfrm>
+                        <a:off x="4791075" y="0"/>
+                        <a:ext cx="1362075" cy="1362075"/>
+                      </a:xfrm>
+                      <a:prstGeom prst="rect">
+                        <a:avLst/>
+                      </a:prstGeom>
+                      <a:ln>
+                        <a:solidFill>
+                          <a:schemeClr val="accent1">
+                            <a:lumMod val="75000"/>
+                          </a:schemeClr>
+                        </a:solidFill>
+                      </a:ln>
+                    </p:spPr>
+                  </p:pic>
+                </p:grpSp>
+              </p:grpSp>
+              <p:sp>
+                <p:nvSpPr>
+                  <p:cNvPr id="51" name="Rectangle 50"/>
+                  <p:cNvSpPr/>
+                  <p:nvPr/>
+                </p:nvSpPr>
+                <p:spPr>
+                  <a:xfrm>
+                    <a:off x="4895850" y="2000250"/>
+                    <a:ext cx="1333500" cy="247650"/>
+                  </a:xfrm>
+                  <a:prstGeom prst="rect">
+                    <a:avLst/>
+                  </a:prstGeom>
+                  <a:solidFill>
+                    <a:schemeClr val="accent1">
+                      <a:lumMod val="60000"/>
+                      <a:lumOff val="40000"/>
+                    </a:schemeClr>
+                  </a:solidFill>
+                  <a:ln>
+                    <a:noFill/>
+                  </a:ln>
+                </p:spPr>
+                <p:style>
+                  <a:lnRef idx="2">
+                    <a:schemeClr val="accent1">
+                      <a:shade val="50000"/>
+                    </a:schemeClr>
+                  </a:lnRef>
+                  <a:fillRef idx="1">
+                    <a:schemeClr val="accent1"/>
+                  </a:fillRef>
+                  <a:effectRef idx="0">
+                    <a:schemeClr val="accent1"/>
+                  </a:effectRef>
+                  <a:fontRef idx="minor">
+                    <a:schemeClr val="lt1"/>
+                  </a:fontRef>
+                </p:style>
+                <p:txBody>
+                  <a:bodyPr rot="0" spcFirstLastPara="0" vert="horz" wrap="square" lIns="91440" tIns="45720" rIns="91440" bIns="45720" numCol="1" spcCol="0" rtlCol="0" fromWordArt="0" anchor="ctr" anchorCtr="0" forceAA="0" compatLnSpc="1">
+                    <a:prstTxWarp prst="textNoShape">
+                      <a:avLst/>
+                    </a:prstTxWarp>
+                    <a:noAutofit/>
+                  </a:bodyPr>
+                  <a:lstStyle/>
+                  <a:p>
+                    <a:pPr algn="ctr">
+                      <a:lnSpc>
+                        <a:spcPct val="107000"/>
+                      </a:lnSpc>
+                      <a:spcAft>
+                        <a:spcPts val="800"/>
+                      </a:spcAft>
+                    </a:pPr>
+                    <a:r>
+                      <a:rPr lang="en-US" sz="1100">
+                        <a:effectLst/>
+                        <a:ea typeface="Calibri" panose="020F0502020204030204" pitchFamily="34" charset="0"/>
+                        <a:cs typeface="Times New Roman" panose="02020603050405020304" pitchFamily="18" charset="0"/>
+                      </a:rPr>
+                      <a:t>Change avatar</a:t>
+                    </a:r>
+                  </a:p>
+                </p:txBody>
+              </p:sp>
+            </p:grpSp>
+            <p:grpSp>
+              <p:nvGrpSpPr>
+                <p:cNvPr id="32" name="Group 31"/>
+                <p:cNvGrpSpPr/>
+                <p:nvPr/>
+              </p:nvGrpSpPr>
+              <p:grpSpPr>
+                <a:xfrm>
+                  <a:off x="133350" y="3395488"/>
+                  <a:ext cx="6374765" cy="2800348"/>
+                  <a:chOff x="19050" y="-109712"/>
+                  <a:chExt cx="6374765" cy="2800348"/>
+                </a:xfrm>
+              </p:grpSpPr>
+              <p:grpSp>
+                <p:nvGrpSpPr>
+                  <p:cNvPr id="33" name="Group 32"/>
+                  <p:cNvGrpSpPr/>
+                  <p:nvPr/>
+                </p:nvGrpSpPr>
+                <p:grpSpPr>
+                  <a:xfrm>
+                    <a:off x="19050" y="-109712"/>
+                    <a:ext cx="6374765" cy="2800348"/>
+                    <a:chOff x="19050" y="-109712"/>
+                    <a:chExt cx="6374765" cy="2800348"/>
+                  </a:xfrm>
+                </p:grpSpPr>
+                <p:grpSp>
+                  <p:nvGrpSpPr>
+                    <p:cNvPr id="37" name="Group 36"/>
+                    <p:cNvGrpSpPr/>
+                    <p:nvPr/>
+                  </p:nvGrpSpPr>
+                  <p:grpSpPr>
+                    <a:xfrm>
+                      <a:off x="19050" y="-109712"/>
+                      <a:ext cx="6374765" cy="2800348"/>
+                      <a:chOff x="131536" y="710373"/>
+                      <a:chExt cx="5228823" cy="2800523"/>
+                    </a:xfrm>
+                  </p:grpSpPr>
+                  <p:sp>
+                    <p:nvSpPr>
+                      <p:cNvPr id="48" name="Rectangle 47"/>
+                      <p:cNvSpPr/>
+                      <p:nvPr/>
+                    </p:nvSpPr>
+                    <p:spPr>
+                      <a:xfrm>
+                        <a:off x="131536" y="710373"/>
+                        <a:ext cx="1510549" cy="463640"/>
+                      </a:xfrm>
+                      <a:prstGeom prst="rect">
+                        <a:avLst/>
+                      </a:prstGeom>
+                      <a:ln>
+                        <a:solidFill>
+                          <a:schemeClr val="accent1">
+                            <a:lumMod val="75000"/>
+                          </a:schemeClr>
+                        </a:solidFill>
+                      </a:ln>
+                    </p:spPr>
+                    <p:style>
+                      <a:lnRef idx="2">
+                        <a:schemeClr val="accent1">
+                          <a:shade val="50000"/>
+                        </a:schemeClr>
+                      </a:lnRef>
+                      <a:fillRef idx="1">
+                        <a:schemeClr val="accent1"/>
+                      </a:fillRef>
+                      <a:effectRef idx="0">
+                        <a:schemeClr val="accent1"/>
+                      </a:effectRef>
+                      <a:fontRef idx="minor">
+                        <a:schemeClr val="lt1"/>
+                      </a:fontRef>
+                    </p:style>
+                    <p:txBody>
+                      <a:bodyPr rot="0" spcFirstLastPara="0" vert="horz" wrap="square" lIns="91440" tIns="45720" rIns="91440" bIns="45720" numCol="1" spcCol="0" rtlCol="0" fromWordArt="0" anchor="ctr" anchorCtr="0" forceAA="0" compatLnSpc="1">
+                        <a:prstTxWarp prst="textNoShape">
+                          <a:avLst/>
+                        </a:prstTxWarp>
+                        <a:noAutofit/>
+                      </a:bodyPr>
+                      <a:lstStyle/>
+                      <a:p>
+                        <a:pPr algn="ctr">
+                          <a:spcAft>
+                            <a:spcPts val="0"/>
+                          </a:spcAft>
+                        </a:pPr>
+                        <a:r>
+                          <a:rPr lang="en-GB" sz="1800" kern="1200">
+                            <a:solidFill>
+                              <a:srgbClr val="FEFEFE"/>
+                            </a:solidFill>
+                            <a:effectLst/>
+                            <a:ea typeface="Times New Roman" panose="02020603050405020304" pitchFamily="18" charset="0"/>
+                            <a:cs typeface="Times New Roman" panose="02020603050405020304" pitchFamily="18" charset="0"/>
+                          </a:rPr>
+                          <a:t>Contact info</a:t>
+                        </a:r>
+                        <a:endParaRPr lang="en-US" sz="1200">
+                          <a:effectLst/>
+                          <a:latin typeface="Times New Roman" panose="02020603050405020304" pitchFamily="18" charset="0"/>
+                          <a:ea typeface="Times New Roman" panose="02020603050405020304" pitchFamily="18" charset="0"/>
+                        </a:endParaRPr>
+                      </a:p>
+                    </p:txBody>
+                  </p:sp>
+                  <p:sp>
+                    <p:nvSpPr>
+                      <p:cNvPr id="49" name="Rectangle 48"/>
+                      <p:cNvSpPr/>
+                      <p:nvPr/>
+                    </p:nvSpPr>
+                    <p:spPr>
+                      <a:xfrm>
+                        <a:off x="131536" y="1174013"/>
+                        <a:ext cx="5228823" cy="2336883"/>
+                      </a:xfrm>
+                      <a:prstGeom prst="rect">
+                        <a:avLst/>
+                      </a:prstGeom>
+                      <a:ln>
+                        <a:solidFill>
+                          <a:schemeClr val="accent1">
+                            <a:lumMod val="75000"/>
+                          </a:schemeClr>
+                        </a:solidFill>
+                      </a:ln>
+                    </p:spPr>
+                    <p:style>
+                      <a:lnRef idx="2">
+                        <a:schemeClr val="dk1"/>
+                      </a:lnRef>
+                      <a:fillRef idx="1">
+                        <a:schemeClr val="lt1"/>
+                      </a:fillRef>
+                      <a:effectRef idx="0">
+                        <a:schemeClr val="dk1"/>
+                      </a:effectRef>
+                      <a:fontRef idx="minor">
+                        <a:schemeClr val="dk1"/>
+                      </a:fontRef>
+                    </p:style>
+                    <p:txBody>
+                      <a:bodyPr rot="0" spcFirstLastPara="0" vert="horz" wrap="square" lIns="91440" tIns="45720" rIns="91440" bIns="45720" numCol="1" spcCol="0" rtlCol="0" fromWordArt="0" anchor="ctr" anchorCtr="0" forceAA="0" compatLnSpc="1">
+                        <a:prstTxWarp prst="textNoShape">
+                          <a:avLst/>
+                        </a:prstTxWarp>
+                        <a:noAutofit/>
+                      </a:bodyPr>
+                      <a:lstStyle/>
+                      <a:p>
+                        <a:endParaRPr lang="en-US"/>
+                      </a:p>
+                    </p:txBody>
+                  </p:sp>
+                </p:grpSp>
+                <p:grpSp>
+                  <p:nvGrpSpPr>
+                    <p:cNvPr id="38" name="Group 37"/>
+                    <p:cNvGrpSpPr/>
+                    <p:nvPr/>
+                  </p:nvGrpSpPr>
+                  <p:grpSpPr>
+                    <a:xfrm>
+                      <a:off x="76200" y="895350"/>
+                      <a:ext cx="4676775" cy="1066800"/>
+                      <a:chOff x="-19050" y="0"/>
+                      <a:chExt cx="4676775" cy="1066800"/>
+                    </a:xfrm>
+                  </p:grpSpPr>
+                  <p:grpSp>
+                    <p:nvGrpSpPr>
+                      <p:cNvPr id="39" name="Group 38"/>
+                      <p:cNvGrpSpPr/>
+                      <p:nvPr/>
+                    </p:nvGrpSpPr>
+                    <p:grpSpPr>
+                      <a:xfrm>
+                        <a:off x="1152525" y="0"/>
+                        <a:ext cx="3505200" cy="307340"/>
+                        <a:chOff x="1083970" y="1537810"/>
+                        <a:chExt cx="4456090" cy="307777"/>
+                      </a:xfrm>
+                    </p:grpSpPr>
+                    <p:sp>
+                      <p:nvSpPr>
+                        <p:cNvPr id="46" name="Rectangle 45"/>
+                        <p:cNvSpPr/>
+                        <p:nvPr/>
+                      </p:nvSpPr>
+                      <p:spPr>
+                        <a:xfrm>
+                          <a:off x="1083971" y="1537810"/>
+                          <a:ext cx="4456089" cy="307777"/>
+                        </a:xfrm>
+                        <a:prstGeom prst="rect">
+                          <a:avLst/>
+                        </a:prstGeom>
+                        <a:ln>
+                          <a:solidFill>
+                            <a:schemeClr val="accent1">
+                              <a:lumMod val="75000"/>
+                            </a:schemeClr>
+                          </a:solidFill>
+                        </a:ln>
+                      </p:spPr>
+                      <p:style>
+                        <a:lnRef idx="2">
+                          <a:schemeClr val="accent5"/>
+                        </a:lnRef>
+                        <a:fillRef idx="1">
+                          <a:schemeClr val="lt1"/>
+                        </a:fillRef>
+                        <a:effectRef idx="0">
+                          <a:schemeClr val="accent5"/>
+                        </a:effectRef>
+                        <a:fontRef idx="minor">
+                          <a:schemeClr val="dk1"/>
+                        </a:fontRef>
+                      </p:style>
+                      <p:txBody>
+                        <a:bodyPr rot="0" spcFirstLastPara="0" vert="horz" wrap="square" lIns="91440" tIns="45720" rIns="91440" bIns="45720" numCol="1" spcCol="0" rtlCol="0" fromWordArt="0" anchor="ctr" anchorCtr="0" forceAA="0" compatLnSpc="1">
+                          <a:prstTxWarp prst="textNoShape">
+                            <a:avLst/>
+                          </a:prstTxWarp>
+                          <a:noAutofit/>
+                        </a:bodyPr>
+                        <a:lstStyle/>
+                        <a:p>
+                          <a:endParaRPr lang="en-US"/>
+                        </a:p>
+                      </p:txBody>
+                    </p:sp>
+                    <p:sp>
+                      <p:nvSpPr>
+                        <p:cNvPr id="47" name="TextBox 16"/>
+                        <p:cNvSpPr txBox="1"/>
+                        <p:nvPr/>
+                      </p:nvSpPr>
+                      <p:spPr>
+                        <a:xfrm>
+                          <a:off x="1083970" y="1537810"/>
+                          <a:ext cx="4456090" cy="307777"/>
+                        </a:xfrm>
+                        <a:prstGeom prst="rect">
+                          <a:avLst/>
+                        </a:prstGeom>
+                        <a:noFill/>
+                        <a:ln>
+                          <a:solidFill>
+                            <a:schemeClr val="accent1">
+                              <a:lumMod val="75000"/>
+                            </a:schemeClr>
+                          </a:solidFill>
+                        </a:ln>
+                      </p:spPr>
+                      <p:txBody>
+                        <a:bodyPr wrap="square" rtlCol="0">
+                          <a:noAutofit/>
+                        </a:bodyPr>
+                        <a:lstStyle/>
+                        <a:p>
+                          <a:pPr>
+                            <a:spcAft>
+                              <a:spcPts val="0"/>
+                            </a:spcAft>
+                          </a:pPr>
+                          <a:r>
+                            <a:rPr lang="en-GB" sz="1200" kern="1200" dirty="0">
+                              <a:solidFill>
+                                <a:srgbClr val="2E75B6"/>
+                              </a:solidFill>
+                              <a:effectLst/>
+                              <a:latin typeface="Times New Roman" panose="02020603050405020304" pitchFamily="18" charset="0"/>
+                              <a:ea typeface="Times New Roman" panose="02020603050405020304" pitchFamily="18" charset="0"/>
+                              <a:cs typeface="Times New Roman" panose="02020603050405020304" pitchFamily="18" charset="0"/>
+                            </a:rPr>
+                            <a:t>111/222 Tieu La street, Ward </a:t>
+                          </a:r>
+                          <a:r>
+                            <a:rPr lang="en-GB" sz="1200" kern="1200" dirty="0" err="1">
+                              <a:solidFill>
+                                <a:srgbClr val="2E75B6"/>
+                              </a:solidFill>
+                              <a:effectLst/>
+                              <a:latin typeface="Times New Roman" panose="02020603050405020304" pitchFamily="18" charset="0"/>
+                              <a:ea typeface="Times New Roman" panose="02020603050405020304" pitchFamily="18" charset="0"/>
+                              <a:cs typeface="Times New Roman" panose="02020603050405020304" pitchFamily="18" charset="0"/>
+                            </a:rPr>
+                            <a:t>Dakao</a:t>
+                          </a:r>
+                          <a:r>
+                            <a:rPr lang="en-GB" sz="1200" kern="1200" dirty="0">
+                              <a:solidFill>
+                                <a:srgbClr val="2E75B6"/>
+                              </a:solidFill>
+                              <a:effectLst/>
+                              <a:latin typeface="Times New Roman" panose="02020603050405020304" pitchFamily="18" charset="0"/>
+                              <a:ea typeface="Times New Roman" panose="02020603050405020304" pitchFamily="18" charset="0"/>
+                              <a:cs typeface="Times New Roman" panose="02020603050405020304" pitchFamily="18" charset="0"/>
+                            </a:rPr>
+                            <a:t>, District 1</a:t>
+                          </a:r>
+                          <a:endParaRPr lang="en-US" sz="1200" dirty="0">
+                            <a:effectLst/>
+                            <a:latin typeface="Times New Roman" panose="02020603050405020304" pitchFamily="18" charset="0"/>
+                            <a:ea typeface="Times New Roman" panose="02020603050405020304" pitchFamily="18" charset="0"/>
+                            <a:cs typeface="Times New Roman" panose="02020603050405020304" pitchFamily="18" charset="0"/>
+                          </a:endParaRPr>
+                        </a:p>
+                      </p:txBody>
+                    </p:sp>
+                  </p:grpSp>
+                  <p:grpSp>
+                    <p:nvGrpSpPr>
+                      <p:cNvPr id="40" name="Group 39"/>
+                      <p:cNvGrpSpPr/>
+                      <p:nvPr/>
+                    </p:nvGrpSpPr>
+                    <p:grpSpPr>
+                      <a:xfrm>
+                        <a:off x="1147893" y="371469"/>
+                        <a:ext cx="1410742" cy="309245"/>
+                        <a:chOff x="1079329" y="1904556"/>
+                        <a:chExt cx="1411094" cy="309600"/>
+                      </a:xfrm>
+                    </p:grpSpPr>
+                    <p:sp>
+                      <p:nvSpPr>
+                        <p:cNvPr id="44" name="Rectangle 43"/>
+                        <p:cNvSpPr/>
+                        <p:nvPr/>
+                      </p:nvSpPr>
+                      <p:spPr>
+                        <a:xfrm>
+                          <a:off x="1079329" y="1904556"/>
+                          <a:ext cx="1411094" cy="309600"/>
+                        </a:xfrm>
+                        <a:prstGeom prst="rect">
+                          <a:avLst/>
+                        </a:prstGeom>
+                        <a:solidFill>
+                          <a:schemeClr val="accent1">
+                            <a:lumMod val="20000"/>
+                            <a:lumOff val="80000"/>
+                          </a:schemeClr>
+                        </a:solidFill>
+                        <a:ln>
+                          <a:solidFill>
+                            <a:schemeClr val="accent1">
+                              <a:lumMod val="75000"/>
+                            </a:schemeClr>
+                          </a:solidFill>
+                        </a:ln>
+                      </p:spPr>
+                      <p:style>
+                        <a:lnRef idx="2">
+                          <a:schemeClr val="accent5"/>
+                        </a:lnRef>
+                        <a:fillRef idx="1">
+                          <a:schemeClr val="lt1"/>
+                        </a:fillRef>
+                        <a:effectRef idx="0">
+                          <a:schemeClr val="accent5"/>
+                        </a:effectRef>
+                        <a:fontRef idx="minor">
+                          <a:schemeClr val="dk1"/>
+                        </a:fontRef>
+                      </p:style>
+                      <p:txBody>
+                        <a:bodyPr rot="0" spcFirstLastPara="0" vert="horz" wrap="square" lIns="91440" tIns="45720" rIns="91440" bIns="45720" numCol="1" spcCol="0" rtlCol="0" fromWordArt="0" anchor="ctr" anchorCtr="0" forceAA="0" compatLnSpc="1">
+                          <a:prstTxWarp prst="textNoShape">
+                            <a:avLst/>
+                          </a:prstTxWarp>
+                          <a:noAutofit/>
+                        </a:bodyPr>
+                        <a:lstStyle/>
+                        <a:p>
+                          <a:pPr algn="ctr">
+                            <a:spcAft>
+                              <a:spcPts val="0"/>
+                            </a:spcAft>
+                          </a:pPr>
+                          <a:r>
+                            <a:rPr lang="en-GB" sz="1200" kern="1200" dirty="0" err="1">
+                              <a:solidFill>
+                                <a:srgbClr val="2E75B6"/>
+                              </a:solidFill>
+                              <a:effectLst/>
+                              <a:latin typeface="Times New Roman" panose="02020603050405020304" pitchFamily="18" charset="0"/>
+                              <a:ea typeface="Times New Roman" panose="02020603050405020304" pitchFamily="18" charset="0"/>
+                              <a:cs typeface="Times New Roman" panose="02020603050405020304" pitchFamily="18" charset="0"/>
+                            </a:rPr>
+                            <a:t>Ho</a:t>
+                          </a:r>
+                          <a:r>
+                            <a:rPr lang="en-GB" sz="1200" kern="1200" dirty="0">
+                              <a:solidFill>
+                                <a:srgbClr val="2E75B6"/>
+                              </a:solidFill>
+                              <a:effectLst/>
+                              <a:latin typeface="Times New Roman" panose="02020603050405020304" pitchFamily="18" charset="0"/>
+                              <a:ea typeface="Times New Roman" panose="02020603050405020304" pitchFamily="18" charset="0"/>
+                              <a:cs typeface="Times New Roman" panose="02020603050405020304" pitchFamily="18" charset="0"/>
+                            </a:rPr>
+                            <a:t> Chi Minh</a:t>
+                          </a:r>
+                          <a:endParaRPr lang="en-US" sz="1200" dirty="0">
+                            <a:effectLst/>
+                            <a:latin typeface="Times New Roman" panose="02020603050405020304" pitchFamily="18" charset="0"/>
+                            <a:ea typeface="Times New Roman" panose="02020603050405020304" pitchFamily="18" charset="0"/>
+                            <a:cs typeface="Times New Roman" panose="02020603050405020304" pitchFamily="18" charset="0"/>
+                          </a:endParaRPr>
+                        </a:p>
+                      </p:txBody>
+                    </p:sp>
+                    <p:sp>
+                      <p:nvSpPr>
+                        <p:cNvPr id="45" name="Isosceles Triangle 44"/>
+                        <p:cNvSpPr/>
+                        <p:nvPr/>
+                      </p:nvSpPr>
+                      <p:spPr>
+                        <a:xfrm rot="10800000">
+                          <a:off x="2268845" y="2026478"/>
+                          <a:ext cx="105032" cy="78855"/>
+                        </a:xfrm>
+                        <a:prstGeom prst="triangle">
+                          <a:avLst/>
+                        </a:prstGeom>
+                        <a:ln>
+                          <a:solidFill>
+                            <a:schemeClr val="accent1">
+                              <a:lumMod val="75000"/>
+                            </a:schemeClr>
+                          </a:solidFill>
+                        </a:ln>
+                      </p:spPr>
+                      <p:style>
+                        <a:lnRef idx="2">
+                          <a:schemeClr val="accent1">
+                            <a:shade val="50000"/>
+                          </a:schemeClr>
+                        </a:lnRef>
+                        <a:fillRef idx="1">
+                          <a:schemeClr val="accent1"/>
+                        </a:fillRef>
+                        <a:effectRef idx="0">
+                          <a:schemeClr val="accent1"/>
+                        </a:effectRef>
+                        <a:fontRef idx="minor">
+                          <a:schemeClr val="lt1"/>
+                        </a:fontRef>
+                      </p:style>
+                      <p:txBody>
+                        <a:bodyPr rot="0" spcFirstLastPara="0" vert="horz" wrap="square" lIns="91440" tIns="45720" rIns="91440" bIns="45720" numCol="1" spcCol="0" rtlCol="0" fromWordArt="0" anchor="ctr" anchorCtr="0" forceAA="0" compatLnSpc="1">
+                          <a:prstTxWarp prst="textNoShape">
+                            <a:avLst/>
+                          </a:prstTxWarp>
+                          <a:noAutofit/>
+                        </a:bodyPr>
+                        <a:lstStyle/>
+                        <a:p>
+                          <a:endParaRPr lang="en-US"/>
+                        </a:p>
+                      </p:txBody>
+                    </p:sp>
+                  </p:grpSp>
+                  <p:sp>
+                    <p:nvSpPr>
+                      <p:cNvPr id="41" name="Text Box 61"/>
+                      <p:cNvSpPr txBox="1"/>
+                      <p:nvPr/>
+                    </p:nvSpPr>
+                    <p:spPr>
+                      <a:xfrm>
+                        <a:off x="0" y="9525"/>
+                        <a:ext cx="1123950" cy="304800"/>
+                      </a:xfrm>
+                      <a:prstGeom prst="rect">
+                        <a:avLst/>
+                      </a:prstGeom>
+                      <a:noFill/>
+                      <a:ln w="6350">
+                        <a:noFill/>
+                      </a:ln>
+                      <a:effectLst/>
+                    </p:spPr>
+                    <p:style>
+                      <a:lnRef idx="0">
+                        <a:schemeClr val="accent1"/>
+                      </a:lnRef>
+                      <a:fillRef idx="0">
+                        <a:schemeClr val="accent1"/>
+                      </a:fillRef>
+                      <a:effectRef idx="0">
+                        <a:schemeClr val="accent1"/>
+                      </a:effectRef>
+                      <a:fontRef idx="minor">
+                        <a:schemeClr val="dk1"/>
+                      </a:fontRef>
+                    </p:style>
+                    <p:txBody>
+                      <a:bodyPr rot="0" spcFirstLastPara="0" vert="horz" wrap="square" lIns="91440" tIns="45720" rIns="91440" bIns="45720" numCol="1" spcCol="0" rtlCol="0" fromWordArt="0" anchor="ctr" anchorCtr="0" forceAA="0" compatLnSpc="1">
+                        <a:prstTxWarp prst="textNoShape">
+                          <a:avLst/>
+                        </a:prstTxWarp>
+                        <a:noAutofit/>
+                      </a:bodyPr>
+                      <a:lstStyle/>
+                      <a:p>
+                        <a:pPr>
+                          <a:lnSpc>
+                            <a:spcPct val="107000"/>
+                          </a:lnSpc>
+                          <a:spcAft>
+                            <a:spcPts val="800"/>
+                          </a:spcAft>
+                        </a:pPr>
+                        <a:r>
+                          <a:rPr lang="en-US" sz="1200" b="1" dirty="0" smtClean="0">
+                            <a:solidFill>
+                              <a:srgbClr val="2E75B6"/>
+                            </a:solidFill>
+                            <a:latin typeface="Times New Roman" panose="02020603050405020304" pitchFamily="18" charset="0"/>
+                            <a:ea typeface="Calibri" panose="020F0502020204030204" pitchFamily="34" charset="0"/>
+                            <a:cs typeface="Times New Roman" panose="02020603050405020304" pitchFamily="18" charset="0"/>
+                          </a:rPr>
+                          <a:t>Address</a:t>
+                        </a:r>
+                        <a:endParaRPr lang="en-US" sz="1200" b="1" dirty="0">
+                          <a:solidFill>
+                            <a:srgbClr val="2E75B6"/>
+                          </a:solidFill>
+                          <a:latin typeface="Times New Roman" panose="02020603050405020304" pitchFamily="18" charset="0"/>
+                          <a:ea typeface="Calibri" panose="020F0502020204030204" pitchFamily="34" charset="0"/>
+                          <a:cs typeface="Times New Roman" panose="02020603050405020304" pitchFamily="18" charset="0"/>
+                        </a:endParaRPr>
+                      </a:p>
+                    </p:txBody>
+                  </p:sp>
+                  <p:sp>
+                    <p:nvSpPr>
+                      <p:cNvPr id="42" name="Text Box 63"/>
+                      <p:cNvSpPr txBox="1"/>
+                      <p:nvPr/>
+                    </p:nvSpPr>
+                    <p:spPr>
+                      <a:xfrm>
+                        <a:off x="0" y="361950"/>
+                        <a:ext cx="1123950" cy="304800"/>
+                      </a:xfrm>
+                      <a:prstGeom prst="rect">
+                        <a:avLst/>
+                      </a:prstGeom>
+                      <a:noFill/>
+                      <a:ln w="6350">
+                        <a:noFill/>
+                      </a:ln>
+                      <a:effectLst/>
+                    </p:spPr>
+                    <p:style>
+                      <a:lnRef idx="0">
+                        <a:schemeClr val="accent1"/>
+                      </a:lnRef>
+                      <a:fillRef idx="0">
+                        <a:schemeClr val="accent1"/>
+                      </a:fillRef>
+                      <a:effectRef idx="0">
+                        <a:schemeClr val="accent1"/>
+                      </a:effectRef>
+                      <a:fontRef idx="minor">
+                        <a:schemeClr val="dk1"/>
+                      </a:fontRef>
+                    </p:style>
+                    <p:txBody>
+                      <a:bodyPr rot="0" spcFirstLastPara="0" vert="horz" wrap="square" lIns="91440" tIns="45720" rIns="91440" bIns="45720" numCol="1" spcCol="0" rtlCol="0" fromWordArt="0" anchor="ctr" anchorCtr="0" forceAA="0" compatLnSpc="1">
+                        <a:prstTxWarp prst="textNoShape">
+                          <a:avLst/>
+                        </a:prstTxWarp>
+                        <a:noAutofit/>
+                      </a:bodyPr>
+                      <a:lstStyle/>
+                      <a:p>
+                        <a:pPr>
+                          <a:lnSpc>
+                            <a:spcPct val="107000"/>
+                          </a:lnSpc>
+                          <a:spcAft>
+                            <a:spcPts val="800"/>
+                          </a:spcAft>
+                        </a:pPr>
+                        <a:r>
+                          <a:rPr lang="en-US" sz="1200" b="1" dirty="0">
+                            <a:solidFill>
+                              <a:srgbClr val="2E75B6"/>
+                            </a:solidFill>
+                            <a:latin typeface="Times New Roman" panose="02020603050405020304" pitchFamily="18" charset="0"/>
+                            <a:ea typeface="Calibri" panose="020F0502020204030204" pitchFamily="34" charset="0"/>
+                            <a:cs typeface="Times New Roman" panose="02020603050405020304" pitchFamily="18" charset="0"/>
+                          </a:rPr>
+                          <a:t>City</a:t>
+                        </a:r>
+                      </a:p>
+                    </p:txBody>
+                  </p:sp>
+                  <p:sp>
+                    <p:nvSpPr>
+                      <p:cNvPr id="43" name="Text Box 64"/>
+                      <p:cNvSpPr txBox="1"/>
+                      <p:nvPr/>
+                    </p:nvSpPr>
+                    <p:spPr>
+                      <a:xfrm>
+                        <a:off x="-19050" y="762000"/>
+                        <a:ext cx="1123950" cy="304800"/>
+                      </a:xfrm>
+                      <a:prstGeom prst="rect">
+                        <a:avLst/>
+                      </a:prstGeom>
+                      <a:noFill/>
+                      <a:ln w="6350">
+                        <a:noFill/>
+                      </a:ln>
+                      <a:effectLst/>
+                    </p:spPr>
+                    <p:style>
+                      <a:lnRef idx="0">
+                        <a:schemeClr val="accent1"/>
+                      </a:lnRef>
+                      <a:fillRef idx="0">
+                        <a:schemeClr val="accent1"/>
+                      </a:fillRef>
+                      <a:effectRef idx="0">
+                        <a:schemeClr val="accent1"/>
+                      </a:effectRef>
+                      <a:fontRef idx="minor">
+                        <a:schemeClr val="dk1"/>
+                      </a:fontRef>
+                    </p:style>
+                    <p:txBody>
+                      <a:bodyPr rot="0" spcFirstLastPara="0" vert="horz" wrap="square" lIns="91440" tIns="45720" rIns="91440" bIns="45720" numCol="1" spcCol="0" rtlCol="0" fromWordArt="0" anchor="ctr" anchorCtr="0" forceAA="0" compatLnSpc="1">
+                        <a:prstTxWarp prst="textNoShape">
+                          <a:avLst/>
+                        </a:prstTxWarp>
+                        <a:noAutofit/>
+                      </a:bodyPr>
+                      <a:lstStyle/>
+                      <a:p>
+                        <a:pPr>
+                          <a:lnSpc>
+                            <a:spcPct val="107000"/>
+                          </a:lnSpc>
+                          <a:spcAft>
+                            <a:spcPts val="800"/>
+                          </a:spcAft>
+                        </a:pPr>
+                        <a:r>
+                          <a:rPr lang="en-US" sz="1200" b="1" dirty="0">
+                            <a:solidFill>
+                              <a:srgbClr val="2E75B6"/>
+                            </a:solidFill>
+                            <a:latin typeface="Times New Roman" panose="02020603050405020304" pitchFamily="18" charset="0"/>
+                            <a:ea typeface="Calibri" panose="020F0502020204030204" pitchFamily="34" charset="0"/>
+                            <a:cs typeface="Times New Roman" panose="02020603050405020304" pitchFamily="18" charset="0"/>
+                          </a:rPr>
+                          <a:t>Email</a:t>
+                        </a:r>
+                      </a:p>
+                    </p:txBody>
+                  </p:sp>
+                </p:grpSp>
+              </p:grpSp>
+              <p:sp>
+                <p:nvSpPr>
+                  <p:cNvPr id="34" name="TextBox 16"/>
+                  <p:cNvSpPr txBox="1"/>
+                  <p:nvPr/>
+                </p:nvSpPr>
+                <p:spPr>
+                  <a:xfrm>
+                    <a:off x="1247775" y="1666875"/>
+                    <a:ext cx="3505200" cy="307340"/>
+                  </a:xfrm>
+                  <a:prstGeom prst="rect">
+                    <a:avLst/>
+                  </a:prstGeom>
+                  <a:noFill/>
+                  <a:ln>
+                    <a:solidFill>
+                      <a:schemeClr val="accent1">
+                        <a:lumMod val="75000"/>
+                      </a:schemeClr>
+                    </a:solidFill>
+                  </a:ln>
+                </p:spPr>
+                <p:txBody>
+                  <a:bodyPr wrap="square" rtlCol="0">
+                    <a:noAutofit/>
+                  </a:bodyPr>
+                  <a:lstStyle/>
+                  <a:p>
+                    <a:pPr>
+                      <a:spcAft>
+                        <a:spcPts val="0"/>
+                      </a:spcAft>
+                    </a:pPr>
+                    <a:r>
+                      <a:rPr lang="en-GB" sz="1200" dirty="0">
+                        <a:solidFill>
+                          <a:srgbClr val="2E75B6"/>
+                        </a:solidFill>
+                        <a:latin typeface="Times New Roman" panose="02020603050405020304" pitchFamily="18" charset="0"/>
+                        <a:ea typeface="Times New Roman" panose="02020603050405020304" pitchFamily="18" charset="0"/>
+                        <a:cs typeface="Times New Roman" panose="02020603050405020304" pitchFamily="18" charset="0"/>
+                      </a:rPr>
+                      <a:t>boss@mulodo.com</a:t>
+                    </a:r>
+                    <a:endParaRPr lang="en-US" sz="1200" dirty="0">
+                      <a:solidFill>
+                        <a:srgbClr val="2E75B6"/>
+                      </a:solidFill>
+                      <a:latin typeface="Times New Roman" panose="02020603050405020304" pitchFamily="18" charset="0"/>
+                      <a:ea typeface="Times New Roman" panose="02020603050405020304" pitchFamily="18" charset="0"/>
+                      <a:cs typeface="Times New Roman" panose="02020603050405020304" pitchFamily="18" charset="0"/>
+                    </a:endParaRPr>
+                  </a:p>
+                </p:txBody>
+              </p:sp>
+              <p:sp>
+                <p:nvSpPr>
+                  <p:cNvPr id="35" name="Text Box 71"/>
+                  <p:cNvSpPr txBox="1"/>
+                  <p:nvPr/>
+                </p:nvSpPr>
+                <p:spPr>
+                  <a:xfrm>
+                    <a:off x="66675" y="2000250"/>
+                    <a:ext cx="1123950" cy="304800"/>
+                  </a:xfrm>
+                  <a:prstGeom prst="rect">
+                    <a:avLst/>
+                  </a:prstGeom>
+                  <a:noFill/>
+                  <a:ln w="6350">
+                    <a:noFill/>
+                  </a:ln>
+                  <a:effectLst/>
+                </p:spPr>
+                <p:style>
+                  <a:lnRef idx="0">
+                    <a:schemeClr val="accent1"/>
+                  </a:lnRef>
+                  <a:fillRef idx="0">
+                    <a:schemeClr val="accent1"/>
+                  </a:fillRef>
+                  <a:effectRef idx="0">
+                    <a:schemeClr val="accent1"/>
+                  </a:effectRef>
+                  <a:fontRef idx="minor">
+                    <a:schemeClr val="dk1"/>
+                  </a:fontRef>
+                </p:style>
+                <p:txBody>
+                  <a:bodyPr rot="0" spcFirstLastPara="0" vert="horz" wrap="square" lIns="91440" tIns="45720" rIns="91440" bIns="45720" numCol="1" spcCol="0" rtlCol="0" fromWordArt="0" anchor="ctr" anchorCtr="0" forceAA="0" compatLnSpc="1">
+                    <a:prstTxWarp prst="textNoShape">
+                      <a:avLst/>
+                    </a:prstTxWarp>
+                    <a:noAutofit/>
+                  </a:bodyPr>
+                  <a:lstStyle/>
+                  <a:p>
+                    <a:pPr>
+                      <a:lnSpc>
+                        <a:spcPct val="107000"/>
+                      </a:lnSpc>
+                      <a:spcAft>
+                        <a:spcPts val="800"/>
+                      </a:spcAft>
+                    </a:pPr>
+                    <a:r>
+                      <a:rPr lang="en-US" sz="1200" b="1" dirty="0">
+                        <a:solidFill>
+                          <a:srgbClr val="2E75B6"/>
+                        </a:solidFill>
+                        <a:latin typeface="Times New Roman" panose="02020603050405020304" pitchFamily="18" charset="0"/>
+                        <a:ea typeface="Calibri" panose="020F0502020204030204" pitchFamily="34" charset="0"/>
+                        <a:cs typeface="Times New Roman" panose="02020603050405020304" pitchFamily="18" charset="0"/>
+                      </a:rPr>
+                      <a:t>Mobile</a:t>
+                    </a:r>
+                  </a:p>
+                </p:txBody>
+              </p:sp>
+              <p:sp>
+                <p:nvSpPr>
+                  <p:cNvPr id="36" name="TextBox 16"/>
+                  <p:cNvSpPr txBox="1"/>
+                  <p:nvPr/>
+                </p:nvSpPr>
+                <p:spPr>
+                  <a:xfrm>
+                    <a:off x="1238250" y="2019300"/>
+                    <a:ext cx="3505200" cy="307340"/>
+                  </a:xfrm>
+                  <a:prstGeom prst="rect">
+                    <a:avLst/>
+                  </a:prstGeom>
+                  <a:noFill/>
+                  <a:ln>
+                    <a:solidFill>
+                      <a:schemeClr val="accent1">
+                        <a:lumMod val="75000"/>
+                      </a:schemeClr>
+                    </a:solidFill>
+                  </a:ln>
+                </p:spPr>
+                <p:txBody>
+                  <a:bodyPr wrap="square" rtlCol="0">
+                    <a:noAutofit/>
+                  </a:bodyPr>
+                  <a:lstStyle/>
+                  <a:p>
+                    <a:pPr>
+                      <a:spcAft>
+                        <a:spcPts val="0"/>
+                      </a:spcAft>
+                    </a:pPr>
+                    <a:r>
+                      <a:rPr lang="en-GB" sz="1200" kern="1200" dirty="0">
+                        <a:solidFill>
+                          <a:srgbClr val="2E75B6"/>
+                        </a:solidFill>
+                        <a:effectLst/>
+                        <a:latin typeface="Times New Roman" panose="02020603050405020304" pitchFamily="18" charset="0"/>
+                        <a:ea typeface="Times New Roman" panose="02020603050405020304" pitchFamily="18" charset="0"/>
+                        <a:cs typeface="Times New Roman" panose="02020603050405020304" pitchFamily="18" charset="0"/>
+                      </a:rPr>
+                      <a:t>0123 456 </a:t>
+                    </a:r>
+                    <a:r>
+                      <a:rPr lang="en-GB" sz="1200" dirty="0">
+                        <a:solidFill>
+                          <a:srgbClr val="2E75B6"/>
+                        </a:solidFill>
+                        <a:latin typeface="Times New Roman" panose="02020603050405020304" pitchFamily="18" charset="0"/>
+                        <a:ea typeface="Times New Roman" panose="02020603050405020304" pitchFamily="18" charset="0"/>
+                        <a:cs typeface="Times New Roman" panose="02020603050405020304" pitchFamily="18" charset="0"/>
+                      </a:rPr>
+                      <a:t>789</a:t>
+                    </a:r>
+                    <a:endParaRPr lang="en-US" sz="1200" dirty="0">
+                      <a:solidFill>
+                        <a:srgbClr val="2E75B6"/>
+                      </a:solidFill>
+                      <a:latin typeface="Times New Roman" panose="02020603050405020304" pitchFamily="18" charset="0"/>
+                      <a:ea typeface="Times New Roman" panose="02020603050405020304" pitchFamily="18" charset="0"/>
+                      <a:cs typeface="Times New Roman" panose="02020603050405020304" pitchFamily="18" charset="0"/>
+                    </a:endParaRPr>
+                  </a:p>
+                </p:txBody>
+              </p:sp>
+            </p:grpSp>
+          </p:grpSp>
+          <p:grpSp>
+            <p:nvGrpSpPr>
+              <p:cNvPr id="25" name="Group 24"/>
+              <p:cNvGrpSpPr/>
+              <p:nvPr/>
+            </p:nvGrpSpPr>
+            <p:grpSpPr>
+              <a:xfrm>
+                <a:off x="114300" y="6281564"/>
+                <a:ext cx="6374765" cy="981075"/>
+                <a:chOff x="0" y="-109711"/>
+                <a:chExt cx="6374765" cy="981075"/>
+              </a:xfrm>
+            </p:grpSpPr>
+            <p:sp>
+              <p:nvSpPr>
+                <p:cNvPr id="26" name="Rectangle 25"/>
+                <p:cNvSpPr/>
+                <p:nvPr/>
+              </p:nvSpPr>
+              <p:spPr>
+                <a:xfrm>
+                  <a:off x="0" y="-109711"/>
+                  <a:ext cx="1841500" cy="463550"/>
+                </a:xfrm>
+                <a:prstGeom prst="rect">
+                  <a:avLst/>
+                </a:prstGeom>
+                <a:ln>
+                  <a:solidFill>
+                    <a:schemeClr val="accent1">
+                      <a:lumMod val="75000"/>
+                    </a:schemeClr>
+                  </a:solidFill>
+                </a:ln>
+              </p:spPr>
+              <p:style>
+                <a:lnRef idx="2">
+                  <a:schemeClr val="accent1">
+                    <a:shade val="50000"/>
+                  </a:schemeClr>
+                </a:lnRef>
+                <a:fillRef idx="1">
+                  <a:schemeClr val="accent1"/>
+                </a:fillRef>
+                <a:effectRef idx="0">
+                  <a:schemeClr val="accent1"/>
+                </a:effectRef>
+                <a:fontRef idx="minor">
+                  <a:schemeClr val="lt1"/>
+                </a:fontRef>
+              </p:style>
+              <p:txBody>
+                <a:bodyPr rot="0" spcFirstLastPara="0" vert="horz" wrap="square" lIns="91440" tIns="45720" rIns="91440" bIns="45720" numCol="1" spcCol="0" rtlCol="0" fromWordArt="0" anchor="ctr" anchorCtr="0" forceAA="0" compatLnSpc="1">
+                  <a:prstTxWarp prst="textNoShape">
+                    <a:avLst/>
+                  </a:prstTxWarp>
+                  <a:noAutofit/>
+                </a:bodyPr>
+                <a:lstStyle/>
+                <a:p>
+                  <a:pPr algn="ctr">
+                    <a:spcAft>
+                      <a:spcPts val="0"/>
+                    </a:spcAft>
+                  </a:pPr>
+                  <a:r>
+                    <a:rPr lang="en-GB" sz="1800" kern="1200">
+                      <a:solidFill>
+                        <a:srgbClr val="FEFEFE"/>
+                      </a:solidFill>
+                      <a:effectLst/>
+                      <a:ea typeface="Times New Roman" panose="02020603050405020304" pitchFamily="18" charset="0"/>
+                      <a:cs typeface="Times New Roman" panose="02020603050405020304" pitchFamily="18" charset="0"/>
+                    </a:rPr>
+                    <a:t>Comfirm</a:t>
+                  </a:r>
+                  <a:endParaRPr lang="en-US" sz="1200">
+                    <a:effectLst/>
+                    <a:latin typeface="Times New Roman" panose="02020603050405020304" pitchFamily="18" charset="0"/>
+                    <a:ea typeface="Times New Roman" panose="02020603050405020304" pitchFamily="18" charset="0"/>
+                  </a:endParaRPr>
+                </a:p>
+              </p:txBody>
+            </p:sp>
+            <p:sp>
+              <p:nvSpPr>
+                <p:cNvPr id="27" name="Rectangle 26"/>
+                <p:cNvSpPr/>
+                <p:nvPr/>
+              </p:nvSpPr>
+              <p:spPr>
+                <a:xfrm>
+                  <a:off x="0" y="357014"/>
+                  <a:ext cx="6374765" cy="514350"/>
+                </a:xfrm>
+                <a:prstGeom prst="rect">
+                  <a:avLst/>
+                </a:prstGeom>
+                <a:ln>
+                  <a:solidFill>
+                    <a:schemeClr val="accent1">
+                      <a:lumMod val="75000"/>
+                    </a:schemeClr>
+                  </a:solidFill>
+                </a:ln>
+              </p:spPr>
+              <p:style>
+                <a:lnRef idx="2">
+                  <a:schemeClr val="dk1"/>
+                </a:lnRef>
+                <a:fillRef idx="1">
+                  <a:schemeClr val="lt1"/>
+                </a:fillRef>
+                <a:effectRef idx="0">
+                  <a:schemeClr val="dk1"/>
+                </a:effectRef>
+                <a:fontRef idx="minor">
+                  <a:schemeClr val="dk1"/>
+                </a:fontRef>
+              </p:style>
+              <p:txBody>
+                <a:bodyPr rot="0" spcFirstLastPara="0" vert="horz" wrap="square" lIns="91440" tIns="45720" rIns="91440" bIns="45720" numCol="1" spcCol="0" rtlCol="0" fromWordArt="0" anchor="ctr" anchorCtr="0" forceAA="0" compatLnSpc="1">
+                  <a:prstTxWarp prst="textNoShape">
+                    <a:avLst/>
+                  </a:prstTxWarp>
+                  <a:noAutofit/>
+                </a:bodyPr>
+                <a:lstStyle/>
+                <a:p>
+                  <a:endParaRPr lang="en-US"/>
+                </a:p>
+              </p:txBody>
+            </p:sp>
+            <p:sp>
+              <p:nvSpPr>
+                <p:cNvPr id="28" name="Rectangle 27"/>
+                <p:cNvSpPr/>
+                <p:nvPr/>
+              </p:nvSpPr>
+              <p:spPr>
+                <a:xfrm>
+                  <a:off x="2486025" y="499848"/>
+                  <a:ext cx="709715" cy="257175"/>
+                </a:xfrm>
+                <a:prstGeom prst="rect">
+                  <a:avLst/>
+                </a:prstGeom>
+                <a:solidFill>
+                  <a:schemeClr val="bg1"/>
+                </a:solidFill>
+                <a:ln>
+                  <a:solidFill>
+                    <a:schemeClr val="accent1">
+                      <a:lumMod val="60000"/>
+                      <a:lumOff val="40000"/>
+                    </a:schemeClr>
+                  </a:solidFill>
+                </a:ln>
+              </p:spPr>
+              <p:style>
+                <a:lnRef idx="2">
+                  <a:schemeClr val="accent1">
+                    <a:shade val="50000"/>
+                  </a:schemeClr>
+                </a:lnRef>
+                <a:fillRef idx="1">
+                  <a:schemeClr val="accent1"/>
+                </a:fillRef>
+                <a:effectRef idx="0">
+                  <a:schemeClr val="accent1"/>
+                </a:effectRef>
+                <a:fontRef idx="minor">
+                  <a:schemeClr val="lt1"/>
+                </a:fontRef>
+              </p:style>
+              <p:txBody>
+                <a:bodyPr rot="0" spcFirstLastPara="0" vert="horz" wrap="square" lIns="91440" tIns="45720" rIns="91440" bIns="45720" numCol="1" spcCol="0" rtlCol="0" fromWordArt="0" anchor="ctr" anchorCtr="0" forceAA="0" compatLnSpc="1">
+                  <a:prstTxWarp prst="textNoShape">
+                    <a:avLst/>
+                  </a:prstTxWarp>
+                  <a:noAutofit/>
+                </a:bodyPr>
+                <a:lstStyle/>
+                <a:p>
+                  <a:pPr algn="ctr">
+                    <a:spcAft>
+                      <a:spcPts val="0"/>
+                    </a:spcAft>
+                  </a:pPr>
+                  <a:r>
+                    <a:rPr lang="en-GB" sz="1200" b="1" kern="1200" dirty="0">
+                      <a:solidFill>
+                        <a:srgbClr val="5B9BD5"/>
+                      </a:solidFill>
+                      <a:effectLst/>
+                      <a:latin typeface="Times New Roman" panose="02020603050405020304" pitchFamily="18" charset="0"/>
+                      <a:ea typeface="Times New Roman" panose="02020603050405020304" pitchFamily="18" charset="0"/>
+                      <a:cs typeface="Times New Roman" panose="02020603050405020304" pitchFamily="18" charset="0"/>
+                    </a:rPr>
+                    <a:t>OK</a:t>
+                  </a:r>
+                  <a:endParaRPr lang="en-US" sz="1200" dirty="0">
+                    <a:effectLst/>
+                    <a:latin typeface="Times New Roman" panose="02020603050405020304" pitchFamily="18" charset="0"/>
+                    <a:ea typeface="Times New Roman" panose="02020603050405020304" pitchFamily="18" charset="0"/>
+                    <a:cs typeface="Times New Roman" panose="02020603050405020304" pitchFamily="18" charset="0"/>
+                  </a:endParaRPr>
+                </a:p>
+              </p:txBody>
+            </p:sp>
+            <p:sp>
+              <p:nvSpPr>
+                <p:cNvPr id="29" name="Rectangle 28"/>
+                <p:cNvSpPr/>
+                <p:nvPr/>
+              </p:nvSpPr>
+              <p:spPr>
+                <a:xfrm>
+                  <a:off x="3256751" y="499849"/>
+                  <a:ext cx="1039094" cy="257175"/>
+                </a:xfrm>
+                <a:prstGeom prst="rect">
+                  <a:avLst/>
+                </a:prstGeom>
+                <a:solidFill>
+                  <a:schemeClr val="accent1">
+                    <a:lumMod val="20000"/>
+                    <a:lumOff val="80000"/>
+                  </a:schemeClr>
+                </a:solidFill>
+                <a:ln>
+                  <a:solidFill>
+                    <a:schemeClr val="accent1">
+                      <a:lumMod val="60000"/>
+                      <a:lumOff val="40000"/>
+                    </a:schemeClr>
+                  </a:solidFill>
+                </a:ln>
+              </p:spPr>
+              <p:style>
+                <a:lnRef idx="2">
+                  <a:schemeClr val="accent1">
+                    <a:shade val="50000"/>
+                  </a:schemeClr>
+                </a:lnRef>
+                <a:fillRef idx="1">
+                  <a:schemeClr val="accent1"/>
+                </a:fillRef>
+                <a:effectRef idx="0">
+                  <a:schemeClr val="accent1"/>
+                </a:effectRef>
+                <a:fontRef idx="minor">
+                  <a:schemeClr val="lt1"/>
+                </a:fontRef>
+              </p:style>
+              <p:txBody>
+                <a:bodyPr rot="0" spcFirstLastPara="0" vert="horz" wrap="square" lIns="91440" tIns="45720" rIns="91440" bIns="45720" numCol="1" spcCol="0" rtlCol="0" fromWordArt="0" anchor="ctr" anchorCtr="0" forceAA="0" compatLnSpc="1">
+                  <a:prstTxWarp prst="textNoShape">
+                    <a:avLst/>
+                  </a:prstTxWarp>
+                  <a:noAutofit/>
+                </a:bodyPr>
+                <a:lstStyle/>
+                <a:p>
+                  <a:pPr algn="ctr">
+                    <a:spcAft>
+                      <a:spcPts val="0"/>
+                    </a:spcAft>
+                  </a:pPr>
+                  <a:r>
+                    <a:rPr lang="en-GB" sz="1200" b="1" kern="1200" dirty="0">
+                      <a:solidFill>
+                        <a:srgbClr val="5B9BD5"/>
+                      </a:solidFill>
+                      <a:effectLst/>
+                      <a:latin typeface="Times New Roman" panose="02020603050405020304" pitchFamily="18" charset="0"/>
+                      <a:ea typeface="Times New Roman" panose="02020603050405020304" pitchFamily="18" charset="0"/>
+                      <a:cs typeface="Times New Roman" panose="02020603050405020304" pitchFamily="18" charset="0"/>
+                    </a:rPr>
+                    <a:t>CANCEL</a:t>
+                  </a:r>
+                  <a:endParaRPr lang="en-US" sz="1200" dirty="0">
+                    <a:effectLst/>
+                    <a:latin typeface="Times New Roman" panose="02020603050405020304" pitchFamily="18" charset="0"/>
+                    <a:ea typeface="Times New Roman" panose="02020603050405020304" pitchFamily="18" charset="0"/>
+                    <a:cs typeface="Times New Roman" panose="02020603050405020304" pitchFamily="18" charset="0"/>
+                  </a:endParaRPr>
+                </a:p>
+              </p:txBody>
+            </p:sp>
+          </p:grpSp>
+        </p:grpSp>
+        <p:sp>
+          <p:nvSpPr>
+            <p:cNvPr id="10" name="TextBox 9"/>
+            <p:cNvSpPr txBox="1"/>
+            <p:nvPr/>
+          </p:nvSpPr>
+          <p:spPr>
+            <a:xfrm>
+              <a:off x="4339090" y="1483261"/>
+              <a:ext cx="492862" cy="369332"/>
+            </a:xfrm>
+            <a:prstGeom prst="rect">
+              <a:avLst/>
+            </a:prstGeom>
+            <a:noFill/>
+          </p:spPr>
+          <p:txBody>
+            <a:bodyPr wrap="square" rtlCol="0">
+              <a:spAutoFit/>
+            </a:bodyPr>
+            <a:lstStyle/>
+            <a:p>
+              <a:pPr algn="ctr"/>
+              <a:r>
+                <a:rPr lang="en-GB" dirty="0" smtClean="0">
+                  <a:solidFill>
+                    <a:srgbClr val="FF0000"/>
+                  </a:solidFill>
+                </a:rPr>
+                <a:t>(1)</a:t>
+              </a:r>
+              <a:endParaRPr lang="en-US" dirty="0">
+                <a:solidFill>
+                  <a:srgbClr val="FF0000"/>
+                </a:solidFill>
+              </a:endParaRPr>
+            </a:p>
+          </p:txBody>
+        </p:sp>
+        <p:sp>
+          <p:nvSpPr>
+            <p:cNvPr id="11" name="TextBox 10"/>
+            <p:cNvSpPr txBox="1"/>
+            <p:nvPr/>
+          </p:nvSpPr>
+          <p:spPr>
+            <a:xfrm>
+              <a:off x="4336942" y="1841725"/>
+              <a:ext cx="492862" cy="369332"/>
+            </a:xfrm>
+            <a:prstGeom prst="rect">
+              <a:avLst/>
+            </a:prstGeom>
+            <a:noFill/>
+          </p:spPr>
+          <p:txBody>
+            <a:bodyPr wrap="square" rtlCol="0">
+              <a:spAutoFit/>
+            </a:bodyPr>
+            <a:lstStyle/>
+            <a:p>
+              <a:pPr algn="ctr"/>
+              <a:r>
+                <a:rPr lang="en-GB" dirty="0" smtClean="0">
+                  <a:solidFill>
+                    <a:srgbClr val="FF0000"/>
+                  </a:solidFill>
+                </a:rPr>
+                <a:t>(2)</a:t>
+              </a:r>
+              <a:endParaRPr lang="en-US" dirty="0">
+                <a:solidFill>
+                  <a:srgbClr val="FF0000"/>
+                </a:solidFill>
+              </a:endParaRPr>
+            </a:p>
+          </p:txBody>
+        </p:sp>
+        <p:sp>
+          <p:nvSpPr>
+            <p:cNvPr id="12" name="TextBox 11"/>
+            <p:cNvSpPr txBox="1"/>
+            <p:nvPr/>
+          </p:nvSpPr>
+          <p:spPr>
+            <a:xfrm>
+              <a:off x="2355740" y="2174811"/>
+              <a:ext cx="492862" cy="369332"/>
+            </a:xfrm>
+            <a:prstGeom prst="rect">
+              <a:avLst/>
+            </a:prstGeom>
+            <a:noFill/>
+          </p:spPr>
+          <p:txBody>
+            <a:bodyPr wrap="square" rtlCol="0">
+              <a:spAutoFit/>
+            </a:bodyPr>
+            <a:lstStyle/>
+            <a:p>
+              <a:pPr algn="ctr"/>
+              <a:r>
+                <a:rPr lang="en-GB" dirty="0" smtClean="0">
+                  <a:solidFill>
+                    <a:srgbClr val="FF0000"/>
+                  </a:solidFill>
+                </a:rPr>
+                <a:t>(3)</a:t>
+              </a:r>
+              <a:endParaRPr lang="en-US" dirty="0">
+                <a:solidFill>
+                  <a:srgbClr val="FF0000"/>
+                </a:solidFill>
+              </a:endParaRPr>
+            </a:p>
+          </p:txBody>
+        </p:sp>
+        <p:sp>
+          <p:nvSpPr>
+            <p:cNvPr id="13" name="TextBox 12"/>
+            <p:cNvSpPr txBox="1"/>
+            <p:nvPr/>
+          </p:nvSpPr>
+          <p:spPr>
+            <a:xfrm>
+              <a:off x="3643673" y="2430816"/>
+              <a:ext cx="492862" cy="369332"/>
+            </a:xfrm>
+            <a:prstGeom prst="rect">
+              <a:avLst/>
+            </a:prstGeom>
+            <a:noFill/>
+          </p:spPr>
+          <p:txBody>
+            <a:bodyPr wrap="square" rtlCol="0">
+              <a:spAutoFit/>
+            </a:bodyPr>
+            <a:lstStyle/>
+            <a:p>
+              <a:pPr algn="ctr"/>
+              <a:r>
+                <a:rPr lang="en-GB" dirty="0" smtClean="0">
+                  <a:solidFill>
+                    <a:srgbClr val="FF0000"/>
+                  </a:solidFill>
+                </a:rPr>
+                <a:t>(4)</a:t>
+              </a:r>
+              <a:endParaRPr lang="en-US" dirty="0">
+                <a:solidFill>
+                  <a:srgbClr val="FF0000"/>
+                </a:solidFill>
+              </a:endParaRPr>
+            </a:p>
+          </p:txBody>
+        </p:sp>
+        <p:sp>
+          <p:nvSpPr>
+            <p:cNvPr id="14" name="TextBox 13"/>
+            <p:cNvSpPr txBox="1"/>
+            <p:nvPr/>
+          </p:nvSpPr>
+          <p:spPr>
+            <a:xfrm>
+              <a:off x="5761886" y="1527365"/>
+              <a:ext cx="492862" cy="369332"/>
+            </a:xfrm>
+            <a:prstGeom prst="rect">
+              <a:avLst/>
+            </a:prstGeom>
+            <a:noFill/>
+          </p:spPr>
+          <p:txBody>
+            <a:bodyPr wrap="square" rtlCol="0">
+              <a:spAutoFit/>
+            </a:bodyPr>
+            <a:lstStyle/>
+            <a:p>
+              <a:pPr algn="ctr"/>
+              <a:r>
+                <a:rPr lang="en-GB" dirty="0" smtClean="0">
+                  <a:solidFill>
+                    <a:srgbClr val="FF0000"/>
+                  </a:solidFill>
+                </a:rPr>
+                <a:t>(5)</a:t>
+              </a:r>
+              <a:endParaRPr lang="en-US" dirty="0">
+                <a:solidFill>
+                  <a:srgbClr val="FF0000"/>
+                </a:solidFill>
+              </a:endParaRPr>
+            </a:p>
+          </p:txBody>
+        </p:sp>
+        <p:sp>
+          <p:nvSpPr>
+            <p:cNvPr id="15" name="TextBox 14"/>
+            <p:cNvSpPr txBox="1"/>
+            <p:nvPr/>
+          </p:nvSpPr>
+          <p:spPr>
+            <a:xfrm>
+              <a:off x="4336942" y="3860622"/>
+              <a:ext cx="492862" cy="369332"/>
+            </a:xfrm>
+            <a:prstGeom prst="rect">
+              <a:avLst/>
+            </a:prstGeom>
+            <a:noFill/>
+          </p:spPr>
+          <p:txBody>
+            <a:bodyPr wrap="square" rtlCol="0">
+              <a:spAutoFit/>
+            </a:bodyPr>
+            <a:lstStyle/>
+            <a:p>
+              <a:pPr algn="ctr"/>
+              <a:r>
+                <a:rPr lang="en-GB" dirty="0" smtClean="0">
+                  <a:solidFill>
+                    <a:srgbClr val="FF0000"/>
+                  </a:solidFill>
+                </a:rPr>
+                <a:t>(7)</a:t>
+              </a:r>
+              <a:endParaRPr lang="en-US" dirty="0">
+                <a:solidFill>
+                  <a:srgbClr val="FF0000"/>
+                </a:solidFill>
+              </a:endParaRPr>
+            </a:p>
+          </p:txBody>
+        </p:sp>
+        <p:sp>
+          <p:nvSpPr>
+            <p:cNvPr id="16" name="TextBox 15"/>
+            <p:cNvSpPr txBox="1"/>
+            <p:nvPr/>
+          </p:nvSpPr>
+          <p:spPr>
+            <a:xfrm>
+              <a:off x="2367113" y="4158053"/>
+              <a:ext cx="492862" cy="369332"/>
+            </a:xfrm>
+            <a:prstGeom prst="rect">
+              <a:avLst/>
+            </a:prstGeom>
+            <a:noFill/>
+          </p:spPr>
+          <p:txBody>
+            <a:bodyPr wrap="square" rtlCol="0">
+              <a:spAutoFit/>
+            </a:bodyPr>
+            <a:lstStyle/>
+            <a:p>
+              <a:pPr algn="ctr"/>
+              <a:r>
+                <a:rPr lang="en-GB" dirty="0" smtClean="0">
+                  <a:solidFill>
+                    <a:srgbClr val="FF0000"/>
+                  </a:solidFill>
+                </a:rPr>
+                <a:t>(8)</a:t>
+              </a:r>
+              <a:endParaRPr lang="en-US" dirty="0">
+                <a:solidFill>
+                  <a:srgbClr val="FF0000"/>
+                </a:solidFill>
+              </a:endParaRPr>
+            </a:p>
+          </p:txBody>
+        </p:sp>
+        <p:sp>
+          <p:nvSpPr>
+            <p:cNvPr id="17" name="TextBox 16"/>
+            <p:cNvSpPr txBox="1"/>
+            <p:nvPr/>
+          </p:nvSpPr>
+          <p:spPr>
+            <a:xfrm>
+              <a:off x="4422556" y="4456525"/>
+              <a:ext cx="492862" cy="369332"/>
+            </a:xfrm>
+            <a:prstGeom prst="rect">
+              <a:avLst/>
+            </a:prstGeom>
+            <a:noFill/>
+          </p:spPr>
+          <p:txBody>
+            <a:bodyPr wrap="square" rtlCol="0">
+              <a:spAutoFit/>
+            </a:bodyPr>
+            <a:lstStyle/>
+            <a:p>
+              <a:pPr algn="ctr"/>
+              <a:r>
+                <a:rPr lang="en-GB" dirty="0" smtClean="0">
+                  <a:solidFill>
+                    <a:srgbClr val="FF0000"/>
+                  </a:solidFill>
+                </a:rPr>
+                <a:t>(9)</a:t>
+              </a:r>
+              <a:endParaRPr lang="en-US" dirty="0">
+                <a:solidFill>
+                  <a:srgbClr val="FF0000"/>
+                </a:solidFill>
+              </a:endParaRPr>
+            </a:p>
+          </p:txBody>
+        </p:sp>
+        <p:sp>
+          <p:nvSpPr>
+            <p:cNvPr id="18" name="TextBox 17"/>
+            <p:cNvSpPr txBox="1"/>
+            <p:nvPr/>
+          </p:nvSpPr>
+          <p:spPr>
+            <a:xfrm>
+              <a:off x="2144279" y="6080859"/>
+              <a:ext cx="593454" cy="369332"/>
+            </a:xfrm>
+            <a:prstGeom prst="rect">
+              <a:avLst/>
+            </a:prstGeom>
+            <a:noFill/>
+          </p:spPr>
+          <p:txBody>
+            <a:bodyPr wrap="square" rtlCol="0">
+              <a:spAutoFit/>
+            </a:bodyPr>
+            <a:lstStyle/>
+            <a:p>
+              <a:pPr algn="ctr"/>
+              <a:r>
+                <a:rPr lang="en-GB" dirty="0" smtClean="0">
+                  <a:solidFill>
+                    <a:srgbClr val="FF0000"/>
+                  </a:solidFill>
+                </a:rPr>
+                <a:t>(11)</a:t>
+              </a:r>
+              <a:endParaRPr lang="en-US" dirty="0">
+                <a:solidFill>
+                  <a:srgbClr val="FF0000"/>
+                </a:solidFill>
+              </a:endParaRPr>
+            </a:p>
+          </p:txBody>
+        </p:sp>
+        <p:sp>
+          <p:nvSpPr>
+            <p:cNvPr id="19" name="TextBox 18"/>
+            <p:cNvSpPr txBox="1"/>
+            <p:nvPr/>
+          </p:nvSpPr>
+          <p:spPr>
+            <a:xfrm>
+              <a:off x="3959070" y="6091904"/>
+              <a:ext cx="593454" cy="369332"/>
+            </a:xfrm>
+            <a:prstGeom prst="rect">
+              <a:avLst/>
+            </a:prstGeom>
+            <a:noFill/>
+          </p:spPr>
+          <p:txBody>
+            <a:bodyPr wrap="square" rtlCol="0">
+              <a:spAutoFit/>
+            </a:bodyPr>
+            <a:lstStyle/>
+            <a:p>
+              <a:pPr algn="ctr"/>
+              <a:r>
+                <a:rPr lang="en-GB" dirty="0" smtClean="0">
+                  <a:solidFill>
+                    <a:srgbClr val="FF0000"/>
+                  </a:solidFill>
+                </a:rPr>
+                <a:t>(12)</a:t>
+              </a:r>
+              <a:endParaRPr lang="en-US" dirty="0">
+                <a:solidFill>
+                  <a:srgbClr val="FF0000"/>
+                </a:solidFill>
+              </a:endParaRPr>
+            </a:p>
+          </p:txBody>
+        </p:sp>
+        <p:sp>
+          <p:nvSpPr>
+            <p:cNvPr id="20" name="TextBox 19"/>
+            <p:cNvSpPr txBox="1"/>
+            <p:nvPr/>
+          </p:nvSpPr>
+          <p:spPr>
+            <a:xfrm>
+              <a:off x="5751550" y="2427984"/>
+              <a:ext cx="492862" cy="369332"/>
+            </a:xfrm>
+            <a:prstGeom prst="rect">
+              <a:avLst/>
+            </a:prstGeom>
+            <a:noFill/>
+          </p:spPr>
+          <p:txBody>
+            <a:bodyPr wrap="square" rtlCol="0">
+              <a:spAutoFit/>
+            </a:bodyPr>
+            <a:lstStyle/>
+            <a:p>
+              <a:pPr algn="ctr"/>
+              <a:r>
+                <a:rPr lang="en-GB" dirty="0" smtClean="0">
+                  <a:solidFill>
+                    <a:srgbClr val="FF0000"/>
+                  </a:solidFill>
+                </a:rPr>
+                <a:t>(6)</a:t>
+              </a:r>
+              <a:endParaRPr lang="en-US" dirty="0">
+                <a:solidFill>
+                  <a:srgbClr val="FF0000"/>
+                </a:solidFill>
+              </a:endParaRPr>
+            </a:p>
+          </p:txBody>
+        </p:sp>
+        <p:sp>
+          <p:nvSpPr>
+            <p:cNvPr id="21" name="TextBox 20"/>
+            <p:cNvSpPr txBox="1"/>
+            <p:nvPr/>
+          </p:nvSpPr>
+          <p:spPr>
+            <a:xfrm>
+              <a:off x="4236350" y="4829209"/>
+              <a:ext cx="593454" cy="369332"/>
+            </a:xfrm>
+            <a:prstGeom prst="rect">
+              <a:avLst/>
+            </a:prstGeom>
+            <a:noFill/>
+          </p:spPr>
+          <p:txBody>
+            <a:bodyPr wrap="square" rtlCol="0">
+              <a:spAutoFit/>
+            </a:bodyPr>
+            <a:lstStyle/>
+            <a:p>
+              <a:pPr algn="ctr"/>
+              <a:r>
+                <a:rPr lang="en-GB" dirty="0" smtClean="0">
+                  <a:solidFill>
+                    <a:srgbClr val="FF0000"/>
+                  </a:solidFill>
+                </a:rPr>
+                <a:t>(10)</a:t>
+              </a:r>
+              <a:endParaRPr lang="en-US" dirty="0">
+                <a:solidFill>
+                  <a:srgbClr val="FF0000"/>
+                </a:solidFill>
+              </a:endParaRPr>
+            </a:p>
+          </p:txBody>
+        </p:sp>
+        <p:sp>
+          <p:nvSpPr>
+            <p:cNvPr id="22" name="TextBox 21"/>
+            <p:cNvSpPr txBox="1"/>
+            <p:nvPr/>
+          </p:nvSpPr>
+          <p:spPr>
+            <a:xfrm>
+              <a:off x="4040340" y="785606"/>
+              <a:ext cx="2391324" cy="369332"/>
+            </a:xfrm>
+            <a:prstGeom prst="rect">
+              <a:avLst/>
+            </a:prstGeom>
+            <a:noFill/>
+          </p:spPr>
+          <p:txBody>
+            <a:bodyPr wrap="square" rtlCol="0">
+              <a:spAutoFit/>
+            </a:bodyPr>
+            <a:lstStyle/>
+            <a:p>
+              <a:pPr algn="ctr"/>
+              <a:r>
+                <a:rPr lang="en-GB" b="1" i="1" u="sng" dirty="0" smtClean="0">
+                  <a:solidFill>
+                    <a:srgbClr val="0070C0"/>
+                  </a:solidFill>
+                </a:rPr>
+                <a:t>Message for updating</a:t>
+              </a:r>
+              <a:endParaRPr lang="en-US" b="1" i="1" u="sng" dirty="0">
+                <a:solidFill>
+                  <a:srgbClr val="0070C0"/>
+                </a:solidFill>
+              </a:endParaRPr>
+            </a:p>
+          </p:txBody>
+        </p:sp>
+        <p:sp>
+          <p:nvSpPr>
+            <p:cNvPr id="23" name="TextBox 22"/>
+            <p:cNvSpPr txBox="1"/>
+            <p:nvPr/>
+          </p:nvSpPr>
+          <p:spPr>
+            <a:xfrm>
+              <a:off x="3743613" y="795665"/>
+              <a:ext cx="593454" cy="369332"/>
+            </a:xfrm>
+            <a:prstGeom prst="rect">
+              <a:avLst/>
+            </a:prstGeom>
+            <a:noFill/>
+          </p:spPr>
+          <p:txBody>
+            <a:bodyPr wrap="square" rtlCol="0">
+              <a:spAutoFit/>
+            </a:bodyPr>
+            <a:lstStyle/>
+            <a:p>
+              <a:pPr algn="ctr"/>
+              <a:r>
+                <a:rPr lang="en-GB" dirty="0" smtClean="0">
+                  <a:solidFill>
+                    <a:srgbClr val="FF0000"/>
+                  </a:solidFill>
+                </a:rPr>
+                <a:t>(13)</a:t>
+              </a:r>
+              <a:endParaRPr lang="en-US" dirty="0">
+                <a:solidFill>
+                  <a:srgbClr val="FF0000"/>
+                </a:solidFill>
+              </a:endParaRPr>
+            </a:p>
+          </p:txBody>
+        </p:sp>
+      </p:grpSp>
+    </p:spTree>
+    <p:extLst>
+      <p:ext uri="{BB962C8B-B14F-4D97-AF65-F5344CB8AC3E}">
+        <p14:creationId xmlns:p14="http://schemas.microsoft.com/office/powerpoint/2010/main" val="1422010962"/>
+      </p:ext>
+    </p:extLst>
+  </p:cSld>
+  <p:clrMapOvr>
+    <a:masterClrMapping/>
+  </p:clrMapOvr>
+</p:sld>
+</file>
+
+<file path=ppt/slides/slide6.xml><?xml version="1.0" encoding="utf-8"?>
+<p:sld xmlns:a="http://schemas.openxmlformats.org/drawingml/2006/main" xmlns:r="http://schemas.openxmlformats.org/officeDocument/2006/relationships" xmlns:p="http://schemas.openxmlformats.org/presentationml/2006/main">
+  <p:cSld>
+    <p:spTree>
+      <p:nvGrpSpPr>
+        <p:cNvPr id="1" name=""/>
+        <p:cNvGrpSpPr/>
+        <p:nvPr/>
+      </p:nvGrpSpPr>
+      <p:grpSpPr>
+        <a:xfrm>
+          <a:off x="0" y="0"/>
+          <a:ext cx="0" cy="0"/>
+          <a:chOff x="0" y="0"/>
+          <a:chExt cx="0" cy="0"/>
+        </a:xfrm>
+      </p:grpSpPr>
+      <p:grpSp>
+        <p:nvGrpSpPr>
+          <p:cNvPr id="2" name="Group 1"/>
+          <p:cNvGrpSpPr/>
+          <p:nvPr/>
+        </p:nvGrpSpPr>
+        <p:grpSpPr>
+          <a:xfrm>
+            <a:off x="0" y="12878"/>
+            <a:ext cx="8458200" cy="386366"/>
+            <a:chOff x="0" y="12878"/>
+            <a:chExt cx="12192000" cy="386366"/>
+          </a:xfrm>
+        </p:grpSpPr>
+        <p:sp>
+          <p:nvSpPr>
+            <p:cNvPr id="3" name="TextBox 2"/>
+            <p:cNvSpPr txBox="1"/>
+            <p:nvPr/>
+          </p:nvSpPr>
+          <p:spPr>
+            <a:xfrm>
+              <a:off x="0" y="12878"/>
+              <a:ext cx="12192000" cy="369332"/>
+            </a:xfrm>
+            <a:prstGeom prst="rect">
+              <a:avLst/>
+            </a:prstGeom>
+            <a:noFill/>
+          </p:spPr>
+          <p:txBody>
+            <a:bodyPr wrap="square" rtlCol="0">
+              <a:spAutoFit/>
+            </a:bodyPr>
+            <a:lstStyle/>
+            <a:p>
+              <a:r>
+                <a:rPr lang="en-US" b="1" dirty="0">
+                  <a:latin typeface="Times New Roman" panose="02020603050405020304" pitchFamily="18" charset="0"/>
+                  <a:cs typeface="Times New Roman" panose="02020603050405020304" pitchFamily="18" charset="0"/>
+                </a:rPr>
+                <a:t>S-4-2 </a:t>
+              </a:r>
+              <a:r>
+                <a:rPr lang="en-US" b="1" dirty="0">
+                  <a:latin typeface="Times New Roman" panose="02020603050405020304" pitchFamily="18" charset="0"/>
+                  <a:cs typeface="Times New Roman" panose="02020603050405020304" pitchFamily="18" charset="0"/>
+                </a:rPr>
+                <a:t>Update </a:t>
+              </a:r>
+              <a:r>
+                <a:rPr lang="en-US" b="1" dirty="0" smtClean="0">
+                  <a:latin typeface="Times New Roman" panose="02020603050405020304" pitchFamily="18" charset="0"/>
+                  <a:cs typeface="Times New Roman" panose="02020603050405020304" pitchFamily="18" charset="0"/>
+                </a:rPr>
+                <a:t>user info</a:t>
+              </a:r>
+              <a:endParaRPr lang="en-US" b="1" dirty="0">
+                <a:latin typeface="Times New Roman" panose="02020603050405020304" pitchFamily="18" charset="0"/>
+                <a:cs typeface="Times New Roman" panose="02020603050405020304" pitchFamily="18" charset="0"/>
+              </a:endParaRPr>
+            </a:p>
+          </p:txBody>
+        </p:sp>
+        <p:cxnSp>
+          <p:nvCxnSpPr>
+            <p:cNvPr id="4" name="Straight Connector 3"/>
+            <p:cNvCxnSpPr/>
+            <p:nvPr/>
+          </p:nvCxnSpPr>
+          <p:spPr>
+            <a:xfrm>
+              <a:off x="0" y="399244"/>
+              <a:ext cx="12192000" cy="0"/>
+            </a:xfrm>
+            <a:prstGeom prst="line">
+              <a:avLst/>
+            </a:prstGeom>
+          </p:spPr>
+          <p:style>
+            <a:lnRef idx="1">
+              <a:schemeClr val="dk1"/>
+            </a:lnRef>
+            <a:fillRef idx="0">
+              <a:schemeClr val="dk1"/>
+            </a:fillRef>
+            <a:effectRef idx="0">
+              <a:schemeClr val="dk1"/>
+            </a:effectRef>
+            <a:fontRef idx="minor">
+              <a:schemeClr val="tx1"/>
+            </a:fontRef>
+          </p:style>
+        </p:cxnSp>
+      </p:grpSp>
+      <p:graphicFrame>
+        <p:nvGraphicFramePr>
+          <p:cNvPr id="5" name="Table 4"/>
+          <p:cNvGraphicFramePr>
+            <a:graphicFrameLocks noGrp="1"/>
+          </p:cNvGraphicFramePr>
+          <p:nvPr>
+            <p:extLst>
+              <p:ext uri="{D42A27DB-BD31-4B8C-83A1-F6EECF244321}">
+                <p14:modId xmlns:p14="http://schemas.microsoft.com/office/powerpoint/2010/main" val="1699848867"/>
+              </p:ext>
+            </p:extLst>
+          </p:nvPr>
+        </p:nvGraphicFramePr>
+        <p:xfrm>
+          <a:off x="155023" y="468828"/>
+          <a:ext cx="8607977" cy="6274799"/>
+        </p:xfrm>
+        <a:graphic>
+          <a:graphicData uri="http://schemas.openxmlformats.org/drawingml/2006/table">
+            <a:tbl>
+              <a:tblPr firstRow="1" bandRow="1">
+                <a:tableStyleId>{5940675A-B579-460E-94D1-54222C63F5DA}</a:tableStyleId>
+              </a:tblPr>
+              <a:tblGrid>
+                <a:gridCol w="435568"/>
+                <a:gridCol w="778040"/>
+                <a:gridCol w="987527"/>
+                <a:gridCol w="4222442"/>
+                <a:gridCol w="2184400"/>
+              </a:tblGrid>
+              <a:tr h="138145">
+                <a:tc>
+                  <a:txBody>
+                    <a:bodyPr/>
+                    <a:lstStyle/>
+                    <a:p>
+                      <a:pPr algn="ctr"/>
+                      <a:r>
+                        <a:rPr lang="en-GB" sz="1100" b="1" dirty="0" smtClean="0">
+                          <a:latin typeface="Times New Roman" panose="02020603050405020304" pitchFamily="18" charset="0"/>
+                          <a:cs typeface="Times New Roman" panose="02020603050405020304" pitchFamily="18" charset="0"/>
+                        </a:rPr>
+                        <a:t>No</a:t>
+                      </a:r>
+                      <a:endParaRPr lang="en-US" sz="1100" b="1" dirty="0">
+                        <a:latin typeface="Times New Roman" panose="02020603050405020304" pitchFamily="18" charset="0"/>
+                        <a:cs typeface="Times New Roman" panose="02020603050405020304" pitchFamily="18" charset="0"/>
+                      </a:endParaRPr>
+                    </a:p>
+                  </a:txBody>
+                  <a:tcPr anchor="ctr">
+                    <a:solidFill>
+                      <a:schemeClr val="tx1">
+                        <a:lumMod val="50000"/>
+                        <a:lumOff val="50000"/>
+                      </a:schemeClr>
+                    </a:solidFill>
+                  </a:tcPr>
+                </a:tc>
+                <a:tc>
+                  <a:txBody>
+                    <a:bodyPr/>
+                    <a:lstStyle/>
+                    <a:p>
+                      <a:pPr algn="ctr"/>
+                      <a:r>
+                        <a:rPr lang="en-GB" sz="1100" b="1" dirty="0" smtClean="0">
+                          <a:latin typeface="Times New Roman" panose="02020603050405020304" pitchFamily="18" charset="0"/>
+                          <a:cs typeface="Times New Roman" panose="02020603050405020304" pitchFamily="18" charset="0"/>
+                        </a:rPr>
+                        <a:t>Content</a:t>
+                      </a:r>
+                      <a:endParaRPr lang="en-US" sz="1100" b="1" dirty="0">
+                        <a:latin typeface="Times New Roman" panose="02020603050405020304" pitchFamily="18" charset="0"/>
+                        <a:cs typeface="Times New Roman" panose="02020603050405020304" pitchFamily="18" charset="0"/>
+                      </a:endParaRPr>
+                    </a:p>
+                  </a:txBody>
+                  <a:tcPr anchor="ctr">
+                    <a:solidFill>
+                      <a:schemeClr val="tx1">
+                        <a:lumMod val="50000"/>
+                        <a:lumOff val="50000"/>
+                      </a:schemeClr>
+                    </a:solidFill>
+                  </a:tcPr>
+                </a:tc>
+                <a:tc>
+                  <a:txBody>
+                    <a:bodyPr/>
+                    <a:lstStyle/>
+                    <a:p>
+                      <a:pPr algn="ctr"/>
+                      <a:r>
+                        <a:rPr lang="en-GB" sz="1100" b="1" dirty="0" smtClean="0">
+                          <a:latin typeface="Times New Roman" panose="02020603050405020304" pitchFamily="18" charset="0"/>
+                          <a:cs typeface="Times New Roman" panose="02020603050405020304" pitchFamily="18" charset="0"/>
+                        </a:rPr>
+                        <a:t>Function</a:t>
+                      </a:r>
+                      <a:endParaRPr lang="en-US" sz="1100" b="1" dirty="0">
+                        <a:latin typeface="Times New Roman" panose="02020603050405020304" pitchFamily="18" charset="0"/>
+                        <a:cs typeface="Times New Roman" panose="02020603050405020304" pitchFamily="18" charset="0"/>
+                      </a:endParaRPr>
+                    </a:p>
+                  </a:txBody>
+                  <a:tcPr anchor="ctr">
+                    <a:solidFill>
+                      <a:schemeClr val="tx1">
+                        <a:lumMod val="50000"/>
+                        <a:lumOff val="50000"/>
+                      </a:schemeClr>
+                    </a:solidFill>
+                  </a:tcPr>
+                </a:tc>
+                <a:tc>
+                  <a:txBody>
+                    <a:bodyPr/>
+                    <a:lstStyle/>
+                    <a:p>
+                      <a:pPr algn="ctr"/>
+                      <a:r>
+                        <a:rPr lang="en-GB" sz="1100" b="1" dirty="0" smtClean="0">
+                          <a:latin typeface="Times New Roman" panose="02020603050405020304" pitchFamily="18" charset="0"/>
+                          <a:cs typeface="Times New Roman" panose="02020603050405020304" pitchFamily="18" charset="0"/>
+                        </a:rPr>
+                        <a:t>Detail/ Option</a:t>
+                      </a:r>
+                      <a:endParaRPr lang="en-US" sz="1100" b="1" dirty="0">
+                        <a:latin typeface="Times New Roman" panose="02020603050405020304" pitchFamily="18" charset="0"/>
+                        <a:cs typeface="Times New Roman" panose="02020603050405020304" pitchFamily="18" charset="0"/>
+                      </a:endParaRPr>
+                    </a:p>
+                  </a:txBody>
+                  <a:tcPr anchor="ctr">
+                    <a:solidFill>
+                      <a:schemeClr val="tx1">
+                        <a:lumMod val="50000"/>
+                        <a:lumOff val="50000"/>
+                      </a:schemeClr>
+                    </a:solidFill>
+                  </a:tcPr>
+                </a:tc>
+                <a:tc>
+                  <a:txBody>
+                    <a:bodyPr/>
+                    <a:lstStyle/>
+                    <a:p>
+                      <a:pPr algn="ctr"/>
+                      <a:r>
+                        <a:rPr lang="en-GB" sz="1100" b="1" dirty="0" smtClean="0">
+                          <a:latin typeface="Times New Roman" panose="02020603050405020304" pitchFamily="18" charset="0"/>
+                          <a:cs typeface="Times New Roman" panose="02020603050405020304" pitchFamily="18" charset="0"/>
+                        </a:rPr>
+                        <a:t>Go to</a:t>
+                      </a:r>
+                      <a:endParaRPr lang="en-US" sz="1100" b="1" dirty="0">
+                        <a:latin typeface="Times New Roman" panose="02020603050405020304" pitchFamily="18" charset="0"/>
+                        <a:cs typeface="Times New Roman" panose="02020603050405020304" pitchFamily="18" charset="0"/>
+                      </a:endParaRPr>
+                    </a:p>
+                  </a:txBody>
+                  <a:tcPr anchor="ctr">
+                    <a:solidFill>
+                      <a:schemeClr val="tx1">
+                        <a:lumMod val="50000"/>
+                        <a:lumOff val="50000"/>
+                      </a:schemeClr>
+                    </a:solidFill>
+                  </a:tcPr>
+                </a:tc>
+              </a:tr>
+              <a:tr h="213524">
+                <a:tc>
+                  <a:txBody>
+                    <a:bodyPr/>
+                    <a:lstStyle/>
+                    <a:p>
+                      <a:pPr algn="ctr"/>
+                      <a:r>
+                        <a:rPr lang="en-GB" sz="1100" b="1" dirty="0" smtClean="0">
+                          <a:latin typeface="Times New Roman" panose="02020603050405020304" pitchFamily="18" charset="0"/>
+                          <a:cs typeface="Times New Roman" panose="02020603050405020304" pitchFamily="18" charset="0"/>
+                        </a:rPr>
+                        <a:t>1</a:t>
+                      </a:r>
+                      <a:endParaRPr lang="en-US" sz="1100" b="1" dirty="0">
+                        <a:latin typeface="Times New Roman" panose="02020603050405020304" pitchFamily="18" charset="0"/>
+                        <a:cs typeface="Times New Roman" panose="02020603050405020304" pitchFamily="18" charset="0"/>
+                      </a:endParaRPr>
+                    </a:p>
+                  </a:txBody>
+                  <a:tcPr anchor="ctr"/>
+                </a:tc>
+                <a:tc>
+                  <a:txBody>
+                    <a:bodyPr/>
+                    <a:lstStyle/>
+                    <a:p>
+                      <a:pPr algn="ctr"/>
+                      <a:r>
+                        <a:rPr lang="en-GB" sz="1100" dirty="0" smtClean="0">
+                          <a:latin typeface="Times New Roman" panose="02020603050405020304" pitchFamily="18" charset="0"/>
+                          <a:cs typeface="Times New Roman" panose="02020603050405020304" pitchFamily="18" charset="0"/>
+                        </a:rPr>
+                        <a:t>First name</a:t>
+                      </a:r>
+                      <a:endParaRPr lang="en-US" sz="1100" dirty="0">
+                        <a:latin typeface="Times New Roman" panose="02020603050405020304" pitchFamily="18" charset="0"/>
+                        <a:cs typeface="Times New Roman" panose="02020603050405020304" pitchFamily="18" charset="0"/>
+                      </a:endParaRPr>
+                    </a:p>
+                  </a:txBody>
+                  <a:tcPr anchor="ctr"/>
+                </a:tc>
+                <a:tc>
+                  <a:txBody>
+                    <a:bodyPr/>
+                    <a:lstStyle/>
+                    <a:p>
+                      <a:endParaRPr lang="en-US" sz="1100">
+                        <a:latin typeface="Times New Roman" panose="02020603050405020304" pitchFamily="18" charset="0"/>
+                        <a:cs typeface="Times New Roman" panose="02020603050405020304" pitchFamily="18" charset="0"/>
+                      </a:endParaRPr>
+                    </a:p>
+                  </a:txBody>
+                  <a:tcPr/>
+                </a:tc>
+                <a:tc>
+                  <a:txBody>
+                    <a:bodyPr/>
+                    <a:lstStyle/>
+                    <a:p>
+                      <a:r>
+                        <a:rPr lang="en-GB" sz="1100" dirty="0" smtClean="0">
+                          <a:latin typeface="Times New Roman" panose="02020603050405020304" pitchFamily="18" charset="0"/>
+                          <a:cs typeface="Times New Roman" panose="02020603050405020304" pitchFamily="18" charset="0"/>
+                        </a:rPr>
+                        <a:t>Display user’</a:t>
+                      </a:r>
+                      <a:r>
+                        <a:rPr lang="en-GB" sz="1100" baseline="0" dirty="0" smtClean="0">
+                          <a:latin typeface="Times New Roman" panose="02020603050405020304" pitchFamily="18" charset="0"/>
+                          <a:cs typeface="Times New Roman" panose="02020603050405020304" pitchFamily="18" charset="0"/>
+                        </a:rPr>
+                        <a:t> s  current first name.</a:t>
+                      </a:r>
+                      <a:endParaRPr lang="en-US" sz="1100" dirty="0">
+                        <a:latin typeface="Times New Roman" panose="02020603050405020304" pitchFamily="18" charset="0"/>
+                        <a:cs typeface="Times New Roman" panose="02020603050405020304" pitchFamily="18" charset="0"/>
+                      </a:endParaRPr>
+                    </a:p>
+                  </a:txBody>
+                  <a:tcPr/>
+                </a:tc>
+                <a:tc>
+                  <a:txBody>
+                    <a:bodyPr/>
+                    <a:lstStyle/>
+                    <a:p>
+                      <a:endParaRPr lang="en-US" sz="1100">
+                        <a:latin typeface="Times New Roman" panose="02020603050405020304" pitchFamily="18" charset="0"/>
+                        <a:cs typeface="Times New Roman" panose="02020603050405020304" pitchFamily="18" charset="0"/>
+                      </a:endParaRPr>
+                    </a:p>
+                  </a:txBody>
+                  <a:tcPr/>
+                </a:tc>
+              </a:tr>
+              <a:tr h="297408">
+                <a:tc>
+                  <a:txBody>
+                    <a:bodyPr/>
+                    <a:lstStyle/>
+                    <a:p>
+                      <a:pPr marL="0" algn="ctr" defTabSz="914400" rtl="0" eaLnBrk="1" latinLnBrk="0" hangingPunct="1"/>
+                      <a:r>
+                        <a:rPr lang="en-GB" sz="1100" b="1" kern="1200" dirty="0" smtClean="0">
+                          <a:solidFill>
+                            <a:schemeClr val="tx1"/>
+                          </a:solidFill>
+                          <a:latin typeface="Times New Roman" panose="02020603050405020304" pitchFamily="18" charset="0"/>
+                          <a:ea typeface="+mn-ea"/>
+                          <a:cs typeface="Times New Roman" panose="02020603050405020304" pitchFamily="18" charset="0"/>
+                        </a:rPr>
+                        <a:t>2</a:t>
+                      </a:r>
+                      <a:endParaRPr lang="en-US" sz="1100" b="1" kern="1200" dirty="0">
+                        <a:solidFill>
+                          <a:schemeClr val="tx1"/>
+                        </a:solidFill>
+                        <a:latin typeface="Times New Roman" panose="02020603050405020304" pitchFamily="18" charset="0"/>
+                        <a:ea typeface="+mn-ea"/>
+                        <a:cs typeface="Times New Roman" panose="02020603050405020304" pitchFamily="18" charset="0"/>
+                      </a:endParaRPr>
+                    </a:p>
+                  </a:txBody>
+                  <a:tcPr anchor="ctr"/>
+                </a:tc>
+                <a:tc>
+                  <a:txBody>
+                    <a:bodyPr/>
+                    <a:lstStyle/>
+                    <a:p>
+                      <a:pPr algn="ctr"/>
+                      <a:r>
+                        <a:rPr lang="en-GB" sz="1100" dirty="0" smtClean="0">
+                          <a:latin typeface="Times New Roman" panose="02020603050405020304" pitchFamily="18" charset="0"/>
+                          <a:cs typeface="Times New Roman" panose="02020603050405020304" pitchFamily="18" charset="0"/>
+                        </a:rPr>
+                        <a:t>Last</a:t>
+                      </a:r>
+                      <a:r>
+                        <a:rPr lang="en-GB" sz="1100" baseline="0" dirty="0" smtClean="0">
+                          <a:latin typeface="Times New Roman" panose="02020603050405020304" pitchFamily="18" charset="0"/>
+                          <a:cs typeface="Times New Roman" panose="02020603050405020304" pitchFamily="18" charset="0"/>
+                        </a:rPr>
+                        <a:t> name</a:t>
+                      </a:r>
+                      <a:endParaRPr lang="en-US" sz="1100" dirty="0">
+                        <a:latin typeface="Times New Roman" panose="02020603050405020304" pitchFamily="18" charset="0"/>
+                        <a:cs typeface="Times New Roman" panose="02020603050405020304" pitchFamily="18" charset="0"/>
+                      </a:endParaRPr>
+                    </a:p>
+                  </a:txBody>
+                  <a:tcPr anchor="ctr"/>
+                </a:tc>
+                <a:tc>
+                  <a:txBody>
+                    <a:bodyPr/>
+                    <a:lstStyle/>
+                    <a:p>
+                      <a:endParaRPr lang="en-US" sz="1100" dirty="0">
+                        <a:latin typeface="Times New Roman" panose="02020603050405020304" pitchFamily="18" charset="0"/>
+                        <a:cs typeface="Times New Roman" panose="02020603050405020304" pitchFamily="18" charset="0"/>
+                      </a:endParaRPr>
+                    </a:p>
+                  </a:txBody>
+                  <a:tcPr/>
+                </a:tc>
+                <a:tc>
+                  <a:txBody>
+                    <a:bodyPr/>
+                    <a:lstStyle/>
+                    <a:p>
+                      <a:pPr marL="0" marR="0" indent="0" algn="l" defTabSz="914400" rtl="0" eaLnBrk="1" fontAlgn="auto" latinLnBrk="0" hangingPunct="1">
+                        <a:lnSpc>
+                          <a:spcPct val="100000"/>
+                        </a:lnSpc>
+                        <a:spcBef>
+                          <a:spcPts val="0"/>
+                        </a:spcBef>
+                        <a:spcAft>
+                          <a:spcPts val="0"/>
+                        </a:spcAft>
+                        <a:buClrTx/>
+                        <a:buSzTx/>
+                        <a:buFontTx/>
+                        <a:buNone/>
+                        <a:tabLst/>
+                        <a:defRPr/>
+                      </a:pPr>
+                      <a:r>
+                        <a:rPr lang="en-GB" sz="1100" dirty="0" smtClean="0">
+                          <a:latin typeface="Times New Roman" panose="02020603050405020304" pitchFamily="18" charset="0"/>
+                          <a:cs typeface="Times New Roman" panose="02020603050405020304" pitchFamily="18" charset="0"/>
+                        </a:rPr>
+                        <a:t>Display user’</a:t>
+                      </a:r>
+                      <a:r>
+                        <a:rPr lang="en-GB" sz="1100" baseline="0" dirty="0" smtClean="0">
+                          <a:latin typeface="Times New Roman" panose="02020603050405020304" pitchFamily="18" charset="0"/>
+                          <a:cs typeface="Times New Roman" panose="02020603050405020304" pitchFamily="18" charset="0"/>
+                        </a:rPr>
+                        <a:t> s  current last name.</a:t>
+                      </a:r>
+                      <a:endParaRPr lang="en-US" sz="1100" dirty="0" smtClean="0">
+                        <a:latin typeface="Times New Roman" panose="02020603050405020304" pitchFamily="18" charset="0"/>
+                        <a:cs typeface="Times New Roman" panose="02020603050405020304" pitchFamily="18" charset="0"/>
+                      </a:endParaRPr>
+                    </a:p>
+                    <a:p>
+                      <a:endParaRPr lang="en-US" sz="1100" dirty="0">
+                        <a:latin typeface="Times New Roman" panose="02020603050405020304" pitchFamily="18" charset="0"/>
+                        <a:cs typeface="Times New Roman" panose="02020603050405020304" pitchFamily="18" charset="0"/>
+                      </a:endParaRPr>
+                    </a:p>
+                  </a:txBody>
+                  <a:tcPr/>
+                </a:tc>
+                <a:tc>
+                  <a:txBody>
+                    <a:bodyPr/>
+                    <a:lstStyle/>
+                    <a:p>
+                      <a:endParaRPr lang="en-US" sz="1100">
+                        <a:latin typeface="Times New Roman" panose="02020603050405020304" pitchFamily="18" charset="0"/>
+                        <a:cs typeface="Times New Roman" panose="02020603050405020304" pitchFamily="18" charset="0"/>
+                      </a:endParaRPr>
+                    </a:p>
+                  </a:txBody>
+                  <a:tcPr/>
+                </a:tc>
+              </a:tr>
+              <a:tr h="297408">
+                <a:tc>
+                  <a:txBody>
+                    <a:bodyPr/>
+                    <a:lstStyle/>
+                    <a:p>
+                      <a:pPr marL="0" algn="ctr" defTabSz="914400" rtl="0" eaLnBrk="1" latinLnBrk="0" hangingPunct="1"/>
+                      <a:r>
+                        <a:rPr lang="en-GB" sz="1100" b="1" kern="1200" dirty="0" smtClean="0">
+                          <a:solidFill>
+                            <a:schemeClr val="tx1"/>
+                          </a:solidFill>
+                          <a:latin typeface="Times New Roman" panose="02020603050405020304" pitchFamily="18" charset="0"/>
+                          <a:ea typeface="+mn-ea"/>
+                          <a:cs typeface="Times New Roman" panose="02020603050405020304" pitchFamily="18" charset="0"/>
+                        </a:rPr>
+                        <a:t>3</a:t>
+                      </a:r>
+                      <a:endParaRPr lang="en-US" sz="1100" b="1" kern="1200" dirty="0">
+                        <a:solidFill>
+                          <a:schemeClr val="tx1"/>
+                        </a:solidFill>
+                        <a:latin typeface="Times New Roman" panose="02020603050405020304" pitchFamily="18" charset="0"/>
+                        <a:ea typeface="+mn-ea"/>
+                        <a:cs typeface="Times New Roman" panose="02020603050405020304" pitchFamily="18" charset="0"/>
+                      </a:endParaRPr>
+                    </a:p>
+                  </a:txBody>
+                  <a:tcPr anchor="ctr"/>
+                </a:tc>
+                <a:tc>
+                  <a:txBody>
+                    <a:bodyPr/>
+                    <a:lstStyle/>
+                    <a:p>
+                      <a:pPr algn="ctr"/>
+                      <a:r>
+                        <a:rPr lang="en-GB" sz="1100" dirty="0" smtClean="0">
+                          <a:latin typeface="Times New Roman" panose="02020603050405020304" pitchFamily="18" charset="0"/>
+                          <a:cs typeface="Times New Roman" panose="02020603050405020304" pitchFamily="18" charset="0"/>
+                        </a:rPr>
+                        <a:t>Gender</a:t>
+                      </a:r>
+                      <a:endParaRPr lang="en-US" sz="1100" dirty="0">
+                        <a:latin typeface="Times New Roman" panose="02020603050405020304" pitchFamily="18" charset="0"/>
+                        <a:cs typeface="Times New Roman" panose="02020603050405020304" pitchFamily="18" charset="0"/>
+                      </a:endParaRPr>
+                    </a:p>
+                  </a:txBody>
+                  <a:tcPr anchor="ctr"/>
+                </a:tc>
+                <a:tc>
+                  <a:txBody>
+                    <a:bodyPr/>
+                    <a:lstStyle/>
+                    <a:p>
+                      <a:endParaRPr lang="en-US" sz="1100" dirty="0">
+                        <a:latin typeface="Times New Roman" panose="02020603050405020304" pitchFamily="18" charset="0"/>
+                        <a:cs typeface="Times New Roman" panose="02020603050405020304" pitchFamily="18" charset="0"/>
+                      </a:endParaRPr>
+                    </a:p>
+                  </a:txBody>
+                  <a:tcPr/>
+                </a:tc>
+                <a:tc>
+                  <a:txBody>
+                    <a:bodyPr/>
+                    <a:lstStyle/>
+                    <a:p>
+                      <a:r>
+                        <a:rPr lang="en-GB" sz="1100" dirty="0" smtClean="0">
+                          <a:latin typeface="Times New Roman" panose="02020603050405020304" pitchFamily="18" charset="0"/>
+                          <a:cs typeface="Times New Roman" panose="02020603050405020304" pitchFamily="18" charset="0"/>
+                        </a:rPr>
+                        <a:t>- There</a:t>
+                      </a:r>
+                      <a:r>
+                        <a:rPr lang="en-GB" sz="1100" baseline="0" dirty="0" smtClean="0">
+                          <a:latin typeface="Times New Roman" panose="02020603050405020304" pitchFamily="18" charset="0"/>
+                          <a:cs typeface="Times New Roman" panose="02020603050405020304" pitchFamily="18" charset="0"/>
+                        </a:rPr>
+                        <a:t> are 2 value: Male and Female.</a:t>
+                      </a:r>
+                    </a:p>
+                    <a:p>
+                      <a:r>
+                        <a:rPr lang="en-GB" sz="1100" baseline="0" dirty="0" smtClean="0">
+                          <a:latin typeface="Times New Roman" panose="02020603050405020304" pitchFamily="18" charset="0"/>
+                          <a:cs typeface="Times New Roman" panose="02020603050405020304" pitchFamily="18" charset="0"/>
+                        </a:rPr>
+                        <a:t>- Display user’ s current gender</a:t>
+                      </a:r>
+                      <a:endParaRPr lang="en-US" sz="1100" dirty="0">
+                        <a:latin typeface="Times New Roman" panose="02020603050405020304" pitchFamily="18" charset="0"/>
+                        <a:cs typeface="Times New Roman" panose="02020603050405020304" pitchFamily="18" charset="0"/>
+                      </a:endParaRPr>
+                    </a:p>
+                  </a:txBody>
+                  <a:tcPr/>
+                </a:tc>
+                <a:tc>
+                  <a:txBody>
+                    <a:bodyPr/>
+                    <a:lstStyle/>
+                    <a:p>
+                      <a:endParaRPr lang="en-US" sz="1100" dirty="0">
+                        <a:latin typeface="Times New Roman" panose="02020603050405020304" pitchFamily="18" charset="0"/>
+                        <a:cs typeface="Times New Roman" panose="02020603050405020304" pitchFamily="18" charset="0"/>
+                      </a:endParaRPr>
+                    </a:p>
+                  </a:txBody>
+                  <a:tcPr/>
+                </a:tc>
+              </a:tr>
+              <a:tr h="130029">
+                <a:tc>
+                  <a:txBody>
+                    <a:bodyPr/>
+                    <a:lstStyle/>
+                    <a:p>
+                      <a:pPr marL="0" algn="ctr" defTabSz="914400" rtl="0" eaLnBrk="1" latinLnBrk="0" hangingPunct="1"/>
+                      <a:r>
+                        <a:rPr lang="en-GB" sz="1100" b="1" kern="1200" dirty="0" smtClean="0">
+                          <a:solidFill>
+                            <a:schemeClr val="tx1"/>
+                          </a:solidFill>
+                          <a:latin typeface="Times New Roman" panose="02020603050405020304" pitchFamily="18" charset="0"/>
+                          <a:ea typeface="+mn-ea"/>
+                          <a:cs typeface="Times New Roman" panose="02020603050405020304" pitchFamily="18" charset="0"/>
+                        </a:rPr>
+                        <a:t>4</a:t>
+                      </a:r>
+                      <a:endParaRPr lang="en-US" sz="1100" b="1" kern="1200" dirty="0">
+                        <a:solidFill>
+                          <a:schemeClr val="tx1"/>
+                        </a:solidFill>
+                        <a:latin typeface="Times New Roman" panose="02020603050405020304" pitchFamily="18" charset="0"/>
+                        <a:ea typeface="+mn-ea"/>
+                        <a:cs typeface="Times New Roman" panose="02020603050405020304" pitchFamily="18" charset="0"/>
+                      </a:endParaRPr>
+                    </a:p>
+                  </a:txBody>
+                  <a:tcPr anchor="ctr"/>
+                </a:tc>
+                <a:tc>
+                  <a:txBody>
+                    <a:bodyPr/>
+                    <a:lstStyle/>
+                    <a:p>
+                      <a:pPr algn="ctr"/>
+                      <a:r>
+                        <a:rPr lang="en-GB" sz="1100" dirty="0" smtClean="0">
+                          <a:latin typeface="Times New Roman" panose="02020603050405020304" pitchFamily="18" charset="0"/>
+                          <a:cs typeface="Times New Roman" panose="02020603050405020304" pitchFamily="18" charset="0"/>
+                        </a:rPr>
+                        <a:t>Birthday</a:t>
+                      </a:r>
+                      <a:endParaRPr lang="en-US" sz="1100" dirty="0">
+                        <a:latin typeface="Times New Roman" panose="02020603050405020304" pitchFamily="18" charset="0"/>
+                        <a:cs typeface="Times New Roman" panose="02020603050405020304" pitchFamily="18" charset="0"/>
+                      </a:endParaRPr>
+                    </a:p>
+                  </a:txBody>
+                  <a:tcPr anchor="ctr"/>
+                </a:tc>
+                <a:tc>
+                  <a:txBody>
+                    <a:bodyPr/>
+                    <a:lstStyle/>
+                    <a:p>
+                      <a:endParaRPr lang="en-US" sz="1100" dirty="0">
+                        <a:latin typeface="Times New Roman" panose="02020603050405020304" pitchFamily="18" charset="0"/>
+                        <a:cs typeface="Times New Roman" panose="02020603050405020304" pitchFamily="18" charset="0"/>
+                      </a:endParaRPr>
+                    </a:p>
+                  </a:txBody>
+                  <a:tcPr/>
+                </a:tc>
+                <a:tc>
+                  <a:txBody>
+                    <a:bodyPr/>
+                    <a:lstStyle/>
+                    <a:p>
+                      <a:r>
+                        <a:rPr lang="en-GB" sz="1100" dirty="0" smtClean="0">
+                          <a:latin typeface="Times New Roman" panose="02020603050405020304" pitchFamily="18" charset="0"/>
+                          <a:cs typeface="Times New Roman" panose="02020603050405020304" pitchFamily="18" charset="0"/>
+                        </a:rPr>
+                        <a:t>Display</a:t>
+                      </a:r>
+                      <a:r>
+                        <a:rPr lang="en-GB" sz="1100" baseline="0" dirty="0" smtClean="0">
+                          <a:latin typeface="Times New Roman" panose="02020603050405020304" pitchFamily="18" charset="0"/>
+                          <a:cs typeface="Times New Roman" panose="02020603050405020304" pitchFamily="18" charset="0"/>
+                        </a:rPr>
+                        <a:t> user’ s current </a:t>
+                      </a:r>
+                      <a:r>
+                        <a:rPr lang="en-GB" sz="1100" baseline="0" dirty="0" err="1" smtClean="0">
+                          <a:latin typeface="Times New Roman" panose="02020603050405020304" pitchFamily="18" charset="0"/>
+                          <a:cs typeface="Times New Roman" panose="02020603050405020304" pitchFamily="18" charset="0"/>
+                        </a:rPr>
+                        <a:t>birthay</a:t>
+                      </a:r>
+                      <a:endParaRPr lang="en-US" sz="1100" dirty="0">
+                        <a:latin typeface="Times New Roman" panose="02020603050405020304" pitchFamily="18" charset="0"/>
+                        <a:cs typeface="Times New Roman" panose="02020603050405020304" pitchFamily="18" charset="0"/>
+                      </a:endParaRPr>
+                    </a:p>
+                  </a:txBody>
+                  <a:tcPr/>
+                </a:tc>
+                <a:tc>
+                  <a:txBody>
+                    <a:bodyPr/>
+                    <a:lstStyle/>
+                    <a:p>
+                      <a:endParaRPr lang="en-US" sz="1100" dirty="0">
+                        <a:latin typeface="Times New Roman" panose="02020603050405020304" pitchFamily="18" charset="0"/>
+                        <a:cs typeface="Times New Roman" panose="02020603050405020304" pitchFamily="18" charset="0"/>
+                      </a:endParaRPr>
+                    </a:p>
+                  </a:txBody>
+                  <a:tcPr/>
+                </a:tc>
+              </a:tr>
+              <a:tr h="364899">
+                <a:tc>
+                  <a:txBody>
+                    <a:bodyPr/>
+                    <a:lstStyle/>
+                    <a:p>
+                      <a:pPr marL="0" algn="ctr" defTabSz="914400" rtl="0" eaLnBrk="1" latinLnBrk="0" hangingPunct="1"/>
+                      <a:r>
+                        <a:rPr lang="en-GB" sz="1100" b="1" kern="1200" dirty="0" smtClean="0">
+                          <a:solidFill>
+                            <a:schemeClr val="tx1"/>
+                          </a:solidFill>
+                          <a:latin typeface="Times New Roman" panose="02020603050405020304" pitchFamily="18" charset="0"/>
+                          <a:ea typeface="+mn-ea"/>
+                          <a:cs typeface="Times New Roman" panose="02020603050405020304" pitchFamily="18" charset="0"/>
+                        </a:rPr>
+                        <a:t>5</a:t>
+                      </a:r>
+                      <a:endParaRPr lang="en-US" sz="1100" b="1" kern="1200" dirty="0">
+                        <a:solidFill>
+                          <a:schemeClr val="tx1"/>
+                        </a:solidFill>
+                        <a:latin typeface="Times New Roman" panose="02020603050405020304" pitchFamily="18" charset="0"/>
+                        <a:ea typeface="+mn-ea"/>
+                        <a:cs typeface="Times New Roman" panose="02020603050405020304" pitchFamily="18" charset="0"/>
+                      </a:endParaRPr>
+                    </a:p>
+                  </a:txBody>
+                  <a:tcPr anchor="ctr"/>
+                </a:tc>
+                <a:tc>
+                  <a:txBody>
+                    <a:bodyPr/>
+                    <a:lstStyle/>
+                    <a:p>
+                      <a:pPr algn="ctr"/>
+                      <a:r>
+                        <a:rPr lang="en-GB" sz="1100" dirty="0" smtClean="0">
+                          <a:latin typeface="Times New Roman" panose="02020603050405020304" pitchFamily="18" charset="0"/>
+                          <a:cs typeface="Times New Roman" panose="02020603050405020304" pitchFamily="18" charset="0"/>
+                        </a:rPr>
+                        <a:t>Avatar</a:t>
+                      </a:r>
+                      <a:endParaRPr lang="en-US" sz="1100" dirty="0">
+                        <a:latin typeface="Times New Roman" panose="02020603050405020304" pitchFamily="18" charset="0"/>
+                        <a:cs typeface="Times New Roman" panose="02020603050405020304" pitchFamily="18" charset="0"/>
+                      </a:endParaRPr>
+                    </a:p>
+                  </a:txBody>
+                  <a:tcPr anchor="ctr"/>
+                </a:tc>
+                <a:tc>
+                  <a:txBody>
+                    <a:bodyPr/>
+                    <a:lstStyle/>
+                    <a:p>
+                      <a:endParaRPr lang="en-US" sz="1100" dirty="0">
+                        <a:latin typeface="Times New Roman" panose="02020603050405020304" pitchFamily="18" charset="0"/>
+                        <a:cs typeface="Times New Roman" panose="02020603050405020304" pitchFamily="18" charset="0"/>
+                      </a:endParaRPr>
+                    </a:p>
+                  </a:txBody>
+                  <a:tcPr/>
+                </a:tc>
+                <a:tc>
+                  <a:txBody>
+                    <a:bodyPr/>
+                    <a:lstStyle/>
+                    <a:p>
+                      <a:r>
+                        <a:rPr lang="en-GB" sz="1100" dirty="0" smtClean="0">
+                          <a:latin typeface="Times New Roman" panose="02020603050405020304" pitchFamily="18" charset="0"/>
+                          <a:cs typeface="Times New Roman" panose="02020603050405020304" pitchFamily="18" charset="0"/>
+                        </a:rPr>
+                        <a:t>Display</a:t>
+                      </a:r>
+                      <a:r>
+                        <a:rPr lang="en-GB" sz="1100" baseline="0" dirty="0" smtClean="0">
+                          <a:latin typeface="Times New Roman" panose="02020603050405020304" pitchFamily="18" charset="0"/>
+                          <a:cs typeface="Times New Roman" panose="02020603050405020304" pitchFamily="18" charset="0"/>
+                        </a:rPr>
+                        <a:t> user’s current avatar</a:t>
+                      </a:r>
+                      <a:endParaRPr lang="en-US" sz="1100" dirty="0">
+                        <a:latin typeface="Times New Roman" panose="02020603050405020304" pitchFamily="18" charset="0"/>
+                        <a:cs typeface="Times New Roman" panose="02020603050405020304" pitchFamily="18" charset="0"/>
+                      </a:endParaRPr>
+                    </a:p>
+                  </a:txBody>
+                  <a:tcPr/>
+                </a:tc>
+                <a:tc>
+                  <a:txBody>
+                    <a:bodyPr/>
+                    <a:lstStyle/>
+                    <a:p>
+                      <a:endParaRPr lang="en-US" sz="1100" dirty="0">
+                        <a:latin typeface="Times New Roman" panose="02020603050405020304" pitchFamily="18" charset="0"/>
+                        <a:cs typeface="Times New Roman" panose="02020603050405020304" pitchFamily="18" charset="0"/>
+                      </a:endParaRPr>
+                    </a:p>
+                  </a:txBody>
+                  <a:tcPr/>
+                </a:tc>
+              </a:tr>
+              <a:tr h="386366">
+                <a:tc>
+                  <a:txBody>
+                    <a:bodyPr/>
+                    <a:lstStyle/>
+                    <a:p>
+                      <a:pPr marL="0" algn="ctr" defTabSz="914400" rtl="0" eaLnBrk="1" latinLnBrk="0" hangingPunct="1"/>
+                      <a:r>
+                        <a:rPr lang="en-GB" sz="1100" b="1" kern="1200" dirty="0" smtClean="0">
+                          <a:solidFill>
+                            <a:schemeClr val="tx1"/>
+                          </a:solidFill>
+                          <a:latin typeface="Times New Roman" panose="02020603050405020304" pitchFamily="18" charset="0"/>
+                          <a:ea typeface="+mn-ea"/>
+                          <a:cs typeface="Times New Roman" panose="02020603050405020304" pitchFamily="18" charset="0"/>
+                        </a:rPr>
+                        <a:t>6</a:t>
+                      </a:r>
+                      <a:endParaRPr lang="en-US" sz="1100" b="1" kern="1200" dirty="0">
+                        <a:solidFill>
+                          <a:schemeClr val="tx1"/>
+                        </a:solidFill>
+                        <a:latin typeface="Times New Roman" panose="02020603050405020304" pitchFamily="18" charset="0"/>
+                        <a:ea typeface="+mn-ea"/>
+                        <a:cs typeface="Times New Roman" panose="02020603050405020304" pitchFamily="18" charset="0"/>
+                      </a:endParaRPr>
+                    </a:p>
+                  </a:txBody>
+                  <a:tcPr anchor="ctr"/>
+                </a:tc>
+                <a:tc>
+                  <a:txBody>
+                    <a:bodyPr/>
+                    <a:lstStyle/>
+                    <a:p>
+                      <a:pPr algn="ctr"/>
+                      <a:r>
+                        <a:rPr lang="en-GB" sz="1100" dirty="0" smtClean="0">
+                          <a:latin typeface="Times New Roman" panose="02020603050405020304" pitchFamily="18" charset="0"/>
+                          <a:cs typeface="Times New Roman" panose="02020603050405020304" pitchFamily="18" charset="0"/>
+                        </a:rPr>
+                        <a:t>Change avatar</a:t>
+                      </a:r>
+                      <a:endParaRPr lang="en-US" sz="1100" dirty="0">
+                        <a:latin typeface="Times New Roman" panose="02020603050405020304" pitchFamily="18" charset="0"/>
+                        <a:cs typeface="Times New Roman" panose="02020603050405020304" pitchFamily="18" charset="0"/>
+                      </a:endParaRPr>
+                    </a:p>
+                  </a:txBody>
+                  <a:tcPr anchor="ctr"/>
+                </a:tc>
+                <a:tc>
+                  <a:txBody>
+                    <a:bodyPr/>
+                    <a:lstStyle/>
+                    <a:p>
+                      <a:endParaRPr lang="en-US" sz="1100" dirty="0">
+                        <a:latin typeface="Times New Roman" panose="02020603050405020304" pitchFamily="18" charset="0"/>
+                        <a:cs typeface="Times New Roman" panose="02020603050405020304" pitchFamily="18" charset="0"/>
+                      </a:endParaRPr>
+                    </a:p>
+                  </a:txBody>
+                  <a:tcPr/>
+                </a:tc>
+                <a:tc>
+                  <a:txBody>
+                    <a:bodyPr/>
+                    <a:lstStyle/>
+                    <a:p>
+                      <a:endParaRPr lang="en-US" sz="1100" dirty="0">
+                        <a:latin typeface="Times New Roman" panose="02020603050405020304" pitchFamily="18" charset="0"/>
+                        <a:cs typeface="Times New Roman" panose="02020603050405020304" pitchFamily="18" charset="0"/>
+                      </a:endParaRPr>
+                    </a:p>
+                  </a:txBody>
+                  <a:tcPr/>
+                </a:tc>
+                <a:tc>
+                  <a:txBody>
+                    <a:bodyPr/>
+                    <a:lstStyle/>
+                    <a:p>
+                      <a:r>
+                        <a:rPr lang="en-GB" sz="1100" dirty="0" smtClean="0">
+                          <a:latin typeface="Times New Roman" panose="02020603050405020304" pitchFamily="18" charset="0"/>
+                          <a:cs typeface="Times New Roman" panose="02020603050405020304" pitchFamily="18" charset="0"/>
+                        </a:rPr>
+                        <a:t>Open</a:t>
+                      </a:r>
+                      <a:r>
+                        <a:rPr lang="en-GB" sz="1100" baseline="0" dirty="0" smtClean="0">
+                          <a:latin typeface="Times New Roman" panose="02020603050405020304" pitchFamily="18" charset="0"/>
+                          <a:cs typeface="Times New Roman" panose="02020603050405020304" pitchFamily="18" charset="0"/>
+                        </a:rPr>
+                        <a:t> dialog to choose &amp; upload a image.</a:t>
+                      </a:r>
+                      <a:endParaRPr lang="en-US" sz="1100" dirty="0">
+                        <a:latin typeface="Times New Roman" panose="02020603050405020304" pitchFamily="18" charset="0"/>
+                        <a:cs typeface="Times New Roman" panose="02020603050405020304" pitchFamily="18" charset="0"/>
+                      </a:endParaRPr>
+                    </a:p>
+                  </a:txBody>
+                  <a:tcPr/>
+                </a:tc>
+              </a:tr>
+              <a:tr h="152185">
+                <a:tc>
+                  <a:txBody>
+                    <a:bodyPr/>
+                    <a:lstStyle/>
+                    <a:p>
+                      <a:pPr marL="0" algn="ctr" defTabSz="914400" rtl="0" eaLnBrk="1" latinLnBrk="0" hangingPunct="1"/>
+                      <a:r>
+                        <a:rPr lang="en-GB" sz="1100" b="1" kern="1200" dirty="0" smtClean="0">
+                          <a:solidFill>
+                            <a:schemeClr val="tx1"/>
+                          </a:solidFill>
+                          <a:latin typeface="Times New Roman" panose="02020603050405020304" pitchFamily="18" charset="0"/>
+                          <a:ea typeface="+mn-ea"/>
+                          <a:cs typeface="Times New Roman" panose="02020603050405020304" pitchFamily="18" charset="0"/>
+                        </a:rPr>
+                        <a:t>7</a:t>
+                      </a:r>
+                      <a:endParaRPr lang="en-US" sz="1100" b="1" kern="1200" dirty="0">
+                        <a:solidFill>
+                          <a:schemeClr val="tx1"/>
+                        </a:solidFill>
+                        <a:latin typeface="Times New Roman" panose="02020603050405020304" pitchFamily="18" charset="0"/>
+                        <a:ea typeface="+mn-ea"/>
+                        <a:cs typeface="Times New Roman" panose="02020603050405020304" pitchFamily="18" charset="0"/>
+                      </a:endParaRPr>
+                    </a:p>
+                  </a:txBody>
+                  <a:tcPr anchor="ctr"/>
+                </a:tc>
+                <a:tc>
+                  <a:txBody>
+                    <a:bodyPr/>
+                    <a:lstStyle/>
+                    <a:p>
+                      <a:pPr algn="ctr"/>
+                      <a:r>
+                        <a:rPr lang="en-GB" sz="1100" dirty="0" smtClean="0">
+                          <a:latin typeface="Times New Roman" panose="02020603050405020304" pitchFamily="18" charset="0"/>
+                          <a:cs typeface="Times New Roman" panose="02020603050405020304" pitchFamily="18" charset="0"/>
+                        </a:rPr>
+                        <a:t>Address</a:t>
+                      </a:r>
+                      <a:endParaRPr lang="en-US" sz="1100" dirty="0">
+                        <a:latin typeface="Times New Roman" panose="02020603050405020304" pitchFamily="18" charset="0"/>
+                        <a:cs typeface="Times New Roman" panose="02020603050405020304" pitchFamily="18" charset="0"/>
+                      </a:endParaRPr>
+                    </a:p>
+                  </a:txBody>
+                  <a:tcPr anchor="ctr"/>
+                </a:tc>
+                <a:tc>
+                  <a:txBody>
+                    <a:bodyPr/>
+                    <a:lstStyle/>
+                    <a:p>
+                      <a:endParaRPr lang="en-US" sz="1100" dirty="0">
+                        <a:latin typeface="Times New Roman" panose="02020603050405020304" pitchFamily="18" charset="0"/>
+                        <a:cs typeface="Times New Roman" panose="02020603050405020304" pitchFamily="18" charset="0"/>
+                      </a:endParaRPr>
+                    </a:p>
+                  </a:txBody>
+                  <a:tcPr/>
+                </a:tc>
+                <a:tc>
+                  <a:txBody>
+                    <a:bodyPr/>
+                    <a:lstStyle/>
+                    <a:p>
+                      <a:pPr marL="0" marR="0" indent="0" algn="l" defTabSz="914400" rtl="0" eaLnBrk="1" fontAlgn="auto" latinLnBrk="0" hangingPunct="1">
+                        <a:lnSpc>
+                          <a:spcPct val="100000"/>
+                        </a:lnSpc>
+                        <a:spcBef>
+                          <a:spcPts val="0"/>
+                        </a:spcBef>
+                        <a:spcAft>
+                          <a:spcPts val="0"/>
+                        </a:spcAft>
+                        <a:buClrTx/>
+                        <a:buSzTx/>
+                        <a:buFontTx/>
+                        <a:buNone/>
+                        <a:tabLst/>
+                        <a:defRPr/>
+                      </a:pPr>
+                      <a:r>
+                        <a:rPr lang="en-GB" sz="1100" dirty="0" smtClean="0">
+                          <a:latin typeface="Times New Roman" panose="02020603050405020304" pitchFamily="18" charset="0"/>
+                          <a:cs typeface="Times New Roman" panose="02020603050405020304" pitchFamily="18" charset="0"/>
+                        </a:rPr>
+                        <a:t>Display</a:t>
+                      </a:r>
+                      <a:r>
+                        <a:rPr lang="en-GB" sz="1100" baseline="0" dirty="0" smtClean="0">
+                          <a:latin typeface="Times New Roman" panose="02020603050405020304" pitchFamily="18" charset="0"/>
+                          <a:cs typeface="Times New Roman" panose="02020603050405020304" pitchFamily="18" charset="0"/>
+                        </a:rPr>
+                        <a:t> user’s current address</a:t>
+                      </a:r>
+                      <a:endParaRPr lang="en-US" sz="1100" dirty="0" smtClean="0">
+                        <a:latin typeface="Times New Roman" panose="02020603050405020304" pitchFamily="18" charset="0"/>
+                        <a:cs typeface="Times New Roman" panose="02020603050405020304" pitchFamily="18" charset="0"/>
+                      </a:endParaRPr>
+                    </a:p>
+                    <a:p>
+                      <a:endParaRPr lang="en-US" sz="1100" dirty="0">
+                        <a:latin typeface="Times New Roman" panose="02020603050405020304" pitchFamily="18" charset="0"/>
+                        <a:cs typeface="Times New Roman" panose="02020603050405020304" pitchFamily="18" charset="0"/>
+                      </a:endParaRPr>
+                    </a:p>
+                  </a:txBody>
+                  <a:tcPr/>
+                </a:tc>
+                <a:tc>
+                  <a:txBody>
+                    <a:bodyPr/>
+                    <a:lstStyle/>
+                    <a:p>
+                      <a:endParaRPr lang="en-US" sz="1100" dirty="0">
+                        <a:latin typeface="Times New Roman" panose="02020603050405020304" pitchFamily="18" charset="0"/>
+                        <a:cs typeface="Times New Roman" panose="02020603050405020304" pitchFamily="18" charset="0"/>
+                      </a:endParaRPr>
+                    </a:p>
+                  </a:txBody>
+                  <a:tcPr/>
+                </a:tc>
+              </a:tr>
+              <a:tr h="213524">
+                <a:tc>
+                  <a:txBody>
+                    <a:bodyPr/>
+                    <a:lstStyle/>
+                    <a:p>
+                      <a:pPr marL="0" algn="ctr" defTabSz="914400" rtl="0" eaLnBrk="1" latinLnBrk="0" hangingPunct="1"/>
+                      <a:r>
+                        <a:rPr lang="en-GB" sz="1100" b="1" kern="1200" dirty="0" smtClean="0">
+                          <a:solidFill>
+                            <a:schemeClr val="tx1"/>
+                          </a:solidFill>
+                          <a:latin typeface="Times New Roman" panose="02020603050405020304" pitchFamily="18" charset="0"/>
+                          <a:ea typeface="+mn-ea"/>
+                          <a:cs typeface="Times New Roman" panose="02020603050405020304" pitchFamily="18" charset="0"/>
+                        </a:rPr>
+                        <a:t>8</a:t>
+                      </a:r>
+                      <a:endParaRPr lang="en-US" sz="1100" b="1" kern="1200" dirty="0">
+                        <a:solidFill>
+                          <a:schemeClr val="tx1"/>
+                        </a:solidFill>
+                        <a:latin typeface="Times New Roman" panose="02020603050405020304" pitchFamily="18" charset="0"/>
+                        <a:ea typeface="+mn-ea"/>
+                        <a:cs typeface="Times New Roman" panose="02020603050405020304" pitchFamily="18" charset="0"/>
+                      </a:endParaRPr>
+                    </a:p>
+                  </a:txBody>
+                  <a:tcPr anchor="ctr"/>
+                </a:tc>
+                <a:tc>
+                  <a:txBody>
+                    <a:bodyPr/>
+                    <a:lstStyle/>
+                    <a:p>
+                      <a:pPr algn="ctr"/>
+                      <a:r>
+                        <a:rPr lang="en-GB" sz="1100" dirty="0" smtClean="0">
+                          <a:latin typeface="Times New Roman" panose="02020603050405020304" pitchFamily="18" charset="0"/>
+                          <a:cs typeface="Times New Roman" panose="02020603050405020304" pitchFamily="18" charset="0"/>
+                        </a:rPr>
+                        <a:t>City</a:t>
+                      </a:r>
+                      <a:endParaRPr lang="en-US" sz="1100" dirty="0">
+                        <a:latin typeface="Times New Roman" panose="02020603050405020304" pitchFamily="18" charset="0"/>
+                        <a:cs typeface="Times New Roman" panose="02020603050405020304" pitchFamily="18" charset="0"/>
+                      </a:endParaRPr>
+                    </a:p>
+                  </a:txBody>
+                  <a:tcPr anchor="ctr"/>
+                </a:tc>
+                <a:tc>
+                  <a:txBody>
+                    <a:bodyPr/>
+                    <a:lstStyle/>
+                    <a:p>
+                      <a:endParaRPr lang="en-US" sz="1100" dirty="0">
+                        <a:latin typeface="Times New Roman" panose="02020603050405020304" pitchFamily="18" charset="0"/>
+                        <a:cs typeface="Times New Roman" panose="02020603050405020304" pitchFamily="18" charset="0"/>
+                      </a:endParaRPr>
+                    </a:p>
+                  </a:txBody>
+                  <a:tcPr/>
+                </a:tc>
+                <a:tc>
+                  <a:txBody>
+                    <a:bodyPr/>
+                    <a:lstStyle/>
+                    <a:p>
+                      <a:pPr marL="0" marR="0" indent="0" algn="l" defTabSz="914400" rtl="0" eaLnBrk="1" fontAlgn="auto" latinLnBrk="0" hangingPunct="1">
+                        <a:lnSpc>
+                          <a:spcPct val="100000"/>
+                        </a:lnSpc>
+                        <a:spcBef>
+                          <a:spcPts val="0"/>
+                        </a:spcBef>
+                        <a:spcAft>
+                          <a:spcPts val="0"/>
+                        </a:spcAft>
+                        <a:buClrTx/>
+                        <a:buSzTx/>
+                        <a:buFontTx/>
+                        <a:buNone/>
+                        <a:tabLst/>
+                        <a:defRPr/>
+                      </a:pPr>
+                      <a:r>
+                        <a:rPr lang="en-GB" sz="1100" dirty="0" smtClean="0">
+                          <a:latin typeface="Times New Roman" panose="02020603050405020304" pitchFamily="18" charset="0"/>
+                          <a:cs typeface="Times New Roman" panose="02020603050405020304" pitchFamily="18" charset="0"/>
+                        </a:rPr>
+                        <a:t>Display</a:t>
+                      </a:r>
+                      <a:r>
+                        <a:rPr lang="en-GB" sz="1100" baseline="0" dirty="0" smtClean="0">
+                          <a:latin typeface="Times New Roman" panose="02020603050405020304" pitchFamily="18" charset="0"/>
+                          <a:cs typeface="Times New Roman" panose="02020603050405020304" pitchFamily="18" charset="0"/>
+                        </a:rPr>
+                        <a:t> user’s current city</a:t>
+                      </a:r>
+                      <a:endParaRPr lang="en-US" sz="1100" dirty="0" smtClean="0">
+                        <a:latin typeface="Times New Roman" panose="02020603050405020304" pitchFamily="18" charset="0"/>
+                        <a:cs typeface="Times New Roman" panose="02020603050405020304" pitchFamily="18" charset="0"/>
+                      </a:endParaRPr>
+                    </a:p>
+                    <a:p>
+                      <a:endParaRPr lang="en-US" sz="1100" dirty="0">
+                        <a:latin typeface="Times New Roman" panose="02020603050405020304" pitchFamily="18" charset="0"/>
+                        <a:cs typeface="Times New Roman" panose="02020603050405020304" pitchFamily="18" charset="0"/>
+                      </a:endParaRPr>
+                    </a:p>
+                  </a:txBody>
+                  <a:tcPr/>
+                </a:tc>
+                <a:tc>
+                  <a:txBody>
+                    <a:bodyPr/>
+                    <a:lstStyle/>
+                    <a:p>
+                      <a:endParaRPr lang="en-US" sz="1100" dirty="0">
+                        <a:latin typeface="Times New Roman" panose="02020603050405020304" pitchFamily="18" charset="0"/>
+                        <a:cs typeface="Times New Roman" panose="02020603050405020304" pitchFamily="18" charset="0"/>
+                      </a:endParaRPr>
+                    </a:p>
+                  </a:txBody>
+                  <a:tcPr/>
+                </a:tc>
+              </a:tr>
+              <a:tr h="213524">
+                <a:tc>
+                  <a:txBody>
+                    <a:bodyPr/>
+                    <a:lstStyle/>
+                    <a:p>
+                      <a:pPr marL="0" algn="ctr" defTabSz="914400" rtl="0" eaLnBrk="1" latinLnBrk="0" hangingPunct="1"/>
+                      <a:r>
+                        <a:rPr lang="en-GB" sz="1100" b="1" kern="1200" dirty="0" smtClean="0">
+                          <a:solidFill>
+                            <a:schemeClr val="tx1"/>
+                          </a:solidFill>
+                          <a:latin typeface="Times New Roman" panose="02020603050405020304" pitchFamily="18" charset="0"/>
+                          <a:ea typeface="+mn-ea"/>
+                          <a:cs typeface="Times New Roman" panose="02020603050405020304" pitchFamily="18" charset="0"/>
+                        </a:rPr>
+                        <a:t>9</a:t>
+                      </a:r>
+                      <a:endParaRPr lang="en-US" sz="1100" b="1" kern="1200" dirty="0">
+                        <a:solidFill>
+                          <a:schemeClr val="tx1"/>
+                        </a:solidFill>
+                        <a:latin typeface="Times New Roman" panose="02020603050405020304" pitchFamily="18" charset="0"/>
+                        <a:ea typeface="+mn-ea"/>
+                        <a:cs typeface="Times New Roman" panose="02020603050405020304" pitchFamily="18" charset="0"/>
+                      </a:endParaRPr>
+                    </a:p>
+                  </a:txBody>
+                  <a:tcPr anchor="ctr"/>
+                </a:tc>
+                <a:tc>
+                  <a:txBody>
+                    <a:bodyPr/>
+                    <a:lstStyle/>
+                    <a:p>
+                      <a:pPr algn="ctr"/>
+                      <a:r>
+                        <a:rPr lang="en-GB" sz="1100" dirty="0" smtClean="0">
+                          <a:latin typeface="Times New Roman" panose="02020603050405020304" pitchFamily="18" charset="0"/>
+                          <a:cs typeface="Times New Roman" panose="02020603050405020304" pitchFamily="18" charset="0"/>
+                        </a:rPr>
+                        <a:t>Email</a:t>
+                      </a:r>
+                      <a:endParaRPr lang="en-US" sz="1100" dirty="0">
+                        <a:latin typeface="Times New Roman" panose="02020603050405020304" pitchFamily="18" charset="0"/>
+                        <a:cs typeface="Times New Roman" panose="02020603050405020304" pitchFamily="18" charset="0"/>
+                      </a:endParaRPr>
+                    </a:p>
+                  </a:txBody>
+                  <a:tcPr anchor="ctr"/>
+                </a:tc>
+                <a:tc>
+                  <a:txBody>
+                    <a:bodyPr/>
+                    <a:lstStyle/>
+                    <a:p>
+                      <a:endParaRPr lang="en-US" sz="1100" dirty="0">
+                        <a:latin typeface="Times New Roman" panose="02020603050405020304" pitchFamily="18" charset="0"/>
+                        <a:cs typeface="Times New Roman" panose="02020603050405020304" pitchFamily="18" charset="0"/>
+                      </a:endParaRPr>
+                    </a:p>
+                  </a:txBody>
+                  <a:tcPr/>
+                </a:tc>
+                <a:tc>
+                  <a:txBody>
+                    <a:bodyPr/>
+                    <a:lstStyle/>
+                    <a:p>
+                      <a:pPr marL="0" marR="0" indent="0" algn="l" defTabSz="914400" rtl="0" eaLnBrk="1" fontAlgn="auto" latinLnBrk="0" hangingPunct="1">
+                        <a:lnSpc>
+                          <a:spcPct val="100000"/>
+                        </a:lnSpc>
+                        <a:spcBef>
+                          <a:spcPts val="0"/>
+                        </a:spcBef>
+                        <a:spcAft>
+                          <a:spcPts val="0"/>
+                        </a:spcAft>
+                        <a:buClrTx/>
+                        <a:buSzTx/>
+                        <a:buFontTx/>
+                        <a:buNone/>
+                        <a:tabLst/>
+                        <a:defRPr/>
+                      </a:pPr>
+                      <a:r>
+                        <a:rPr lang="en-GB" sz="1100" dirty="0" smtClean="0">
+                          <a:latin typeface="Times New Roman" panose="02020603050405020304" pitchFamily="18" charset="0"/>
+                          <a:cs typeface="Times New Roman" panose="02020603050405020304" pitchFamily="18" charset="0"/>
+                        </a:rPr>
+                        <a:t>Display</a:t>
+                      </a:r>
+                      <a:r>
+                        <a:rPr lang="en-GB" sz="1100" baseline="0" dirty="0" smtClean="0">
+                          <a:latin typeface="Times New Roman" panose="02020603050405020304" pitchFamily="18" charset="0"/>
+                          <a:cs typeface="Times New Roman" panose="02020603050405020304" pitchFamily="18" charset="0"/>
+                        </a:rPr>
+                        <a:t> user’s current email</a:t>
+                      </a:r>
+                      <a:endParaRPr lang="en-US" sz="1100" dirty="0" smtClean="0">
+                        <a:latin typeface="Times New Roman" panose="02020603050405020304" pitchFamily="18" charset="0"/>
+                        <a:cs typeface="Times New Roman" panose="02020603050405020304" pitchFamily="18" charset="0"/>
+                      </a:endParaRPr>
+                    </a:p>
+                    <a:p>
+                      <a:endParaRPr lang="en-US" sz="1100" dirty="0">
+                        <a:latin typeface="Times New Roman" panose="02020603050405020304" pitchFamily="18" charset="0"/>
+                        <a:cs typeface="Times New Roman" panose="02020603050405020304" pitchFamily="18" charset="0"/>
+                      </a:endParaRPr>
+                    </a:p>
+                  </a:txBody>
+                  <a:tcPr/>
+                </a:tc>
+                <a:tc>
+                  <a:txBody>
+                    <a:bodyPr/>
+                    <a:lstStyle/>
+                    <a:p>
+                      <a:endParaRPr lang="en-US" sz="1100" dirty="0">
+                        <a:latin typeface="Times New Roman" panose="02020603050405020304" pitchFamily="18" charset="0"/>
+                        <a:cs typeface="Times New Roman" panose="02020603050405020304" pitchFamily="18" charset="0"/>
+                      </a:endParaRPr>
+                    </a:p>
+                  </a:txBody>
+                  <a:tcPr/>
+                </a:tc>
+              </a:tr>
+              <a:tr h="130029">
+                <a:tc>
+                  <a:txBody>
+                    <a:bodyPr/>
+                    <a:lstStyle/>
+                    <a:p>
+                      <a:pPr marL="0" algn="ctr" defTabSz="914400" rtl="0" eaLnBrk="1" latinLnBrk="0" hangingPunct="1"/>
+                      <a:r>
+                        <a:rPr lang="en-GB" sz="1100" b="1" kern="1200" dirty="0" smtClean="0">
+                          <a:solidFill>
+                            <a:schemeClr val="tx1"/>
+                          </a:solidFill>
+                          <a:latin typeface="Times New Roman" panose="02020603050405020304" pitchFamily="18" charset="0"/>
+                          <a:ea typeface="+mn-ea"/>
+                          <a:cs typeface="Times New Roman" panose="02020603050405020304" pitchFamily="18" charset="0"/>
+                        </a:rPr>
+                        <a:t>10</a:t>
+                      </a:r>
+                      <a:endParaRPr lang="en-US" sz="1100" b="1" kern="1200" dirty="0">
+                        <a:solidFill>
+                          <a:schemeClr val="tx1"/>
+                        </a:solidFill>
+                        <a:latin typeface="Times New Roman" panose="02020603050405020304" pitchFamily="18" charset="0"/>
+                        <a:ea typeface="+mn-ea"/>
+                        <a:cs typeface="Times New Roman" panose="02020603050405020304" pitchFamily="18" charset="0"/>
+                      </a:endParaRPr>
+                    </a:p>
+                  </a:txBody>
+                  <a:tcPr anchor="ctr"/>
+                </a:tc>
+                <a:tc>
+                  <a:txBody>
+                    <a:bodyPr/>
+                    <a:lstStyle/>
+                    <a:p>
+                      <a:pPr algn="ctr"/>
+                      <a:r>
+                        <a:rPr lang="en-GB" sz="1100" dirty="0" smtClean="0">
+                          <a:latin typeface="Times New Roman" panose="02020603050405020304" pitchFamily="18" charset="0"/>
+                          <a:cs typeface="Times New Roman" panose="02020603050405020304" pitchFamily="18" charset="0"/>
+                        </a:rPr>
+                        <a:t>Mobile</a:t>
+                      </a:r>
+                      <a:endParaRPr lang="en-US" sz="1100" dirty="0">
+                        <a:latin typeface="Times New Roman" panose="02020603050405020304" pitchFamily="18" charset="0"/>
+                        <a:cs typeface="Times New Roman" panose="02020603050405020304" pitchFamily="18" charset="0"/>
+                      </a:endParaRPr>
+                    </a:p>
+                  </a:txBody>
+                  <a:tcPr anchor="ctr"/>
+                </a:tc>
+                <a:tc>
+                  <a:txBody>
+                    <a:bodyPr/>
+                    <a:lstStyle/>
+                    <a:p>
+                      <a:endParaRPr lang="en-US" sz="1100" dirty="0">
+                        <a:latin typeface="Times New Roman" panose="02020603050405020304" pitchFamily="18" charset="0"/>
+                        <a:cs typeface="Times New Roman" panose="02020603050405020304" pitchFamily="18" charset="0"/>
+                      </a:endParaRPr>
+                    </a:p>
+                  </a:txBody>
+                  <a:tcPr/>
+                </a:tc>
+                <a:tc>
+                  <a:txBody>
+                    <a:bodyPr/>
+                    <a:lstStyle/>
+                    <a:p>
+                      <a:r>
+                        <a:rPr lang="en-GB" sz="1100" dirty="0" smtClean="0">
+                          <a:latin typeface="Times New Roman" panose="02020603050405020304" pitchFamily="18" charset="0"/>
+                          <a:cs typeface="Times New Roman" panose="02020603050405020304" pitchFamily="18" charset="0"/>
+                        </a:rPr>
+                        <a:t>Display</a:t>
+                      </a:r>
+                      <a:r>
+                        <a:rPr lang="en-GB" sz="1100" baseline="0" dirty="0" smtClean="0">
+                          <a:latin typeface="Times New Roman" panose="02020603050405020304" pitchFamily="18" charset="0"/>
+                          <a:cs typeface="Times New Roman" panose="02020603050405020304" pitchFamily="18" charset="0"/>
+                        </a:rPr>
+                        <a:t> user’s current mobile</a:t>
+                      </a:r>
+                      <a:endParaRPr lang="en-US" sz="1100" dirty="0">
+                        <a:latin typeface="Times New Roman" panose="02020603050405020304" pitchFamily="18" charset="0"/>
+                        <a:cs typeface="Times New Roman" panose="02020603050405020304" pitchFamily="18" charset="0"/>
+                      </a:endParaRPr>
+                    </a:p>
+                  </a:txBody>
+                  <a:tcPr/>
+                </a:tc>
+                <a:tc>
+                  <a:txBody>
+                    <a:bodyPr/>
+                    <a:lstStyle/>
+                    <a:p>
+                      <a:endParaRPr lang="en-US" sz="1100" dirty="0">
+                        <a:latin typeface="Times New Roman" panose="02020603050405020304" pitchFamily="18" charset="0"/>
+                        <a:cs typeface="Times New Roman" panose="02020603050405020304" pitchFamily="18" charset="0"/>
+                      </a:endParaRPr>
+                    </a:p>
+                  </a:txBody>
+                  <a:tcPr/>
+                </a:tc>
+              </a:tr>
+              <a:tr h="956900">
+                <a:tc>
+                  <a:txBody>
+                    <a:bodyPr/>
+                    <a:lstStyle/>
+                    <a:p>
+                      <a:pPr marL="0" algn="ctr" defTabSz="914400" rtl="0" eaLnBrk="1" latinLnBrk="0" hangingPunct="1"/>
+                      <a:r>
+                        <a:rPr lang="en-GB" sz="1100" b="1" kern="1200" dirty="0" smtClean="0">
+                          <a:solidFill>
+                            <a:schemeClr val="tx1"/>
+                          </a:solidFill>
+                          <a:latin typeface="Times New Roman" panose="02020603050405020304" pitchFamily="18" charset="0"/>
+                          <a:ea typeface="+mn-ea"/>
+                          <a:cs typeface="Times New Roman" panose="02020603050405020304" pitchFamily="18" charset="0"/>
+                        </a:rPr>
+                        <a:t>11</a:t>
+                      </a:r>
+                      <a:endParaRPr lang="en-US" sz="1100" b="1" kern="1200" dirty="0">
+                        <a:solidFill>
+                          <a:schemeClr val="tx1"/>
+                        </a:solidFill>
+                        <a:latin typeface="Times New Roman" panose="02020603050405020304" pitchFamily="18" charset="0"/>
+                        <a:ea typeface="+mn-ea"/>
+                        <a:cs typeface="Times New Roman" panose="02020603050405020304" pitchFamily="18" charset="0"/>
+                      </a:endParaRPr>
+                    </a:p>
+                  </a:txBody>
+                  <a:tcPr anchor="ctr"/>
+                </a:tc>
+                <a:tc>
+                  <a:txBody>
+                    <a:bodyPr/>
+                    <a:lstStyle/>
+                    <a:p>
+                      <a:pPr algn="ctr"/>
+                      <a:r>
+                        <a:rPr lang="en-GB" sz="1100" dirty="0" smtClean="0">
+                          <a:latin typeface="Times New Roman" panose="02020603050405020304" pitchFamily="18" charset="0"/>
+                          <a:cs typeface="Times New Roman" panose="02020603050405020304" pitchFamily="18" charset="0"/>
+                        </a:rPr>
+                        <a:t>OK</a:t>
+                      </a:r>
+                      <a:endParaRPr lang="en-US" sz="1100" dirty="0">
+                        <a:latin typeface="Times New Roman" panose="02020603050405020304" pitchFamily="18" charset="0"/>
+                        <a:cs typeface="Times New Roman" panose="02020603050405020304" pitchFamily="18" charset="0"/>
+                      </a:endParaRPr>
+                    </a:p>
+                  </a:txBody>
+                  <a:tcPr anchor="ctr"/>
+                </a:tc>
+                <a:tc>
+                  <a:txBody>
+                    <a:bodyPr/>
+                    <a:lstStyle/>
+                    <a:p>
+                      <a:r>
+                        <a:rPr lang="en-GB" sz="1100" dirty="0" smtClean="0">
+                          <a:latin typeface="Times New Roman" panose="02020603050405020304" pitchFamily="18" charset="0"/>
+                          <a:cs typeface="Times New Roman" panose="02020603050405020304" pitchFamily="18" charset="0"/>
+                        </a:rPr>
+                        <a:t>Update</a:t>
+                      </a:r>
+                      <a:r>
+                        <a:rPr lang="en-GB" sz="1100" baseline="0" dirty="0" smtClean="0">
+                          <a:latin typeface="Times New Roman" panose="02020603050405020304" pitchFamily="18" charset="0"/>
+                          <a:cs typeface="Times New Roman" panose="02020603050405020304" pitchFamily="18" charset="0"/>
+                        </a:rPr>
+                        <a:t> </a:t>
+                      </a:r>
+                      <a:r>
+                        <a:rPr lang="en-GB" sz="1100" baseline="0" dirty="0" err="1" smtClean="0">
+                          <a:latin typeface="Times New Roman" panose="02020603050405020304" pitchFamily="18" charset="0"/>
+                          <a:cs typeface="Times New Roman" panose="02020603050405020304" pitchFamily="18" charset="0"/>
+                        </a:rPr>
+                        <a:t>infor</a:t>
+                      </a:r>
+                      <a:endParaRPr lang="en-US" sz="1100" dirty="0">
+                        <a:latin typeface="Times New Roman" panose="02020603050405020304" pitchFamily="18" charset="0"/>
+                        <a:cs typeface="Times New Roman" panose="02020603050405020304" pitchFamily="18" charset="0"/>
+                      </a:endParaRPr>
+                    </a:p>
+                  </a:txBody>
+                  <a:tcPr/>
+                </a:tc>
+                <a:tc>
+                  <a:txBody>
+                    <a:bodyPr/>
+                    <a:lstStyle/>
+                    <a:p>
+                      <a:r>
+                        <a:rPr lang="en-GB" sz="1100" dirty="0" smtClean="0">
+                          <a:latin typeface="Times New Roman" panose="02020603050405020304" pitchFamily="18" charset="0"/>
+                          <a:cs typeface="Times New Roman" panose="02020603050405020304" pitchFamily="18" charset="0"/>
+                        </a:rPr>
+                        <a:t>Update all information</a:t>
+                      </a:r>
+                      <a:r>
+                        <a:rPr lang="en-GB" sz="1100" baseline="0" dirty="0" smtClean="0">
+                          <a:latin typeface="Times New Roman" panose="02020603050405020304" pitchFamily="18" charset="0"/>
+                          <a:cs typeface="Times New Roman" panose="02020603050405020304" pitchFamily="18" charset="0"/>
+                        </a:rPr>
+                        <a:t> that user want to change</a:t>
+                      </a:r>
+                    </a:p>
+                    <a:p>
+                      <a:pPr marL="171450" indent="-171450">
+                        <a:buFont typeface="Wingdings" panose="05000000000000000000" pitchFamily="2" charset="2"/>
+                        <a:buChar char="à"/>
+                      </a:pPr>
+                      <a:r>
+                        <a:rPr lang="en-GB" sz="1100" baseline="0" dirty="0" smtClean="0">
+                          <a:latin typeface="Times New Roman" panose="02020603050405020304" pitchFamily="18" charset="0"/>
+                          <a:cs typeface="Times New Roman" panose="02020603050405020304" pitchFamily="18" charset="0"/>
+                          <a:sym typeface="Wingdings" panose="05000000000000000000" pitchFamily="2" charset="2"/>
+                        </a:rPr>
+                        <a:t>If something wrong, it will display error message</a:t>
+                      </a:r>
+                    </a:p>
+                    <a:p>
+                      <a:pPr marL="171450" marR="0" indent="-171450" algn="l" defTabSz="914400" rtl="0" eaLnBrk="1" fontAlgn="auto" latinLnBrk="0" hangingPunct="1">
+                        <a:lnSpc>
+                          <a:spcPct val="100000"/>
+                        </a:lnSpc>
+                        <a:spcBef>
+                          <a:spcPts val="0"/>
+                        </a:spcBef>
+                        <a:spcAft>
+                          <a:spcPts val="0"/>
+                        </a:spcAft>
+                        <a:buClrTx/>
+                        <a:buSzTx/>
+                        <a:buFont typeface="Wingdings" panose="05000000000000000000" pitchFamily="2" charset="2"/>
+                        <a:buChar char="à"/>
+                        <a:tabLst/>
+                        <a:defRPr/>
+                      </a:pPr>
+                      <a:r>
+                        <a:rPr lang="en-GB" sz="1100" dirty="0" smtClean="0">
+                          <a:latin typeface="Times New Roman" panose="02020603050405020304" pitchFamily="18" charset="0"/>
+                          <a:cs typeface="Times New Roman" panose="02020603050405020304" pitchFamily="18" charset="0"/>
+                        </a:rPr>
+                        <a:t>If</a:t>
+                      </a:r>
+                      <a:r>
+                        <a:rPr lang="en-GB" sz="1100" baseline="0" dirty="0" smtClean="0">
+                          <a:latin typeface="Times New Roman" panose="02020603050405020304" pitchFamily="18" charset="0"/>
+                          <a:cs typeface="Times New Roman" panose="02020603050405020304" pitchFamily="18" charset="0"/>
+                        </a:rPr>
+                        <a:t> everything is alright, it </a:t>
+                      </a:r>
+                      <a:r>
+                        <a:rPr lang="en-GB" sz="1100" baseline="0" dirty="0" smtClean="0">
+                          <a:latin typeface="Times New Roman" panose="02020603050405020304" pitchFamily="18" charset="0"/>
+                          <a:cs typeface="Times New Roman" panose="02020603050405020304" pitchFamily="18" charset="0"/>
+                          <a:sym typeface="Wingdings" panose="05000000000000000000" pitchFamily="2" charset="2"/>
+                        </a:rPr>
+                        <a:t>will display success message</a:t>
+                      </a:r>
+                      <a:endParaRPr lang="en-US" sz="1100" dirty="0" smtClean="0">
+                        <a:latin typeface="Times New Roman" panose="02020603050405020304" pitchFamily="18" charset="0"/>
+                        <a:cs typeface="Times New Roman" panose="02020603050405020304" pitchFamily="18" charset="0"/>
+                      </a:endParaRPr>
+                    </a:p>
+                    <a:p>
+                      <a:pPr marL="171450" indent="-171450">
+                        <a:buFont typeface="Wingdings" panose="05000000000000000000" pitchFamily="2" charset="2"/>
+                        <a:buChar char="à"/>
+                      </a:pPr>
+                      <a:endParaRPr lang="en-US" sz="1100" dirty="0">
+                        <a:latin typeface="Times New Roman" panose="02020603050405020304" pitchFamily="18" charset="0"/>
+                        <a:cs typeface="Times New Roman" panose="02020603050405020304" pitchFamily="18" charset="0"/>
+                      </a:endParaRPr>
+                    </a:p>
+                  </a:txBody>
+                  <a:tcPr/>
+                </a:tc>
+                <a:tc>
+                  <a:txBody>
+                    <a:bodyPr/>
+                    <a:lstStyle/>
+                    <a:p>
+                      <a:endParaRPr lang="en-US" sz="1100" dirty="0">
+                        <a:latin typeface="Times New Roman" panose="02020603050405020304" pitchFamily="18" charset="0"/>
+                        <a:cs typeface="Times New Roman" panose="02020603050405020304" pitchFamily="18" charset="0"/>
+                      </a:endParaRPr>
+                    </a:p>
+                  </a:txBody>
+                  <a:tcPr/>
+                </a:tc>
+              </a:tr>
+              <a:tr h="213524">
+                <a:tc>
+                  <a:txBody>
+                    <a:bodyPr/>
+                    <a:lstStyle/>
+                    <a:p>
+                      <a:pPr marL="0" algn="ctr" defTabSz="914400" rtl="0" eaLnBrk="1" latinLnBrk="0" hangingPunct="1"/>
+                      <a:r>
+                        <a:rPr lang="en-GB" sz="1100" b="1" kern="1200" dirty="0" smtClean="0">
+                          <a:solidFill>
+                            <a:schemeClr val="tx1"/>
+                          </a:solidFill>
+                          <a:latin typeface="Times New Roman" panose="02020603050405020304" pitchFamily="18" charset="0"/>
+                          <a:ea typeface="+mn-ea"/>
+                          <a:cs typeface="Times New Roman" panose="02020603050405020304" pitchFamily="18" charset="0"/>
+                        </a:rPr>
+                        <a:t>12</a:t>
+                      </a:r>
+                      <a:endParaRPr lang="en-US" sz="1100" b="1" kern="1200" dirty="0">
+                        <a:solidFill>
+                          <a:schemeClr val="tx1"/>
+                        </a:solidFill>
+                        <a:latin typeface="Times New Roman" panose="02020603050405020304" pitchFamily="18" charset="0"/>
+                        <a:ea typeface="+mn-ea"/>
+                        <a:cs typeface="Times New Roman" panose="02020603050405020304" pitchFamily="18" charset="0"/>
+                      </a:endParaRPr>
+                    </a:p>
+                  </a:txBody>
+                  <a:tcPr anchor="ctr"/>
+                </a:tc>
+                <a:tc>
+                  <a:txBody>
+                    <a:bodyPr/>
+                    <a:lstStyle/>
+                    <a:p>
+                      <a:pPr algn="ctr"/>
+                      <a:r>
+                        <a:rPr lang="en-GB" sz="1100" dirty="0" smtClean="0">
+                          <a:latin typeface="Times New Roman" panose="02020603050405020304" pitchFamily="18" charset="0"/>
+                          <a:cs typeface="Times New Roman" panose="02020603050405020304" pitchFamily="18" charset="0"/>
+                        </a:rPr>
+                        <a:t>Cancel</a:t>
+                      </a:r>
+                      <a:endParaRPr lang="en-US" sz="1100" dirty="0">
+                        <a:latin typeface="Times New Roman" panose="02020603050405020304" pitchFamily="18" charset="0"/>
+                        <a:cs typeface="Times New Roman" panose="02020603050405020304" pitchFamily="18" charset="0"/>
+                      </a:endParaRPr>
+                    </a:p>
+                  </a:txBody>
+                  <a:tcPr anchor="ctr"/>
+                </a:tc>
+                <a:tc>
+                  <a:txBody>
+                    <a:bodyPr/>
+                    <a:lstStyle/>
+                    <a:p>
+                      <a:endParaRPr lang="en-US" sz="1100" dirty="0">
+                        <a:latin typeface="Times New Roman" panose="02020603050405020304" pitchFamily="18" charset="0"/>
+                        <a:cs typeface="Times New Roman" panose="02020603050405020304" pitchFamily="18" charset="0"/>
+                      </a:endParaRPr>
+                    </a:p>
+                  </a:txBody>
+                  <a:tcPr/>
+                </a:tc>
+                <a:tc>
+                  <a:txBody>
+                    <a:bodyPr/>
+                    <a:lstStyle/>
+                    <a:p>
+                      <a:r>
+                        <a:rPr lang="en-GB" sz="1100" dirty="0" smtClean="0">
+                          <a:latin typeface="Times New Roman" panose="02020603050405020304" pitchFamily="18" charset="0"/>
+                          <a:cs typeface="Times New Roman" panose="02020603050405020304" pitchFamily="18" charset="0"/>
+                        </a:rPr>
+                        <a:t>Set all information</a:t>
+                      </a:r>
+                      <a:r>
+                        <a:rPr lang="en-GB" sz="1100" baseline="0" dirty="0" smtClean="0">
+                          <a:latin typeface="Times New Roman" panose="02020603050405020304" pitchFamily="18" charset="0"/>
+                          <a:cs typeface="Times New Roman" panose="02020603050405020304" pitchFamily="18" charset="0"/>
+                        </a:rPr>
+                        <a:t> of user to default.</a:t>
+                      </a:r>
+                      <a:endParaRPr lang="en-US" sz="1100" dirty="0">
+                        <a:latin typeface="Times New Roman" panose="02020603050405020304" pitchFamily="18" charset="0"/>
+                        <a:cs typeface="Times New Roman" panose="02020603050405020304" pitchFamily="18" charset="0"/>
+                      </a:endParaRPr>
+                    </a:p>
+                  </a:txBody>
+                  <a:tcPr/>
+                </a:tc>
+                <a:tc>
+                  <a:txBody>
+                    <a:bodyPr/>
+                    <a:lstStyle/>
+                    <a:p>
+                      <a:endParaRPr lang="en-US" sz="1100" dirty="0">
+                        <a:latin typeface="Times New Roman" panose="02020603050405020304" pitchFamily="18" charset="0"/>
+                        <a:cs typeface="Times New Roman" panose="02020603050405020304" pitchFamily="18" charset="0"/>
+                      </a:endParaRPr>
+                    </a:p>
+                  </a:txBody>
+                  <a:tcPr/>
+                </a:tc>
+              </a:tr>
+              <a:tr h="800713">
+                <a:tc>
+                  <a:txBody>
+                    <a:bodyPr/>
+                    <a:lstStyle/>
+                    <a:p>
+                      <a:pPr marL="0" algn="ctr" defTabSz="914400" rtl="0" eaLnBrk="1" latinLnBrk="0" hangingPunct="1"/>
+                      <a:r>
+                        <a:rPr lang="en-GB" sz="1100" b="1" kern="1200" dirty="0" smtClean="0">
+                          <a:solidFill>
+                            <a:schemeClr val="tx1"/>
+                          </a:solidFill>
+                          <a:latin typeface="Times New Roman" panose="02020603050405020304" pitchFamily="18" charset="0"/>
+                          <a:ea typeface="+mn-ea"/>
+                          <a:cs typeface="Times New Roman" panose="02020603050405020304" pitchFamily="18" charset="0"/>
+                        </a:rPr>
+                        <a:t>13</a:t>
+                      </a:r>
+                      <a:endParaRPr lang="en-US" sz="1100" b="1" kern="1200" dirty="0">
+                        <a:solidFill>
+                          <a:schemeClr val="tx1"/>
+                        </a:solidFill>
+                        <a:latin typeface="Times New Roman" panose="02020603050405020304" pitchFamily="18" charset="0"/>
+                        <a:ea typeface="+mn-ea"/>
+                        <a:cs typeface="Times New Roman" panose="02020603050405020304" pitchFamily="18" charset="0"/>
+                      </a:endParaRPr>
+                    </a:p>
+                  </a:txBody>
+                  <a:tcPr anchor="ctr"/>
+                </a:tc>
+                <a:tc>
+                  <a:txBody>
+                    <a:bodyPr/>
+                    <a:lstStyle/>
+                    <a:p>
+                      <a:pPr algn="ctr"/>
+                      <a:r>
+                        <a:rPr lang="en-GB" sz="1100" dirty="0" smtClean="0">
+                          <a:latin typeface="Times New Roman" panose="02020603050405020304" pitchFamily="18" charset="0"/>
+                          <a:cs typeface="Times New Roman" panose="02020603050405020304" pitchFamily="18" charset="0"/>
+                        </a:rPr>
+                        <a:t>Message</a:t>
+                      </a:r>
+                      <a:endParaRPr lang="en-US" sz="1100" dirty="0">
+                        <a:latin typeface="Times New Roman" panose="02020603050405020304" pitchFamily="18" charset="0"/>
+                        <a:cs typeface="Times New Roman" panose="02020603050405020304" pitchFamily="18" charset="0"/>
+                      </a:endParaRPr>
+                    </a:p>
+                  </a:txBody>
+                  <a:tcPr anchor="ctr"/>
+                </a:tc>
+                <a:tc>
+                  <a:txBody>
+                    <a:bodyPr/>
+                    <a:lstStyle/>
+                    <a:p>
+                      <a:endParaRPr lang="en-US" sz="1100" dirty="0">
+                        <a:latin typeface="Times New Roman" panose="02020603050405020304" pitchFamily="18" charset="0"/>
+                        <a:cs typeface="Times New Roman" panose="02020603050405020304" pitchFamily="18" charset="0"/>
+                      </a:endParaRPr>
+                    </a:p>
+                  </a:txBody>
+                  <a:tcPr/>
+                </a:tc>
+                <a:tc>
+                  <a:txBody>
+                    <a:bodyPr/>
+                    <a:lstStyle/>
+                    <a:p>
+                      <a:r>
+                        <a:rPr lang="en-GB" sz="1100" dirty="0" smtClean="0">
+                          <a:latin typeface="Times New Roman" panose="02020603050405020304" pitchFamily="18" charset="0"/>
+                          <a:cs typeface="Times New Roman" panose="02020603050405020304" pitchFamily="18" charset="0"/>
+                        </a:rPr>
+                        <a:t>- By default, it’ s hidden.</a:t>
+                      </a:r>
+                    </a:p>
+                    <a:p>
+                      <a:r>
+                        <a:rPr lang="en-GB" sz="1100" dirty="0" smtClean="0">
+                          <a:latin typeface="Times New Roman" panose="02020603050405020304" pitchFamily="18" charset="0"/>
+                          <a:cs typeface="Times New Roman" panose="02020603050405020304" pitchFamily="18" charset="0"/>
+                        </a:rPr>
+                        <a:t>- If</a:t>
+                      </a:r>
+                      <a:r>
+                        <a:rPr lang="en-GB" sz="1100" baseline="0" dirty="0" smtClean="0">
+                          <a:latin typeface="Times New Roman" panose="02020603050405020304" pitchFamily="18" charset="0"/>
+                          <a:cs typeface="Times New Roman" panose="02020603050405020304" pitchFamily="18" charset="0"/>
+                        </a:rPr>
+                        <a:t> everything is alright, the message change to green with text: “You have updated successfully” .</a:t>
+                      </a:r>
+                    </a:p>
+                    <a:p>
+                      <a:pPr marL="0" marR="0" indent="0" algn="l" defTabSz="914400" rtl="0" eaLnBrk="1" fontAlgn="auto" latinLnBrk="0" hangingPunct="1">
+                        <a:lnSpc>
+                          <a:spcPct val="100000"/>
+                        </a:lnSpc>
+                        <a:spcBef>
+                          <a:spcPts val="0"/>
+                        </a:spcBef>
+                        <a:spcAft>
+                          <a:spcPts val="0"/>
+                        </a:spcAft>
+                        <a:buClrTx/>
+                        <a:buSzTx/>
+                        <a:buFontTx/>
+                        <a:buNone/>
+                        <a:tabLst/>
+                        <a:defRPr/>
+                      </a:pPr>
+                      <a:r>
+                        <a:rPr lang="en-GB" sz="1100" baseline="0" dirty="0" smtClean="0">
+                          <a:latin typeface="Times New Roman" panose="02020603050405020304" pitchFamily="18" charset="0"/>
+                          <a:cs typeface="Times New Roman" panose="02020603050405020304" pitchFamily="18" charset="0"/>
+                        </a:rPr>
+                        <a:t>- If it’s wrong, the message change to red with text: “You have updated unsuccessfully” .</a:t>
+                      </a:r>
+                    </a:p>
+                    <a:p>
+                      <a:endParaRPr lang="en-US" sz="1100" dirty="0">
+                        <a:latin typeface="Times New Roman" panose="02020603050405020304" pitchFamily="18" charset="0"/>
+                        <a:cs typeface="Times New Roman" panose="02020603050405020304" pitchFamily="18" charset="0"/>
+                      </a:endParaRPr>
+                    </a:p>
+                  </a:txBody>
+                  <a:tcPr/>
+                </a:tc>
+                <a:tc>
+                  <a:txBody>
+                    <a:bodyPr/>
+                    <a:lstStyle/>
+                    <a:p>
+                      <a:endParaRPr lang="en-US" sz="1100" dirty="0">
+                        <a:latin typeface="Times New Roman" panose="02020603050405020304" pitchFamily="18" charset="0"/>
+                        <a:cs typeface="Times New Roman" panose="02020603050405020304" pitchFamily="18" charset="0"/>
+                      </a:endParaRPr>
+                    </a:p>
+                  </a:txBody>
+                  <a:tcPr/>
+                </a:tc>
+              </a:tr>
+            </a:tbl>
+          </a:graphicData>
+        </a:graphic>
+      </p:graphicFrame>
+    </p:spTree>
+    <p:extLst>
+      <p:ext uri="{BB962C8B-B14F-4D97-AF65-F5344CB8AC3E}">
+        <p14:creationId xmlns:p14="http://schemas.microsoft.com/office/powerpoint/2010/main" val="3606418469"/>
+      </p:ext>
+    </p:extLst>
+  </p:cSld>
+  <p:clrMapOvr>
+    <a:masterClrMapping/>
+  </p:clrMapOvr>
 </p:sld>
 </file>
 

--- a/php/tam-v.anh/doc/detail_design/frontend/wireframe/MiniBlog_Wireframe_Ver_0.1.0.pptx
+++ b/php/tam-v.anh/doc/detail_design/frontend/wireframe/MiniBlog_Wireframe_Ver_0.1.0.pptx
@@ -8,9 +8,10 @@
     <p:sldId id="257" r:id="rId2"/>
     <p:sldId id="256" r:id="rId3"/>
     <p:sldId id="258" r:id="rId4"/>
-    <p:sldId id="259" r:id="rId5"/>
-    <p:sldId id="260" r:id="rId6"/>
-    <p:sldId id="261" r:id="rId7"/>
+    <p:sldId id="262" r:id="rId5"/>
+    <p:sldId id="259" r:id="rId6"/>
+    <p:sldId id="260" r:id="rId7"/>
+    <p:sldId id="261" r:id="rId8"/>
   </p:sldIdLst>
   <p:sldSz cx="9144000" cy="6858000" type="screen4x3"/>
   <p:notesSz cx="6858000" cy="9144000"/>
@@ -7133,7 +7134,7 @@
         </p:nvCxnSpPr>
         <p:spPr>
           <a:xfrm>
-            <a:off x="1206520" y="2226110"/>
+            <a:off x="1206520" y="2556310"/>
             <a:ext cx="557784" cy="0"/>
           </a:xfrm>
           <a:prstGeom prst="straightConnector1">
@@ -7170,7 +7171,7 @@
         </p:nvSpPr>
         <p:spPr>
           <a:xfrm>
-            <a:off x="1764304" y="2080967"/>
+            <a:off x="1764304" y="2411167"/>
             <a:ext cx="598646" cy="290286"/>
           </a:xfrm>
           <a:prstGeom prst="rect">
@@ -7213,7 +7214,7 @@
         </p:nvSpPr>
         <p:spPr>
           <a:xfrm>
-            <a:off x="1481901" y="2487909"/>
+            <a:off x="1481901" y="2818109"/>
             <a:ext cx="1059204" cy="307777"/>
           </a:xfrm>
           <a:prstGeom prst="rect">
@@ -7282,7 +7283,7 @@
         </p:nvCxnSpPr>
         <p:spPr>
           <a:xfrm>
-            <a:off x="1206520" y="4969840"/>
+            <a:off x="1206520" y="5300040"/>
             <a:ext cx="557784" cy="0"/>
           </a:xfrm>
           <a:prstGeom prst="straightConnector1">
@@ -7319,7 +7320,7 @@
         </p:nvSpPr>
         <p:spPr>
           <a:xfrm>
-            <a:off x="1764304" y="4824697"/>
+            <a:off x="1764304" y="5154897"/>
             <a:ext cx="598646" cy="290286"/>
           </a:xfrm>
           <a:prstGeom prst="rect">
@@ -7362,7 +7363,7 @@
         </p:nvSpPr>
         <p:spPr>
           <a:xfrm>
-            <a:off x="1676232" y="5114983"/>
+            <a:off x="1676232" y="5445183"/>
             <a:ext cx="1072967" cy="307777"/>
           </a:xfrm>
           <a:prstGeom prst="rect">
@@ -7582,7 +7583,7 @@
         </p:nvSpPr>
         <p:spPr>
           <a:xfrm>
-            <a:off x="2917269" y="1441760"/>
+            <a:off x="2917269" y="1416360"/>
             <a:ext cx="612993" cy="307777"/>
           </a:xfrm>
           <a:prstGeom prst="rect">
@@ -7982,7 +7983,7 @@
         </p:nvCxnSpPr>
         <p:spPr>
           <a:xfrm>
-            <a:off x="2362950" y="2226110"/>
+            <a:off x="2362950" y="2556310"/>
             <a:ext cx="1035812" cy="0"/>
           </a:xfrm>
           <a:prstGeom prst="straightConnector1">
@@ -8019,7 +8020,7 @@
         </p:nvSpPr>
         <p:spPr>
           <a:xfrm>
-            <a:off x="3412719" y="2080967"/>
+            <a:off x="3412719" y="2411167"/>
             <a:ext cx="598646" cy="290286"/>
           </a:xfrm>
           <a:prstGeom prst="rect">
@@ -8062,7 +8063,7 @@
         </p:nvSpPr>
         <p:spPr>
           <a:xfrm>
-            <a:off x="3409312" y="2371253"/>
+            <a:off x="3409312" y="2676053"/>
             <a:ext cx="1634632" cy="307777"/>
           </a:xfrm>
           <a:prstGeom prst="rect">
@@ -8092,7 +8093,7 @@
         </p:nvCxnSpPr>
         <p:spPr>
           <a:xfrm flipV="1">
-            <a:off x="2792009" y="2831251"/>
+            <a:off x="2792009" y="3161451"/>
             <a:ext cx="606753" cy="1"/>
           </a:xfrm>
           <a:prstGeom prst="straightConnector1">
@@ -8129,7 +8130,7 @@
         </p:nvSpPr>
         <p:spPr>
           <a:xfrm>
-            <a:off x="3412719" y="2679030"/>
+            <a:off x="3412719" y="3009230"/>
             <a:ext cx="598646" cy="290286"/>
           </a:xfrm>
           <a:prstGeom prst="rect">
@@ -8172,7 +8173,7 @@
         </p:nvSpPr>
         <p:spPr>
           <a:xfrm>
-            <a:off x="3362124" y="2972855"/>
+            <a:off x="3362124" y="3303055"/>
             <a:ext cx="1468596" cy="307777"/>
           </a:xfrm>
           <a:prstGeom prst="rect">
@@ -8202,7 +8203,7 @@
         </p:nvCxnSpPr>
         <p:spPr>
           <a:xfrm>
-            <a:off x="2792009" y="2241381"/>
+            <a:off x="2792009" y="2571581"/>
             <a:ext cx="0" cy="2130396"/>
           </a:xfrm>
           <a:prstGeom prst="line">
@@ -8238,7 +8239,7 @@
         </p:nvCxnSpPr>
         <p:spPr>
           <a:xfrm flipV="1">
-            <a:off x="2792009" y="3446093"/>
+            <a:off x="2792009" y="3776293"/>
             <a:ext cx="606753" cy="1"/>
           </a:xfrm>
           <a:prstGeom prst="straightConnector1">
@@ -8275,7 +8276,7 @@
         </p:nvSpPr>
         <p:spPr>
           <a:xfrm>
-            <a:off x="3412719" y="3293872"/>
+            <a:off x="3412719" y="3624072"/>
             <a:ext cx="598646" cy="290286"/>
           </a:xfrm>
           <a:prstGeom prst="rect">
@@ -8318,7 +8319,7 @@
         </p:nvSpPr>
         <p:spPr>
           <a:xfrm>
-            <a:off x="3357319" y="3587697"/>
+            <a:off x="3357319" y="3917897"/>
             <a:ext cx="1199292" cy="307777"/>
           </a:xfrm>
           <a:prstGeom prst="rect">
@@ -8350,7 +8351,7 @@
         </p:nvCxnSpPr>
         <p:spPr>
           <a:xfrm flipV="1">
-            <a:off x="4034120" y="3419888"/>
+            <a:off x="4034120" y="3750088"/>
             <a:ext cx="1359915" cy="7080"/>
           </a:xfrm>
           <a:prstGeom prst="straightConnector1">
@@ -8387,7 +8388,7 @@
         </p:nvSpPr>
         <p:spPr>
           <a:xfrm>
-            <a:off x="5394035" y="3274745"/>
+            <a:off x="5394035" y="3604945"/>
             <a:ext cx="598646" cy="290286"/>
           </a:xfrm>
           <a:prstGeom prst="rect">
@@ -8430,7 +8431,7 @@
         </p:nvSpPr>
         <p:spPr>
           <a:xfrm>
-            <a:off x="6135425" y="3254569"/>
+            <a:off x="6135425" y="3584769"/>
             <a:ext cx="477201" cy="307777"/>
           </a:xfrm>
           <a:prstGeom prst="rect">
@@ -8460,7 +8461,7 @@
         </p:nvCxnSpPr>
         <p:spPr>
           <a:xfrm>
-            <a:off x="4830720" y="3419888"/>
+            <a:off x="4830720" y="3750088"/>
             <a:ext cx="0" cy="951889"/>
           </a:xfrm>
           <a:prstGeom prst="line">
@@ -8491,14 +8492,12 @@
       <p:cxnSp>
         <p:nvCxnSpPr>
           <p:cNvPr id="97" name="Straight Arrow Connector 96"/>
-          <p:cNvCxnSpPr>
-            <a:endCxn id="98" idx="1"/>
-          </p:cNvCxnSpPr>
+          <p:cNvCxnSpPr/>
           <p:nvPr/>
         </p:nvCxnSpPr>
         <p:spPr>
           <a:xfrm>
-            <a:off x="4830720" y="3865640"/>
+            <a:off x="4830720" y="4195840"/>
             <a:ext cx="573936" cy="0"/>
           </a:xfrm>
           <a:prstGeom prst="straightConnector1">
@@ -8578,7 +8577,7 @@
         </p:nvSpPr>
         <p:spPr>
           <a:xfrm>
-            <a:off x="6170236" y="3700321"/>
+            <a:off x="6170236" y="4030521"/>
             <a:ext cx="467997" cy="307777"/>
           </a:xfrm>
           <a:prstGeom prst="rect">
@@ -8610,7 +8609,7 @@
         </p:nvCxnSpPr>
         <p:spPr>
           <a:xfrm>
-            <a:off x="4837980" y="4284130"/>
+            <a:off x="4837980" y="4614330"/>
             <a:ext cx="573936" cy="0"/>
           </a:xfrm>
           <a:prstGeom prst="straightConnector1">
@@ -8647,7 +8646,7 @@
         </p:nvSpPr>
         <p:spPr>
           <a:xfrm>
-            <a:off x="5411916" y="4138987"/>
+            <a:off x="5411916" y="4469187"/>
             <a:ext cx="598646" cy="290286"/>
           </a:xfrm>
           <a:prstGeom prst="rect">
@@ -8690,7 +8689,7 @@
         </p:nvSpPr>
         <p:spPr>
           <a:xfrm>
-            <a:off x="6177496" y="4118811"/>
+            <a:off x="6177496" y="4449011"/>
             <a:ext cx="664452" cy="307777"/>
           </a:xfrm>
           <a:prstGeom prst="rect">
@@ -8720,7 +8719,7 @@
         </p:nvCxnSpPr>
         <p:spPr>
           <a:xfrm>
-            <a:off x="2362892" y="4969840"/>
+            <a:off x="2362892" y="5300040"/>
             <a:ext cx="557784" cy="0"/>
           </a:xfrm>
           <a:prstGeom prst="straightConnector1">
@@ -8757,7 +8756,7 @@
         </p:nvSpPr>
         <p:spPr>
           <a:xfrm>
-            <a:off x="2920676" y="4824697"/>
+            <a:off x="2920676" y="5154897"/>
             <a:ext cx="598646" cy="290286"/>
           </a:xfrm>
           <a:prstGeom prst="rect">
@@ -8800,7 +8799,7 @@
         </p:nvSpPr>
         <p:spPr>
           <a:xfrm>
-            <a:off x="2832604" y="5114983"/>
+            <a:off x="2832604" y="5445183"/>
             <a:ext cx="1608133" cy="307777"/>
           </a:xfrm>
           <a:prstGeom prst="rect">
@@ -8830,7 +8829,7 @@
         </p:nvCxnSpPr>
         <p:spPr>
           <a:xfrm flipV="1">
-            <a:off x="2800697" y="4279700"/>
+            <a:off x="2800697" y="4609900"/>
             <a:ext cx="606753" cy="1"/>
           </a:xfrm>
           <a:prstGeom prst="straightConnector1">
@@ -8867,7 +8866,7 @@
         </p:nvSpPr>
         <p:spPr>
           <a:xfrm>
-            <a:off x="3421407" y="4127479"/>
+            <a:off x="3421407" y="4457679"/>
             <a:ext cx="598646" cy="290286"/>
           </a:xfrm>
           <a:prstGeom prst="rect">
@@ -8910,7 +8909,7 @@
         </p:nvSpPr>
         <p:spPr>
           <a:xfrm>
-            <a:off x="3370812" y="4421304"/>
+            <a:off x="3370812" y="4751504"/>
             <a:ext cx="688472" cy="307777"/>
           </a:xfrm>
           <a:prstGeom prst="rect">
@@ -8927,6 +8926,152 @@
             <a:r>
               <a:rPr kumimoji="1" lang="en-US" altLang="ja-JP" sz="1400"/>
               <a:t>Logout</a:t>
+            </a:r>
+            <a:endParaRPr kumimoji="1" lang="ja-JP" altLang="en-US" sz="1400"/>
+          </a:p>
+        </p:txBody>
+      </p:sp>
+      <p:cxnSp>
+        <p:nvCxnSpPr>
+          <p:cNvPr id="65" name="Straight Connector 64"/>
+          <p:cNvCxnSpPr/>
+          <p:nvPr/>
+        </p:nvCxnSpPr>
+        <p:spPr>
+          <a:xfrm>
+            <a:off x="2519116" y="1303874"/>
+            <a:ext cx="20482" cy="671359"/>
+          </a:xfrm>
+          <a:prstGeom prst="line">
+            <a:avLst/>
+          </a:prstGeom>
+          <a:ln>
+            <a:solidFill>
+              <a:schemeClr val="tx1"/>
+            </a:solidFill>
+          </a:ln>
+          <a:effectLst/>
+        </p:spPr>
+        <p:style>
+          <a:lnRef idx="2">
+            <a:schemeClr val="accent1"/>
+          </a:lnRef>
+          <a:fillRef idx="0">
+            <a:schemeClr val="accent1"/>
+          </a:fillRef>
+          <a:effectRef idx="1">
+            <a:schemeClr val="accent1"/>
+          </a:effectRef>
+          <a:fontRef idx="minor">
+            <a:schemeClr val="tx1"/>
+          </a:fontRef>
+        </p:style>
+      </p:cxnSp>
+      <p:cxnSp>
+        <p:nvCxnSpPr>
+          <p:cNvPr id="66" name="Straight Arrow Connector 65"/>
+          <p:cNvCxnSpPr/>
+          <p:nvPr/>
+        </p:nvCxnSpPr>
+        <p:spPr>
+          <a:xfrm>
+            <a:off x="2513117" y="1874194"/>
+            <a:ext cx="404152" cy="0"/>
+          </a:xfrm>
+          <a:prstGeom prst="straightConnector1">
+            <a:avLst/>
+          </a:prstGeom>
+          <a:ln>
+            <a:solidFill>
+              <a:schemeClr val="tx1"/>
+            </a:solidFill>
+            <a:tailEnd type="arrow"/>
+          </a:ln>
+          <a:effectLst/>
+        </p:spPr>
+        <p:style>
+          <a:lnRef idx="2">
+            <a:schemeClr val="accent1"/>
+          </a:lnRef>
+          <a:fillRef idx="0">
+            <a:schemeClr val="accent1"/>
+          </a:fillRef>
+          <a:effectRef idx="1">
+            <a:schemeClr val="accent1"/>
+          </a:effectRef>
+          <a:fontRef idx="minor">
+            <a:schemeClr val="tx1"/>
+          </a:fontRef>
+        </p:style>
+      </p:cxnSp>
+      <p:sp useBgFill="1">
+        <p:nvSpPr>
+          <p:cNvPr id="67" name="Rectangle 66"/>
+          <p:cNvSpPr/>
+          <p:nvPr/>
+        </p:nvSpPr>
+        <p:spPr>
+          <a:xfrm>
+            <a:off x="2931616" y="1716351"/>
+            <a:ext cx="598646" cy="290286"/>
+          </a:xfrm>
+          <a:prstGeom prst="rect">
+            <a:avLst/>
+          </a:prstGeom>
+          <a:ln/>
+        </p:spPr>
+        <p:style>
+          <a:lnRef idx="2">
+            <a:schemeClr val="dk1"/>
+          </a:lnRef>
+          <a:fillRef idx="1">
+            <a:schemeClr val="lt1"/>
+          </a:fillRef>
+          <a:effectRef idx="0">
+            <a:schemeClr val="dk1"/>
+          </a:effectRef>
+          <a:fontRef idx="minor">
+            <a:schemeClr val="dk1"/>
+          </a:fontRef>
+        </p:style>
+        <p:txBody>
+          <a:bodyPr rtlCol="0" anchor="ctr"/>
+          <a:lstStyle/>
+          <a:p>
+            <a:pPr algn="ctr"/>
+            <a:r>
+              <a:rPr kumimoji="1" lang="en-US" altLang="ja-JP" sz="1400"/>
+              <a:t>S-3-6</a:t>
+            </a:r>
+            <a:endParaRPr kumimoji="1" lang="ja-JP" altLang="en-US" sz="1400"/>
+          </a:p>
+        </p:txBody>
+      </p:sp>
+      <p:sp>
+        <p:nvSpPr>
+          <p:cNvPr id="68" name="TextBox 67"/>
+          <p:cNvSpPr txBox="1"/>
+          <p:nvPr/>
+        </p:nvSpPr>
+        <p:spPr>
+          <a:xfrm>
+            <a:off x="2879055" y="2006637"/>
+            <a:ext cx="675323" cy="307777"/>
+          </a:xfrm>
+          <a:prstGeom prst="rect">
+            <a:avLst/>
+          </a:prstGeom>
+          <a:noFill/>
+        </p:spPr>
+        <p:txBody>
+          <a:bodyPr wrap="none" rtlCol="0">
+            <a:spAutoFit/>
+          </a:bodyPr>
+          <a:lstStyle/>
+          <a:p>
+            <a:r>
+              <a:rPr kumimoji="1" lang="en-US" altLang="ja-JP" sz="1400"/>
+              <a:t>Search</a:t>
             </a:r>
             <a:endParaRPr kumimoji="1" lang="ja-JP" altLang="en-US" sz="1400"/>
           </a:p>
@@ -9008,7 +9153,7 @@
         <p:spPr>
           <a:xfrm>
             <a:off x="193525" y="0"/>
-            <a:ext cx="1219918" cy="369332"/>
+            <a:ext cx="1738389" cy="369332"/>
           </a:xfrm>
           <a:prstGeom prst="rect">
             <a:avLst/>
@@ -9023,7 +9168,11 @@
           <a:p>
             <a:r>
               <a:rPr kumimoji="1" lang="en-US" altLang="ja-JP"/>
-              <a:t>S-2-1 Login</a:t>
+              <a:t>S-1-1 </a:t>
+            </a:r>
+            <a:r>
+              <a:rPr kumimoji="1" lang="en-US" altLang="ja-JP"/>
+              <a:t>Homepage</a:t>
             </a:r>
             <a:endParaRPr kumimoji="1" lang="ja-JP" altLang="en-US"/>
           </a:p>
@@ -9309,14 +9458,14 @@
             <a:r>
               <a:rPr kumimoji="1" lang="en-US" altLang="ja-JP" sz="1000">
                 <a:solidFill>
-                  <a:srgbClr val="FF0000"/>
+                  <a:schemeClr val="bg1"/>
                 </a:solidFill>
               </a:rPr>
               <a:t>Login</a:t>
             </a:r>
             <a:endParaRPr kumimoji="1" lang="ja-JP" altLang="en-US" sz="1000">
               <a:solidFill>
-                <a:srgbClr val="FF0000"/>
+                <a:schemeClr val="bg1"/>
               </a:solidFill>
             </a:endParaRPr>
           </a:p>
@@ -9369,6 +9518,1142 @@
         <p:spPr>
           <a:xfrm>
             <a:off x="384739" y="1668018"/>
+            <a:ext cx="514130" cy="253916"/>
+          </a:xfrm>
+          <a:prstGeom prst="rect">
+            <a:avLst/>
+          </a:prstGeom>
+          <a:noFill/>
+        </p:spPr>
+        <p:txBody>
+          <a:bodyPr wrap="none" rtlCol="0">
+            <a:spAutoFit/>
+          </a:bodyPr>
+          <a:lstStyle/>
+          <a:p>
+            <a:r>
+              <a:rPr kumimoji="1" lang="en-US" altLang="ja-JP" sz="1050">
+                <a:solidFill>
+                  <a:schemeClr val="tx2">
+                    <a:lumMod val="20000"/>
+                    <a:lumOff val="80000"/>
+                  </a:schemeClr>
+                </a:solidFill>
+              </a:rPr>
+              <a:t>Home</a:t>
+            </a:r>
+            <a:r>
+              <a:rPr kumimoji="1" lang="en-US" altLang="ja-JP" sz="1050"/>
+              <a:t> </a:t>
+            </a:r>
+            <a:endParaRPr kumimoji="1" lang="ja-JP" altLang="en-US" sz="1050"/>
+          </a:p>
+        </p:txBody>
+      </p:sp>
+      <p:graphicFrame>
+        <p:nvGraphicFramePr>
+          <p:cNvPr id="25" name="Table 24"/>
+          <p:cNvGraphicFramePr>
+            <a:graphicFrameLocks noGrp="1"/>
+          </p:cNvGraphicFramePr>
+          <p:nvPr>
+            <p:extLst>
+              <p:ext uri="{D42A27DB-BD31-4B8C-83A1-F6EECF244321}">
+                <p14:modId xmlns:p14="http://schemas.microsoft.com/office/powerpoint/2010/main" val="3839537198"/>
+              </p:ext>
+            </p:extLst>
+          </p:nvPr>
+        </p:nvGraphicFramePr>
+        <p:xfrm>
+          <a:off x="4478866" y="876073"/>
+          <a:ext cx="4461935" cy="1962492"/>
+        </p:xfrm>
+        <a:graphic>
+          <a:graphicData uri="http://schemas.openxmlformats.org/drawingml/2006/table">
+            <a:tbl>
+              <a:tblPr firstRow="1" bandRow="1">
+                <a:tableStyleId>{5202B0CA-FC54-4496-8BCA-5EF66A818D29}</a:tableStyleId>
+              </a:tblPr>
+              <a:tblGrid>
+                <a:gridCol w="406401"/>
+                <a:gridCol w="1049866"/>
+                <a:gridCol w="1220894"/>
+                <a:gridCol w="1259840"/>
+                <a:gridCol w="524934"/>
+              </a:tblGrid>
+              <a:tr h="327082">
+                <a:tc>
+                  <a:txBody>
+                    <a:bodyPr/>
+                    <a:lstStyle/>
+                    <a:p>
+                      <a:r>
+                        <a:rPr kumimoji="1" lang="en-US" altLang="ja-JP" sz="1000"/>
+                        <a:t>No</a:t>
+                      </a:r>
+                      <a:endParaRPr kumimoji="1" lang="ja-JP" altLang="en-US" sz="1000"/>
+                    </a:p>
+                  </a:txBody>
+                  <a:tcPr/>
+                </a:tc>
+                <a:tc>
+                  <a:txBody>
+                    <a:bodyPr/>
+                    <a:lstStyle/>
+                    <a:p>
+                      <a:r>
+                        <a:rPr kumimoji="1" lang="en-US" altLang="ja-JP" sz="1000"/>
+                        <a:t>Content</a:t>
+                      </a:r>
+                      <a:endParaRPr kumimoji="1" lang="ja-JP" altLang="en-US" sz="1000"/>
+                    </a:p>
+                  </a:txBody>
+                  <a:tcPr/>
+                </a:tc>
+                <a:tc>
+                  <a:txBody>
+                    <a:bodyPr/>
+                    <a:lstStyle/>
+                    <a:p>
+                      <a:r>
+                        <a:rPr kumimoji="1" lang="en-US" altLang="ja-JP" sz="1000"/>
+                        <a:t>Function</a:t>
+                      </a:r>
+                      <a:endParaRPr kumimoji="1" lang="ja-JP" altLang="en-US" sz="1000"/>
+                    </a:p>
+                  </a:txBody>
+                  <a:tcPr/>
+                </a:tc>
+                <a:tc>
+                  <a:txBody>
+                    <a:bodyPr/>
+                    <a:lstStyle/>
+                    <a:p>
+                      <a:r>
+                        <a:rPr kumimoji="1" lang="en-US" altLang="ja-JP" sz="1000"/>
+                        <a:t>Detail/option</a:t>
+                      </a:r>
+                      <a:endParaRPr kumimoji="1" lang="ja-JP" altLang="en-US" sz="1000"/>
+                    </a:p>
+                  </a:txBody>
+                  <a:tcPr/>
+                </a:tc>
+                <a:tc>
+                  <a:txBody>
+                    <a:bodyPr/>
+                    <a:lstStyle/>
+                    <a:p>
+                      <a:r>
+                        <a:rPr kumimoji="1" lang="en-US" altLang="ja-JP" sz="1000"/>
+                        <a:t>Goto</a:t>
+                      </a:r>
+                      <a:endParaRPr kumimoji="1" lang="ja-JP" altLang="en-US" sz="1000"/>
+                    </a:p>
+                  </a:txBody>
+                  <a:tcPr/>
+                </a:tc>
+              </a:tr>
+              <a:tr h="327082">
+                <a:tc>
+                  <a:txBody>
+                    <a:bodyPr/>
+                    <a:lstStyle/>
+                    <a:p>
+                      <a:r>
+                        <a:rPr kumimoji="1" lang="en-US" altLang="ja-JP" sz="1000"/>
+                        <a:t>1</a:t>
+                      </a:r>
+                      <a:endParaRPr kumimoji="1" lang="ja-JP" altLang="en-US" sz="1000"/>
+                    </a:p>
+                  </a:txBody>
+                  <a:tcPr/>
+                </a:tc>
+                <a:tc>
+                  <a:txBody>
+                    <a:bodyPr/>
+                    <a:lstStyle/>
+                    <a:p>
+                      <a:r>
+                        <a:rPr kumimoji="1" lang="en-US" altLang="ja-JP" sz="1000"/>
+                        <a:t>Blog</a:t>
+                      </a:r>
+                      <a:endParaRPr kumimoji="1" lang="ja-JP" altLang="en-US" sz="1000"/>
+                    </a:p>
+                  </a:txBody>
+                  <a:tcPr/>
+                </a:tc>
+                <a:tc>
+                  <a:txBody>
+                    <a:bodyPr/>
+                    <a:lstStyle/>
+                    <a:p>
+                      <a:endParaRPr kumimoji="1" lang="ja-JP" altLang="en-US" sz="1000"/>
+                    </a:p>
+                  </a:txBody>
+                  <a:tcPr/>
+                </a:tc>
+                <a:tc>
+                  <a:txBody>
+                    <a:bodyPr/>
+                    <a:lstStyle/>
+                    <a:p>
+                      <a:r>
+                        <a:rPr kumimoji="1" lang="en-US" altLang="ja-JP" sz="1000"/>
+                        <a:t>Show all Post</a:t>
+                      </a:r>
+                      <a:endParaRPr kumimoji="1" lang="ja-JP" altLang="en-US" sz="1000"/>
+                    </a:p>
+                  </a:txBody>
+                  <a:tcPr/>
+                </a:tc>
+                <a:tc>
+                  <a:txBody>
+                    <a:bodyPr/>
+                    <a:lstStyle/>
+                    <a:p>
+                      <a:r>
+                        <a:rPr kumimoji="1" lang="vi-VN" altLang="ja-JP" sz="1000"/>
+                        <a:t>S-3-1</a:t>
+                      </a:r>
+                      <a:endParaRPr kumimoji="1" lang="ja-JP" altLang="en-US" sz="1000"/>
+                    </a:p>
+                  </a:txBody>
+                  <a:tcPr/>
+                </a:tc>
+              </a:tr>
+              <a:tr h="327082">
+                <a:tc>
+                  <a:txBody>
+                    <a:bodyPr/>
+                    <a:lstStyle/>
+                    <a:p>
+                      <a:r>
+                        <a:rPr kumimoji="1" lang="en-US" altLang="ja-JP" sz="1000"/>
+                        <a:t>2</a:t>
+                      </a:r>
+                      <a:endParaRPr kumimoji="1" lang="ja-JP" altLang="en-US" sz="1000"/>
+                    </a:p>
+                  </a:txBody>
+                  <a:tcPr/>
+                </a:tc>
+                <a:tc>
+                  <a:txBody>
+                    <a:bodyPr/>
+                    <a:lstStyle/>
+                    <a:p>
+                      <a:r>
+                        <a:rPr kumimoji="1" lang="en-US" altLang="ja-JP" sz="1000"/>
+                        <a:t>Sitemap</a:t>
+                      </a:r>
+                      <a:endParaRPr kumimoji="1" lang="ja-JP" altLang="en-US" sz="1000"/>
+                    </a:p>
+                  </a:txBody>
+                  <a:tcPr/>
+                </a:tc>
+                <a:tc>
+                  <a:txBody>
+                    <a:bodyPr/>
+                    <a:lstStyle/>
+                    <a:p>
+                      <a:endParaRPr kumimoji="1" lang="ja-JP" altLang="en-US" sz="1000"/>
+                    </a:p>
+                  </a:txBody>
+                  <a:tcPr/>
+                </a:tc>
+                <a:tc>
+                  <a:txBody>
+                    <a:bodyPr/>
+                    <a:lstStyle/>
+                    <a:p>
+                      <a:r>
+                        <a:rPr kumimoji="1" lang="en-US" altLang="ja-JP" sz="1000"/>
+                        <a:t>Show sitemap</a:t>
+                      </a:r>
+                      <a:endParaRPr kumimoji="1" lang="ja-JP" altLang="en-US" sz="1000"/>
+                    </a:p>
+                  </a:txBody>
+                  <a:tcPr/>
+                </a:tc>
+                <a:tc>
+                  <a:txBody>
+                    <a:bodyPr/>
+                    <a:lstStyle/>
+                    <a:p>
+                      <a:r>
+                        <a:rPr kumimoji="1" lang="vi-VN" altLang="ja-JP" sz="1000"/>
+                        <a:t>S-6-1</a:t>
+                      </a:r>
+                      <a:endParaRPr kumimoji="1" lang="ja-JP" altLang="en-US" sz="1000"/>
+                    </a:p>
+                  </a:txBody>
+                  <a:tcPr/>
+                </a:tc>
+              </a:tr>
+              <a:tr h="327082">
+                <a:tc>
+                  <a:txBody>
+                    <a:bodyPr/>
+                    <a:lstStyle/>
+                    <a:p>
+                      <a:r>
+                        <a:rPr kumimoji="1" lang="en-US" altLang="ja-JP" sz="1000"/>
+                        <a:t>3</a:t>
+                      </a:r>
+                      <a:endParaRPr kumimoji="1" lang="ja-JP" altLang="en-US" sz="1000"/>
+                    </a:p>
+                  </a:txBody>
+                  <a:tcPr/>
+                </a:tc>
+                <a:tc>
+                  <a:txBody>
+                    <a:bodyPr/>
+                    <a:lstStyle/>
+                    <a:p>
+                      <a:r>
+                        <a:rPr kumimoji="1" lang="en-US" altLang="ja-JP" sz="1000"/>
+                        <a:t>Login</a:t>
+                      </a:r>
+                      <a:endParaRPr kumimoji="1" lang="ja-JP" altLang="en-US" sz="1000"/>
+                    </a:p>
+                  </a:txBody>
+                  <a:tcPr/>
+                </a:tc>
+                <a:tc>
+                  <a:txBody>
+                    <a:bodyPr/>
+                    <a:lstStyle/>
+                    <a:p>
+                      <a:endParaRPr kumimoji="1" lang="ja-JP" altLang="en-US" sz="1000"/>
+                    </a:p>
+                  </a:txBody>
+                  <a:tcPr/>
+                </a:tc>
+                <a:tc>
+                  <a:txBody>
+                    <a:bodyPr/>
+                    <a:lstStyle/>
+                    <a:p>
+                      <a:r>
+                        <a:rPr kumimoji="1" lang="en-US" altLang="ja-JP" sz="1000"/>
+                        <a:t>Go to page login</a:t>
+                      </a:r>
+                      <a:endParaRPr kumimoji="1" lang="ja-JP" altLang="en-US" sz="1000"/>
+                    </a:p>
+                  </a:txBody>
+                  <a:tcPr/>
+                </a:tc>
+                <a:tc>
+                  <a:txBody>
+                    <a:bodyPr/>
+                    <a:lstStyle/>
+                    <a:p>
+                      <a:r>
+                        <a:rPr kumimoji="1" lang="vi-VN" altLang="ja-JP" sz="1000"/>
+                        <a:t>S-2-1</a:t>
+                      </a:r>
+                      <a:endParaRPr kumimoji="1" lang="ja-JP" altLang="en-US" sz="1000"/>
+                    </a:p>
+                  </a:txBody>
+                  <a:tcPr/>
+                </a:tc>
+              </a:tr>
+              <a:tr h="327082">
+                <a:tc>
+                  <a:txBody>
+                    <a:bodyPr/>
+                    <a:lstStyle/>
+                    <a:p>
+                      <a:r>
+                        <a:rPr kumimoji="1" lang="en-US" altLang="ja-JP" sz="1000"/>
+                        <a:t>4</a:t>
+                      </a:r>
+                      <a:endParaRPr kumimoji="1" lang="ja-JP" altLang="en-US" sz="1000"/>
+                    </a:p>
+                  </a:txBody>
+                  <a:tcPr/>
+                </a:tc>
+                <a:tc>
+                  <a:txBody>
+                    <a:bodyPr/>
+                    <a:lstStyle/>
+                    <a:p>
+                      <a:r>
+                        <a:rPr kumimoji="1" lang="en-US" altLang="ja-JP" sz="1000"/>
+                        <a:t>Search</a:t>
+                      </a:r>
+                      <a:endParaRPr kumimoji="1" lang="ja-JP" altLang="en-US" sz="1000"/>
+                    </a:p>
+                  </a:txBody>
+                  <a:tcPr/>
+                </a:tc>
+                <a:tc>
+                  <a:txBody>
+                    <a:bodyPr/>
+                    <a:lstStyle/>
+                    <a:p>
+                      <a:endParaRPr kumimoji="1" lang="ja-JP" altLang="en-US" sz="1000"/>
+                    </a:p>
+                  </a:txBody>
+                  <a:tcPr/>
+                </a:tc>
+                <a:tc>
+                  <a:txBody>
+                    <a:bodyPr/>
+                    <a:lstStyle/>
+                    <a:p>
+                      <a:r>
+                        <a:rPr kumimoji="1" lang="en-US" altLang="ja-JP" sz="1000"/>
+                        <a:t>Search</a:t>
+                      </a:r>
+                      <a:r>
+                        <a:rPr kumimoji="1" lang="en-US" altLang="ja-JP" sz="1000" baseline="0"/>
+                        <a:t> all user</a:t>
+                      </a:r>
+                      <a:endParaRPr kumimoji="1" lang="ja-JP" altLang="en-US" sz="1000"/>
+                    </a:p>
+                  </a:txBody>
+                  <a:tcPr/>
+                </a:tc>
+                <a:tc>
+                  <a:txBody>
+                    <a:bodyPr/>
+                    <a:lstStyle/>
+                    <a:p>
+                      <a:r>
+                        <a:rPr kumimoji="1" lang="vi-VN" altLang="ja-JP" sz="1000"/>
+                        <a:t>S-5-2</a:t>
+                      </a:r>
+                      <a:endParaRPr kumimoji="1" lang="ja-JP" altLang="en-US" sz="1000"/>
+                    </a:p>
+                  </a:txBody>
+                  <a:tcPr/>
+                </a:tc>
+              </a:tr>
+              <a:tr h="327082">
+                <a:tc>
+                  <a:txBody>
+                    <a:bodyPr/>
+                    <a:lstStyle/>
+                    <a:p>
+                      <a:r>
+                        <a:rPr kumimoji="1" lang="en-US" altLang="ja-JP" sz="1000"/>
+                        <a:t>5</a:t>
+                      </a:r>
+                      <a:endParaRPr kumimoji="1" lang="ja-JP" altLang="en-US" sz="1000"/>
+                    </a:p>
+                  </a:txBody>
+                  <a:tcPr/>
+                </a:tc>
+                <a:tc>
+                  <a:txBody>
+                    <a:bodyPr/>
+                    <a:lstStyle/>
+                    <a:p>
+                      <a:r>
+                        <a:rPr kumimoji="1" lang="en-US" altLang="ja-JP" sz="1000"/>
+                        <a:t>10 </a:t>
+                      </a:r>
+                      <a:r>
+                        <a:rPr kumimoji="1" lang="en-US" altLang="ja-JP" sz="1000"/>
+                        <a:t>newest Post</a:t>
+                      </a:r>
+                      <a:endParaRPr kumimoji="1" lang="ja-JP" altLang="en-US" sz="1000"/>
+                    </a:p>
+                  </a:txBody>
+                  <a:tcPr/>
+                </a:tc>
+                <a:tc>
+                  <a:txBody>
+                    <a:bodyPr/>
+                    <a:lstStyle/>
+                    <a:p>
+                      <a:endParaRPr kumimoji="1" lang="ja-JP" altLang="en-US" sz="1000"/>
+                    </a:p>
+                  </a:txBody>
+                  <a:tcPr/>
+                </a:tc>
+                <a:tc>
+                  <a:txBody>
+                    <a:bodyPr/>
+                    <a:lstStyle/>
+                    <a:p>
+                      <a:endParaRPr kumimoji="1" lang="ja-JP" altLang="en-US" sz="1000"/>
+                    </a:p>
+                  </a:txBody>
+                  <a:tcPr/>
+                </a:tc>
+                <a:tc>
+                  <a:txBody>
+                    <a:bodyPr/>
+                    <a:lstStyle/>
+                    <a:p>
+                      <a:endParaRPr kumimoji="1" lang="ja-JP" altLang="en-US" sz="1000"/>
+                    </a:p>
+                  </a:txBody>
+                  <a:tcPr/>
+                </a:tc>
+              </a:tr>
+            </a:tbl>
+          </a:graphicData>
+        </a:graphic>
+      </p:graphicFrame>
+      <p:sp>
+        <p:nvSpPr>
+          <p:cNvPr id="85" name="TextBox 84"/>
+          <p:cNvSpPr txBox="1"/>
+          <p:nvPr/>
+        </p:nvSpPr>
+        <p:spPr>
+          <a:xfrm>
+            <a:off x="3039533" y="1421797"/>
+            <a:ext cx="327433" cy="246221"/>
+          </a:xfrm>
+          <a:prstGeom prst="rect">
+            <a:avLst/>
+          </a:prstGeom>
+          <a:noFill/>
+        </p:spPr>
+        <p:txBody>
+          <a:bodyPr wrap="none" rtlCol="0">
+            <a:spAutoFit/>
+          </a:bodyPr>
+          <a:lstStyle/>
+          <a:p>
+            <a:r>
+              <a:rPr kumimoji="1" lang="en-US" altLang="ja-JP" sz="1000">
+                <a:solidFill>
+                  <a:srgbClr val="FF0000"/>
+                </a:solidFill>
+              </a:rPr>
+              <a:t>(4)</a:t>
+            </a:r>
+            <a:endParaRPr kumimoji="1" lang="ja-JP" altLang="en-US" sz="1000">
+              <a:solidFill>
+                <a:srgbClr val="FF0000"/>
+              </a:solidFill>
+            </a:endParaRPr>
+          </a:p>
+        </p:txBody>
+      </p:sp>
+      <p:sp>
+        <p:nvSpPr>
+          <p:cNvPr id="5" name="TextBox 4"/>
+          <p:cNvSpPr txBox="1"/>
+          <p:nvPr/>
+        </p:nvSpPr>
+        <p:spPr>
+          <a:xfrm>
+            <a:off x="477876" y="2184400"/>
+            <a:ext cx="1138352" cy="276999"/>
+          </a:xfrm>
+          <a:prstGeom prst="rect">
+            <a:avLst/>
+          </a:prstGeom>
+          <a:noFill/>
+        </p:spPr>
+        <p:txBody>
+          <a:bodyPr wrap="none" rtlCol="0">
+            <a:spAutoFit/>
+          </a:bodyPr>
+          <a:lstStyle/>
+          <a:p>
+            <a:r>
+              <a:rPr kumimoji="1" lang="en-US" altLang="ja-JP" sz="1200"/>
+              <a:t>10 newest Post </a:t>
+            </a:r>
+            <a:endParaRPr kumimoji="1" lang="ja-JP" altLang="en-US" sz="1200"/>
+          </a:p>
+        </p:txBody>
+      </p:sp>
+      <p:sp>
+        <p:nvSpPr>
+          <p:cNvPr id="26" name="TextBox 25"/>
+          <p:cNvSpPr txBox="1"/>
+          <p:nvPr/>
+        </p:nvSpPr>
+        <p:spPr>
+          <a:xfrm>
+            <a:off x="2836333" y="774097"/>
+            <a:ext cx="327433" cy="246221"/>
+          </a:xfrm>
+          <a:prstGeom prst="rect">
+            <a:avLst/>
+          </a:prstGeom>
+          <a:noFill/>
+        </p:spPr>
+        <p:txBody>
+          <a:bodyPr wrap="none" rtlCol="0">
+            <a:spAutoFit/>
+          </a:bodyPr>
+          <a:lstStyle/>
+          <a:p>
+            <a:r>
+              <a:rPr kumimoji="1" lang="en-US" altLang="ja-JP" sz="1000">
+                <a:solidFill>
+                  <a:srgbClr val="FF0000"/>
+                </a:solidFill>
+              </a:rPr>
+              <a:t>(1)</a:t>
+            </a:r>
+            <a:endParaRPr kumimoji="1" lang="ja-JP" altLang="en-US" sz="1000">
+              <a:solidFill>
+                <a:srgbClr val="FF0000"/>
+              </a:solidFill>
+            </a:endParaRPr>
+          </a:p>
+        </p:txBody>
+      </p:sp>
+      <p:sp>
+        <p:nvSpPr>
+          <p:cNvPr id="27" name="TextBox 26"/>
+          <p:cNvSpPr txBox="1"/>
+          <p:nvPr/>
+        </p:nvSpPr>
+        <p:spPr>
+          <a:xfrm>
+            <a:off x="3255433" y="774097"/>
+            <a:ext cx="327433" cy="246221"/>
+          </a:xfrm>
+          <a:prstGeom prst="rect">
+            <a:avLst/>
+          </a:prstGeom>
+          <a:noFill/>
+        </p:spPr>
+        <p:txBody>
+          <a:bodyPr wrap="none" rtlCol="0">
+            <a:spAutoFit/>
+          </a:bodyPr>
+          <a:lstStyle/>
+          <a:p>
+            <a:r>
+              <a:rPr kumimoji="1" lang="en-US" altLang="ja-JP" sz="1000">
+                <a:solidFill>
+                  <a:srgbClr val="FF0000"/>
+                </a:solidFill>
+              </a:rPr>
+              <a:t>(2)</a:t>
+            </a:r>
+            <a:endParaRPr kumimoji="1" lang="ja-JP" altLang="en-US" sz="1000">
+              <a:solidFill>
+                <a:srgbClr val="FF0000"/>
+              </a:solidFill>
+            </a:endParaRPr>
+          </a:p>
+        </p:txBody>
+      </p:sp>
+      <p:sp>
+        <p:nvSpPr>
+          <p:cNvPr id="28" name="TextBox 27"/>
+          <p:cNvSpPr txBox="1"/>
+          <p:nvPr/>
+        </p:nvSpPr>
+        <p:spPr>
+          <a:xfrm>
+            <a:off x="3712633" y="774097"/>
+            <a:ext cx="327433" cy="246221"/>
+          </a:xfrm>
+          <a:prstGeom prst="rect">
+            <a:avLst/>
+          </a:prstGeom>
+          <a:noFill/>
+        </p:spPr>
+        <p:txBody>
+          <a:bodyPr wrap="none" rtlCol="0">
+            <a:spAutoFit/>
+          </a:bodyPr>
+          <a:lstStyle/>
+          <a:p>
+            <a:r>
+              <a:rPr kumimoji="1" lang="en-US" altLang="ja-JP" sz="1000">
+                <a:solidFill>
+                  <a:srgbClr val="FF0000"/>
+                </a:solidFill>
+              </a:rPr>
+              <a:t>(3)</a:t>
+            </a:r>
+            <a:endParaRPr kumimoji="1" lang="ja-JP" altLang="en-US" sz="1000">
+              <a:solidFill>
+                <a:srgbClr val="FF0000"/>
+              </a:solidFill>
+            </a:endParaRPr>
+          </a:p>
+        </p:txBody>
+      </p:sp>
+      <p:sp>
+        <p:nvSpPr>
+          <p:cNvPr id="29" name="TextBox 28"/>
+          <p:cNvSpPr txBox="1"/>
+          <p:nvPr/>
+        </p:nvSpPr>
+        <p:spPr>
+          <a:xfrm>
+            <a:off x="1768197" y="2184400"/>
+            <a:ext cx="327433" cy="246221"/>
+          </a:xfrm>
+          <a:prstGeom prst="rect">
+            <a:avLst/>
+          </a:prstGeom>
+          <a:noFill/>
+        </p:spPr>
+        <p:txBody>
+          <a:bodyPr wrap="none" rtlCol="0">
+            <a:spAutoFit/>
+          </a:bodyPr>
+          <a:lstStyle/>
+          <a:p>
+            <a:r>
+              <a:rPr kumimoji="1" lang="en-US" altLang="ja-JP" sz="1000">
+                <a:solidFill>
+                  <a:srgbClr val="FF0000"/>
+                </a:solidFill>
+              </a:rPr>
+              <a:t>(5)</a:t>
+            </a:r>
+            <a:endParaRPr kumimoji="1" lang="ja-JP" altLang="en-US" sz="1000">
+              <a:solidFill>
+                <a:srgbClr val="FF0000"/>
+              </a:solidFill>
+            </a:endParaRPr>
+          </a:p>
+        </p:txBody>
+      </p:sp>
+    </p:spTree>
+    <p:extLst>
+      <p:ext uri="{BB962C8B-B14F-4D97-AF65-F5344CB8AC3E}">
+        <p14:creationId xmlns:p14="http://schemas.microsoft.com/office/powerpoint/2010/main" val="2944998633"/>
+      </p:ext>
+    </p:extLst>
+  </p:cSld>
+  <p:clrMapOvr>
+    <a:masterClrMapping/>
+  </p:clrMapOvr>
+  <p:timing>
+    <p:tnLst>
+      <p:par>
+        <p:cTn xmlns:p14="http://schemas.microsoft.com/office/powerpoint/2010/main" id="1" dur="indefinite" restart="never" nodeType="tmRoot"/>
+      </p:par>
+    </p:tnLst>
+  </p:timing>
+</p:sld>
+</file>
+
+<file path=ppt/slides/slide4.xml><?xml version="1.0" encoding="utf-8"?>
+<p:sld xmlns:a="http://schemas.openxmlformats.org/drawingml/2006/main" xmlns:r="http://schemas.openxmlformats.org/officeDocument/2006/relationships" xmlns:p="http://schemas.openxmlformats.org/presentationml/2006/main">
+  <p:cSld>
+    <p:spTree>
+      <p:nvGrpSpPr>
+        <p:cNvPr id="1" name=""/>
+        <p:cNvGrpSpPr/>
+        <p:nvPr/>
+      </p:nvGrpSpPr>
+      <p:grpSpPr>
+        <a:xfrm>
+          <a:off x="0" y="0"/>
+          <a:ext cx="0" cy="0"/>
+          <a:chOff x="0" y="0"/>
+          <a:chExt cx="0" cy="0"/>
+        </a:xfrm>
+      </p:grpSpPr>
+      <p:cxnSp>
+        <p:nvCxnSpPr>
+          <p:cNvPr id="65" name="Straight Connector 64"/>
+          <p:cNvCxnSpPr/>
+          <p:nvPr/>
+        </p:nvCxnSpPr>
+        <p:spPr>
+          <a:xfrm>
+            <a:off x="0" y="399143"/>
+            <a:ext cx="9144000" cy="0"/>
+          </a:xfrm>
+          <a:prstGeom prst="line">
+            <a:avLst/>
+          </a:prstGeom>
+        </p:spPr>
+        <p:style>
+          <a:lnRef idx="2">
+            <a:schemeClr val="accent1"/>
+          </a:lnRef>
+          <a:fillRef idx="0">
+            <a:schemeClr val="accent1"/>
+          </a:fillRef>
+          <a:effectRef idx="1">
+            <a:schemeClr val="accent1"/>
+          </a:effectRef>
+          <a:fontRef idx="minor">
+            <a:schemeClr val="tx1"/>
+          </a:fontRef>
+        </p:style>
+      </p:cxnSp>
+      <p:sp>
+        <p:nvSpPr>
+          <p:cNvPr id="66" name="TextBox 65"/>
+          <p:cNvSpPr txBox="1"/>
+          <p:nvPr/>
+        </p:nvSpPr>
+        <p:spPr>
+          <a:xfrm>
+            <a:off x="193525" y="0"/>
+            <a:ext cx="1219918" cy="369332"/>
+          </a:xfrm>
+          <a:prstGeom prst="rect">
+            <a:avLst/>
+          </a:prstGeom>
+          <a:noFill/>
+        </p:spPr>
+        <p:txBody>
+          <a:bodyPr wrap="none" rtlCol="0">
+            <a:spAutoFit/>
+          </a:bodyPr>
+          <a:lstStyle/>
+          <a:p>
+            <a:r>
+              <a:rPr kumimoji="1" lang="en-US" altLang="ja-JP"/>
+              <a:t>S-2-1 Login</a:t>
+            </a:r>
+            <a:endParaRPr kumimoji="1" lang="ja-JP" altLang="en-US"/>
+          </a:p>
+        </p:txBody>
+      </p:sp>
+      <p:sp useBgFill="1">
+        <p:nvSpPr>
+          <p:cNvPr id="2" name="Rectangle 1"/>
+          <p:cNvSpPr/>
+          <p:nvPr/>
+        </p:nvSpPr>
+        <p:spPr>
+          <a:xfrm>
+            <a:off x="387048" y="762000"/>
+            <a:ext cx="3967238" cy="3716867"/>
+          </a:xfrm>
+          <a:prstGeom prst="rect">
+            <a:avLst/>
+          </a:prstGeom>
+          <a:ln>
+            <a:solidFill>
+              <a:schemeClr val="tx1"/>
+            </a:solidFill>
+          </a:ln>
+          <a:effectLst/>
+        </p:spPr>
+        <p:style>
+          <a:lnRef idx="1">
+            <a:schemeClr val="accent1"/>
+          </a:lnRef>
+          <a:fillRef idx="3">
+            <a:schemeClr val="accent1"/>
+          </a:fillRef>
+          <a:effectRef idx="2">
+            <a:schemeClr val="accent1"/>
+          </a:effectRef>
+          <a:fontRef idx="minor">
+            <a:schemeClr val="lt1"/>
+          </a:fontRef>
+        </p:style>
+        <p:txBody>
+          <a:bodyPr rtlCol="0" anchor="ctr"/>
+          <a:lstStyle/>
+          <a:p>
+            <a:pPr algn="ctr"/>
+            <a:endParaRPr kumimoji="1" lang="ja-JP" altLang="en-US">
+              <a:solidFill>
+                <a:srgbClr val="FF0000"/>
+              </a:solidFill>
+            </a:endParaRPr>
+          </a:p>
+        </p:txBody>
+      </p:sp>
+      <p:sp>
+        <p:nvSpPr>
+          <p:cNvPr id="3" name="Rectangle 2"/>
+          <p:cNvSpPr/>
+          <p:nvPr/>
+        </p:nvSpPr>
+        <p:spPr>
+          <a:xfrm>
+            <a:off x="387048" y="876073"/>
+            <a:ext cx="1196687" cy="400110"/>
+          </a:xfrm>
+          <a:prstGeom prst="rect">
+            <a:avLst/>
+          </a:prstGeom>
+          <a:noFill/>
+        </p:spPr>
+        <p:txBody>
+          <a:bodyPr wrap="none" lIns="91440" tIns="45720" rIns="91440" bIns="45720">
+            <a:spAutoFit/>
+          </a:bodyPr>
+          <a:lstStyle/>
+          <a:p>
+            <a:pPr algn="ctr"/>
+            <a:r>
+              <a:rPr lang="en-US" altLang="ja-JP" sz="2000" b="1" cap="none" spc="0">
+                <a:ln w="12700">
+                  <a:solidFill>
+                    <a:schemeClr val="tx2">
+                      <a:satMod val="155000"/>
+                    </a:schemeClr>
+                  </a:solidFill>
+                  <a:prstDash val="solid"/>
+                </a:ln>
+                <a:solidFill>
+                  <a:schemeClr val="bg2">
+                    <a:tint val="85000"/>
+                    <a:satMod val="155000"/>
+                  </a:schemeClr>
+                </a:solidFill>
+                <a:effectLst>
+                  <a:outerShdw blurRad="41275" dist="20320" dir="1800000" algn="tl" rotWithShape="0">
+                    <a:srgbClr val="000000">
+                      <a:alpha val="40000"/>
+                    </a:srgbClr>
+                  </a:outerShdw>
+                </a:effectLst>
+              </a:rPr>
+              <a:t>Mini Blog</a:t>
+            </a:r>
+          </a:p>
+        </p:txBody>
+      </p:sp>
+      <p:sp>
+        <p:nvSpPr>
+          <p:cNvPr id="4" name="Rectangle 3"/>
+          <p:cNvSpPr/>
+          <p:nvPr/>
+        </p:nvSpPr>
+        <p:spPr>
+          <a:xfrm>
+            <a:off x="401506" y="737671"/>
+            <a:ext cx="837263" cy="246221"/>
+          </a:xfrm>
+          <a:prstGeom prst="rect">
+            <a:avLst/>
+          </a:prstGeom>
+        </p:spPr>
+        <p:txBody>
+          <a:bodyPr wrap="none">
+            <a:spAutoFit/>
+          </a:bodyPr>
+          <a:lstStyle/>
+          <a:p>
+            <a:pPr lvl="0" algn="ctr"/>
+            <a:r>
+              <a:rPr kumimoji="1" lang="en-US" altLang="ja-JP" sz="1000">
+                <a:solidFill>
+                  <a:srgbClr val="FF0000"/>
+                </a:solidFill>
+              </a:rPr>
+              <a:t>Php Training</a:t>
+            </a:r>
+            <a:endParaRPr kumimoji="1" lang="ja-JP" altLang="en-US" sz="1000">
+              <a:solidFill>
+                <a:srgbClr val="FF0000"/>
+              </a:solidFill>
+            </a:endParaRPr>
+          </a:p>
+        </p:txBody>
+      </p:sp>
+      <p:sp>
+        <p:nvSpPr>
+          <p:cNvPr id="7" name="Rectangle 6"/>
+          <p:cNvSpPr/>
+          <p:nvPr/>
+        </p:nvSpPr>
+        <p:spPr>
+          <a:xfrm>
+            <a:off x="477876" y="1420804"/>
+            <a:ext cx="1871134" cy="192975"/>
+          </a:xfrm>
+          <a:prstGeom prst="rect">
+            <a:avLst/>
+          </a:prstGeom>
+          <a:ln>
+            <a:solidFill>
+              <a:schemeClr val="tx1"/>
+            </a:solidFill>
+          </a:ln>
+          <a:effectLst/>
+        </p:spPr>
+        <p:style>
+          <a:lnRef idx="1">
+            <a:schemeClr val="accent1"/>
+          </a:lnRef>
+          <a:fillRef idx="3">
+            <a:schemeClr val="accent1"/>
+          </a:fillRef>
+          <a:effectRef idx="2">
+            <a:schemeClr val="accent1"/>
+          </a:effectRef>
+          <a:fontRef idx="minor">
+            <a:schemeClr val="lt1"/>
+          </a:fontRef>
+        </p:style>
+        <p:txBody>
+          <a:bodyPr rtlCol="0" anchor="ctr"/>
+          <a:lstStyle/>
+          <a:p>
+            <a:r>
+              <a:rPr kumimoji="1" lang="en-US" altLang="ja-JP" sz="800" i="1">
+                <a:solidFill>
+                  <a:schemeClr val="bg1">
+                    <a:lumMod val="75000"/>
+                  </a:schemeClr>
+                </a:solidFill>
+              </a:rPr>
+              <a:t>Username, firstname, lastname,…</a:t>
+            </a:r>
+            <a:endParaRPr kumimoji="1" lang="ja-JP" altLang="en-US" sz="800" i="1">
+              <a:solidFill>
+                <a:schemeClr val="bg1">
+                  <a:lumMod val="75000"/>
+                </a:schemeClr>
+              </a:solidFill>
+            </a:endParaRPr>
+          </a:p>
+        </p:txBody>
+      </p:sp>
+      <p:sp>
+        <p:nvSpPr>
+          <p:cNvPr id="8" name="Rectangle 7"/>
+          <p:cNvSpPr/>
+          <p:nvPr/>
+        </p:nvSpPr>
+        <p:spPr>
+          <a:xfrm>
+            <a:off x="2413000" y="1420804"/>
+            <a:ext cx="558800" cy="209383"/>
+          </a:xfrm>
+          <a:prstGeom prst="rect">
+            <a:avLst/>
+          </a:prstGeom>
+        </p:spPr>
+        <p:style>
+          <a:lnRef idx="1">
+            <a:schemeClr val="accent1"/>
+          </a:lnRef>
+          <a:fillRef idx="3">
+            <a:schemeClr val="accent1"/>
+          </a:fillRef>
+          <a:effectRef idx="2">
+            <a:schemeClr val="accent1"/>
+          </a:effectRef>
+          <a:fontRef idx="minor">
+            <a:schemeClr val="lt1"/>
+          </a:fontRef>
+        </p:style>
+        <p:txBody>
+          <a:bodyPr rtlCol="0" anchor="ctr"/>
+          <a:lstStyle/>
+          <a:p>
+            <a:pPr algn="ctr"/>
+            <a:r>
+              <a:rPr kumimoji="1" lang="en-US" altLang="ja-JP" sz="1000"/>
+              <a:t>Search</a:t>
+            </a:r>
+            <a:endParaRPr kumimoji="1" lang="ja-JP" altLang="en-US" sz="1000"/>
+          </a:p>
+        </p:txBody>
+      </p:sp>
+      <p:sp>
+        <p:nvSpPr>
+          <p:cNvPr id="9" name="Rectangle 8"/>
+          <p:cNvSpPr/>
+          <p:nvPr/>
+        </p:nvSpPr>
+        <p:spPr>
+          <a:xfrm>
+            <a:off x="2548467" y="983891"/>
+            <a:ext cx="1600200" cy="292291"/>
+          </a:xfrm>
+          <a:prstGeom prst="rect">
+            <a:avLst/>
+          </a:prstGeom>
+        </p:spPr>
+        <p:style>
+          <a:lnRef idx="1">
+            <a:schemeClr val="accent1"/>
+          </a:lnRef>
+          <a:fillRef idx="3">
+            <a:schemeClr val="accent1"/>
+          </a:fillRef>
+          <a:effectRef idx="2">
+            <a:schemeClr val="accent1"/>
+          </a:effectRef>
+          <a:fontRef idx="minor">
+            <a:schemeClr val="lt1"/>
+          </a:fontRef>
+        </p:style>
+        <p:txBody>
+          <a:bodyPr rtlCol="0" anchor="ctr"/>
+          <a:lstStyle/>
+          <a:p>
+            <a:pPr algn="r"/>
+            <a:r>
+              <a:rPr kumimoji="1" lang="en-US" altLang="ja-JP" sz="1000"/>
+              <a:t>  Blog | Sitemap | </a:t>
+            </a:r>
+            <a:r>
+              <a:rPr kumimoji="1" lang="en-US" altLang="ja-JP" sz="1000">
+                <a:solidFill>
+                  <a:srgbClr val="FF0000"/>
+                </a:solidFill>
+              </a:rPr>
+              <a:t>Login</a:t>
+            </a:r>
+            <a:endParaRPr kumimoji="1" lang="ja-JP" altLang="en-US" sz="1000">
+              <a:solidFill>
+                <a:srgbClr val="FF0000"/>
+              </a:solidFill>
+            </a:endParaRPr>
+          </a:p>
+        </p:txBody>
+      </p:sp>
+      <p:cxnSp>
+        <p:nvCxnSpPr>
+          <p:cNvPr id="13" name="Straight Connector 12"/>
+          <p:cNvCxnSpPr/>
+          <p:nvPr/>
+        </p:nvCxnSpPr>
+        <p:spPr>
+          <a:xfrm>
+            <a:off x="477876" y="1921934"/>
+            <a:ext cx="3670791" cy="0"/>
+          </a:xfrm>
+          <a:prstGeom prst="line">
+            <a:avLst/>
+          </a:prstGeom>
+          <a:ln w="3175" cmpd="sng">
+            <a:solidFill>
+              <a:schemeClr val="bg1">
+                <a:lumMod val="75000"/>
+              </a:schemeClr>
+            </a:solidFill>
+          </a:ln>
+          <a:effectLst/>
+        </p:spPr>
+        <p:style>
+          <a:lnRef idx="2">
+            <a:schemeClr val="accent1"/>
+          </a:lnRef>
+          <a:fillRef idx="0">
+            <a:schemeClr val="accent1"/>
+          </a:fillRef>
+          <a:effectRef idx="1">
+            <a:schemeClr val="accent1"/>
+          </a:effectRef>
+          <a:fontRef idx="minor">
+            <a:schemeClr val="tx1"/>
+          </a:fontRef>
+        </p:style>
+      </p:cxnSp>
+      <p:sp>
+        <p:nvSpPr>
+          <p:cNvPr id="14" name="TextBox 13"/>
+          <p:cNvSpPr txBox="1"/>
+          <p:nvPr/>
+        </p:nvSpPr>
+        <p:spPr>
+          <a:xfrm>
+            <a:off x="384739" y="1668018"/>
             <a:ext cx="919665" cy="253916"/>
           </a:xfrm>
           <a:prstGeom prst="rect">
@@ -9630,7 +10915,7 @@
           <p:nvPr>
             <p:extLst>
               <p:ext uri="{D42A27DB-BD31-4B8C-83A1-F6EECF244321}">
-                <p14:modId xmlns:p14="http://schemas.microsoft.com/office/powerpoint/2010/main" val="1703034106"/>
+                <p14:modId xmlns:p14="http://schemas.microsoft.com/office/powerpoint/2010/main" val="4163590924"/>
               </p:ext>
             </p:extLst>
           </p:nvPr>
@@ -10270,23 +11555,7 @@
                   <a:srgbClr val="FF0000"/>
                 </a:solidFill>
               </a:rPr>
-              <a:t>(</a:t>
-            </a:r>
-            <a:r>
-              <a:rPr kumimoji="1" lang="en-US" altLang="ja-JP" sz="1000">
-                <a:solidFill>
-                  <a:srgbClr val="FF0000"/>
-                </a:solidFill>
-              </a:rPr>
-              <a:t>show message</a:t>
-            </a:r>
-            <a:r>
-              <a:rPr kumimoji="1" lang="en-US" altLang="ja-JP" sz="1000">
-                <a:solidFill>
-                  <a:srgbClr val="FF0000"/>
-                </a:solidFill>
-              </a:rPr>
-              <a:t>)</a:t>
+              <a:t>(show message)</a:t>
             </a:r>
             <a:endParaRPr kumimoji="1" lang="ja-JP" altLang="en-US" sz="1000">
               <a:solidFill>
@@ -10299,7 +11568,7 @@
     </p:spTree>
     <p:extLst>
       <p:ext uri="{BB962C8B-B14F-4D97-AF65-F5344CB8AC3E}">
-        <p14:creationId xmlns:p14="http://schemas.microsoft.com/office/powerpoint/2010/main" val="2944998633"/>
+        <p14:creationId xmlns:p14="http://schemas.microsoft.com/office/powerpoint/2010/main" val="939030142"/>
       </p:ext>
     </p:extLst>
   </p:cSld>
@@ -10316,7 +11585,7 @@
 </p:sld>
 </file>
 
-<file path=ppt/slides/slide4.xml><?xml version="1.0" encoding="utf-8"?>
+<file path=ppt/slides/slide5.xml><?xml version="1.0" encoding="utf-8"?>
 <p:sld xmlns:a="http://schemas.openxmlformats.org/drawingml/2006/main" xmlns:r="http://schemas.openxmlformats.org/officeDocument/2006/relationships" xmlns:p="http://schemas.openxmlformats.org/presentationml/2006/main">
   <p:cSld>
     <p:spTree>
@@ -11539,7 +12808,7 @@
 </p:sld>
 </file>
 
-<file path=ppt/slides/slide5.xml><?xml version="1.0" encoding="utf-8"?>
+<file path=ppt/slides/slide6.xml><?xml version="1.0" encoding="utf-8"?>
 <p:sld xmlns:a="http://schemas.openxmlformats.org/drawingml/2006/main" xmlns:r="http://schemas.openxmlformats.org/officeDocument/2006/relationships" xmlns:p="http://schemas.openxmlformats.org/presentationml/2006/main">
   <p:cSld>
     <p:spTree>
@@ -11594,35 +12863,21 @@
             <a:p>
               <a:r>
                 <a:rPr lang="en-US" b="1" dirty="0">
-                  <a:latin typeface="Times New Roman" panose="02020603050405020304" pitchFamily="18" charset="0"/>
-                  <a:cs typeface="Times New Roman" panose="02020603050405020304" pitchFamily="18" charset="0"/>
+                  <a:latin typeface="Calibri"/>
+                  <a:cs typeface="Calibri"/>
                 </a:rPr>
-                <a:t> </a:t>
-              </a:r>
-              <a:r>
-                <a:rPr lang="en-US" b="1" dirty="0">
-                  <a:latin typeface="Times New Roman" panose="02020603050405020304" pitchFamily="18" charset="0"/>
-                  <a:cs typeface="Times New Roman" panose="02020603050405020304" pitchFamily="18" charset="0"/>
-                </a:rPr>
-                <a:t>S-4-2 </a:t>
-              </a:r>
-              <a:r>
-                <a:rPr lang="en-US" b="1" dirty="0">
-                  <a:latin typeface="Times New Roman" panose="02020603050405020304" pitchFamily="18" charset="0"/>
-                  <a:cs typeface="Times New Roman" panose="02020603050405020304" pitchFamily="18" charset="0"/>
-                </a:rPr>
-                <a:t>Update </a:t>
+                <a:t> S-4-2 Update </a:t>
               </a:r>
               <a:r>
                 <a:rPr lang="en-US" b="1" dirty="0" smtClean="0">
-                  <a:latin typeface="Times New Roman" panose="02020603050405020304" pitchFamily="18" charset="0"/>
-                  <a:cs typeface="Times New Roman" panose="02020603050405020304" pitchFamily="18" charset="0"/>
+                  <a:latin typeface="Calibri"/>
+                  <a:cs typeface="Calibri"/>
                 </a:rPr>
                 <a:t>user info</a:t>
               </a:r>
               <a:endParaRPr lang="en-US" b="1" dirty="0">
-                <a:latin typeface="Times New Roman" panose="02020603050405020304" pitchFamily="18" charset="0"/>
-                <a:cs typeface="Times New Roman" panose="02020603050405020304" pitchFamily="18" charset="0"/>
+                <a:latin typeface="Calibri"/>
+                <a:cs typeface="Calibri"/>
               </a:endParaRPr>
             </a:p>
           </p:txBody>
@@ -11759,7 +13014,10 @@
                   </a:bodyPr>
                   <a:lstStyle/>
                   <a:p>
-                    <a:endParaRPr lang="en-US"/>
+                    <a:endParaRPr lang="en-US">
+                      <a:latin typeface="Calibri"/>
+                      <a:cs typeface="Calibri"/>
+                    </a:endParaRPr>
                   </a:p>
                 </p:txBody>
               </p:sp>
@@ -11821,15 +13079,17 @@
                           <a:srgbClr val="FEFEFE"/>
                         </a:solidFill>
                         <a:effectLst/>
+                        <a:latin typeface="Calibri"/>
                         <a:ea typeface="Times New Roman" panose="02020603050405020304" pitchFamily="18" charset="0"/>
-                        <a:cs typeface="Times New Roman" panose="02020603050405020304" pitchFamily="18" charset="0"/>
+                        <a:cs typeface="Calibri"/>
                       </a:rPr>
                       <a:t>Header</a:t>
                     </a:r>
                     <a:endParaRPr lang="en-US" sz="1200">
                       <a:effectLst/>
-                      <a:latin typeface="Times New Roman" panose="02020603050405020304" pitchFamily="18" charset="0"/>
+                      <a:latin typeface="Calibri"/>
                       <a:ea typeface="Times New Roman" panose="02020603050405020304" pitchFamily="18" charset="0"/>
+                      <a:cs typeface="Calibri"/>
                     </a:endParaRPr>
                   </a:p>
                 </p:txBody>
@@ -11892,15 +13152,17 @@
                           <a:srgbClr val="FEFEFE"/>
                         </a:solidFill>
                         <a:effectLst/>
+                        <a:latin typeface="Calibri"/>
                         <a:ea typeface="Times New Roman" panose="02020603050405020304" pitchFamily="18" charset="0"/>
-                        <a:cs typeface="Times New Roman" panose="02020603050405020304" pitchFamily="18" charset="0"/>
+                        <a:cs typeface="Calibri"/>
                       </a:rPr>
                       <a:t>Footer</a:t>
                     </a:r>
                     <a:endParaRPr lang="en-US" sz="1200">
                       <a:effectLst/>
-                      <a:latin typeface="Times New Roman" panose="02020603050405020304" pitchFamily="18" charset="0"/>
+                      <a:latin typeface="Calibri"/>
                       <a:ea typeface="Times New Roman" panose="02020603050405020304" pitchFamily="18" charset="0"/>
+                      <a:cs typeface="Calibri"/>
                     </a:endParaRPr>
                   </a:p>
                 </p:txBody>
@@ -12006,15 +13268,17 @@
                               <a:srgbClr val="FEFEFE"/>
                             </a:solidFill>
                             <a:effectLst/>
+                            <a:latin typeface="Calibri"/>
                             <a:ea typeface="Times New Roman" panose="02020603050405020304" pitchFamily="18" charset="0"/>
-                            <a:cs typeface="Times New Roman" panose="02020603050405020304" pitchFamily="18" charset="0"/>
+                            <a:cs typeface="Calibri"/>
                           </a:rPr>
                           <a:t>Basic info</a:t>
                         </a:r>
                         <a:endParaRPr lang="en-US" sz="1200">
                           <a:effectLst/>
-                          <a:latin typeface="Times New Roman" panose="02020603050405020304" pitchFamily="18" charset="0"/>
+                          <a:latin typeface="Calibri"/>
                           <a:ea typeface="Times New Roman" panose="02020603050405020304" pitchFamily="18" charset="0"/>
+                          <a:cs typeface="Calibri"/>
                         </a:endParaRPr>
                       </a:p>
                     </p:txBody>
@@ -12064,7 +13328,10 @@
                       </a:bodyPr>
                       <a:lstStyle/>
                       <a:p>
-                        <a:endParaRPr lang="en-US"/>
+                        <a:endParaRPr lang="en-US">
+                          <a:latin typeface="Calibri"/>
+                          <a:cs typeface="Calibri"/>
+                        </a:endParaRPr>
                       </a:p>
                     </p:txBody>
                   </p:sp>
@@ -12156,7 +13423,10 @@
                           </a:bodyPr>
                           <a:lstStyle/>
                           <a:p>
-                            <a:endParaRPr lang="en-US"/>
+                            <a:endParaRPr lang="en-US">
+                              <a:latin typeface="Calibri"/>
+                              <a:cs typeface="Calibri"/>
+                            </a:endParaRPr>
                           </a:p>
                         </p:txBody>
                       </p:sp>
@@ -12200,17 +13470,17 @@
                                   <a:srgbClr val="2E75B6"/>
                                 </a:solidFill>
                                 <a:effectLst/>
-                                <a:latin typeface="Times New Roman" panose="02020603050405020304" pitchFamily="18" charset="0"/>
+                                <a:latin typeface="Calibri"/>
                                 <a:ea typeface="Times New Roman" panose="02020603050405020304" pitchFamily="18" charset="0"/>
-                                <a:cs typeface="Times New Roman" panose="02020603050405020304" pitchFamily="18" charset="0"/>
+                                <a:cs typeface="Calibri"/>
                               </a:rPr>
                               <a:t>Ti</a:t>
                             </a:r>
                             <a:endParaRPr lang="en-US" sz="1200" dirty="0">
                               <a:effectLst/>
-                              <a:latin typeface="Times New Roman" panose="02020603050405020304" pitchFamily="18" charset="0"/>
+                              <a:latin typeface="Calibri"/>
                               <a:ea typeface="Times New Roman" panose="02020603050405020304" pitchFamily="18" charset="0"/>
-                              <a:cs typeface="Times New Roman" panose="02020603050405020304" pitchFamily="18" charset="0"/>
+                              <a:cs typeface="Calibri"/>
                             </a:endParaRPr>
                           </a:p>
                         </p:txBody>
@@ -12275,7 +13545,10 @@
                           </a:bodyPr>
                           <a:lstStyle/>
                           <a:p>
-                            <a:endParaRPr lang="en-US"/>
+                            <a:endParaRPr lang="en-US">
+                              <a:latin typeface="Calibri"/>
+                              <a:cs typeface="Calibri"/>
+                            </a:endParaRPr>
                           </a:p>
                         </p:txBody>
                       </p:sp>
@@ -12318,9 +13591,9 @@
                                 <a:solidFill>
                                   <a:srgbClr val="2E75B6"/>
                                 </a:solidFill>
-                                <a:latin typeface="Times New Roman" panose="02020603050405020304" pitchFamily="18" charset="0"/>
+                                <a:latin typeface="Calibri"/>
                                 <a:ea typeface="Times New Roman" panose="02020603050405020304" pitchFamily="18" charset="0"/>
-                                <a:cs typeface="Times New Roman" panose="02020603050405020304" pitchFamily="18" charset="0"/>
+                                <a:cs typeface="Calibri"/>
                               </a:rPr>
                               <a:t>Nguyen</a:t>
                             </a:r>
@@ -12330,17 +13603,17 @@
                                   <a:srgbClr val="2E75B6"/>
                                 </a:solidFill>
                                 <a:effectLst/>
-                                <a:latin typeface="Times New Roman" panose="02020603050405020304" pitchFamily="18" charset="0"/>
+                                <a:latin typeface="Calibri"/>
                                 <a:ea typeface="Times New Roman" panose="02020603050405020304" pitchFamily="18" charset="0"/>
-                                <a:cs typeface="Times New Roman" panose="02020603050405020304" pitchFamily="18" charset="0"/>
+                                <a:cs typeface="Calibri"/>
                               </a:rPr>
                               <a:t> Van</a:t>
                             </a:r>
                             <a:endParaRPr lang="en-US" sz="1200" dirty="0">
                               <a:effectLst/>
-                              <a:latin typeface="Times New Roman" panose="02020603050405020304" pitchFamily="18" charset="0"/>
+                              <a:latin typeface="Calibri"/>
                               <a:ea typeface="Times New Roman" panose="02020603050405020304" pitchFamily="18" charset="0"/>
-                              <a:cs typeface="Times New Roman" panose="02020603050405020304" pitchFamily="18" charset="0"/>
+                              <a:cs typeface="Calibri"/>
                             </a:endParaRPr>
                           </a:p>
                         </p:txBody>
@@ -12421,9 +13694,9 @@
                                 <a:solidFill>
                                   <a:srgbClr val="2E75B6"/>
                                 </a:solidFill>
-                                <a:latin typeface="Times New Roman" panose="02020603050405020304" pitchFamily="18" charset="0"/>
+                                <a:latin typeface="Calibri"/>
                                 <a:ea typeface="Times New Roman" panose="02020603050405020304" pitchFamily="18" charset="0"/>
-                                <a:cs typeface="Times New Roman" panose="02020603050405020304" pitchFamily="18" charset="0"/>
+                                <a:cs typeface="Calibri"/>
                               </a:rPr>
                               <a:t>Male</a:t>
                             </a:r>
@@ -12431,9 +13704,9 @@
                               <a:solidFill>
                                 <a:srgbClr val="2E75B6"/>
                               </a:solidFill>
-                              <a:latin typeface="Times New Roman" panose="02020603050405020304" pitchFamily="18" charset="0"/>
+                              <a:latin typeface="Calibri"/>
                               <a:ea typeface="Times New Roman" panose="02020603050405020304" pitchFamily="18" charset="0"/>
-                              <a:cs typeface="Times New Roman" panose="02020603050405020304" pitchFamily="18" charset="0"/>
+                              <a:cs typeface="Calibri"/>
                             </a:endParaRPr>
                           </a:p>
                         </p:txBody>
@@ -12485,7 +13758,10 @@
                           </a:bodyPr>
                           <a:lstStyle/>
                           <a:p>
-                            <a:endParaRPr lang="en-US"/>
+                            <a:endParaRPr lang="en-US">
+                              <a:latin typeface="Calibri"/>
+                              <a:cs typeface="Calibri"/>
+                            </a:endParaRPr>
                           </a:p>
                         </p:txBody>
                       </p:sp>
@@ -12565,9 +13841,9 @@
                                 <a:solidFill>
                                   <a:srgbClr val="2E75B6"/>
                                 </a:solidFill>
-                                <a:latin typeface="Times New Roman" panose="02020603050405020304" pitchFamily="18" charset="0"/>
+                                <a:latin typeface="Calibri"/>
                                 <a:ea typeface="Times New Roman" panose="02020603050405020304" pitchFamily="18" charset="0"/>
-                                <a:cs typeface="Times New Roman" panose="02020603050405020304" pitchFamily="18" charset="0"/>
+                                <a:cs typeface="Calibri"/>
                               </a:rPr>
                               <a:t>25</a:t>
                             </a:r>
@@ -12575,9 +13851,9 @@
                               <a:solidFill>
                                 <a:srgbClr val="2E75B6"/>
                               </a:solidFill>
-                              <a:latin typeface="Times New Roman" panose="02020603050405020304" pitchFamily="18" charset="0"/>
+                              <a:latin typeface="Calibri"/>
                               <a:ea typeface="Times New Roman" panose="02020603050405020304" pitchFamily="18" charset="0"/>
-                              <a:cs typeface="Times New Roman" panose="02020603050405020304" pitchFamily="18" charset="0"/>
+                              <a:cs typeface="Calibri"/>
                             </a:endParaRPr>
                           </a:p>
                         </p:txBody>
@@ -12629,7 +13905,10 @@
                           </a:bodyPr>
                           <a:lstStyle/>
                           <a:p>
-                            <a:endParaRPr lang="en-US"/>
+                            <a:endParaRPr lang="en-US">
+                              <a:latin typeface="Calibri"/>
+                              <a:cs typeface="Calibri"/>
+                            </a:endParaRPr>
                           </a:p>
                         </p:txBody>
                       </p:sp>
@@ -12709,9 +13988,9 @@
                                 <a:solidFill>
                                   <a:srgbClr val="2E75B6"/>
                                 </a:solidFill>
-                                <a:latin typeface="Times New Roman" panose="02020603050405020304" pitchFamily="18" charset="0"/>
+                                <a:latin typeface="Calibri"/>
                                 <a:ea typeface="Times New Roman" panose="02020603050405020304" pitchFamily="18" charset="0"/>
-                                <a:cs typeface="Times New Roman" panose="02020603050405020304" pitchFamily="18" charset="0"/>
+                                <a:cs typeface="Calibri"/>
                               </a:rPr>
                               <a:t>December</a:t>
                             </a:r>
@@ -12719,9 +13998,9 @@
                               <a:solidFill>
                                 <a:srgbClr val="2E75B6"/>
                               </a:solidFill>
-                              <a:latin typeface="Times New Roman" panose="02020603050405020304" pitchFamily="18" charset="0"/>
+                              <a:latin typeface="Calibri"/>
                               <a:ea typeface="Times New Roman" panose="02020603050405020304" pitchFamily="18" charset="0"/>
-                              <a:cs typeface="Times New Roman" panose="02020603050405020304" pitchFamily="18" charset="0"/>
+                              <a:cs typeface="Calibri"/>
                             </a:endParaRPr>
                           </a:p>
                         </p:txBody>
@@ -12773,7 +14052,10 @@
                           </a:bodyPr>
                           <a:lstStyle/>
                           <a:p>
-                            <a:endParaRPr lang="en-US"/>
+                            <a:endParaRPr lang="en-US">
+                              <a:latin typeface="Calibri"/>
+                              <a:cs typeface="Calibri"/>
+                            </a:endParaRPr>
                           </a:p>
                         </p:txBody>
                       </p:sp>
@@ -12853,9 +14135,9 @@
                                 <a:solidFill>
                                   <a:srgbClr val="2E75B6"/>
                                 </a:solidFill>
-                                <a:latin typeface="Times New Roman" panose="02020603050405020304" pitchFamily="18" charset="0"/>
+                                <a:latin typeface="Calibri"/>
                                 <a:ea typeface="Times New Roman" panose="02020603050405020304" pitchFamily="18" charset="0"/>
-                                <a:cs typeface="Times New Roman" panose="02020603050405020304" pitchFamily="18" charset="0"/>
+                                <a:cs typeface="Calibri"/>
                               </a:rPr>
                               <a:t>1999</a:t>
                             </a:r>
@@ -12863,9 +14145,9 @@
                               <a:solidFill>
                                 <a:srgbClr val="2E75B6"/>
                               </a:solidFill>
-                              <a:latin typeface="Times New Roman" panose="02020603050405020304" pitchFamily="18" charset="0"/>
+                              <a:latin typeface="Calibri"/>
                               <a:ea typeface="Times New Roman" panose="02020603050405020304" pitchFamily="18" charset="0"/>
-                              <a:cs typeface="Times New Roman" panose="02020603050405020304" pitchFamily="18" charset="0"/>
+                              <a:cs typeface="Calibri"/>
                             </a:endParaRPr>
                           </a:p>
                         </p:txBody>
@@ -12917,7 +14199,10 @@
                           </a:bodyPr>
                           <a:lstStyle/>
                           <a:p>
-                            <a:endParaRPr lang="en-US"/>
+                            <a:endParaRPr lang="en-US">
+                              <a:latin typeface="Calibri"/>
+                              <a:cs typeface="Calibri"/>
+                            </a:endParaRPr>
                           </a:p>
                         </p:txBody>
                       </p:sp>
@@ -12974,22 +14259,22 @@
                             </a:spcAft>
                           </a:pPr>
                           <a:r>
-                            <a:rPr lang="en-US" sz="1200" b="1" dirty="0">
+                            <a:rPr lang="en-US" sz="1200" dirty="0">
                               <a:solidFill>
                                 <a:srgbClr val="2E75B6"/>
                               </a:solidFill>
                               <a:effectLst/>
-                              <a:latin typeface="Times New Roman" panose="02020603050405020304" pitchFamily="18" charset="0"/>
+                              <a:latin typeface="Calibri"/>
                               <a:ea typeface="Calibri" panose="020F0502020204030204" pitchFamily="34" charset="0"/>
-                              <a:cs typeface="Times New Roman" panose="02020603050405020304" pitchFamily="18" charset="0"/>
+                              <a:cs typeface="Calibri"/>
                             </a:rPr>
                             <a:t>First name</a:t>
                           </a:r>
                           <a:endParaRPr lang="en-US" sz="1200" dirty="0">
                             <a:effectLst/>
-                            <a:latin typeface="Times New Roman" panose="02020603050405020304" pitchFamily="18" charset="0"/>
+                            <a:latin typeface="Calibri"/>
                             <a:ea typeface="Calibri" panose="020F0502020204030204" pitchFamily="34" charset="0"/>
-                            <a:cs typeface="Times New Roman" panose="02020603050405020304" pitchFamily="18" charset="0"/>
+                            <a:cs typeface="Calibri"/>
                           </a:endParaRPr>
                         </a:p>
                       </p:txBody>
@@ -13046,22 +14331,22 @@
                             </a:spcAft>
                           </a:pPr>
                           <a:r>
-                            <a:rPr lang="en-US" sz="1200" b="1" dirty="0">
+                            <a:rPr lang="en-US" sz="1200" dirty="0">
                               <a:solidFill>
                                 <a:srgbClr val="2E75B6"/>
                               </a:solidFill>
                               <a:effectLst/>
-                              <a:latin typeface="Times New Roman" panose="02020603050405020304" pitchFamily="18" charset="0"/>
+                              <a:latin typeface="Calibri"/>
                               <a:ea typeface="Calibri" panose="020F0502020204030204" pitchFamily="34" charset="0"/>
-                              <a:cs typeface="Times New Roman" panose="02020603050405020304" pitchFamily="18" charset="0"/>
+                              <a:cs typeface="Calibri"/>
                             </a:rPr>
                             <a:t>Last name</a:t>
                           </a:r>
                           <a:endParaRPr lang="en-US" sz="1200" dirty="0">
                             <a:effectLst/>
-                            <a:latin typeface="Times New Roman" panose="02020603050405020304" pitchFamily="18" charset="0"/>
+                            <a:latin typeface="Calibri"/>
                             <a:ea typeface="Calibri" panose="020F0502020204030204" pitchFamily="34" charset="0"/>
-                            <a:cs typeface="Times New Roman" panose="02020603050405020304" pitchFamily="18" charset="0"/>
+                            <a:cs typeface="Calibri"/>
                           </a:endParaRPr>
                         </a:p>
                       </p:txBody>
@@ -13118,13 +14403,13 @@
                             </a:spcAft>
                           </a:pPr>
                           <a:r>
-                            <a:rPr lang="en-US" sz="1200" b="1" dirty="0">
+                            <a:rPr lang="en-US" sz="1200" dirty="0">
                               <a:solidFill>
                                 <a:srgbClr val="2E75B6"/>
                               </a:solidFill>
-                              <a:latin typeface="Times New Roman" panose="02020603050405020304" pitchFamily="18" charset="0"/>
+                              <a:latin typeface="Calibri"/>
                               <a:ea typeface="Calibri" panose="020F0502020204030204" pitchFamily="34" charset="0"/>
-                              <a:cs typeface="Times New Roman" panose="02020603050405020304" pitchFamily="18" charset="0"/>
+                              <a:cs typeface="Calibri"/>
                             </a:rPr>
                             <a:t>Gender</a:t>
                           </a:r>
@@ -13183,13 +14468,13 @@
                             </a:spcAft>
                           </a:pPr>
                           <a:r>
-                            <a:rPr lang="en-US" sz="1200" b="1" dirty="0">
+                            <a:rPr lang="en-US" sz="1200" dirty="0">
                               <a:solidFill>
                                 <a:srgbClr val="2E75B6"/>
                               </a:solidFill>
-                              <a:latin typeface="Times New Roman" panose="02020603050405020304" pitchFamily="18" charset="0"/>
+                              <a:latin typeface="Calibri"/>
                               <a:ea typeface="Calibri" panose="020F0502020204030204" pitchFamily="34" charset="0"/>
-                              <a:cs typeface="Times New Roman" panose="02020603050405020304" pitchFamily="18" charset="0"/>
+                              <a:cs typeface="Calibri"/>
                             </a:rPr>
                             <a:t>Birthday</a:t>
                           </a:r>
@@ -13296,8 +14581,9 @@
                     <a:r>
                       <a:rPr lang="en-US" sz="1100">
                         <a:effectLst/>
+                        <a:latin typeface="Calibri"/>
                         <a:ea typeface="Calibri" panose="020F0502020204030204" pitchFamily="34" charset="0"/>
-                        <a:cs typeface="Times New Roman" panose="02020603050405020304" pitchFamily="18" charset="0"/>
+                        <a:cs typeface="Calibri"/>
                       </a:rPr>
                       <a:t>Change avatar</a:t>
                     </a:r>
@@ -13405,15 +14691,17 @@
                               <a:srgbClr val="FEFEFE"/>
                             </a:solidFill>
                             <a:effectLst/>
+                            <a:latin typeface="Calibri"/>
                             <a:ea typeface="Times New Roman" panose="02020603050405020304" pitchFamily="18" charset="0"/>
-                            <a:cs typeface="Times New Roman" panose="02020603050405020304" pitchFamily="18" charset="0"/>
+                            <a:cs typeface="Calibri"/>
                           </a:rPr>
                           <a:t>Contact info</a:t>
                         </a:r>
                         <a:endParaRPr lang="en-US" sz="1200">
                           <a:effectLst/>
-                          <a:latin typeface="Times New Roman" panose="02020603050405020304" pitchFamily="18" charset="0"/>
+                          <a:latin typeface="Calibri"/>
                           <a:ea typeface="Times New Roman" panose="02020603050405020304" pitchFamily="18" charset="0"/>
+                          <a:cs typeface="Calibri"/>
                         </a:endParaRPr>
                       </a:p>
                     </p:txBody>
@@ -13463,7 +14751,10 @@
                       </a:bodyPr>
                       <a:lstStyle/>
                       <a:p>
-                        <a:endParaRPr lang="en-US"/>
+                        <a:endParaRPr lang="en-US">
+                          <a:latin typeface="Calibri"/>
+                          <a:cs typeface="Calibri"/>
+                        </a:endParaRPr>
                       </a:p>
                     </p:txBody>
                   </p:sp>
@@ -13541,7 +14832,10 @@
                         </a:bodyPr>
                         <a:lstStyle/>
                         <a:p>
-                          <a:endParaRPr lang="en-US"/>
+                          <a:endParaRPr lang="en-US">
+                            <a:latin typeface="Calibri"/>
+                            <a:cs typeface="Calibri"/>
+                          </a:endParaRPr>
                         </a:p>
                       </p:txBody>
                     </p:sp>
@@ -13585,9 +14879,9 @@
                                 <a:srgbClr val="2E75B6"/>
                               </a:solidFill>
                               <a:effectLst/>
-                              <a:latin typeface="Times New Roman" panose="02020603050405020304" pitchFamily="18" charset="0"/>
+                              <a:latin typeface="Calibri"/>
                               <a:ea typeface="Times New Roman" panose="02020603050405020304" pitchFamily="18" charset="0"/>
-                              <a:cs typeface="Times New Roman" panose="02020603050405020304" pitchFamily="18" charset="0"/>
+                              <a:cs typeface="Calibri"/>
                             </a:rPr>
                             <a:t>111/222 Tieu La street, Ward </a:t>
                           </a:r>
@@ -13597,9 +14891,9 @@
                                 <a:srgbClr val="2E75B6"/>
                               </a:solidFill>
                               <a:effectLst/>
-                              <a:latin typeface="Times New Roman" panose="02020603050405020304" pitchFamily="18" charset="0"/>
+                              <a:latin typeface="Calibri"/>
                               <a:ea typeface="Times New Roman" panose="02020603050405020304" pitchFamily="18" charset="0"/>
-                              <a:cs typeface="Times New Roman" panose="02020603050405020304" pitchFamily="18" charset="0"/>
+                              <a:cs typeface="Calibri"/>
                             </a:rPr>
                             <a:t>Dakao</a:t>
                           </a:r>
@@ -13609,17 +14903,17 @@
                                 <a:srgbClr val="2E75B6"/>
                               </a:solidFill>
                               <a:effectLst/>
-                              <a:latin typeface="Times New Roman" panose="02020603050405020304" pitchFamily="18" charset="0"/>
+                              <a:latin typeface="Calibri"/>
                               <a:ea typeface="Times New Roman" panose="02020603050405020304" pitchFamily="18" charset="0"/>
-                              <a:cs typeface="Times New Roman" panose="02020603050405020304" pitchFamily="18" charset="0"/>
+                              <a:cs typeface="Calibri"/>
                             </a:rPr>
                             <a:t>, District 1</a:t>
                           </a:r>
                           <a:endParaRPr lang="en-US" sz="1200" dirty="0">
                             <a:effectLst/>
-                            <a:latin typeface="Times New Roman" panose="02020603050405020304" pitchFamily="18" charset="0"/>
+                            <a:latin typeface="Calibri"/>
                             <a:ea typeface="Times New Roman" panose="02020603050405020304" pitchFamily="18" charset="0"/>
-                            <a:cs typeface="Times New Roman" panose="02020603050405020304" pitchFamily="18" charset="0"/>
+                            <a:cs typeface="Calibri"/>
                           </a:endParaRPr>
                         </a:p>
                       </p:txBody>
@@ -13701,9 +14995,9 @@
                                 <a:srgbClr val="2E75B6"/>
                               </a:solidFill>
                               <a:effectLst/>
-                              <a:latin typeface="Times New Roman" panose="02020603050405020304" pitchFamily="18" charset="0"/>
+                              <a:latin typeface="Calibri"/>
                               <a:ea typeface="Times New Roman" panose="02020603050405020304" pitchFamily="18" charset="0"/>
-                              <a:cs typeface="Times New Roman" panose="02020603050405020304" pitchFamily="18" charset="0"/>
+                              <a:cs typeface="Calibri"/>
                             </a:rPr>
                             <a:t>Ho</a:t>
                           </a:r>
@@ -13713,17 +15007,17 @@
                                 <a:srgbClr val="2E75B6"/>
                               </a:solidFill>
                               <a:effectLst/>
-                              <a:latin typeface="Times New Roman" panose="02020603050405020304" pitchFamily="18" charset="0"/>
+                              <a:latin typeface="Calibri"/>
                               <a:ea typeface="Times New Roman" panose="02020603050405020304" pitchFamily="18" charset="0"/>
-                              <a:cs typeface="Times New Roman" panose="02020603050405020304" pitchFamily="18" charset="0"/>
+                              <a:cs typeface="Calibri"/>
                             </a:rPr>
                             <a:t> Chi Minh</a:t>
                           </a:r>
                           <a:endParaRPr lang="en-US" sz="1200" dirty="0">
                             <a:effectLst/>
-                            <a:latin typeface="Times New Roman" panose="02020603050405020304" pitchFamily="18" charset="0"/>
+                            <a:latin typeface="Calibri"/>
                             <a:ea typeface="Times New Roman" panose="02020603050405020304" pitchFamily="18" charset="0"/>
-                            <a:cs typeface="Times New Roman" panose="02020603050405020304" pitchFamily="18" charset="0"/>
+                            <a:cs typeface="Calibri"/>
                           </a:endParaRPr>
                         </a:p>
                       </p:txBody>
@@ -13775,7 +15069,10 @@
                         </a:bodyPr>
                         <a:lstStyle/>
                         <a:p>
-                          <a:endParaRPr lang="en-US"/>
+                          <a:endParaRPr lang="en-US">
+                            <a:latin typeface="Calibri"/>
+                            <a:cs typeface="Calibri"/>
+                          </a:endParaRPr>
                         </a:p>
                       </p:txBody>
                     </p:sp>
@@ -13832,23 +15129,23 @@
                           </a:spcAft>
                         </a:pPr>
                         <a:r>
-                          <a:rPr lang="en-US" sz="1200" b="1" dirty="0" smtClean="0">
+                          <a:rPr lang="en-US" sz="1200" dirty="0" smtClean="0">
                             <a:solidFill>
                               <a:srgbClr val="2E75B6"/>
                             </a:solidFill>
-                            <a:latin typeface="Times New Roman" panose="02020603050405020304" pitchFamily="18" charset="0"/>
+                            <a:latin typeface="Calibri"/>
                             <a:ea typeface="Calibri" panose="020F0502020204030204" pitchFamily="34" charset="0"/>
-                            <a:cs typeface="Times New Roman" panose="02020603050405020304" pitchFamily="18" charset="0"/>
+                            <a:cs typeface="Calibri"/>
                           </a:rPr>
                           <a:t>Address</a:t>
                         </a:r>
-                        <a:endParaRPr lang="en-US" sz="1200" b="1" dirty="0">
+                        <a:endParaRPr lang="en-US" sz="1200" dirty="0">
                           <a:solidFill>
                             <a:srgbClr val="2E75B6"/>
                           </a:solidFill>
-                          <a:latin typeface="Times New Roman" panose="02020603050405020304" pitchFamily="18" charset="0"/>
+                          <a:latin typeface="Calibri"/>
                           <a:ea typeface="Calibri" panose="020F0502020204030204" pitchFamily="34" charset="0"/>
-                          <a:cs typeface="Times New Roman" panose="02020603050405020304" pitchFamily="18" charset="0"/>
+                          <a:cs typeface="Calibri"/>
                         </a:endParaRPr>
                       </a:p>
                     </p:txBody>
@@ -13905,13 +15202,13 @@
                           </a:spcAft>
                         </a:pPr>
                         <a:r>
-                          <a:rPr lang="en-US" sz="1200" b="1" dirty="0">
+                          <a:rPr lang="en-US" sz="1200" dirty="0">
                             <a:solidFill>
                               <a:srgbClr val="2E75B6"/>
                             </a:solidFill>
-                            <a:latin typeface="Times New Roman" panose="02020603050405020304" pitchFamily="18" charset="0"/>
+                            <a:latin typeface="Calibri"/>
                             <a:ea typeface="Calibri" panose="020F0502020204030204" pitchFamily="34" charset="0"/>
-                            <a:cs typeface="Times New Roman" panose="02020603050405020304" pitchFamily="18" charset="0"/>
+                            <a:cs typeface="Calibri"/>
                           </a:rPr>
                           <a:t>City</a:t>
                         </a:r>
@@ -13970,13 +15267,13 @@
                           </a:spcAft>
                         </a:pPr>
                         <a:r>
-                          <a:rPr lang="en-US" sz="1200" b="1" dirty="0">
+                          <a:rPr lang="en-US" sz="1200" dirty="0">
                             <a:solidFill>
                               <a:srgbClr val="2E75B6"/>
                             </a:solidFill>
-                            <a:latin typeface="Times New Roman" panose="02020603050405020304" pitchFamily="18" charset="0"/>
+                            <a:latin typeface="Calibri"/>
                             <a:ea typeface="Calibri" panose="020F0502020204030204" pitchFamily="34" charset="0"/>
-                            <a:cs typeface="Times New Roman" panose="02020603050405020304" pitchFamily="18" charset="0"/>
+                            <a:cs typeface="Calibri"/>
                           </a:rPr>
                           <a:t>Email</a:t>
                         </a:r>
@@ -14024,9 +15321,9 @@
                         <a:solidFill>
                           <a:srgbClr val="2E75B6"/>
                         </a:solidFill>
-                        <a:latin typeface="Times New Roman" panose="02020603050405020304" pitchFamily="18" charset="0"/>
+                        <a:latin typeface="Calibri"/>
                         <a:ea typeface="Times New Roman" panose="02020603050405020304" pitchFamily="18" charset="0"/>
-                        <a:cs typeface="Times New Roman" panose="02020603050405020304" pitchFamily="18" charset="0"/>
+                        <a:cs typeface="Calibri"/>
                       </a:rPr>
                       <a:t>boss@mulodo.com</a:t>
                     </a:r>
@@ -14034,9 +15331,9 @@
                       <a:solidFill>
                         <a:srgbClr val="2E75B6"/>
                       </a:solidFill>
-                      <a:latin typeface="Times New Roman" panose="02020603050405020304" pitchFamily="18" charset="0"/>
+                      <a:latin typeface="Calibri"/>
                       <a:ea typeface="Times New Roman" panose="02020603050405020304" pitchFamily="18" charset="0"/>
-                      <a:cs typeface="Times New Roman" panose="02020603050405020304" pitchFamily="18" charset="0"/>
+                      <a:cs typeface="Calibri"/>
                     </a:endParaRPr>
                   </a:p>
                 </p:txBody>
@@ -14093,13 +15390,13 @@
                       </a:spcAft>
                     </a:pPr>
                     <a:r>
-                      <a:rPr lang="en-US" sz="1200" b="1" dirty="0">
+                      <a:rPr lang="en-US" sz="1200" dirty="0">
                         <a:solidFill>
                           <a:srgbClr val="2E75B6"/>
                         </a:solidFill>
-                        <a:latin typeface="Times New Roman" panose="02020603050405020304" pitchFamily="18" charset="0"/>
+                        <a:latin typeface="Calibri"/>
                         <a:ea typeface="Calibri" panose="020F0502020204030204" pitchFamily="34" charset="0"/>
-                        <a:cs typeface="Times New Roman" panose="02020603050405020304" pitchFamily="18" charset="0"/>
+                        <a:cs typeface="Calibri"/>
                       </a:rPr>
                       <a:t>Mobile</a:t>
                     </a:r>
@@ -14146,9 +15443,9 @@
                           <a:srgbClr val="2E75B6"/>
                         </a:solidFill>
                         <a:effectLst/>
-                        <a:latin typeface="Times New Roman" panose="02020603050405020304" pitchFamily="18" charset="0"/>
+                        <a:latin typeface="Calibri"/>
                         <a:ea typeface="Times New Roman" panose="02020603050405020304" pitchFamily="18" charset="0"/>
-                        <a:cs typeface="Times New Roman" panose="02020603050405020304" pitchFamily="18" charset="0"/>
+                        <a:cs typeface="Calibri"/>
                       </a:rPr>
                       <a:t>0123 456 </a:t>
                     </a:r>
@@ -14157,9 +15454,9 @@
                         <a:solidFill>
                           <a:srgbClr val="2E75B6"/>
                         </a:solidFill>
-                        <a:latin typeface="Times New Roman" panose="02020603050405020304" pitchFamily="18" charset="0"/>
+                        <a:latin typeface="Calibri"/>
                         <a:ea typeface="Times New Roman" panose="02020603050405020304" pitchFamily="18" charset="0"/>
-                        <a:cs typeface="Times New Roman" panose="02020603050405020304" pitchFamily="18" charset="0"/>
+                        <a:cs typeface="Calibri"/>
                       </a:rPr>
                       <a:t>789</a:t>
                     </a:r>
@@ -14167,9 +15464,9 @@
                       <a:solidFill>
                         <a:srgbClr val="2E75B6"/>
                       </a:solidFill>
-                      <a:latin typeface="Times New Roman" panose="02020603050405020304" pitchFamily="18" charset="0"/>
+                      <a:latin typeface="Calibri"/>
                       <a:ea typeface="Times New Roman" panose="02020603050405020304" pitchFamily="18" charset="0"/>
-                      <a:cs typeface="Times New Roman" panose="02020603050405020304" pitchFamily="18" charset="0"/>
+                      <a:cs typeface="Calibri"/>
                     </a:endParaRPr>
                   </a:p>
                 </p:txBody>
@@ -14248,15 +15545,17 @@
                         <a:srgbClr val="FEFEFE"/>
                       </a:solidFill>
                       <a:effectLst/>
+                      <a:latin typeface="Calibri"/>
                       <a:ea typeface="Times New Roman" panose="02020603050405020304" pitchFamily="18" charset="0"/>
-                      <a:cs typeface="Times New Roman" panose="02020603050405020304" pitchFamily="18" charset="0"/>
+                      <a:cs typeface="Calibri"/>
                     </a:rPr>
                     <a:t>Comfirm</a:t>
                   </a:r>
                   <a:endParaRPr lang="en-US" sz="1200">
                     <a:effectLst/>
-                    <a:latin typeface="Times New Roman" panose="02020603050405020304" pitchFamily="18" charset="0"/>
+                    <a:latin typeface="Calibri"/>
                     <a:ea typeface="Times New Roman" panose="02020603050405020304" pitchFamily="18" charset="0"/>
+                    <a:cs typeface="Calibri"/>
                   </a:endParaRPr>
                 </a:p>
               </p:txBody>
@@ -14306,7 +15605,10 @@
                 </a:bodyPr>
                 <a:lstStyle/>
                 <a:p>
-                  <a:endParaRPr lang="en-US"/>
+                  <a:endParaRPr lang="en-US">
+                    <a:latin typeface="Calibri"/>
+                    <a:cs typeface="Calibri"/>
+                  </a:endParaRPr>
                 </a:p>
               </p:txBody>
             </p:sp>
@@ -14367,22 +15669,22 @@
                     </a:spcAft>
                   </a:pPr>
                   <a:r>
-                    <a:rPr lang="en-GB" sz="1200" b="1" kern="1200" dirty="0">
+                    <a:rPr lang="en-GB" sz="1200" kern="1200" dirty="0">
                       <a:solidFill>
                         <a:srgbClr val="5B9BD5"/>
                       </a:solidFill>
                       <a:effectLst/>
-                      <a:latin typeface="Times New Roman" panose="02020603050405020304" pitchFamily="18" charset="0"/>
+                      <a:latin typeface="Calibri"/>
                       <a:ea typeface="Times New Roman" panose="02020603050405020304" pitchFamily="18" charset="0"/>
-                      <a:cs typeface="Times New Roman" panose="02020603050405020304" pitchFamily="18" charset="0"/>
+                      <a:cs typeface="Calibri"/>
                     </a:rPr>
                     <a:t>OK</a:t>
                   </a:r>
                   <a:endParaRPr lang="en-US" sz="1200" dirty="0">
                     <a:effectLst/>
-                    <a:latin typeface="Times New Roman" panose="02020603050405020304" pitchFamily="18" charset="0"/>
+                    <a:latin typeface="Calibri"/>
                     <a:ea typeface="Times New Roman" panose="02020603050405020304" pitchFamily="18" charset="0"/>
-                    <a:cs typeface="Times New Roman" panose="02020603050405020304" pitchFamily="18" charset="0"/>
+                    <a:cs typeface="Calibri"/>
                   </a:endParaRPr>
                 </a:p>
               </p:txBody>
@@ -14447,22 +15749,22 @@
                     </a:spcAft>
                   </a:pPr>
                   <a:r>
-                    <a:rPr lang="en-GB" sz="1200" b="1" kern="1200" dirty="0">
+                    <a:rPr lang="en-GB" sz="1200" kern="1200" dirty="0">
                       <a:solidFill>
                         <a:srgbClr val="5B9BD5"/>
                       </a:solidFill>
                       <a:effectLst/>
-                      <a:latin typeface="Times New Roman" panose="02020603050405020304" pitchFamily="18" charset="0"/>
+                      <a:latin typeface="Calibri"/>
                       <a:ea typeface="Times New Roman" panose="02020603050405020304" pitchFamily="18" charset="0"/>
-                      <a:cs typeface="Times New Roman" panose="02020603050405020304" pitchFamily="18" charset="0"/>
+                      <a:cs typeface="Calibri"/>
                     </a:rPr>
                     <a:t>CANCEL</a:t>
                   </a:r>
                   <a:endParaRPr lang="en-US" sz="1200" dirty="0">
                     <a:effectLst/>
-                    <a:latin typeface="Times New Roman" panose="02020603050405020304" pitchFamily="18" charset="0"/>
+                    <a:latin typeface="Calibri"/>
                     <a:ea typeface="Times New Roman" panose="02020603050405020304" pitchFamily="18" charset="0"/>
-                    <a:cs typeface="Times New Roman" panose="02020603050405020304" pitchFamily="18" charset="0"/>
+                    <a:cs typeface="Calibri"/>
                   </a:endParaRPr>
                 </a:p>
               </p:txBody>
@@ -14478,7 +15780,7 @@
           <p:spPr>
             <a:xfrm>
               <a:off x="4339090" y="1483261"/>
-              <a:ext cx="492862" cy="369332"/>
+              <a:ext cx="492862" cy="389826"/>
             </a:xfrm>
             <a:prstGeom prst="rect">
               <a:avLst/>
@@ -14497,6 +15799,8 @@
                   <a:solidFill>
                     <a:srgbClr val="FF0000"/>
                   </a:solidFill>
+                  <a:latin typeface="Calibri"/>
+                  <a:cs typeface="Calibri"/>
                 </a:rPr>
                 <a:t>(1)</a:t>
               </a:r>
@@ -14504,6 +15808,8 @@
                 <a:solidFill>
                   <a:srgbClr val="FF0000"/>
                 </a:solidFill>
+                <a:latin typeface="Calibri"/>
+                <a:cs typeface="Calibri"/>
               </a:endParaRPr>
             </a:p>
           </p:txBody>
@@ -14517,7 +15823,7 @@
           <p:spPr>
             <a:xfrm>
               <a:off x="4336942" y="1841725"/>
-              <a:ext cx="492862" cy="369332"/>
+              <a:ext cx="492862" cy="389826"/>
             </a:xfrm>
             <a:prstGeom prst="rect">
               <a:avLst/>
@@ -14536,6 +15842,8 @@
                   <a:solidFill>
                     <a:srgbClr val="FF0000"/>
                   </a:solidFill>
+                  <a:latin typeface="Calibri"/>
+                  <a:cs typeface="Calibri"/>
                 </a:rPr>
                 <a:t>(2)</a:t>
               </a:r>
@@ -14543,6 +15851,8 @@
                 <a:solidFill>
                   <a:srgbClr val="FF0000"/>
                 </a:solidFill>
+                <a:latin typeface="Calibri"/>
+                <a:cs typeface="Calibri"/>
               </a:endParaRPr>
             </a:p>
           </p:txBody>
@@ -14556,7 +15866,7 @@
           <p:spPr>
             <a:xfrm>
               <a:off x="2355740" y="2174811"/>
-              <a:ext cx="492862" cy="369332"/>
+              <a:ext cx="492862" cy="389826"/>
             </a:xfrm>
             <a:prstGeom prst="rect">
               <a:avLst/>
@@ -14575,6 +15885,8 @@
                   <a:solidFill>
                     <a:srgbClr val="FF0000"/>
                   </a:solidFill>
+                  <a:latin typeface="Calibri"/>
+                  <a:cs typeface="Calibri"/>
                 </a:rPr>
                 <a:t>(3)</a:t>
               </a:r>
@@ -14582,6 +15894,8 @@
                 <a:solidFill>
                   <a:srgbClr val="FF0000"/>
                 </a:solidFill>
+                <a:latin typeface="Calibri"/>
+                <a:cs typeface="Calibri"/>
               </a:endParaRPr>
             </a:p>
           </p:txBody>
@@ -14595,7 +15909,7 @@
           <p:spPr>
             <a:xfrm>
               <a:off x="3643673" y="2430816"/>
-              <a:ext cx="492862" cy="369332"/>
+              <a:ext cx="492862" cy="389826"/>
             </a:xfrm>
             <a:prstGeom prst="rect">
               <a:avLst/>
@@ -14614,6 +15928,8 @@
                   <a:solidFill>
                     <a:srgbClr val="FF0000"/>
                   </a:solidFill>
+                  <a:latin typeface="Calibri"/>
+                  <a:cs typeface="Calibri"/>
                 </a:rPr>
                 <a:t>(4)</a:t>
               </a:r>
@@ -14621,6 +15937,8 @@
                 <a:solidFill>
                   <a:srgbClr val="FF0000"/>
                 </a:solidFill>
+                <a:latin typeface="Calibri"/>
+                <a:cs typeface="Calibri"/>
               </a:endParaRPr>
             </a:p>
           </p:txBody>
@@ -14634,7 +15952,7 @@
           <p:spPr>
             <a:xfrm>
               <a:off x="5761886" y="1527365"/>
-              <a:ext cx="492862" cy="369332"/>
+              <a:ext cx="492862" cy="389826"/>
             </a:xfrm>
             <a:prstGeom prst="rect">
               <a:avLst/>
@@ -14653,6 +15971,8 @@
                   <a:solidFill>
                     <a:srgbClr val="FF0000"/>
                   </a:solidFill>
+                  <a:latin typeface="Calibri"/>
+                  <a:cs typeface="Calibri"/>
                 </a:rPr>
                 <a:t>(5)</a:t>
               </a:r>
@@ -14660,6 +15980,8 @@
                 <a:solidFill>
                   <a:srgbClr val="FF0000"/>
                 </a:solidFill>
+                <a:latin typeface="Calibri"/>
+                <a:cs typeface="Calibri"/>
               </a:endParaRPr>
             </a:p>
           </p:txBody>
@@ -14673,7 +15995,7 @@
           <p:spPr>
             <a:xfrm>
               <a:off x="4336942" y="3860622"/>
-              <a:ext cx="492862" cy="369332"/>
+              <a:ext cx="492862" cy="389826"/>
             </a:xfrm>
             <a:prstGeom prst="rect">
               <a:avLst/>
@@ -14692,6 +16014,8 @@
                   <a:solidFill>
                     <a:srgbClr val="FF0000"/>
                   </a:solidFill>
+                  <a:latin typeface="Calibri"/>
+                  <a:cs typeface="Calibri"/>
                 </a:rPr>
                 <a:t>(7)</a:t>
               </a:r>
@@ -14699,6 +16023,8 @@
                 <a:solidFill>
                   <a:srgbClr val="FF0000"/>
                 </a:solidFill>
+                <a:latin typeface="Calibri"/>
+                <a:cs typeface="Calibri"/>
               </a:endParaRPr>
             </a:p>
           </p:txBody>
@@ -14712,7 +16038,7 @@
           <p:spPr>
             <a:xfrm>
               <a:off x="2367113" y="4158053"/>
-              <a:ext cx="492862" cy="369332"/>
+              <a:ext cx="492862" cy="389826"/>
             </a:xfrm>
             <a:prstGeom prst="rect">
               <a:avLst/>
@@ -14731,6 +16057,8 @@
                   <a:solidFill>
                     <a:srgbClr val="FF0000"/>
                   </a:solidFill>
+                  <a:latin typeface="Calibri"/>
+                  <a:cs typeface="Calibri"/>
                 </a:rPr>
                 <a:t>(8)</a:t>
               </a:r>
@@ -14738,6 +16066,8 @@
                 <a:solidFill>
                   <a:srgbClr val="FF0000"/>
                 </a:solidFill>
+                <a:latin typeface="Calibri"/>
+                <a:cs typeface="Calibri"/>
               </a:endParaRPr>
             </a:p>
           </p:txBody>
@@ -14751,7 +16081,7 @@
           <p:spPr>
             <a:xfrm>
               <a:off x="4422556" y="4456525"/>
-              <a:ext cx="492862" cy="369332"/>
+              <a:ext cx="492862" cy="389826"/>
             </a:xfrm>
             <a:prstGeom prst="rect">
               <a:avLst/>
@@ -14770,6 +16100,8 @@
                   <a:solidFill>
                     <a:srgbClr val="FF0000"/>
                   </a:solidFill>
+                  <a:latin typeface="Calibri"/>
+                  <a:cs typeface="Calibri"/>
                 </a:rPr>
                 <a:t>(9)</a:t>
               </a:r>
@@ -14777,6 +16109,8 @@
                 <a:solidFill>
                   <a:srgbClr val="FF0000"/>
                 </a:solidFill>
+                <a:latin typeface="Calibri"/>
+                <a:cs typeface="Calibri"/>
               </a:endParaRPr>
             </a:p>
           </p:txBody>
@@ -14790,7 +16124,7 @@
           <p:spPr>
             <a:xfrm>
               <a:off x="2144279" y="6080859"/>
-              <a:ext cx="593454" cy="369332"/>
+              <a:ext cx="593454" cy="389826"/>
             </a:xfrm>
             <a:prstGeom prst="rect">
               <a:avLst/>
@@ -14809,6 +16143,8 @@
                   <a:solidFill>
                     <a:srgbClr val="FF0000"/>
                   </a:solidFill>
+                  <a:latin typeface="Calibri"/>
+                  <a:cs typeface="Calibri"/>
                 </a:rPr>
                 <a:t>(11)</a:t>
               </a:r>
@@ -14816,6 +16152,8 @@
                 <a:solidFill>
                   <a:srgbClr val="FF0000"/>
                 </a:solidFill>
+                <a:latin typeface="Calibri"/>
+                <a:cs typeface="Calibri"/>
               </a:endParaRPr>
             </a:p>
           </p:txBody>
@@ -14829,7 +16167,7 @@
           <p:spPr>
             <a:xfrm>
               <a:off x="3959070" y="6091904"/>
-              <a:ext cx="593454" cy="369332"/>
+              <a:ext cx="593454" cy="389826"/>
             </a:xfrm>
             <a:prstGeom prst="rect">
               <a:avLst/>
@@ -14848,6 +16186,8 @@
                   <a:solidFill>
                     <a:srgbClr val="FF0000"/>
                   </a:solidFill>
+                  <a:latin typeface="Calibri"/>
+                  <a:cs typeface="Calibri"/>
                 </a:rPr>
                 <a:t>(12)</a:t>
               </a:r>
@@ -14855,6 +16195,8 @@
                 <a:solidFill>
                   <a:srgbClr val="FF0000"/>
                 </a:solidFill>
+                <a:latin typeface="Calibri"/>
+                <a:cs typeface="Calibri"/>
               </a:endParaRPr>
             </a:p>
           </p:txBody>
@@ -14868,7 +16210,7 @@
           <p:spPr>
             <a:xfrm>
               <a:off x="5751550" y="2427984"/>
-              <a:ext cx="492862" cy="369332"/>
+              <a:ext cx="492862" cy="389826"/>
             </a:xfrm>
             <a:prstGeom prst="rect">
               <a:avLst/>
@@ -14887,6 +16229,8 @@
                   <a:solidFill>
                     <a:srgbClr val="FF0000"/>
                   </a:solidFill>
+                  <a:latin typeface="Calibri"/>
+                  <a:cs typeface="Calibri"/>
                 </a:rPr>
                 <a:t>(6)</a:t>
               </a:r>
@@ -14894,6 +16238,8 @@
                 <a:solidFill>
                   <a:srgbClr val="FF0000"/>
                 </a:solidFill>
+                <a:latin typeface="Calibri"/>
+                <a:cs typeface="Calibri"/>
               </a:endParaRPr>
             </a:p>
           </p:txBody>
@@ -14907,7 +16253,7 @@
           <p:spPr>
             <a:xfrm>
               <a:off x="4236350" y="4829209"/>
-              <a:ext cx="593454" cy="369332"/>
+              <a:ext cx="593454" cy="389826"/>
             </a:xfrm>
             <a:prstGeom prst="rect">
               <a:avLst/>
@@ -14926,6 +16272,8 @@
                   <a:solidFill>
                     <a:srgbClr val="FF0000"/>
                   </a:solidFill>
+                  <a:latin typeface="Calibri"/>
+                  <a:cs typeface="Calibri"/>
                 </a:rPr>
                 <a:t>(10)</a:t>
               </a:r>
@@ -14933,6 +16281,8 @@
                 <a:solidFill>
                   <a:srgbClr val="FF0000"/>
                 </a:solidFill>
+                <a:latin typeface="Calibri"/>
+                <a:cs typeface="Calibri"/>
               </a:endParaRPr>
             </a:p>
           </p:txBody>
@@ -14946,7 +16296,7 @@
           <p:spPr>
             <a:xfrm>
               <a:off x="4040340" y="785606"/>
-              <a:ext cx="2391324" cy="369332"/>
+              <a:ext cx="2391324" cy="389826"/>
             </a:xfrm>
             <a:prstGeom prst="rect">
               <a:avLst/>
@@ -14961,17 +16311,21 @@
             <a:p>
               <a:pPr algn="ctr"/>
               <a:r>
-                <a:rPr lang="en-GB" b="1" i="1" u="sng" dirty="0" smtClean="0">
+                <a:rPr lang="en-GB" u="sng" dirty="0" smtClean="0">
                   <a:solidFill>
                     <a:srgbClr val="0070C0"/>
                   </a:solidFill>
+                  <a:latin typeface="Calibri"/>
+                  <a:cs typeface="Calibri"/>
                 </a:rPr>
                 <a:t>Message for updating</a:t>
               </a:r>
-              <a:endParaRPr lang="en-US" b="1" i="1" u="sng" dirty="0">
+              <a:endParaRPr lang="en-US" u="sng" dirty="0">
                 <a:solidFill>
                   <a:srgbClr val="0070C0"/>
                 </a:solidFill>
+                <a:latin typeface="Calibri"/>
+                <a:cs typeface="Calibri"/>
               </a:endParaRPr>
             </a:p>
           </p:txBody>
@@ -14985,7 +16339,7 @@
           <p:spPr>
             <a:xfrm>
               <a:off x="3743613" y="795665"/>
-              <a:ext cx="593454" cy="369332"/>
+              <a:ext cx="593454" cy="389826"/>
             </a:xfrm>
             <a:prstGeom prst="rect">
               <a:avLst/>
@@ -15004,6 +16358,8 @@
                   <a:solidFill>
                     <a:srgbClr val="FF0000"/>
                   </a:solidFill>
+                  <a:latin typeface="Calibri"/>
+                  <a:cs typeface="Calibri"/>
                 </a:rPr>
                 <a:t>(13)</a:t>
               </a:r>
@@ -15011,6 +16367,8 @@
                 <a:solidFill>
                   <a:srgbClr val="FF0000"/>
                 </a:solidFill>
+                <a:latin typeface="Calibri"/>
+                <a:cs typeface="Calibri"/>
               </a:endParaRPr>
             </a:p>
           </p:txBody>
@@ -15029,7 +16387,7 @@
 </p:sld>
 </file>
 
-<file path=ppt/slides/slide6.xml><?xml version="1.0" encoding="utf-8"?>
+<file path=ppt/slides/slide7.xml><?xml version="1.0" encoding="utf-8"?>
 <p:sld xmlns:a="http://schemas.openxmlformats.org/drawingml/2006/main" xmlns:r="http://schemas.openxmlformats.org/officeDocument/2006/relationships" xmlns:p="http://schemas.openxmlformats.org/presentationml/2006/main">
   <p:cSld>
     <p:spTree>
@@ -15084,28 +16442,21 @@
             <a:p>
               <a:r>
                 <a:rPr lang="en-US" b="1" dirty="0">
-                  <a:latin typeface="Times New Roman" panose="02020603050405020304" pitchFamily="18" charset="0"/>
-                  <a:cs typeface="Times New Roman" panose="02020603050405020304" pitchFamily="18" charset="0"/>
+                  <a:latin typeface="Calibri (Body)"/>
+                  <a:cs typeface="Calibri (Body)"/>
                 </a:rPr>
-                <a:t>S-4-2 </a:t>
-              </a:r>
-              <a:r>
-                <a:rPr lang="en-US" b="1" dirty="0">
-                  <a:latin typeface="Times New Roman" panose="02020603050405020304" pitchFamily="18" charset="0"/>
-                  <a:cs typeface="Times New Roman" panose="02020603050405020304" pitchFamily="18" charset="0"/>
-                </a:rPr>
-                <a:t>Update </a:t>
+                <a:t>S-4-2 Update </a:t>
               </a:r>
               <a:r>
                 <a:rPr lang="en-US" b="1" dirty="0" smtClean="0">
-                  <a:latin typeface="Times New Roman" panose="02020603050405020304" pitchFamily="18" charset="0"/>
-                  <a:cs typeface="Times New Roman" panose="02020603050405020304" pitchFamily="18" charset="0"/>
+                  <a:latin typeface="Calibri (Body)"/>
+                  <a:cs typeface="Calibri (Body)"/>
                 </a:rPr>
                 <a:t>user info</a:t>
               </a:r>
               <a:endParaRPr lang="en-US" b="1" dirty="0">
-                <a:latin typeface="Times New Roman" panose="02020603050405020304" pitchFamily="18" charset="0"/>
-                <a:cs typeface="Times New Roman" panose="02020603050405020304" pitchFamily="18" charset="0"/>
+                <a:latin typeface="Calibri (Body)"/>
+                <a:cs typeface="Calibri (Body)"/>
               </a:endParaRPr>
             </a:p>
           </p:txBody>
@@ -15150,7 +16501,7 @@
           <p:nvPr>
             <p:extLst>
               <p:ext uri="{D42A27DB-BD31-4B8C-83A1-F6EECF244321}">
-                <p14:modId xmlns:p14="http://schemas.microsoft.com/office/powerpoint/2010/main" val="1699848867"/>
+                <p14:modId xmlns:p14="http://schemas.microsoft.com/office/powerpoint/2010/main" val="293882282"/>
               </p:ext>
             </p:extLst>
           </p:nvPr>
@@ -15167,8 +16518,8 @@
               </a:tblPr>
               <a:tblGrid>
                 <a:gridCol w="435568"/>
-                <a:gridCol w="778040"/>
-                <a:gridCol w="987527"/>
+                <a:gridCol w="946109"/>
+                <a:gridCol w="819458"/>
                 <a:gridCol w="4222442"/>
                 <a:gridCol w="2184400"/>
               </a:tblGrid>
@@ -15181,14 +16532,14 @@
                       <a:pPr algn="ctr"/>
                       <a:r>
                         <a:rPr lang="en-GB" sz="1100" b="1" dirty="0" smtClean="0">
-                          <a:latin typeface="Times New Roman" panose="02020603050405020304" pitchFamily="18" charset="0"/>
-                          <a:cs typeface="Times New Roman" panose="02020603050405020304" pitchFamily="18" charset="0"/>
+                          <a:latin typeface="Calibri (Body)"/>
+                          <a:cs typeface="Calibri (Body)"/>
                         </a:rPr>
                         <a:t>No</a:t>
                       </a:r>
                       <a:endParaRPr lang="en-US" sz="1100" b="1" dirty="0">
-                        <a:latin typeface="Times New Roman" panose="02020603050405020304" pitchFamily="18" charset="0"/>
-                        <a:cs typeface="Times New Roman" panose="02020603050405020304" pitchFamily="18" charset="0"/>
+                        <a:latin typeface="Calibri (Body)"/>
+                        <a:cs typeface="Calibri (Body)"/>
                       </a:endParaRPr>
                     </a:p>
                   </a:txBody>
@@ -15209,14 +16560,14 @@
                       <a:pPr algn="ctr"/>
                       <a:r>
                         <a:rPr lang="en-GB" sz="1100" b="1" dirty="0" smtClean="0">
-                          <a:latin typeface="Times New Roman" panose="02020603050405020304" pitchFamily="18" charset="0"/>
-                          <a:cs typeface="Times New Roman" panose="02020603050405020304" pitchFamily="18" charset="0"/>
+                          <a:latin typeface="Calibri (Body)"/>
+                          <a:cs typeface="Calibri (Body)"/>
                         </a:rPr>
                         <a:t>Content</a:t>
                       </a:r>
                       <a:endParaRPr lang="en-US" sz="1100" b="1" dirty="0">
-                        <a:latin typeface="Times New Roman" panose="02020603050405020304" pitchFamily="18" charset="0"/>
-                        <a:cs typeface="Times New Roman" panose="02020603050405020304" pitchFamily="18" charset="0"/>
+                        <a:latin typeface="Calibri (Body)"/>
+                        <a:cs typeface="Calibri (Body)"/>
                       </a:endParaRPr>
                     </a:p>
                   </a:txBody>
@@ -15237,14 +16588,14 @@
                       <a:pPr algn="ctr"/>
                       <a:r>
                         <a:rPr lang="en-GB" sz="1100" b="1" dirty="0" smtClean="0">
-                          <a:latin typeface="Times New Roman" panose="02020603050405020304" pitchFamily="18" charset="0"/>
-                          <a:cs typeface="Times New Roman" panose="02020603050405020304" pitchFamily="18" charset="0"/>
+                          <a:latin typeface="Calibri (Body)"/>
+                          <a:cs typeface="Calibri (Body)"/>
                         </a:rPr>
                         <a:t>Function</a:t>
                       </a:r>
                       <a:endParaRPr lang="en-US" sz="1100" b="1" dirty="0">
-                        <a:latin typeface="Times New Roman" panose="02020603050405020304" pitchFamily="18" charset="0"/>
-                        <a:cs typeface="Times New Roman" panose="02020603050405020304" pitchFamily="18" charset="0"/>
+                        <a:latin typeface="Calibri (Body)"/>
+                        <a:cs typeface="Calibri (Body)"/>
                       </a:endParaRPr>
                     </a:p>
                   </a:txBody>
@@ -15265,14 +16616,14 @@
                       <a:pPr algn="ctr"/>
                       <a:r>
                         <a:rPr lang="en-GB" sz="1100" b="1" dirty="0" smtClean="0">
-                          <a:latin typeface="Times New Roman" panose="02020603050405020304" pitchFamily="18" charset="0"/>
-                          <a:cs typeface="Times New Roman" panose="02020603050405020304" pitchFamily="18" charset="0"/>
+                          <a:latin typeface="Calibri (Body)"/>
+                          <a:cs typeface="Calibri (Body)"/>
                         </a:rPr>
                         <a:t>Detail/ Option</a:t>
                       </a:r>
                       <a:endParaRPr lang="en-US" sz="1100" b="1" dirty="0">
-                        <a:latin typeface="Times New Roman" panose="02020603050405020304" pitchFamily="18" charset="0"/>
-                        <a:cs typeface="Times New Roman" panose="02020603050405020304" pitchFamily="18" charset="0"/>
+                        <a:latin typeface="Calibri (Body)"/>
+                        <a:cs typeface="Calibri (Body)"/>
                       </a:endParaRPr>
                     </a:p>
                   </a:txBody>
@@ -15293,14 +16644,14 @@
                       <a:pPr algn="ctr"/>
                       <a:r>
                         <a:rPr lang="en-GB" sz="1100" b="1" dirty="0" smtClean="0">
-                          <a:latin typeface="Times New Roman" panose="02020603050405020304" pitchFamily="18" charset="0"/>
-                          <a:cs typeface="Times New Roman" panose="02020603050405020304" pitchFamily="18" charset="0"/>
+                          <a:latin typeface="Calibri (Body)"/>
+                          <a:cs typeface="Calibri (Body)"/>
                         </a:rPr>
                         <a:t>Go to</a:t>
                       </a:r>
                       <a:endParaRPr lang="en-US" sz="1100" b="1" dirty="0">
-                        <a:latin typeface="Times New Roman" panose="02020603050405020304" pitchFamily="18" charset="0"/>
-                        <a:cs typeface="Times New Roman" panose="02020603050405020304" pitchFamily="18" charset="0"/>
+                        <a:latin typeface="Calibri (Body)"/>
+                        <a:cs typeface="Calibri (Body)"/>
                       </a:endParaRPr>
                     </a:p>
                   </a:txBody>
@@ -15323,14 +16674,14 @@
                       <a:pPr algn="ctr"/>
                       <a:r>
                         <a:rPr lang="en-GB" sz="1100" b="1" dirty="0" smtClean="0">
-                          <a:latin typeface="Times New Roman" panose="02020603050405020304" pitchFamily="18" charset="0"/>
-                          <a:cs typeface="Times New Roman" panose="02020603050405020304" pitchFamily="18" charset="0"/>
+                          <a:latin typeface="Calibri (Body)"/>
+                          <a:cs typeface="Calibri (Body)"/>
                         </a:rPr>
                         <a:t>1</a:t>
                       </a:r>
                       <a:endParaRPr lang="en-US" sz="1100" b="1" dirty="0">
-                        <a:latin typeface="Times New Roman" panose="02020603050405020304" pitchFamily="18" charset="0"/>
-                        <a:cs typeface="Times New Roman" panose="02020603050405020304" pitchFamily="18" charset="0"/>
+                        <a:latin typeface="Calibri (Body)"/>
+                        <a:cs typeface="Calibri (Body)"/>
                       </a:endParaRPr>
                     </a:p>
                   </a:txBody>
@@ -15344,14 +16695,14 @@
                       <a:pPr algn="ctr"/>
                       <a:r>
                         <a:rPr lang="en-GB" sz="1100" dirty="0" smtClean="0">
-                          <a:latin typeface="Times New Roman" panose="02020603050405020304" pitchFamily="18" charset="0"/>
-                          <a:cs typeface="Times New Roman" panose="02020603050405020304" pitchFamily="18" charset="0"/>
+                          <a:latin typeface="Calibri (Body)"/>
+                          <a:cs typeface="Calibri (Body)"/>
                         </a:rPr>
                         <a:t>First name</a:t>
                       </a:r>
                       <a:endParaRPr lang="en-US" sz="1100" dirty="0">
-                        <a:latin typeface="Times New Roman" panose="02020603050405020304" pitchFamily="18" charset="0"/>
-                        <a:cs typeface="Times New Roman" panose="02020603050405020304" pitchFamily="18" charset="0"/>
+                        <a:latin typeface="Calibri (Body)"/>
+                        <a:cs typeface="Calibri (Body)"/>
                       </a:endParaRPr>
                     </a:p>
                   </a:txBody>
@@ -15363,8 +16714,8 @@
                     <a:lstStyle/>
                     <a:p>
                       <a:endParaRPr lang="en-US" sz="1100">
-                        <a:latin typeface="Times New Roman" panose="02020603050405020304" pitchFamily="18" charset="0"/>
-                        <a:cs typeface="Times New Roman" panose="02020603050405020304" pitchFamily="18" charset="0"/>
+                        <a:latin typeface="Calibri (Body)"/>
+                        <a:cs typeface="Calibri (Body)"/>
                       </a:endParaRPr>
                     </a:p>
                   </a:txBody>
@@ -15377,21 +16728,21 @@
                     <a:p>
                       <a:r>
                         <a:rPr lang="en-GB" sz="1100" dirty="0" smtClean="0">
-                          <a:latin typeface="Times New Roman" panose="02020603050405020304" pitchFamily="18" charset="0"/>
-                          <a:cs typeface="Times New Roman" panose="02020603050405020304" pitchFamily="18" charset="0"/>
+                          <a:latin typeface="Calibri (Body)"/>
+                          <a:cs typeface="Calibri (Body)"/>
                         </a:rPr>
                         <a:t>Display user’</a:t>
                       </a:r>
                       <a:r>
                         <a:rPr lang="en-GB" sz="1100" baseline="0" dirty="0" smtClean="0">
-                          <a:latin typeface="Times New Roman" panose="02020603050405020304" pitchFamily="18" charset="0"/>
-                          <a:cs typeface="Times New Roman" panose="02020603050405020304" pitchFamily="18" charset="0"/>
+                          <a:latin typeface="Calibri (Body)"/>
+                          <a:cs typeface="Calibri (Body)"/>
                         </a:rPr>
                         <a:t> s  current first name.</a:t>
                       </a:r>
                       <a:endParaRPr lang="en-US" sz="1100" dirty="0">
-                        <a:latin typeface="Times New Roman" panose="02020603050405020304" pitchFamily="18" charset="0"/>
-                        <a:cs typeface="Times New Roman" panose="02020603050405020304" pitchFamily="18" charset="0"/>
+                        <a:latin typeface="Calibri (Body)"/>
+                        <a:cs typeface="Calibri (Body)"/>
                       </a:endParaRPr>
                     </a:p>
                   </a:txBody>
@@ -15403,8 +16754,8 @@
                     <a:lstStyle/>
                     <a:p>
                       <a:endParaRPr lang="en-US" sz="1100">
-                        <a:latin typeface="Times New Roman" panose="02020603050405020304" pitchFamily="18" charset="0"/>
-                        <a:cs typeface="Times New Roman" panose="02020603050405020304" pitchFamily="18" charset="0"/>
+                        <a:latin typeface="Calibri (Body)"/>
+                        <a:cs typeface="Calibri (Body)"/>
                       </a:endParaRPr>
                     </a:p>
                   </a:txBody>
@@ -15423,9 +16774,9 @@
                           <a:solidFill>
                             <a:schemeClr val="tx1"/>
                           </a:solidFill>
-                          <a:latin typeface="Times New Roman" panose="02020603050405020304" pitchFamily="18" charset="0"/>
+                          <a:latin typeface="Calibri (Body)"/>
                           <a:ea typeface="+mn-ea"/>
-                          <a:cs typeface="Times New Roman" panose="02020603050405020304" pitchFamily="18" charset="0"/>
+                          <a:cs typeface="Calibri (Body)"/>
                         </a:rPr>
                         <a:t>2</a:t>
                       </a:r>
@@ -15433,9 +16784,9 @@
                         <a:solidFill>
                           <a:schemeClr val="tx1"/>
                         </a:solidFill>
-                        <a:latin typeface="Times New Roman" panose="02020603050405020304" pitchFamily="18" charset="0"/>
+                        <a:latin typeface="Calibri (Body)"/>
                         <a:ea typeface="+mn-ea"/>
-                        <a:cs typeface="Times New Roman" panose="02020603050405020304" pitchFamily="18" charset="0"/>
+                        <a:cs typeface="Calibri (Body)"/>
                       </a:endParaRPr>
                     </a:p>
                   </a:txBody>
@@ -15449,21 +16800,21 @@
                       <a:pPr algn="ctr"/>
                       <a:r>
                         <a:rPr lang="en-GB" sz="1100" dirty="0" smtClean="0">
-                          <a:latin typeface="Times New Roman" panose="02020603050405020304" pitchFamily="18" charset="0"/>
-                          <a:cs typeface="Times New Roman" panose="02020603050405020304" pitchFamily="18" charset="0"/>
+                          <a:latin typeface="Calibri (Body)"/>
+                          <a:cs typeface="Calibri (Body)"/>
                         </a:rPr>
                         <a:t>Last</a:t>
                       </a:r>
                       <a:r>
                         <a:rPr lang="en-GB" sz="1100" baseline="0" dirty="0" smtClean="0">
-                          <a:latin typeface="Times New Roman" panose="02020603050405020304" pitchFamily="18" charset="0"/>
-                          <a:cs typeface="Times New Roman" panose="02020603050405020304" pitchFamily="18" charset="0"/>
+                          <a:latin typeface="Calibri (Body)"/>
+                          <a:cs typeface="Calibri (Body)"/>
                         </a:rPr>
                         <a:t> name</a:t>
                       </a:r>
                       <a:endParaRPr lang="en-US" sz="1100" dirty="0">
-                        <a:latin typeface="Times New Roman" panose="02020603050405020304" pitchFamily="18" charset="0"/>
-                        <a:cs typeface="Times New Roman" panose="02020603050405020304" pitchFamily="18" charset="0"/>
+                        <a:latin typeface="Calibri (Body)"/>
+                        <a:cs typeface="Calibri (Body)"/>
                       </a:endParaRPr>
                     </a:p>
                   </a:txBody>
@@ -15475,8 +16826,8 @@
                     <a:lstStyle/>
                     <a:p>
                       <a:endParaRPr lang="en-US" sz="1100" dirty="0">
-                        <a:latin typeface="Times New Roman" panose="02020603050405020304" pitchFamily="18" charset="0"/>
-                        <a:cs typeface="Times New Roman" panose="02020603050405020304" pitchFamily="18" charset="0"/>
+                        <a:latin typeface="Calibri (Body)"/>
+                        <a:cs typeface="Calibri (Body)"/>
                       </a:endParaRPr>
                     </a:p>
                   </a:txBody>
@@ -15506,27 +16857,27 @@
                       </a:pPr>
                       <a:r>
                         <a:rPr lang="en-GB" sz="1100" dirty="0" smtClean="0">
-                          <a:latin typeface="Times New Roman" panose="02020603050405020304" pitchFamily="18" charset="0"/>
-                          <a:cs typeface="Times New Roman" panose="02020603050405020304" pitchFamily="18" charset="0"/>
+                          <a:latin typeface="Calibri (Body)"/>
+                          <a:cs typeface="Calibri (Body)"/>
                         </a:rPr>
                         <a:t>Display user’</a:t>
                       </a:r>
                       <a:r>
                         <a:rPr lang="en-GB" sz="1100" baseline="0" dirty="0" smtClean="0">
-                          <a:latin typeface="Times New Roman" panose="02020603050405020304" pitchFamily="18" charset="0"/>
-                          <a:cs typeface="Times New Roman" panose="02020603050405020304" pitchFamily="18" charset="0"/>
+                          <a:latin typeface="Calibri (Body)"/>
+                          <a:cs typeface="Calibri (Body)"/>
                         </a:rPr>
                         <a:t> s  current last name.</a:t>
                       </a:r>
                       <a:endParaRPr lang="en-US" sz="1100" dirty="0" smtClean="0">
-                        <a:latin typeface="Times New Roman" panose="02020603050405020304" pitchFamily="18" charset="0"/>
-                        <a:cs typeface="Times New Roman" panose="02020603050405020304" pitchFamily="18" charset="0"/>
+                        <a:latin typeface="Calibri (Body)"/>
+                        <a:cs typeface="Calibri (Body)"/>
                       </a:endParaRPr>
                     </a:p>
                     <a:p>
                       <a:endParaRPr lang="en-US" sz="1100" dirty="0">
-                        <a:latin typeface="Times New Roman" panose="02020603050405020304" pitchFamily="18" charset="0"/>
-                        <a:cs typeface="Times New Roman" panose="02020603050405020304" pitchFamily="18" charset="0"/>
+                        <a:latin typeface="Calibri (Body)"/>
+                        <a:cs typeface="Calibri (Body)"/>
                       </a:endParaRPr>
                     </a:p>
                   </a:txBody>
@@ -15538,8 +16889,8 @@
                     <a:lstStyle/>
                     <a:p>
                       <a:endParaRPr lang="en-US" sz="1100">
-                        <a:latin typeface="Times New Roman" panose="02020603050405020304" pitchFamily="18" charset="0"/>
-                        <a:cs typeface="Times New Roman" panose="02020603050405020304" pitchFamily="18" charset="0"/>
+                        <a:latin typeface="Calibri (Body)"/>
+                        <a:cs typeface="Calibri (Body)"/>
                       </a:endParaRPr>
                     </a:p>
                   </a:txBody>
@@ -15558,9 +16909,9 @@
                           <a:solidFill>
                             <a:schemeClr val="tx1"/>
                           </a:solidFill>
-                          <a:latin typeface="Times New Roman" panose="02020603050405020304" pitchFamily="18" charset="0"/>
+                          <a:latin typeface="Calibri (Body)"/>
                           <a:ea typeface="+mn-ea"/>
-                          <a:cs typeface="Times New Roman" panose="02020603050405020304" pitchFamily="18" charset="0"/>
+                          <a:cs typeface="Calibri (Body)"/>
                         </a:rPr>
                         <a:t>3</a:t>
                       </a:r>
@@ -15568,9 +16919,9 @@
                         <a:solidFill>
                           <a:schemeClr val="tx1"/>
                         </a:solidFill>
-                        <a:latin typeface="Times New Roman" panose="02020603050405020304" pitchFamily="18" charset="0"/>
+                        <a:latin typeface="Calibri (Body)"/>
                         <a:ea typeface="+mn-ea"/>
-                        <a:cs typeface="Times New Roman" panose="02020603050405020304" pitchFamily="18" charset="0"/>
+                        <a:cs typeface="Calibri (Body)"/>
                       </a:endParaRPr>
                     </a:p>
                   </a:txBody>
@@ -15584,14 +16935,14 @@
                       <a:pPr algn="ctr"/>
                       <a:r>
                         <a:rPr lang="en-GB" sz="1100" dirty="0" smtClean="0">
-                          <a:latin typeface="Times New Roman" panose="02020603050405020304" pitchFamily="18" charset="0"/>
-                          <a:cs typeface="Times New Roman" panose="02020603050405020304" pitchFamily="18" charset="0"/>
+                          <a:latin typeface="Calibri (Body)"/>
+                          <a:cs typeface="Calibri (Body)"/>
                         </a:rPr>
                         <a:t>Gender</a:t>
                       </a:r>
                       <a:endParaRPr lang="en-US" sz="1100" dirty="0">
-                        <a:latin typeface="Times New Roman" panose="02020603050405020304" pitchFamily="18" charset="0"/>
-                        <a:cs typeface="Times New Roman" panose="02020603050405020304" pitchFamily="18" charset="0"/>
+                        <a:latin typeface="Calibri (Body)"/>
+                        <a:cs typeface="Calibri (Body)"/>
                       </a:endParaRPr>
                     </a:p>
                   </a:txBody>
@@ -15603,8 +16954,8 @@
                     <a:lstStyle/>
                     <a:p>
                       <a:endParaRPr lang="en-US" sz="1100" dirty="0">
-                        <a:latin typeface="Times New Roman" panose="02020603050405020304" pitchFamily="18" charset="0"/>
-                        <a:cs typeface="Times New Roman" panose="02020603050405020304" pitchFamily="18" charset="0"/>
+                        <a:latin typeface="Calibri (Body)"/>
+                        <a:cs typeface="Calibri (Body)"/>
                       </a:endParaRPr>
                     </a:p>
                   </a:txBody>
@@ -15617,15 +16968,15 @@
                     <a:p>
                       <a:r>
                         <a:rPr lang="en-GB" sz="1100" dirty="0" smtClean="0">
-                          <a:latin typeface="Times New Roman" panose="02020603050405020304" pitchFamily="18" charset="0"/>
-                          <a:cs typeface="Times New Roman" panose="02020603050405020304" pitchFamily="18" charset="0"/>
+                          <a:latin typeface="Calibri (Body)"/>
+                          <a:cs typeface="Calibri (Body)"/>
                         </a:rPr>
                         <a:t>- There</a:t>
                       </a:r>
                       <a:r>
                         <a:rPr lang="en-GB" sz="1100" baseline="0" dirty="0" smtClean="0">
-                          <a:latin typeface="Times New Roman" panose="02020603050405020304" pitchFamily="18" charset="0"/>
-                          <a:cs typeface="Times New Roman" panose="02020603050405020304" pitchFamily="18" charset="0"/>
+                          <a:latin typeface="Calibri (Body)"/>
+                          <a:cs typeface="Calibri (Body)"/>
                         </a:rPr>
                         <a:t> are 2 value: Male and Female.</a:t>
                       </a:r>
@@ -15633,14 +16984,14 @@
                     <a:p>
                       <a:r>
                         <a:rPr lang="en-GB" sz="1100" baseline="0" dirty="0" smtClean="0">
-                          <a:latin typeface="Times New Roman" panose="02020603050405020304" pitchFamily="18" charset="0"/>
-                          <a:cs typeface="Times New Roman" panose="02020603050405020304" pitchFamily="18" charset="0"/>
+                          <a:latin typeface="Calibri (Body)"/>
+                          <a:cs typeface="Calibri (Body)"/>
                         </a:rPr>
                         <a:t>- Display user’ s current gender</a:t>
                       </a:r>
                       <a:endParaRPr lang="en-US" sz="1100" dirty="0">
-                        <a:latin typeface="Times New Roman" panose="02020603050405020304" pitchFamily="18" charset="0"/>
-                        <a:cs typeface="Times New Roman" panose="02020603050405020304" pitchFamily="18" charset="0"/>
+                        <a:latin typeface="Calibri (Body)"/>
+                        <a:cs typeface="Calibri (Body)"/>
                       </a:endParaRPr>
                     </a:p>
                   </a:txBody>
@@ -15652,8 +17003,8 @@
                     <a:lstStyle/>
                     <a:p>
                       <a:endParaRPr lang="en-US" sz="1100" dirty="0">
-                        <a:latin typeface="Times New Roman" panose="02020603050405020304" pitchFamily="18" charset="0"/>
-                        <a:cs typeface="Times New Roman" panose="02020603050405020304" pitchFamily="18" charset="0"/>
+                        <a:latin typeface="Calibri (Body)"/>
+                        <a:cs typeface="Calibri (Body)"/>
                       </a:endParaRPr>
                     </a:p>
                   </a:txBody>
@@ -15672,9 +17023,9 @@
                           <a:solidFill>
                             <a:schemeClr val="tx1"/>
                           </a:solidFill>
-                          <a:latin typeface="Times New Roman" panose="02020603050405020304" pitchFamily="18" charset="0"/>
+                          <a:latin typeface="Calibri (Body)"/>
                           <a:ea typeface="+mn-ea"/>
-                          <a:cs typeface="Times New Roman" panose="02020603050405020304" pitchFamily="18" charset="0"/>
+                          <a:cs typeface="Calibri (Body)"/>
                         </a:rPr>
                         <a:t>4</a:t>
                       </a:r>
@@ -15682,9 +17033,9 @@
                         <a:solidFill>
                           <a:schemeClr val="tx1"/>
                         </a:solidFill>
-                        <a:latin typeface="Times New Roman" panose="02020603050405020304" pitchFamily="18" charset="0"/>
+                        <a:latin typeface="Calibri (Body)"/>
                         <a:ea typeface="+mn-ea"/>
-                        <a:cs typeface="Times New Roman" panose="02020603050405020304" pitchFamily="18" charset="0"/>
+                        <a:cs typeface="Calibri (Body)"/>
                       </a:endParaRPr>
                     </a:p>
                   </a:txBody>
@@ -15698,14 +17049,14 @@
                       <a:pPr algn="ctr"/>
                       <a:r>
                         <a:rPr lang="en-GB" sz="1100" dirty="0" smtClean="0">
-                          <a:latin typeface="Times New Roman" panose="02020603050405020304" pitchFamily="18" charset="0"/>
-                          <a:cs typeface="Times New Roman" panose="02020603050405020304" pitchFamily="18" charset="0"/>
+                          <a:latin typeface="Calibri (Body)"/>
+                          <a:cs typeface="Calibri (Body)"/>
                         </a:rPr>
                         <a:t>Birthday</a:t>
                       </a:r>
                       <a:endParaRPr lang="en-US" sz="1100" dirty="0">
-                        <a:latin typeface="Times New Roman" panose="02020603050405020304" pitchFamily="18" charset="0"/>
-                        <a:cs typeface="Times New Roman" panose="02020603050405020304" pitchFamily="18" charset="0"/>
+                        <a:latin typeface="Calibri (Body)"/>
+                        <a:cs typeface="Calibri (Body)"/>
                       </a:endParaRPr>
                     </a:p>
                   </a:txBody>
@@ -15717,8 +17068,8 @@
                     <a:lstStyle/>
                     <a:p>
                       <a:endParaRPr lang="en-US" sz="1100" dirty="0">
-                        <a:latin typeface="Times New Roman" panose="02020603050405020304" pitchFamily="18" charset="0"/>
-                        <a:cs typeface="Times New Roman" panose="02020603050405020304" pitchFamily="18" charset="0"/>
+                        <a:latin typeface="Calibri (Body)"/>
+                        <a:cs typeface="Calibri (Body)"/>
                       </a:endParaRPr>
                     </a:p>
                   </a:txBody>
@@ -15731,28 +17082,28 @@
                     <a:p>
                       <a:r>
                         <a:rPr lang="en-GB" sz="1100" dirty="0" smtClean="0">
-                          <a:latin typeface="Times New Roman" panose="02020603050405020304" pitchFamily="18" charset="0"/>
-                          <a:cs typeface="Times New Roman" panose="02020603050405020304" pitchFamily="18" charset="0"/>
+                          <a:latin typeface="Calibri (Body)"/>
+                          <a:cs typeface="Calibri (Body)"/>
                         </a:rPr>
                         <a:t>Display</a:t>
                       </a:r>
                       <a:r>
                         <a:rPr lang="en-GB" sz="1100" baseline="0" dirty="0" smtClean="0">
-                          <a:latin typeface="Times New Roman" panose="02020603050405020304" pitchFamily="18" charset="0"/>
-                          <a:cs typeface="Times New Roman" panose="02020603050405020304" pitchFamily="18" charset="0"/>
+                          <a:latin typeface="Calibri (Body)"/>
+                          <a:cs typeface="Calibri (Body)"/>
                         </a:rPr>
                         <a:t> user’ s current </a:t>
                       </a:r>
                       <a:r>
                         <a:rPr lang="en-GB" sz="1100" baseline="0" dirty="0" err="1" smtClean="0">
-                          <a:latin typeface="Times New Roman" panose="02020603050405020304" pitchFamily="18" charset="0"/>
-                          <a:cs typeface="Times New Roman" panose="02020603050405020304" pitchFamily="18" charset="0"/>
+                          <a:latin typeface="Calibri (Body)"/>
+                          <a:cs typeface="Calibri (Body)"/>
                         </a:rPr>
                         <a:t>birthay</a:t>
                       </a:r>
                       <a:endParaRPr lang="en-US" sz="1100" dirty="0">
-                        <a:latin typeface="Times New Roman" panose="02020603050405020304" pitchFamily="18" charset="0"/>
-                        <a:cs typeface="Times New Roman" panose="02020603050405020304" pitchFamily="18" charset="0"/>
+                        <a:latin typeface="Calibri (Body)"/>
+                        <a:cs typeface="Calibri (Body)"/>
                       </a:endParaRPr>
                     </a:p>
                   </a:txBody>
@@ -15764,8 +17115,8 @@
                     <a:lstStyle/>
                     <a:p>
                       <a:endParaRPr lang="en-US" sz="1100" dirty="0">
-                        <a:latin typeface="Times New Roman" panose="02020603050405020304" pitchFamily="18" charset="0"/>
-                        <a:cs typeface="Times New Roman" panose="02020603050405020304" pitchFamily="18" charset="0"/>
+                        <a:latin typeface="Calibri (Body)"/>
+                        <a:cs typeface="Calibri (Body)"/>
                       </a:endParaRPr>
                     </a:p>
                   </a:txBody>
@@ -15784,9 +17135,9 @@
                           <a:solidFill>
                             <a:schemeClr val="tx1"/>
                           </a:solidFill>
-                          <a:latin typeface="Times New Roman" panose="02020603050405020304" pitchFamily="18" charset="0"/>
+                          <a:latin typeface="Calibri (Body)"/>
                           <a:ea typeface="+mn-ea"/>
-                          <a:cs typeface="Times New Roman" panose="02020603050405020304" pitchFamily="18" charset="0"/>
+                          <a:cs typeface="Calibri (Body)"/>
                         </a:rPr>
                         <a:t>5</a:t>
                       </a:r>
@@ -15794,9 +17145,9 @@
                         <a:solidFill>
                           <a:schemeClr val="tx1"/>
                         </a:solidFill>
-                        <a:latin typeface="Times New Roman" panose="02020603050405020304" pitchFamily="18" charset="0"/>
+                        <a:latin typeface="Calibri (Body)"/>
                         <a:ea typeface="+mn-ea"/>
-                        <a:cs typeface="Times New Roman" panose="02020603050405020304" pitchFamily="18" charset="0"/>
+                        <a:cs typeface="Calibri (Body)"/>
                       </a:endParaRPr>
                     </a:p>
                   </a:txBody>
@@ -15810,14 +17161,14 @@
                       <a:pPr algn="ctr"/>
                       <a:r>
                         <a:rPr lang="en-GB" sz="1100" dirty="0" smtClean="0">
-                          <a:latin typeface="Times New Roman" panose="02020603050405020304" pitchFamily="18" charset="0"/>
-                          <a:cs typeface="Times New Roman" panose="02020603050405020304" pitchFamily="18" charset="0"/>
+                          <a:latin typeface="Calibri (Body)"/>
+                          <a:cs typeface="Calibri (Body)"/>
                         </a:rPr>
                         <a:t>Avatar</a:t>
                       </a:r>
                       <a:endParaRPr lang="en-US" sz="1100" dirty="0">
-                        <a:latin typeface="Times New Roman" panose="02020603050405020304" pitchFamily="18" charset="0"/>
-                        <a:cs typeface="Times New Roman" panose="02020603050405020304" pitchFamily="18" charset="0"/>
+                        <a:latin typeface="Calibri (Body)"/>
+                        <a:cs typeface="Calibri (Body)"/>
                       </a:endParaRPr>
                     </a:p>
                   </a:txBody>
@@ -15829,8 +17180,8 @@
                     <a:lstStyle/>
                     <a:p>
                       <a:endParaRPr lang="en-US" sz="1100" dirty="0">
-                        <a:latin typeface="Times New Roman" panose="02020603050405020304" pitchFamily="18" charset="0"/>
-                        <a:cs typeface="Times New Roman" panose="02020603050405020304" pitchFamily="18" charset="0"/>
+                        <a:latin typeface="Calibri (Body)"/>
+                        <a:cs typeface="Calibri (Body)"/>
                       </a:endParaRPr>
                     </a:p>
                   </a:txBody>
@@ -15843,21 +17194,21 @@
                     <a:p>
                       <a:r>
                         <a:rPr lang="en-GB" sz="1100" dirty="0" smtClean="0">
-                          <a:latin typeface="Times New Roman" panose="02020603050405020304" pitchFamily="18" charset="0"/>
-                          <a:cs typeface="Times New Roman" panose="02020603050405020304" pitchFamily="18" charset="0"/>
+                          <a:latin typeface="Calibri (Body)"/>
+                          <a:cs typeface="Calibri (Body)"/>
                         </a:rPr>
                         <a:t>Display</a:t>
                       </a:r>
                       <a:r>
                         <a:rPr lang="en-GB" sz="1100" baseline="0" dirty="0" smtClean="0">
-                          <a:latin typeface="Times New Roman" panose="02020603050405020304" pitchFamily="18" charset="0"/>
-                          <a:cs typeface="Times New Roman" panose="02020603050405020304" pitchFamily="18" charset="0"/>
+                          <a:latin typeface="Calibri (Body)"/>
+                          <a:cs typeface="Calibri (Body)"/>
                         </a:rPr>
                         <a:t> user’s current avatar</a:t>
                       </a:r>
                       <a:endParaRPr lang="en-US" sz="1100" dirty="0">
-                        <a:latin typeface="Times New Roman" panose="02020603050405020304" pitchFamily="18" charset="0"/>
-                        <a:cs typeface="Times New Roman" panose="02020603050405020304" pitchFamily="18" charset="0"/>
+                        <a:latin typeface="Calibri (Body)"/>
+                        <a:cs typeface="Calibri (Body)"/>
                       </a:endParaRPr>
                     </a:p>
                   </a:txBody>
@@ -15869,8 +17220,8 @@
                     <a:lstStyle/>
                     <a:p>
                       <a:endParaRPr lang="en-US" sz="1100" dirty="0">
-                        <a:latin typeface="Times New Roman" panose="02020603050405020304" pitchFamily="18" charset="0"/>
-                        <a:cs typeface="Times New Roman" panose="02020603050405020304" pitchFamily="18" charset="0"/>
+                        <a:latin typeface="Calibri (Body)"/>
+                        <a:cs typeface="Calibri (Body)"/>
                       </a:endParaRPr>
                     </a:p>
                   </a:txBody>
@@ -15889,9 +17240,9 @@
                           <a:solidFill>
                             <a:schemeClr val="tx1"/>
                           </a:solidFill>
-                          <a:latin typeface="Times New Roman" panose="02020603050405020304" pitchFamily="18" charset="0"/>
+                          <a:latin typeface="Calibri (Body)"/>
                           <a:ea typeface="+mn-ea"/>
-                          <a:cs typeface="Times New Roman" panose="02020603050405020304" pitchFamily="18" charset="0"/>
+                          <a:cs typeface="Calibri (Body)"/>
                         </a:rPr>
                         <a:t>6</a:t>
                       </a:r>
@@ -15899,9 +17250,9 @@
                         <a:solidFill>
                           <a:schemeClr val="tx1"/>
                         </a:solidFill>
-                        <a:latin typeface="Times New Roman" panose="02020603050405020304" pitchFamily="18" charset="0"/>
+                        <a:latin typeface="Calibri (Body)"/>
                         <a:ea typeface="+mn-ea"/>
-                        <a:cs typeface="Times New Roman" panose="02020603050405020304" pitchFamily="18" charset="0"/>
+                        <a:cs typeface="Calibri (Body)"/>
                       </a:endParaRPr>
                     </a:p>
                   </a:txBody>
@@ -15915,14 +17266,14 @@
                       <a:pPr algn="ctr"/>
                       <a:r>
                         <a:rPr lang="en-GB" sz="1100" dirty="0" smtClean="0">
-                          <a:latin typeface="Times New Roman" panose="02020603050405020304" pitchFamily="18" charset="0"/>
-                          <a:cs typeface="Times New Roman" panose="02020603050405020304" pitchFamily="18" charset="0"/>
+                          <a:latin typeface="Calibri (Body)"/>
+                          <a:cs typeface="Calibri (Body)"/>
                         </a:rPr>
                         <a:t>Change avatar</a:t>
                       </a:r>
                       <a:endParaRPr lang="en-US" sz="1100" dirty="0">
-                        <a:latin typeface="Times New Roman" panose="02020603050405020304" pitchFamily="18" charset="0"/>
-                        <a:cs typeface="Times New Roman" panose="02020603050405020304" pitchFamily="18" charset="0"/>
+                        <a:latin typeface="Calibri (Body)"/>
+                        <a:cs typeface="Calibri (Body)"/>
                       </a:endParaRPr>
                     </a:p>
                   </a:txBody>
@@ -15934,8 +17285,8 @@
                     <a:lstStyle/>
                     <a:p>
                       <a:endParaRPr lang="en-US" sz="1100" dirty="0">
-                        <a:latin typeface="Times New Roman" panose="02020603050405020304" pitchFamily="18" charset="0"/>
-                        <a:cs typeface="Times New Roman" panose="02020603050405020304" pitchFamily="18" charset="0"/>
+                        <a:latin typeface="Calibri (Body)"/>
+                        <a:cs typeface="Calibri (Body)"/>
                       </a:endParaRPr>
                     </a:p>
                   </a:txBody>
@@ -15947,8 +17298,8 @@
                     <a:lstStyle/>
                     <a:p>
                       <a:endParaRPr lang="en-US" sz="1100" dirty="0">
-                        <a:latin typeface="Times New Roman" panose="02020603050405020304" pitchFamily="18" charset="0"/>
-                        <a:cs typeface="Times New Roman" panose="02020603050405020304" pitchFamily="18" charset="0"/>
+                        <a:latin typeface="Calibri (Body)"/>
+                        <a:cs typeface="Calibri (Body)"/>
                       </a:endParaRPr>
                     </a:p>
                   </a:txBody>
@@ -15961,21 +17312,21 @@
                     <a:p>
                       <a:r>
                         <a:rPr lang="en-GB" sz="1100" dirty="0" smtClean="0">
-                          <a:latin typeface="Times New Roman" panose="02020603050405020304" pitchFamily="18" charset="0"/>
-                          <a:cs typeface="Times New Roman" panose="02020603050405020304" pitchFamily="18" charset="0"/>
+                          <a:latin typeface="Calibri (Body)"/>
+                          <a:cs typeface="Calibri (Body)"/>
                         </a:rPr>
                         <a:t>Open</a:t>
                       </a:r>
                       <a:r>
                         <a:rPr lang="en-GB" sz="1100" baseline="0" dirty="0" smtClean="0">
-                          <a:latin typeface="Times New Roman" panose="02020603050405020304" pitchFamily="18" charset="0"/>
-                          <a:cs typeface="Times New Roman" panose="02020603050405020304" pitchFamily="18" charset="0"/>
+                          <a:latin typeface="Calibri (Body)"/>
+                          <a:cs typeface="Calibri (Body)"/>
                         </a:rPr>
                         <a:t> dialog to choose &amp; upload a image.</a:t>
                       </a:r>
                       <a:endParaRPr lang="en-US" sz="1100" dirty="0">
-                        <a:latin typeface="Times New Roman" panose="02020603050405020304" pitchFamily="18" charset="0"/>
-                        <a:cs typeface="Times New Roman" panose="02020603050405020304" pitchFamily="18" charset="0"/>
+                        <a:latin typeface="Calibri (Body)"/>
+                        <a:cs typeface="Calibri (Body)"/>
                       </a:endParaRPr>
                     </a:p>
                   </a:txBody>
@@ -15994,9 +17345,9 @@
                           <a:solidFill>
                             <a:schemeClr val="tx1"/>
                           </a:solidFill>
-                          <a:latin typeface="Times New Roman" panose="02020603050405020304" pitchFamily="18" charset="0"/>
+                          <a:latin typeface="Calibri (Body)"/>
                           <a:ea typeface="+mn-ea"/>
-                          <a:cs typeface="Times New Roman" panose="02020603050405020304" pitchFamily="18" charset="0"/>
+                          <a:cs typeface="Calibri (Body)"/>
                         </a:rPr>
                         <a:t>7</a:t>
                       </a:r>
@@ -16004,9 +17355,9 @@
                         <a:solidFill>
                           <a:schemeClr val="tx1"/>
                         </a:solidFill>
-                        <a:latin typeface="Times New Roman" panose="02020603050405020304" pitchFamily="18" charset="0"/>
+                        <a:latin typeface="Calibri (Body)"/>
                         <a:ea typeface="+mn-ea"/>
-                        <a:cs typeface="Times New Roman" panose="02020603050405020304" pitchFamily="18" charset="0"/>
+                        <a:cs typeface="Calibri (Body)"/>
                       </a:endParaRPr>
                     </a:p>
                   </a:txBody>
@@ -16020,14 +17371,14 @@
                       <a:pPr algn="ctr"/>
                       <a:r>
                         <a:rPr lang="en-GB" sz="1100" dirty="0" smtClean="0">
-                          <a:latin typeface="Times New Roman" panose="02020603050405020304" pitchFamily="18" charset="0"/>
-                          <a:cs typeface="Times New Roman" panose="02020603050405020304" pitchFamily="18" charset="0"/>
+                          <a:latin typeface="Calibri (Body)"/>
+                          <a:cs typeface="Calibri (Body)"/>
                         </a:rPr>
                         <a:t>Address</a:t>
                       </a:r>
                       <a:endParaRPr lang="en-US" sz="1100" dirty="0">
-                        <a:latin typeface="Times New Roman" panose="02020603050405020304" pitchFamily="18" charset="0"/>
-                        <a:cs typeface="Times New Roman" panose="02020603050405020304" pitchFamily="18" charset="0"/>
+                        <a:latin typeface="Calibri (Body)"/>
+                        <a:cs typeface="Calibri (Body)"/>
                       </a:endParaRPr>
                     </a:p>
                   </a:txBody>
@@ -16039,8 +17390,8 @@
                     <a:lstStyle/>
                     <a:p>
                       <a:endParaRPr lang="en-US" sz="1100" dirty="0">
-                        <a:latin typeface="Times New Roman" panose="02020603050405020304" pitchFamily="18" charset="0"/>
-                        <a:cs typeface="Times New Roman" panose="02020603050405020304" pitchFamily="18" charset="0"/>
+                        <a:latin typeface="Calibri (Body)"/>
+                        <a:cs typeface="Calibri (Body)"/>
                       </a:endParaRPr>
                     </a:p>
                   </a:txBody>
@@ -16070,27 +17421,27 @@
                       </a:pPr>
                       <a:r>
                         <a:rPr lang="en-GB" sz="1100" dirty="0" smtClean="0">
-                          <a:latin typeface="Times New Roman" panose="02020603050405020304" pitchFamily="18" charset="0"/>
-                          <a:cs typeface="Times New Roman" panose="02020603050405020304" pitchFamily="18" charset="0"/>
+                          <a:latin typeface="Calibri (Body)"/>
+                          <a:cs typeface="Calibri (Body)"/>
                         </a:rPr>
                         <a:t>Display</a:t>
                       </a:r>
                       <a:r>
                         <a:rPr lang="en-GB" sz="1100" baseline="0" dirty="0" smtClean="0">
-                          <a:latin typeface="Times New Roman" panose="02020603050405020304" pitchFamily="18" charset="0"/>
-                          <a:cs typeface="Times New Roman" panose="02020603050405020304" pitchFamily="18" charset="0"/>
+                          <a:latin typeface="Calibri (Body)"/>
+                          <a:cs typeface="Calibri (Body)"/>
                         </a:rPr>
                         <a:t> user’s current address</a:t>
                       </a:r>
                       <a:endParaRPr lang="en-US" sz="1100" dirty="0" smtClean="0">
-                        <a:latin typeface="Times New Roman" panose="02020603050405020304" pitchFamily="18" charset="0"/>
-                        <a:cs typeface="Times New Roman" panose="02020603050405020304" pitchFamily="18" charset="0"/>
+                        <a:latin typeface="Calibri (Body)"/>
+                        <a:cs typeface="Calibri (Body)"/>
                       </a:endParaRPr>
                     </a:p>
                     <a:p>
                       <a:endParaRPr lang="en-US" sz="1100" dirty="0">
-                        <a:latin typeface="Times New Roman" panose="02020603050405020304" pitchFamily="18" charset="0"/>
-                        <a:cs typeface="Times New Roman" panose="02020603050405020304" pitchFamily="18" charset="0"/>
+                        <a:latin typeface="Calibri (Body)"/>
+                        <a:cs typeface="Calibri (Body)"/>
                       </a:endParaRPr>
                     </a:p>
                   </a:txBody>
@@ -16102,8 +17453,8 @@
                     <a:lstStyle/>
                     <a:p>
                       <a:endParaRPr lang="en-US" sz="1100" dirty="0">
-                        <a:latin typeface="Times New Roman" panose="02020603050405020304" pitchFamily="18" charset="0"/>
-                        <a:cs typeface="Times New Roman" panose="02020603050405020304" pitchFamily="18" charset="0"/>
+                        <a:latin typeface="Calibri (Body)"/>
+                        <a:cs typeface="Calibri (Body)"/>
                       </a:endParaRPr>
                     </a:p>
                   </a:txBody>
@@ -16122,9 +17473,9 @@
                           <a:solidFill>
                             <a:schemeClr val="tx1"/>
                           </a:solidFill>
-                          <a:latin typeface="Times New Roman" panose="02020603050405020304" pitchFamily="18" charset="0"/>
+                          <a:latin typeface="Calibri (Body)"/>
                           <a:ea typeface="+mn-ea"/>
-                          <a:cs typeface="Times New Roman" panose="02020603050405020304" pitchFamily="18" charset="0"/>
+                          <a:cs typeface="Calibri (Body)"/>
                         </a:rPr>
                         <a:t>8</a:t>
                       </a:r>
@@ -16132,9 +17483,9 @@
                         <a:solidFill>
                           <a:schemeClr val="tx1"/>
                         </a:solidFill>
-                        <a:latin typeface="Times New Roman" panose="02020603050405020304" pitchFamily="18" charset="0"/>
+                        <a:latin typeface="Calibri (Body)"/>
                         <a:ea typeface="+mn-ea"/>
-                        <a:cs typeface="Times New Roman" panose="02020603050405020304" pitchFamily="18" charset="0"/>
+                        <a:cs typeface="Calibri (Body)"/>
                       </a:endParaRPr>
                     </a:p>
                   </a:txBody>
@@ -16148,14 +17499,14 @@
                       <a:pPr algn="ctr"/>
                       <a:r>
                         <a:rPr lang="en-GB" sz="1100" dirty="0" smtClean="0">
-                          <a:latin typeface="Times New Roman" panose="02020603050405020304" pitchFamily="18" charset="0"/>
-                          <a:cs typeface="Times New Roman" panose="02020603050405020304" pitchFamily="18" charset="0"/>
+                          <a:latin typeface="Calibri (Body)"/>
+                          <a:cs typeface="Calibri (Body)"/>
                         </a:rPr>
                         <a:t>City</a:t>
                       </a:r>
                       <a:endParaRPr lang="en-US" sz="1100" dirty="0">
-                        <a:latin typeface="Times New Roman" panose="02020603050405020304" pitchFamily="18" charset="0"/>
-                        <a:cs typeface="Times New Roman" panose="02020603050405020304" pitchFamily="18" charset="0"/>
+                        <a:latin typeface="Calibri (Body)"/>
+                        <a:cs typeface="Calibri (Body)"/>
                       </a:endParaRPr>
                     </a:p>
                   </a:txBody>
@@ -16167,8 +17518,8 @@
                     <a:lstStyle/>
                     <a:p>
                       <a:endParaRPr lang="en-US" sz="1100" dirty="0">
-                        <a:latin typeface="Times New Roman" panose="02020603050405020304" pitchFamily="18" charset="0"/>
-                        <a:cs typeface="Times New Roman" panose="02020603050405020304" pitchFamily="18" charset="0"/>
+                        <a:latin typeface="Calibri (Body)"/>
+                        <a:cs typeface="Calibri (Body)"/>
                       </a:endParaRPr>
                     </a:p>
                   </a:txBody>
@@ -16198,27 +17549,27 @@
                       </a:pPr>
                       <a:r>
                         <a:rPr lang="en-GB" sz="1100" dirty="0" smtClean="0">
-                          <a:latin typeface="Times New Roman" panose="02020603050405020304" pitchFamily="18" charset="0"/>
-                          <a:cs typeface="Times New Roman" panose="02020603050405020304" pitchFamily="18" charset="0"/>
+                          <a:latin typeface="Calibri (Body)"/>
+                          <a:cs typeface="Calibri (Body)"/>
                         </a:rPr>
                         <a:t>Display</a:t>
                       </a:r>
                       <a:r>
                         <a:rPr lang="en-GB" sz="1100" baseline="0" dirty="0" smtClean="0">
-                          <a:latin typeface="Times New Roman" panose="02020603050405020304" pitchFamily="18" charset="0"/>
-                          <a:cs typeface="Times New Roman" panose="02020603050405020304" pitchFamily="18" charset="0"/>
+                          <a:latin typeface="Calibri (Body)"/>
+                          <a:cs typeface="Calibri (Body)"/>
                         </a:rPr>
                         <a:t> user’s current city</a:t>
                       </a:r>
                       <a:endParaRPr lang="en-US" sz="1100" dirty="0" smtClean="0">
-                        <a:latin typeface="Times New Roman" panose="02020603050405020304" pitchFamily="18" charset="0"/>
-                        <a:cs typeface="Times New Roman" panose="02020603050405020304" pitchFamily="18" charset="0"/>
+                        <a:latin typeface="Calibri (Body)"/>
+                        <a:cs typeface="Calibri (Body)"/>
                       </a:endParaRPr>
                     </a:p>
                     <a:p>
                       <a:endParaRPr lang="en-US" sz="1100" dirty="0">
-                        <a:latin typeface="Times New Roman" panose="02020603050405020304" pitchFamily="18" charset="0"/>
-                        <a:cs typeface="Times New Roman" panose="02020603050405020304" pitchFamily="18" charset="0"/>
+                        <a:latin typeface="Calibri (Body)"/>
+                        <a:cs typeface="Calibri (Body)"/>
                       </a:endParaRPr>
                     </a:p>
                   </a:txBody>
@@ -16230,8 +17581,8 @@
                     <a:lstStyle/>
                     <a:p>
                       <a:endParaRPr lang="en-US" sz="1100" dirty="0">
-                        <a:latin typeface="Times New Roman" panose="02020603050405020304" pitchFamily="18" charset="0"/>
-                        <a:cs typeface="Times New Roman" panose="02020603050405020304" pitchFamily="18" charset="0"/>
+                        <a:latin typeface="Calibri (Body)"/>
+                        <a:cs typeface="Calibri (Body)"/>
                       </a:endParaRPr>
                     </a:p>
                   </a:txBody>
@@ -16250,9 +17601,9 @@
                           <a:solidFill>
                             <a:schemeClr val="tx1"/>
                           </a:solidFill>
-                          <a:latin typeface="Times New Roman" panose="02020603050405020304" pitchFamily="18" charset="0"/>
+                          <a:latin typeface="Calibri (Body)"/>
                           <a:ea typeface="+mn-ea"/>
-                          <a:cs typeface="Times New Roman" panose="02020603050405020304" pitchFamily="18" charset="0"/>
+                          <a:cs typeface="Calibri (Body)"/>
                         </a:rPr>
                         <a:t>9</a:t>
                       </a:r>
@@ -16260,9 +17611,9 @@
                         <a:solidFill>
                           <a:schemeClr val="tx1"/>
                         </a:solidFill>
-                        <a:latin typeface="Times New Roman" panose="02020603050405020304" pitchFamily="18" charset="0"/>
+                        <a:latin typeface="Calibri (Body)"/>
                         <a:ea typeface="+mn-ea"/>
-                        <a:cs typeface="Times New Roman" panose="02020603050405020304" pitchFamily="18" charset="0"/>
+                        <a:cs typeface="Calibri (Body)"/>
                       </a:endParaRPr>
                     </a:p>
                   </a:txBody>
@@ -16276,14 +17627,14 @@
                       <a:pPr algn="ctr"/>
                       <a:r>
                         <a:rPr lang="en-GB" sz="1100" dirty="0" smtClean="0">
-                          <a:latin typeface="Times New Roman" panose="02020603050405020304" pitchFamily="18" charset="0"/>
-                          <a:cs typeface="Times New Roman" panose="02020603050405020304" pitchFamily="18" charset="0"/>
+                          <a:latin typeface="Calibri (Body)"/>
+                          <a:cs typeface="Calibri (Body)"/>
                         </a:rPr>
                         <a:t>Email</a:t>
                       </a:r>
                       <a:endParaRPr lang="en-US" sz="1100" dirty="0">
-                        <a:latin typeface="Times New Roman" panose="02020603050405020304" pitchFamily="18" charset="0"/>
-                        <a:cs typeface="Times New Roman" panose="02020603050405020304" pitchFamily="18" charset="0"/>
+                        <a:latin typeface="Calibri (Body)"/>
+                        <a:cs typeface="Calibri (Body)"/>
                       </a:endParaRPr>
                     </a:p>
                   </a:txBody>
@@ -16295,8 +17646,8 @@
                     <a:lstStyle/>
                     <a:p>
                       <a:endParaRPr lang="en-US" sz="1100" dirty="0">
-                        <a:latin typeface="Times New Roman" panose="02020603050405020304" pitchFamily="18" charset="0"/>
-                        <a:cs typeface="Times New Roman" panose="02020603050405020304" pitchFamily="18" charset="0"/>
+                        <a:latin typeface="Calibri (Body)"/>
+                        <a:cs typeface="Calibri (Body)"/>
                       </a:endParaRPr>
                     </a:p>
                   </a:txBody>
@@ -16326,27 +17677,27 @@
                       </a:pPr>
                       <a:r>
                         <a:rPr lang="en-GB" sz="1100" dirty="0" smtClean="0">
-                          <a:latin typeface="Times New Roman" panose="02020603050405020304" pitchFamily="18" charset="0"/>
-                          <a:cs typeface="Times New Roman" panose="02020603050405020304" pitchFamily="18" charset="0"/>
+                          <a:latin typeface="Calibri (Body)"/>
+                          <a:cs typeface="Calibri (Body)"/>
                         </a:rPr>
                         <a:t>Display</a:t>
                       </a:r>
                       <a:r>
                         <a:rPr lang="en-GB" sz="1100" baseline="0" dirty="0" smtClean="0">
-                          <a:latin typeface="Times New Roman" panose="02020603050405020304" pitchFamily="18" charset="0"/>
-                          <a:cs typeface="Times New Roman" panose="02020603050405020304" pitchFamily="18" charset="0"/>
+                          <a:latin typeface="Calibri (Body)"/>
+                          <a:cs typeface="Calibri (Body)"/>
                         </a:rPr>
                         <a:t> user’s current email</a:t>
                       </a:r>
                       <a:endParaRPr lang="en-US" sz="1100" dirty="0" smtClean="0">
-                        <a:latin typeface="Times New Roman" panose="02020603050405020304" pitchFamily="18" charset="0"/>
-                        <a:cs typeface="Times New Roman" panose="02020603050405020304" pitchFamily="18" charset="0"/>
+                        <a:latin typeface="Calibri (Body)"/>
+                        <a:cs typeface="Calibri (Body)"/>
                       </a:endParaRPr>
                     </a:p>
                     <a:p>
                       <a:endParaRPr lang="en-US" sz="1100" dirty="0">
-                        <a:latin typeface="Times New Roman" panose="02020603050405020304" pitchFamily="18" charset="0"/>
-                        <a:cs typeface="Times New Roman" panose="02020603050405020304" pitchFamily="18" charset="0"/>
+                        <a:latin typeface="Calibri (Body)"/>
+                        <a:cs typeface="Calibri (Body)"/>
                       </a:endParaRPr>
                     </a:p>
                   </a:txBody>
@@ -16358,8 +17709,8 @@
                     <a:lstStyle/>
                     <a:p>
                       <a:endParaRPr lang="en-US" sz="1100" dirty="0">
-                        <a:latin typeface="Times New Roman" panose="02020603050405020304" pitchFamily="18" charset="0"/>
-                        <a:cs typeface="Times New Roman" panose="02020603050405020304" pitchFamily="18" charset="0"/>
+                        <a:latin typeface="Calibri (Body)"/>
+                        <a:cs typeface="Calibri (Body)"/>
                       </a:endParaRPr>
                     </a:p>
                   </a:txBody>
@@ -16378,9 +17729,9 @@
                           <a:solidFill>
                             <a:schemeClr val="tx1"/>
                           </a:solidFill>
-                          <a:latin typeface="Times New Roman" panose="02020603050405020304" pitchFamily="18" charset="0"/>
+                          <a:latin typeface="Calibri (Body)"/>
                           <a:ea typeface="+mn-ea"/>
-                          <a:cs typeface="Times New Roman" panose="02020603050405020304" pitchFamily="18" charset="0"/>
+                          <a:cs typeface="Calibri (Body)"/>
                         </a:rPr>
                         <a:t>10</a:t>
                       </a:r>
@@ -16388,9 +17739,9 @@
                         <a:solidFill>
                           <a:schemeClr val="tx1"/>
                         </a:solidFill>
-                        <a:latin typeface="Times New Roman" panose="02020603050405020304" pitchFamily="18" charset="0"/>
+                        <a:latin typeface="Calibri (Body)"/>
                         <a:ea typeface="+mn-ea"/>
-                        <a:cs typeface="Times New Roman" panose="02020603050405020304" pitchFamily="18" charset="0"/>
+                        <a:cs typeface="Calibri (Body)"/>
                       </a:endParaRPr>
                     </a:p>
                   </a:txBody>
@@ -16404,14 +17755,14 @@
                       <a:pPr algn="ctr"/>
                       <a:r>
                         <a:rPr lang="en-GB" sz="1100" dirty="0" smtClean="0">
-                          <a:latin typeface="Times New Roman" panose="02020603050405020304" pitchFamily="18" charset="0"/>
-                          <a:cs typeface="Times New Roman" panose="02020603050405020304" pitchFamily="18" charset="0"/>
+                          <a:latin typeface="Calibri (Body)"/>
+                          <a:cs typeface="Calibri (Body)"/>
                         </a:rPr>
                         <a:t>Mobile</a:t>
                       </a:r>
                       <a:endParaRPr lang="en-US" sz="1100" dirty="0">
-                        <a:latin typeface="Times New Roman" panose="02020603050405020304" pitchFamily="18" charset="0"/>
-                        <a:cs typeface="Times New Roman" panose="02020603050405020304" pitchFamily="18" charset="0"/>
+                        <a:latin typeface="Calibri (Body)"/>
+                        <a:cs typeface="Calibri (Body)"/>
                       </a:endParaRPr>
                     </a:p>
                   </a:txBody>
@@ -16423,8 +17774,8 @@
                     <a:lstStyle/>
                     <a:p>
                       <a:endParaRPr lang="en-US" sz="1100" dirty="0">
-                        <a:latin typeface="Times New Roman" panose="02020603050405020304" pitchFamily="18" charset="0"/>
-                        <a:cs typeface="Times New Roman" panose="02020603050405020304" pitchFamily="18" charset="0"/>
+                        <a:latin typeface="Calibri (Body)"/>
+                        <a:cs typeface="Calibri (Body)"/>
                       </a:endParaRPr>
                     </a:p>
                   </a:txBody>
@@ -16437,21 +17788,21 @@
                     <a:p>
                       <a:r>
                         <a:rPr lang="en-GB" sz="1100" dirty="0" smtClean="0">
-                          <a:latin typeface="Times New Roman" panose="02020603050405020304" pitchFamily="18" charset="0"/>
-                          <a:cs typeface="Times New Roman" panose="02020603050405020304" pitchFamily="18" charset="0"/>
+                          <a:latin typeface="Calibri (Body)"/>
+                          <a:cs typeface="Calibri (Body)"/>
                         </a:rPr>
                         <a:t>Display</a:t>
                       </a:r>
                       <a:r>
                         <a:rPr lang="en-GB" sz="1100" baseline="0" dirty="0" smtClean="0">
-                          <a:latin typeface="Times New Roman" panose="02020603050405020304" pitchFamily="18" charset="0"/>
-                          <a:cs typeface="Times New Roman" panose="02020603050405020304" pitchFamily="18" charset="0"/>
+                          <a:latin typeface="Calibri (Body)"/>
+                          <a:cs typeface="Calibri (Body)"/>
                         </a:rPr>
                         <a:t> user’s current mobile</a:t>
                       </a:r>
                       <a:endParaRPr lang="en-US" sz="1100" dirty="0">
-                        <a:latin typeface="Times New Roman" panose="02020603050405020304" pitchFamily="18" charset="0"/>
-                        <a:cs typeface="Times New Roman" panose="02020603050405020304" pitchFamily="18" charset="0"/>
+                        <a:latin typeface="Calibri (Body)"/>
+                        <a:cs typeface="Calibri (Body)"/>
                       </a:endParaRPr>
                     </a:p>
                   </a:txBody>
@@ -16463,8 +17814,8 @@
                     <a:lstStyle/>
                     <a:p>
                       <a:endParaRPr lang="en-US" sz="1100" dirty="0">
-                        <a:latin typeface="Times New Roman" panose="02020603050405020304" pitchFamily="18" charset="0"/>
-                        <a:cs typeface="Times New Roman" panose="02020603050405020304" pitchFamily="18" charset="0"/>
+                        <a:latin typeface="Calibri (Body)"/>
+                        <a:cs typeface="Calibri (Body)"/>
                       </a:endParaRPr>
                     </a:p>
                   </a:txBody>
@@ -16483,9 +17834,9 @@
                           <a:solidFill>
                             <a:schemeClr val="tx1"/>
                           </a:solidFill>
-                          <a:latin typeface="Times New Roman" panose="02020603050405020304" pitchFamily="18" charset="0"/>
+                          <a:latin typeface="Calibri (Body)"/>
                           <a:ea typeface="+mn-ea"/>
-                          <a:cs typeface="Times New Roman" panose="02020603050405020304" pitchFamily="18" charset="0"/>
+                          <a:cs typeface="Calibri (Body)"/>
                         </a:rPr>
                         <a:t>11</a:t>
                       </a:r>
@@ -16493,9 +17844,9 @@
                         <a:solidFill>
                           <a:schemeClr val="tx1"/>
                         </a:solidFill>
-                        <a:latin typeface="Times New Roman" panose="02020603050405020304" pitchFamily="18" charset="0"/>
+                        <a:latin typeface="Calibri (Body)"/>
                         <a:ea typeface="+mn-ea"/>
-                        <a:cs typeface="Times New Roman" panose="02020603050405020304" pitchFamily="18" charset="0"/>
+                        <a:cs typeface="Calibri (Body)"/>
                       </a:endParaRPr>
                     </a:p>
                   </a:txBody>
@@ -16509,14 +17860,14 @@
                       <a:pPr algn="ctr"/>
                       <a:r>
                         <a:rPr lang="en-GB" sz="1100" dirty="0" smtClean="0">
-                          <a:latin typeface="Times New Roman" panose="02020603050405020304" pitchFamily="18" charset="0"/>
-                          <a:cs typeface="Times New Roman" panose="02020603050405020304" pitchFamily="18" charset="0"/>
+                          <a:latin typeface="Calibri (Body)"/>
+                          <a:cs typeface="Calibri (Body)"/>
                         </a:rPr>
                         <a:t>OK</a:t>
                       </a:r>
                       <a:endParaRPr lang="en-US" sz="1100" dirty="0">
-                        <a:latin typeface="Times New Roman" panose="02020603050405020304" pitchFamily="18" charset="0"/>
-                        <a:cs typeface="Times New Roman" panose="02020603050405020304" pitchFamily="18" charset="0"/>
+                        <a:latin typeface="Calibri (Body)"/>
+                        <a:cs typeface="Calibri (Body)"/>
                       </a:endParaRPr>
                     </a:p>
                   </a:txBody>
@@ -16529,28 +17880,28 @@
                     <a:p>
                       <a:r>
                         <a:rPr lang="en-GB" sz="1100" dirty="0" smtClean="0">
-                          <a:latin typeface="Times New Roman" panose="02020603050405020304" pitchFamily="18" charset="0"/>
-                          <a:cs typeface="Times New Roman" panose="02020603050405020304" pitchFamily="18" charset="0"/>
+                          <a:latin typeface="Calibri (Body)"/>
+                          <a:cs typeface="Calibri (Body)"/>
                         </a:rPr>
                         <a:t>Update</a:t>
                       </a:r>
                       <a:r>
                         <a:rPr lang="en-GB" sz="1100" baseline="0" dirty="0" smtClean="0">
-                          <a:latin typeface="Times New Roman" panose="02020603050405020304" pitchFamily="18" charset="0"/>
-                          <a:cs typeface="Times New Roman" panose="02020603050405020304" pitchFamily="18" charset="0"/>
+                          <a:latin typeface="Calibri (Body)"/>
+                          <a:cs typeface="Calibri (Body)"/>
                         </a:rPr>
                         <a:t> </a:t>
                       </a:r>
                       <a:r>
                         <a:rPr lang="en-GB" sz="1100" baseline="0" dirty="0" err="1" smtClean="0">
-                          <a:latin typeface="Times New Roman" panose="02020603050405020304" pitchFamily="18" charset="0"/>
-                          <a:cs typeface="Times New Roman" panose="02020603050405020304" pitchFamily="18" charset="0"/>
+                          <a:latin typeface="Calibri (Body)"/>
+                          <a:cs typeface="Calibri (Body)"/>
                         </a:rPr>
                         <a:t>infor</a:t>
                       </a:r>
                       <a:endParaRPr lang="en-US" sz="1100" dirty="0">
-                        <a:latin typeface="Times New Roman" panose="02020603050405020304" pitchFamily="18" charset="0"/>
-                        <a:cs typeface="Times New Roman" panose="02020603050405020304" pitchFamily="18" charset="0"/>
+                        <a:latin typeface="Calibri (Body)"/>
+                        <a:cs typeface="Calibri (Body)"/>
                       </a:endParaRPr>
                     </a:p>
                   </a:txBody>
@@ -16563,15 +17914,15 @@
                     <a:p>
                       <a:r>
                         <a:rPr lang="en-GB" sz="1100" dirty="0" smtClean="0">
-                          <a:latin typeface="Times New Roman" panose="02020603050405020304" pitchFamily="18" charset="0"/>
-                          <a:cs typeface="Times New Roman" panose="02020603050405020304" pitchFamily="18" charset="0"/>
+                          <a:latin typeface="Calibri (Body)"/>
+                          <a:cs typeface="Calibri (Body)"/>
                         </a:rPr>
                         <a:t>Update all information</a:t>
                       </a:r>
                       <a:r>
                         <a:rPr lang="en-GB" sz="1100" baseline="0" dirty="0" smtClean="0">
-                          <a:latin typeface="Times New Roman" panose="02020603050405020304" pitchFamily="18" charset="0"/>
-                          <a:cs typeface="Times New Roman" panose="02020603050405020304" pitchFamily="18" charset="0"/>
+                          <a:latin typeface="Calibri (Body)"/>
+                          <a:cs typeface="Calibri (Body)"/>
                         </a:rPr>
                         <a:t> that user want to change</a:t>
                       </a:r>
@@ -16583,8 +17934,8 @@
                       </a:pPr>
                       <a:r>
                         <a:rPr lang="en-GB" sz="1100" baseline="0" dirty="0" smtClean="0">
-                          <a:latin typeface="Times New Roman" panose="02020603050405020304" pitchFamily="18" charset="0"/>
-                          <a:cs typeface="Times New Roman" panose="02020603050405020304" pitchFamily="18" charset="0"/>
+                          <a:latin typeface="Calibri (Body)"/>
+                          <a:cs typeface="Calibri (Body)"/>
                           <a:sym typeface="Wingdings" panose="05000000000000000000" pitchFamily="2" charset="2"/>
                         </a:rPr>
                         <a:t>If something wrong, it will display error message</a:t>
@@ -16610,29 +17961,29 @@
                       </a:pPr>
                       <a:r>
                         <a:rPr lang="en-GB" sz="1100" dirty="0" smtClean="0">
-                          <a:latin typeface="Times New Roman" panose="02020603050405020304" pitchFamily="18" charset="0"/>
-                          <a:cs typeface="Times New Roman" panose="02020603050405020304" pitchFamily="18" charset="0"/>
+                          <a:latin typeface="Calibri (Body)"/>
+                          <a:cs typeface="Calibri (Body)"/>
                         </a:rPr>
                         <a:t>If</a:t>
                       </a:r>
                       <a:r>
                         <a:rPr lang="en-GB" sz="1100" baseline="0" dirty="0" smtClean="0">
-                          <a:latin typeface="Times New Roman" panose="02020603050405020304" pitchFamily="18" charset="0"/>
-                          <a:cs typeface="Times New Roman" panose="02020603050405020304" pitchFamily="18" charset="0"/>
+                          <a:latin typeface="Calibri (Body)"/>
+                          <a:cs typeface="Calibri (Body)"/>
                         </a:rPr>
                         <a:t> everything is alright, it </a:t>
                       </a:r>
                       <a:r>
                         <a:rPr lang="en-GB" sz="1100" baseline="0" dirty="0" smtClean="0">
-                          <a:latin typeface="Times New Roman" panose="02020603050405020304" pitchFamily="18" charset="0"/>
-                          <a:cs typeface="Times New Roman" panose="02020603050405020304" pitchFamily="18" charset="0"/>
+                          <a:latin typeface="Calibri (Body)"/>
+                          <a:cs typeface="Calibri (Body)"/>
                           <a:sym typeface="Wingdings" panose="05000000000000000000" pitchFamily="2" charset="2"/>
                         </a:rPr>
                         <a:t>will display success message</a:t>
                       </a:r>
                       <a:endParaRPr lang="en-US" sz="1100" dirty="0" smtClean="0">
-                        <a:latin typeface="Times New Roman" panose="02020603050405020304" pitchFamily="18" charset="0"/>
-                        <a:cs typeface="Times New Roman" panose="02020603050405020304" pitchFamily="18" charset="0"/>
+                        <a:latin typeface="Calibri (Body)"/>
+                        <a:cs typeface="Calibri (Body)"/>
                       </a:endParaRPr>
                     </a:p>
                     <a:p>
@@ -16641,8 +17992,8 @@
                         <a:buChar char="à"/>
                       </a:pPr>
                       <a:endParaRPr lang="en-US" sz="1100" dirty="0">
-                        <a:latin typeface="Times New Roman" panose="02020603050405020304" pitchFamily="18" charset="0"/>
-                        <a:cs typeface="Times New Roman" panose="02020603050405020304" pitchFamily="18" charset="0"/>
+                        <a:latin typeface="Calibri (Body)"/>
+                        <a:cs typeface="Calibri (Body)"/>
                       </a:endParaRPr>
                     </a:p>
                   </a:txBody>
@@ -16654,8 +18005,8 @@
                     <a:lstStyle/>
                     <a:p>
                       <a:endParaRPr lang="en-US" sz="1100" dirty="0">
-                        <a:latin typeface="Times New Roman" panose="02020603050405020304" pitchFamily="18" charset="0"/>
-                        <a:cs typeface="Times New Roman" panose="02020603050405020304" pitchFamily="18" charset="0"/>
+                        <a:latin typeface="Calibri (Body)"/>
+                        <a:cs typeface="Calibri (Body)"/>
                       </a:endParaRPr>
                     </a:p>
                   </a:txBody>
@@ -16674,9 +18025,9 @@
                           <a:solidFill>
                             <a:schemeClr val="tx1"/>
                           </a:solidFill>
-                          <a:latin typeface="Times New Roman" panose="02020603050405020304" pitchFamily="18" charset="0"/>
+                          <a:latin typeface="Calibri (Body)"/>
                           <a:ea typeface="+mn-ea"/>
-                          <a:cs typeface="Times New Roman" panose="02020603050405020304" pitchFamily="18" charset="0"/>
+                          <a:cs typeface="Calibri (Body)"/>
                         </a:rPr>
                         <a:t>12</a:t>
                       </a:r>
@@ -16684,9 +18035,9 @@
                         <a:solidFill>
                           <a:schemeClr val="tx1"/>
                         </a:solidFill>
-                        <a:latin typeface="Times New Roman" panose="02020603050405020304" pitchFamily="18" charset="0"/>
+                        <a:latin typeface="Calibri (Body)"/>
                         <a:ea typeface="+mn-ea"/>
-                        <a:cs typeface="Times New Roman" panose="02020603050405020304" pitchFamily="18" charset="0"/>
+                        <a:cs typeface="Calibri (Body)"/>
                       </a:endParaRPr>
                     </a:p>
                   </a:txBody>
@@ -16700,14 +18051,14 @@
                       <a:pPr algn="ctr"/>
                       <a:r>
                         <a:rPr lang="en-GB" sz="1100" dirty="0" smtClean="0">
-                          <a:latin typeface="Times New Roman" panose="02020603050405020304" pitchFamily="18" charset="0"/>
-                          <a:cs typeface="Times New Roman" panose="02020603050405020304" pitchFamily="18" charset="0"/>
+                          <a:latin typeface="Calibri (Body)"/>
+                          <a:cs typeface="Calibri (Body)"/>
                         </a:rPr>
                         <a:t>Cancel</a:t>
                       </a:r>
                       <a:endParaRPr lang="en-US" sz="1100" dirty="0">
-                        <a:latin typeface="Times New Roman" panose="02020603050405020304" pitchFamily="18" charset="0"/>
-                        <a:cs typeface="Times New Roman" panose="02020603050405020304" pitchFamily="18" charset="0"/>
+                        <a:latin typeface="Calibri (Body)"/>
+                        <a:cs typeface="Calibri (Body)"/>
                       </a:endParaRPr>
                     </a:p>
                   </a:txBody>
@@ -16719,8 +18070,8 @@
                     <a:lstStyle/>
                     <a:p>
                       <a:endParaRPr lang="en-US" sz="1100" dirty="0">
-                        <a:latin typeface="Times New Roman" panose="02020603050405020304" pitchFamily="18" charset="0"/>
-                        <a:cs typeface="Times New Roman" panose="02020603050405020304" pitchFamily="18" charset="0"/>
+                        <a:latin typeface="Calibri (Body)"/>
+                        <a:cs typeface="Calibri (Body)"/>
                       </a:endParaRPr>
                     </a:p>
                   </a:txBody>
@@ -16733,21 +18084,21 @@
                     <a:p>
                       <a:r>
                         <a:rPr lang="en-GB" sz="1100" dirty="0" smtClean="0">
-                          <a:latin typeface="Times New Roman" panose="02020603050405020304" pitchFamily="18" charset="0"/>
-                          <a:cs typeface="Times New Roman" panose="02020603050405020304" pitchFamily="18" charset="0"/>
+                          <a:latin typeface="Calibri (Body)"/>
+                          <a:cs typeface="Calibri (Body)"/>
                         </a:rPr>
                         <a:t>Set all information</a:t>
                       </a:r>
                       <a:r>
                         <a:rPr lang="en-GB" sz="1100" baseline="0" dirty="0" smtClean="0">
-                          <a:latin typeface="Times New Roman" panose="02020603050405020304" pitchFamily="18" charset="0"/>
-                          <a:cs typeface="Times New Roman" panose="02020603050405020304" pitchFamily="18" charset="0"/>
+                          <a:latin typeface="Calibri (Body)"/>
+                          <a:cs typeface="Calibri (Body)"/>
                         </a:rPr>
                         <a:t> of user to default.</a:t>
                       </a:r>
                       <a:endParaRPr lang="en-US" sz="1100" dirty="0">
-                        <a:latin typeface="Times New Roman" panose="02020603050405020304" pitchFamily="18" charset="0"/>
-                        <a:cs typeface="Times New Roman" panose="02020603050405020304" pitchFamily="18" charset="0"/>
+                        <a:latin typeface="Calibri (Body)"/>
+                        <a:cs typeface="Calibri (Body)"/>
                       </a:endParaRPr>
                     </a:p>
                   </a:txBody>
@@ -16759,8 +18110,8 @@
                     <a:lstStyle/>
                     <a:p>
                       <a:endParaRPr lang="en-US" sz="1100" dirty="0">
-                        <a:latin typeface="Times New Roman" panose="02020603050405020304" pitchFamily="18" charset="0"/>
-                        <a:cs typeface="Times New Roman" panose="02020603050405020304" pitchFamily="18" charset="0"/>
+                        <a:latin typeface="Calibri (Body)"/>
+                        <a:cs typeface="Calibri (Body)"/>
                       </a:endParaRPr>
                     </a:p>
                   </a:txBody>
@@ -16779,9 +18130,9 @@
                           <a:solidFill>
                             <a:schemeClr val="tx1"/>
                           </a:solidFill>
-                          <a:latin typeface="Times New Roman" panose="02020603050405020304" pitchFamily="18" charset="0"/>
+                          <a:latin typeface="Calibri (Body)"/>
                           <a:ea typeface="+mn-ea"/>
-                          <a:cs typeface="Times New Roman" panose="02020603050405020304" pitchFamily="18" charset="0"/>
+                          <a:cs typeface="Calibri (Body)"/>
                         </a:rPr>
                         <a:t>13</a:t>
                       </a:r>
@@ -16789,9 +18140,9 @@
                         <a:solidFill>
                           <a:schemeClr val="tx1"/>
                         </a:solidFill>
-                        <a:latin typeface="Times New Roman" panose="02020603050405020304" pitchFamily="18" charset="0"/>
+                        <a:latin typeface="Calibri (Body)"/>
                         <a:ea typeface="+mn-ea"/>
-                        <a:cs typeface="Times New Roman" panose="02020603050405020304" pitchFamily="18" charset="0"/>
+                        <a:cs typeface="Calibri (Body)"/>
                       </a:endParaRPr>
                     </a:p>
                   </a:txBody>
@@ -16805,14 +18156,14 @@
                       <a:pPr algn="ctr"/>
                       <a:r>
                         <a:rPr lang="en-GB" sz="1100" dirty="0" smtClean="0">
-                          <a:latin typeface="Times New Roman" panose="02020603050405020304" pitchFamily="18" charset="0"/>
-                          <a:cs typeface="Times New Roman" panose="02020603050405020304" pitchFamily="18" charset="0"/>
+                          <a:latin typeface="Calibri (Body)"/>
+                          <a:cs typeface="Calibri (Body)"/>
                         </a:rPr>
                         <a:t>Message</a:t>
                       </a:r>
                       <a:endParaRPr lang="en-US" sz="1100" dirty="0">
-                        <a:latin typeface="Times New Roman" panose="02020603050405020304" pitchFamily="18" charset="0"/>
-                        <a:cs typeface="Times New Roman" panose="02020603050405020304" pitchFamily="18" charset="0"/>
+                        <a:latin typeface="Calibri (Body)"/>
+                        <a:cs typeface="Calibri (Body)"/>
                       </a:endParaRPr>
                     </a:p>
                   </a:txBody>
@@ -16824,8 +18175,8 @@
                     <a:lstStyle/>
                     <a:p>
                       <a:endParaRPr lang="en-US" sz="1100" dirty="0">
-                        <a:latin typeface="Times New Roman" panose="02020603050405020304" pitchFamily="18" charset="0"/>
-                        <a:cs typeface="Times New Roman" panose="02020603050405020304" pitchFamily="18" charset="0"/>
+                        <a:latin typeface="Calibri (Body)"/>
+                        <a:cs typeface="Calibri (Body)"/>
                       </a:endParaRPr>
                     </a:p>
                   </a:txBody>
@@ -16838,8 +18189,8 @@
                     <a:p>
                       <a:r>
                         <a:rPr lang="en-GB" sz="1100" dirty="0" smtClean="0">
-                          <a:latin typeface="Times New Roman" panose="02020603050405020304" pitchFamily="18" charset="0"/>
-                          <a:cs typeface="Times New Roman" panose="02020603050405020304" pitchFamily="18" charset="0"/>
+                          <a:latin typeface="Calibri (Body)"/>
+                          <a:cs typeface="Calibri (Body)"/>
                         </a:rPr>
                         <a:t>- By default, it’ s hidden.</a:t>
                       </a:r>
@@ -16847,15 +18198,15 @@
                     <a:p>
                       <a:r>
                         <a:rPr lang="en-GB" sz="1100" dirty="0" smtClean="0">
-                          <a:latin typeface="Times New Roman" panose="02020603050405020304" pitchFamily="18" charset="0"/>
-                          <a:cs typeface="Times New Roman" panose="02020603050405020304" pitchFamily="18" charset="0"/>
+                          <a:latin typeface="Calibri (Body)"/>
+                          <a:cs typeface="Calibri (Body)"/>
                         </a:rPr>
                         <a:t>- If</a:t>
                       </a:r>
                       <a:r>
                         <a:rPr lang="en-GB" sz="1100" baseline="0" dirty="0" smtClean="0">
-                          <a:latin typeface="Times New Roman" panose="02020603050405020304" pitchFamily="18" charset="0"/>
-                          <a:cs typeface="Times New Roman" panose="02020603050405020304" pitchFamily="18" charset="0"/>
+                          <a:latin typeface="Calibri (Body)"/>
+                          <a:cs typeface="Calibri (Body)"/>
                         </a:rPr>
                         <a:t> everything is alright, the message change to green with text: “You have updated successfully” .</a:t>
                       </a:r>
@@ -16880,16 +18231,16 @@
                       </a:pPr>
                       <a:r>
                         <a:rPr lang="en-GB" sz="1100" baseline="0" dirty="0" smtClean="0">
-                          <a:latin typeface="Times New Roman" panose="02020603050405020304" pitchFamily="18" charset="0"/>
-                          <a:cs typeface="Times New Roman" panose="02020603050405020304" pitchFamily="18" charset="0"/>
+                          <a:latin typeface="Calibri (Body)"/>
+                          <a:cs typeface="Calibri (Body)"/>
                         </a:rPr>
                         <a:t>- If it’s wrong, the message change to red with text: “You have updated unsuccessfully” .</a:t>
                       </a:r>
                     </a:p>
                     <a:p>
                       <a:endParaRPr lang="en-US" sz="1100" dirty="0">
-                        <a:latin typeface="Times New Roman" panose="02020603050405020304" pitchFamily="18" charset="0"/>
-                        <a:cs typeface="Times New Roman" panose="02020603050405020304" pitchFamily="18" charset="0"/>
+                        <a:latin typeface="Calibri (Body)"/>
+                        <a:cs typeface="Calibri (Body)"/>
                       </a:endParaRPr>
                     </a:p>
                   </a:txBody>
@@ -16901,8 +18252,8 @@
                     <a:lstStyle/>
                     <a:p>
                       <a:endParaRPr lang="en-US" sz="1100" dirty="0">
-                        <a:latin typeface="Times New Roman" panose="02020603050405020304" pitchFamily="18" charset="0"/>
-                        <a:cs typeface="Times New Roman" panose="02020603050405020304" pitchFamily="18" charset="0"/>
+                        <a:latin typeface="Calibri (Body)"/>
+                        <a:cs typeface="Calibri (Body)"/>
                       </a:endParaRPr>
                     </a:p>
                   </a:txBody>

--- a/php/tam-v.anh/doc/detail_design/frontend/wireframe/MiniBlog_Wireframe_Ver_0.1.0.pptx
+++ b/php/tam-v.anh/doc/detail_design/frontend/wireframe/MiniBlog_Wireframe_Ver_0.1.0.pptx
@@ -8320,7 +8320,7 @@
         <p:spPr>
           <a:xfrm>
             <a:off x="3357319" y="3917897"/>
-            <a:ext cx="1199292" cy="307777"/>
+            <a:ext cx="1136699" cy="307777"/>
           </a:xfrm>
           <a:prstGeom prst="rect">
             <a:avLst/>
@@ -8335,7 +8335,7 @@
           <a:p>
             <a:r>
               <a:rPr kumimoji="1" lang="en-US" altLang="ja-JP" sz="1400"/>
-              <a:t>Manager Post</a:t>
+              <a:t>Manage Post</a:t>
             </a:r>
             <a:endParaRPr kumimoji="1" lang="ja-JP" altLang="en-US" sz="1400"/>
           </a:p>
@@ -8534,7 +8534,7 @@
         </p:nvSpPr>
         <p:spPr>
           <a:xfrm>
-            <a:off x="5404656" y="3720497"/>
+            <a:off x="5394035" y="4047367"/>
             <a:ext cx="598646" cy="290286"/>
           </a:xfrm>
           <a:prstGeom prst="rect">
@@ -8800,7 +8800,7 @@
         <p:spPr>
           <a:xfrm>
             <a:off x="2832604" y="5445183"/>
-            <a:ext cx="1608133" cy="307777"/>
+            <a:ext cx="1605703" cy="307777"/>
           </a:xfrm>
           <a:prstGeom prst="rect">
             <a:avLst/>
@@ -8815,7 +8815,11 @@
           <a:p>
             <a:r>
               <a:rPr kumimoji="1" lang="en-US" altLang="ja-JP" sz="1400"/>
-              <a:t>View all Post’s User</a:t>
+              <a:t>View all </a:t>
+            </a:r>
+            <a:r>
+              <a:rPr kumimoji="1" lang="en-US" altLang="ja-JP" sz="1400"/>
+              <a:t>User’s Post</a:t>
             </a:r>
             <a:endParaRPr kumimoji="1" lang="ja-JP" altLang="en-US" sz="1400"/>
           </a:p>
@@ -9187,7 +9191,7 @@
         <p:spPr>
           <a:xfrm>
             <a:off x="387048" y="762000"/>
-            <a:ext cx="3967238" cy="3716867"/>
+            <a:ext cx="3967238" cy="4140623"/>
           </a:xfrm>
           <a:prstGeom prst="rect">
             <a:avLst/>
@@ -9559,14 +9563,14 @@
           <p:nvPr>
             <p:extLst>
               <p:ext uri="{D42A27DB-BD31-4B8C-83A1-F6EECF244321}">
-                <p14:modId xmlns:p14="http://schemas.microsoft.com/office/powerpoint/2010/main" val="3839537198"/>
+                <p14:modId xmlns:p14="http://schemas.microsoft.com/office/powerpoint/2010/main" val="1252945179"/>
               </p:ext>
             </p:extLst>
           </p:nvPr>
         </p:nvGraphicFramePr>
         <p:xfrm>
           <a:off x="4478866" y="876073"/>
-          <a:ext cx="4461935" cy="1962492"/>
+          <a:ext cx="4461935" cy="3805376"/>
         </p:xfrm>
         <a:graphic>
           <a:graphicData uri="http://schemas.openxmlformats.org/drawingml/2006/table">
@@ -9993,6 +9997,368 @@
                   <a:tcPr/>
                 </a:tc>
               </a:tr>
+              <a:tr h="327082">
+                <a:tc>
+                  <a:txBody>
+                    <a:bodyPr/>
+                    <a:lstStyle/>
+                    <a:p>
+                      <a:r>
+                        <a:rPr kumimoji="1" lang="en-US" altLang="ja-JP" sz="1000"/>
+                        <a:t>6</a:t>
+                      </a:r>
+                      <a:endParaRPr kumimoji="1" lang="ja-JP" altLang="en-US" sz="1000"/>
+                    </a:p>
+                  </a:txBody>
+                  <a:tcPr/>
+                </a:tc>
+                <a:tc>
+                  <a:txBody>
+                    <a:bodyPr/>
+                    <a:lstStyle/>
+                    <a:p>
+                      <a:r>
+                        <a:rPr kumimoji="1" lang="en-US" altLang="ja-JP" sz="1000"/>
+                        <a:t>Image Post</a:t>
+                      </a:r>
+                      <a:endParaRPr kumimoji="1" lang="ja-JP" altLang="en-US" sz="1000"/>
+                    </a:p>
+                  </a:txBody>
+                  <a:tcPr/>
+                </a:tc>
+                <a:tc>
+                  <a:txBody>
+                    <a:bodyPr/>
+                    <a:lstStyle/>
+                    <a:p>
+                      <a:endParaRPr kumimoji="1" lang="ja-JP" altLang="en-US" sz="1000"/>
+                    </a:p>
+                  </a:txBody>
+                  <a:tcPr/>
+                </a:tc>
+                <a:tc>
+                  <a:txBody>
+                    <a:bodyPr/>
+                    <a:lstStyle/>
+                    <a:p>
+                      <a:pPr marL="0" marR="0" indent="0" algn="l" defTabSz="457200" rtl="0" eaLnBrk="1" fontAlgn="auto" latinLnBrk="0" hangingPunct="1">
+                        <a:lnSpc>
+                          <a:spcPct val="100000"/>
+                        </a:lnSpc>
+                        <a:spcBef>
+                          <a:spcPts val="0"/>
+                        </a:spcBef>
+                        <a:spcAft>
+                          <a:spcPts val="0"/>
+                        </a:spcAft>
+                        <a:buClrTx/>
+                        <a:buSzTx/>
+                        <a:buFontTx/>
+                        <a:buNone/>
+                        <a:tabLst/>
+                        <a:defRPr/>
+                      </a:pPr>
+                      <a:r>
+                        <a:rPr kumimoji="1" lang="en-US" altLang="ja-JP" sz="1000"/>
+                        <a:t>Click =&gt; go to detail post</a:t>
+                      </a:r>
+                      <a:endParaRPr kumimoji="1" lang="ja-JP" altLang="en-US" sz="1000"/>
+                    </a:p>
+                  </a:txBody>
+                  <a:tcPr/>
+                </a:tc>
+                <a:tc>
+                  <a:txBody>
+                    <a:bodyPr/>
+                    <a:lstStyle/>
+                    <a:p>
+                      <a:r>
+                        <a:rPr kumimoji="1" lang="vi-VN" altLang="ja-JP" sz="1000"/>
+                        <a:t>S-3-2</a:t>
+                      </a:r>
+                      <a:endParaRPr kumimoji="1" lang="ja-JP" altLang="en-US" sz="1000"/>
+                    </a:p>
+                  </a:txBody>
+                  <a:tcPr/>
+                </a:tc>
+              </a:tr>
+              <a:tr h="327082">
+                <a:tc>
+                  <a:txBody>
+                    <a:bodyPr/>
+                    <a:lstStyle/>
+                    <a:p>
+                      <a:r>
+                        <a:rPr kumimoji="1" lang="en-US" altLang="ja-JP" sz="1000"/>
+                        <a:t>7</a:t>
+                      </a:r>
+                      <a:endParaRPr kumimoji="1" lang="ja-JP" altLang="en-US" sz="1000"/>
+                    </a:p>
+                  </a:txBody>
+                  <a:tcPr/>
+                </a:tc>
+                <a:tc>
+                  <a:txBody>
+                    <a:bodyPr/>
+                    <a:lstStyle/>
+                    <a:p>
+                      <a:r>
+                        <a:rPr kumimoji="1" lang="en-US" altLang="ja-JP" sz="1000"/>
+                        <a:t>Title Post</a:t>
+                      </a:r>
+                      <a:endParaRPr kumimoji="1" lang="ja-JP" altLang="en-US" sz="1000"/>
+                    </a:p>
+                  </a:txBody>
+                  <a:tcPr/>
+                </a:tc>
+                <a:tc>
+                  <a:txBody>
+                    <a:bodyPr/>
+                    <a:lstStyle/>
+                    <a:p>
+                      <a:endParaRPr kumimoji="1" lang="ja-JP" altLang="en-US" sz="1000"/>
+                    </a:p>
+                  </a:txBody>
+                  <a:tcPr/>
+                </a:tc>
+                <a:tc>
+                  <a:txBody>
+                    <a:bodyPr/>
+                    <a:lstStyle/>
+                    <a:p>
+                      <a:r>
+                        <a:rPr kumimoji="1" lang="en-US" altLang="ja-JP" sz="1000"/>
+                        <a:t>Click =&gt; go to detail post</a:t>
+                      </a:r>
+                      <a:endParaRPr kumimoji="1" lang="ja-JP" altLang="en-US" sz="1000"/>
+                    </a:p>
+                  </a:txBody>
+                  <a:tcPr/>
+                </a:tc>
+                <a:tc>
+                  <a:txBody>
+                    <a:bodyPr/>
+                    <a:lstStyle/>
+                    <a:p>
+                      <a:r>
+                        <a:rPr kumimoji="1" lang="en-US" altLang="ja-JP" sz="1000"/>
+                        <a:t>S-3-2</a:t>
+                      </a:r>
+                      <a:endParaRPr kumimoji="1" lang="ja-JP" altLang="en-US" sz="1000"/>
+                    </a:p>
+                  </a:txBody>
+                  <a:tcPr/>
+                </a:tc>
+              </a:tr>
+              <a:tr h="327082">
+                <a:tc>
+                  <a:txBody>
+                    <a:bodyPr/>
+                    <a:lstStyle/>
+                    <a:p>
+                      <a:r>
+                        <a:rPr kumimoji="1" lang="en-US" altLang="ja-JP" sz="1000"/>
+                        <a:t>8</a:t>
+                      </a:r>
+                      <a:endParaRPr kumimoji="1" lang="ja-JP" altLang="en-US" sz="1000"/>
+                    </a:p>
+                  </a:txBody>
+                  <a:tcPr/>
+                </a:tc>
+                <a:tc>
+                  <a:txBody>
+                    <a:bodyPr/>
+                    <a:lstStyle/>
+                    <a:p>
+                      <a:r>
+                        <a:rPr kumimoji="1" lang="en-US" altLang="ja-JP" sz="1000"/>
+                        <a:t>Date Post</a:t>
+                      </a:r>
+                      <a:endParaRPr kumimoji="1" lang="ja-JP" altLang="en-US" sz="1000"/>
+                    </a:p>
+                  </a:txBody>
+                  <a:tcPr/>
+                </a:tc>
+                <a:tc>
+                  <a:txBody>
+                    <a:bodyPr/>
+                    <a:lstStyle/>
+                    <a:p>
+                      <a:endParaRPr kumimoji="1" lang="ja-JP" altLang="en-US" sz="1000"/>
+                    </a:p>
+                  </a:txBody>
+                  <a:tcPr/>
+                </a:tc>
+                <a:tc>
+                  <a:txBody>
+                    <a:bodyPr/>
+                    <a:lstStyle/>
+                    <a:p>
+                      <a:endParaRPr kumimoji="1" lang="ja-JP" altLang="en-US" sz="1000"/>
+                    </a:p>
+                  </a:txBody>
+                  <a:tcPr/>
+                </a:tc>
+                <a:tc>
+                  <a:txBody>
+                    <a:bodyPr/>
+                    <a:lstStyle/>
+                    <a:p>
+                      <a:endParaRPr kumimoji="1" lang="ja-JP" altLang="en-US" sz="1000"/>
+                    </a:p>
+                  </a:txBody>
+                  <a:tcPr/>
+                </a:tc>
+              </a:tr>
+              <a:tr h="327082">
+                <a:tc>
+                  <a:txBody>
+                    <a:bodyPr/>
+                    <a:lstStyle/>
+                    <a:p>
+                      <a:r>
+                        <a:rPr kumimoji="1" lang="en-US" altLang="ja-JP" sz="1000"/>
+                        <a:t>9</a:t>
+                      </a:r>
+                      <a:endParaRPr kumimoji="1" lang="ja-JP" altLang="en-US" sz="1000"/>
+                    </a:p>
+                  </a:txBody>
+                  <a:tcPr/>
+                </a:tc>
+                <a:tc>
+                  <a:txBody>
+                    <a:bodyPr/>
+                    <a:lstStyle/>
+                    <a:p>
+                      <a:r>
+                        <a:rPr kumimoji="1" lang="en-US" altLang="ja-JP" sz="1000"/>
+                        <a:t>Author Post</a:t>
+                      </a:r>
+                      <a:endParaRPr kumimoji="1" lang="ja-JP" altLang="en-US" sz="1000"/>
+                    </a:p>
+                  </a:txBody>
+                  <a:tcPr/>
+                </a:tc>
+                <a:tc>
+                  <a:txBody>
+                    <a:bodyPr/>
+                    <a:lstStyle/>
+                    <a:p>
+                      <a:endParaRPr kumimoji="1" lang="ja-JP" altLang="en-US" sz="1000"/>
+                    </a:p>
+                  </a:txBody>
+                  <a:tcPr/>
+                </a:tc>
+                <a:tc>
+                  <a:txBody>
+                    <a:bodyPr/>
+                    <a:lstStyle/>
+                    <a:p>
+                      <a:pPr marL="0" marR="0" indent="0" algn="l" defTabSz="457200" rtl="0" eaLnBrk="1" fontAlgn="auto" latinLnBrk="0" hangingPunct="1">
+                        <a:lnSpc>
+                          <a:spcPct val="100000"/>
+                        </a:lnSpc>
+                        <a:spcBef>
+                          <a:spcPts val="0"/>
+                        </a:spcBef>
+                        <a:spcAft>
+                          <a:spcPts val="0"/>
+                        </a:spcAft>
+                        <a:buClrTx/>
+                        <a:buSzTx/>
+                        <a:buFontTx/>
+                        <a:buNone/>
+                        <a:tabLst/>
+                        <a:defRPr/>
+                      </a:pPr>
+                      <a:r>
+                        <a:rPr kumimoji="1" lang="en-US" altLang="ja-JP" sz="1000"/>
+                        <a:t>Click =&gt; </a:t>
+                      </a:r>
+                      <a:r>
+                        <a:rPr kumimoji="1" lang="en-US" altLang="ja-JP" sz="1000"/>
+                        <a:t>All user’s post</a:t>
+                      </a:r>
+                      <a:endParaRPr kumimoji="1" lang="ja-JP" altLang="en-US" sz="1000"/>
+                    </a:p>
+                  </a:txBody>
+                  <a:tcPr/>
+                </a:tc>
+                <a:tc>
+                  <a:txBody>
+                    <a:bodyPr/>
+                    <a:lstStyle/>
+                    <a:p>
+                      <a:r>
+                        <a:rPr kumimoji="1" lang="vi-VN" altLang="ja-JP" sz="1000"/>
+                        <a:t>S-5-2</a:t>
+                      </a:r>
+                      <a:endParaRPr kumimoji="1" lang="ja-JP" altLang="en-US" sz="1000"/>
+                    </a:p>
+                  </a:txBody>
+                  <a:tcPr/>
+                </a:tc>
+              </a:tr>
+              <a:tr h="327082">
+                <a:tc>
+                  <a:txBody>
+                    <a:bodyPr/>
+                    <a:lstStyle/>
+                    <a:p>
+                      <a:r>
+                        <a:rPr kumimoji="1" lang="en-US" altLang="ja-JP" sz="1000"/>
+                        <a:t>10</a:t>
+                      </a:r>
+                      <a:endParaRPr kumimoji="1" lang="ja-JP" altLang="en-US" sz="1000"/>
+                    </a:p>
+                  </a:txBody>
+                  <a:tcPr/>
+                </a:tc>
+                <a:tc>
+                  <a:txBody>
+                    <a:bodyPr/>
+                    <a:lstStyle/>
+                    <a:p>
+                      <a:r>
+                        <a:rPr kumimoji="1" lang="en-US" altLang="ja-JP" sz="1000"/>
+                        <a:t>Description Post</a:t>
+                      </a:r>
+                      <a:endParaRPr kumimoji="1" lang="ja-JP" altLang="en-US" sz="1000"/>
+                    </a:p>
+                  </a:txBody>
+                  <a:tcPr/>
+                </a:tc>
+                <a:tc>
+                  <a:txBody>
+                    <a:bodyPr/>
+                    <a:lstStyle/>
+                    <a:p>
+                      <a:endParaRPr kumimoji="1" lang="ja-JP" altLang="en-US" sz="1000"/>
+                    </a:p>
+                  </a:txBody>
+                  <a:tcPr/>
+                </a:tc>
+                <a:tc>
+                  <a:txBody>
+                    <a:bodyPr/>
+                    <a:lstStyle/>
+                    <a:p>
+                      <a:endParaRPr kumimoji="1" lang="ja-JP" altLang="en-US" sz="1000"/>
+                    </a:p>
+                  </a:txBody>
+                  <a:tcPr/>
+                </a:tc>
+                <a:tc>
+                  <a:txBody>
+                    <a:bodyPr/>
+                    <a:lstStyle/>
+                    <a:p>
+                      <a:endParaRPr kumimoji="1" lang="ja-JP" altLang="en-US" sz="1000"/>
+                    </a:p>
+                  </a:txBody>
+                  <a:tcPr/>
+                </a:tc>
+              </a:tr>
             </a:tbl>
           </a:graphicData>
         </a:graphic>
@@ -10214,6 +10580,670 @@
                 <a:srgbClr val="FF0000"/>
               </a:solidFill>
             </a:endParaRPr>
+          </a:p>
+        </p:txBody>
+      </p:sp>
+      <p:sp>
+        <p:nvSpPr>
+          <p:cNvPr id="31" name="TextBox 30"/>
+          <p:cNvSpPr txBox="1"/>
+          <p:nvPr/>
+        </p:nvSpPr>
+        <p:spPr>
+          <a:xfrm>
+            <a:off x="571436" y="2769247"/>
+            <a:ext cx="327433" cy="246221"/>
+          </a:xfrm>
+          <a:prstGeom prst="rect">
+            <a:avLst/>
+          </a:prstGeom>
+          <a:noFill/>
+        </p:spPr>
+        <p:txBody>
+          <a:bodyPr wrap="none" rtlCol="0">
+            <a:spAutoFit/>
+          </a:bodyPr>
+          <a:lstStyle/>
+          <a:p>
+            <a:r>
+              <a:rPr kumimoji="1" lang="en-US" altLang="ja-JP" sz="1000">
+                <a:solidFill>
+                  <a:srgbClr val="FF0000"/>
+                </a:solidFill>
+              </a:rPr>
+              <a:t>(6)</a:t>
+            </a:r>
+            <a:endParaRPr kumimoji="1" lang="ja-JP" altLang="en-US" sz="1000">
+              <a:solidFill>
+                <a:srgbClr val="FF0000"/>
+              </a:solidFill>
+            </a:endParaRPr>
+          </a:p>
+        </p:txBody>
+      </p:sp>
+      <p:sp>
+        <p:nvSpPr>
+          <p:cNvPr id="32" name="TextBox 31"/>
+          <p:cNvSpPr txBox="1"/>
+          <p:nvPr/>
+        </p:nvSpPr>
+        <p:spPr>
+          <a:xfrm>
+            <a:off x="1593164" y="2406748"/>
+            <a:ext cx="327433" cy="246221"/>
+          </a:xfrm>
+          <a:prstGeom prst="rect">
+            <a:avLst/>
+          </a:prstGeom>
+          <a:noFill/>
+        </p:spPr>
+        <p:txBody>
+          <a:bodyPr wrap="none" rtlCol="0">
+            <a:spAutoFit/>
+          </a:bodyPr>
+          <a:lstStyle/>
+          <a:p>
+            <a:r>
+              <a:rPr kumimoji="1" lang="en-US" altLang="ja-JP" sz="1000">
+                <a:solidFill>
+                  <a:srgbClr val="FF0000"/>
+                </a:solidFill>
+              </a:rPr>
+              <a:t>(7)</a:t>
+            </a:r>
+            <a:endParaRPr kumimoji="1" lang="ja-JP" altLang="en-US" sz="1000">
+              <a:solidFill>
+                <a:srgbClr val="FF0000"/>
+              </a:solidFill>
+            </a:endParaRPr>
+          </a:p>
+        </p:txBody>
+      </p:sp>
+      <p:sp>
+        <p:nvSpPr>
+          <p:cNvPr id="33" name="TextBox 32"/>
+          <p:cNvSpPr txBox="1"/>
+          <p:nvPr/>
+        </p:nvSpPr>
+        <p:spPr>
+          <a:xfrm>
+            <a:off x="2034277" y="2406748"/>
+            <a:ext cx="327433" cy="246221"/>
+          </a:xfrm>
+          <a:prstGeom prst="rect">
+            <a:avLst/>
+          </a:prstGeom>
+          <a:noFill/>
+        </p:spPr>
+        <p:txBody>
+          <a:bodyPr wrap="none" rtlCol="0">
+            <a:spAutoFit/>
+          </a:bodyPr>
+          <a:lstStyle/>
+          <a:p>
+            <a:r>
+              <a:rPr kumimoji="1" lang="en-US" altLang="ja-JP" sz="1000">
+                <a:solidFill>
+                  <a:srgbClr val="FF0000"/>
+                </a:solidFill>
+              </a:rPr>
+              <a:t>(8)</a:t>
+            </a:r>
+            <a:endParaRPr kumimoji="1" lang="ja-JP" altLang="en-US" sz="1000">
+              <a:solidFill>
+                <a:srgbClr val="FF0000"/>
+              </a:solidFill>
+            </a:endParaRPr>
+          </a:p>
+        </p:txBody>
+      </p:sp>
+      <p:sp>
+        <p:nvSpPr>
+          <p:cNvPr id="34" name="TextBox 33"/>
+          <p:cNvSpPr txBox="1"/>
+          <p:nvPr/>
+        </p:nvSpPr>
+        <p:spPr>
+          <a:xfrm>
+            <a:off x="3173699" y="2538411"/>
+            <a:ext cx="327433" cy="246221"/>
+          </a:xfrm>
+          <a:prstGeom prst="rect">
+            <a:avLst/>
+          </a:prstGeom>
+          <a:noFill/>
+        </p:spPr>
+        <p:txBody>
+          <a:bodyPr wrap="none" rtlCol="0">
+            <a:spAutoFit/>
+          </a:bodyPr>
+          <a:lstStyle/>
+          <a:p>
+            <a:r>
+              <a:rPr kumimoji="1" lang="en-US" altLang="ja-JP" sz="1000">
+                <a:solidFill>
+                  <a:srgbClr val="FF0000"/>
+                </a:solidFill>
+              </a:rPr>
+              <a:t>(9)</a:t>
+            </a:r>
+            <a:endParaRPr kumimoji="1" lang="ja-JP" altLang="en-US" sz="1000">
+              <a:solidFill>
+                <a:srgbClr val="FF0000"/>
+              </a:solidFill>
+            </a:endParaRPr>
+          </a:p>
+        </p:txBody>
+      </p:sp>
+      <p:sp>
+        <p:nvSpPr>
+          <p:cNvPr id="6" name="Rectangle 5"/>
+          <p:cNvSpPr/>
+          <p:nvPr/>
+        </p:nvSpPr>
+        <p:spPr>
+          <a:xfrm>
+            <a:off x="618067" y="2491418"/>
+            <a:ext cx="557218" cy="531168"/>
+          </a:xfrm>
+          <a:prstGeom prst="rect">
+            <a:avLst/>
+          </a:prstGeom>
+          <a:ln>
+            <a:solidFill>
+              <a:schemeClr val="tx1"/>
+            </a:solidFill>
+          </a:ln>
+          <a:effectLst/>
+        </p:spPr>
+        <p:style>
+          <a:lnRef idx="1">
+            <a:schemeClr val="accent1"/>
+          </a:lnRef>
+          <a:fillRef idx="3">
+            <a:schemeClr val="accent1"/>
+          </a:fillRef>
+          <a:effectRef idx="2">
+            <a:schemeClr val="accent1"/>
+          </a:effectRef>
+          <a:fontRef idx="minor">
+            <a:schemeClr val="lt1"/>
+          </a:fontRef>
+        </p:style>
+        <p:txBody>
+          <a:bodyPr rtlCol="0" anchor="ctr"/>
+          <a:lstStyle/>
+          <a:p>
+            <a:pPr algn="ctr"/>
+            <a:r>
+              <a:rPr kumimoji="1" lang="en-US" altLang="ja-JP" sz="900">
+                <a:solidFill>
+                  <a:schemeClr val="tx1"/>
+                </a:solidFill>
+              </a:rPr>
+              <a:t>Image</a:t>
+            </a:r>
+            <a:endParaRPr kumimoji="1" lang="ja-JP" altLang="en-US" sz="900">
+              <a:solidFill>
+                <a:schemeClr val="tx1"/>
+              </a:solidFill>
+            </a:endParaRPr>
+          </a:p>
+        </p:txBody>
+      </p:sp>
+      <p:sp>
+        <p:nvSpPr>
+          <p:cNvPr id="10" name="TextBox 9"/>
+          <p:cNvSpPr txBox="1"/>
+          <p:nvPr/>
+        </p:nvSpPr>
+        <p:spPr>
+          <a:xfrm>
+            <a:off x="1176867" y="2406748"/>
+            <a:ext cx="505830" cy="246221"/>
+          </a:xfrm>
+          <a:prstGeom prst="rect">
+            <a:avLst/>
+          </a:prstGeom>
+          <a:noFill/>
+        </p:spPr>
+        <p:txBody>
+          <a:bodyPr wrap="none" rtlCol="0">
+            <a:spAutoFit/>
+          </a:bodyPr>
+          <a:lstStyle/>
+          <a:p>
+            <a:r>
+              <a:rPr kumimoji="1" lang="en-US" altLang="ja-JP" sz="1000"/>
+              <a:t>Blog 1</a:t>
+            </a:r>
+            <a:endParaRPr kumimoji="1" lang="ja-JP" altLang="en-US" sz="1000"/>
+          </a:p>
+        </p:txBody>
+      </p:sp>
+      <p:sp>
+        <p:nvSpPr>
+          <p:cNvPr id="11" name="TextBox 10"/>
+          <p:cNvSpPr txBox="1"/>
+          <p:nvPr/>
+        </p:nvSpPr>
+        <p:spPr>
+          <a:xfrm>
+            <a:off x="1200686" y="2538411"/>
+            <a:ext cx="2096678" cy="215444"/>
+          </a:xfrm>
+          <a:prstGeom prst="rect">
+            <a:avLst/>
+          </a:prstGeom>
+          <a:noFill/>
+        </p:spPr>
+        <p:txBody>
+          <a:bodyPr wrap="none" rtlCol="0">
+            <a:spAutoFit/>
+          </a:bodyPr>
+          <a:lstStyle/>
+          <a:p>
+            <a:r>
+              <a:rPr kumimoji="1" lang="en-US" altLang="ja-JP" sz="800" i="1">
+                <a:solidFill>
+                  <a:schemeClr val="bg1">
+                    <a:lumMod val="65000"/>
+                  </a:schemeClr>
+                </a:solidFill>
+              </a:rPr>
+              <a:t>Date: 08/12/2015 12:40 | Author: Tam Pham</a:t>
+            </a:r>
+            <a:endParaRPr kumimoji="1" lang="ja-JP" altLang="en-US" sz="800" i="1">
+              <a:solidFill>
+                <a:schemeClr val="bg1">
+                  <a:lumMod val="65000"/>
+                </a:schemeClr>
+              </a:solidFill>
+            </a:endParaRPr>
+          </a:p>
+        </p:txBody>
+      </p:sp>
+      <p:sp>
+        <p:nvSpPr>
+          <p:cNvPr id="12" name="TextBox 11"/>
+          <p:cNvSpPr txBox="1"/>
+          <p:nvPr/>
+        </p:nvSpPr>
+        <p:spPr>
+          <a:xfrm>
+            <a:off x="1196434" y="2686119"/>
+            <a:ext cx="3445934" cy="400110"/>
+          </a:xfrm>
+          <a:prstGeom prst="rect">
+            <a:avLst/>
+          </a:prstGeom>
+          <a:noFill/>
+        </p:spPr>
+        <p:txBody>
+          <a:bodyPr wrap="square" rtlCol="0">
+            <a:spAutoFit/>
+          </a:bodyPr>
+          <a:lstStyle/>
+          <a:p>
+            <a:r>
+              <a:rPr kumimoji="1" lang="en-US" altLang="ja-JP" sz="1000"/>
+              <a:t>Lorem Ipsum is simply dummy text of the printing and typesetting industry. Lorem Ipsum has been the</a:t>
+            </a:r>
+            <a:endParaRPr kumimoji="1" lang="ja-JP" altLang="en-US" sz="1000"/>
+          </a:p>
+        </p:txBody>
+      </p:sp>
+      <p:sp>
+        <p:nvSpPr>
+          <p:cNvPr id="38" name="TextBox 37"/>
+          <p:cNvSpPr txBox="1"/>
+          <p:nvPr/>
+        </p:nvSpPr>
+        <p:spPr>
+          <a:xfrm>
+            <a:off x="3778899" y="2848673"/>
+            <a:ext cx="392430" cy="246221"/>
+          </a:xfrm>
+          <a:prstGeom prst="rect">
+            <a:avLst/>
+          </a:prstGeom>
+          <a:noFill/>
+        </p:spPr>
+        <p:txBody>
+          <a:bodyPr wrap="none" rtlCol="0">
+            <a:spAutoFit/>
+          </a:bodyPr>
+          <a:lstStyle/>
+          <a:p>
+            <a:r>
+              <a:rPr kumimoji="1" lang="en-US" altLang="ja-JP" sz="1000">
+                <a:solidFill>
+                  <a:srgbClr val="FF0000"/>
+                </a:solidFill>
+              </a:rPr>
+              <a:t>(10)</a:t>
+            </a:r>
+            <a:endParaRPr kumimoji="1" lang="ja-JP" altLang="en-US" sz="1000">
+              <a:solidFill>
+                <a:srgbClr val="FF0000"/>
+              </a:solidFill>
+            </a:endParaRPr>
+          </a:p>
+        </p:txBody>
+      </p:sp>
+      <p:sp>
+        <p:nvSpPr>
+          <p:cNvPr id="39" name="Rectangle 38"/>
+          <p:cNvSpPr/>
+          <p:nvPr/>
+        </p:nvSpPr>
+        <p:spPr>
+          <a:xfrm>
+            <a:off x="622319" y="3137032"/>
+            <a:ext cx="557218" cy="531168"/>
+          </a:xfrm>
+          <a:prstGeom prst="rect">
+            <a:avLst/>
+          </a:prstGeom>
+          <a:ln>
+            <a:solidFill>
+              <a:schemeClr val="tx1"/>
+            </a:solidFill>
+          </a:ln>
+          <a:effectLst/>
+        </p:spPr>
+        <p:style>
+          <a:lnRef idx="1">
+            <a:schemeClr val="accent1"/>
+          </a:lnRef>
+          <a:fillRef idx="3">
+            <a:schemeClr val="accent1"/>
+          </a:fillRef>
+          <a:effectRef idx="2">
+            <a:schemeClr val="accent1"/>
+          </a:effectRef>
+          <a:fontRef idx="minor">
+            <a:schemeClr val="lt1"/>
+          </a:fontRef>
+        </p:style>
+        <p:txBody>
+          <a:bodyPr rtlCol="0" anchor="ctr"/>
+          <a:lstStyle/>
+          <a:p>
+            <a:pPr algn="ctr"/>
+            <a:r>
+              <a:rPr kumimoji="1" lang="en-US" altLang="ja-JP" sz="900">
+                <a:solidFill>
+                  <a:schemeClr val="tx1"/>
+                </a:solidFill>
+              </a:rPr>
+              <a:t>Image</a:t>
+            </a:r>
+            <a:endParaRPr kumimoji="1" lang="ja-JP" altLang="en-US" sz="900">
+              <a:solidFill>
+                <a:schemeClr val="tx1"/>
+              </a:solidFill>
+            </a:endParaRPr>
+          </a:p>
+        </p:txBody>
+      </p:sp>
+      <p:sp>
+        <p:nvSpPr>
+          <p:cNvPr id="40" name="TextBox 39"/>
+          <p:cNvSpPr txBox="1"/>
+          <p:nvPr/>
+        </p:nvSpPr>
+        <p:spPr>
+          <a:xfrm>
+            <a:off x="1181119" y="3052362"/>
+            <a:ext cx="505830" cy="246221"/>
+          </a:xfrm>
+          <a:prstGeom prst="rect">
+            <a:avLst/>
+          </a:prstGeom>
+          <a:noFill/>
+        </p:spPr>
+        <p:txBody>
+          <a:bodyPr wrap="none" rtlCol="0">
+            <a:spAutoFit/>
+          </a:bodyPr>
+          <a:lstStyle/>
+          <a:p>
+            <a:r>
+              <a:rPr kumimoji="1" lang="en-US" altLang="ja-JP" sz="1000"/>
+              <a:t>Blog 1</a:t>
+            </a:r>
+            <a:endParaRPr kumimoji="1" lang="ja-JP" altLang="en-US" sz="1000"/>
+          </a:p>
+        </p:txBody>
+      </p:sp>
+      <p:sp>
+        <p:nvSpPr>
+          <p:cNvPr id="41" name="TextBox 40"/>
+          <p:cNvSpPr txBox="1"/>
+          <p:nvPr/>
+        </p:nvSpPr>
+        <p:spPr>
+          <a:xfrm>
+            <a:off x="1204938" y="3184025"/>
+            <a:ext cx="2096678" cy="215444"/>
+          </a:xfrm>
+          <a:prstGeom prst="rect">
+            <a:avLst/>
+          </a:prstGeom>
+          <a:noFill/>
+        </p:spPr>
+        <p:txBody>
+          <a:bodyPr wrap="none" rtlCol="0">
+            <a:spAutoFit/>
+          </a:bodyPr>
+          <a:lstStyle/>
+          <a:p>
+            <a:r>
+              <a:rPr kumimoji="1" lang="en-US" altLang="ja-JP" sz="800" i="1">
+                <a:solidFill>
+                  <a:schemeClr val="bg1">
+                    <a:lumMod val="65000"/>
+                  </a:schemeClr>
+                </a:solidFill>
+              </a:rPr>
+              <a:t>Date: 08/12/2015 12:40 | Author: Tam Pham</a:t>
+            </a:r>
+            <a:endParaRPr kumimoji="1" lang="ja-JP" altLang="en-US" sz="800" i="1">
+              <a:solidFill>
+                <a:schemeClr val="bg1">
+                  <a:lumMod val="65000"/>
+                </a:schemeClr>
+              </a:solidFill>
+            </a:endParaRPr>
+          </a:p>
+        </p:txBody>
+      </p:sp>
+      <p:sp>
+        <p:nvSpPr>
+          <p:cNvPr id="42" name="TextBox 41"/>
+          <p:cNvSpPr txBox="1"/>
+          <p:nvPr/>
+        </p:nvSpPr>
+        <p:spPr>
+          <a:xfrm>
+            <a:off x="1200686" y="3331733"/>
+            <a:ext cx="3445934" cy="400110"/>
+          </a:xfrm>
+          <a:prstGeom prst="rect">
+            <a:avLst/>
+          </a:prstGeom>
+          <a:noFill/>
+        </p:spPr>
+        <p:txBody>
+          <a:bodyPr wrap="square" rtlCol="0">
+            <a:spAutoFit/>
+          </a:bodyPr>
+          <a:lstStyle/>
+          <a:p>
+            <a:r>
+              <a:rPr kumimoji="1" lang="en-US" altLang="ja-JP" sz="1000"/>
+              <a:t>Lorem Ipsum is simply dummy text of the printing and typesetting industry. Lorem Ipsum has been the</a:t>
+            </a:r>
+            <a:endParaRPr kumimoji="1" lang="ja-JP" altLang="en-US" sz="1000"/>
+          </a:p>
+        </p:txBody>
+      </p:sp>
+      <p:sp>
+        <p:nvSpPr>
+          <p:cNvPr id="43" name="Rectangle 42"/>
+          <p:cNvSpPr/>
+          <p:nvPr/>
+        </p:nvSpPr>
+        <p:spPr>
+          <a:xfrm>
+            <a:off x="613815" y="3896856"/>
+            <a:ext cx="557218" cy="531168"/>
+          </a:xfrm>
+          <a:prstGeom prst="rect">
+            <a:avLst/>
+          </a:prstGeom>
+          <a:ln>
+            <a:solidFill>
+              <a:schemeClr val="tx1"/>
+            </a:solidFill>
+          </a:ln>
+          <a:effectLst/>
+        </p:spPr>
+        <p:style>
+          <a:lnRef idx="1">
+            <a:schemeClr val="accent1"/>
+          </a:lnRef>
+          <a:fillRef idx="3">
+            <a:schemeClr val="accent1"/>
+          </a:fillRef>
+          <a:effectRef idx="2">
+            <a:schemeClr val="accent1"/>
+          </a:effectRef>
+          <a:fontRef idx="minor">
+            <a:schemeClr val="lt1"/>
+          </a:fontRef>
+        </p:style>
+        <p:txBody>
+          <a:bodyPr rtlCol="0" anchor="ctr"/>
+          <a:lstStyle/>
+          <a:p>
+            <a:pPr algn="ctr"/>
+            <a:r>
+              <a:rPr kumimoji="1" lang="en-US" altLang="ja-JP" sz="900">
+                <a:solidFill>
+                  <a:schemeClr val="tx1"/>
+                </a:solidFill>
+              </a:rPr>
+              <a:t>Image</a:t>
+            </a:r>
+            <a:endParaRPr kumimoji="1" lang="ja-JP" altLang="en-US" sz="900">
+              <a:solidFill>
+                <a:schemeClr val="tx1"/>
+              </a:solidFill>
+            </a:endParaRPr>
+          </a:p>
+        </p:txBody>
+      </p:sp>
+      <p:sp>
+        <p:nvSpPr>
+          <p:cNvPr id="44" name="TextBox 43"/>
+          <p:cNvSpPr txBox="1"/>
+          <p:nvPr/>
+        </p:nvSpPr>
+        <p:spPr>
+          <a:xfrm>
+            <a:off x="1172615" y="3812186"/>
+            <a:ext cx="505830" cy="246221"/>
+          </a:xfrm>
+          <a:prstGeom prst="rect">
+            <a:avLst/>
+          </a:prstGeom>
+          <a:noFill/>
+        </p:spPr>
+        <p:txBody>
+          <a:bodyPr wrap="none" rtlCol="0">
+            <a:spAutoFit/>
+          </a:bodyPr>
+          <a:lstStyle/>
+          <a:p>
+            <a:r>
+              <a:rPr kumimoji="1" lang="en-US" altLang="ja-JP" sz="1000"/>
+              <a:t>Blog 1</a:t>
+            </a:r>
+            <a:endParaRPr kumimoji="1" lang="ja-JP" altLang="en-US" sz="1000"/>
+          </a:p>
+        </p:txBody>
+      </p:sp>
+      <p:sp>
+        <p:nvSpPr>
+          <p:cNvPr id="45" name="TextBox 44"/>
+          <p:cNvSpPr txBox="1"/>
+          <p:nvPr/>
+        </p:nvSpPr>
+        <p:spPr>
+          <a:xfrm>
+            <a:off x="1196434" y="3943849"/>
+            <a:ext cx="2096678" cy="215444"/>
+          </a:xfrm>
+          <a:prstGeom prst="rect">
+            <a:avLst/>
+          </a:prstGeom>
+          <a:noFill/>
+        </p:spPr>
+        <p:txBody>
+          <a:bodyPr wrap="none" rtlCol="0">
+            <a:spAutoFit/>
+          </a:bodyPr>
+          <a:lstStyle/>
+          <a:p>
+            <a:r>
+              <a:rPr kumimoji="1" lang="en-US" altLang="ja-JP" sz="800" i="1">
+                <a:solidFill>
+                  <a:schemeClr val="bg1">
+                    <a:lumMod val="65000"/>
+                  </a:schemeClr>
+                </a:solidFill>
+              </a:rPr>
+              <a:t>Date: 08/12/2015 12:40 | Author: Tam Pham</a:t>
+            </a:r>
+            <a:endParaRPr kumimoji="1" lang="ja-JP" altLang="en-US" sz="800" i="1">
+              <a:solidFill>
+                <a:schemeClr val="bg1">
+                  <a:lumMod val="65000"/>
+                </a:schemeClr>
+              </a:solidFill>
+            </a:endParaRPr>
+          </a:p>
+        </p:txBody>
+      </p:sp>
+      <p:sp>
+        <p:nvSpPr>
+          <p:cNvPr id="46" name="TextBox 45"/>
+          <p:cNvSpPr txBox="1"/>
+          <p:nvPr/>
+        </p:nvSpPr>
+        <p:spPr>
+          <a:xfrm>
+            <a:off x="1192182" y="4091557"/>
+            <a:ext cx="3445934" cy="400110"/>
+          </a:xfrm>
+          <a:prstGeom prst="rect">
+            <a:avLst/>
+          </a:prstGeom>
+          <a:noFill/>
+        </p:spPr>
+        <p:txBody>
+          <a:bodyPr wrap="square" rtlCol="0">
+            <a:spAutoFit/>
+          </a:bodyPr>
+          <a:lstStyle/>
+          <a:p>
+            <a:r>
+              <a:rPr kumimoji="1" lang="en-US" altLang="ja-JP" sz="1000"/>
+              <a:t>Lorem Ipsum is simply dummy text of the printing and typesetting industry. Lorem Ipsum has been the</a:t>
+            </a:r>
+            <a:endParaRPr kumimoji="1" lang="ja-JP" altLang="en-US" sz="1000"/>
           </a:p>
         </p:txBody>
       </p:sp>
@@ -12002,7 +13032,7 @@
         <p:spPr>
           <a:xfrm>
             <a:off x="384739" y="1668018"/>
-            <a:ext cx="919665" cy="253916"/>
+            <a:ext cx="514130" cy="253916"/>
           </a:xfrm>
           <a:prstGeom prst="rect">
             <a:avLst/>
@@ -12028,7 +13058,7 @@
             </a:r>
             <a:r>
               <a:rPr kumimoji="1" lang="en-US" altLang="ja-JP" sz="1050"/>
-              <a:t> / Login</a:t>
+              <a:t> </a:t>
             </a:r>
             <a:endParaRPr kumimoji="1" lang="ja-JP" altLang="en-US" sz="1050"/>
           </a:p>
@@ -12043,7 +13073,7 @@
           <p:nvPr>
             <p:extLst>
               <p:ext uri="{D42A27DB-BD31-4B8C-83A1-F6EECF244321}">
-                <p14:modId xmlns:p14="http://schemas.microsoft.com/office/powerpoint/2010/main" val="2164747788"/>
+                <p14:modId xmlns:p14="http://schemas.microsoft.com/office/powerpoint/2010/main" val="1649632661"/>
               </p:ext>
             </p:extLst>
           </p:nvPr>
@@ -12279,7 +13309,7 @@
                     <a:p>
                       <a:r>
                         <a:rPr kumimoji="1" lang="en-US" altLang="ja-JP" sz="1000"/>
-                        <a:t>Manager Post</a:t>
+                        <a:t>Manage Post</a:t>
                       </a:r>
                       <a:endParaRPr kumimoji="1" lang="ja-JP" altLang="en-US" sz="1000"/>
                     </a:p>
@@ -12730,7 +13760,7 @@
           <a:p>
             <a:r>
               <a:rPr kumimoji="1" lang="en-US" altLang="ja-JP" sz="1000"/>
-              <a:t>Manager Post</a:t>
+              <a:t>Manage Post</a:t>
             </a:r>
           </a:p>
           <a:p>

--- a/php/tam-v.anh/doc/detail_design/frontend/wireframe/MiniBlog_Wireframe_Ver_0.1.0.pptx
+++ b/php/tam-v.anh/doc/detail_design/frontend/wireframe/MiniBlog_Wireframe_Ver_0.1.0.pptx
@@ -7388,116 +7388,6 @@
       </p:sp>
       <p:cxnSp>
         <p:nvCxnSpPr>
-          <p:cNvPr id="38" name="Straight Arrow Connector 37"/>
-          <p:cNvCxnSpPr/>
-          <p:nvPr/>
-        </p:nvCxnSpPr>
-        <p:spPr>
-          <a:xfrm>
-            <a:off x="1193699" y="6127448"/>
-            <a:ext cx="557784" cy="0"/>
-          </a:xfrm>
-          <a:prstGeom prst="straightConnector1">
-            <a:avLst/>
-          </a:prstGeom>
-          <a:ln>
-            <a:solidFill>
-              <a:schemeClr val="tx1"/>
-            </a:solidFill>
-            <a:tailEnd type="arrow"/>
-          </a:ln>
-          <a:effectLst/>
-        </p:spPr>
-        <p:style>
-          <a:lnRef idx="2">
-            <a:schemeClr val="accent1"/>
-          </a:lnRef>
-          <a:fillRef idx="0">
-            <a:schemeClr val="accent1"/>
-          </a:fillRef>
-          <a:effectRef idx="1">
-            <a:schemeClr val="accent1"/>
-          </a:effectRef>
-          <a:fontRef idx="minor">
-            <a:schemeClr val="tx1"/>
-          </a:fontRef>
-        </p:style>
-      </p:cxnSp>
-      <p:sp useBgFill="1">
-        <p:nvSpPr>
-          <p:cNvPr id="39" name="Rectangle 38"/>
-          <p:cNvSpPr/>
-          <p:nvPr/>
-        </p:nvSpPr>
-        <p:spPr>
-          <a:xfrm>
-            <a:off x="1751483" y="5982305"/>
-            <a:ext cx="598646" cy="290286"/>
-          </a:xfrm>
-          <a:prstGeom prst="rect">
-            <a:avLst/>
-          </a:prstGeom>
-          <a:ln/>
-        </p:spPr>
-        <p:style>
-          <a:lnRef idx="2">
-            <a:schemeClr val="dk1"/>
-          </a:lnRef>
-          <a:fillRef idx="1">
-            <a:schemeClr val="lt1"/>
-          </a:fillRef>
-          <a:effectRef idx="0">
-            <a:schemeClr val="dk1"/>
-          </a:effectRef>
-          <a:fontRef idx="minor">
-            <a:schemeClr val="dk1"/>
-          </a:fontRef>
-        </p:style>
-        <p:txBody>
-          <a:bodyPr rtlCol="0" anchor="ctr"/>
-          <a:lstStyle/>
-          <a:p>
-            <a:pPr algn="ctr"/>
-            <a:r>
-              <a:rPr kumimoji="1" lang="en-US" altLang="ja-JP" sz="1000"/>
-              <a:t>S-6-1</a:t>
-            </a:r>
-            <a:endParaRPr kumimoji="1" lang="ja-JP" altLang="en-US" sz="1000"/>
-          </a:p>
-        </p:txBody>
-      </p:sp>
-      <p:sp>
-        <p:nvSpPr>
-          <p:cNvPr id="40" name="TextBox 39"/>
-          <p:cNvSpPr txBox="1"/>
-          <p:nvPr/>
-        </p:nvSpPr>
-        <p:spPr>
-          <a:xfrm>
-            <a:off x="1748076" y="6272591"/>
-            <a:ext cx="611027" cy="246221"/>
-          </a:xfrm>
-          <a:prstGeom prst="rect">
-            <a:avLst/>
-          </a:prstGeom>
-          <a:noFill/>
-        </p:spPr>
-        <p:txBody>
-          <a:bodyPr wrap="none" rtlCol="0">
-            <a:spAutoFit/>
-          </a:bodyPr>
-          <a:lstStyle/>
-          <a:p>
-            <a:r>
-              <a:rPr kumimoji="1" lang="en-US" altLang="ja-JP" sz="1000"/>
-              <a:t>Sitemap</a:t>
-            </a:r>
-            <a:endParaRPr kumimoji="1" lang="ja-JP" altLang="en-US" sz="1000"/>
-          </a:p>
-        </p:txBody>
-      </p:sp>
-      <p:cxnSp>
-        <p:nvCxnSpPr>
           <p:cNvPr id="41" name="Straight Arrow Connector 40"/>
           <p:cNvCxnSpPr/>
           <p:nvPr/>
@@ -9450,7 +9340,7 @@
             <a:pPr algn="r"/>
             <a:r>
               <a:rPr kumimoji="1" lang="en-US" altLang="ja-JP" sz="1000"/>
-              <a:t>  Blog | Sitemap | </a:t>
+              <a:t>  Blog | </a:t>
             </a:r>
             <a:r>
               <a:rPr kumimoji="1" lang="en-US" altLang="ja-JP" sz="1000">
@@ -9556,14 +9446,14 @@
           <p:nvPr>
             <p:extLst>
               <p:ext uri="{D42A27DB-BD31-4B8C-83A1-F6EECF244321}">
-                <p14:modId xmlns:p14="http://schemas.microsoft.com/office/powerpoint/2010/main" val="228039505"/>
+                <p14:modId xmlns:p14="http://schemas.microsoft.com/office/powerpoint/2010/main" val="2582084822"/>
               </p:ext>
             </p:extLst>
           </p:nvPr>
         </p:nvGraphicFramePr>
         <p:xfrm>
           <a:off x="4478866" y="876073"/>
-          <a:ext cx="4461935" cy="4132458"/>
+          <a:ext cx="4461935" cy="3805376"/>
         </p:xfrm>
         <a:graphic>
           <a:graphicData uri="http://schemas.openxmlformats.org/drawingml/2006/table">
@@ -9740,74 +9630,6 @@
                     <a:p>
                       <a:r>
                         <a:rPr kumimoji="1" lang="en-US" altLang="ja-JP" sz="1000"/>
-                        <a:t>Sitemap</a:t>
-                      </a:r>
-                      <a:endParaRPr kumimoji="1" lang="ja-JP" altLang="en-US" sz="1000"/>
-                    </a:p>
-                  </a:txBody>
-                  <a:tcPr/>
-                </a:tc>
-                <a:tc>
-                  <a:txBody>
-                    <a:bodyPr/>
-                    <a:lstStyle/>
-                    <a:p>
-                      <a:endParaRPr kumimoji="1" lang="ja-JP" altLang="en-US" sz="1000"/>
-                    </a:p>
-                  </a:txBody>
-                  <a:tcPr/>
-                </a:tc>
-                <a:tc>
-                  <a:txBody>
-                    <a:bodyPr/>
-                    <a:lstStyle/>
-                    <a:p>
-                      <a:r>
-                        <a:rPr kumimoji="1" lang="en-US" altLang="ja-JP" sz="1000"/>
-                        <a:t>Show sitemap</a:t>
-                      </a:r>
-                      <a:endParaRPr kumimoji="1" lang="ja-JP" altLang="en-US" sz="1000"/>
-                    </a:p>
-                  </a:txBody>
-                  <a:tcPr/>
-                </a:tc>
-                <a:tc>
-                  <a:txBody>
-                    <a:bodyPr/>
-                    <a:lstStyle/>
-                    <a:p>
-                      <a:r>
-                        <a:rPr kumimoji="1" lang="vi-VN" altLang="ja-JP" sz="1000"/>
-                        <a:t>S-6-1</a:t>
-                      </a:r>
-                      <a:endParaRPr kumimoji="1" lang="ja-JP" altLang="en-US" sz="1000"/>
-                    </a:p>
-                  </a:txBody>
-                  <a:tcPr/>
-                </a:tc>
-              </a:tr>
-              <a:tr h="327082">
-                <a:tc>
-                  <a:txBody>
-                    <a:bodyPr/>
-                    <a:lstStyle/>
-                    <a:p>
-                      <a:r>
-                        <a:rPr kumimoji="1" lang="en-US" altLang="ja-JP" sz="1000"/>
-                        <a:t>3</a:t>
-                      </a:r>
-                      <a:endParaRPr kumimoji="1" lang="ja-JP" altLang="en-US" sz="1000"/>
-                    </a:p>
-                  </a:txBody>
-                  <a:tcPr/>
-                </a:tc>
-                <a:tc>
-                  <a:txBody>
-                    <a:bodyPr/>
-                    <a:lstStyle/>
-                    <a:p>
-                      <a:r>
-                        <a:rPr kumimoji="1" lang="en-US" altLang="ja-JP" sz="1000"/>
                         <a:t>Login</a:t>
                       </a:r>
                       <a:endParaRPr kumimoji="1" lang="ja-JP" altLang="en-US" sz="1000"/>
@@ -9862,7 +9684,7 @@
                     <a:p>
                       <a:r>
                         <a:rPr kumimoji="1" lang="en-US" altLang="ja-JP" sz="1000"/>
-                        <a:t>4</a:t>
+                        <a:t>3</a:t>
                       </a:r>
                       <a:endParaRPr kumimoji="1" lang="ja-JP" altLang="en-US" sz="1000"/>
                     </a:p>
@@ -9934,7 +9756,7 @@
                     <a:p>
                       <a:r>
                         <a:rPr kumimoji="1" lang="en-US" altLang="ja-JP" sz="1000"/>
-                        <a:t>5</a:t>
+                        <a:t>4</a:t>
                       </a:r>
                       <a:endParaRPr kumimoji="1" lang="ja-JP" altLang="en-US" sz="1000"/>
                     </a:p>
@@ -9994,7 +9816,7 @@
                     <a:p>
                       <a:r>
                         <a:rPr kumimoji="1" lang="en-US" altLang="ja-JP" sz="1000"/>
-                        <a:t>6</a:t>
+                        <a:t>5</a:t>
                       </a:r>
                       <a:endParaRPr kumimoji="1" lang="ja-JP" altLang="en-US" sz="1000"/>
                     </a:p>
@@ -10079,7 +9901,7 @@
                     <a:p>
                       <a:r>
                         <a:rPr kumimoji="1" lang="en-US" altLang="ja-JP" sz="1000"/>
-                        <a:t>7</a:t>
+                        <a:t>6</a:t>
                       </a:r>
                       <a:endParaRPr kumimoji="1" lang="ja-JP" altLang="en-US" sz="1000"/>
                     </a:p>
@@ -10147,7 +9969,7 @@
                     <a:p>
                       <a:r>
                         <a:rPr kumimoji="1" lang="en-US" altLang="ja-JP" sz="1000"/>
-                        <a:t>8</a:t>
+                        <a:t>7</a:t>
                       </a:r>
                       <a:endParaRPr kumimoji="1" lang="ja-JP" altLang="en-US" sz="1000"/>
                     </a:p>
@@ -10207,7 +10029,7 @@
                     <a:p>
                       <a:r>
                         <a:rPr kumimoji="1" lang="en-US" altLang="ja-JP" sz="1000"/>
-                        <a:t>9</a:t>
+                        <a:t>8</a:t>
                       </a:r>
                       <a:endParaRPr kumimoji="1" lang="ja-JP" altLang="en-US" sz="1000"/>
                     </a:p>
@@ -10292,7 +10114,7 @@
                     <a:p>
                       <a:r>
                         <a:rPr kumimoji="1" lang="en-US" altLang="ja-JP" sz="1000"/>
-                        <a:t>10</a:t>
+                        <a:t>9</a:t>
                       </a:r>
                       <a:endParaRPr kumimoji="1" lang="ja-JP" altLang="en-US" sz="1000"/>
                     </a:p>
@@ -10352,7 +10174,7 @@
                     <a:p>
                       <a:r>
                         <a:rPr kumimoji="1" lang="en-US" altLang="ja-JP" sz="1000"/>
-                        <a:t>11</a:t>
+                        <a:t>10</a:t>
                       </a:r>
                       <a:endParaRPr kumimoji="1" lang="ja-JP" altLang="en-US" sz="1000"/>
                     </a:p>
@@ -10436,7 +10258,7 @@
                   <a:srgbClr val="FF0000"/>
                 </a:solidFill>
               </a:rPr>
-              <a:t>(4)</a:t>
+              <a:t>(3)</a:t>
             </a:r>
             <a:endParaRPr kumimoji="1" lang="ja-JP" altLang="en-US" sz="1000">
               <a:solidFill>
@@ -10478,13 +10300,13 @@
       </p:sp>
       <p:sp>
         <p:nvSpPr>
-          <p:cNvPr id="26" name="TextBox 25"/>
+          <p:cNvPr id="27" name="TextBox 26"/>
           <p:cNvSpPr txBox="1"/>
           <p:nvPr/>
         </p:nvSpPr>
         <p:spPr>
           <a:xfrm>
-            <a:off x="2836333" y="774097"/>
+            <a:off x="3255433" y="774097"/>
             <a:ext cx="327433" cy="246221"/>
           </a:xfrm>
           <a:prstGeom prst="rect">
@@ -10516,13 +10338,13 @@
       </p:sp>
       <p:sp>
         <p:nvSpPr>
-          <p:cNvPr id="27" name="TextBox 26"/>
+          <p:cNvPr id="28" name="TextBox 27"/>
           <p:cNvSpPr txBox="1"/>
           <p:nvPr/>
         </p:nvSpPr>
         <p:spPr>
           <a:xfrm>
-            <a:off x="3255433" y="774097"/>
+            <a:off x="3712633" y="774097"/>
             <a:ext cx="327433" cy="246221"/>
           </a:xfrm>
           <a:prstGeom prst="rect">
@@ -10554,13 +10376,13 @@
       </p:sp>
       <p:sp>
         <p:nvSpPr>
-          <p:cNvPr id="28" name="TextBox 27"/>
+          <p:cNvPr id="29" name="TextBox 28"/>
           <p:cNvSpPr txBox="1"/>
           <p:nvPr/>
         </p:nvSpPr>
         <p:spPr>
           <a:xfrm>
-            <a:off x="3712633" y="774097"/>
+            <a:off x="1768197" y="2184400"/>
             <a:ext cx="327433" cy="246221"/>
           </a:xfrm>
           <a:prstGeom prst="rect">
@@ -10580,7 +10402,7 @@
                   <a:srgbClr val="FF0000"/>
                 </a:solidFill>
               </a:rPr>
-              <a:t>(3)</a:t>
+              <a:t>(4)</a:t>
             </a:r>
             <a:endParaRPr kumimoji="1" lang="ja-JP" altLang="en-US" sz="1000">
               <a:solidFill>
@@ -10592,13 +10414,13 @@
       </p:sp>
       <p:sp>
         <p:nvSpPr>
-          <p:cNvPr id="29" name="TextBox 28"/>
+          <p:cNvPr id="31" name="TextBox 30"/>
           <p:cNvSpPr txBox="1"/>
           <p:nvPr/>
         </p:nvSpPr>
         <p:spPr>
           <a:xfrm>
-            <a:off x="1768197" y="2184400"/>
+            <a:off x="342827" y="2718445"/>
             <a:ext cx="327433" cy="246221"/>
           </a:xfrm>
           <a:prstGeom prst="rect">
@@ -10630,13 +10452,13 @@
       </p:sp>
       <p:sp>
         <p:nvSpPr>
-          <p:cNvPr id="31" name="TextBox 30"/>
+          <p:cNvPr id="32" name="TextBox 31"/>
           <p:cNvSpPr txBox="1"/>
           <p:nvPr/>
         </p:nvSpPr>
         <p:spPr>
           <a:xfrm>
-            <a:off x="342827" y="2718445"/>
+            <a:off x="1593164" y="2406748"/>
             <a:ext cx="327433" cy="246221"/>
           </a:xfrm>
           <a:prstGeom prst="rect">
@@ -10668,13 +10490,13 @@
       </p:sp>
       <p:sp>
         <p:nvSpPr>
-          <p:cNvPr id="32" name="TextBox 31"/>
+          <p:cNvPr id="33" name="TextBox 32"/>
           <p:cNvSpPr txBox="1"/>
           <p:nvPr/>
         </p:nvSpPr>
         <p:spPr>
           <a:xfrm>
-            <a:off x="1593164" y="2406748"/>
+            <a:off x="2034277" y="2406748"/>
             <a:ext cx="327433" cy="246221"/>
           </a:xfrm>
           <a:prstGeom prst="rect">
@@ -10706,13 +10528,13 @@
       </p:sp>
       <p:sp>
         <p:nvSpPr>
-          <p:cNvPr id="33" name="TextBox 32"/>
+          <p:cNvPr id="34" name="TextBox 33"/>
           <p:cNvSpPr txBox="1"/>
           <p:nvPr/>
         </p:nvSpPr>
         <p:spPr>
           <a:xfrm>
-            <a:off x="2034277" y="2406748"/>
+            <a:off x="3173699" y="2538411"/>
             <a:ext cx="327433" cy="246221"/>
           </a:xfrm>
           <a:prstGeom prst="rect">
@@ -10733,44 +10555,6 @@
                 </a:solidFill>
               </a:rPr>
               <a:t>(8)</a:t>
-            </a:r>
-            <a:endParaRPr kumimoji="1" lang="ja-JP" altLang="en-US" sz="1000">
-              <a:solidFill>
-                <a:srgbClr val="FF0000"/>
-              </a:solidFill>
-            </a:endParaRPr>
-          </a:p>
-        </p:txBody>
-      </p:sp>
-      <p:sp>
-        <p:nvSpPr>
-          <p:cNvPr id="34" name="TextBox 33"/>
-          <p:cNvSpPr txBox="1"/>
-          <p:nvPr/>
-        </p:nvSpPr>
-        <p:spPr>
-          <a:xfrm>
-            <a:off x="3173699" y="2538411"/>
-            <a:ext cx="327433" cy="246221"/>
-          </a:xfrm>
-          <a:prstGeom prst="rect">
-            <a:avLst/>
-          </a:prstGeom>
-          <a:noFill/>
-        </p:spPr>
-        <p:txBody>
-          <a:bodyPr wrap="none" rtlCol="0">
-            <a:spAutoFit/>
-          </a:bodyPr>
-          <a:lstStyle/>
-          <a:p>
-            <a:r>
-              <a:rPr kumimoji="1" lang="en-US" altLang="ja-JP" sz="1000">
-                <a:solidFill>
-                  <a:srgbClr val="FF0000"/>
-                </a:solidFill>
-              </a:rPr>
-              <a:t>(9)</a:t>
             </a:r>
             <a:endParaRPr kumimoji="1" lang="ja-JP" altLang="en-US" sz="1000">
               <a:solidFill>
@@ -10947,7 +10731,7 @@
         <p:spPr>
           <a:xfrm>
             <a:off x="3778899" y="2848673"/>
-            <a:ext cx="392430" cy="246221"/>
+            <a:ext cx="327433" cy="246221"/>
           </a:xfrm>
           <a:prstGeom prst="rect">
             <a:avLst/>
@@ -10966,7 +10750,7 @@
                   <a:srgbClr val="FF0000"/>
                 </a:solidFill>
               </a:rPr>
-              <a:t>(10)</a:t>
+              <a:t>(9)</a:t>
             </a:r>
             <a:endParaRPr kumimoji="1" lang="ja-JP" altLang="en-US" sz="1000">
               <a:solidFill>
@@ -11320,7 +11104,7 @@
                   <a:srgbClr val="FF0000"/>
                 </a:solidFill>
               </a:rPr>
-              <a:t>(11)</a:t>
+              <a:t>(10)</a:t>
             </a:r>
             <a:endParaRPr kumimoji="1" lang="ja-JP" altLang="en-US" sz="1000">
               <a:solidFill>
@@ -11702,7 +11486,7 @@
             <a:pPr algn="r"/>
             <a:r>
               <a:rPr kumimoji="1" lang="en-US" altLang="ja-JP" sz="1000"/>
-              <a:t>  Blog | Sitemap | </a:t>
+              <a:t>  Blog | </a:t>
             </a:r>
             <a:r>
               <a:rPr kumimoji="1" lang="en-US" altLang="ja-JP" sz="1000">
@@ -13148,7 +12932,7 @@
             <a:pPr algn="r"/>
             <a:r>
               <a:rPr kumimoji="1" lang="en-US" altLang="ja-JP" sz="1000"/>
-              <a:t>  Blog | Sitemap | </a:t>
+              <a:t>  Blog | </a:t>
             </a:r>
             <a:r>
               <a:rPr kumimoji="1" lang="en-US" altLang="ja-JP" sz="1000">
@@ -14198,19 +13982,8 @@
                 <a:latin typeface="Calibri (Body)"/>
                 <a:cs typeface="Calibri (Body)"/>
               </a:rPr>
-              <a:t>Update </a:t>
-            </a:r>
-            <a:r>
-              <a:rPr lang="en-US" altLang="ja-JP" b="1" dirty="0">
-                <a:latin typeface="Calibri (Body)"/>
-                <a:cs typeface="Calibri (Body)"/>
-              </a:rPr>
-              <a:t>user info</a:t>
-            </a:r>
-            <a:endParaRPr lang="en-US" altLang="ja-JP" b="1" dirty="0">
-              <a:latin typeface="Calibri (Body)"/>
-              <a:cs typeface="Calibri (Body)"/>
-            </a:endParaRPr>
+              <a:t>Update user info</a:t>
+            </a:r>
           </a:p>
           <a:p>
             <a:endParaRPr kumimoji="1" lang="ja-JP" altLang="en-US"/>
@@ -14492,7 +14265,7 @@
             <a:pPr algn="r"/>
             <a:r>
               <a:rPr kumimoji="1" lang="en-US" altLang="ja-JP" sz="1000"/>
-              <a:t>  Blog | Sitemap | </a:t>
+              <a:t>  Blog | </a:t>
             </a:r>
             <a:r>
               <a:rPr kumimoji="1" lang="en-US" altLang="ja-JP" sz="1000">
@@ -15033,21 +14806,7 @@
                           <a:latin typeface="Calibri (Body)"/>
                           <a:cs typeface="Calibri (Body)"/>
                         </a:rPr>
-                        <a:t>birth</a:t>
-                      </a:r>
-                      <a:r>
-                        <a:rPr lang="en-GB" altLang="ja-JP" sz="1000" baseline="0" dirty="0" err="1" smtClean="0">
-                          <a:latin typeface="Calibri (Body)"/>
-                          <a:cs typeface="Calibri (Body)"/>
-                        </a:rPr>
-                        <a:t>d</a:t>
-                      </a:r>
-                      <a:r>
-                        <a:rPr lang="en-GB" altLang="ja-JP" sz="1000" baseline="0" dirty="0" err="1" smtClean="0">
-                          <a:latin typeface="Calibri (Body)"/>
-                          <a:cs typeface="Calibri (Body)"/>
-                        </a:rPr>
-                        <a:t>ay</a:t>
+                        <a:t>birthday</a:t>
                       </a:r>
                       <a:endParaRPr lang="en-US" altLang="ja-JP" sz="1000" dirty="0">
                         <a:latin typeface="Calibri (Body)"/>
@@ -15594,14 +15353,7 @@
                           <a:latin typeface="Calibri (Body)"/>
                           <a:cs typeface="Calibri (Body)"/>
                         </a:rPr>
-                        <a:t> user’s current </a:t>
-                      </a:r>
-                      <a:r>
-                        <a:rPr lang="en-GB" altLang="ja-JP" sz="1000" baseline="0" dirty="0" smtClean="0">
-                          <a:latin typeface="Calibri (Body)"/>
-                          <a:cs typeface="Calibri (Body)"/>
-                        </a:rPr>
-                        <a:t>email</a:t>
+                        <a:t> user’s current email</a:t>
                       </a:r>
                       <a:endParaRPr lang="en-US" altLang="ja-JP" sz="1000" dirty="0" smtClean="0">
                         <a:latin typeface="Calibri (Body)"/>
@@ -15721,14 +15473,7 @@
                           <a:latin typeface="Calibri (Body)"/>
                           <a:cs typeface="Calibri (Body)"/>
                         </a:rPr>
-                        <a:t> user’s current </a:t>
-                      </a:r>
-                      <a:r>
-                        <a:rPr lang="en-GB" altLang="ja-JP" sz="1000" baseline="0" dirty="0" smtClean="0">
-                          <a:latin typeface="Calibri (Body)"/>
-                          <a:cs typeface="Calibri (Body)"/>
-                        </a:rPr>
-                        <a:t>mobile</a:t>
+                        <a:t> user’s current mobile</a:t>
                       </a:r>
                       <a:endParaRPr lang="en-US" altLang="ja-JP" sz="1000" dirty="0" smtClean="0">
                         <a:latin typeface="Calibri (Body)"/>
@@ -17075,15 +16820,7 @@
                   <a:srgbClr val="000000"/>
                 </a:solidFill>
               </a:rPr>
-              <a:t>090.</a:t>
-            </a:r>
-            <a:r>
-              <a:rPr kumimoji="1" lang="en-US" altLang="ja-JP" sz="800" i="1">
-                <a:solidFill>
-                  <a:srgbClr val="000000"/>
-                </a:solidFill>
-              </a:rPr>
-              <a:t>xxx.xxx</a:t>
+              <a:t>090.xxxx.xxx</a:t>
             </a:r>
             <a:endParaRPr kumimoji="1" lang="ja-JP" altLang="en-US" sz="800" i="1">
               <a:solidFill>
@@ -17176,18 +16913,7 @@
                 <a:ea typeface="Times New Roman" panose="02020603050405020304" pitchFamily="18" charset="0"/>
                 <a:cs typeface="Calibri (Body)"/>
               </a:rPr>
-              <a:t>Contact </a:t>
-            </a:r>
-            <a:r>
-              <a:rPr lang="en-GB" altLang="ja-JP" sz="1000" b="1">
-                <a:solidFill>
-                  <a:srgbClr val="000000"/>
-                </a:solidFill>
-                <a:latin typeface="Calibri (Body)"/>
-                <a:ea typeface="Times New Roman" panose="02020603050405020304" pitchFamily="18" charset="0"/>
-                <a:cs typeface="Calibri (Body)"/>
-              </a:rPr>
-              <a:t>info</a:t>
+              <a:t>Contact info</a:t>
             </a:r>
             <a:endParaRPr lang="en-US" altLang="ja-JP" sz="1000" b="1">
               <a:solidFill>
@@ -18258,6 +17984,168 @@
               <a:solidFill>
                 <a:srgbClr val="FF0000"/>
               </a:solidFill>
+              <a:latin typeface="Calibri (Body)"/>
+              <a:cs typeface="Calibri (Body)"/>
+            </a:endParaRPr>
+          </a:p>
+        </p:txBody>
+      </p:sp>
+      <p:sp>
+        <p:nvSpPr>
+          <p:cNvPr id="63" name="Isosceles Triangle 62"/>
+          <p:cNvSpPr/>
+          <p:nvPr/>
+        </p:nvSpPr>
+        <p:spPr>
+          <a:xfrm rot="10800000">
+            <a:off x="1386371" y="2964521"/>
+            <a:ext cx="51843" cy="46967"/>
+          </a:xfrm>
+          <a:prstGeom prst="triangle">
+            <a:avLst/>
+          </a:prstGeom>
+          <a:ln>
+            <a:solidFill>
+              <a:schemeClr val="accent1">
+                <a:lumMod val="75000"/>
+              </a:schemeClr>
+            </a:solidFill>
+          </a:ln>
+        </p:spPr>
+        <p:style>
+          <a:lnRef idx="2">
+            <a:schemeClr val="accent1">
+              <a:shade val="50000"/>
+            </a:schemeClr>
+          </a:lnRef>
+          <a:fillRef idx="1">
+            <a:schemeClr val="accent1"/>
+          </a:fillRef>
+          <a:effectRef idx="0">
+            <a:schemeClr val="accent1"/>
+          </a:effectRef>
+          <a:fontRef idx="minor">
+            <a:schemeClr val="lt1"/>
+          </a:fontRef>
+        </p:style>
+        <p:txBody>
+          <a:bodyPr rot="0" spcFirstLastPara="0" vert="horz" wrap="square" lIns="91440" tIns="45720" rIns="91440" bIns="45720" numCol="1" spcCol="0" rtlCol="0" fromWordArt="0" anchor="ctr" anchorCtr="0" forceAA="0" compatLnSpc="1">
+            <a:prstTxWarp prst="textNoShape">
+              <a:avLst/>
+            </a:prstTxWarp>
+            <a:noAutofit/>
+          </a:bodyPr>
+          <a:lstStyle/>
+          <a:p>
+            <a:endParaRPr lang="en-US" sz="1000">
+              <a:latin typeface="Calibri (Body)"/>
+              <a:cs typeface="Calibri (Body)"/>
+            </a:endParaRPr>
+          </a:p>
+        </p:txBody>
+      </p:sp>
+      <p:sp>
+        <p:nvSpPr>
+          <p:cNvPr id="64" name="Isosceles Triangle 63"/>
+          <p:cNvSpPr/>
+          <p:nvPr/>
+        </p:nvSpPr>
+        <p:spPr>
+          <a:xfrm rot="10800000">
+            <a:off x="1816207" y="2974290"/>
+            <a:ext cx="51843" cy="46967"/>
+          </a:xfrm>
+          <a:prstGeom prst="triangle">
+            <a:avLst/>
+          </a:prstGeom>
+          <a:ln>
+            <a:solidFill>
+              <a:schemeClr val="accent1">
+                <a:lumMod val="75000"/>
+              </a:schemeClr>
+            </a:solidFill>
+          </a:ln>
+        </p:spPr>
+        <p:style>
+          <a:lnRef idx="2">
+            <a:schemeClr val="accent1">
+              <a:shade val="50000"/>
+            </a:schemeClr>
+          </a:lnRef>
+          <a:fillRef idx="1">
+            <a:schemeClr val="accent1"/>
+          </a:fillRef>
+          <a:effectRef idx="0">
+            <a:schemeClr val="accent1"/>
+          </a:effectRef>
+          <a:fontRef idx="minor">
+            <a:schemeClr val="lt1"/>
+          </a:fontRef>
+        </p:style>
+        <p:txBody>
+          <a:bodyPr rot="0" spcFirstLastPara="0" vert="horz" wrap="square" lIns="91440" tIns="45720" rIns="91440" bIns="45720" numCol="1" spcCol="0" rtlCol="0" fromWordArt="0" anchor="ctr" anchorCtr="0" forceAA="0" compatLnSpc="1">
+            <a:prstTxWarp prst="textNoShape">
+              <a:avLst/>
+            </a:prstTxWarp>
+            <a:noAutofit/>
+          </a:bodyPr>
+          <a:lstStyle/>
+          <a:p>
+            <a:endParaRPr lang="en-US" sz="1000">
+              <a:latin typeface="Calibri (Body)"/>
+              <a:cs typeface="Calibri (Body)"/>
+            </a:endParaRPr>
+          </a:p>
+        </p:txBody>
+      </p:sp>
+      <p:sp>
+        <p:nvSpPr>
+          <p:cNvPr id="67" name="Isosceles Triangle 66"/>
+          <p:cNvSpPr/>
+          <p:nvPr/>
+        </p:nvSpPr>
+        <p:spPr>
+          <a:xfrm rot="10800000">
+            <a:off x="2353502" y="2954752"/>
+            <a:ext cx="51843" cy="46967"/>
+          </a:xfrm>
+          <a:prstGeom prst="triangle">
+            <a:avLst/>
+          </a:prstGeom>
+          <a:ln>
+            <a:solidFill>
+              <a:schemeClr val="accent1">
+                <a:lumMod val="75000"/>
+              </a:schemeClr>
+            </a:solidFill>
+          </a:ln>
+        </p:spPr>
+        <p:style>
+          <a:lnRef idx="2">
+            <a:schemeClr val="accent1">
+              <a:shade val="50000"/>
+            </a:schemeClr>
+          </a:lnRef>
+          <a:fillRef idx="1">
+            <a:schemeClr val="accent1"/>
+          </a:fillRef>
+          <a:effectRef idx="0">
+            <a:schemeClr val="accent1"/>
+          </a:effectRef>
+          <a:fontRef idx="minor">
+            <a:schemeClr val="lt1"/>
+          </a:fontRef>
+        </p:style>
+        <p:txBody>
+          <a:bodyPr rot="0" spcFirstLastPara="0" vert="horz" wrap="square" lIns="91440" tIns="45720" rIns="91440" bIns="45720" numCol="1" spcCol="0" rtlCol="0" fromWordArt="0" anchor="ctr" anchorCtr="0" forceAA="0" compatLnSpc="1">
+            <a:prstTxWarp prst="textNoShape">
+              <a:avLst/>
+            </a:prstTxWarp>
+            <a:noAutofit/>
+          </a:bodyPr>
+          <a:lstStyle/>
+          <a:p>
+            <a:endParaRPr lang="en-US" sz="1000">
               <a:latin typeface="Calibri (Body)"/>
               <a:cs typeface="Calibri (Body)"/>
             </a:endParaRPr>
@@ -18355,11 +18243,7 @@
           <a:p>
             <a:r>
               <a:rPr kumimoji="1" lang="en-US" altLang="ja-JP"/>
-              <a:t>S-5-1 </a:t>
-            </a:r>
-            <a:r>
-              <a:rPr kumimoji="1" lang="en-US" altLang="ja-JP"/>
-              <a:t>Search User</a:t>
+              <a:t>S-5-1 Search User</a:t>
             </a:r>
             <a:endParaRPr kumimoji="1" lang="ja-JP" altLang="en-US"/>
           </a:p>
@@ -18636,7 +18520,7 @@
             <a:pPr algn="r"/>
             <a:r>
               <a:rPr kumimoji="1" lang="en-US" altLang="ja-JP" sz="1000"/>
-              <a:t>  Blog | Sitemap | </a:t>
+              <a:t>  Blog | </a:t>
             </a:r>
             <a:r>
               <a:rPr kumimoji="1" lang="en-US" altLang="ja-JP" sz="1000">
@@ -18738,11 +18622,7 @@
             </a:r>
             <a:r>
               <a:rPr kumimoji="1" lang="en-US" altLang="ja-JP" sz="1050"/>
-              <a:t>Search User</a:t>
-            </a:r>
-            <a:r>
-              <a:rPr kumimoji="1" lang="en-US" altLang="ja-JP" sz="1050"/>
-              <a:t> </a:t>
+              <a:t>Search User </a:t>
             </a:r>
             <a:endParaRPr kumimoji="1" lang="ja-JP" altLang="en-US" sz="1050"/>
           </a:p>
@@ -18757,14 +18637,14 @@
           <p:nvPr>
             <p:extLst>
               <p:ext uri="{D42A27DB-BD31-4B8C-83A1-F6EECF244321}">
-                <p14:modId xmlns:p14="http://schemas.microsoft.com/office/powerpoint/2010/main" val="927375012"/>
+                <p14:modId xmlns:p14="http://schemas.microsoft.com/office/powerpoint/2010/main" val="1345530861"/>
               </p:ext>
             </p:extLst>
           </p:nvPr>
         </p:nvGraphicFramePr>
         <p:xfrm>
           <a:off x="4478866" y="740601"/>
-          <a:ext cx="4461935" cy="4717464"/>
+          <a:ext cx="4461935" cy="4390382"/>
         </p:xfrm>
         <a:graphic>
           <a:graphicData uri="http://schemas.openxmlformats.org/drawingml/2006/table">
@@ -18941,7 +18821,7 @@
                     <a:p>
                       <a:r>
                         <a:rPr kumimoji="1" lang="en-US" altLang="ja-JP" sz="1000"/>
-                        <a:t>Sitemap</a:t>
+                        <a:t>Login</a:t>
                       </a:r>
                       <a:endParaRPr kumimoji="1" lang="ja-JP" altLang="en-US" sz="1000"/>
                     </a:p>
@@ -18965,7 +18845,7 @@
                     <a:p>
                       <a:r>
                         <a:rPr kumimoji="1" lang="en-US" altLang="ja-JP" sz="1000"/>
-                        <a:t>Show sitemap</a:t>
+                        <a:t>Go to page login</a:t>
                       </a:r>
                       <a:endParaRPr kumimoji="1" lang="ja-JP" altLang="en-US" sz="1000"/>
                     </a:p>
@@ -18979,7 +18859,7 @@
                     <a:p>
                       <a:r>
                         <a:rPr kumimoji="1" lang="vi-VN" altLang="ja-JP" sz="1000"/>
-                        <a:t>S-6-1</a:t>
+                        <a:t>S-2-1</a:t>
                       </a:r>
                       <a:endParaRPr kumimoji="1" lang="ja-JP" altLang="en-US" sz="1000"/>
                     </a:p>
@@ -19009,7 +18889,7 @@
                     <a:p>
                       <a:r>
                         <a:rPr kumimoji="1" lang="en-US" altLang="ja-JP" sz="1000"/>
-                        <a:t>Login</a:t>
+                        <a:t>Search</a:t>
                       </a:r>
                       <a:endParaRPr kumimoji="1" lang="ja-JP" altLang="en-US" sz="1000"/>
                     </a:p>
@@ -19033,7 +18913,7 @@
                     <a:p>
                       <a:r>
                         <a:rPr kumimoji="1" lang="en-US" altLang="ja-JP" sz="1000"/>
-                        <a:t>Go to page login</a:t>
+                        <a:t>Search by firstname, lastname, username</a:t>
                       </a:r>
                       <a:endParaRPr kumimoji="1" lang="ja-JP" altLang="en-US" sz="1000"/>
                     </a:p>
@@ -19047,7 +18927,7 @@
                     <a:p>
                       <a:r>
                         <a:rPr kumimoji="1" lang="vi-VN" altLang="ja-JP" sz="1000"/>
-                        <a:t>S-2-1</a:t>
+                        <a:t>S-5-2</a:t>
                       </a:r>
                       <a:endParaRPr kumimoji="1" lang="ja-JP" altLang="en-US" sz="1000"/>
                     </a:p>
@@ -19077,74 +18957,6 @@
                     <a:p>
                       <a:r>
                         <a:rPr kumimoji="1" lang="en-US" altLang="ja-JP" sz="1000"/>
-                        <a:t>Search</a:t>
-                      </a:r>
-                      <a:endParaRPr kumimoji="1" lang="ja-JP" altLang="en-US" sz="1000"/>
-                    </a:p>
-                  </a:txBody>
-                  <a:tcPr/>
-                </a:tc>
-                <a:tc>
-                  <a:txBody>
-                    <a:bodyPr/>
-                    <a:lstStyle/>
-                    <a:p>
-                      <a:endParaRPr kumimoji="1" lang="ja-JP" altLang="en-US" sz="1000"/>
-                    </a:p>
-                  </a:txBody>
-                  <a:tcPr/>
-                </a:tc>
-                <a:tc>
-                  <a:txBody>
-                    <a:bodyPr/>
-                    <a:lstStyle/>
-                    <a:p>
-                      <a:r>
-                        <a:rPr kumimoji="1" lang="en-US" altLang="ja-JP" sz="1000"/>
-                        <a:t>Search by firstname, lastname, username</a:t>
-                      </a:r>
-                      <a:endParaRPr kumimoji="1" lang="ja-JP" altLang="en-US" sz="1000"/>
-                    </a:p>
-                  </a:txBody>
-                  <a:tcPr/>
-                </a:tc>
-                <a:tc>
-                  <a:txBody>
-                    <a:bodyPr/>
-                    <a:lstStyle/>
-                    <a:p>
-                      <a:r>
-                        <a:rPr kumimoji="1" lang="vi-VN" altLang="ja-JP" sz="1000"/>
-                        <a:t>S-5-2</a:t>
-                      </a:r>
-                      <a:endParaRPr kumimoji="1" lang="ja-JP" altLang="en-US" sz="1000"/>
-                    </a:p>
-                  </a:txBody>
-                  <a:tcPr/>
-                </a:tc>
-              </a:tr>
-              <a:tr h="327082">
-                <a:tc>
-                  <a:txBody>
-                    <a:bodyPr/>
-                    <a:lstStyle/>
-                    <a:p>
-                      <a:r>
-                        <a:rPr kumimoji="1" lang="en-US" altLang="ja-JP" sz="1000"/>
-                        <a:t>5</a:t>
-                      </a:r>
-                      <a:endParaRPr kumimoji="1" lang="ja-JP" altLang="en-US" sz="1000"/>
-                    </a:p>
-                  </a:txBody>
-                  <a:tcPr/>
-                </a:tc>
-                <a:tc>
-                  <a:txBody>
-                    <a:bodyPr/>
-                    <a:lstStyle/>
-                    <a:p>
-                      <a:r>
-                        <a:rPr kumimoji="1" lang="en-US" altLang="ja-JP" sz="1000"/>
                         <a:t>Message</a:t>
                       </a:r>
                       <a:endParaRPr kumimoji="1" lang="ja-JP" altLang="en-US" sz="1000"/>
@@ -19195,7 +19007,7 @@
                     <a:p>
                       <a:r>
                         <a:rPr kumimoji="1" lang="en-US" altLang="ja-JP" sz="1000"/>
-                        <a:t>6</a:t>
+                        <a:t>5</a:t>
                       </a:r>
                       <a:endParaRPr kumimoji="1" lang="ja-JP" altLang="en-US" sz="1000"/>
                     </a:p>
@@ -19272,7 +19084,7 @@
                     <a:p>
                       <a:r>
                         <a:rPr kumimoji="1" lang="en-US" altLang="ja-JP" sz="1000"/>
-                        <a:t>7</a:t>
+                        <a:t>6</a:t>
                       </a:r>
                       <a:endParaRPr kumimoji="1" lang="ja-JP" altLang="en-US" sz="1000"/>
                     </a:p>
@@ -19332,7 +19144,7 @@
                     <a:p>
                       <a:r>
                         <a:rPr kumimoji="1" lang="en-US" altLang="ja-JP" sz="1000"/>
-                        <a:t>8</a:t>
+                        <a:t>7</a:t>
                       </a:r>
                       <a:endParaRPr kumimoji="1" lang="ja-JP" altLang="en-US" sz="1000"/>
                     </a:p>
@@ -19346,57 +19158,53 @@
                     <a:p>
                       <a:r>
                         <a:rPr kumimoji="1" lang="en-US" altLang="ja-JP" sz="1000"/>
-                        <a:t>Date </a:t>
+                        <a:t>Date join</a:t>
                       </a:r>
+                      <a:endParaRPr kumimoji="1" lang="ja-JP" altLang="en-US" sz="1000"/>
+                    </a:p>
+                  </a:txBody>
+                  <a:tcPr/>
+                </a:tc>
+                <a:tc>
+                  <a:txBody>
+                    <a:bodyPr/>
+                    <a:lstStyle/>
+                    <a:p>
+                      <a:endParaRPr kumimoji="1" lang="ja-JP" altLang="en-US" sz="1000"/>
+                    </a:p>
+                  </a:txBody>
+                  <a:tcPr/>
+                </a:tc>
+                <a:tc>
+                  <a:txBody>
+                    <a:bodyPr/>
+                    <a:lstStyle/>
+                    <a:p>
+                      <a:endParaRPr kumimoji="1" lang="ja-JP" altLang="en-US" sz="1000"/>
+                    </a:p>
+                  </a:txBody>
+                  <a:tcPr/>
+                </a:tc>
+                <a:tc>
+                  <a:txBody>
+                    <a:bodyPr/>
+                    <a:lstStyle/>
+                    <a:p>
+                      <a:endParaRPr kumimoji="1" lang="ja-JP" altLang="en-US" sz="1000"/>
+                    </a:p>
+                  </a:txBody>
+                  <a:tcPr/>
+                </a:tc>
+              </a:tr>
+              <a:tr h="327082">
+                <a:tc>
+                  <a:txBody>
+                    <a:bodyPr/>
+                    <a:lstStyle/>
+                    <a:p>
                       <a:r>
                         <a:rPr kumimoji="1" lang="en-US" altLang="ja-JP" sz="1000"/>
-                        <a:t>join</a:t>
-                      </a:r>
-                      <a:endParaRPr kumimoji="1" lang="ja-JP" altLang="en-US" sz="1000"/>
-                    </a:p>
-                  </a:txBody>
-                  <a:tcPr/>
-                </a:tc>
-                <a:tc>
-                  <a:txBody>
-                    <a:bodyPr/>
-                    <a:lstStyle/>
-                    <a:p>
-                      <a:endParaRPr kumimoji="1" lang="ja-JP" altLang="en-US" sz="1000"/>
-                    </a:p>
-                  </a:txBody>
-                  <a:tcPr/>
-                </a:tc>
-                <a:tc>
-                  <a:txBody>
-                    <a:bodyPr/>
-                    <a:lstStyle/>
-                    <a:p>
-                      <a:endParaRPr kumimoji="1" lang="ja-JP" altLang="en-US" sz="1000"/>
-                    </a:p>
-                  </a:txBody>
-                  <a:tcPr/>
-                </a:tc>
-                <a:tc>
-                  <a:txBody>
-                    <a:bodyPr/>
-                    <a:lstStyle/>
-                    <a:p>
-                      <a:endParaRPr kumimoji="1" lang="ja-JP" altLang="en-US" sz="1000"/>
-                    </a:p>
-                  </a:txBody>
-                  <a:tcPr/>
-                </a:tc>
-              </a:tr>
-              <a:tr h="327082">
-                <a:tc>
-                  <a:txBody>
-                    <a:bodyPr/>
-                    <a:lstStyle/>
-                    <a:p>
-                      <a:r>
-                        <a:rPr kumimoji="1" lang="en-US" altLang="ja-JP" sz="1000"/>
-                        <a:t>9</a:t>
+                        <a:t>8</a:t>
                       </a:r>
                       <a:endParaRPr kumimoji="1" lang="ja-JP" altLang="en-US" sz="1000"/>
                     </a:p>
@@ -19473,7 +19281,7 @@
                     <a:p>
                       <a:r>
                         <a:rPr kumimoji="1" lang="en-US" altLang="ja-JP" sz="1000"/>
-                        <a:t>10</a:t>
+                        <a:t>9</a:t>
                       </a:r>
                       <a:endParaRPr kumimoji="1" lang="ja-JP" altLang="en-US" sz="1000"/>
                     </a:p>
@@ -19533,7 +19341,7 @@
                     <a:p>
                       <a:r>
                         <a:rPr kumimoji="1" lang="en-US" altLang="ja-JP" sz="1000"/>
-                        <a:t>11</a:t>
+                        <a:t>10</a:t>
                       </a:r>
                       <a:endParaRPr kumimoji="1" lang="ja-JP" altLang="en-US" sz="1000"/>
                     </a:p>
@@ -19618,7 +19426,7 @@
                     <a:p>
                       <a:r>
                         <a:rPr kumimoji="1" lang="en-US" altLang="ja-JP" sz="1000"/>
-                        <a:t>12</a:t>
+                        <a:t>11</a:t>
                       </a:r>
                       <a:endParaRPr kumimoji="1" lang="ja-JP" altLang="en-US" sz="1000"/>
                     </a:p>
@@ -19678,7 +19486,7 @@
                     <a:p>
                       <a:r>
                         <a:rPr kumimoji="1" lang="en-US" altLang="ja-JP" sz="1000"/>
-                        <a:t>13</a:t>
+                        <a:t>12</a:t>
                       </a:r>
                       <a:endParaRPr kumimoji="1" lang="ja-JP" altLang="en-US" sz="1000"/>
                     </a:p>
@@ -19762,7 +19570,7 @@
                   <a:srgbClr val="FF0000"/>
                 </a:solidFill>
               </a:rPr>
-              <a:t>(4)</a:t>
+              <a:t>(3)</a:t>
             </a:r>
             <a:endParaRPr kumimoji="1" lang="ja-JP" altLang="en-US" sz="1000">
               <a:solidFill>
@@ -19828,13 +19636,13 @@
       </p:sp>
       <p:sp>
         <p:nvSpPr>
-          <p:cNvPr id="15" name="TextBox 14"/>
+          <p:cNvPr id="16" name="TextBox 15"/>
           <p:cNvSpPr txBox="1"/>
           <p:nvPr/>
         </p:nvSpPr>
         <p:spPr>
           <a:xfrm>
-            <a:off x="2836333" y="774097"/>
+            <a:off x="3255433" y="774097"/>
             <a:ext cx="327433" cy="246221"/>
           </a:xfrm>
           <a:prstGeom prst="rect">
@@ -19866,13 +19674,13 @@
       </p:sp>
       <p:sp>
         <p:nvSpPr>
-          <p:cNvPr id="16" name="TextBox 15"/>
+          <p:cNvPr id="17" name="TextBox 16"/>
           <p:cNvSpPr txBox="1"/>
           <p:nvPr/>
         </p:nvSpPr>
         <p:spPr>
           <a:xfrm>
-            <a:off x="3255433" y="774097"/>
+            <a:off x="3712633" y="774097"/>
             <a:ext cx="327433" cy="246221"/>
           </a:xfrm>
           <a:prstGeom prst="rect">
@@ -19904,13 +19712,13 @@
       </p:sp>
       <p:sp>
         <p:nvSpPr>
-          <p:cNvPr id="17" name="TextBox 16"/>
+          <p:cNvPr id="18" name="TextBox 17"/>
           <p:cNvSpPr txBox="1"/>
           <p:nvPr/>
         </p:nvSpPr>
         <p:spPr>
           <a:xfrm>
-            <a:off x="3712633" y="774097"/>
+            <a:off x="2689143" y="2147668"/>
             <a:ext cx="327433" cy="246221"/>
           </a:xfrm>
           <a:prstGeom prst="rect">
@@ -19930,7 +19738,7 @@
                   <a:srgbClr val="FF0000"/>
                 </a:solidFill>
               </a:rPr>
-              <a:t>(3)</a:t>
+              <a:t>(4)</a:t>
             </a:r>
             <a:endParaRPr kumimoji="1" lang="ja-JP" altLang="en-US" sz="1000">
               <a:solidFill>
@@ -19942,13 +19750,13 @@
       </p:sp>
       <p:sp>
         <p:nvSpPr>
-          <p:cNvPr id="18" name="TextBox 17"/>
+          <p:cNvPr id="19" name="TextBox 18"/>
           <p:cNvSpPr txBox="1"/>
           <p:nvPr/>
         </p:nvSpPr>
         <p:spPr>
           <a:xfrm>
-            <a:off x="2689143" y="2147668"/>
+            <a:off x="571436" y="2769247"/>
             <a:ext cx="327433" cy="246221"/>
           </a:xfrm>
           <a:prstGeom prst="rect">
@@ -19968,7 +19776,7 @@
                   <a:srgbClr val="FF0000"/>
                 </a:solidFill>
               </a:rPr>
-              <a:t>(5)</a:t>
+              <a:t>(6)</a:t>
             </a:r>
             <a:endParaRPr kumimoji="1" lang="ja-JP" altLang="en-US" sz="1000">
               <a:solidFill>
@@ -19980,13 +19788,13 @@
       </p:sp>
       <p:sp>
         <p:nvSpPr>
-          <p:cNvPr id="19" name="TextBox 18"/>
+          <p:cNvPr id="20" name="TextBox 19"/>
           <p:cNvSpPr txBox="1"/>
           <p:nvPr/>
         </p:nvSpPr>
         <p:spPr>
           <a:xfrm>
-            <a:off x="571436" y="2769247"/>
+            <a:off x="2079507" y="2398282"/>
             <a:ext cx="327433" cy="246221"/>
           </a:xfrm>
           <a:prstGeom prst="rect">
@@ -20018,13 +19826,13 @@
       </p:sp>
       <p:sp>
         <p:nvSpPr>
-          <p:cNvPr id="20" name="TextBox 19"/>
+          <p:cNvPr id="21" name="TextBox 20"/>
           <p:cNvSpPr txBox="1"/>
           <p:nvPr/>
         </p:nvSpPr>
         <p:spPr>
           <a:xfrm>
-            <a:off x="2079507" y="2398282"/>
+            <a:off x="2186599" y="2555260"/>
             <a:ext cx="327433" cy="246221"/>
           </a:xfrm>
           <a:prstGeom prst="rect">
@@ -20056,13 +19864,13 @@
       </p:sp>
       <p:sp>
         <p:nvSpPr>
-          <p:cNvPr id="21" name="TextBox 20"/>
+          <p:cNvPr id="22" name="TextBox 21"/>
           <p:cNvSpPr txBox="1"/>
           <p:nvPr/>
         </p:nvSpPr>
         <p:spPr>
           <a:xfrm>
-            <a:off x="2176830" y="2555260"/>
+            <a:off x="2145979" y="2722283"/>
             <a:ext cx="327433" cy="246221"/>
           </a:xfrm>
           <a:prstGeom prst="rect">
@@ -20083,44 +19891,6 @@
                 </a:solidFill>
               </a:rPr>
               <a:t>(8)</a:t>
-            </a:r>
-            <a:endParaRPr kumimoji="1" lang="ja-JP" altLang="en-US" sz="1000">
-              <a:solidFill>
-                <a:srgbClr val="FF0000"/>
-              </a:solidFill>
-            </a:endParaRPr>
-          </a:p>
-        </p:txBody>
-      </p:sp>
-      <p:sp>
-        <p:nvSpPr>
-          <p:cNvPr id="22" name="TextBox 21"/>
-          <p:cNvSpPr txBox="1"/>
-          <p:nvPr/>
-        </p:nvSpPr>
-        <p:spPr>
-          <a:xfrm>
-            <a:off x="2145979" y="2722283"/>
-            <a:ext cx="327433" cy="246221"/>
-          </a:xfrm>
-          <a:prstGeom prst="rect">
-            <a:avLst/>
-          </a:prstGeom>
-          <a:noFill/>
-        </p:spPr>
-        <p:txBody>
-          <a:bodyPr wrap="none" rtlCol="0">
-            <a:spAutoFit/>
-          </a:bodyPr>
-          <a:lstStyle/>
-          <a:p>
-            <a:r>
-              <a:rPr kumimoji="1" lang="en-US" altLang="ja-JP" sz="1000">
-                <a:solidFill>
-                  <a:srgbClr val="FF0000"/>
-                </a:solidFill>
-              </a:rPr>
-              <a:t>(9)</a:t>
             </a:r>
             <a:endParaRPr kumimoji="1" lang="ja-JP" altLang="en-US" sz="1000">
               <a:solidFill>
@@ -20246,27 +20016,7 @@
                   </a:schemeClr>
                 </a:solidFill>
               </a:rPr>
-              <a:t>Date </a:t>
-            </a:r>
-            <a:r>
-              <a:rPr kumimoji="1" lang="en-US" altLang="ja-JP" sz="800" i="1">
-                <a:solidFill>
-                  <a:schemeClr val="bg1">
-                    <a:lumMod val="65000"/>
-                  </a:schemeClr>
-                </a:solidFill>
-              </a:rPr>
-              <a:t>join</a:t>
-            </a:r>
-            <a:r>
-              <a:rPr kumimoji="1" lang="en-US" altLang="ja-JP" sz="800" i="1">
-                <a:solidFill>
-                  <a:schemeClr val="bg1">
-                    <a:lumMod val="65000"/>
-                  </a:schemeClr>
-                </a:solidFill>
-              </a:rPr>
-              <a:t>: 08/12/2015</a:t>
+              <a:t>Date join: 08/12/2015</a:t>
             </a:r>
             <a:endParaRPr kumimoji="1" lang="ja-JP" altLang="en-US" sz="800" i="1">
               <a:solidFill>
@@ -20286,8 +20036,8 @@
         </p:nvSpPr>
         <p:spPr>
           <a:xfrm>
-            <a:off x="2096773" y="2866956"/>
-            <a:ext cx="392430" cy="246221"/>
+            <a:off x="2155387" y="2857187"/>
+            <a:ext cx="327433" cy="246221"/>
           </a:xfrm>
           <a:prstGeom prst="rect">
             <a:avLst/>
@@ -20306,7 +20056,7 @@
                   <a:srgbClr val="FF0000"/>
                 </a:solidFill>
               </a:rPr>
-              <a:t>(10)</a:t>
+              <a:t>(9)</a:t>
             </a:r>
             <a:endParaRPr kumimoji="1" lang="ja-JP" altLang="en-US" sz="1000">
               <a:solidFill>
@@ -20488,27 +20238,7 @@
                   </a:schemeClr>
                 </a:solidFill>
               </a:rPr>
-              <a:t>Date </a:t>
-            </a:r>
-            <a:r>
-              <a:rPr kumimoji="1" lang="en-US" altLang="ja-JP" sz="800" i="1">
-                <a:solidFill>
-                  <a:schemeClr val="bg1">
-                    <a:lumMod val="65000"/>
-                  </a:schemeClr>
-                </a:solidFill>
-              </a:rPr>
-              <a:t>join</a:t>
-            </a:r>
-            <a:r>
-              <a:rPr kumimoji="1" lang="en-US" altLang="ja-JP" sz="800" i="1">
-                <a:solidFill>
-                  <a:schemeClr val="bg1">
-                    <a:lumMod val="65000"/>
-                  </a:schemeClr>
-                </a:solidFill>
-              </a:rPr>
-              <a:t>: 08/12/2015</a:t>
+              <a:t>Date join: 08/12/2015</a:t>
             </a:r>
             <a:endParaRPr kumimoji="1" lang="ja-JP" altLang="en-US" sz="800" i="1">
               <a:solidFill>
@@ -20686,27 +20416,7 @@
                   </a:schemeClr>
                 </a:solidFill>
               </a:rPr>
-              <a:t>Date </a:t>
-            </a:r>
-            <a:r>
-              <a:rPr kumimoji="1" lang="en-US" altLang="ja-JP" sz="800" i="1">
-                <a:solidFill>
-                  <a:schemeClr val="bg1">
-                    <a:lumMod val="65000"/>
-                  </a:schemeClr>
-                </a:solidFill>
-              </a:rPr>
-              <a:t>join</a:t>
-            </a:r>
-            <a:r>
-              <a:rPr kumimoji="1" lang="en-US" altLang="ja-JP" sz="800" i="1">
-                <a:solidFill>
-                  <a:schemeClr val="bg1">
-                    <a:lumMod val="65000"/>
-                  </a:schemeClr>
-                </a:solidFill>
-              </a:rPr>
-              <a:t>: 08/12/2015</a:t>
+              <a:t>Date join: 08/12/2015</a:t>
             </a:r>
             <a:endParaRPr kumimoji="1" lang="ja-JP" altLang="en-US" sz="800" i="1">
               <a:solidFill>
@@ -20884,27 +20594,7 @@
                   </a:schemeClr>
                 </a:solidFill>
               </a:rPr>
-              <a:t>Date </a:t>
-            </a:r>
-            <a:r>
-              <a:rPr kumimoji="1" lang="en-US" altLang="ja-JP" sz="800" i="1">
-                <a:solidFill>
-                  <a:schemeClr val="bg1">
-                    <a:lumMod val="65000"/>
-                  </a:schemeClr>
-                </a:solidFill>
-              </a:rPr>
-              <a:t>join</a:t>
-            </a:r>
-            <a:r>
-              <a:rPr kumimoji="1" lang="en-US" altLang="ja-JP" sz="800" i="1">
-                <a:solidFill>
-                  <a:schemeClr val="bg1">
-                    <a:lumMod val="65000"/>
-                  </a:schemeClr>
-                </a:solidFill>
-              </a:rPr>
-              <a:t>: 08/12/2015</a:t>
+              <a:t>Date join: 08/12/2015</a:t>
             </a:r>
             <a:endParaRPr kumimoji="1" lang="ja-JP" altLang="en-US" sz="800" i="1">
               <a:solidFill>
@@ -21204,7 +20894,7 @@
                   <a:srgbClr val="FF0000"/>
                 </a:solidFill>
               </a:rPr>
-              <a:t>(11)</a:t>
+              <a:t>(10)</a:t>
             </a:r>
             <a:endParaRPr kumimoji="1" lang="ja-JP" altLang="en-US" sz="1000">
               <a:solidFill>
@@ -21242,7 +20932,7 @@
                   <a:srgbClr val="FF0000"/>
                 </a:solidFill>
               </a:rPr>
-              <a:t>(12)</a:t>
+              <a:t>(11)</a:t>
             </a:r>
             <a:endParaRPr kumimoji="1" lang="ja-JP" altLang="en-US" sz="1000">
               <a:solidFill>
@@ -21280,7 +20970,7 @@
                   <a:srgbClr val="FF0000"/>
                 </a:solidFill>
               </a:rPr>
-              <a:t>(13)</a:t>
+              <a:t>(12)</a:t>
             </a:r>
             <a:endParaRPr kumimoji="1" lang="ja-JP" altLang="en-US" sz="1000">
               <a:solidFill>
@@ -21299,7 +20989,7 @@
         <p:spPr>
           <a:xfrm>
             <a:off x="1756319" y="1675713"/>
-            <a:ext cx="392430" cy="246221"/>
+            <a:ext cx="327433" cy="246221"/>
           </a:xfrm>
           <a:prstGeom prst="rect">
             <a:avLst/>
@@ -21318,7 +21008,7 @@
                   <a:srgbClr val="FF0000"/>
                 </a:solidFill>
               </a:rPr>
-              <a:t>(06)</a:t>
+              <a:t>(5)</a:t>
             </a:r>
             <a:endParaRPr kumimoji="1" lang="ja-JP" altLang="en-US" sz="1000">
               <a:solidFill>
@@ -22257,7 +21947,7 @@
               <a:pPr algn="r"/>
               <a:r>
                 <a:rPr kumimoji="1" lang="en-US" altLang="ja-JP" sz="1000"/>
-                <a:t>  Blog | Sitemap | </a:t>
+                <a:t>  Blog | </a:t>
               </a:r>
               <a:r>
                 <a:rPr kumimoji="1" lang="en-US" altLang="ja-JP" sz="1000">
@@ -22511,6 +22201,16 @@
           <a:bodyPr rtlCol="0" anchor="ctr"/>
           <a:lstStyle/>
           <a:p>
+            <a:r>
+              <a:rPr kumimoji="1" lang="en-US" altLang="ja-JP" sz="800" i="1" dirty="0">
+                <a:solidFill>
+                  <a:schemeClr val="bg1">
+                    <a:lumMod val="75000"/>
+                  </a:schemeClr>
+                </a:solidFill>
+              </a:rPr>
+              <a:t>********</a:t>
+            </a:r>
             <a:endParaRPr kumimoji="1" lang="ja-JP" altLang="en-US" sz="800" i="1" dirty="0">
               <a:solidFill>
                 <a:schemeClr val="bg1">
@@ -22590,6 +22290,16 @@
           <a:bodyPr rtlCol="0" anchor="ctr"/>
           <a:lstStyle/>
           <a:p>
+            <a:r>
+              <a:rPr kumimoji="1" lang="en-US" altLang="ja-JP" sz="800" i="1" dirty="0">
+                <a:solidFill>
+                  <a:schemeClr val="bg1">
+                    <a:lumMod val="75000"/>
+                  </a:schemeClr>
+                </a:solidFill>
+              </a:rPr>
+              <a:t>********</a:t>
+            </a:r>
             <a:endParaRPr kumimoji="1" lang="ja-JP" altLang="en-US" sz="800" i="1" dirty="0">
               <a:solidFill>
                 <a:schemeClr val="bg1">
@@ -22669,6 +22379,16 @@
           <a:bodyPr rtlCol="0" anchor="ctr"/>
           <a:lstStyle/>
           <a:p>
+            <a:r>
+              <a:rPr kumimoji="1" lang="en-US" altLang="ja-JP" sz="800" i="1" dirty="0">
+                <a:solidFill>
+                  <a:schemeClr val="bg1">
+                    <a:lumMod val="75000"/>
+                  </a:schemeClr>
+                </a:solidFill>
+              </a:rPr>
+              <a:t>********</a:t>
+            </a:r>
             <a:endParaRPr kumimoji="1" lang="ja-JP" altLang="en-US" sz="800" i="1" dirty="0">
               <a:solidFill>
                 <a:schemeClr val="bg1">

--- a/php/tam-v.anh/doc/detail_design/frontend/wireframe/MiniBlog_Wireframe_Ver_0.1.0.pptx
+++ b/php/tam-v.anh/doc/detail_design/frontend/wireframe/MiniBlog_Wireframe_Ver_0.1.0.pptx
@@ -13,6 +13,8 @@
     <p:sldId id="264" r:id="rId7"/>
     <p:sldId id="263" r:id="rId8"/>
     <p:sldId id="265" r:id="rId9"/>
+    <p:sldId id="266" r:id="rId10"/>
+    <p:sldId id="267" r:id="rId11"/>
   </p:sldIdLst>
   <p:sldSz cx="9144000" cy="6858000" type="screen4x3"/>
   <p:notesSz cx="6858000" cy="9144000"/>
@@ -304,7 +306,7 @@
                 <a:ea typeface="ＭＳ Ｐゴシック"/>
               </a:rPr>
               <a:pPr/>
-              <a:t>09/12/2014</a:t>
+              <a:t>10/12/2014</a:t>
             </a:fld>
             <a:endParaRPr lang="ja-JP" altLang="en-US">
               <a:solidFill>
@@ -548,7 +550,7 @@
                 <a:ea typeface="ＭＳ Ｐゴシック"/>
               </a:rPr>
               <a:pPr/>
-              <a:t>09/12/2014</a:t>
+              <a:t>10/12/2014</a:t>
             </a:fld>
             <a:endParaRPr lang="ja-JP" altLang="en-US">
               <a:solidFill>
@@ -802,7 +804,7 @@
                 <a:ea typeface="ＭＳ Ｐゴシック"/>
               </a:rPr>
               <a:pPr/>
-              <a:t>09/12/2014</a:t>
+              <a:t>10/12/2014</a:t>
             </a:fld>
             <a:endParaRPr lang="ja-JP" altLang="en-US">
               <a:solidFill>
@@ -939,7 +941,7 @@
                 <a:ea typeface="ＭＳ Ｐゴシック"/>
               </a:rPr>
               <a:pPr/>
-              <a:t>09/12/2014</a:t>
+              <a:t>10/12/2014</a:t>
             </a:fld>
             <a:endParaRPr lang="ja-JP" altLang="en-US">
               <a:solidFill>
@@ -1610,7 +1612,7 @@
                 <a:ea typeface="ＭＳ Ｐゴシック"/>
               </a:rPr>
               <a:pPr/>
-              <a:t>09/12/2014</a:t>
+              <a:t>10/12/2014</a:t>
             </a:fld>
             <a:endParaRPr lang="ja-JP" altLang="en-US">
               <a:solidFill>
@@ -2281,7 +2283,7 @@
                 <a:ea typeface="ＭＳ Ｐゴシック"/>
               </a:rPr>
               <a:pPr/>
-              <a:t>09/12/2014</a:t>
+              <a:t>10/12/2014</a:t>
             </a:fld>
             <a:endParaRPr lang="ja-JP" altLang="en-US">
               <a:solidFill>
@@ -3059,7 +3061,7 @@
                 <a:ea typeface="ＭＳ Ｐゴシック"/>
               </a:rPr>
               <a:pPr/>
-              <a:t>09/12/2014</a:t>
+              <a:t>10/12/2014</a:t>
             </a:fld>
             <a:endParaRPr lang="ja-JP" altLang="en-US">
               <a:solidFill>
@@ -3597,7 +3599,7 @@
                 <a:ea typeface="ＭＳ Ｐゴシック"/>
               </a:rPr>
               <a:pPr/>
-              <a:t>09/12/2014</a:t>
+              <a:t>10/12/2014</a:t>
             </a:fld>
             <a:endParaRPr lang="ja-JP" altLang="en-US">
               <a:solidFill>
@@ -3991,7 +3993,7 @@
                 <a:ea typeface="ＭＳ Ｐゴシック"/>
               </a:rPr>
               <a:pPr/>
-              <a:t>09/12/2014</a:t>
+              <a:t>10/12/2014</a:t>
             </a:fld>
             <a:endParaRPr lang="ja-JP" altLang="en-US">
               <a:solidFill>
@@ -4882,7 +4884,7 @@
                 <a:ea typeface="ＭＳ Ｐゴシック"/>
               </a:rPr>
               <a:pPr/>
-              <a:t>09/12/2014</a:t>
+              <a:t>10/12/2014</a:t>
             </a:fld>
             <a:endParaRPr lang="ja-JP" altLang="en-US">
               <a:solidFill>
@@ -5042,7 +5044,7 @@
                 <a:ea typeface="ＭＳ Ｐゴシック"/>
               </a:rPr>
               <a:pPr/>
-              <a:t>09/12/2014</a:t>
+              <a:t>10/12/2014</a:t>
             </a:fld>
             <a:endParaRPr lang="ja-JP" altLang="en-US">
               <a:solidFill>
@@ -5179,7 +5181,7 @@
                 <a:ea typeface="ＭＳ Ｐゴシック"/>
               </a:rPr>
               <a:pPr/>
-              <a:t>09/12/2014</a:t>
+              <a:t>10/12/2014</a:t>
             </a:fld>
             <a:endParaRPr lang="ja-JP" altLang="en-US">
               <a:solidFill>
@@ -5530,7 +5532,7 @@
                 <a:ea typeface="ＭＳ Ｐゴシック"/>
               </a:rPr>
               <a:pPr/>
-              <a:t>09/12/2014</a:t>
+              <a:t>10/12/2014</a:t>
             </a:fld>
             <a:endParaRPr lang="ja-JP" altLang="en-US">
               <a:solidFill>
@@ -5825,7 +5827,7 @@
                 <a:ea typeface="ＭＳ Ｐゴシック"/>
               </a:rPr>
               <a:pPr/>
-              <a:t>09/12/2014</a:t>
+              <a:t>10/12/2014</a:t>
             </a:fld>
             <a:endParaRPr lang="ja-JP" altLang="en-US">
               <a:solidFill>
@@ -6112,7 +6114,7 @@
                 <a:ea typeface="ＭＳ Ｐゴシック"/>
               </a:rPr>
               <a:pPr/>
-              <a:t>09/12/2014</a:t>
+              <a:t>10/12/2014</a:t>
             </a:fld>
             <a:endParaRPr kumimoji="1" lang="ja-JP" altLang="en-US">
               <a:solidFill>
@@ -6757,6 +6759,3188 @@
 </p:sld>
 </file>
 
+<file path=ppt/slides/slide10.xml><?xml version="1.0" encoding="utf-8"?>
+<p:sld xmlns:a="http://schemas.openxmlformats.org/drawingml/2006/main" xmlns:r="http://schemas.openxmlformats.org/officeDocument/2006/relationships" xmlns:p="http://schemas.openxmlformats.org/presentationml/2006/main">
+  <p:cSld>
+    <p:spTree>
+      <p:nvGrpSpPr>
+        <p:cNvPr id="1" name=""/>
+        <p:cNvGrpSpPr/>
+        <p:nvPr/>
+      </p:nvGrpSpPr>
+      <p:grpSpPr>
+        <a:xfrm>
+          <a:off x="0" y="0"/>
+          <a:ext cx="0" cy="0"/>
+          <a:chOff x="0" y="0"/>
+          <a:chExt cx="0" cy="0"/>
+        </a:xfrm>
+      </p:grpSpPr>
+      <p:cxnSp>
+        <p:nvCxnSpPr>
+          <p:cNvPr id="2" name="Straight Connector 1"/>
+          <p:cNvCxnSpPr/>
+          <p:nvPr/>
+        </p:nvCxnSpPr>
+        <p:spPr>
+          <a:xfrm>
+            <a:off x="0" y="399143"/>
+            <a:ext cx="9000067" cy="0"/>
+          </a:xfrm>
+          <a:prstGeom prst="line">
+            <a:avLst/>
+          </a:prstGeom>
+        </p:spPr>
+        <p:style>
+          <a:lnRef idx="2">
+            <a:schemeClr val="accent1"/>
+          </a:lnRef>
+          <a:fillRef idx="0">
+            <a:schemeClr val="accent1"/>
+          </a:fillRef>
+          <a:effectRef idx="1">
+            <a:schemeClr val="accent1"/>
+          </a:effectRef>
+          <a:fontRef idx="minor">
+            <a:schemeClr val="tx1"/>
+          </a:fontRef>
+        </p:style>
+      </p:cxnSp>
+      <p:graphicFrame>
+        <p:nvGraphicFramePr>
+          <p:cNvPr id="3" name="Table 2"/>
+          <p:cNvGraphicFramePr>
+            <a:graphicFrameLocks noGrp="1"/>
+          </p:cNvGraphicFramePr>
+          <p:nvPr>
+            <p:extLst>
+              <p:ext uri="{D42A27DB-BD31-4B8C-83A1-F6EECF244321}">
+                <p14:modId xmlns:p14="http://schemas.microsoft.com/office/powerpoint/2010/main" val="3469895484"/>
+              </p:ext>
+            </p:extLst>
+          </p:nvPr>
+        </p:nvGraphicFramePr>
+        <p:xfrm>
+          <a:off x="5131965" y="548879"/>
+          <a:ext cx="3868103" cy="4363316"/>
+        </p:xfrm>
+        <a:graphic>
+          <a:graphicData uri="http://schemas.openxmlformats.org/drawingml/2006/table">
+            <a:tbl>
+              <a:tblPr firstRow="1" bandRow="1">
+                <a:tableStyleId>{5202B0CA-FC54-4496-8BCA-5EF66A818D29}</a:tableStyleId>
+              </a:tblPr>
+              <a:tblGrid>
+                <a:gridCol w="329035"/>
+                <a:gridCol w="1041400"/>
+                <a:gridCol w="651933"/>
+                <a:gridCol w="1397000"/>
+                <a:gridCol w="448735"/>
+              </a:tblGrid>
+              <a:tr h="224188">
+                <a:tc>
+                  <a:txBody>
+                    <a:bodyPr/>
+                    <a:lstStyle/>
+                    <a:p>
+                      <a:pPr algn="ctr"/>
+                      <a:r>
+                        <a:rPr kumimoji="1" lang="en-US" altLang="ja-JP" sz="1000" dirty="0">
+                          <a:latin typeface="Calibri" panose="020F0502020204030204" pitchFamily="34" charset="0"/>
+                        </a:rPr>
+                        <a:t>No</a:t>
+                      </a:r>
+                      <a:endParaRPr kumimoji="1" lang="ja-JP" altLang="en-US" sz="1000" dirty="0">
+                        <a:latin typeface="Calibri" panose="020F0502020204030204" pitchFamily="34" charset="0"/>
+                      </a:endParaRPr>
+                    </a:p>
+                  </a:txBody>
+                  <a:tcPr/>
+                </a:tc>
+                <a:tc>
+                  <a:txBody>
+                    <a:bodyPr/>
+                    <a:lstStyle/>
+                    <a:p>
+                      <a:pPr algn="ctr"/>
+                      <a:r>
+                        <a:rPr kumimoji="1" lang="en-US" altLang="ja-JP" sz="1000" dirty="0">
+                          <a:latin typeface="Calibri" panose="020F0502020204030204" pitchFamily="34" charset="0"/>
+                        </a:rPr>
+                        <a:t>Content</a:t>
+                      </a:r>
+                      <a:endParaRPr kumimoji="1" lang="ja-JP" altLang="en-US" sz="1000" dirty="0">
+                        <a:latin typeface="Calibri" panose="020F0502020204030204" pitchFamily="34" charset="0"/>
+                      </a:endParaRPr>
+                    </a:p>
+                  </a:txBody>
+                  <a:tcPr/>
+                </a:tc>
+                <a:tc>
+                  <a:txBody>
+                    <a:bodyPr/>
+                    <a:lstStyle/>
+                    <a:p>
+                      <a:pPr algn="ctr"/>
+                      <a:r>
+                        <a:rPr kumimoji="1" lang="en-US" altLang="ja-JP" sz="1000" dirty="0">
+                          <a:latin typeface="Calibri" panose="020F0502020204030204" pitchFamily="34" charset="0"/>
+                        </a:rPr>
+                        <a:t>Function</a:t>
+                      </a:r>
+                      <a:endParaRPr kumimoji="1" lang="ja-JP" altLang="en-US" sz="1000" dirty="0">
+                        <a:latin typeface="Calibri" panose="020F0502020204030204" pitchFamily="34" charset="0"/>
+                      </a:endParaRPr>
+                    </a:p>
+                  </a:txBody>
+                  <a:tcPr/>
+                </a:tc>
+                <a:tc>
+                  <a:txBody>
+                    <a:bodyPr/>
+                    <a:lstStyle/>
+                    <a:p>
+                      <a:pPr algn="ctr"/>
+                      <a:r>
+                        <a:rPr kumimoji="1" lang="en-US" altLang="ja-JP" sz="1000" dirty="0">
+                          <a:latin typeface="Calibri" panose="020F0502020204030204" pitchFamily="34" charset="0"/>
+                        </a:rPr>
+                        <a:t>Detail/option</a:t>
+                      </a:r>
+                      <a:endParaRPr kumimoji="1" lang="ja-JP" altLang="en-US" sz="1000" dirty="0">
+                        <a:latin typeface="Calibri" panose="020F0502020204030204" pitchFamily="34" charset="0"/>
+                      </a:endParaRPr>
+                    </a:p>
+                  </a:txBody>
+                  <a:tcPr/>
+                </a:tc>
+                <a:tc>
+                  <a:txBody>
+                    <a:bodyPr/>
+                    <a:lstStyle/>
+                    <a:p>
+                      <a:pPr algn="ctr"/>
+                      <a:r>
+                        <a:rPr kumimoji="1" lang="en-US" altLang="ja-JP" sz="1000" dirty="0" err="1">
+                          <a:latin typeface="Calibri" panose="020F0502020204030204" pitchFamily="34" charset="0"/>
+                        </a:rPr>
+                        <a:t>Goto</a:t>
+                      </a:r>
+                      <a:endParaRPr kumimoji="1" lang="ja-JP" altLang="en-US" sz="1000" dirty="0">
+                        <a:latin typeface="Calibri" panose="020F0502020204030204" pitchFamily="34" charset="0"/>
+                      </a:endParaRPr>
+                    </a:p>
+                  </a:txBody>
+                  <a:tcPr/>
+                </a:tc>
+              </a:tr>
+              <a:tr h="355880">
+                <a:tc>
+                  <a:txBody>
+                    <a:bodyPr/>
+                    <a:lstStyle/>
+                    <a:p>
+                      <a:r>
+                        <a:rPr kumimoji="1" lang="en-US" altLang="ja-JP" sz="1000">
+                          <a:latin typeface="Calibri" panose="020F0502020204030204" pitchFamily="34" charset="0"/>
+                        </a:rPr>
+                        <a:t>1</a:t>
+                      </a:r>
+                      <a:endParaRPr kumimoji="1" lang="ja-JP" altLang="en-US" sz="1000">
+                        <a:latin typeface="Calibri" panose="020F0502020204030204" pitchFamily="34" charset="0"/>
+                      </a:endParaRPr>
+                    </a:p>
+                  </a:txBody>
+                  <a:tcPr/>
+                </a:tc>
+                <a:tc>
+                  <a:txBody>
+                    <a:bodyPr/>
+                    <a:lstStyle/>
+                    <a:p>
+                      <a:r>
+                        <a:rPr kumimoji="1" lang="en-US" altLang="ja-JP" sz="1000" dirty="0" smtClean="0">
+                          <a:latin typeface="Calibri" panose="020F0502020204030204" pitchFamily="34" charset="0"/>
+                        </a:rPr>
+                        <a:t>Newest</a:t>
+                      </a:r>
+                      <a:endParaRPr kumimoji="1" lang="ja-JP" altLang="en-US" sz="1000" dirty="0">
+                        <a:latin typeface="Calibri" panose="020F0502020204030204" pitchFamily="34" charset="0"/>
+                      </a:endParaRPr>
+                    </a:p>
+                  </a:txBody>
+                  <a:tcPr/>
+                </a:tc>
+                <a:tc>
+                  <a:txBody>
+                    <a:bodyPr/>
+                    <a:lstStyle/>
+                    <a:p>
+                      <a:endParaRPr kumimoji="1" lang="ja-JP" altLang="en-US" sz="1000" dirty="0">
+                        <a:latin typeface="Calibri" panose="020F0502020204030204" pitchFamily="34" charset="0"/>
+                      </a:endParaRPr>
+                    </a:p>
+                  </a:txBody>
+                  <a:tcPr/>
+                </a:tc>
+                <a:tc>
+                  <a:txBody>
+                    <a:bodyPr/>
+                    <a:lstStyle/>
+                    <a:p>
+                      <a:r>
+                        <a:rPr kumimoji="1" lang="en-US" altLang="ja-JP" sz="1000" dirty="0" smtClean="0">
+                          <a:latin typeface="Calibri" panose="020F0502020204030204" pitchFamily="34" charset="0"/>
+                        </a:rPr>
+                        <a:t>Sort </a:t>
+                      </a:r>
+                      <a:r>
+                        <a:rPr kumimoji="1" lang="en-US" altLang="ja-JP" sz="1000" dirty="0">
+                          <a:latin typeface="Calibri" panose="020F0502020204030204" pitchFamily="34" charset="0"/>
+                        </a:rPr>
+                        <a:t>all </a:t>
+                      </a:r>
+                      <a:r>
+                        <a:rPr kumimoji="1" lang="en-US" altLang="ja-JP" sz="1000" dirty="0" smtClean="0">
+                          <a:latin typeface="Calibri" panose="020F0502020204030204" pitchFamily="34" charset="0"/>
+                        </a:rPr>
+                        <a:t>Post by newest post </a:t>
+                      </a:r>
+                      <a:endParaRPr kumimoji="1" lang="ja-JP" altLang="en-US" sz="1000" dirty="0">
+                        <a:latin typeface="Calibri" panose="020F0502020204030204" pitchFamily="34" charset="0"/>
+                      </a:endParaRPr>
+                    </a:p>
+                  </a:txBody>
+                  <a:tcPr/>
+                </a:tc>
+                <a:tc>
+                  <a:txBody>
+                    <a:bodyPr/>
+                    <a:lstStyle/>
+                    <a:p>
+                      <a:endParaRPr kumimoji="1" lang="ja-JP" altLang="en-US" sz="1000" dirty="0">
+                        <a:latin typeface="Calibri" panose="020F0502020204030204" pitchFamily="34" charset="0"/>
+                      </a:endParaRPr>
+                    </a:p>
+                  </a:txBody>
+                  <a:tcPr/>
+                </a:tc>
+              </a:tr>
+              <a:tr h="492758">
+                <a:tc>
+                  <a:txBody>
+                    <a:bodyPr/>
+                    <a:lstStyle/>
+                    <a:p>
+                      <a:r>
+                        <a:rPr kumimoji="1" lang="en-US" altLang="ja-JP" sz="1000">
+                          <a:latin typeface="Calibri" panose="020F0502020204030204" pitchFamily="34" charset="0"/>
+                        </a:rPr>
+                        <a:t>2</a:t>
+                      </a:r>
+                      <a:endParaRPr kumimoji="1" lang="ja-JP" altLang="en-US" sz="1000">
+                        <a:latin typeface="Calibri" panose="020F0502020204030204" pitchFamily="34" charset="0"/>
+                      </a:endParaRPr>
+                    </a:p>
+                  </a:txBody>
+                  <a:tcPr/>
+                </a:tc>
+                <a:tc>
+                  <a:txBody>
+                    <a:bodyPr/>
+                    <a:lstStyle/>
+                    <a:p>
+                      <a:pPr algn="l"/>
+                      <a:r>
+                        <a:rPr lang="en-GB" sz="1000" dirty="0" smtClean="0">
+                          <a:latin typeface="Calibri" panose="020F0502020204030204" pitchFamily="34" charset="0"/>
+                        </a:rPr>
+                        <a:t>Most comment</a:t>
+                      </a:r>
+                      <a:endParaRPr lang="en-US" sz="1000" dirty="0">
+                        <a:latin typeface="Calibri" panose="020F0502020204030204" pitchFamily="34" charset="0"/>
+                      </a:endParaRPr>
+                    </a:p>
+                  </a:txBody>
+                  <a:tcPr/>
+                </a:tc>
+                <a:tc>
+                  <a:txBody>
+                    <a:bodyPr/>
+                    <a:lstStyle/>
+                    <a:p>
+                      <a:endParaRPr kumimoji="1" lang="ja-JP" altLang="en-US" sz="1000" dirty="0">
+                        <a:latin typeface="Calibri" panose="020F0502020204030204" pitchFamily="34" charset="0"/>
+                      </a:endParaRPr>
+                    </a:p>
+                  </a:txBody>
+                  <a:tcPr/>
+                </a:tc>
+                <a:tc>
+                  <a:txBody>
+                    <a:bodyPr/>
+                    <a:lstStyle/>
+                    <a:p>
+                      <a:r>
+                        <a:rPr kumimoji="1" lang="en-US" altLang="ja-JP" sz="1000" dirty="0" smtClean="0">
+                          <a:latin typeface="Calibri" panose="020F0502020204030204" pitchFamily="34" charset="0"/>
+                        </a:rPr>
+                        <a:t>Sort all Post by the</a:t>
+                      </a:r>
+                      <a:r>
+                        <a:rPr kumimoji="1" lang="en-US" altLang="ja-JP" sz="1000" baseline="0" dirty="0" smtClean="0">
+                          <a:latin typeface="Calibri" panose="020F0502020204030204" pitchFamily="34" charset="0"/>
+                        </a:rPr>
+                        <a:t> </a:t>
+                      </a:r>
+                      <a:r>
+                        <a:rPr kumimoji="1" lang="en-US" altLang="ja-JP" sz="1000" dirty="0" smtClean="0">
+                          <a:latin typeface="Calibri" panose="020F0502020204030204" pitchFamily="34" charset="0"/>
+                        </a:rPr>
+                        <a:t>posts have most</a:t>
+                      </a:r>
+                      <a:r>
+                        <a:rPr kumimoji="1" lang="en-US" altLang="ja-JP" sz="1000" baseline="0" dirty="0" smtClean="0">
+                          <a:latin typeface="Calibri" panose="020F0502020204030204" pitchFamily="34" charset="0"/>
+                        </a:rPr>
+                        <a:t> comment.</a:t>
+                      </a:r>
+                      <a:r>
+                        <a:rPr kumimoji="1" lang="en-US" altLang="ja-JP" sz="1000" dirty="0" smtClean="0">
+                          <a:latin typeface="Calibri" panose="020F0502020204030204" pitchFamily="34" charset="0"/>
+                        </a:rPr>
+                        <a:t> </a:t>
+                      </a:r>
+                      <a:endParaRPr kumimoji="1" lang="ja-JP" altLang="en-US" sz="1000" dirty="0">
+                        <a:latin typeface="Calibri" panose="020F0502020204030204" pitchFamily="34" charset="0"/>
+                      </a:endParaRPr>
+                    </a:p>
+                  </a:txBody>
+                  <a:tcPr/>
+                </a:tc>
+                <a:tc>
+                  <a:txBody>
+                    <a:bodyPr/>
+                    <a:lstStyle/>
+                    <a:p>
+                      <a:endParaRPr kumimoji="1" lang="ja-JP" altLang="en-US" sz="1000" dirty="0">
+                        <a:latin typeface="Calibri" panose="020F0502020204030204" pitchFamily="34" charset="0"/>
+                      </a:endParaRPr>
+                    </a:p>
+                  </a:txBody>
+                  <a:tcPr/>
+                </a:tc>
+              </a:tr>
+              <a:tr h="492758">
+                <a:tc>
+                  <a:txBody>
+                    <a:bodyPr/>
+                    <a:lstStyle/>
+                    <a:p>
+                      <a:r>
+                        <a:rPr kumimoji="1" lang="en-US" altLang="ja-JP" sz="1000">
+                          <a:latin typeface="Calibri" panose="020F0502020204030204" pitchFamily="34" charset="0"/>
+                        </a:rPr>
+                        <a:t>3</a:t>
+                      </a:r>
+                      <a:endParaRPr kumimoji="1" lang="ja-JP" altLang="en-US" sz="1000">
+                        <a:latin typeface="Calibri" panose="020F0502020204030204" pitchFamily="34" charset="0"/>
+                      </a:endParaRPr>
+                    </a:p>
+                  </a:txBody>
+                  <a:tcPr/>
+                </a:tc>
+                <a:tc>
+                  <a:txBody>
+                    <a:bodyPr/>
+                    <a:lstStyle/>
+                    <a:p>
+                      <a:r>
+                        <a:rPr kumimoji="1" lang="en-US" altLang="ja-JP" sz="1000" dirty="0" smtClean="0">
+                          <a:latin typeface="Calibri" panose="020F0502020204030204" pitchFamily="34" charset="0"/>
+                        </a:rPr>
+                        <a:t>Name(A-Z)</a:t>
+                      </a:r>
+                      <a:endParaRPr kumimoji="1" lang="ja-JP" altLang="en-US" sz="1000" dirty="0">
+                        <a:latin typeface="Calibri" panose="020F0502020204030204" pitchFamily="34" charset="0"/>
+                      </a:endParaRPr>
+                    </a:p>
+                  </a:txBody>
+                  <a:tcPr/>
+                </a:tc>
+                <a:tc>
+                  <a:txBody>
+                    <a:bodyPr/>
+                    <a:lstStyle/>
+                    <a:p>
+                      <a:endParaRPr kumimoji="1" lang="ja-JP" altLang="en-US" sz="1000">
+                        <a:latin typeface="Calibri" panose="020F0502020204030204" pitchFamily="34" charset="0"/>
+                      </a:endParaRPr>
+                    </a:p>
+                  </a:txBody>
+                  <a:tcPr/>
+                </a:tc>
+                <a:tc>
+                  <a:txBody>
+                    <a:bodyPr/>
+                    <a:lstStyle/>
+                    <a:p>
+                      <a:r>
+                        <a:rPr kumimoji="1" lang="en-US" altLang="ja-JP" sz="1000" dirty="0" smtClean="0">
+                          <a:latin typeface="Calibri" panose="020F0502020204030204" pitchFamily="34" charset="0"/>
+                        </a:rPr>
+                        <a:t>Sort all Post by the</a:t>
+                      </a:r>
+                      <a:r>
+                        <a:rPr kumimoji="1" lang="en-US" altLang="ja-JP" sz="1000" baseline="0" dirty="0" smtClean="0">
+                          <a:latin typeface="Calibri" panose="020F0502020204030204" pitchFamily="34" charset="0"/>
+                        </a:rPr>
+                        <a:t> name of </a:t>
+                      </a:r>
+                      <a:r>
+                        <a:rPr kumimoji="1" lang="en-US" altLang="ja-JP" sz="1000" smtClean="0">
+                          <a:latin typeface="Calibri" panose="020F0502020204030204" pitchFamily="34" charset="0"/>
+                        </a:rPr>
+                        <a:t>posts from</a:t>
+                      </a:r>
+                      <a:r>
+                        <a:rPr kumimoji="1" lang="en-US" altLang="ja-JP" sz="1000" baseline="0" smtClean="0">
+                          <a:latin typeface="Calibri" panose="020F0502020204030204" pitchFamily="34" charset="0"/>
+                        </a:rPr>
+                        <a:t> A to Z</a:t>
+                      </a:r>
+                      <a:endParaRPr kumimoji="1" lang="ja-JP" altLang="en-US" sz="1000" dirty="0">
+                        <a:latin typeface="Calibri" panose="020F0502020204030204" pitchFamily="34" charset="0"/>
+                      </a:endParaRPr>
+                    </a:p>
+                  </a:txBody>
+                  <a:tcPr/>
+                </a:tc>
+                <a:tc>
+                  <a:txBody>
+                    <a:bodyPr/>
+                    <a:lstStyle/>
+                    <a:p>
+                      <a:endParaRPr kumimoji="1" lang="ja-JP" altLang="en-US" sz="1000" dirty="0">
+                        <a:latin typeface="Calibri" panose="020F0502020204030204" pitchFamily="34" charset="0"/>
+                      </a:endParaRPr>
+                    </a:p>
+                  </a:txBody>
+                  <a:tcPr/>
+                </a:tc>
+              </a:tr>
+              <a:tr h="375804">
+                <a:tc>
+                  <a:txBody>
+                    <a:bodyPr/>
+                    <a:lstStyle/>
+                    <a:p>
+                      <a:r>
+                        <a:rPr kumimoji="1" lang="en-GB" altLang="ja-JP" sz="1000" dirty="0" smtClean="0">
+                          <a:latin typeface="Calibri" panose="020F0502020204030204" pitchFamily="34" charset="0"/>
+                        </a:rPr>
+                        <a:t>4</a:t>
+                      </a:r>
+                      <a:endParaRPr kumimoji="1" lang="ja-JP" altLang="en-US" sz="1000" dirty="0">
+                        <a:latin typeface="Calibri" panose="020F0502020204030204" pitchFamily="34" charset="0"/>
+                      </a:endParaRPr>
+                    </a:p>
+                  </a:txBody>
+                  <a:tcPr/>
+                </a:tc>
+                <a:tc>
+                  <a:txBody>
+                    <a:bodyPr/>
+                    <a:lstStyle/>
+                    <a:p>
+                      <a:r>
+                        <a:rPr kumimoji="1" lang="en-US" altLang="ja-JP" sz="1000" dirty="0">
+                          <a:latin typeface="Calibri" panose="020F0502020204030204" pitchFamily="34" charset="0"/>
+                        </a:rPr>
+                        <a:t>Change number</a:t>
+                      </a:r>
+                      <a:endParaRPr kumimoji="1" lang="ja-JP" altLang="en-US" sz="1000" dirty="0">
+                        <a:latin typeface="Calibri" panose="020F0502020204030204" pitchFamily="34" charset="0"/>
+                      </a:endParaRPr>
+                    </a:p>
+                  </a:txBody>
+                  <a:tcPr/>
+                </a:tc>
+                <a:tc>
+                  <a:txBody>
+                    <a:bodyPr/>
+                    <a:lstStyle/>
+                    <a:p>
+                      <a:endParaRPr kumimoji="1" lang="ja-JP" altLang="en-US" sz="1000">
+                        <a:latin typeface="Calibri" panose="020F0502020204030204" pitchFamily="34" charset="0"/>
+                      </a:endParaRPr>
+                    </a:p>
+                  </a:txBody>
+                  <a:tcPr/>
+                </a:tc>
+                <a:tc>
+                  <a:txBody>
+                    <a:bodyPr/>
+                    <a:lstStyle/>
+                    <a:p>
+                      <a:r>
+                        <a:rPr kumimoji="1" lang="en-GB" altLang="ja-JP" sz="1000" dirty="0" smtClean="0">
+                          <a:latin typeface="Calibri" panose="020F0502020204030204" pitchFamily="34" charset="0"/>
+                        </a:rPr>
+                        <a:t>Number </a:t>
+                      </a:r>
+                      <a:r>
+                        <a:rPr kumimoji="1" lang="en-GB" altLang="ja-JP" sz="1000" dirty="0" smtClean="0">
+                          <a:latin typeface="Calibri" panose="020F0502020204030204" pitchFamily="34" charset="0"/>
+                        </a:rPr>
+                        <a:t>posts</a:t>
+                      </a:r>
+                      <a:r>
+                        <a:rPr kumimoji="1" lang="en-GB" altLang="ja-JP" sz="1000" baseline="0" dirty="0" smtClean="0">
+                          <a:latin typeface="Calibri" panose="020F0502020204030204" pitchFamily="34" charset="0"/>
+                        </a:rPr>
+                        <a:t> per page</a:t>
+                      </a:r>
+                      <a:endParaRPr kumimoji="1" lang="ja-JP" altLang="en-US" sz="1000" dirty="0">
+                        <a:latin typeface="Calibri" panose="020F0502020204030204" pitchFamily="34" charset="0"/>
+                      </a:endParaRPr>
+                    </a:p>
+                  </a:txBody>
+                  <a:tcPr/>
+                </a:tc>
+                <a:tc>
+                  <a:txBody>
+                    <a:bodyPr/>
+                    <a:lstStyle/>
+                    <a:p>
+                      <a:endParaRPr kumimoji="1" lang="ja-JP" altLang="en-US" sz="1000" dirty="0">
+                        <a:latin typeface="Calibri" panose="020F0502020204030204" pitchFamily="34" charset="0"/>
+                      </a:endParaRPr>
+                    </a:p>
+                  </a:txBody>
+                  <a:tcPr/>
+                </a:tc>
+              </a:tr>
+              <a:tr h="766512">
+                <a:tc>
+                  <a:txBody>
+                    <a:bodyPr/>
+                    <a:lstStyle/>
+                    <a:p>
+                      <a:r>
+                        <a:rPr kumimoji="1" lang="en-GB" altLang="ja-JP" sz="1000" dirty="0" smtClean="0">
+                          <a:latin typeface="Calibri" panose="020F0502020204030204" pitchFamily="34" charset="0"/>
+                        </a:rPr>
+                        <a:t>5</a:t>
+                      </a:r>
+                      <a:endParaRPr kumimoji="1" lang="ja-JP" altLang="en-US" sz="1000" dirty="0">
+                        <a:latin typeface="Calibri" panose="020F0502020204030204" pitchFamily="34" charset="0"/>
+                      </a:endParaRPr>
+                    </a:p>
+                  </a:txBody>
+                  <a:tcPr/>
+                </a:tc>
+                <a:tc>
+                  <a:txBody>
+                    <a:bodyPr/>
+                    <a:lstStyle/>
+                    <a:p>
+                      <a:r>
+                        <a:rPr kumimoji="1" lang="en-US" altLang="ja-JP" sz="1000" dirty="0">
+                          <a:latin typeface="Calibri" panose="020F0502020204030204" pitchFamily="34" charset="0"/>
+                        </a:rPr>
+                        <a:t>Image Post</a:t>
+                      </a:r>
+                      <a:endParaRPr kumimoji="1" lang="ja-JP" altLang="en-US" sz="1000" dirty="0">
+                        <a:latin typeface="Calibri" panose="020F0502020204030204" pitchFamily="34" charset="0"/>
+                      </a:endParaRPr>
+                    </a:p>
+                  </a:txBody>
+                  <a:tcPr/>
+                </a:tc>
+                <a:tc>
+                  <a:txBody>
+                    <a:bodyPr/>
+                    <a:lstStyle/>
+                    <a:p>
+                      <a:endParaRPr kumimoji="1" lang="ja-JP" altLang="en-US" sz="1000" dirty="0">
+                        <a:latin typeface="Calibri" panose="020F0502020204030204" pitchFamily="34" charset="0"/>
+                      </a:endParaRPr>
+                    </a:p>
+                  </a:txBody>
+                  <a:tcPr/>
+                </a:tc>
+                <a:tc>
+                  <a:txBody>
+                    <a:bodyPr/>
+                    <a:lstStyle/>
+                    <a:p>
+                      <a:pPr marL="0" marR="0" indent="0" algn="l" defTabSz="457200" rtl="0" eaLnBrk="1" fontAlgn="auto" latinLnBrk="0" hangingPunct="1">
+                        <a:lnSpc>
+                          <a:spcPct val="100000"/>
+                        </a:lnSpc>
+                        <a:spcBef>
+                          <a:spcPts val="0"/>
+                        </a:spcBef>
+                        <a:spcAft>
+                          <a:spcPts val="0"/>
+                        </a:spcAft>
+                        <a:buClrTx/>
+                        <a:buSzTx/>
+                        <a:buFontTx/>
+                        <a:buNone/>
+                        <a:tabLst/>
+                        <a:defRPr/>
+                      </a:pPr>
+                      <a:r>
+                        <a:rPr kumimoji="1" lang="en-GB" altLang="ja-JP" sz="1000" dirty="0" smtClean="0">
+                          <a:latin typeface="Calibri" panose="020F0502020204030204" pitchFamily="34" charset="0"/>
+                        </a:rPr>
+                        <a:t>- It’s a thumbnail image that user</a:t>
+                      </a:r>
+                      <a:r>
+                        <a:rPr kumimoji="1" lang="en-GB" altLang="ja-JP" sz="1000" baseline="0" dirty="0" smtClean="0">
+                          <a:latin typeface="Calibri" panose="020F0502020204030204" pitchFamily="34" charset="0"/>
+                        </a:rPr>
+                        <a:t> uploaded.</a:t>
+                      </a:r>
+                      <a:endParaRPr kumimoji="1" lang="en-US" altLang="ja-JP" sz="1000" dirty="0" smtClean="0">
+                        <a:latin typeface="Calibri" panose="020F0502020204030204" pitchFamily="34" charset="0"/>
+                      </a:endParaRPr>
+                    </a:p>
+                    <a:p>
+                      <a:pPr marL="0" marR="0" indent="0" algn="l" defTabSz="457200" rtl="0" eaLnBrk="1" fontAlgn="auto" latinLnBrk="0" hangingPunct="1">
+                        <a:lnSpc>
+                          <a:spcPct val="100000"/>
+                        </a:lnSpc>
+                        <a:spcBef>
+                          <a:spcPts val="0"/>
+                        </a:spcBef>
+                        <a:spcAft>
+                          <a:spcPts val="0"/>
+                        </a:spcAft>
+                        <a:buClrTx/>
+                        <a:buSzTx/>
+                        <a:buFontTx/>
+                        <a:buNone/>
+                        <a:tabLst/>
+                        <a:defRPr/>
+                      </a:pPr>
+                      <a:r>
+                        <a:rPr kumimoji="1" lang="en-US" altLang="ja-JP" sz="1000" dirty="0" smtClean="0">
+                          <a:latin typeface="Calibri" panose="020F0502020204030204" pitchFamily="34" charset="0"/>
+                        </a:rPr>
+                        <a:t>- Click </a:t>
+                      </a:r>
+                      <a:r>
+                        <a:rPr kumimoji="1" lang="en-US" altLang="ja-JP" sz="1000" dirty="0">
+                          <a:latin typeface="Calibri" panose="020F0502020204030204" pitchFamily="34" charset="0"/>
+                        </a:rPr>
+                        <a:t>=&gt; go to detail post</a:t>
+                      </a:r>
+                      <a:endParaRPr kumimoji="1" lang="ja-JP" altLang="en-US" sz="1000" dirty="0">
+                        <a:latin typeface="Calibri" panose="020F0502020204030204" pitchFamily="34" charset="0"/>
+                      </a:endParaRPr>
+                    </a:p>
+                  </a:txBody>
+                  <a:tcPr/>
+                </a:tc>
+                <a:tc>
+                  <a:txBody>
+                    <a:bodyPr/>
+                    <a:lstStyle/>
+                    <a:p>
+                      <a:r>
+                        <a:rPr kumimoji="1" lang="vi-VN" altLang="ja-JP" sz="1000" dirty="0">
+                          <a:latin typeface="Calibri" panose="020F0502020204030204" pitchFamily="34" charset="0"/>
+                        </a:rPr>
+                        <a:t>S-3-2</a:t>
+                      </a:r>
+                      <a:endParaRPr kumimoji="1" lang="ja-JP" altLang="en-US" sz="1000" dirty="0">
+                        <a:latin typeface="Calibri" panose="020F0502020204030204" pitchFamily="34" charset="0"/>
+                      </a:endParaRPr>
+                    </a:p>
+                  </a:txBody>
+                  <a:tcPr/>
+                </a:tc>
+              </a:tr>
+              <a:tr h="355880">
+                <a:tc>
+                  <a:txBody>
+                    <a:bodyPr/>
+                    <a:lstStyle/>
+                    <a:p>
+                      <a:r>
+                        <a:rPr kumimoji="1" lang="en-US" altLang="ja-JP" sz="1000" dirty="0" smtClean="0">
+                          <a:latin typeface="Calibri" panose="020F0502020204030204" pitchFamily="34" charset="0"/>
+                        </a:rPr>
+                        <a:t>6</a:t>
+                      </a:r>
+                      <a:endParaRPr kumimoji="1" lang="ja-JP" altLang="en-US" sz="1000" dirty="0">
+                        <a:latin typeface="Calibri" panose="020F0502020204030204" pitchFamily="34" charset="0"/>
+                      </a:endParaRPr>
+                    </a:p>
+                  </a:txBody>
+                  <a:tcPr/>
+                </a:tc>
+                <a:tc>
+                  <a:txBody>
+                    <a:bodyPr/>
+                    <a:lstStyle/>
+                    <a:p>
+                      <a:r>
+                        <a:rPr kumimoji="1" lang="en-US" altLang="ja-JP" sz="1000" dirty="0">
+                          <a:latin typeface="Calibri" panose="020F0502020204030204" pitchFamily="34" charset="0"/>
+                        </a:rPr>
+                        <a:t>Title Post</a:t>
+                      </a:r>
+                      <a:endParaRPr kumimoji="1" lang="ja-JP" altLang="en-US" sz="1000" dirty="0">
+                        <a:latin typeface="Calibri" panose="020F0502020204030204" pitchFamily="34" charset="0"/>
+                      </a:endParaRPr>
+                    </a:p>
+                  </a:txBody>
+                  <a:tcPr/>
+                </a:tc>
+                <a:tc>
+                  <a:txBody>
+                    <a:bodyPr/>
+                    <a:lstStyle/>
+                    <a:p>
+                      <a:endParaRPr kumimoji="1" lang="ja-JP" altLang="en-US" sz="1000">
+                        <a:latin typeface="Calibri" panose="020F0502020204030204" pitchFamily="34" charset="0"/>
+                      </a:endParaRPr>
+                    </a:p>
+                  </a:txBody>
+                  <a:tcPr/>
+                </a:tc>
+                <a:tc>
+                  <a:txBody>
+                    <a:bodyPr/>
+                    <a:lstStyle/>
+                    <a:p>
+                      <a:r>
+                        <a:rPr kumimoji="1" lang="en-US" altLang="ja-JP" sz="1000" dirty="0">
+                          <a:latin typeface="Calibri" panose="020F0502020204030204" pitchFamily="34" charset="0"/>
+                        </a:rPr>
+                        <a:t>Click =&gt; go to detail post</a:t>
+                      </a:r>
+                      <a:endParaRPr kumimoji="1" lang="ja-JP" altLang="en-US" sz="1000" dirty="0">
+                        <a:latin typeface="Calibri" panose="020F0502020204030204" pitchFamily="34" charset="0"/>
+                      </a:endParaRPr>
+                    </a:p>
+                  </a:txBody>
+                  <a:tcPr/>
+                </a:tc>
+                <a:tc>
+                  <a:txBody>
+                    <a:bodyPr/>
+                    <a:lstStyle/>
+                    <a:p>
+                      <a:r>
+                        <a:rPr kumimoji="1" lang="en-US" altLang="ja-JP" sz="1000" dirty="0">
+                          <a:latin typeface="Calibri" panose="020F0502020204030204" pitchFamily="34" charset="0"/>
+                        </a:rPr>
+                        <a:t>S-3-2</a:t>
+                      </a:r>
+                      <a:endParaRPr kumimoji="1" lang="ja-JP" altLang="en-US" sz="1000" dirty="0">
+                        <a:latin typeface="Calibri" panose="020F0502020204030204" pitchFamily="34" charset="0"/>
+                      </a:endParaRPr>
+                    </a:p>
+                  </a:txBody>
+                  <a:tcPr/>
+                </a:tc>
+              </a:tr>
+              <a:tr h="224188">
+                <a:tc>
+                  <a:txBody>
+                    <a:bodyPr/>
+                    <a:lstStyle/>
+                    <a:p>
+                      <a:r>
+                        <a:rPr kumimoji="1" lang="en-US" altLang="ja-JP" sz="1000" dirty="0" smtClean="0">
+                          <a:latin typeface="Calibri" panose="020F0502020204030204" pitchFamily="34" charset="0"/>
+                        </a:rPr>
+                        <a:t>7</a:t>
+                      </a:r>
+                      <a:endParaRPr kumimoji="1" lang="ja-JP" altLang="en-US" sz="1000" dirty="0">
+                        <a:latin typeface="Calibri" panose="020F0502020204030204" pitchFamily="34" charset="0"/>
+                      </a:endParaRPr>
+                    </a:p>
+                  </a:txBody>
+                  <a:tcPr/>
+                </a:tc>
+                <a:tc>
+                  <a:txBody>
+                    <a:bodyPr/>
+                    <a:lstStyle/>
+                    <a:p>
+                      <a:r>
+                        <a:rPr kumimoji="1" lang="en-US" altLang="ja-JP" sz="1000">
+                          <a:latin typeface="Calibri" panose="020F0502020204030204" pitchFamily="34" charset="0"/>
+                        </a:rPr>
+                        <a:t>Date Post</a:t>
+                      </a:r>
+                      <a:endParaRPr kumimoji="1" lang="ja-JP" altLang="en-US" sz="1000">
+                        <a:latin typeface="Calibri" panose="020F0502020204030204" pitchFamily="34" charset="0"/>
+                      </a:endParaRPr>
+                    </a:p>
+                  </a:txBody>
+                  <a:tcPr/>
+                </a:tc>
+                <a:tc>
+                  <a:txBody>
+                    <a:bodyPr/>
+                    <a:lstStyle/>
+                    <a:p>
+                      <a:endParaRPr kumimoji="1" lang="ja-JP" altLang="en-US" sz="1000">
+                        <a:latin typeface="Calibri" panose="020F0502020204030204" pitchFamily="34" charset="0"/>
+                      </a:endParaRPr>
+                    </a:p>
+                  </a:txBody>
+                  <a:tcPr/>
+                </a:tc>
+                <a:tc>
+                  <a:txBody>
+                    <a:bodyPr/>
+                    <a:lstStyle/>
+                    <a:p>
+                      <a:endParaRPr kumimoji="1" lang="ja-JP" altLang="en-US" sz="1000" dirty="0">
+                        <a:latin typeface="Calibri" panose="020F0502020204030204" pitchFamily="34" charset="0"/>
+                      </a:endParaRPr>
+                    </a:p>
+                  </a:txBody>
+                  <a:tcPr/>
+                </a:tc>
+                <a:tc>
+                  <a:txBody>
+                    <a:bodyPr/>
+                    <a:lstStyle/>
+                    <a:p>
+                      <a:endParaRPr kumimoji="1" lang="ja-JP" altLang="en-US" sz="1000" dirty="0">
+                        <a:latin typeface="Calibri" panose="020F0502020204030204" pitchFamily="34" charset="0"/>
+                      </a:endParaRPr>
+                    </a:p>
+                  </a:txBody>
+                  <a:tcPr/>
+                </a:tc>
+              </a:tr>
+              <a:tr h="355880">
+                <a:tc>
+                  <a:txBody>
+                    <a:bodyPr/>
+                    <a:lstStyle/>
+                    <a:p>
+                      <a:r>
+                        <a:rPr kumimoji="1" lang="en-US" altLang="ja-JP" sz="1000" dirty="0" smtClean="0">
+                          <a:latin typeface="Calibri" panose="020F0502020204030204" pitchFamily="34" charset="0"/>
+                        </a:rPr>
+                        <a:t>8</a:t>
+                      </a:r>
+                      <a:endParaRPr kumimoji="1" lang="ja-JP" altLang="en-US" sz="1000" dirty="0">
+                        <a:latin typeface="Calibri" panose="020F0502020204030204" pitchFamily="34" charset="0"/>
+                      </a:endParaRPr>
+                    </a:p>
+                  </a:txBody>
+                  <a:tcPr/>
+                </a:tc>
+                <a:tc>
+                  <a:txBody>
+                    <a:bodyPr/>
+                    <a:lstStyle/>
+                    <a:p>
+                      <a:r>
+                        <a:rPr kumimoji="1" lang="en-US" altLang="ja-JP" sz="1000">
+                          <a:latin typeface="Calibri" panose="020F0502020204030204" pitchFamily="34" charset="0"/>
+                        </a:rPr>
+                        <a:t>Author Post</a:t>
+                      </a:r>
+                      <a:endParaRPr kumimoji="1" lang="ja-JP" altLang="en-US" sz="1000">
+                        <a:latin typeface="Calibri" panose="020F0502020204030204" pitchFamily="34" charset="0"/>
+                      </a:endParaRPr>
+                    </a:p>
+                  </a:txBody>
+                  <a:tcPr/>
+                </a:tc>
+                <a:tc>
+                  <a:txBody>
+                    <a:bodyPr/>
+                    <a:lstStyle/>
+                    <a:p>
+                      <a:endParaRPr kumimoji="1" lang="ja-JP" altLang="en-US" sz="1000">
+                        <a:latin typeface="Calibri" panose="020F0502020204030204" pitchFamily="34" charset="0"/>
+                      </a:endParaRPr>
+                    </a:p>
+                  </a:txBody>
+                  <a:tcPr/>
+                </a:tc>
+                <a:tc>
+                  <a:txBody>
+                    <a:bodyPr/>
+                    <a:lstStyle/>
+                    <a:p>
+                      <a:pPr marL="0" marR="0" indent="0" algn="l" defTabSz="457200" rtl="0" eaLnBrk="1" fontAlgn="auto" latinLnBrk="0" hangingPunct="1">
+                        <a:lnSpc>
+                          <a:spcPct val="100000"/>
+                        </a:lnSpc>
+                        <a:spcBef>
+                          <a:spcPts val="0"/>
+                        </a:spcBef>
+                        <a:spcAft>
+                          <a:spcPts val="0"/>
+                        </a:spcAft>
+                        <a:buClrTx/>
+                        <a:buSzTx/>
+                        <a:buFontTx/>
+                        <a:buNone/>
+                        <a:tabLst/>
+                        <a:defRPr/>
+                      </a:pPr>
+                      <a:r>
+                        <a:rPr kumimoji="1" lang="en-US" altLang="ja-JP" sz="1000" dirty="0">
+                          <a:latin typeface="Calibri" panose="020F0502020204030204" pitchFamily="34" charset="0"/>
+                        </a:rPr>
+                        <a:t>Click =&gt; All user’s </a:t>
+                      </a:r>
+                      <a:r>
+                        <a:rPr kumimoji="1" lang="en-US" altLang="ja-JP" sz="1000" dirty="0" smtClean="0">
+                          <a:latin typeface="Calibri" panose="020F0502020204030204" pitchFamily="34" charset="0"/>
+                        </a:rPr>
+                        <a:t>posts</a:t>
+                      </a:r>
+                      <a:endParaRPr kumimoji="1" lang="ja-JP" altLang="en-US" sz="1000" dirty="0">
+                        <a:latin typeface="Calibri" panose="020F0502020204030204" pitchFamily="34" charset="0"/>
+                      </a:endParaRPr>
+                    </a:p>
+                  </a:txBody>
+                  <a:tcPr/>
+                </a:tc>
+                <a:tc>
+                  <a:txBody>
+                    <a:bodyPr/>
+                    <a:lstStyle/>
+                    <a:p>
+                      <a:r>
+                        <a:rPr kumimoji="1" lang="vi-VN" altLang="ja-JP" sz="1000" dirty="0">
+                          <a:latin typeface="Calibri" panose="020F0502020204030204" pitchFamily="34" charset="0"/>
+                        </a:rPr>
+                        <a:t>S-5-2</a:t>
+                      </a:r>
+                      <a:endParaRPr kumimoji="1" lang="ja-JP" altLang="en-US" sz="1000" dirty="0">
+                        <a:latin typeface="Calibri" panose="020F0502020204030204" pitchFamily="34" charset="0"/>
+                      </a:endParaRPr>
+                    </a:p>
+                  </a:txBody>
+                  <a:tcPr/>
+                </a:tc>
+              </a:tr>
+              <a:tr h="224188">
+                <a:tc>
+                  <a:txBody>
+                    <a:bodyPr/>
+                    <a:lstStyle/>
+                    <a:p>
+                      <a:r>
+                        <a:rPr kumimoji="1" lang="en-US" altLang="ja-JP" sz="1000" dirty="0" smtClean="0">
+                          <a:latin typeface="Calibri" panose="020F0502020204030204" pitchFamily="34" charset="0"/>
+                        </a:rPr>
+                        <a:t>9</a:t>
+                      </a:r>
+                      <a:endParaRPr kumimoji="1" lang="ja-JP" altLang="en-US" sz="1000" dirty="0">
+                        <a:latin typeface="Calibri" panose="020F0502020204030204" pitchFamily="34" charset="0"/>
+                      </a:endParaRPr>
+                    </a:p>
+                  </a:txBody>
+                  <a:tcPr/>
+                </a:tc>
+                <a:tc>
+                  <a:txBody>
+                    <a:bodyPr/>
+                    <a:lstStyle/>
+                    <a:p>
+                      <a:r>
+                        <a:rPr kumimoji="1" lang="en-US" altLang="ja-JP" sz="1000" dirty="0">
+                          <a:latin typeface="Calibri" panose="020F0502020204030204" pitchFamily="34" charset="0"/>
+                        </a:rPr>
+                        <a:t>Description Post</a:t>
+                      </a:r>
+                      <a:endParaRPr kumimoji="1" lang="ja-JP" altLang="en-US" sz="1000" dirty="0">
+                        <a:latin typeface="Calibri" panose="020F0502020204030204" pitchFamily="34" charset="0"/>
+                      </a:endParaRPr>
+                    </a:p>
+                  </a:txBody>
+                  <a:tcPr/>
+                </a:tc>
+                <a:tc>
+                  <a:txBody>
+                    <a:bodyPr/>
+                    <a:lstStyle/>
+                    <a:p>
+                      <a:endParaRPr kumimoji="1" lang="ja-JP" altLang="en-US" sz="1000">
+                        <a:latin typeface="Calibri" panose="020F0502020204030204" pitchFamily="34" charset="0"/>
+                      </a:endParaRPr>
+                    </a:p>
+                  </a:txBody>
+                  <a:tcPr/>
+                </a:tc>
+                <a:tc>
+                  <a:txBody>
+                    <a:bodyPr/>
+                    <a:lstStyle/>
+                    <a:p>
+                      <a:r>
+                        <a:rPr kumimoji="1" lang="en-GB" altLang="ja-JP" sz="1000" dirty="0" smtClean="0">
+                          <a:latin typeface="Calibri" panose="020F0502020204030204" pitchFamily="34" charset="0"/>
+                        </a:rPr>
+                        <a:t>Limit 50 words.</a:t>
+                      </a:r>
+                      <a:endParaRPr kumimoji="1" lang="ja-JP" altLang="en-US" sz="1000" dirty="0">
+                        <a:latin typeface="Calibri" panose="020F0502020204030204" pitchFamily="34" charset="0"/>
+                      </a:endParaRPr>
+                    </a:p>
+                  </a:txBody>
+                  <a:tcPr/>
+                </a:tc>
+                <a:tc>
+                  <a:txBody>
+                    <a:bodyPr/>
+                    <a:lstStyle/>
+                    <a:p>
+                      <a:endParaRPr kumimoji="1" lang="ja-JP" altLang="en-US" sz="1000" dirty="0">
+                        <a:latin typeface="Calibri" panose="020F0502020204030204" pitchFamily="34" charset="0"/>
+                      </a:endParaRPr>
+                    </a:p>
+                  </a:txBody>
+                  <a:tcPr/>
+                </a:tc>
+              </a:tr>
+              <a:tr h="224188">
+                <a:tc>
+                  <a:txBody>
+                    <a:bodyPr/>
+                    <a:lstStyle/>
+                    <a:p>
+                      <a:r>
+                        <a:rPr kumimoji="1" lang="en-US" altLang="ja-JP" sz="1000" dirty="0" smtClean="0">
+                          <a:latin typeface="Calibri" panose="020F0502020204030204" pitchFamily="34" charset="0"/>
+                        </a:rPr>
+                        <a:t>10</a:t>
+                      </a:r>
+                      <a:endParaRPr kumimoji="1" lang="ja-JP" altLang="en-US" sz="1000" dirty="0">
+                        <a:latin typeface="Calibri" panose="020F0502020204030204" pitchFamily="34" charset="0"/>
+                      </a:endParaRPr>
+                    </a:p>
+                  </a:txBody>
+                  <a:tcPr/>
+                </a:tc>
+                <a:tc>
+                  <a:txBody>
+                    <a:bodyPr/>
+                    <a:lstStyle/>
+                    <a:p>
+                      <a:r>
+                        <a:rPr kumimoji="1" lang="en-US" altLang="ja-JP" sz="1000" dirty="0" smtClean="0">
+                          <a:latin typeface="Calibri" panose="020F0502020204030204" pitchFamily="34" charset="0"/>
+                        </a:rPr>
+                        <a:t>Pagination</a:t>
+                      </a:r>
+                      <a:endParaRPr kumimoji="1" lang="ja-JP" altLang="en-US" sz="1000" dirty="0">
+                        <a:latin typeface="Calibri" panose="020F0502020204030204" pitchFamily="34" charset="0"/>
+                      </a:endParaRPr>
+                    </a:p>
+                  </a:txBody>
+                  <a:tcPr/>
+                </a:tc>
+                <a:tc>
+                  <a:txBody>
+                    <a:bodyPr/>
+                    <a:lstStyle/>
+                    <a:p>
+                      <a:endParaRPr kumimoji="1" lang="ja-JP" altLang="en-US" sz="1000" dirty="0">
+                        <a:latin typeface="Calibri" panose="020F0502020204030204" pitchFamily="34" charset="0"/>
+                      </a:endParaRPr>
+                    </a:p>
+                  </a:txBody>
+                  <a:tcPr/>
+                </a:tc>
+                <a:tc>
+                  <a:txBody>
+                    <a:bodyPr/>
+                    <a:lstStyle/>
+                    <a:p>
+                      <a:endParaRPr kumimoji="1" lang="ja-JP" altLang="en-US" sz="1000" dirty="0">
+                        <a:latin typeface="Calibri" panose="020F0502020204030204" pitchFamily="34" charset="0"/>
+                      </a:endParaRPr>
+                    </a:p>
+                  </a:txBody>
+                  <a:tcPr/>
+                </a:tc>
+                <a:tc>
+                  <a:txBody>
+                    <a:bodyPr/>
+                    <a:lstStyle/>
+                    <a:p>
+                      <a:endParaRPr kumimoji="1" lang="ja-JP" altLang="en-US" sz="1000" dirty="0">
+                        <a:latin typeface="Calibri" panose="020F0502020204030204" pitchFamily="34" charset="0"/>
+                      </a:endParaRPr>
+                    </a:p>
+                  </a:txBody>
+                  <a:tcPr/>
+                </a:tc>
+              </a:tr>
+            </a:tbl>
+          </a:graphicData>
+        </a:graphic>
+      </p:graphicFrame>
+      <p:grpSp>
+        <p:nvGrpSpPr>
+          <p:cNvPr id="7" name="Group 6"/>
+          <p:cNvGrpSpPr/>
+          <p:nvPr/>
+        </p:nvGrpSpPr>
+        <p:grpSpPr>
+          <a:xfrm>
+            <a:off x="262468" y="533133"/>
+            <a:ext cx="4726466" cy="4944800"/>
+            <a:chOff x="384739" y="737671"/>
+            <a:chExt cx="4261881" cy="4164952"/>
+          </a:xfrm>
+        </p:grpSpPr>
+        <p:sp useBgFill="1">
+          <p:nvSpPr>
+            <p:cNvPr id="8" name="Rectangle 7"/>
+            <p:cNvSpPr/>
+            <p:nvPr/>
+          </p:nvSpPr>
+          <p:spPr>
+            <a:xfrm>
+              <a:off x="387048" y="762000"/>
+              <a:ext cx="4071955" cy="4140623"/>
+            </a:xfrm>
+            <a:prstGeom prst="rect">
+              <a:avLst/>
+            </a:prstGeom>
+            <a:ln>
+              <a:solidFill>
+                <a:schemeClr val="tx1"/>
+              </a:solidFill>
+            </a:ln>
+            <a:effectLst/>
+          </p:spPr>
+          <p:style>
+            <a:lnRef idx="1">
+              <a:schemeClr val="accent1"/>
+            </a:lnRef>
+            <a:fillRef idx="3">
+              <a:schemeClr val="accent1"/>
+            </a:fillRef>
+            <a:effectRef idx="2">
+              <a:schemeClr val="accent1"/>
+            </a:effectRef>
+            <a:fontRef idx="minor">
+              <a:schemeClr val="lt1"/>
+            </a:fontRef>
+          </p:style>
+          <p:txBody>
+            <a:bodyPr rtlCol="0" anchor="ctr"/>
+            <a:lstStyle/>
+            <a:p>
+              <a:pPr algn="ctr"/>
+              <a:endParaRPr kumimoji="1" lang="ja-JP" altLang="en-US">
+                <a:solidFill>
+                  <a:srgbClr val="FF0000"/>
+                </a:solidFill>
+              </a:endParaRPr>
+            </a:p>
+          </p:txBody>
+        </p:sp>
+        <p:sp>
+          <p:nvSpPr>
+            <p:cNvPr id="9" name="Rectangle 8"/>
+            <p:cNvSpPr/>
+            <p:nvPr/>
+          </p:nvSpPr>
+          <p:spPr>
+            <a:xfrm>
+              <a:off x="387048" y="876073"/>
+              <a:ext cx="1196687" cy="400110"/>
+            </a:xfrm>
+            <a:prstGeom prst="rect">
+              <a:avLst/>
+            </a:prstGeom>
+            <a:noFill/>
+          </p:spPr>
+          <p:txBody>
+            <a:bodyPr wrap="none" lIns="91440" tIns="45720" rIns="91440" bIns="45720">
+              <a:spAutoFit/>
+            </a:bodyPr>
+            <a:lstStyle/>
+            <a:p>
+              <a:pPr algn="ctr"/>
+              <a:r>
+                <a:rPr lang="en-US" altLang="ja-JP" sz="2000" b="1" cap="none" spc="0">
+                  <a:ln w="12700">
+                    <a:solidFill>
+                      <a:schemeClr val="tx2">
+                        <a:satMod val="155000"/>
+                      </a:schemeClr>
+                    </a:solidFill>
+                    <a:prstDash val="solid"/>
+                  </a:ln>
+                  <a:solidFill>
+                    <a:schemeClr val="bg2">
+                      <a:tint val="85000"/>
+                      <a:satMod val="155000"/>
+                    </a:schemeClr>
+                  </a:solidFill>
+                  <a:effectLst>
+                    <a:outerShdw blurRad="41275" dist="20320" dir="1800000" algn="tl" rotWithShape="0">
+                      <a:srgbClr val="000000">
+                        <a:alpha val="40000"/>
+                      </a:srgbClr>
+                    </a:outerShdw>
+                  </a:effectLst>
+                </a:rPr>
+                <a:t>Mini Blog</a:t>
+              </a:r>
+            </a:p>
+          </p:txBody>
+        </p:sp>
+        <p:sp>
+          <p:nvSpPr>
+            <p:cNvPr id="10" name="Rectangle 9"/>
+            <p:cNvSpPr/>
+            <p:nvPr/>
+          </p:nvSpPr>
+          <p:spPr>
+            <a:xfrm>
+              <a:off x="401506" y="737671"/>
+              <a:ext cx="837263" cy="246221"/>
+            </a:xfrm>
+            <a:prstGeom prst="rect">
+              <a:avLst/>
+            </a:prstGeom>
+          </p:spPr>
+          <p:txBody>
+            <a:bodyPr wrap="none">
+              <a:spAutoFit/>
+            </a:bodyPr>
+            <a:lstStyle/>
+            <a:p>
+              <a:pPr lvl="0" algn="ctr"/>
+              <a:r>
+                <a:rPr kumimoji="1" lang="en-US" altLang="ja-JP" sz="1000">
+                  <a:solidFill>
+                    <a:srgbClr val="FF0000"/>
+                  </a:solidFill>
+                </a:rPr>
+                <a:t>Php Training</a:t>
+              </a:r>
+              <a:endParaRPr kumimoji="1" lang="ja-JP" altLang="en-US" sz="1000">
+                <a:solidFill>
+                  <a:srgbClr val="FF0000"/>
+                </a:solidFill>
+              </a:endParaRPr>
+            </a:p>
+          </p:txBody>
+        </p:sp>
+        <p:sp>
+          <p:nvSpPr>
+            <p:cNvPr id="11" name="Rectangle 10"/>
+            <p:cNvSpPr/>
+            <p:nvPr/>
+          </p:nvSpPr>
+          <p:spPr>
+            <a:xfrm>
+              <a:off x="477876" y="1420804"/>
+              <a:ext cx="1871134" cy="192975"/>
+            </a:xfrm>
+            <a:prstGeom prst="rect">
+              <a:avLst/>
+            </a:prstGeom>
+            <a:ln>
+              <a:solidFill>
+                <a:schemeClr val="tx1"/>
+              </a:solidFill>
+            </a:ln>
+            <a:effectLst/>
+          </p:spPr>
+          <p:style>
+            <a:lnRef idx="1">
+              <a:schemeClr val="accent1"/>
+            </a:lnRef>
+            <a:fillRef idx="3">
+              <a:schemeClr val="accent1"/>
+            </a:fillRef>
+            <a:effectRef idx="2">
+              <a:schemeClr val="accent1"/>
+            </a:effectRef>
+            <a:fontRef idx="minor">
+              <a:schemeClr val="lt1"/>
+            </a:fontRef>
+          </p:style>
+          <p:txBody>
+            <a:bodyPr rtlCol="0" anchor="ctr"/>
+            <a:lstStyle/>
+            <a:p>
+              <a:r>
+                <a:rPr kumimoji="1" lang="en-US" altLang="ja-JP" sz="800" i="1">
+                  <a:solidFill>
+                    <a:schemeClr val="bg1">
+                      <a:lumMod val="75000"/>
+                    </a:schemeClr>
+                  </a:solidFill>
+                </a:rPr>
+                <a:t>Username, firstname, lastname,…</a:t>
+              </a:r>
+              <a:endParaRPr kumimoji="1" lang="ja-JP" altLang="en-US" sz="800" i="1">
+                <a:solidFill>
+                  <a:schemeClr val="bg1">
+                    <a:lumMod val="75000"/>
+                  </a:schemeClr>
+                </a:solidFill>
+              </a:endParaRPr>
+            </a:p>
+          </p:txBody>
+        </p:sp>
+        <p:sp>
+          <p:nvSpPr>
+            <p:cNvPr id="12" name="Rectangle 11"/>
+            <p:cNvSpPr/>
+            <p:nvPr/>
+          </p:nvSpPr>
+          <p:spPr>
+            <a:xfrm>
+              <a:off x="2413000" y="1420804"/>
+              <a:ext cx="558800" cy="209383"/>
+            </a:xfrm>
+            <a:prstGeom prst="rect">
+              <a:avLst/>
+            </a:prstGeom>
+          </p:spPr>
+          <p:style>
+            <a:lnRef idx="1">
+              <a:schemeClr val="accent1"/>
+            </a:lnRef>
+            <a:fillRef idx="3">
+              <a:schemeClr val="accent1"/>
+            </a:fillRef>
+            <a:effectRef idx="2">
+              <a:schemeClr val="accent1"/>
+            </a:effectRef>
+            <a:fontRef idx="minor">
+              <a:schemeClr val="lt1"/>
+            </a:fontRef>
+          </p:style>
+          <p:txBody>
+            <a:bodyPr rtlCol="0" anchor="ctr"/>
+            <a:lstStyle/>
+            <a:p>
+              <a:pPr algn="ctr"/>
+              <a:r>
+                <a:rPr kumimoji="1" lang="en-US" altLang="ja-JP" sz="1000" dirty="0"/>
+                <a:t>Search</a:t>
+              </a:r>
+              <a:endParaRPr kumimoji="1" lang="ja-JP" altLang="en-US" sz="1000" dirty="0"/>
+            </a:p>
+          </p:txBody>
+        </p:sp>
+        <p:sp>
+          <p:nvSpPr>
+            <p:cNvPr id="13" name="Rectangle 12"/>
+            <p:cNvSpPr/>
+            <p:nvPr/>
+          </p:nvSpPr>
+          <p:spPr>
+            <a:xfrm>
+              <a:off x="2548467" y="983891"/>
+              <a:ext cx="1600200" cy="292291"/>
+            </a:xfrm>
+            <a:prstGeom prst="rect">
+              <a:avLst/>
+            </a:prstGeom>
+          </p:spPr>
+          <p:style>
+            <a:lnRef idx="1">
+              <a:schemeClr val="accent1"/>
+            </a:lnRef>
+            <a:fillRef idx="3">
+              <a:schemeClr val="accent1"/>
+            </a:fillRef>
+            <a:effectRef idx="2">
+              <a:schemeClr val="accent1"/>
+            </a:effectRef>
+            <a:fontRef idx="minor">
+              <a:schemeClr val="lt1"/>
+            </a:fontRef>
+          </p:style>
+          <p:txBody>
+            <a:bodyPr rtlCol="0" anchor="ctr"/>
+            <a:lstStyle/>
+            <a:p>
+              <a:pPr algn="r"/>
+              <a:r>
+                <a:rPr kumimoji="1" lang="en-US" altLang="ja-JP" sz="1000" dirty="0"/>
+                <a:t>  </a:t>
+              </a:r>
+              <a:r>
+                <a:rPr kumimoji="1" lang="en-US" altLang="ja-JP" sz="1000" dirty="0" smtClean="0"/>
+                <a:t>Blog | </a:t>
+              </a:r>
+              <a:r>
+                <a:rPr kumimoji="1" lang="en-US" altLang="ja-JP" sz="1000" dirty="0">
+                  <a:solidFill>
+                    <a:schemeClr val="bg1"/>
+                  </a:solidFill>
+                </a:rPr>
+                <a:t>Login</a:t>
+              </a:r>
+              <a:endParaRPr kumimoji="1" lang="ja-JP" altLang="en-US" sz="1000" dirty="0">
+                <a:solidFill>
+                  <a:schemeClr val="bg1"/>
+                </a:solidFill>
+              </a:endParaRPr>
+            </a:p>
+          </p:txBody>
+        </p:sp>
+        <p:cxnSp>
+          <p:nvCxnSpPr>
+            <p:cNvPr id="14" name="Straight Connector 13"/>
+            <p:cNvCxnSpPr/>
+            <p:nvPr/>
+          </p:nvCxnSpPr>
+          <p:spPr>
+            <a:xfrm>
+              <a:off x="477876" y="1921934"/>
+              <a:ext cx="3747537" cy="0"/>
+            </a:xfrm>
+            <a:prstGeom prst="line">
+              <a:avLst/>
+            </a:prstGeom>
+            <a:ln w="3175" cmpd="sng">
+              <a:solidFill>
+                <a:schemeClr val="bg1">
+                  <a:lumMod val="75000"/>
+                </a:schemeClr>
+              </a:solidFill>
+            </a:ln>
+            <a:effectLst/>
+          </p:spPr>
+          <p:style>
+            <a:lnRef idx="2">
+              <a:schemeClr val="accent1"/>
+            </a:lnRef>
+            <a:fillRef idx="0">
+              <a:schemeClr val="accent1"/>
+            </a:fillRef>
+            <a:effectRef idx="1">
+              <a:schemeClr val="accent1"/>
+            </a:effectRef>
+            <a:fontRef idx="minor">
+              <a:schemeClr val="tx1"/>
+            </a:fontRef>
+          </p:style>
+        </p:cxnSp>
+        <p:sp>
+          <p:nvSpPr>
+            <p:cNvPr id="15" name="TextBox 14"/>
+            <p:cNvSpPr txBox="1"/>
+            <p:nvPr/>
+          </p:nvSpPr>
+          <p:spPr>
+            <a:xfrm>
+              <a:off x="384739" y="1668018"/>
+              <a:ext cx="833883" cy="253916"/>
+            </a:xfrm>
+            <a:prstGeom prst="rect">
+              <a:avLst/>
+            </a:prstGeom>
+            <a:noFill/>
+          </p:spPr>
+          <p:txBody>
+            <a:bodyPr wrap="none" rtlCol="0">
+              <a:spAutoFit/>
+            </a:bodyPr>
+            <a:lstStyle/>
+            <a:p>
+              <a:r>
+                <a:rPr kumimoji="1" lang="en-US" altLang="ja-JP" sz="1050" dirty="0" smtClean="0">
+                  <a:solidFill>
+                    <a:schemeClr val="tx2">
+                      <a:lumMod val="20000"/>
+                      <a:lumOff val="80000"/>
+                    </a:schemeClr>
+                  </a:solidFill>
+                </a:rPr>
+                <a:t>Home/</a:t>
+              </a:r>
+              <a:r>
+                <a:rPr kumimoji="1" lang="en-US" altLang="ja-JP" sz="1050" dirty="0" smtClean="0"/>
+                <a:t>Blog </a:t>
+              </a:r>
+              <a:endParaRPr kumimoji="1" lang="ja-JP" altLang="en-US" sz="1050" dirty="0"/>
+            </a:p>
+          </p:txBody>
+        </p:sp>
+        <p:sp>
+          <p:nvSpPr>
+            <p:cNvPr id="16" name="TextBox 15"/>
+            <p:cNvSpPr txBox="1"/>
+            <p:nvPr/>
+          </p:nvSpPr>
+          <p:spPr>
+            <a:xfrm>
+              <a:off x="571436" y="2769247"/>
+              <a:ext cx="327433" cy="246221"/>
+            </a:xfrm>
+            <a:prstGeom prst="rect">
+              <a:avLst/>
+            </a:prstGeom>
+            <a:noFill/>
+          </p:spPr>
+          <p:txBody>
+            <a:bodyPr wrap="none" rtlCol="0">
+              <a:spAutoFit/>
+            </a:bodyPr>
+            <a:lstStyle/>
+            <a:p>
+              <a:r>
+                <a:rPr kumimoji="1" lang="en-US" altLang="ja-JP" sz="1000">
+                  <a:solidFill>
+                    <a:srgbClr val="FF0000"/>
+                  </a:solidFill>
+                </a:rPr>
+                <a:t>(6)</a:t>
+              </a:r>
+              <a:endParaRPr kumimoji="1" lang="ja-JP" altLang="en-US" sz="1000">
+                <a:solidFill>
+                  <a:srgbClr val="FF0000"/>
+                </a:solidFill>
+              </a:endParaRPr>
+            </a:p>
+          </p:txBody>
+        </p:sp>
+        <p:sp>
+          <p:nvSpPr>
+            <p:cNvPr id="17" name="TextBox 16"/>
+            <p:cNvSpPr txBox="1"/>
+            <p:nvPr/>
+          </p:nvSpPr>
+          <p:spPr>
+            <a:xfrm>
+              <a:off x="1528128" y="3044741"/>
+              <a:ext cx="279357" cy="196227"/>
+            </a:xfrm>
+            <a:prstGeom prst="rect">
+              <a:avLst/>
+            </a:prstGeom>
+            <a:noFill/>
+          </p:spPr>
+          <p:txBody>
+            <a:bodyPr wrap="none" rtlCol="0">
+              <a:spAutoFit/>
+            </a:bodyPr>
+            <a:lstStyle/>
+            <a:p>
+              <a:r>
+                <a:rPr kumimoji="1" lang="en-US" altLang="ja-JP" sz="1000" dirty="0" smtClean="0">
+                  <a:solidFill>
+                    <a:srgbClr val="FF0000"/>
+                  </a:solidFill>
+                </a:rPr>
+                <a:t>(6)</a:t>
+              </a:r>
+              <a:endParaRPr kumimoji="1" lang="ja-JP" altLang="en-US" sz="1000" dirty="0">
+                <a:solidFill>
+                  <a:srgbClr val="FF0000"/>
+                </a:solidFill>
+              </a:endParaRPr>
+            </a:p>
+          </p:txBody>
+        </p:sp>
+        <p:sp>
+          <p:nvSpPr>
+            <p:cNvPr id="18" name="TextBox 17"/>
+            <p:cNvSpPr txBox="1"/>
+            <p:nvPr/>
+          </p:nvSpPr>
+          <p:spPr>
+            <a:xfrm>
+              <a:off x="1983629" y="3108859"/>
+              <a:ext cx="279357" cy="196227"/>
+            </a:xfrm>
+            <a:prstGeom prst="rect">
+              <a:avLst/>
+            </a:prstGeom>
+            <a:noFill/>
+          </p:spPr>
+          <p:txBody>
+            <a:bodyPr wrap="none" rtlCol="0">
+              <a:spAutoFit/>
+            </a:bodyPr>
+            <a:lstStyle/>
+            <a:p>
+              <a:r>
+                <a:rPr kumimoji="1" lang="en-US" altLang="ja-JP" sz="1000" dirty="0" smtClean="0">
+                  <a:solidFill>
+                    <a:srgbClr val="FF0000"/>
+                  </a:solidFill>
+                </a:rPr>
+                <a:t>(7)</a:t>
+              </a:r>
+              <a:endParaRPr kumimoji="1" lang="ja-JP" altLang="en-US" sz="1000" dirty="0">
+                <a:solidFill>
+                  <a:srgbClr val="FF0000"/>
+                </a:solidFill>
+              </a:endParaRPr>
+            </a:p>
+          </p:txBody>
+        </p:sp>
+        <p:sp>
+          <p:nvSpPr>
+            <p:cNvPr id="19" name="TextBox 18"/>
+            <p:cNvSpPr txBox="1"/>
+            <p:nvPr/>
+          </p:nvSpPr>
+          <p:spPr>
+            <a:xfrm>
+              <a:off x="2828848" y="3117393"/>
+              <a:ext cx="279357" cy="196227"/>
+            </a:xfrm>
+            <a:prstGeom prst="rect">
+              <a:avLst/>
+            </a:prstGeom>
+            <a:noFill/>
+          </p:spPr>
+          <p:txBody>
+            <a:bodyPr wrap="none" rtlCol="0">
+              <a:spAutoFit/>
+            </a:bodyPr>
+            <a:lstStyle/>
+            <a:p>
+              <a:r>
+                <a:rPr kumimoji="1" lang="en-US" altLang="ja-JP" sz="1000" dirty="0" smtClean="0">
+                  <a:solidFill>
+                    <a:srgbClr val="FF0000"/>
+                  </a:solidFill>
+                </a:rPr>
+                <a:t>(8)</a:t>
+              </a:r>
+              <a:endParaRPr kumimoji="1" lang="ja-JP" altLang="en-US" sz="1000" dirty="0">
+                <a:solidFill>
+                  <a:srgbClr val="FF0000"/>
+                </a:solidFill>
+              </a:endParaRPr>
+            </a:p>
+          </p:txBody>
+        </p:sp>
+        <p:sp>
+          <p:nvSpPr>
+            <p:cNvPr id="20" name="Rectangle 19"/>
+            <p:cNvSpPr/>
+            <p:nvPr/>
+          </p:nvSpPr>
+          <p:spPr>
+            <a:xfrm>
+              <a:off x="618067" y="2491418"/>
+              <a:ext cx="557218" cy="531168"/>
+            </a:xfrm>
+            <a:prstGeom prst="rect">
+              <a:avLst/>
+            </a:prstGeom>
+            <a:ln>
+              <a:solidFill>
+                <a:schemeClr val="tx1"/>
+              </a:solidFill>
+            </a:ln>
+            <a:effectLst/>
+          </p:spPr>
+          <p:style>
+            <a:lnRef idx="1">
+              <a:schemeClr val="accent1"/>
+            </a:lnRef>
+            <a:fillRef idx="3">
+              <a:schemeClr val="accent1"/>
+            </a:fillRef>
+            <a:effectRef idx="2">
+              <a:schemeClr val="accent1"/>
+            </a:effectRef>
+            <a:fontRef idx="minor">
+              <a:schemeClr val="lt1"/>
+            </a:fontRef>
+          </p:style>
+          <p:txBody>
+            <a:bodyPr rtlCol="0" anchor="ctr"/>
+            <a:lstStyle/>
+            <a:p>
+              <a:pPr algn="ctr"/>
+              <a:r>
+                <a:rPr kumimoji="1" lang="en-US" altLang="ja-JP" sz="900" dirty="0" smtClean="0">
+                  <a:solidFill>
+                    <a:schemeClr val="tx1"/>
+                  </a:solidFill>
+                </a:rPr>
+                <a:t>Image</a:t>
+              </a:r>
+              <a:endParaRPr kumimoji="1" lang="ja-JP" altLang="en-US" sz="900" dirty="0">
+                <a:solidFill>
+                  <a:schemeClr val="tx1"/>
+                </a:solidFill>
+              </a:endParaRPr>
+            </a:p>
+          </p:txBody>
+        </p:sp>
+        <p:sp>
+          <p:nvSpPr>
+            <p:cNvPr id="21" name="TextBox 20"/>
+            <p:cNvSpPr txBox="1"/>
+            <p:nvPr/>
+          </p:nvSpPr>
+          <p:spPr>
+            <a:xfrm>
+              <a:off x="1176867" y="2406748"/>
+              <a:ext cx="505830" cy="246221"/>
+            </a:xfrm>
+            <a:prstGeom prst="rect">
+              <a:avLst/>
+            </a:prstGeom>
+            <a:noFill/>
+          </p:spPr>
+          <p:txBody>
+            <a:bodyPr wrap="none" rtlCol="0">
+              <a:spAutoFit/>
+            </a:bodyPr>
+            <a:lstStyle/>
+            <a:p>
+              <a:r>
+                <a:rPr kumimoji="1" lang="en-US" altLang="ja-JP" sz="1000" dirty="0"/>
+                <a:t>Blog 1</a:t>
+              </a:r>
+              <a:endParaRPr kumimoji="1" lang="ja-JP" altLang="en-US" sz="1000" dirty="0"/>
+            </a:p>
+          </p:txBody>
+        </p:sp>
+        <p:sp>
+          <p:nvSpPr>
+            <p:cNvPr id="22" name="TextBox 21"/>
+            <p:cNvSpPr txBox="1"/>
+            <p:nvPr/>
+          </p:nvSpPr>
+          <p:spPr>
+            <a:xfrm>
+              <a:off x="1200686" y="2538411"/>
+              <a:ext cx="2096678" cy="215444"/>
+            </a:xfrm>
+            <a:prstGeom prst="rect">
+              <a:avLst/>
+            </a:prstGeom>
+            <a:noFill/>
+          </p:spPr>
+          <p:txBody>
+            <a:bodyPr wrap="none" rtlCol="0">
+              <a:spAutoFit/>
+            </a:bodyPr>
+            <a:lstStyle/>
+            <a:p>
+              <a:r>
+                <a:rPr kumimoji="1" lang="en-US" altLang="ja-JP" sz="800" i="1" dirty="0">
+                  <a:solidFill>
+                    <a:schemeClr val="bg1">
+                      <a:lumMod val="65000"/>
+                    </a:schemeClr>
+                  </a:solidFill>
+                </a:rPr>
+                <a:t>Date: 08/12/2015 12:40 | Author: Tam Pham</a:t>
+              </a:r>
+              <a:endParaRPr kumimoji="1" lang="ja-JP" altLang="en-US" sz="800" i="1" dirty="0">
+                <a:solidFill>
+                  <a:schemeClr val="bg1">
+                    <a:lumMod val="65000"/>
+                  </a:schemeClr>
+                </a:solidFill>
+              </a:endParaRPr>
+            </a:p>
+          </p:txBody>
+        </p:sp>
+        <p:sp>
+          <p:nvSpPr>
+            <p:cNvPr id="23" name="TextBox 22"/>
+            <p:cNvSpPr txBox="1"/>
+            <p:nvPr/>
+          </p:nvSpPr>
+          <p:spPr>
+            <a:xfrm>
+              <a:off x="1196434" y="2686119"/>
+              <a:ext cx="3445934" cy="400110"/>
+            </a:xfrm>
+            <a:prstGeom prst="rect">
+              <a:avLst/>
+            </a:prstGeom>
+            <a:noFill/>
+          </p:spPr>
+          <p:txBody>
+            <a:bodyPr wrap="square" rtlCol="0">
+              <a:spAutoFit/>
+            </a:bodyPr>
+            <a:lstStyle/>
+            <a:p>
+              <a:r>
+                <a:rPr kumimoji="1" lang="en-US" altLang="ja-JP" sz="1000" dirty="0"/>
+                <a:t>Lorem Ipsum is simply dummy text of the printing and typesetting industry. Lorem Ipsum has been the</a:t>
+              </a:r>
+              <a:endParaRPr kumimoji="1" lang="ja-JP" altLang="en-US" sz="1000" dirty="0"/>
+            </a:p>
+          </p:txBody>
+        </p:sp>
+        <p:sp>
+          <p:nvSpPr>
+            <p:cNvPr id="24" name="TextBox 23"/>
+            <p:cNvSpPr txBox="1"/>
+            <p:nvPr/>
+          </p:nvSpPr>
+          <p:spPr>
+            <a:xfrm>
+              <a:off x="1181119" y="3052362"/>
+              <a:ext cx="505830" cy="246221"/>
+            </a:xfrm>
+            <a:prstGeom prst="rect">
+              <a:avLst/>
+            </a:prstGeom>
+            <a:noFill/>
+          </p:spPr>
+          <p:txBody>
+            <a:bodyPr wrap="none" rtlCol="0">
+              <a:spAutoFit/>
+            </a:bodyPr>
+            <a:lstStyle/>
+            <a:p>
+              <a:r>
+                <a:rPr kumimoji="1" lang="en-US" altLang="ja-JP" sz="1000" dirty="0"/>
+                <a:t>Blog 1</a:t>
+              </a:r>
+              <a:endParaRPr kumimoji="1" lang="ja-JP" altLang="en-US" sz="1000" dirty="0"/>
+            </a:p>
+          </p:txBody>
+        </p:sp>
+        <p:sp>
+          <p:nvSpPr>
+            <p:cNvPr id="25" name="TextBox 24"/>
+            <p:cNvSpPr txBox="1"/>
+            <p:nvPr/>
+          </p:nvSpPr>
+          <p:spPr>
+            <a:xfrm>
+              <a:off x="4146201" y="3270071"/>
+              <a:ext cx="279357" cy="196227"/>
+            </a:xfrm>
+            <a:prstGeom prst="rect">
+              <a:avLst/>
+            </a:prstGeom>
+            <a:noFill/>
+          </p:spPr>
+          <p:txBody>
+            <a:bodyPr wrap="none" rtlCol="0">
+              <a:spAutoFit/>
+            </a:bodyPr>
+            <a:lstStyle/>
+            <a:p>
+              <a:r>
+                <a:rPr kumimoji="1" lang="en-US" altLang="ja-JP" sz="1000" dirty="0">
+                  <a:solidFill>
+                    <a:srgbClr val="FF0000"/>
+                  </a:solidFill>
+                </a:rPr>
+                <a:t>(</a:t>
+              </a:r>
+              <a:r>
+                <a:rPr kumimoji="1" lang="en-US" altLang="ja-JP" sz="1000" dirty="0">
+                  <a:solidFill>
+                    <a:srgbClr val="FF0000"/>
+                  </a:solidFill>
+                </a:rPr>
+                <a:t>9</a:t>
+              </a:r>
+              <a:r>
+                <a:rPr kumimoji="1" lang="en-US" altLang="ja-JP" sz="1000" dirty="0" smtClean="0">
+                  <a:solidFill>
+                    <a:srgbClr val="FF0000"/>
+                  </a:solidFill>
+                </a:rPr>
+                <a:t>)</a:t>
+              </a:r>
+              <a:endParaRPr kumimoji="1" lang="ja-JP" altLang="en-US" sz="1000" dirty="0">
+                <a:solidFill>
+                  <a:srgbClr val="FF0000"/>
+                </a:solidFill>
+              </a:endParaRPr>
+            </a:p>
+          </p:txBody>
+        </p:sp>
+        <p:sp>
+          <p:nvSpPr>
+            <p:cNvPr id="26" name="Rectangle 25"/>
+            <p:cNvSpPr/>
+            <p:nvPr/>
+          </p:nvSpPr>
+          <p:spPr>
+            <a:xfrm>
+              <a:off x="622319" y="3137032"/>
+              <a:ext cx="557218" cy="531168"/>
+            </a:xfrm>
+            <a:prstGeom prst="rect">
+              <a:avLst/>
+            </a:prstGeom>
+            <a:ln>
+              <a:solidFill>
+                <a:schemeClr val="tx1"/>
+              </a:solidFill>
+            </a:ln>
+            <a:effectLst/>
+          </p:spPr>
+          <p:style>
+            <a:lnRef idx="1">
+              <a:schemeClr val="accent1"/>
+            </a:lnRef>
+            <a:fillRef idx="3">
+              <a:schemeClr val="accent1"/>
+            </a:fillRef>
+            <a:effectRef idx="2">
+              <a:schemeClr val="accent1"/>
+            </a:effectRef>
+            <a:fontRef idx="minor">
+              <a:schemeClr val="lt1"/>
+            </a:fontRef>
+          </p:style>
+          <p:txBody>
+            <a:bodyPr rtlCol="0" anchor="ctr"/>
+            <a:lstStyle/>
+            <a:p>
+              <a:pPr algn="ctr"/>
+              <a:r>
+                <a:rPr kumimoji="1" lang="en-US" altLang="ja-JP" sz="900">
+                  <a:solidFill>
+                    <a:schemeClr val="tx1"/>
+                  </a:solidFill>
+                </a:rPr>
+                <a:t>Image</a:t>
+              </a:r>
+              <a:endParaRPr kumimoji="1" lang="ja-JP" altLang="en-US" sz="900">
+                <a:solidFill>
+                  <a:schemeClr val="tx1"/>
+                </a:solidFill>
+              </a:endParaRPr>
+            </a:p>
+          </p:txBody>
+        </p:sp>
+        <p:sp>
+          <p:nvSpPr>
+            <p:cNvPr id="27" name="TextBox 26"/>
+            <p:cNvSpPr txBox="1"/>
+            <p:nvPr/>
+          </p:nvSpPr>
+          <p:spPr>
+            <a:xfrm>
+              <a:off x="1204938" y="3184025"/>
+              <a:ext cx="2096678" cy="215444"/>
+            </a:xfrm>
+            <a:prstGeom prst="rect">
+              <a:avLst/>
+            </a:prstGeom>
+            <a:noFill/>
+          </p:spPr>
+          <p:txBody>
+            <a:bodyPr wrap="none" rtlCol="0">
+              <a:spAutoFit/>
+            </a:bodyPr>
+            <a:lstStyle/>
+            <a:p>
+              <a:r>
+                <a:rPr kumimoji="1" lang="en-US" altLang="ja-JP" sz="800" i="1" dirty="0">
+                  <a:solidFill>
+                    <a:schemeClr val="bg1">
+                      <a:lumMod val="65000"/>
+                    </a:schemeClr>
+                  </a:solidFill>
+                </a:rPr>
+                <a:t>Date: 08/12/2015 12:40 | Author: Tam Pham</a:t>
+              </a:r>
+              <a:endParaRPr kumimoji="1" lang="ja-JP" altLang="en-US" sz="800" i="1" dirty="0">
+                <a:solidFill>
+                  <a:schemeClr val="bg1">
+                    <a:lumMod val="65000"/>
+                  </a:schemeClr>
+                </a:solidFill>
+              </a:endParaRPr>
+            </a:p>
+          </p:txBody>
+        </p:sp>
+        <p:sp>
+          <p:nvSpPr>
+            <p:cNvPr id="28" name="TextBox 27"/>
+            <p:cNvSpPr txBox="1"/>
+            <p:nvPr/>
+          </p:nvSpPr>
+          <p:spPr>
+            <a:xfrm>
+              <a:off x="1200686" y="3331733"/>
+              <a:ext cx="3445934" cy="400110"/>
+            </a:xfrm>
+            <a:prstGeom prst="rect">
+              <a:avLst/>
+            </a:prstGeom>
+            <a:noFill/>
+          </p:spPr>
+          <p:txBody>
+            <a:bodyPr wrap="square" rtlCol="0">
+              <a:spAutoFit/>
+            </a:bodyPr>
+            <a:lstStyle/>
+            <a:p>
+              <a:r>
+                <a:rPr kumimoji="1" lang="en-US" altLang="ja-JP" sz="1000" dirty="0"/>
+                <a:t>Lorem Ipsum is simply dummy text of the printing and typesetting industry. Lorem Ipsum has been the</a:t>
+              </a:r>
+              <a:endParaRPr kumimoji="1" lang="ja-JP" altLang="en-US" sz="1000" dirty="0"/>
+            </a:p>
+          </p:txBody>
+        </p:sp>
+        <p:sp>
+          <p:nvSpPr>
+            <p:cNvPr id="29" name="Rectangle 28"/>
+            <p:cNvSpPr/>
+            <p:nvPr/>
+          </p:nvSpPr>
+          <p:spPr>
+            <a:xfrm>
+              <a:off x="613815" y="3896856"/>
+              <a:ext cx="557218" cy="531168"/>
+            </a:xfrm>
+            <a:prstGeom prst="rect">
+              <a:avLst/>
+            </a:prstGeom>
+            <a:ln>
+              <a:solidFill>
+                <a:schemeClr val="tx1"/>
+              </a:solidFill>
+            </a:ln>
+            <a:effectLst/>
+          </p:spPr>
+          <p:style>
+            <a:lnRef idx="1">
+              <a:schemeClr val="accent1"/>
+            </a:lnRef>
+            <a:fillRef idx="3">
+              <a:schemeClr val="accent1"/>
+            </a:fillRef>
+            <a:effectRef idx="2">
+              <a:schemeClr val="accent1"/>
+            </a:effectRef>
+            <a:fontRef idx="minor">
+              <a:schemeClr val="lt1"/>
+            </a:fontRef>
+          </p:style>
+          <p:txBody>
+            <a:bodyPr rtlCol="0" anchor="ctr"/>
+            <a:lstStyle/>
+            <a:p>
+              <a:pPr algn="ctr"/>
+              <a:r>
+                <a:rPr kumimoji="1" lang="en-US" altLang="ja-JP" sz="900">
+                  <a:solidFill>
+                    <a:schemeClr val="tx1"/>
+                  </a:solidFill>
+                </a:rPr>
+                <a:t>Image</a:t>
+              </a:r>
+              <a:endParaRPr kumimoji="1" lang="ja-JP" altLang="en-US" sz="900">
+                <a:solidFill>
+                  <a:schemeClr val="tx1"/>
+                </a:solidFill>
+              </a:endParaRPr>
+            </a:p>
+          </p:txBody>
+        </p:sp>
+        <p:sp>
+          <p:nvSpPr>
+            <p:cNvPr id="30" name="TextBox 29"/>
+            <p:cNvSpPr txBox="1"/>
+            <p:nvPr/>
+          </p:nvSpPr>
+          <p:spPr>
+            <a:xfrm>
+              <a:off x="1172615" y="3812186"/>
+              <a:ext cx="505830" cy="246221"/>
+            </a:xfrm>
+            <a:prstGeom prst="rect">
+              <a:avLst/>
+            </a:prstGeom>
+            <a:noFill/>
+          </p:spPr>
+          <p:txBody>
+            <a:bodyPr wrap="none" rtlCol="0">
+              <a:spAutoFit/>
+            </a:bodyPr>
+            <a:lstStyle/>
+            <a:p>
+              <a:r>
+                <a:rPr kumimoji="1" lang="en-US" altLang="ja-JP" sz="1000"/>
+                <a:t>Blog 1</a:t>
+              </a:r>
+              <a:endParaRPr kumimoji="1" lang="ja-JP" altLang="en-US" sz="1000"/>
+            </a:p>
+          </p:txBody>
+        </p:sp>
+        <p:sp>
+          <p:nvSpPr>
+            <p:cNvPr id="31" name="TextBox 30"/>
+            <p:cNvSpPr txBox="1"/>
+            <p:nvPr/>
+          </p:nvSpPr>
+          <p:spPr>
+            <a:xfrm>
+              <a:off x="1196434" y="3943849"/>
+              <a:ext cx="2096678" cy="215444"/>
+            </a:xfrm>
+            <a:prstGeom prst="rect">
+              <a:avLst/>
+            </a:prstGeom>
+            <a:noFill/>
+          </p:spPr>
+          <p:txBody>
+            <a:bodyPr wrap="none" rtlCol="0">
+              <a:spAutoFit/>
+            </a:bodyPr>
+            <a:lstStyle/>
+            <a:p>
+              <a:r>
+                <a:rPr kumimoji="1" lang="en-US" altLang="ja-JP" sz="800" i="1">
+                  <a:solidFill>
+                    <a:schemeClr val="bg1">
+                      <a:lumMod val="65000"/>
+                    </a:schemeClr>
+                  </a:solidFill>
+                </a:rPr>
+                <a:t>Date: 08/12/2015 12:40 | Author: Tam Pham</a:t>
+              </a:r>
+              <a:endParaRPr kumimoji="1" lang="ja-JP" altLang="en-US" sz="800" i="1">
+                <a:solidFill>
+                  <a:schemeClr val="bg1">
+                    <a:lumMod val="65000"/>
+                  </a:schemeClr>
+                </a:solidFill>
+              </a:endParaRPr>
+            </a:p>
+          </p:txBody>
+        </p:sp>
+        <p:sp>
+          <p:nvSpPr>
+            <p:cNvPr id="32" name="TextBox 31"/>
+            <p:cNvSpPr txBox="1"/>
+            <p:nvPr/>
+          </p:nvSpPr>
+          <p:spPr>
+            <a:xfrm>
+              <a:off x="1192182" y="4091557"/>
+              <a:ext cx="3445934" cy="400110"/>
+            </a:xfrm>
+            <a:prstGeom prst="rect">
+              <a:avLst/>
+            </a:prstGeom>
+            <a:noFill/>
+          </p:spPr>
+          <p:txBody>
+            <a:bodyPr wrap="square" rtlCol="0">
+              <a:spAutoFit/>
+            </a:bodyPr>
+            <a:lstStyle/>
+            <a:p>
+              <a:r>
+                <a:rPr kumimoji="1" lang="en-US" altLang="ja-JP" sz="1000" dirty="0"/>
+                <a:t>Lorem Ipsum is simply dummy text of the printing and typesetting industry. Lorem Ipsum has been the</a:t>
+              </a:r>
+              <a:endParaRPr kumimoji="1" lang="ja-JP" altLang="en-US" sz="1000" dirty="0"/>
+            </a:p>
+          </p:txBody>
+        </p:sp>
+        <p:grpSp>
+          <p:nvGrpSpPr>
+            <p:cNvPr id="38" name="Group 37"/>
+            <p:cNvGrpSpPr/>
+            <p:nvPr/>
+          </p:nvGrpSpPr>
+          <p:grpSpPr>
+            <a:xfrm>
+              <a:off x="1116606" y="1945389"/>
+              <a:ext cx="1709955" cy="771673"/>
+              <a:chOff x="2752559" y="1919901"/>
+              <a:chExt cx="1709955" cy="771673"/>
+            </a:xfrm>
+          </p:grpSpPr>
+          <p:sp>
+            <p:nvSpPr>
+              <p:cNvPr id="51" name="Rectangle 50"/>
+              <p:cNvSpPr/>
+              <p:nvPr/>
+            </p:nvSpPr>
+            <p:spPr>
+              <a:xfrm>
+                <a:off x="3159992" y="2191695"/>
+                <a:ext cx="1001251" cy="238733"/>
+              </a:xfrm>
+              <a:prstGeom prst="rect">
+                <a:avLst/>
+              </a:prstGeom>
+              <a:solidFill>
+                <a:schemeClr val="accent1">
+                  <a:lumMod val="40000"/>
+                  <a:lumOff val="60000"/>
+                </a:schemeClr>
+              </a:solidFill>
+              <a:ln w="3175" cmpd="sng"/>
+            </p:spPr>
+            <p:style>
+              <a:lnRef idx="2">
+                <a:schemeClr val="accent1">
+                  <a:shade val="50000"/>
+                </a:schemeClr>
+              </a:lnRef>
+              <a:fillRef idx="1">
+                <a:schemeClr val="accent1"/>
+              </a:fillRef>
+              <a:effectRef idx="0">
+                <a:schemeClr val="accent1"/>
+              </a:effectRef>
+              <a:fontRef idx="minor">
+                <a:schemeClr val="lt1"/>
+              </a:fontRef>
+            </p:style>
+            <p:txBody>
+              <a:bodyPr rtlCol="0" anchor="ctr"/>
+              <a:lstStyle/>
+              <a:p>
+                <a:pPr algn="ctr"/>
+                <a:r>
+                  <a:rPr lang="en-GB" sz="1000" dirty="0" smtClean="0"/>
+                  <a:t>Most comment</a:t>
+                </a:r>
+                <a:endParaRPr lang="en-US" sz="1000" dirty="0"/>
+              </a:p>
+            </p:txBody>
+          </p:sp>
+          <p:sp>
+            <p:nvSpPr>
+              <p:cNvPr id="52" name="Rectangle 51"/>
+              <p:cNvSpPr/>
+              <p:nvPr/>
+            </p:nvSpPr>
+            <p:spPr>
+              <a:xfrm>
+                <a:off x="3162800" y="1919901"/>
+                <a:ext cx="998442" cy="271556"/>
+              </a:xfrm>
+              <a:prstGeom prst="rect">
+                <a:avLst/>
+              </a:prstGeom>
+              <a:ln w="3175" cmpd="sng"/>
+            </p:spPr>
+            <p:style>
+              <a:lnRef idx="2">
+                <a:schemeClr val="accent1">
+                  <a:shade val="50000"/>
+                </a:schemeClr>
+              </a:lnRef>
+              <a:fillRef idx="1">
+                <a:schemeClr val="accent1"/>
+              </a:fillRef>
+              <a:effectRef idx="0">
+                <a:schemeClr val="accent1"/>
+              </a:effectRef>
+              <a:fontRef idx="minor">
+                <a:schemeClr val="lt1"/>
+              </a:fontRef>
+            </p:style>
+            <p:txBody>
+              <a:bodyPr rtlCol="0" anchor="ctr"/>
+              <a:lstStyle/>
+              <a:p>
+                <a:pPr algn="ctr"/>
+                <a:r>
+                  <a:rPr lang="en-GB" sz="1000" dirty="0" smtClean="0"/>
+                  <a:t>Newest</a:t>
+                </a:r>
+                <a:endParaRPr lang="en-US" sz="1000" dirty="0"/>
+              </a:p>
+            </p:txBody>
+          </p:sp>
+          <p:sp>
+            <p:nvSpPr>
+              <p:cNvPr id="53" name="Isosceles Triangle 52"/>
+              <p:cNvSpPr/>
+              <p:nvPr/>
+            </p:nvSpPr>
+            <p:spPr>
+              <a:xfrm rot="10800000">
+                <a:off x="3928053" y="2046648"/>
+                <a:ext cx="89746" cy="61550"/>
+              </a:xfrm>
+              <a:prstGeom prst="triangle">
+                <a:avLst/>
+              </a:prstGeom>
+              <a:solidFill>
+                <a:schemeClr val="bg1"/>
+              </a:solidFill>
+              <a:ln/>
+            </p:spPr>
+            <p:style>
+              <a:lnRef idx="1">
+                <a:schemeClr val="accent1"/>
+              </a:lnRef>
+              <a:fillRef idx="3">
+                <a:schemeClr val="accent1"/>
+              </a:fillRef>
+              <a:effectRef idx="2">
+                <a:schemeClr val="accent1"/>
+              </a:effectRef>
+              <a:fontRef idx="minor">
+                <a:schemeClr val="lt1"/>
+              </a:fontRef>
+            </p:style>
+            <p:txBody>
+              <a:bodyPr/>
+              <a:lstStyle/>
+              <a:p>
+                <a:endParaRPr lang="ja-JP" altLang="en-US"/>
+              </a:p>
+            </p:txBody>
+          </p:sp>
+          <p:sp>
+            <p:nvSpPr>
+              <p:cNvPr id="54" name="Rectangle 53"/>
+              <p:cNvSpPr/>
+              <p:nvPr/>
+            </p:nvSpPr>
+            <p:spPr>
+              <a:xfrm>
+                <a:off x="3159991" y="2428512"/>
+                <a:ext cx="1001251" cy="238733"/>
+              </a:xfrm>
+              <a:prstGeom prst="rect">
+                <a:avLst/>
+              </a:prstGeom>
+              <a:solidFill>
+                <a:schemeClr val="accent1">
+                  <a:lumMod val="40000"/>
+                  <a:lumOff val="60000"/>
+                </a:schemeClr>
+              </a:solidFill>
+              <a:ln w="3175" cmpd="sng"/>
+            </p:spPr>
+            <p:style>
+              <a:lnRef idx="2">
+                <a:schemeClr val="accent1">
+                  <a:shade val="50000"/>
+                </a:schemeClr>
+              </a:lnRef>
+              <a:fillRef idx="1">
+                <a:schemeClr val="accent1"/>
+              </a:fillRef>
+              <a:effectRef idx="0">
+                <a:schemeClr val="accent1"/>
+              </a:effectRef>
+              <a:fontRef idx="minor">
+                <a:schemeClr val="lt1"/>
+              </a:fontRef>
+            </p:style>
+            <p:txBody>
+              <a:bodyPr rtlCol="0" anchor="ctr"/>
+              <a:lstStyle/>
+              <a:p>
+                <a:pPr algn="ctr"/>
+                <a:r>
+                  <a:rPr lang="en-GB" sz="1000" dirty="0" smtClean="0"/>
+                  <a:t>Name(A-Z)</a:t>
+                </a:r>
+                <a:endParaRPr lang="en-US" sz="1000" dirty="0"/>
+              </a:p>
+            </p:txBody>
+          </p:sp>
+          <p:sp>
+            <p:nvSpPr>
+              <p:cNvPr id="55" name="TextBox 54"/>
+              <p:cNvSpPr txBox="1"/>
+              <p:nvPr/>
+            </p:nvSpPr>
+            <p:spPr>
+              <a:xfrm>
+                <a:off x="2752559" y="1957777"/>
+                <a:ext cx="439544" cy="246221"/>
+              </a:xfrm>
+              <a:prstGeom prst="rect">
+                <a:avLst/>
+              </a:prstGeom>
+              <a:noFill/>
+            </p:spPr>
+            <p:txBody>
+              <a:bodyPr wrap="none" rtlCol="0">
+                <a:spAutoFit/>
+              </a:bodyPr>
+              <a:lstStyle/>
+              <a:p>
+                <a:r>
+                  <a:rPr kumimoji="1" lang="en-GB" altLang="ja-JP" sz="1000" b="1" dirty="0" smtClean="0">
+                    <a:solidFill>
+                      <a:schemeClr val="accent1">
+                        <a:lumMod val="75000"/>
+                      </a:schemeClr>
+                    </a:solidFill>
+                  </a:rPr>
+                  <a:t>Sort:</a:t>
+                </a:r>
+                <a:endParaRPr kumimoji="1" lang="ja-JP" altLang="en-US" sz="1000" b="1" dirty="0">
+                  <a:solidFill>
+                    <a:schemeClr val="accent1">
+                      <a:lumMod val="75000"/>
+                    </a:schemeClr>
+                  </a:solidFill>
+                </a:endParaRPr>
+              </a:p>
+            </p:txBody>
+          </p:sp>
+          <p:sp>
+            <p:nvSpPr>
+              <p:cNvPr id="56" name="TextBox 55"/>
+              <p:cNvSpPr txBox="1"/>
+              <p:nvPr/>
+            </p:nvSpPr>
+            <p:spPr>
+              <a:xfrm>
+                <a:off x="4128222" y="1923537"/>
+                <a:ext cx="327334" cy="246221"/>
+              </a:xfrm>
+              <a:prstGeom prst="rect">
+                <a:avLst/>
+              </a:prstGeom>
+              <a:noFill/>
+            </p:spPr>
+            <p:txBody>
+              <a:bodyPr wrap="none" rtlCol="0">
+                <a:spAutoFit/>
+              </a:bodyPr>
+              <a:lstStyle/>
+              <a:p>
+                <a:r>
+                  <a:rPr kumimoji="1" lang="en-US" altLang="ja-JP" sz="1000" dirty="0" smtClean="0">
+                    <a:solidFill>
+                      <a:srgbClr val="FF0000"/>
+                    </a:solidFill>
+                  </a:rPr>
+                  <a:t>(1)</a:t>
+                </a:r>
+                <a:endParaRPr kumimoji="1" lang="ja-JP" altLang="en-US" sz="1000" dirty="0">
+                  <a:solidFill>
+                    <a:srgbClr val="FF0000"/>
+                  </a:solidFill>
+                </a:endParaRPr>
+              </a:p>
+            </p:txBody>
+          </p:sp>
+          <p:sp>
+            <p:nvSpPr>
+              <p:cNvPr id="57" name="TextBox 56"/>
+              <p:cNvSpPr txBox="1"/>
+              <p:nvPr/>
+            </p:nvSpPr>
+            <p:spPr>
+              <a:xfrm>
+                <a:off x="4135180" y="2201722"/>
+                <a:ext cx="327334" cy="246221"/>
+              </a:xfrm>
+              <a:prstGeom prst="rect">
+                <a:avLst/>
+              </a:prstGeom>
+              <a:noFill/>
+            </p:spPr>
+            <p:txBody>
+              <a:bodyPr wrap="none" rtlCol="0">
+                <a:spAutoFit/>
+              </a:bodyPr>
+              <a:lstStyle/>
+              <a:p>
+                <a:r>
+                  <a:rPr kumimoji="1" lang="en-US" altLang="ja-JP" sz="1000" dirty="0" smtClean="0">
+                    <a:solidFill>
+                      <a:srgbClr val="FF0000"/>
+                    </a:solidFill>
+                  </a:rPr>
+                  <a:t>(2)</a:t>
+                </a:r>
+                <a:endParaRPr kumimoji="1" lang="ja-JP" altLang="en-US" sz="1000" dirty="0">
+                  <a:solidFill>
+                    <a:srgbClr val="FF0000"/>
+                  </a:solidFill>
+                </a:endParaRPr>
+              </a:p>
+            </p:txBody>
+          </p:sp>
+          <p:sp>
+            <p:nvSpPr>
+              <p:cNvPr id="58" name="TextBox 57"/>
+              <p:cNvSpPr txBox="1"/>
+              <p:nvPr/>
+            </p:nvSpPr>
+            <p:spPr>
+              <a:xfrm>
+                <a:off x="4125681" y="2445353"/>
+                <a:ext cx="327334" cy="246221"/>
+              </a:xfrm>
+              <a:prstGeom prst="rect">
+                <a:avLst/>
+              </a:prstGeom>
+              <a:noFill/>
+            </p:spPr>
+            <p:txBody>
+              <a:bodyPr wrap="none" rtlCol="0">
+                <a:spAutoFit/>
+              </a:bodyPr>
+              <a:lstStyle/>
+              <a:p>
+                <a:r>
+                  <a:rPr kumimoji="1" lang="en-US" altLang="ja-JP" sz="1000" dirty="0" smtClean="0">
+                    <a:solidFill>
+                      <a:srgbClr val="FF0000"/>
+                    </a:solidFill>
+                  </a:rPr>
+                  <a:t>(3)</a:t>
+                </a:r>
+                <a:endParaRPr kumimoji="1" lang="ja-JP" altLang="en-US" sz="1000" dirty="0">
+                  <a:solidFill>
+                    <a:srgbClr val="FF0000"/>
+                  </a:solidFill>
+                </a:endParaRPr>
+              </a:p>
+            </p:txBody>
+          </p:sp>
+        </p:grpSp>
+        <p:grpSp>
+          <p:nvGrpSpPr>
+            <p:cNvPr id="41" name="Group 40"/>
+            <p:cNvGrpSpPr/>
+            <p:nvPr/>
+          </p:nvGrpSpPr>
+          <p:grpSpPr>
+            <a:xfrm>
+              <a:off x="2770016" y="1916285"/>
+              <a:ext cx="1678904" cy="743708"/>
+              <a:chOff x="2688164" y="1923537"/>
+              <a:chExt cx="1678904" cy="743708"/>
+            </a:xfrm>
+          </p:grpSpPr>
+          <p:sp>
+            <p:nvSpPr>
+              <p:cNvPr id="43" name="Rectangle 42"/>
+              <p:cNvSpPr/>
+              <p:nvPr/>
+            </p:nvSpPr>
+            <p:spPr>
+              <a:xfrm>
+                <a:off x="3143950" y="2191522"/>
+                <a:ext cx="1001251" cy="238733"/>
+              </a:xfrm>
+              <a:prstGeom prst="rect">
+                <a:avLst/>
+              </a:prstGeom>
+              <a:solidFill>
+                <a:schemeClr val="accent1">
+                  <a:lumMod val="40000"/>
+                  <a:lumOff val="60000"/>
+                </a:schemeClr>
+              </a:solidFill>
+              <a:ln w="3175" cmpd="sng"/>
+            </p:spPr>
+            <p:style>
+              <a:lnRef idx="2">
+                <a:schemeClr val="accent1">
+                  <a:shade val="50000"/>
+                </a:schemeClr>
+              </a:lnRef>
+              <a:fillRef idx="1">
+                <a:schemeClr val="accent1"/>
+              </a:fillRef>
+              <a:effectRef idx="0">
+                <a:schemeClr val="accent1"/>
+              </a:effectRef>
+              <a:fontRef idx="minor">
+                <a:schemeClr val="lt1"/>
+              </a:fontRef>
+            </p:style>
+            <p:txBody>
+              <a:bodyPr rtlCol="0" anchor="ctr"/>
+              <a:lstStyle/>
+              <a:p>
+                <a:pPr algn="ctr"/>
+                <a:r>
+                  <a:rPr lang="en-GB" sz="1000" dirty="0" smtClean="0"/>
+                  <a:t>20</a:t>
+                </a:r>
+                <a:endParaRPr lang="en-US" sz="1000" dirty="0"/>
+              </a:p>
+            </p:txBody>
+          </p:sp>
+          <p:sp>
+            <p:nvSpPr>
+              <p:cNvPr id="44" name="Rectangle 43"/>
+              <p:cNvSpPr/>
+              <p:nvPr/>
+            </p:nvSpPr>
+            <p:spPr>
+              <a:xfrm>
+                <a:off x="3143951" y="1956771"/>
+                <a:ext cx="999607" cy="236840"/>
+              </a:xfrm>
+              <a:prstGeom prst="rect">
+                <a:avLst/>
+              </a:prstGeom>
+              <a:ln w="3175" cmpd="sng"/>
+            </p:spPr>
+            <p:style>
+              <a:lnRef idx="2">
+                <a:schemeClr val="accent1">
+                  <a:shade val="50000"/>
+                </a:schemeClr>
+              </a:lnRef>
+              <a:fillRef idx="1">
+                <a:schemeClr val="accent1"/>
+              </a:fillRef>
+              <a:effectRef idx="0">
+                <a:schemeClr val="accent1"/>
+              </a:effectRef>
+              <a:fontRef idx="minor">
+                <a:schemeClr val="lt1"/>
+              </a:fontRef>
+            </p:style>
+            <p:txBody>
+              <a:bodyPr rtlCol="0" anchor="ctr"/>
+              <a:lstStyle/>
+              <a:p>
+                <a:pPr algn="ctr"/>
+                <a:r>
+                  <a:rPr lang="en-GB" sz="1000" dirty="0" smtClean="0"/>
+                  <a:t>10</a:t>
+                </a:r>
+                <a:endParaRPr lang="en-US" sz="1000" dirty="0"/>
+              </a:p>
+            </p:txBody>
+          </p:sp>
+          <p:sp>
+            <p:nvSpPr>
+              <p:cNvPr id="45" name="Isosceles Triangle 44"/>
+              <p:cNvSpPr/>
+              <p:nvPr/>
+            </p:nvSpPr>
+            <p:spPr>
+              <a:xfrm rot="10800000">
+                <a:off x="3928053" y="2046648"/>
+                <a:ext cx="89746" cy="61550"/>
+              </a:xfrm>
+              <a:prstGeom prst="triangle">
+                <a:avLst/>
+              </a:prstGeom>
+              <a:solidFill>
+                <a:schemeClr val="bg1"/>
+              </a:solidFill>
+              <a:ln/>
+            </p:spPr>
+            <p:style>
+              <a:lnRef idx="1">
+                <a:schemeClr val="accent1"/>
+              </a:lnRef>
+              <a:fillRef idx="3">
+                <a:schemeClr val="accent1"/>
+              </a:fillRef>
+              <a:effectRef idx="2">
+                <a:schemeClr val="accent1"/>
+              </a:effectRef>
+              <a:fontRef idx="minor">
+                <a:schemeClr val="lt1"/>
+              </a:fontRef>
+            </p:style>
+            <p:txBody>
+              <a:bodyPr/>
+              <a:lstStyle/>
+              <a:p>
+                <a:endParaRPr lang="ja-JP" altLang="en-US"/>
+              </a:p>
+            </p:txBody>
+          </p:sp>
+          <p:sp>
+            <p:nvSpPr>
+              <p:cNvPr id="46" name="Rectangle 45"/>
+              <p:cNvSpPr/>
+              <p:nvPr/>
+            </p:nvSpPr>
+            <p:spPr>
+              <a:xfrm>
+                <a:off x="3143949" y="2428512"/>
+                <a:ext cx="1001251" cy="238733"/>
+              </a:xfrm>
+              <a:prstGeom prst="rect">
+                <a:avLst/>
+              </a:prstGeom>
+              <a:solidFill>
+                <a:schemeClr val="accent1">
+                  <a:lumMod val="40000"/>
+                  <a:lumOff val="60000"/>
+                </a:schemeClr>
+              </a:solidFill>
+              <a:ln w="3175" cmpd="sng"/>
+            </p:spPr>
+            <p:style>
+              <a:lnRef idx="2">
+                <a:schemeClr val="accent1">
+                  <a:shade val="50000"/>
+                </a:schemeClr>
+              </a:lnRef>
+              <a:fillRef idx="1">
+                <a:schemeClr val="accent1"/>
+              </a:fillRef>
+              <a:effectRef idx="0">
+                <a:schemeClr val="accent1"/>
+              </a:effectRef>
+              <a:fontRef idx="minor">
+                <a:schemeClr val="lt1"/>
+              </a:fontRef>
+            </p:style>
+            <p:txBody>
+              <a:bodyPr rtlCol="0" anchor="ctr"/>
+              <a:lstStyle/>
+              <a:p>
+                <a:pPr algn="ctr"/>
+                <a:r>
+                  <a:rPr lang="en-GB" sz="1000" dirty="0" smtClean="0"/>
+                  <a:t>30</a:t>
+                </a:r>
+                <a:endParaRPr lang="en-US" sz="1000" dirty="0"/>
+              </a:p>
+            </p:txBody>
+          </p:sp>
+          <p:sp>
+            <p:nvSpPr>
+              <p:cNvPr id="47" name="TextBox 46"/>
+              <p:cNvSpPr txBox="1"/>
+              <p:nvPr/>
+            </p:nvSpPr>
+            <p:spPr>
+              <a:xfrm>
+                <a:off x="2688164" y="1957777"/>
+                <a:ext cx="514885" cy="246221"/>
+              </a:xfrm>
+              <a:prstGeom prst="rect">
+                <a:avLst/>
+              </a:prstGeom>
+              <a:noFill/>
+            </p:spPr>
+            <p:txBody>
+              <a:bodyPr wrap="none" rtlCol="0">
+                <a:spAutoFit/>
+              </a:bodyPr>
+              <a:lstStyle/>
+              <a:p>
+                <a:r>
+                  <a:rPr kumimoji="1" lang="en-GB" altLang="ja-JP" sz="1000" b="1" dirty="0" smtClean="0">
+                    <a:solidFill>
+                      <a:schemeClr val="accent1">
+                        <a:lumMod val="75000"/>
+                      </a:schemeClr>
+                    </a:solidFill>
+                  </a:rPr>
+                  <a:t>Show:</a:t>
+                </a:r>
+                <a:endParaRPr kumimoji="1" lang="ja-JP" altLang="en-US" sz="1000" b="1" dirty="0">
+                  <a:solidFill>
+                    <a:schemeClr val="accent1">
+                      <a:lumMod val="75000"/>
+                    </a:schemeClr>
+                  </a:solidFill>
+                </a:endParaRPr>
+              </a:p>
+            </p:txBody>
+          </p:sp>
+          <p:sp>
+            <p:nvSpPr>
+              <p:cNvPr id="48" name="TextBox 47"/>
+              <p:cNvSpPr txBox="1"/>
+              <p:nvPr/>
+            </p:nvSpPr>
+            <p:spPr>
+              <a:xfrm>
+                <a:off x="4039734" y="1923537"/>
+                <a:ext cx="327334" cy="246221"/>
+              </a:xfrm>
+              <a:prstGeom prst="rect">
+                <a:avLst/>
+              </a:prstGeom>
+              <a:noFill/>
+            </p:spPr>
+            <p:txBody>
+              <a:bodyPr wrap="none" rtlCol="0">
+                <a:spAutoFit/>
+              </a:bodyPr>
+              <a:lstStyle/>
+              <a:p>
+                <a:r>
+                  <a:rPr kumimoji="1" lang="en-US" altLang="ja-JP" sz="1000" dirty="0" smtClean="0">
+                    <a:solidFill>
+                      <a:srgbClr val="FF0000"/>
+                    </a:solidFill>
+                  </a:rPr>
+                  <a:t>(4)</a:t>
+                </a:r>
+                <a:endParaRPr kumimoji="1" lang="ja-JP" altLang="en-US" sz="1000" dirty="0">
+                  <a:solidFill>
+                    <a:srgbClr val="FF0000"/>
+                  </a:solidFill>
+                </a:endParaRPr>
+              </a:p>
+            </p:txBody>
+          </p:sp>
+        </p:grpSp>
+        <p:sp>
+          <p:nvSpPr>
+            <p:cNvPr id="42" name="TextBox 41"/>
+            <p:cNvSpPr txBox="1"/>
+            <p:nvPr/>
+          </p:nvSpPr>
+          <p:spPr>
+            <a:xfrm>
+              <a:off x="898718" y="3088735"/>
+              <a:ext cx="279357" cy="196227"/>
+            </a:xfrm>
+            <a:prstGeom prst="rect">
+              <a:avLst/>
+            </a:prstGeom>
+            <a:noFill/>
+          </p:spPr>
+          <p:txBody>
+            <a:bodyPr wrap="none" rtlCol="0">
+              <a:spAutoFit/>
+            </a:bodyPr>
+            <a:lstStyle/>
+            <a:p>
+              <a:r>
+                <a:rPr kumimoji="1" lang="en-US" altLang="ja-JP" sz="1000" dirty="0">
+                  <a:solidFill>
+                    <a:srgbClr val="FF0000"/>
+                  </a:solidFill>
+                </a:rPr>
+                <a:t>(5)</a:t>
+              </a:r>
+              <a:endParaRPr kumimoji="1" lang="ja-JP" altLang="en-US" sz="1000" dirty="0">
+                <a:solidFill>
+                  <a:srgbClr val="FF0000"/>
+                </a:solidFill>
+              </a:endParaRPr>
+            </a:p>
+          </p:txBody>
+        </p:sp>
+      </p:grpSp>
+      <p:sp>
+        <p:nvSpPr>
+          <p:cNvPr id="59" name="TextBox 58"/>
+          <p:cNvSpPr txBox="1"/>
+          <p:nvPr/>
+        </p:nvSpPr>
+        <p:spPr>
+          <a:xfrm>
+            <a:off x="0" y="0"/>
+            <a:ext cx="12192000" cy="369332"/>
+          </a:xfrm>
+          <a:prstGeom prst="rect">
+            <a:avLst/>
+          </a:prstGeom>
+          <a:noFill/>
+        </p:spPr>
+        <p:txBody>
+          <a:bodyPr wrap="square" rtlCol="0">
+            <a:spAutoFit/>
+          </a:bodyPr>
+          <a:lstStyle/>
+          <a:p>
+            <a:r>
+              <a:rPr lang="en-GB" dirty="0" smtClean="0"/>
+              <a:t>S-3-1 Blog</a:t>
+            </a:r>
+            <a:endParaRPr lang="en-US" dirty="0"/>
+          </a:p>
+        </p:txBody>
+      </p:sp>
+      <p:sp>
+        <p:nvSpPr>
+          <p:cNvPr id="61" name="Rectangle 60"/>
+          <p:cNvSpPr/>
+          <p:nvPr/>
+        </p:nvSpPr>
+        <p:spPr>
+          <a:xfrm>
+            <a:off x="520203" y="5076464"/>
+            <a:ext cx="508001" cy="279400"/>
+          </a:xfrm>
+          <a:prstGeom prst="rect">
+            <a:avLst/>
+          </a:prstGeom>
+          <a:ln>
+            <a:solidFill>
+              <a:schemeClr val="tx1"/>
+            </a:solidFill>
+          </a:ln>
+          <a:effectLst/>
+        </p:spPr>
+        <p:style>
+          <a:lnRef idx="1">
+            <a:schemeClr val="accent1"/>
+          </a:lnRef>
+          <a:fillRef idx="3">
+            <a:schemeClr val="accent1"/>
+          </a:fillRef>
+          <a:effectRef idx="2">
+            <a:schemeClr val="accent1"/>
+          </a:effectRef>
+          <a:fontRef idx="minor">
+            <a:schemeClr val="lt1"/>
+          </a:fontRef>
+        </p:style>
+        <p:txBody>
+          <a:bodyPr rtlCol="0" anchor="ctr"/>
+          <a:lstStyle/>
+          <a:p>
+            <a:pPr algn="ctr"/>
+            <a:r>
+              <a:rPr kumimoji="1" lang="en-US" altLang="ja-JP" sz="1000">
+                <a:solidFill>
+                  <a:schemeClr val="tx1"/>
+                </a:solidFill>
+              </a:rPr>
+              <a:t>Prev</a:t>
+            </a:r>
+            <a:endParaRPr kumimoji="1" lang="ja-JP" altLang="en-US" sz="1000">
+              <a:solidFill>
+                <a:schemeClr val="tx1"/>
+              </a:solidFill>
+            </a:endParaRPr>
+          </a:p>
+        </p:txBody>
+      </p:sp>
+      <p:sp>
+        <p:nvSpPr>
+          <p:cNvPr id="62" name="Rectangle 61"/>
+          <p:cNvSpPr/>
+          <p:nvPr/>
+        </p:nvSpPr>
+        <p:spPr>
+          <a:xfrm>
+            <a:off x="1112878" y="5076458"/>
+            <a:ext cx="254000" cy="279400"/>
+          </a:xfrm>
+          <a:prstGeom prst="rect">
+            <a:avLst/>
+          </a:prstGeom>
+        </p:spPr>
+        <p:style>
+          <a:lnRef idx="1">
+            <a:schemeClr val="accent1"/>
+          </a:lnRef>
+          <a:fillRef idx="3">
+            <a:schemeClr val="accent1"/>
+          </a:fillRef>
+          <a:effectRef idx="2">
+            <a:schemeClr val="accent1"/>
+          </a:effectRef>
+          <a:fontRef idx="minor">
+            <a:schemeClr val="lt1"/>
+          </a:fontRef>
+        </p:style>
+        <p:txBody>
+          <a:bodyPr rtlCol="0" anchor="ctr"/>
+          <a:lstStyle/>
+          <a:p>
+            <a:pPr algn="ctr"/>
+            <a:r>
+              <a:rPr kumimoji="1" lang="en-US" altLang="ja-JP" sz="1000"/>
+              <a:t>1</a:t>
+            </a:r>
+            <a:endParaRPr kumimoji="1" lang="ja-JP" altLang="en-US" sz="1000"/>
+          </a:p>
+        </p:txBody>
+      </p:sp>
+      <p:sp>
+        <p:nvSpPr>
+          <p:cNvPr id="63" name="Rectangle 62"/>
+          <p:cNvSpPr/>
+          <p:nvPr/>
+        </p:nvSpPr>
+        <p:spPr>
+          <a:xfrm>
+            <a:off x="1460025" y="5076458"/>
+            <a:ext cx="254000" cy="279400"/>
+          </a:xfrm>
+          <a:prstGeom prst="rect">
+            <a:avLst/>
+          </a:prstGeom>
+          <a:ln>
+            <a:solidFill>
+              <a:schemeClr val="tx1"/>
+            </a:solidFill>
+          </a:ln>
+          <a:effectLst/>
+        </p:spPr>
+        <p:style>
+          <a:lnRef idx="1">
+            <a:schemeClr val="accent1"/>
+          </a:lnRef>
+          <a:fillRef idx="3">
+            <a:schemeClr val="accent1"/>
+          </a:fillRef>
+          <a:effectRef idx="2">
+            <a:schemeClr val="accent1"/>
+          </a:effectRef>
+          <a:fontRef idx="minor">
+            <a:schemeClr val="lt1"/>
+          </a:fontRef>
+        </p:style>
+        <p:txBody>
+          <a:bodyPr rtlCol="0" anchor="ctr"/>
+          <a:lstStyle/>
+          <a:p>
+            <a:pPr algn="ctr"/>
+            <a:r>
+              <a:rPr kumimoji="1" lang="en-US" altLang="ja-JP" sz="1000">
+                <a:solidFill>
+                  <a:schemeClr val="tx1"/>
+                </a:solidFill>
+              </a:rPr>
+              <a:t>2</a:t>
+            </a:r>
+            <a:endParaRPr kumimoji="1" lang="ja-JP" altLang="en-US" sz="1000">
+              <a:solidFill>
+                <a:schemeClr val="tx1"/>
+              </a:solidFill>
+            </a:endParaRPr>
+          </a:p>
+        </p:txBody>
+      </p:sp>
+      <p:sp>
+        <p:nvSpPr>
+          <p:cNvPr id="64" name="Rectangle 63"/>
+          <p:cNvSpPr/>
+          <p:nvPr/>
+        </p:nvSpPr>
+        <p:spPr>
+          <a:xfrm>
+            <a:off x="1815638" y="5076458"/>
+            <a:ext cx="482566" cy="279400"/>
+          </a:xfrm>
+          <a:prstGeom prst="rect">
+            <a:avLst/>
+          </a:prstGeom>
+          <a:ln>
+            <a:solidFill>
+              <a:schemeClr val="tx1"/>
+            </a:solidFill>
+          </a:ln>
+          <a:effectLst/>
+        </p:spPr>
+        <p:style>
+          <a:lnRef idx="1">
+            <a:schemeClr val="accent1"/>
+          </a:lnRef>
+          <a:fillRef idx="3">
+            <a:schemeClr val="accent1"/>
+          </a:fillRef>
+          <a:effectRef idx="2">
+            <a:schemeClr val="accent1"/>
+          </a:effectRef>
+          <a:fontRef idx="minor">
+            <a:schemeClr val="lt1"/>
+          </a:fontRef>
+        </p:style>
+        <p:txBody>
+          <a:bodyPr rtlCol="0" anchor="ctr"/>
+          <a:lstStyle/>
+          <a:p>
+            <a:pPr algn="ctr"/>
+            <a:r>
+              <a:rPr kumimoji="1" lang="en-US" altLang="ja-JP" sz="1000">
+                <a:solidFill>
+                  <a:schemeClr val="tx1"/>
+                </a:solidFill>
+              </a:rPr>
+              <a:t>Next</a:t>
+            </a:r>
+            <a:endParaRPr kumimoji="1" lang="ja-JP" altLang="en-US" sz="1000">
+              <a:solidFill>
+                <a:schemeClr val="tx1"/>
+              </a:solidFill>
+            </a:endParaRPr>
+          </a:p>
+        </p:txBody>
+      </p:sp>
+      <p:sp>
+        <p:nvSpPr>
+          <p:cNvPr id="65" name="TextBox 64"/>
+          <p:cNvSpPr txBox="1"/>
+          <p:nvPr/>
+        </p:nvSpPr>
+        <p:spPr>
+          <a:xfrm>
+            <a:off x="2409436" y="5084925"/>
+            <a:ext cx="392430" cy="246221"/>
+          </a:xfrm>
+          <a:prstGeom prst="rect">
+            <a:avLst/>
+          </a:prstGeom>
+          <a:noFill/>
+        </p:spPr>
+        <p:txBody>
+          <a:bodyPr wrap="none" rtlCol="0">
+            <a:spAutoFit/>
+          </a:bodyPr>
+          <a:lstStyle/>
+          <a:p>
+            <a:r>
+              <a:rPr kumimoji="1" lang="en-US" altLang="ja-JP" sz="1000" dirty="0">
+                <a:solidFill>
+                  <a:srgbClr val="FF0000"/>
+                </a:solidFill>
+              </a:rPr>
+              <a:t>(</a:t>
+            </a:r>
+            <a:r>
+              <a:rPr kumimoji="1" lang="en-US" altLang="ja-JP" sz="1000" dirty="0" smtClean="0">
+                <a:solidFill>
+                  <a:srgbClr val="FF0000"/>
+                </a:solidFill>
+              </a:rPr>
+              <a:t>10)</a:t>
+            </a:r>
+            <a:endParaRPr kumimoji="1" lang="ja-JP" altLang="en-US" sz="1000" dirty="0">
+              <a:solidFill>
+                <a:srgbClr val="FF0000"/>
+              </a:solidFill>
+            </a:endParaRPr>
+          </a:p>
+        </p:txBody>
+      </p:sp>
+    </p:spTree>
+    <p:extLst>
+      <p:ext uri="{BB962C8B-B14F-4D97-AF65-F5344CB8AC3E}">
+        <p14:creationId xmlns:p14="http://schemas.microsoft.com/office/powerpoint/2010/main" val="2367292539"/>
+      </p:ext>
+    </p:extLst>
+  </p:cSld>
+  <p:clrMapOvr>
+    <a:masterClrMapping/>
+  </p:clrMapOvr>
+</p:sld>
+</file>
+
 <file path=ppt/slides/slide2.xml><?xml version="1.0" encoding="utf-8"?>
 <p:sld xmlns:a="http://schemas.openxmlformats.org/drawingml/2006/main" xmlns:r="http://schemas.openxmlformats.org/officeDocument/2006/relationships" xmlns:p="http://schemas.openxmlformats.org/presentationml/2006/main">
   <p:cSld>
@@ -9446,7 +12630,7 @@
           <p:nvPr>
             <p:extLst>
               <p:ext uri="{D42A27DB-BD31-4B8C-83A1-F6EECF244321}">
-                <p14:modId xmlns:p14="http://schemas.microsoft.com/office/powerpoint/2010/main" val="2582084822"/>
+                <p14:modId xmlns:p14="http://schemas.microsoft.com/office/powerpoint/2010/main" val="1584659550"/>
               </p:ext>
             </p:extLst>
           </p:nvPr>
@@ -9599,10 +12783,16 @@
                     <a:lstStyle/>
                     <a:p>
                       <a:r>
-                        <a:rPr kumimoji="1" lang="vi-VN" altLang="ja-JP" sz="1000"/>
+                        <a:rPr kumimoji="1" lang="vi-VN" altLang="ja-JP" sz="1000">
+                          <a:latin typeface="Calibri"/>
+                          <a:cs typeface="Calibri"/>
+                        </a:rPr>
                         <a:t>S-3-1</a:t>
                       </a:r>
-                      <a:endParaRPr kumimoji="1" lang="ja-JP" altLang="en-US" sz="1000"/>
+                      <a:endParaRPr kumimoji="1" lang="ja-JP" altLang="en-US" sz="1000">
+                        <a:latin typeface="Calibri"/>
+                        <a:cs typeface="Calibri"/>
+                      </a:endParaRPr>
                     </a:p>
                   </a:txBody>
                   <a:tcPr/>
@@ -9667,10 +12857,16 @@
                     <a:lstStyle/>
                     <a:p>
                       <a:r>
-                        <a:rPr kumimoji="1" lang="vi-VN" altLang="ja-JP" sz="1000"/>
+                        <a:rPr kumimoji="1" lang="vi-VN" altLang="ja-JP" sz="1000">
+                          <a:latin typeface="Calibri"/>
+                          <a:cs typeface="Calibri"/>
+                        </a:rPr>
                         <a:t>S-2-1</a:t>
                       </a:r>
-                      <a:endParaRPr kumimoji="1" lang="ja-JP" altLang="en-US" sz="1000"/>
+                      <a:endParaRPr kumimoji="1" lang="ja-JP" altLang="en-US" sz="1000">
+                        <a:latin typeface="Calibri"/>
+                        <a:cs typeface="Calibri"/>
+                      </a:endParaRPr>
                     </a:p>
                   </a:txBody>
                   <a:tcPr/>
@@ -9739,10 +12935,16 @@
                     <a:lstStyle/>
                     <a:p>
                       <a:r>
-                        <a:rPr kumimoji="1" lang="vi-VN" altLang="ja-JP" sz="1000"/>
+                        <a:rPr kumimoji="1" lang="vi-VN" altLang="ja-JP" sz="1000">
+                          <a:latin typeface="Calibri"/>
+                          <a:cs typeface="Calibri"/>
+                        </a:rPr>
                         <a:t>S-5-2</a:t>
                       </a:r>
-                      <a:endParaRPr kumimoji="1" lang="ja-JP" altLang="en-US" sz="1000"/>
+                      <a:endParaRPr kumimoji="1" lang="ja-JP" altLang="en-US" sz="1000">
+                        <a:latin typeface="Calibri"/>
+                        <a:cs typeface="Calibri"/>
+                      </a:endParaRPr>
                     </a:p>
                   </a:txBody>
                   <a:tcPr/>
@@ -9802,7 +13004,10 @@
                     <a:bodyPr/>
                     <a:lstStyle/>
                     <a:p>
-                      <a:endParaRPr kumimoji="1" lang="ja-JP" altLang="en-US" sz="1000"/>
+                      <a:endParaRPr kumimoji="1" lang="ja-JP" altLang="en-US" sz="1000">
+                        <a:latin typeface="Calibri"/>
+                        <a:cs typeface="Calibri"/>
+                      </a:endParaRPr>
                     </a:p>
                   </a:txBody>
                   <a:tcPr/>
@@ -9884,10 +13089,16 @@
                     <a:lstStyle/>
                     <a:p>
                       <a:r>
-                        <a:rPr kumimoji="1" lang="vi-VN" altLang="ja-JP" sz="1000"/>
+                        <a:rPr kumimoji="1" lang="vi-VN" altLang="ja-JP" sz="1000">
+                          <a:latin typeface="Calibri"/>
+                          <a:cs typeface="Calibri"/>
+                        </a:rPr>
                         <a:t>S-3-2</a:t>
                       </a:r>
-                      <a:endParaRPr kumimoji="1" lang="ja-JP" altLang="en-US" sz="1000"/>
+                      <a:endParaRPr kumimoji="1" lang="ja-JP" altLang="en-US" sz="1000">
+                        <a:latin typeface="Calibri"/>
+                        <a:cs typeface="Calibri"/>
+                      </a:endParaRPr>
                     </a:p>
                   </a:txBody>
                   <a:tcPr/>
@@ -9952,10 +13163,16 @@
                     <a:lstStyle/>
                     <a:p>
                       <a:r>
-                        <a:rPr kumimoji="1" lang="en-US" altLang="ja-JP" sz="1000"/>
+                        <a:rPr kumimoji="1" lang="en-US" altLang="ja-JP" sz="1000">
+                          <a:latin typeface="Calibri"/>
+                          <a:cs typeface="Calibri"/>
+                        </a:rPr>
                         <a:t>S-3-2</a:t>
                       </a:r>
-                      <a:endParaRPr kumimoji="1" lang="ja-JP" altLang="en-US" sz="1000"/>
+                      <a:endParaRPr kumimoji="1" lang="ja-JP" altLang="en-US" sz="1000">
+                        <a:latin typeface="Calibri"/>
+                        <a:cs typeface="Calibri"/>
+                      </a:endParaRPr>
                     </a:p>
                   </a:txBody>
                   <a:tcPr/>
@@ -10015,7 +13232,10 @@
                     <a:bodyPr/>
                     <a:lstStyle/>
                     <a:p>
-                      <a:endParaRPr kumimoji="1" lang="ja-JP" altLang="en-US" sz="1000"/>
+                      <a:endParaRPr kumimoji="1" lang="ja-JP" altLang="en-US" sz="1000">
+                        <a:latin typeface="Calibri"/>
+                        <a:cs typeface="Calibri"/>
+                      </a:endParaRPr>
                     </a:p>
                   </a:txBody>
                   <a:tcPr/>
@@ -10097,10 +13317,16 @@
                     <a:lstStyle/>
                     <a:p>
                       <a:r>
-                        <a:rPr kumimoji="1" lang="vi-VN" altLang="ja-JP" sz="1000"/>
+                        <a:rPr kumimoji="1" lang="vi-VN" altLang="ja-JP" sz="1000">
+                          <a:latin typeface="Calibri"/>
+                          <a:cs typeface="Calibri"/>
+                        </a:rPr>
                         <a:t>S-5-2</a:t>
                       </a:r>
-                      <a:endParaRPr kumimoji="1" lang="ja-JP" altLang="en-US" sz="1000"/>
+                      <a:endParaRPr kumimoji="1" lang="ja-JP" altLang="en-US" sz="1000">
+                        <a:latin typeface="Calibri"/>
+                        <a:cs typeface="Calibri"/>
+                      </a:endParaRPr>
                     </a:p>
                   </a:txBody>
                   <a:tcPr/>
@@ -10150,7 +13376,32 @@
                     <a:bodyPr/>
                     <a:lstStyle/>
                     <a:p>
-                      <a:endParaRPr kumimoji="1" lang="ja-JP" altLang="en-US" sz="1000"/>
+                      <a:pPr marL="0" marR="0" indent="0" algn="l" defTabSz="457200" rtl="0" eaLnBrk="1" fontAlgn="auto" latinLnBrk="0" hangingPunct="1">
+                        <a:lnSpc>
+                          <a:spcPct val="100000"/>
+                        </a:lnSpc>
+                        <a:spcBef>
+                          <a:spcPts val="0"/>
+                        </a:spcBef>
+                        <a:spcAft>
+                          <a:spcPts val="0"/>
+                        </a:spcAft>
+                        <a:buClrTx/>
+                        <a:buSzTx/>
+                        <a:buFontTx/>
+                        <a:buNone/>
+                        <a:tabLst/>
+                        <a:defRPr/>
+                      </a:pPr>
+                      <a:r>
+                        <a:rPr kumimoji="1" lang="en-GB" altLang="ja-JP" sz="1000" dirty="0" smtClean="0">
+                          <a:latin typeface="Calibri" panose="020F0502020204030204" pitchFamily="34" charset="0"/>
+                        </a:rPr>
+                        <a:t>Limit 50 words.</a:t>
+                      </a:r>
+                      <a:endParaRPr kumimoji="1" lang="ja-JP" altLang="en-US" sz="1000" dirty="0">
+                        <a:latin typeface="Calibri" panose="020F0502020204030204" pitchFamily="34" charset="0"/>
+                      </a:endParaRPr>
                     </a:p>
                   </a:txBody>
                   <a:tcPr/>
@@ -11812,7 +15063,7 @@
           <p:nvPr>
             <p:extLst>
               <p:ext uri="{D42A27DB-BD31-4B8C-83A1-F6EECF244321}">
-                <p14:modId xmlns:p14="http://schemas.microsoft.com/office/powerpoint/2010/main" val="2584586590"/>
+                <p14:modId xmlns:p14="http://schemas.microsoft.com/office/powerpoint/2010/main" val="280679898"/>
               </p:ext>
             </p:extLst>
           </p:nvPr>
@@ -12157,10 +15408,16 @@
                     <a:lstStyle/>
                     <a:p>
                       <a:r>
-                        <a:rPr kumimoji="1" lang="vi-VN" altLang="ja-JP" sz="1000"/>
+                        <a:rPr kumimoji="1" lang="vi-VN" altLang="ja-JP" sz="1000">
+                          <a:latin typeface="Calibri"/>
+                          <a:cs typeface="Calibri"/>
+                        </a:rPr>
                         <a:t>S-5-2</a:t>
                       </a:r>
-                      <a:endParaRPr kumimoji="1" lang="ja-JP" altLang="en-US" sz="1000"/>
+                      <a:endParaRPr kumimoji="1" lang="ja-JP" altLang="en-US" sz="1000">
+                        <a:latin typeface="Calibri"/>
+                        <a:cs typeface="Calibri"/>
+                      </a:endParaRPr>
                     </a:p>
                   </a:txBody>
                   <a:tcPr/>
@@ -13038,7 +16295,7 @@
           <p:nvPr>
             <p:extLst>
               <p:ext uri="{D42A27DB-BD31-4B8C-83A1-F6EECF244321}">
-                <p14:modId xmlns:p14="http://schemas.microsoft.com/office/powerpoint/2010/main" val="3914794326"/>
+                <p14:modId xmlns:p14="http://schemas.microsoft.com/office/powerpoint/2010/main" val="3808884841"/>
               </p:ext>
             </p:extLst>
           </p:nvPr>
@@ -13440,14 +16697,14 @@
                     <a:p>
                       <a:r>
                         <a:rPr kumimoji="1" lang="en-US" altLang="ja-JP" sz="1000">
-                          <a:latin typeface="Arial"/>
-                          <a:cs typeface="Arial"/>
+                          <a:latin typeface="Calibri"/>
+                          <a:cs typeface="Calibri"/>
                         </a:rPr>
                         <a:t>S-5-2</a:t>
                       </a:r>
                       <a:endParaRPr kumimoji="1" lang="ja-JP" altLang="en-US" sz="1000">
-                        <a:latin typeface="Arial"/>
-                        <a:cs typeface="Arial"/>
+                        <a:latin typeface="Calibri"/>
+                        <a:cs typeface="Calibri"/>
                       </a:endParaRPr>
                     </a:p>
                   </a:txBody>
@@ -14371,7 +17628,7 @@
           <p:nvPr>
             <p:extLst>
               <p:ext uri="{D42A27DB-BD31-4B8C-83A1-F6EECF244321}">
-                <p14:modId xmlns:p14="http://schemas.microsoft.com/office/powerpoint/2010/main" val="4293529254"/>
+                <p14:modId xmlns:p14="http://schemas.microsoft.com/office/powerpoint/2010/main" val="2176701695"/>
               </p:ext>
             </p:extLst>
           </p:nvPr>
@@ -15003,14 +18260,14 @@
                     <a:p>
                       <a:r>
                         <a:rPr kumimoji="1" lang="vi-VN" altLang="ja-JP" sz="1000">
-                          <a:latin typeface="Arial"/>
-                          <a:cs typeface="Arial"/>
+                          <a:latin typeface="Calibri"/>
+                          <a:cs typeface="Calibri"/>
                         </a:rPr>
                         <a:t>Upload new Image</a:t>
                       </a:r>
                       <a:endParaRPr kumimoji="1" lang="ja-JP" altLang="en-US" sz="1000">
-                        <a:latin typeface="Arial"/>
-                        <a:cs typeface="Arial"/>
+                        <a:latin typeface="Calibri"/>
+                        <a:cs typeface="Calibri"/>
                       </a:endParaRPr>
                     </a:p>
                   </a:txBody>
@@ -18637,7 +21894,7 @@
           <p:nvPr>
             <p:extLst>
               <p:ext uri="{D42A27DB-BD31-4B8C-83A1-F6EECF244321}">
-                <p14:modId xmlns:p14="http://schemas.microsoft.com/office/powerpoint/2010/main" val="1345530861"/>
+                <p14:modId xmlns:p14="http://schemas.microsoft.com/office/powerpoint/2010/main" val="3033908097"/>
               </p:ext>
             </p:extLst>
           </p:nvPr>
@@ -18790,10 +22047,16 @@
                     <a:lstStyle/>
                     <a:p>
                       <a:r>
-                        <a:rPr kumimoji="1" lang="vi-VN" altLang="ja-JP" sz="1000"/>
+                        <a:rPr kumimoji="1" lang="vi-VN" altLang="ja-JP" sz="1000">
+                          <a:latin typeface="Calibri"/>
+                          <a:cs typeface="Calibri"/>
+                        </a:rPr>
                         <a:t>S-3-1</a:t>
                       </a:r>
-                      <a:endParaRPr kumimoji="1" lang="ja-JP" altLang="en-US" sz="1000"/>
+                      <a:endParaRPr kumimoji="1" lang="ja-JP" altLang="en-US" sz="1000">
+                        <a:latin typeface="Calibri"/>
+                        <a:cs typeface="Calibri"/>
+                      </a:endParaRPr>
                     </a:p>
                   </a:txBody>
                   <a:tcPr/>
@@ -18858,10 +22121,16 @@
                     <a:lstStyle/>
                     <a:p>
                       <a:r>
-                        <a:rPr kumimoji="1" lang="vi-VN" altLang="ja-JP" sz="1000"/>
+                        <a:rPr kumimoji="1" lang="vi-VN" altLang="ja-JP" sz="1000">
+                          <a:latin typeface="Calibri"/>
+                          <a:cs typeface="Calibri"/>
+                        </a:rPr>
                         <a:t>S-2-1</a:t>
                       </a:r>
-                      <a:endParaRPr kumimoji="1" lang="ja-JP" altLang="en-US" sz="1000"/>
+                      <a:endParaRPr kumimoji="1" lang="ja-JP" altLang="en-US" sz="1000">
+                        <a:latin typeface="Calibri"/>
+                        <a:cs typeface="Calibri"/>
+                      </a:endParaRPr>
                     </a:p>
                   </a:txBody>
                   <a:tcPr/>
@@ -18926,10 +22195,16 @@
                     <a:lstStyle/>
                     <a:p>
                       <a:r>
-                        <a:rPr kumimoji="1" lang="vi-VN" altLang="ja-JP" sz="1000"/>
+                        <a:rPr kumimoji="1" lang="vi-VN" altLang="ja-JP" sz="1000">
+                          <a:latin typeface="Calibri"/>
+                          <a:cs typeface="Calibri"/>
+                        </a:rPr>
                         <a:t>S-5-2</a:t>
                       </a:r>
-                      <a:endParaRPr kumimoji="1" lang="ja-JP" altLang="en-US" sz="1000"/>
+                      <a:endParaRPr kumimoji="1" lang="ja-JP" altLang="en-US" sz="1000">
+                        <a:latin typeface="Calibri"/>
+                        <a:cs typeface="Calibri"/>
+                      </a:endParaRPr>
                     </a:p>
                   </a:txBody>
                   <a:tcPr/>
@@ -21117,7 +24392,7 @@
           <p:nvPr>
             <p:extLst>
               <p:ext uri="{D42A27DB-BD31-4B8C-83A1-F6EECF244321}">
-                <p14:modId xmlns:p14="http://schemas.microsoft.com/office/powerpoint/2010/main" val="2479169116"/>
+                <p14:modId xmlns:p14="http://schemas.microsoft.com/office/powerpoint/2010/main" val="118800256"/>
               </p:ext>
             </p:extLst>
           </p:nvPr>
@@ -21640,14 +24915,14 @@
                       <a:pPr algn="ctr"/>
                       <a:r>
                         <a:rPr kumimoji="1" lang="en-GB" altLang="ja-JP" sz="1000" dirty="0" smtClean="0">
-                          <a:latin typeface="Arial"/>
-                          <a:cs typeface="Arial"/>
+                          <a:latin typeface="Calibri"/>
+                          <a:cs typeface="Calibri"/>
                         </a:rPr>
                         <a:t>S-4-1</a:t>
                       </a:r>
                       <a:endParaRPr kumimoji="1" lang="ja-JP" altLang="en-US" sz="1000" dirty="0">
-                        <a:latin typeface="Arial"/>
-                        <a:cs typeface="Arial"/>
+                        <a:latin typeface="Calibri"/>
+                        <a:cs typeface="Calibri"/>
                       </a:endParaRPr>
                     </a:p>
                   </a:txBody>
@@ -22751,6 +26026,3562 @@
     <p:extLst>
       <p:ext uri="{BB962C8B-B14F-4D97-AF65-F5344CB8AC3E}">
         <p14:creationId xmlns:p14="http://schemas.microsoft.com/office/powerpoint/2010/main" val="3179429863"/>
+      </p:ext>
+    </p:extLst>
+  </p:cSld>
+  <p:clrMapOvr>
+    <a:masterClrMapping/>
+  </p:clrMapOvr>
+  <p:timing>
+    <p:tnLst>
+      <p:par>
+        <p:cTn xmlns:p14="http://schemas.microsoft.com/office/powerpoint/2010/main" id="1" dur="indefinite" restart="never" nodeType="tmRoot"/>
+      </p:par>
+    </p:tnLst>
+  </p:timing>
+</p:sld>
+</file>
+
+<file path=ppt/slides/slide9.xml><?xml version="1.0" encoding="utf-8"?>
+<p:sld xmlns:a="http://schemas.openxmlformats.org/drawingml/2006/main" xmlns:r="http://schemas.openxmlformats.org/officeDocument/2006/relationships" xmlns:p="http://schemas.openxmlformats.org/presentationml/2006/main">
+  <p:cSld>
+    <p:spTree>
+      <p:nvGrpSpPr>
+        <p:cNvPr id="1" name=""/>
+        <p:cNvGrpSpPr/>
+        <p:nvPr/>
+      </p:nvGrpSpPr>
+      <p:grpSpPr>
+        <a:xfrm>
+          <a:off x="0" y="0"/>
+          <a:ext cx="0" cy="0"/>
+          <a:chOff x="0" y="0"/>
+          <a:chExt cx="0" cy="0"/>
+        </a:xfrm>
+      </p:grpSpPr>
+      <p:cxnSp>
+        <p:nvCxnSpPr>
+          <p:cNvPr id="65" name="Straight Connector 64"/>
+          <p:cNvCxnSpPr/>
+          <p:nvPr/>
+        </p:nvCxnSpPr>
+        <p:spPr>
+          <a:xfrm>
+            <a:off x="0" y="399143"/>
+            <a:ext cx="9144000" cy="0"/>
+          </a:xfrm>
+          <a:prstGeom prst="line">
+            <a:avLst/>
+          </a:prstGeom>
+        </p:spPr>
+        <p:style>
+          <a:lnRef idx="2">
+            <a:schemeClr val="accent1"/>
+          </a:lnRef>
+          <a:fillRef idx="0">
+            <a:schemeClr val="accent1"/>
+          </a:fillRef>
+          <a:effectRef idx="1">
+            <a:schemeClr val="accent1"/>
+          </a:effectRef>
+          <a:fontRef idx="minor">
+            <a:schemeClr val="tx1"/>
+          </a:fontRef>
+        </p:style>
+      </p:cxnSp>
+      <p:sp>
+        <p:nvSpPr>
+          <p:cNvPr id="66" name="TextBox 65"/>
+          <p:cNvSpPr txBox="1"/>
+          <p:nvPr/>
+        </p:nvSpPr>
+        <p:spPr>
+          <a:xfrm>
+            <a:off x="193525" y="0"/>
+            <a:ext cx="2377574" cy="369332"/>
+          </a:xfrm>
+          <a:prstGeom prst="rect">
+            <a:avLst/>
+          </a:prstGeom>
+          <a:noFill/>
+        </p:spPr>
+        <p:txBody>
+          <a:bodyPr wrap="none" rtlCol="0">
+            <a:spAutoFit/>
+          </a:bodyPr>
+          <a:lstStyle/>
+          <a:p>
+            <a:r>
+              <a:rPr kumimoji="1" lang="en-US" altLang="ja-JP"/>
+              <a:t>S-5-2 List all user’s post</a:t>
+            </a:r>
+            <a:endParaRPr kumimoji="1" lang="ja-JP" altLang="en-US"/>
+          </a:p>
+        </p:txBody>
+      </p:sp>
+      <p:sp useBgFill="1">
+        <p:nvSpPr>
+          <p:cNvPr id="2" name="Rectangle 1"/>
+          <p:cNvSpPr/>
+          <p:nvPr/>
+        </p:nvSpPr>
+        <p:spPr>
+          <a:xfrm>
+            <a:off x="387048" y="761999"/>
+            <a:ext cx="3967238" cy="4809067"/>
+          </a:xfrm>
+          <a:prstGeom prst="rect">
+            <a:avLst/>
+          </a:prstGeom>
+          <a:ln>
+            <a:solidFill>
+              <a:schemeClr val="tx1"/>
+            </a:solidFill>
+          </a:ln>
+          <a:effectLst/>
+        </p:spPr>
+        <p:style>
+          <a:lnRef idx="1">
+            <a:schemeClr val="accent1"/>
+          </a:lnRef>
+          <a:fillRef idx="3">
+            <a:schemeClr val="accent1"/>
+          </a:fillRef>
+          <a:effectRef idx="2">
+            <a:schemeClr val="accent1"/>
+          </a:effectRef>
+          <a:fontRef idx="minor">
+            <a:schemeClr val="lt1"/>
+          </a:fontRef>
+        </p:style>
+        <p:txBody>
+          <a:bodyPr rtlCol="0" anchor="ctr"/>
+          <a:lstStyle/>
+          <a:p>
+            <a:pPr algn="ctr"/>
+            <a:endParaRPr kumimoji="1" lang="ja-JP" altLang="en-US">
+              <a:solidFill>
+                <a:srgbClr val="FF0000"/>
+              </a:solidFill>
+            </a:endParaRPr>
+          </a:p>
+        </p:txBody>
+      </p:sp>
+      <p:sp>
+        <p:nvSpPr>
+          <p:cNvPr id="3" name="Rectangle 2"/>
+          <p:cNvSpPr/>
+          <p:nvPr/>
+        </p:nvSpPr>
+        <p:spPr>
+          <a:xfrm>
+            <a:off x="387048" y="876073"/>
+            <a:ext cx="1196687" cy="400110"/>
+          </a:xfrm>
+          <a:prstGeom prst="rect">
+            <a:avLst/>
+          </a:prstGeom>
+          <a:noFill/>
+        </p:spPr>
+        <p:txBody>
+          <a:bodyPr wrap="none" lIns="91440" tIns="45720" rIns="91440" bIns="45720">
+            <a:spAutoFit/>
+          </a:bodyPr>
+          <a:lstStyle/>
+          <a:p>
+            <a:pPr algn="ctr"/>
+            <a:r>
+              <a:rPr lang="en-US" altLang="ja-JP" sz="2000" b="1" cap="none" spc="0">
+                <a:ln w="12700">
+                  <a:solidFill>
+                    <a:schemeClr val="tx2">
+                      <a:satMod val="155000"/>
+                    </a:schemeClr>
+                  </a:solidFill>
+                  <a:prstDash val="solid"/>
+                </a:ln>
+                <a:solidFill>
+                  <a:schemeClr val="bg2">
+                    <a:tint val="85000"/>
+                    <a:satMod val="155000"/>
+                  </a:schemeClr>
+                </a:solidFill>
+                <a:effectLst>
+                  <a:outerShdw blurRad="41275" dist="20320" dir="1800000" algn="tl" rotWithShape="0">
+                    <a:srgbClr val="000000">
+                      <a:alpha val="40000"/>
+                    </a:srgbClr>
+                  </a:outerShdw>
+                </a:effectLst>
+              </a:rPr>
+              <a:t>Mini Blog</a:t>
+            </a:r>
+          </a:p>
+        </p:txBody>
+      </p:sp>
+      <p:sp>
+        <p:nvSpPr>
+          <p:cNvPr id="4" name="Rectangle 3"/>
+          <p:cNvSpPr/>
+          <p:nvPr/>
+        </p:nvSpPr>
+        <p:spPr>
+          <a:xfrm>
+            <a:off x="401506" y="737671"/>
+            <a:ext cx="837263" cy="246221"/>
+          </a:xfrm>
+          <a:prstGeom prst="rect">
+            <a:avLst/>
+          </a:prstGeom>
+        </p:spPr>
+        <p:txBody>
+          <a:bodyPr wrap="none">
+            <a:spAutoFit/>
+          </a:bodyPr>
+          <a:lstStyle/>
+          <a:p>
+            <a:pPr lvl="0" algn="ctr"/>
+            <a:r>
+              <a:rPr kumimoji="1" lang="en-US" altLang="ja-JP" sz="1000">
+                <a:solidFill>
+                  <a:srgbClr val="FF0000"/>
+                </a:solidFill>
+              </a:rPr>
+              <a:t>Php Training</a:t>
+            </a:r>
+            <a:endParaRPr kumimoji="1" lang="ja-JP" altLang="en-US" sz="1000">
+              <a:solidFill>
+                <a:srgbClr val="FF0000"/>
+              </a:solidFill>
+            </a:endParaRPr>
+          </a:p>
+        </p:txBody>
+      </p:sp>
+      <p:sp>
+        <p:nvSpPr>
+          <p:cNvPr id="7" name="Rectangle 6"/>
+          <p:cNvSpPr/>
+          <p:nvPr/>
+        </p:nvSpPr>
+        <p:spPr>
+          <a:xfrm>
+            <a:off x="477876" y="1420804"/>
+            <a:ext cx="1871134" cy="192975"/>
+          </a:xfrm>
+          <a:prstGeom prst="rect">
+            <a:avLst/>
+          </a:prstGeom>
+          <a:ln>
+            <a:solidFill>
+              <a:schemeClr val="tx1"/>
+            </a:solidFill>
+          </a:ln>
+          <a:effectLst/>
+        </p:spPr>
+        <p:style>
+          <a:lnRef idx="1">
+            <a:schemeClr val="accent1"/>
+          </a:lnRef>
+          <a:fillRef idx="3">
+            <a:schemeClr val="accent1"/>
+          </a:fillRef>
+          <a:effectRef idx="2">
+            <a:schemeClr val="accent1"/>
+          </a:effectRef>
+          <a:fontRef idx="minor">
+            <a:schemeClr val="lt1"/>
+          </a:fontRef>
+        </p:style>
+        <p:txBody>
+          <a:bodyPr rtlCol="0" anchor="ctr"/>
+          <a:lstStyle/>
+          <a:p>
+            <a:r>
+              <a:rPr kumimoji="1" lang="en-US" altLang="ja-JP" sz="800" i="1">
+                <a:solidFill>
+                  <a:schemeClr val="bg1">
+                    <a:lumMod val="75000"/>
+                  </a:schemeClr>
+                </a:solidFill>
+              </a:rPr>
+              <a:t>Username, firstname, lastname</a:t>
+            </a:r>
+            <a:endParaRPr kumimoji="1" lang="ja-JP" altLang="en-US" sz="800" i="1">
+              <a:solidFill>
+                <a:schemeClr val="bg1">
+                  <a:lumMod val="75000"/>
+                </a:schemeClr>
+              </a:solidFill>
+            </a:endParaRPr>
+          </a:p>
+        </p:txBody>
+      </p:sp>
+      <p:sp>
+        <p:nvSpPr>
+          <p:cNvPr id="8" name="Rectangle 7"/>
+          <p:cNvSpPr/>
+          <p:nvPr/>
+        </p:nvSpPr>
+        <p:spPr>
+          <a:xfrm>
+            <a:off x="2413000" y="1420804"/>
+            <a:ext cx="558800" cy="209383"/>
+          </a:xfrm>
+          <a:prstGeom prst="rect">
+            <a:avLst/>
+          </a:prstGeom>
+        </p:spPr>
+        <p:style>
+          <a:lnRef idx="1">
+            <a:schemeClr val="accent1"/>
+          </a:lnRef>
+          <a:fillRef idx="3">
+            <a:schemeClr val="accent1"/>
+          </a:fillRef>
+          <a:effectRef idx="2">
+            <a:schemeClr val="accent1"/>
+          </a:effectRef>
+          <a:fontRef idx="minor">
+            <a:schemeClr val="lt1"/>
+          </a:fontRef>
+        </p:style>
+        <p:txBody>
+          <a:bodyPr rtlCol="0" anchor="ctr"/>
+          <a:lstStyle/>
+          <a:p>
+            <a:pPr algn="ctr"/>
+            <a:r>
+              <a:rPr kumimoji="1" lang="en-US" altLang="ja-JP" sz="1000"/>
+              <a:t>Search</a:t>
+            </a:r>
+            <a:endParaRPr kumimoji="1" lang="ja-JP" altLang="en-US" sz="1000"/>
+          </a:p>
+        </p:txBody>
+      </p:sp>
+      <p:sp>
+        <p:nvSpPr>
+          <p:cNvPr id="9" name="Rectangle 8"/>
+          <p:cNvSpPr/>
+          <p:nvPr/>
+        </p:nvSpPr>
+        <p:spPr>
+          <a:xfrm>
+            <a:off x="2548467" y="983891"/>
+            <a:ext cx="1600200" cy="292291"/>
+          </a:xfrm>
+          <a:prstGeom prst="rect">
+            <a:avLst/>
+          </a:prstGeom>
+        </p:spPr>
+        <p:style>
+          <a:lnRef idx="1">
+            <a:schemeClr val="accent1"/>
+          </a:lnRef>
+          <a:fillRef idx="3">
+            <a:schemeClr val="accent1"/>
+          </a:fillRef>
+          <a:effectRef idx="2">
+            <a:schemeClr val="accent1"/>
+          </a:effectRef>
+          <a:fontRef idx="minor">
+            <a:schemeClr val="lt1"/>
+          </a:fontRef>
+        </p:style>
+        <p:txBody>
+          <a:bodyPr rtlCol="0" anchor="ctr"/>
+          <a:lstStyle/>
+          <a:p>
+            <a:pPr algn="r"/>
+            <a:r>
+              <a:rPr kumimoji="1" lang="en-US" altLang="ja-JP" sz="1000"/>
+              <a:t>  Blog | </a:t>
+            </a:r>
+            <a:r>
+              <a:rPr kumimoji="1" lang="en-US" altLang="ja-JP" sz="1000">
+                <a:solidFill>
+                  <a:schemeClr val="bg1"/>
+                </a:solidFill>
+              </a:rPr>
+              <a:t>Login</a:t>
+            </a:r>
+            <a:endParaRPr kumimoji="1" lang="ja-JP" altLang="en-US" sz="1000">
+              <a:solidFill>
+                <a:schemeClr val="bg1"/>
+              </a:solidFill>
+            </a:endParaRPr>
+          </a:p>
+        </p:txBody>
+      </p:sp>
+      <p:cxnSp>
+        <p:nvCxnSpPr>
+          <p:cNvPr id="13" name="Straight Connector 12"/>
+          <p:cNvCxnSpPr/>
+          <p:nvPr/>
+        </p:nvCxnSpPr>
+        <p:spPr>
+          <a:xfrm>
+            <a:off x="477876" y="1921934"/>
+            <a:ext cx="3670791" cy="0"/>
+          </a:xfrm>
+          <a:prstGeom prst="line">
+            <a:avLst/>
+          </a:prstGeom>
+          <a:ln w="3175" cmpd="sng">
+            <a:solidFill>
+              <a:schemeClr val="bg1">
+                <a:lumMod val="75000"/>
+              </a:schemeClr>
+            </a:solidFill>
+          </a:ln>
+          <a:effectLst/>
+        </p:spPr>
+        <p:style>
+          <a:lnRef idx="2">
+            <a:schemeClr val="accent1"/>
+          </a:lnRef>
+          <a:fillRef idx="0">
+            <a:schemeClr val="accent1"/>
+          </a:fillRef>
+          <a:effectRef idx="1">
+            <a:schemeClr val="accent1"/>
+          </a:effectRef>
+          <a:fontRef idx="minor">
+            <a:schemeClr val="tx1"/>
+          </a:fontRef>
+        </p:style>
+      </p:cxnSp>
+      <p:sp>
+        <p:nvSpPr>
+          <p:cNvPr id="14" name="TextBox 13"/>
+          <p:cNvSpPr txBox="1"/>
+          <p:nvPr/>
+        </p:nvSpPr>
+        <p:spPr>
+          <a:xfrm>
+            <a:off x="384739" y="1668018"/>
+            <a:ext cx="1208562" cy="253916"/>
+          </a:xfrm>
+          <a:prstGeom prst="rect">
+            <a:avLst/>
+          </a:prstGeom>
+          <a:noFill/>
+        </p:spPr>
+        <p:txBody>
+          <a:bodyPr wrap="none" rtlCol="0">
+            <a:spAutoFit/>
+          </a:bodyPr>
+          <a:lstStyle/>
+          <a:p>
+            <a:r>
+              <a:rPr kumimoji="1" lang="en-US" altLang="ja-JP" sz="1050">
+                <a:solidFill>
+                  <a:schemeClr val="tx2">
+                    <a:lumMod val="20000"/>
+                    <a:lumOff val="80000"/>
+                  </a:schemeClr>
+                </a:solidFill>
+              </a:rPr>
+              <a:t>Home</a:t>
+            </a:r>
+            <a:r>
+              <a:rPr kumimoji="1" lang="en-US" altLang="ja-JP" sz="1050"/>
+              <a:t> /</a:t>
+            </a:r>
+            <a:r>
+              <a:rPr kumimoji="1" lang="en-US" altLang="ja-JP" sz="1050"/>
+              <a:t>List all post</a:t>
+            </a:r>
+            <a:endParaRPr kumimoji="1" lang="ja-JP" altLang="en-US" sz="1050"/>
+          </a:p>
+        </p:txBody>
+      </p:sp>
+      <p:graphicFrame>
+        <p:nvGraphicFramePr>
+          <p:cNvPr id="25" name="Table 24"/>
+          <p:cNvGraphicFramePr>
+            <a:graphicFrameLocks noGrp="1"/>
+          </p:cNvGraphicFramePr>
+          <p:nvPr>
+            <p:extLst>
+              <p:ext uri="{D42A27DB-BD31-4B8C-83A1-F6EECF244321}">
+                <p14:modId xmlns:p14="http://schemas.microsoft.com/office/powerpoint/2010/main" val="3908153365"/>
+              </p:ext>
+            </p:extLst>
+          </p:nvPr>
+        </p:nvGraphicFramePr>
+        <p:xfrm>
+          <a:off x="4478866" y="755449"/>
+          <a:ext cx="4461935" cy="5044546"/>
+        </p:xfrm>
+        <a:graphic>
+          <a:graphicData uri="http://schemas.openxmlformats.org/drawingml/2006/table">
+            <a:tbl>
+              <a:tblPr firstRow="1" bandRow="1">
+                <a:tableStyleId>{5202B0CA-FC54-4496-8BCA-5EF66A818D29}</a:tableStyleId>
+              </a:tblPr>
+              <a:tblGrid>
+                <a:gridCol w="406401"/>
+                <a:gridCol w="1134533"/>
+                <a:gridCol w="651933"/>
+                <a:gridCol w="1744134"/>
+                <a:gridCol w="524934"/>
+              </a:tblGrid>
+              <a:tr h="327082">
+                <a:tc>
+                  <a:txBody>
+                    <a:bodyPr/>
+                    <a:lstStyle/>
+                    <a:p>
+                      <a:r>
+                        <a:rPr kumimoji="1" lang="en-US" altLang="ja-JP" sz="1000">
+                          <a:latin typeface="+mn-lt"/>
+                        </a:rPr>
+                        <a:t>No</a:t>
+                      </a:r>
+                      <a:endParaRPr kumimoji="1" lang="ja-JP" altLang="en-US" sz="1000">
+                        <a:latin typeface="+mn-lt"/>
+                      </a:endParaRPr>
+                    </a:p>
+                  </a:txBody>
+                  <a:tcPr/>
+                </a:tc>
+                <a:tc>
+                  <a:txBody>
+                    <a:bodyPr/>
+                    <a:lstStyle/>
+                    <a:p>
+                      <a:r>
+                        <a:rPr kumimoji="1" lang="en-US" altLang="ja-JP" sz="1000">
+                          <a:latin typeface="+mn-lt"/>
+                        </a:rPr>
+                        <a:t>Content</a:t>
+                      </a:r>
+                      <a:endParaRPr kumimoji="1" lang="ja-JP" altLang="en-US" sz="1000">
+                        <a:latin typeface="+mn-lt"/>
+                      </a:endParaRPr>
+                    </a:p>
+                  </a:txBody>
+                  <a:tcPr/>
+                </a:tc>
+                <a:tc>
+                  <a:txBody>
+                    <a:bodyPr/>
+                    <a:lstStyle/>
+                    <a:p>
+                      <a:r>
+                        <a:rPr kumimoji="1" lang="en-US" altLang="ja-JP" sz="1000">
+                          <a:latin typeface="+mn-lt"/>
+                        </a:rPr>
+                        <a:t>Function</a:t>
+                      </a:r>
+                      <a:endParaRPr kumimoji="1" lang="ja-JP" altLang="en-US" sz="1000">
+                        <a:latin typeface="+mn-lt"/>
+                      </a:endParaRPr>
+                    </a:p>
+                  </a:txBody>
+                  <a:tcPr/>
+                </a:tc>
+                <a:tc>
+                  <a:txBody>
+                    <a:bodyPr/>
+                    <a:lstStyle/>
+                    <a:p>
+                      <a:r>
+                        <a:rPr kumimoji="1" lang="en-US" altLang="ja-JP" sz="1000">
+                          <a:latin typeface="+mn-lt"/>
+                        </a:rPr>
+                        <a:t>Detail/option</a:t>
+                      </a:r>
+                      <a:endParaRPr kumimoji="1" lang="ja-JP" altLang="en-US" sz="1000">
+                        <a:latin typeface="+mn-lt"/>
+                      </a:endParaRPr>
+                    </a:p>
+                  </a:txBody>
+                  <a:tcPr/>
+                </a:tc>
+                <a:tc>
+                  <a:txBody>
+                    <a:bodyPr/>
+                    <a:lstStyle/>
+                    <a:p>
+                      <a:r>
+                        <a:rPr kumimoji="1" lang="en-US" altLang="ja-JP" sz="1000">
+                          <a:latin typeface="+mn-lt"/>
+                        </a:rPr>
+                        <a:t>Goto</a:t>
+                      </a:r>
+                      <a:endParaRPr kumimoji="1" lang="ja-JP" altLang="en-US" sz="1000">
+                        <a:latin typeface="+mn-lt"/>
+                      </a:endParaRPr>
+                    </a:p>
+                  </a:txBody>
+                  <a:tcPr/>
+                </a:tc>
+              </a:tr>
+              <a:tr h="327082">
+                <a:tc>
+                  <a:txBody>
+                    <a:bodyPr/>
+                    <a:lstStyle/>
+                    <a:p>
+                      <a:r>
+                        <a:rPr kumimoji="1" lang="en-US" altLang="ja-JP" sz="1000">
+                          <a:latin typeface="+mn-lt"/>
+                        </a:rPr>
+                        <a:t>1</a:t>
+                      </a:r>
+                      <a:endParaRPr kumimoji="1" lang="ja-JP" altLang="en-US" sz="1000">
+                        <a:latin typeface="+mn-lt"/>
+                      </a:endParaRPr>
+                    </a:p>
+                  </a:txBody>
+                  <a:tcPr/>
+                </a:tc>
+                <a:tc>
+                  <a:txBody>
+                    <a:bodyPr/>
+                    <a:lstStyle/>
+                    <a:p>
+                      <a:r>
+                        <a:rPr kumimoji="1" lang="en-US" altLang="ja-JP" sz="1000">
+                          <a:latin typeface="+mn-lt"/>
+                        </a:rPr>
+                        <a:t>Blog</a:t>
+                      </a:r>
+                      <a:endParaRPr kumimoji="1" lang="ja-JP" altLang="en-US" sz="1000">
+                        <a:latin typeface="+mn-lt"/>
+                      </a:endParaRPr>
+                    </a:p>
+                  </a:txBody>
+                  <a:tcPr/>
+                </a:tc>
+                <a:tc>
+                  <a:txBody>
+                    <a:bodyPr/>
+                    <a:lstStyle/>
+                    <a:p>
+                      <a:endParaRPr kumimoji="1" lang="ja-JP" altLang="en-US" sz="1000">
+                        <a:latin typeface="+mn-lt"/>
+                      </a:endParaRPr>
+                    </a:p>
+                  </a:txBody>
+                  <a:tcPr/>
+                </a:tc>
+                <a:tc>
+                  <a:txBody>
+                    <a:bodyPr/>
+                    <a:lstStyle/>
+                    <a:p>
+                      <a:r>
+                        <a:rPr kumimoji="1" lang="en-US" altLang="ja-JP" sz="1000">
+                          <a:latin typeface="+mn-lt"/>
+                        </a:rPr>
+                        <a:t>Show all Post</a:t>
+                      </a:r>
+                      <a:endParaRPr kumimoji="1" lang="ja-JP" altLang="en-US" sz="1000">
+                        <a:latin typeface="+mn-lt"/>
+                      </a:endParaRPr>
+                    </a:p>
+                  </a:txBody>
+                  <a:tcPr/>
+                </a:tc>
+                <a:tc>
+                  <a:txBody>
+                    <a:bodyPr/>
+                    <a:lstStyle/>
+                    <a:p>
+                      <a:r>
+                        <a:rPr kumimoji="1" lang="vi-VN" altLang="ja-JP" sz="1000">
+                          <a:latin typeface="Calibri"/>
+                          <a:cs typeface="Calibri"/>
+                        </a:rPr>
+                        <a:t>S-3-1</a:t>
+                      </a:r>
+                      <a:endParaRPr kumimoji="1" lang="ja-JP" altLang="en-US" sz="1000">
+                        <a:latin typeface="Calibri"/>
+                        <a:cs typeface="Calibri"/>
+                      </a:endParaRPr>
+                    </a:p>
+                  </a:txBody>
+                  <a:tcPr/>
+                </a:tc>
+              </a:tr>
+              <a:tr h="327082">
+                <a:tc>
+                  <a:txBody>
+                    <a:bodyPr/>
+                    <a:lstStyle/>
+                    <a:p>
+                      <a:r>
+                        <a:rPr kumimoji="1" lang="en-US" altLang="ja-JP" sz="1000">
+                          <a:latin typeface="+mn-lt"/>
+                        </a:rPr>
+                        <a:t>2</a:t>
+                      </a:r>
+                      <a:endParaRPr kumimoji="1" lang="ja-JP" altLang="en-US" sz="1000">
+                        <a:latin typeface="+mn-lt"/>
+                      </a:endParaRPr>
+                    </a:p>
+                  </a:txBody>
+                  <a:tcPr/>
+                </a:tc>
+                <a:tc>
+                  <a:txBody>
+                    <a:bodyPr/>
+                    <a:lstStyle/>
+                    <a:p>
+                      <a:r>
+                        <a:rPr kumimoji="1" lang="en-US" altLang="ja-JP" sz="1000">
+                          <a:latin typeface="+mn-lt"/>
+                        </a:rPr>
+                        <a:t>Login</a:t>
+                      </a:r>
+                      <a:endParaRPr kumimoji="1" lang="ja-JP" altLang="en-US" sz="1000">
+                        <a:latin typeface="+mn-lt"/>
+                      </a:endParaRPr>
+                    </a:p>
+                  </a:txBody>
+                  <a:tcPr/>
+                </a:tc>
+                <a:tc>
+                  <a:txBody>
+                    <a:bodyPr/>
+                    <a:lstStyle/>
+                    <a:p>
+                      <a:endParaRPr kumimoji="1" lang="ja-JP" altLang="en-US" sz="1000">
+                        <a:latin typeface="+mn-lt"/>
+                      </a:endParaRPr>
+                    </a:p>
+                  </a:txBody>
+                  <a:tcPr/>
+                </a:tc>
+                <a:tc>
+                  <a:txBody>
+                    <a:bodyPr/>
+                    <a:lstStyle/>
+                    <a:p>
+                      <a:r>
+                        <a:rPr kumimoji="1" lang="en-US" altLang="ja-JP" sz="1000">
+                          <a:latin typeface="+mn-lt"/>
+                        </a:rPr>
+                        <a:t>Go to page login</a:t>
+                      </a:r>
+                      <a:endParaRPr kumimoji="1" lang="ja-JP" altLang="en-US" sz="1000">
+                        <a:latin typeface="+mn-lt"/>
+                      </a:endParaRPr>
+                    </a:p>
+                  </a:txBody>
+                  <a:tcPr/>
+                </a:tc>
+                <a:tc>
+                  <a:txBody>
+                    <a:bodyPr/>
+                    <a:lstStyle/>
+                    <a:p>
+                      <a:r>
+                        <a:rPr kumimoji="1" lang="vi-VN" altLang="ja-JP" sz="1000">
+                          <a:latin typeface="Calibri"/>
+                          <a:cs typeface="Calibri"/>
+                        </a:rPr>
+                        <a:t>S-2-1</a:t>
+                      </a:r>
+                      <a:endParaRPr kumimoji="1" lang="ja-JP" altLang="en-US" sz="1000">
+                        <a:latin typeface="Calibri"/>
+                        <a:cs typeface="Calibri"/>
+                      </a:endParaRPr>
+                    </a:p>
+                  </a:txBody>
+                  <a:tcPr/>
+                </a:tc>
+              </a:tr>
+              <a:tr h="327082">
+                <a:tc>
+                  <a:txBody>
+                    <a:bodyPr/>
+                    <a:lstStyle/>
+                    <a:p>
+                      <a:r>
+                        <a:rPr kumimoji="1" lang="en-US" altLang="ja-JP" sz="1000">
+                          <a:latin typeface="+mn-lt"/>
+                        </a:rPr>
+                        <a:t>3</a:t>
+                      </a:r>
+                      <a:endParaRPr kumimoji="1" lang="ja-JP" altLang="en-US" sz="1000">
+                        <a:latin typeface="+mn-lt"/>
+                      </a:endParaRPr>
+                    </a:p>
+                  </a:txBody>
+                  <a:tcPr/>
+                </a:tc>
+                <a:tc>
+                  <a:txBody>
+                    <a:bodyPr/>
+                    <a:lstStyle/>
+                    <a:p>
+                      <a:r>
+                        <a:rPr kumimoji="1" lang="en-US" altLang="ja-JP" sz="1000">
+                          <a:latin typeface="+mn-lt"/>
+                        </a:rPr>
+                        <a:t>Search</a:t>
+                      </a:r>
+                      <a:endParaRPr kumimoji="1" lang="ja-JP" altLang="en-US" sz="1000">
+                        <a:latin typeface="+mn-lt"/>
+                      </a:endParaRPr>
+                    </a:p>
+                  </a:txBody>
+                  <a:tcPr/>
+                </a:tc>
+                <a:tc>
+                  <a:txBody>
+                    <a:bodyPr/>
+                    <a:lstStyle/>
+                    <a:p>
+                      <a:endParaRPr kumimoji="1" lang="ja-JP" altLang="en-US" sz="1000">
+                        <a:latin typeface="+mn-lt"/>
+                      </a:endParaRPr>
+                    </a:p>
+                  </a:txBody>
+                  <a:tcPr/>
+                </a:tc>
+                <a:tc>
+                  <a:txBody>
+                    <a:bodyPr/>
+                    <a:lstStyle/>
+                    <a:p>
+                      <a:r>
+                        <a:rPr kumimoji="1" lang="en-US" altLang="ja-JP" sz="1000">
+                          <a:latin typeface="+mn-lt"/>
+                        </a:rPr>
+                        <a:t>Search</a:t>
+                      </a:r>
+                      <a:r>
+                        <a:rPr kumimoji="1" lang="en-US" altLang="ja-JP" sz="1000" baseline="0">
+                          <a:latin typeface="+mn-lt"/>
+                        </a:rPr>
+                        <a:t> all user</a:t>
+                      </a:r>
+                      <a:endParaRPr kumimoji="1" lang="ja-JP" altLang="en-US" sz="1000">
+                        <a:latin typeface="+mn-lt"/>
+                      </a:endParaRPr>
+                    </a:p>
+                  </a:txBody>
+                  <a:tcPr/>
+                </a:tc>
+                <a:tc>
+                  <a:txBody>
+                    <a:bodyPr/>
+                    <a:lstStyle/>
+                    <a:p>
+                      <a:r>
+                        <a:rPr kumimoji="1" lang="vi-VN" altLang="ja-JP" sz="1000">
+                          <a:latin typeface="Calibri"/>
+                          <a:cs typeface="Calibri"/>
+                        </a:rPr>
+                        <a:t>S-5-2</a:t>
+                      </a:r>
+                      <a:endParaRPr kumimoji="1" lang="ja-JP" altLang="en-US" sz="1000">
+                        <a:latin typeface="Calibri"/>
+                        <a:cs typeface="Calibri"/>
+                      </a:endParaRPr>
+                    </a:p>
+                  </a:txBody>
+                  <a:tcPr/>
+                </a:tc>
+              </a:tr>
+              <a:tr h="327082">
+                <a:tc>
+                  <a:txBody>
+                    <a:bodyPr/>
+                    <a:lstStyle/>
+                    <a:p>
+                      <a:r>
+                        <a:rPr kumimoji="1" lang="en-US" altLang="ja-JP" sz="1000">
+                          <a:latin typeface="+mn-lt"/>
+                        </a:rPr>
+                        <a:t>4</a:t>
+                      </a:r>
+                      <a:endParaRPr kumimoji="1" lang="ja-JP" altLang="en-US" sz="1000">
+                        <a:latin typeface="+mn-lt"/>
+                      </a:endParaRPr>
+                    </a:p>
+                  </a:txBody>
+                  <a:tcPr/>
+                </a:tc>
+                <a:tc>
+                  <a:txBody>
+                    <a:bodyPr/>
+                    <a:lstStyle/>
+                    <a:p>
+                      <a:r>
+                        <a:rPr kumimoji="1" lang="en-US" altLang="ja-JP" sz="1000">
+                          <a:latin typeface="+mn-lt"/>
+                        </a:rPr>
+                        <a:t>Message</a:t>
+                      </a:r>
+                      <a:endParaRPr kumimoji="1" lang="ja-JP" altLang="en-US" sz="1000">
+                        <a:latin typeface="+mn-lt"/>
+                      </a:endParaRPr>
+                    </a:p>
+                  </a:txBody>
+                  <a:tcPr/>
+                </a:tc>
+                <a:tc>
+                  <a:txBody>
+                    <a:bodyPr/>
+                    <a:lstStyle/>
+                    <a:p>
+                      <a:endParaRPr kumimoji="1" lang="ja-JP" altLang="en-US" sz="1000">
+                        <a:latin typeface="+mn-lt"/>
+                      </a:endParaRPr>
+                    </a:p>
+                  </a:txBody>
+                  <a:tcPr/>
+                </a:tc>
+                <a:tc>
+                  <a:txBody>
+                    <a:bodyPr/>
+                    <a:lstStyle/>
+                    <a:p>
+                      <a:endParaRPr kumimoji="1" lang="ja-JP" altLang="en-US" sz="1000">
+                        <a:latin typeface="+mn-lt"/>
+                      </a:endParaRPr>
+                    </a:p>
+                  </a:txBody>
+                  <a:tcPr/>
+                </a:tc>
+                <a:tc>
+                  <a:txBody>
+                    <a:bodyPr/>
+                    <a:lstStyle/>
+                    <a:p>
+                      <a:endParaRPr kumimoji="1" lang="ja-JP" altLang="en-US" sz="1000">
+                        <a:latin typeface="Calibri"/>
+                        <a:cs typeface="Calibri"/>
+                      </a:endParaRPr>
+                    </a:p>
+                  </a:txBody>
+                  <a:tcPr/>
+                </a:tc>
+              </a:tr>
+              <a:tr h="327082">
+                <a:tc>
+                  <a:txBody>
+                    <a:bodyPr/>
+                    <a:lstStyle/>
+                    <a:p>
+                      <a:r>
+                        <a:rPr kumimoji="1" lang="en-US" altLang="ja-JP" sz="1000">
+                          <a:latin typeface="+mn-lt"/>
+                        </a:rPr>
+                        <a:t>5</a:t>
+                      </a:r>
+                      <a:endParaRPr kumimoji="1" lang="ja-JP" altLang="en-US" sz="1000">
+                        <a:latin typeface="+mn-lt"/>
+                      </a:endParaRPr>
+                    </a:p>
+                  </a:txBody>
+                  <a:tcPr/>
+                </a:tc>
+                <a:tc>
+                  <a:txBody>
+                    <a:bodyPr/>
+                    <a:lstStyle/>
+                    <a:p>
+                      <a:r>
+                        <a:rPr kumimoji="1" lang="en-US" altLang="ja-JP" sz="1000">
+                          <a:latin typeface="+mn-lt"/>
+                        </a:rPr>
+                        <a:t>Thumbnail Image</a:t>
+                      </a:r>
+                      <a:endParaRPr kumimoji="1" lang="ja-JP" altLang="en-US" sz="1000">
+                        <a:latin typeface="+mn-lt"/>
+                      </a:endParaRPr>
+                    </a:p>
+                  </a:txBody>
+                  <a:tcPr/>
+                </a:tc>
+                <a:tc>
+                  <a:txBody>
+                    <a:bodyPr/>
+                    <a:lstStyle/>
+                    <a:p>
+                      <a:endParaRPr kumimoji="1" lang="ja-JP" altLang="en-US" sz="1000">
+                        <a:latin typeface="+mn-lt"/>
+                      </a:endParaRPr>
+                    </a:p>
+                  </a:txBody>
+                  <a:tcPr/>
+                </a:tc>
+                <a:tc>
+                  <a:txBody>
+                    <a:bodyPr/>
+                    <a:lstStyle/>
+                    <a:p>
+                      <a:pPr marL="0" marR="0" indent="0" algn="l" defTabSz="457200" rtl="0" eaLnBrk="1" fontAlgn="auto" latinLnBrk="0" hangingPunct="1">
+                        <a:lnSpc>
+                          <a:spcPct val="100000"/>
+                        </a:lnSpc>
+                        <a:spcBef>
+                          <a:spcPts val="0"/>
+                        </a:spcBef>
+                        <a:spcAft>
+                          <a:spcPts val="0"/>
+                        </a:spcAft>
+                        <a:buClrTx/>
+                        <a:buSzTx/>
+                        <a:buFontTx/>
+                        <a:buNone/>
+                        <a:tabLst/>
+                        <a:defRPr/>
+                      </a:pPr>
+                      <a:r>
+                        <a:rPr kumimoji="1" lang="en-US" altLang="ja-JP" sz="1000">
+                          <a:latin typeface="+mn-lt"/>
+                        </a:rPr>
+                        <a:t>Click =&gt; go to detail post</a:t>
+                      </a:r>
+                      <a:endParaRPr kumimoji="1" lang="ja-JP" altLang="en-US" sz="1000">
+                        <a:latin typeface="+mn-lt"/>
+                      </a:endParaRPr>
+                    </a:p>
+                  </a:txBody>
+                  <a:tcPr/>
+                </a:tc>
+                <a:tc>
+                  <a:txBody>
+                    <a:bodyPr/>
+                    <a:lstStyle/>
+                    <a:p>
+                      <a:r>
+                        <a:rPr kumimoji="1" lang="vi-VN" altLang="ja-JP" sz="1000">
+                          <a:latin typeface="Calibri"/>
+                          <a:cs typeface="Calibri"/>
+                        </a:rPr>
+                        <a:t>S-3-2</a:t>
+                      </a:r>
+                      <a:endParaRPr kumimoji="1" lang="ja-JP" altLang="en-US" sz="1000">
+                        <a:latin typeface="Calibri"/>
+                        <a:cs typeface="Calibri"/>
+                      </a:endParaRPr>
+                    </a:p>
+                  </a:txBody>
+                  <a:tcPr/>
+                </a:tc>
+              </a:tr>
+              <a:tr h="327082">
+                <a:tc>
+                  <a:txBody>
+                    <a:bodyPr/>
+                    <a:lstStyle/>
+                    <a:p>
+                      <a:r>
+                        <a:rPr kumimoji="1" lang="en-US" altLang="ja-JP" sz="1000">
+                          <a:latin typeface="+mn-lt"/>
+                        </a:rPr>
+                        <a:t>6</a:t>
+                      </a:r>
+                      <a:endParaRPr kumimoji="1" lang="ja-JP" altLang="en-US" sz="1000">
+                        <a:latin typeface="+mn-lt"/>
+                      </a:endParaRPr>
+                    </a:p>
+                  </a:txBody>
+                  <a:tcPr/>
+                </a:tc>
+                <a:tc>
+                  <a:txBody>
+                    <a:bodyPr/>
+                    <a:lstStyle/>
+                    <a:p>
+                      <a:r>
+                        <a:rPr kumimoji="1" lang="en-US" altLang="ja-JP" sz="1000">
+                          <a:latin typeface="+mn-lt"/>
+                        </a:rPr>
+                        <a:t>Title Post</a:t>
+                      </a:r>
+                      <a:endParaRPr kumimoji="1" lang="ja-JP" altLang="en-US" sz="1000">
+                        <a:latin typeface="+mn-lt"/>
+                      </a:endParaRPr>
+                    </a:p>
+                  </a:txBody>
+                  <a:tcPr/>
+                </a:tc>
+                <a:tc>
+                  <a:txBody>
+                    <a:bodyPr/>
+                    <a:lstStyle/>
+                    <a:p>
+                      <a:endParaRPr kumimoji="1" lang="ja-JP" altLang="en-US" sz="1000">
+                        <a:latin typeface="+mn-lt"/>
+                      </a:endParaRPr>
+                    </a:p>
+                  </a:txBody>
+                  <a:tcPr/>
+                </a:tc>
+                <a:tc>
+                  <a:txBody>
+                    <a:bodyPr/>
+                    <a:lstStyle/>
+                    <a:p>
+                      <a:r>
+                        <a:rPr kumimoji="1" lang="en-US" altLang="ja-JP" sz="1000">
+                          <a:latin typeface="+mn-lt"/>
+                        </a:rPr>
+                        <a:t>Click =&gt; go to detail post</a:t>
+                      </a:r>
+                      <a:endParaRPr kumimoji="1" lang="ja-JP" altLang="en-US" sz="1000">
+                        <a:latin typeface="+mn-lt"/>
+                      </a:endParaRPr>
+                    </a:p>
+                  </a:txBody>
+                  <a:tcPr/>
+                </a:tc>
+                <a:tc>
+                  <a:txBody>
+                    <a:bodyPr/>
+                    <a:lstStyle/>
+                    <a:p>
+                      <a:r>
+                        <a:rPr kumimoji="1" lang="en-US" altLang="ja-JP" sz="1000">
+                          <a:latin typeface="Calibri"/>
+                          <a:cs typeface="Calibri"/>
+                        </a:rPr>
+                        <a:t>S-3-2</a:t>
+                      </a:r>
+                      <a:endParaRPr kumimoji="1" lang="ja-JP" altLang="en-US" sz="1000">
+                        <a:latin typeface="Calibri"/>
+                        <a:cs typeface="Calibri"/>
+                      </a:endParaRPr>
+                    </a:p>
+                  </a:txBody>
+                  <a:tcPr/>
+                </a:tc>
+              </a:tr>
+              <a:tr h="327082">
+                <a:tc>
+                  <a:txBody>
+                    <a:bodyPr/>
+                    <a:lstStyle/>
+                    <a:p>
+                      <a:r>
+                        <a:rPr kumimoji="1" lang="en-US" altLang="ja-JP" sz="1000">
+                          <a:latin typeface="+mn-lt"/>
+                        </a:rPr>
+                        <a:t>7</a:t>
+                      </a:r>
+                      <a:endParaRPr kumimoji="1" lang="ja-JP" altLang="en-US" sz="1000">
+                        <a:latin typeface="+mn-lt"/>
+                      </a:endParaRPr>
+                    </a:p>
+                  </a:txBody>
+                  <a:tcPr/>
+                </a:tc>
+                <a:tc>
+                  <a:txBody>
+                    <a:bodyPr/>
+                    <a:lstStyle/>
+                    <a:p>
+                      <a:r>
+                        <a:rPr kumimoji="1" lang="en-US" altLang="ja-JP" sz="1000">
+                          <a:latin typeface="+mn-lt"/>
+                        </a:rPr>
+                        <a:t>Date Post</a:t>
+                      </a:r>
+                      <a:endParaRPr kumimoji="1" lang="ja-JP" altLang="en-US" sz="1000">
+                        <a:latin typeface="+mn-lt"/>
+                      </a:endParaRPr>
+                    </a:p>
+                  </a:txBody>
+                  <a:tcPr/>
+                </a:tc>
+                <a:tc>
+                  <a:txBody>
+                    <a:bodyPr/>
+                    <a:lstStyle/>
+                    <a:p>
+                      <a:endParaRPr kumimoji="1" lang="ja-JP" altLang="en-US" sz="1000">
+                        <a:latin typeface="+mn-lt"/>
+                      </a:endParaRPr>
+                    </a:p>
+                  </a:txBody>
+                  <a:tcPr/>
+                </a:tc>
+                <a:tc>
+                  <a:txBody>
+                    <a:bodyPr/>
+                    <a:lstStyle/>
+                    <a:p>
+                      <a:endParaRPr kumimoji="1" lang="ja-JP" altLang="en-US" sz="1000">
+                        <a:latin typeface="+mn-lt"/>
+                      </a:endParaRPr>
+                    </a:p>
+                  </a:txBody>
+                  <a:tcPr/>
+                </a:tc>
+                <a:tc>
+                  <a:txBody>
+                    <a:bodyPr/>
+                    <a:lstStyle/>
+                    <a:p>
+                      <a:endParaRPr kumimoji="1" lang="ja-JP" altLang="en-US" sz="1000">
+                        <a:latin typeface="+mn-lt"/>
+                      </a:endParaRPr>
+                    </a:p>
+                  </a:txBody>
+                  <a:tcPr/>
+                </a:tc>
+              </a:tr>
+              <a:tr h="327082">
+                <a:tc>
+                  <a:txBody>
+                    <a:bodyPr/>
+                    <a:lstStyle/>
+                    <a:p>
+                      <a:r>
+                        <a:rPr kumimoji="1" lang="en-US" altLang="ja-JP" sz="1000">
+                          <a:latin typeface="+mn-lt"/>
+                        </a:rPr>
+                        <a:t>8</a:t>
+                      </a:r>
+                      <a:endParaRPr kumimoji="1" lang="ja-JP" altLang="en-US" sz="1000">
+                        <a:latin typeface="+mn-lt"/>
+                      </a:endParaRPr>
+                    </a:p>
+                  </a:txBody>
+                  <a:tcPr/>
+                </a:tc>
+                <a:tc>
+                  <a:txBody>
+                    <a:bodyPr/>
+                    <a:lstStyle/>
+                    <a:p>
+                      <a:r>
+                        <a:rPr kumimoji="1" lang="en-US" altLang="ja-JP" sz="1000">
+                          <a:latin typeface="+mn-lt"/>
+                        </a:rPr>
+                        <a:t>Description Post</a:t>
+                      </a:r>
+                      <a:endParaRPr kumimoji="1" lang="ja-JP" altLang="en-US" sz="1000">
+                        <a:latin typeface="+mn-lt"/>
+                      </a:endParaRPr>
+                    </a:p>
+                  </a:txBody>
+                  <a:tcPr/>
+                </a:tc>
+                <a:tc>
+                  <a:txBody>
+                    <a:bodyPr/>
+                    <a:lstStyle/>
+                    <a:p>
+                      <a:endParaRPr kumimoji="1" lang="ja-JP" altLang="en-US" sz="1000">
+                        <a:latin typeface="+mn-lt"/>
+                      </a:endParaRPr>
+                    </a:p>
+                  </a:txBody>
+                  <a:tcPr/>
+                </a:tc>
+                <a:tc>
+                  <a:txBody>
+                    <a:bodyPr/>
+                    <a:lstStyle/>
+                    <a:p>
+                      <a:pPr marL="0" marR="0" indent="0" algn="l" defTabSz="457200" rtl="0" eaLnBrk="1" fontAlgn="auto" latinLnBrk="0" hangingPunct="1">
+                        <a:lnSpc>
+                          <a:spcPct val="100000"/>
+                        </a:lnSpc>
+                        <a:spcBef>
+                          <a:spcPts val="0"/>
+                        </a:spcBef>
+                        <a:spcAft>
+                          <a:spcPts val="0"/>
+                        </a:spcAft>
+                        <a:buClrTx/>
+                        <a:buSzTx/>
+                        <a:buFontTx/>
+                        <a:buNone/>
+                        <a:tabLst/>
+                        <a:defRPr/>
+                      </a:pPr>
+                      <a:r>
+                        <a:rPr kumimoji="1" lang="en-GB" altLang="ja-JP" sz="1000" dirty="0" smtClean="0">
+                          <a:latin typeface="Calibri" panose="020F0502020204030204" pitchFamily="34" charset="0"/>
+                        </a:rPr>
+                        <a:t>Limit 50 words.</a:t>
+                      </a:r>
+                      <a:endParaRPr kumimoji="1" lang="ja-JP" altLang="en-US" sz="1000" dirty="0">
+                        <a:latin typeface="Calibri" panose="020F0502020204030204" pitchFamily="34" charset="0"/>
+                      </a:endParaRPr>
+                    </a:p>
+                  </a:txBody>
+                  <a:tcPr/>
+                </a:tc>
+                <a:tc>
+                  <a:txBody>
+                    <a:bodyPr/>
+                    <a:lstStyle/>
+                    <a:p>
+                      <a:endParaRPr kumimoji="1" lang="ja-JP" altLang="en-US" sz="1000">
+                        <a:latin typeface="+mn-lt"/>
+                      </a:endParaRPr>
+                    </a:p>
+                  </a:txBody>
+                  <a:tcPr/>
+                </a:tc>
+              </a:tr>
+              <a:tr h="327082">
+                <a:tc>
+                  <a:txBody>
+                    <a:bodyPr/>
+                    <a:lstStyle/>
+                    <a:p>
+                      <a:r>
+                        <a:rPr kumimoji="1" lang="en-US" altLang="ja-JP" sz="1000">
+                          <a:latin typeface="+mn-lt"/>
+                        </a:rPr>
+                        <a:t>9</a:t>
+                      </a:r>
+                      <a:endParaRPr kumimoji="1" lang="ja-JP" altLang="en-US" sz="1000">
+                        <a:latin typeface="+mn-lt"/>
+                      </a:endParaRPr>
+                    </a:p>
+                  </a:txBody>
+                  <a:tcPr/>
+                </a:tc>
+                <a:tc>
+                  <a:txBody>
+                    <a:bodyPr/>
+                    <a:lstStyle/>
+                    <a:p>
+                      <a:r>
+                        <a:rPr kumimoji="1" lang="en-US" altLang="ja-JP" sz="1000">
+                          <a:latin typeface="+mn-lt"/>
+                        </a:rPr>
+                        <a:t>Pagination</a:t>
+                      </a:r>
+                      <a:endParaRPr kumimoji="1" lang="ja-JP" altLang="en-US" sz="1000">
+                        <a:latin typeface="+mn-lt"/>
+                      </a:endParaRPr>
+                    </a:p>
+                  </a:txBody>
+                  <a:tcPr/>
+                </a:tc>
+                <a:tc>
+                  <a:txBody>
+                    <a:bodyPr/>
+                    <a:lstStyle/>
+                    <a:p>
+                      <a:endParaRPr kumimoji="1" lang="ja-JP" altLang="en-US" sz="1000">
+                        <a:latin typeface="+mn-lt"/>
+                      </a:endParaRPr>
+                    </a:p>
+                  </a:txBody>
+                  <a:tcPr/>
+                </a:tc>
+                <a:tc>
+                  <a:txBody>
+                    <a:bodyPr/>
+                    <a:lstStyle/>
+                    <a:p>
+                      <a:endParaRPr kumimoji="1" lang="ja-JP" altLang="en-US" sz="1000">
+                        <a:latin typeface="+mn-lt"/>
+                      </a:endParaRPr>
+                    </a:p>
+                  </a:txBody>
+                  <a:tcPr/>
+                </a:tc>
+                <a:tc>
+                  <a:txBody>
+                    <a:bodyPr/>
+                    <a:lstStyle/>
+                    <a:p>
+                      <a:endParaRPr kumimoji="1" lang="ja-JP" altLang="en-US" sz="1000">
+                        <a:latin typeface="+mn-lt"/>
+                      </a:endParaRPr>
+                    </a:p>
+                  </a:txBody>
+                  <a:tcPr/>
+                </a:tc>
+              </a:tr>
+              <a:tr h="327082">
+                <a:tc>
+                  <a:txBody>
+                    <a:bodyPr/>
+                    <a:lstStyle/>
+                    <a:p>
+                      <a:r>
+                        <a:rPr kumimoji="1" lang="en-US" altLang="ja-JP" sz="1000">
+                          <a:latin typeface="+mn-lt"/>
+                        </a:rPr>
+                        <a:t>10</a:t>
+                      </a:r>
+                      <a:endParaRPr kumimoji="1" lang="ja-JP" altLang="en-US" sz="1000">
+                        <a:latin typeface="+mn-lt"/>
+                      </a:endParaRPr>
+                    </a:p>
+                  </a:txBody>
+                  <a:tcPr/>
+                </a:tc>
+                <a:tc>
+                  <a:txBody>
+                    <a:bodyPr/>
+                    <a:lstStyle/>
+                    <a:p>
+                      <a:r>
+                        <a:rPr kumimoji="1" lang="en-US" altLang="ja-JP" sz="1000">
+                          <a:latin typeface="+mn-lt"/>
+                        </a:rPr>
+                        <a:t>Breadcrumbs</a:t>
+                      </a:r>
+                      <a:endParaRPr kumimoji="1" lang="ja-JP" altLang="en-US" sz="1000">
+                        <a:latin typeface="+mn-lt"/>
+                      </a:endParaRPr>
+                    </a:p>
+                  </a:txBody>
+                  <a:tcPr/>
+                </a:tc>
+                <a:tc>
+                  <a:txBody>
+                    <a:bodyPr/>
+                    <a:lstStyle/>
+                    <a:p>
+                      <a:endParaRPr kumimoji="1" lang="ja-JP" altLang="en-US" sz="1000">
+                        <a:latin typeface="+mn-lt"/>
+                      </a:endParaRPr>
+                    </a:p>
+                  </a:txBody>
+                  <a:tcPr/>
+                </a:tc>
+                <a:tc>
+                  <a:txBody>
+                    <a:bodyPr/>
+                    <a:lstStyle/>
+                    <a:p>
+                      <a:endParaRPr kumimoji="1" lang="ja-JP" altLang="en-US" sz="1000">
+                        <a:latin typeface="+mn-lt"/>
+                      </a:endParaRPr>
+                    </a:p>
+                  </a:txBody>
+                  <a:tcPr/>
+                </a:tc>
+                <a:tc>
+                  <a:txBody>
+                    <a:bodyPr/>
+                    <a:lstStyle/>
+                    <a:p>
+                      <a:endParaRPr kumimoji="1" lang="ja-JP" altLang="en-US" sz="1000">
+                        <a:latin typeface="+mn-lt"/>
+                      </a:endParaRPr>
+                    </a:p>
+                  </a:txBody>
+                  <a:tcPr/>
+                </a:tc>
+              </a:tr>
+              <a:tr h="327082">
+                <a:tc>
+                  <a:txBody>
+                    <a:bodyPr/>
+                    <a:lstStyle/>
+                    <a:p>
+                      <a:r>
+                        <a:rPr kumimoji="1" lang="en-US" altLang="ja-JP" sz="1000">
+                          <a:latin typeface="Calibri" panose="020F0502020204030204" pitchFamily="34" charset="0"/>
+                        </a:rPr>
+                        <a:t>11</a:t>
+                      </a:r>
+                      <a:endParaRPr kumimoji="1" lang="ja-JP" altLang="en-US" sz="1000">
+                        <a:latin typeface="Calibri" panose="020F0502020204030204" pitchFamily="34" charset="0"/>
+                      </a:endParaRPr>
+                    </a:p>
+                  </a:txBody>
+                  <a:tcPr/>
+                </a:tc>
+                <a:tc>
+                  <a:txBody>
+                    <a:bodyPr/>
+                    <a:lstStyle/>
+                    <a:p>
+                      <a:r>
+                        <a:rPr kumimoji="1" lang="en-US" altLang="ja-JP" sz="1000" dirty="0" smtClean="0">
+                          <a:latin typeface="Calibri" panose="020F0502020204030204" pitchFamily="34" charset="0"/>
+                        </a:rPr>
+                        <a:t>Newest</a:t>
+                      </a:r>
+                      <a:endParaRPr kumimoji="1" lang="ja-JP" altLang="en-US" sz="1000" dirty="0">
+                        <a:latin typeface="Calibri" panose="020F0502020204030204" pitchFamily="34" charset="0"/>
+                      </a:endParaRPr>
+                    </a:p>
+                  </a:txBody>
+                  <a:tcPr/>
+                </a:tc>
+                <a:tc>
+                  <a:txBody>
+                    <a:bodyPr/>
+                    <a:lstStyle/>
+                    <a:p>
+                      <a:endParaRPr kumimoji="1" lang="ja-JP" altLang="en-US" sz="1000" dirty="0">
+                        <a:latin typeface="Calibri" panose="020F0502020204030204" pitchFamily="34" charset="0"/>
+                      </a:endParaRPr>
+                    </a:p>
+                  </a:txBody>
+                  <a:tcPr/>
+                </a:tc>
+                <a:tc>
+                  <a:txBody>
+                    <a:bodyPr/>
+                    <a:lstStyle/>
+                    <a:p>
+                      <a:r>
+                        <a:rPr kumimoji="1" lang="en-US" altLang="ja-JP" sz="1000" dirty="0" smtClean="0">
+                          <a:latin typeface="Calibri" panose="020F0502020204030204" pitchFamily="34" charset="0"/>
+                        </a:rPr>
+                        <a:t>Sort </a:t>
+                      </a:r>
+                      <a:r>
+                        <a:rPr kumimoji="1" lang="en-US" altLang="ja-JP" sz="1000" dirty="0">
+                          <a:latin typeface="Calibri" panose="020F0502020204030204" pitchFamily="34" charset="0"/>
+                        </a:rPr>
+                        <a:t>all </a:t>
+                      </a:r>
+                      <a:r>
+                        <a:rPr kumimoji="1" lang="en-US" altLang="ja-JP" sz="1000" dirty="0" smtClean="0">
+                          <a:latin typeface="Calibri" panose="020F0502020204030204" pitchFamily="34" charset="0"/>
+                        </a:rPr>
+                        <a:t>Post by newest post </a:t>
+                      </a:r>
+                      <a:endParaRPr kumimoji="1" lang="ja-JP" altLang="en-US" sz="1000" dirty="0">
+                        <a:latin typeface="Calibri" panose="020F0502020204030204" pitchFamily="34" charset="0"/>
+                      </a:endParaRPr>
+                    </a:p>
+                  </a:txBody>
+                  <a:tcPr/>
+                </a:tc>
+                <a:tc>
+                  <a:txBody>
+                    <a:bodyPr/>
+                    <a:lstStyle/>
+                    <a:p>
+                      <a:endParaRPr kumimoji="1" lang="ja-JP" altLang="en-US" sz="1000" dirty="0">
+                        <a:latin typeface="Calibri" panose="020F0502020204030204" pitchFamily="34" charset="0"/>
+                      </a:endParaRPr>
+                    </a:p>
+                  </a:txBody>
+                  <a:tcPr/>
+                </a:tc>
+              </a:tr>
+              <a:tr h="327082">
+                <a:tc>
+                  <a:txBody>
+                    <a:bodyPr/>
+                    <a:lstStyle/>
+                    <a:p>
+                      <a:r>
+                        <a:rPr kumimoji="1" lang="en-US" altLang="ja-JP" sz="1000">
+                          <a:latin typeface="Calibri" panose="020F0502020204030204" pitchFamily="34" charset="0"/>
+                        </a:rPr>
+                        <a:t>12</a:t>
+                      </a:r>
+                      <a:endParaRPr kumimoji="1" lang="ja-JP" altLang="en-US" sz="1000">
+                        <a:latin typeface="Calibri" panose="020F0502020204030204" pitchFamily="34" charset="0"/>
+                      </a:endParaRPr>
+                    </a:p>
+                  </a:txBody>
+                  <a:tcPr/>
+                </a:tc>
+                <a:tc>
+                  <a:txBody>
+                    <a:bodyPr/>
+                    <a:lstStyle/>
+                    <a:p>
+                      <a:pPr algn="l"/>
+                      <a:r>
+                        <a:rPr lang="en-GB" sz="1000" dirty="0" smtClean="0">
+                          <a:latin typeface="Calibri" panose="020F0502020204030204" pitchFamily="34" charset="0"/>
+                        </a:rPr>
+                        <a:t>Most comment</a:t>
+                      </a:r>
+                      <a:endParaRPr lang="en-US" sz="1000" dirty="0">
+                        <a:latin typeface="Calibri" panose="020F0502020204030204" pitchFamily="34" charset="0"/>
+                      </a:endParaRPr>
+                    </a:p>
+                  </a:txBody>
+                  <a:tcPr/>
+                </a:tc>
+                <a:tc>
+                  <a:txBody>
+                    <a:bodyPr/>
+                    <a:lstStyle/>
+                    <a:p>
+                      <a:endParaRPr kumimoji="1" lang="ja-JP" altLang="en-US" sz="1000" dirty="0">
+                        <a:latin typeface="Calibri" panose="020F0502020204030204" pitchFamily="34" charset="0"/>
+                      </a:endParaRPr>
+                    </a:p>
+                  </a:txBody>
+                  <a:tcPr/>
+                </a:tc>
+                <a:tc>
+                  <a:txBody>
+                    <a:bodyPr/>
+                    <a:lstStyle/>
+                    <a:p>
+                      <a:r>
+                        <a:rPr kumimoji="1" lang="en-US" altLang="ja-JP" sz="1000" dirty="0" smtClean="0">
+                          <a:latin typeface="Calibri" panose="020F0502020204030204" pitchFamily="34" charset="0"/>
+                        </a:rPr>
+                        <a:t>Sort all Post by the</a:t>
+                      </a:r>
+                      <a:r>
+                        <a:rPr kumimoji="1" lang="en-US" altLang="ja-JP" sz="1000" baseline="0" dirty="0" smtClean="0">
+                          <a:latin typeface="Calibri" panose="020F0502020204030204" pitchFamily="34" charset="0"/>
+                        </a:rPr>
+                        <a:t> </a:t>
+                      </a:r>
+                      <a:r>
+                        <a:rPr kumimoji="1" lang="en-US" altLang="ja-JP" sz="1000" dirty="0" smtClean="0">
+                          <a:latin typeface="Calibri" panose="020F0502020204030204" pitchFamily="34" charset="0"/>
+                        </a:rPr>
+                        <a:t>posts have most</a:t>
+                      </a:r>
+                      <a:r>
+                        <a:rPr kumimoji="1" lang="en-US" altLang="ja-JP" sz="1000" baseline="0" dirty="0" smtClean="0">
+                          <a:latin typeface="Calibri" panose="020F0502020204030204" pitchFamily="34" charset="0"/>
+                        </a:rPr>
+                        <a:t> comment.</a:t>
+                      </a:r>
+                      <a:r>
+                        <a:rPr kumimoji="1" lang="en-US" altLang="ja-JP" sz="1000" dirty="0" smtClean="0">
+                          <a:latin typeface="Calibri" panose="020F0502020204030204" pitchFamily="34" charset="0"/>
+                        </a:rPr>
+                        <a:t> </a:t>
+                      </a:r>
+                      <a:endParaRPr kumimoji="1" lang="ja-JP" altLang="en-US" sz="1000" dirty="0">
+                        <a:latin typeface="Calibri" panose="020F0502020204030204" pitchFamily="34" charset="0"/>
+                      </a:endParaRPr>
+                    </a:p>
+                  </a:txBody>
+                  <a:tcPr/>
+                </a:tc>
+                <a:tc>
+                  <a:txBody>
+                    <a:bodyPr/>
+                    <a:lstStyle/>
+                    <a:p>
+                      <a:endParaRPr kumimoji="1" lang="ja-JP" altLang="en-US" sz="1000" dirty="0">
+                        <a:latin typeface="Calibri" panose="020F0502020204030204" pitchFamily="34" charset="0"/>
+                      </a:endParaRPr>
+                    </a:p>
+                  </a:txBody>
+                  <a:tcPr/>
+                </a:tc>
+              </a:tr>
+              <a:tr h="327082">
+                <a:tc>
+                  <a:txBody>
+                    <a:bodyPr/>
+                    <a:lstStyle/>
+                    <a:p>
+                      <a:r>
+                        <a:rPr kumimoji="1" lang="en-US" altLang="ja-JP" sz="1000">
+                          <a:latin typeface="Calibri" panose="020F0502020204030204" pitchFamily="34" charset="0"/>
+                        </a:rPr>
+                        <a:t>13</a:t>
+                      </a:r>
+                      <a:endParaRPr kumimoji="1" lang="ja-JP" altLang="en-US" sz="1000">
+                        <a:latin typeface="Calibri" panose="020F0502020204030204" pitchFamily="34" charset="0"/>
+                      </a:endParaRPr>
+                    </a:p>
+                  </a:txBody>
+                  <a:tcPr/>
+                </a:tc>
+                <a:tc>
+                  <a:txBody>
+                    <a:bodyPr/>
+                    <a:lstStyle/>
+                    <a:p>
+                      <a:r>
+                        <a:rPr kumimoji="1" lang="en-US" altLang="ja-JP" sz="1000" dirty="0" smtClean="0">
+                          <a:latin typeface="Calibri" panose="020F0502020204030204" pitchFamily="34" charset="0"/>
+                        </a:rPr>
+                        <a:t>Name(A-Z)</a:t>
+                      </a:r>
+                      <a:endParaRPr kumimoji="1" lang="ja-JP" altLang="en-US" sz="1000" dirty="0">
+                        <a:latin typeface="Calibri" panose="020F0502020204030204" pitchFamily="34" charset="0"/>
+                      </a:endParaRPr>
+                    </a:p>
+                  </a:txBody>
+                  <a:tcPr/>
+                </a:tc>
+                <a:tc>
+                  <a:txBody>
+                    <a:bodyPr/>
+                    <a:lstStyle/>
+                    <a:p>
+                      <a:endParaRPr kumimoji="1" lang="ja-JP" altLang="en-US" sz="1000">
+                        <a:latin typeface="Calibri" panose="020F0502020204030204" pitchFamily="34" charset="0"/>
+                      </a:endParaRPr>
+                    </a:p>
+                  </a:txBody>
+                  <a:tcPr/>
+                </a:tc>
+                <a:tc>
+                  <a:txBody>
+                    <a:bodyPr/>
+                    <a:lstStyle/>
+                    <a:p>
+                      <a:r>
+                        <a:rPr kumimoji="1" lang="en-US" altLang="ja-JP" sz="1000" dirty="0" smtClean="0">
+                          <a:latin typeface="Calibri" panose="020F0502020204030204" pitchFamily="34" charset="0"/>
+                        </a:rPr>
+                        <a:t>Sort all Post by the</a:t>
+                      </a:r>
+                      <a:r>
+                        <a:rPr kumimoji="1" lang="en-US" altLang="ja-JP" sz="1000" baseline="0" dirty="0" smtClean="0">
+                          <a:latin typeface="Calibri" panose="020F0502020204030204" pitchFamily="34" charset="0"/>
+                        </a:rPr>
+                        <a:t> name of </a:t>
+                      </a:r>
+                      <a:r>
+                        <a:rPr kumimoji="1" lang="en-US" altLang="ja-JP" sz="1000" smtClean="0">
+                          <a:latin typeface="Calibri" panose="020F0502020204030204" pitchFamily="34" charset="0"/>
+                        </a:rPr>
+                        <a:t>posts from</a:t>
+                      </a:r>
+                      <a:r>
+                        <a:rPr kumimoji="1" lang="en-US" altLang="ja-JP" sz="1000" baseline="0" smtClean="0">
+                          <a:latin typeface="Calibri" panose="020F0502020204030204" pitchFamily="34" charset="0"/>
+                        </a:rPr>
+                        <a:t> A to Z</a:t>
+                      </a:r>
+                      <a:endParaRPr kumimoji="1" lang="ja-JP" altLang="en-US" sz="1000" dirty="0">
+                        <a:latin typeface="Calibri" panose="020F0502020204030204" pitchFamily="34" charset="0"/>
+                      </a:endParaRPr>
+                    </a:p>
+                  </a:txBody>
+                  <a:tcPr/>
+                </a:tc>
+                <a:tc>
+                  <a:txBody>
+                    <a:bodyPr/>
+                    <a:lstStyle/>
+                    <a:p>
+                      <a:endParaRPr kumimoji="1" lang="ja-JP" altLang="en-US" sz="1000" dirty="0">
+                        <a:latin typeface="Calibri" panose="020F0502020204030204" pitchFamily="34" charset="0"/>
+                      </a:endParaRPr>
+                    </a:p>
+                  </a:txBody>
+                  <a:tcPr/>
+                </a:tc>
+              </a:tr>
+              <a:tr h="327082">
+                <a:tc>
+                  <a:txBody>
+                    <a:bodyPr/>
+                    <a:lstStyle/>
+                    <a:p>
+                      <a:r>
+                        <a:rPr kumimoji="1" lang="en-GB" altLang="ja-JP" sz="1000" dirty="0" smtClean="0">
+                          <a:latin typeface="Calibri" panose="020F0502020204030204" pitchFamily="34" charset="0"/>
+                        </a:rPr>
+                        <a:t>14</a:t>
+                      </a:r>
+                      <a:endParaRPr kumimoji="1" lang="ja-JP" altLang="en-US" sz="1000" dirty="0">
+                        <a:latin typeface="Calibri" panose="020F0502020204030204" pitchFamily="34" charset="0"/>
+                      </a:endParaRPr>
+                    </a:p>
+                  </a:txBody>
+                  <a:tcPr/>
+                </a:tc>
+                <a:tc>
+                  <a:txBody>
+                    <a:bodyPr/>
+                    <a:lstStyle/>
+                    <a:p>
+                      <a:r>
+                        <a:rPr kumimoji="1" lang="en-US" altLang="ja-JP" sz="1000" dirty="0">
+                          <a:latin typeface="Calibri" panose="020F0502020204030204" pitchFamily="34" charset="0"/>
+                        </a:rPr>
+                        <a:t>Change number</a:t>
+                      </a:r>
+                      <a:endParaRPr kumimoji="1" lang="ja-JP" altLang="en-US" sz="1000" dirty="0">
+                        <a:latin typeface="Calibri" panose="020F0502020204030204" pitchFamily="34" charset="0"/>
+                      </a:endParaRPr>
+                    </a:p>
+                  </a:txBody>
+                  <a:tcPr/>
+                </a:tc>
+                <a:tc>
+                  <a:txBody>
+                    <a:bodyPr/>
+                    <a:lstStyle/>
+                    <a:p>
+                      <a:endParaRPr kumimoji="1" lang="ja-JP" altLang="en-US" sz="1000">
+                        <a:latin typeface="Calibri" panose="020F0502020204030204" pitchFamily="34" charset="0"/>
+                      </a:endParaRPr>
+                    </a:p>
+                  </a:txBody>
+                  <a:tcPr/>
+                </a:tc>
+                <a:tc>
+                  <a:txBody>
+                    <a:bodyPr/>
+                    <a:lstStyle/>
+                    <a:p>
+                      <a:r>
+                        <a:rPr kumimoji="1" lang="en-GB" altLang="ja-JP" sz="1000" dirty="0" smtClean="0">
+                          <a:latin typeface="Calibri" panose="020F0502020204030204" pitchFamily="34" charset="0"/>
+                        </a:rPr>
+                        <a:t>Number posts</a:t>
+                      </a:r>
+                      <a:r>
+                        <a:rPr kumimoji="1" lang="en-GB" altLang="ja-JP" sz="1000" baseline="0" dirty="0" smtClean="0">
+                          <a:latin typeface="Calibri" panose="020F0502020204030204" pitchFamily="34" charset="0"/>
+                        </a:rPr>
+                        <a:t> per page</a:t>
+                      </a:r>
+                      <a:endParaRPr kumimoji="1" lang="ja-JP" altLang="en-US" sz="1000" dirty="0">
+                        <a:latin typeface="Calibri" panose="020F0502020204030204" pitchFamily="34" charset="0"/>
+                      </a:endParaRPr>
+                    </a:p>
+                  </a:txBody>
+                  <a:tcPr/>
+                </a:tc>
+                <a:tc>
+                  <a:txBody>
+                    <a:bodyPr/>
+                    <a:lstStyle/>
+                    <a:p>
+                      <a:endParaRPr kumimoji="1" lang="ja-JP" altLang="en-US" sz="1000" dirty="0">
+                        <a:latin typeface="Calibri" panose="020F0502020204030204" pitchFamily="34" charset="0"/>
+                      </a:endParaRPr>
+                    </a:p>
+                  </a:txBody>
+                  <a:tcPr/>
+                </a:tc>
+              </a:tr>
+            </a:tbl>
+          </a:graphicData>
+        </a:graphic>
+      </p:graphicFrame>
+      <p:sp>
+        <p:nvSpPr>
+          <p:cNvPr id="85" name="TextBox 84"/>
+          <p:cNvSpPr txBox="1"/>
+          <p:nvPr/>
+        </p:nvSpPr>
+        <p:spPr>
+          <a:xfrm>
+            <a:off x="3039533" y="1421797"/>
+            <a:ext cx="327433" cy="246221"/>
+          </a:xfrm>
+          <a:prstGeom prst="rect">
+            <a:avLst/>
+          </a:prstGeom>
+          <a:noFill/>
+        </p:spPr>
+        <p:txBody>
+          <a:bodyPr wrap="none" rtlCol="0">
+            <a:spAutoFit/>
+          </a:bodyPr>
+          <a:lstStyle/>
+          <a:p>
+            <a:r>
+              <a:rPr kumimoji="1" lang="en-US" altLang="ja-JP" sz="1000">
+                <a:solidFill>
+                  <a:srgbClr val="FF0000"/>
+                </a:solidFill>
+              </a:rPr>
+              <a:t>(3)</a:t>
+            </a:r>
+            <a:endParaRPr kumimoji="1" lang="ja-JP" altLang="en-US" sz="1000">
+              <a:solidFill>
+                <a:srgbClr val="FF0000"/>
+              </a:solidFill>
+            </a:endParaRPr>
+          </a:p>
+        </p:txBody>
+      </p:sp>
+      <p:sp>
+        <p:nvSpPr>
+          <p:cNvPr id="5" name="TextBox 4"/>
+          <p:cNvSpPr txBox="1"/>
+          <p:nvPr/>
+        </p:nvSpPr>
+        <p:spPr>
+          <a:xfrm>
+            <a:off x="494329" y="1911562"/>
+            <a:ext cx="1786667" cy="276999"/>
+          </a:xfrm>
+          <a:prstGeom prst="rect">
+            <a:avLst/>
+          </a:prstGeom>
+          <a:noFill/>
+        </p:spPr>
+        <p:txBody>
+          <a:bodyPr wrap="none" rtlCol="0">
+            <a:spAutoFit/>
+          </a:bodyPr>
+          <a:lstStyle/>
+          <a:p>
+            <a:r>
+              <a:rPr kumimoji="1" lang="en-US" altLang="ja-JP" sz="1200"/>
+              <a:t>List all post by: </a:t>
+            </a:r>
+            <a:r>
+              <a:rPr kumimoji="1" lang="en-US" altLang="ja-JP" sz="1200">
+                <a:solidFill>
+                  <a:srgbClr val="FF0000"/>
+                </a:solidFill>
+              </a:rPr>
+              <a:t>tam pham</a:t>
+            </a:r>
+            <a:endParaRPr kumimoji="1" lang="ja-JP" altLang="en-US" sz="1200">
+              <a:solidFill>
+                <a:srgbClr val="FF0000"/>
+              </a:solidFill>
+            </a:endParaRPr>
+          </a:p>
+        </p:txBody>
+      </p:sp>
+      <p:sp>
+        <p:nvSpPr>
+          <p:cNvPr id="27" name="TextBox 26"/>
+          <p:cNvSpPr txBox="1"/>
+          <p:nvPr/>
+        </p:nvSpPr>
+        <p:spPr>
+          <a:xfrm>
+            <a:off x="3390905" y="774097"/>
+            <a:ext cx="327433" cy="246221"/>
+          </a:xfrm>
+          <a:prstGeom prst="rect">
+            <a:avLst/>
+          </a:prstGeom>
+          <a:noFill/>
+        </p:spPr>
+        <p:txBody>
+          <a:bodyPr wrap="none" rtlCol="0">
+            <a:spAutoFit/>
+          </a:bodyPr>
+          <a:lstStyle/>
+          <a:p>
+            <a:r>
+              <a:rPr kumimoji="1" lang="en-US" altLang="ja-JP" sz="1000">
+                <a:solidFill>
+                  <a:srgbClr val="FF0000"/>
+                </a:solidFill>
+              </a:rPr>
+              <a:t>(1)</a:t>
+            </a:r>
+            <a:endParaRPr kumimoji="1" lang="ja-JP" altLang="en-US" sz="1000">
+              <a:solidFill>
+                <a:srgbClr val="FF0000"/>
+              </a:solidFill>
+            </a:endParaRPr>
+          </a:p>
+        </p:txBody>
+      </p:sp>
+      <p:sp>
+        <p:nvSpPr>
+          <p:cNvPr id="28" name="TextBox 27"/>
+          <p:cNvSpPr txBox="1"/>
+          <p:nvPr/>
+        </p:nvSpPr>
+        <p:spPr>
+          <a:xfrm>
+            <a:off x="3712633" y="774097"/>
+            <a:ext cx="327433" cy="246221"/>
+          </a:xfrm>
+          <a:prstGeom prst="rect">
+            <a:avLst/>
+          </a:prstGeom>
+          <a:noFill/>
+        </p:spPr>
+        <p:txBody>
+          <a:bodyPr wrap="none" rtlCol="0">
+            <a:spAutoFit/>
+          </a:bodyPr>
+          <a:lstStyle/>
+          <a:p>
+            <a:r>
+              <a:rPr kumimoji="1" lang="en-US" altLang="ja-JP" sz="1000">
+                <a:solidFill>
+                  <a:srgbClr val="FF0000"/>
+                </a:solidFill>
+              </a:rPr>
+              <a:t>(2)</a:t>
+            </a:r>
+            <a:endParaRPr kumimoji="1" lang="ja-JP" altLang="en-US" sz="1000">
+              <a:solidFill>
+                <a:srgbClr val="FF0000"/>
+              </a:solidFill>
+            </a:endParaRPr>
+          </a:p>
+        </p:txBody>
+      </p:sp>
+      <p:sp>
+        <p:nvSpPr>
+          <p:cNvPr id="29" name="TextBox 28"/>
+          <p:cNvSpPr txBox="1"/>
+          <p:nvPr/>
+        </p:nvSpPr>
+        <p:spPr>
+          <a:xfrm>
+            <a:off x="2280996" y="1920477"/>
+            <a:ext cx="327433" cy="246221"/>
+          </a:xfrm>
+          <a:prstGeom prst="rect">
+            <a:avLst/>
+          </a:prstGeom>
+          <a:noFill/>
+        </p:spPr>
+        <p:txBody>
+          <a:bodyPr wrap="none" rtlCol="0">
+            <a:spAutoFit/>
+          </a:bodyPr>
+          <a:lstStyle/>
+          <a:p>
+            <a:r>
+              <a:rPr kumimoji="1" lang="en-US" altLang="ja-JP" sz="1000">
+                <a:solidFill>
+                  <a:srgbClr val="FF0000"/>
+                </a:solidFill>
+              </a:rPr>
+              <a:t>(4)</a:t>
+            </a:r>
+            <a:endParaRPr kumimoji="1" lang="ja-JP" altLang="en-US" sz="1000">
+              <a:solidFill>
+                <a:srgbClr val="FF0000"/>
+              </a:solidFill>
+            </a:endParaRPr>
+          </a:p>
+        </p:txBody>
+      </p:sp>
+      <p:sp>
+        <p:nvSpPr>
+          <p:cNvPr id="31" name="TextBox 30"/>
+          <p:cNvSpPr txBox="1"/>
+          <p:nvPr/>
+        </p:nvSpPr>
+        <p:spPr>
+          <a:xfrm>
+            <a:off x="294886" y="3674307"/>
+            <a:ext cx="327433" cy="246221"/>
+          </a:xfrm>
+          <a:prstGeom prst="rect">
+            <a:avLst/>
+          </a:prstGeom>
+          <a:noFill/>
+        </p:spPr>
+        <p:txBody>
+          <a:bodyPr wrap="none" rtlCol="0">
+            <a:spAutoFit/>
+          </a:bodyPr>
+          <a:lstStyle/>
+          <a:p>
+            <a:r>
+              <a:rPr kumimoji="1" lang="en-US" altLang="ja-JP" sz="1000">
+                <a:solidFill>
+                  <a:srgbClr val="FF0000"/>
+                </a:solidFill>
+              </a:rPr>
+              <a:t>(5)</a:t>
+            </a:r>
+            <a:endParaRPr kumimoji="1" lang="ja-JP" altLang="en-US" sz="1000">
+              <a:solidFill>
+                <a:srgbClr val="FF0000"/>
+              </a:solidFill>
+            </a:endParaRPr>
+          </a:p>
+        </p:txBody>
+      </p:sp>
+      <p:sp>
+        <p:nvSpPr>
+          <p:cNvPr id="32" name="TextBox 31"/>
+          <p:cNvSpPr txBox="1"/>
+          <p:nvPr/>
+        </p:nvSpPr>
+        <p:spPr>
+          <a:xfrm>
+            <a:off x="1572875" y="3411870"/>
+            <a:ext cx="327433" cy="246221"/>
+          </a:xfrm>
+          <a:prstGeom prst="rect">
+            <a:avLst/>
+          </a:prstGeom>
+          <a:noFill/>
+        </p:spPr>
+        <p:txBody>
+          <a:bodyPr wrap="none" rtlCol="0">
+            <a:spAutoFit/>
+          </a:bodyPr>
+          <a:lstStyle/>
+          <a:p>
+            <a:r>
+              <a:rPr kumimoji="1" lang="en-US" altLang="ja-JP" sz="1000">
+                <a:solidFill>
+                  <a:srgbClr val="FF0000"/>
+                </a:solidFill>
+              </a:rPr>
+              <a:t>(6)</a:t>
+            </a:r>
+            <a:endParaRPr kumimoji="1" lang="ja-JP" altLang="en-US" sz="1000">
+              <a:solidFill>
+                <a:srgbClr val="FF0000"/>
+              </a:solidFill>
+            </a:endParaRPr>
+          </a:p>
+        </p:txBody>
+      </p:sp>
+      <p:sp>
+        <p:nvSpPr>
+          <p:cNvPr id="33" name="TextBox 32"/>
+          <p:cNvSpPr txBox="1"/>
+          <p:nvPr/>
+        </p:nvSpPr>
+        <p:spPr>
+          <a:xfrm>
+            <a:off x="2361710" y="3534981"/>
+            <a:ext cx="327433" cy="246221"/>
+          </a:xfrm>
+          <a:prstGeom prst="rect">
+            <a:avLst/>
+          </a:prstGeom>
+          <a:noFill/>
+        </p:spPr>
+        <p:txBody>
+          <a:bodyPr wrap="none" rtlCol="0">
+            <a:spAutoFit/>
+          </a:bodyPr>
+          <a:lstStyle/>
+          <a:p>
+            <a:r>
+              <a:rPr kumimoji="1" lang="en-US" altLang="ja-JP" sz="1000">
+                <a:solidFill>
+                  <a:srgbClr val="FF0000"/>
+                </a:solidFill>
+              </a:rPr>
+              <a:t>(7)</a:t>
+            </a:r>
+            <a:endParaRPr kumimoji="1" lang="ja-JP" altLang="en-US" sz="1000">
+              <a:solidFill>
+                <a:srgbClr val="FF0000"/>
+              </a:solidFill>
+            </a:endParaRPr>
+          </a:p>
+        </p:txBody>
+      </p:sp>
+      <p:sp>
+        <p:nvSpPr>
+          <p:cNvPr id="34" name="TextBox 33"/>
+          <p:cNvSpPr txBox="1"/>
+          <p:nvPr/>
+        </p:nvSpPr>
+        <p:spPr>
+          <a:xfrm>
+            <a:off x="2712100" y="5117817"/>
+            <a:ext cx="327433" cy="246221"/>
+          </a:xfrm>
+          <a:prstGeom prst="rect">
+            <a:avLst/>
+          </a:prstGeom>
+          <a:noFill/>
+        </p:spPr>
+        <p:txBody>
+          <a:bodyPr wrap="none" rtlCol="0">
+            <a:spAutoFit/>
+          </a:bodyPr>
+          <a:lstStyle/>
+          <a:p>
+            <a:r>
+              <a:rPr kumimoji="1" lang="en-US" altLang="ja-JP" sz="1000">
+                <a:solidFill>
+                  <a:srgbClr val="FF0000"/>
+                </a:solidFill>
+              </a:rPr>
+              <a:t>(9)</a:t>
+            </a:r>
+            <a:endParaRPr kumimoji="1" lang="ja-JP" altLang="en-US" sz="1000">
+              <a:solidFill>
+                <a:srgbClr val="FF0000"/>
+              </a:solidFill>
+            </a:endParaRPr>
+          </a:p>
+        </p:txBody>
+      </p:sp>
+      <p:sp>
+        <p:nvSpPr>
+          <p:cNvPr id="6" name="Rectangle 5"/>
+          <p:cNvSpPr/>
+          <p:nvPr/>
+        </p:nvSpPr>
+        <p:spPr>
+          <a:xfrm>
+            <a:off x="618067" y="2889367"/>
+            <a:ext cx="557218" cy="531168"/>
+          </a:xfrm>
+          <a:prstGeom prst="rect">
+            <a:avLst/>
+          </a:prstGeom>
+          <a:ln>
+            <a:solidFill>
+              <a:schemeClr val="tx1"/>
+            </a:solidFill>
+          </a:ln>
+          <a:effectLst/>
+        </p:spPr>
+        <p:style>
+          <a:lnRef idx="1">
+            <a:schemeClr val="accent1"/>
+          </a:lnRef>
+          <a:fillRef idx="3">
+            <a:schemeClr val="accent1"/>
+          </a:fillRef>
+          <a:effectRef idx="2">
+            <a:schemeClr val="accent1"/>
+          </a:effectRef>
+          <a:fontRef idx="minor">
+            <a:schemeClr val="lt1"/>
+          </a:fontRef>
+        </p:style>
+        <p:txBody>
+          <a:bodyPr rtlCol="0" anchor="ctr"/>
+          <a:lstStyle/>
+          <a:p>
+            <a:pPr algn="ctr"/>
+            <a:r>
+              <a:rPr kumimoji="1" lang="en-US" altLang="ja-JP" sz="1000">
+                <a:solidFill>
+                  <a:schemeClr val="tx1"/>
+                </a:solidFill>
+              </a:rPr>
+              <a:t>Image</a:t>
+            </a:r>
+            <a:endParaRPr kumimoji="1" lang="ja-JP" altLang="en-US" sz="1000">
+              <a:solidFill>
+                <a:schemeClr val="tx1"/>
+              </a:solidFill>
+            </a:endParaRPr>
+          </a:p>
+        </p:txBody>
+      </p:sp>
+      <p:sp>
+        <p:nvSpPr>
+          <p:cNvPr id="10" name="TextBox 9"/>
+          <p:cNvSpPr txBox="1"/>
+          <p:nvPr/>
+        </p:nvSpPr>
+        <p:spPr>
+          <a:xfrm>
+            <a:off x="1176867" y="2804697"/>
+            <a:ext cx="505830" cy="246221"/>
+          </a:xfrm>
+          <a:prstGeom prst="rect">
+            <a:avLst/>
+          </a:prstGeom>
+          <a:noFill/>
+        </p:spPr>
+        <p:txBody>
+          <a:bodyPr wrap="none" rtlCol="0">
+            <a:spAutoFit/>
+          </a:bodyPr>
+          <a:lstStyle/>
+          <a:p>
+            <a:r>
+              <a:rPr kumimoji="1" lang="en-US" altLang="ja-JP" sz="1000"/>
+              <a:t>Blog 1</a:t>
+            </a:r>
+            <a:endParaRPr kumimoji="1" lang="ja-JP" altLang="en-US" sz="1000"/>
+          </a:p>
+        </p:txBody>
+      </p:sp>
+      <p:sp>
+        <p:nvSpPr>
+          <p:cNvPr id="11" name="TextBox 10"/>
+          <p:cNvSpPr txBox="1"/>
+          <p:nvPr/>
+        </p:nvSpPr>
+        <p:spPr>
+          <a:xfrm>
+            <a:off x="1200686" y="2936360"/>
+            <a:ext cx="1218633" cy="215444"/>
+          </a:xfrm>
+          <a:prstGeom prst="rect">
+            <a:avLst/>
+          </a:prstGeom>
+          <a:noFill/>
+        </p:spPr>
+        <p:txBody>
+          <a:bodyPr wrap="none" rtlCol="0">
+            <a:spAutoFit/>
+          </a:bodyPr>
+          <a:lstStyle/>
+          <a:p>
+            <a:r>
+              <a:rPr kumimoji="1" lang="en-US" altLang="ja-JP" sz="800" i="1">
+                <a:solidFill>
+                  <a:schemeClr val="bg1">
+                    <a:lumMod val="65000"/>
+                  </a:schemeClr>
+                </a:solidFill>
+              </a:rPr>
+              <a:t>Date: 08/12/2015 12:40</a:t>
+            </a:r>
+            <a:endParaRPr kumimoji="1" lang="ja-JP" altLang="en-US" sz="800" i="1">
+              <a:solidFill>
+                <a:schemeClr val="bg1">
+                  <a:lumMod val="65000"/>
+                </a:schemeClr>
+              </a:solidFill>
+            </a:endParaRPr>
+          </a:p>
+        </p:txBody>
+      </p:sp>
+      <p:sp>
+        <p:nvSpPr>
+          <p:cNvPr id="12" name="TextBox 11"/>
+          <p:cNvSpPr txBox="1"/>
+          <p:nvPr/>
+        </p:nvSpPr>
+        <p:spPr>
+          <a:xfrm>
+            <a:off x="1196434" y="3084068"/>
+            <a:ext cx="3445934" cy="400110"/>
+          </a:xfrm>
+          <a:prstGeom prst="rect">
+            <a:avLst/>
+          </a:prstGeom>
+          <a:noFill/>
+        </p:spPr>
+        <p:txBody>
+          <a:bodyPr wrap="square" rtlCol="0">
+            <a:spAutoFit/>
+          </a:bodyPr>
+          <a:lstStyle/>
+          <a:p>
+            <a:r>
+              <a:rPr kumimoji="1" lang="en-US" altLang="ja-JP" sz="1000"/>
+              <a:t>Lorem Ipsum is simply dummy text of the printing and typesetting industry. Lorem Ipsum has been the</a:t>
+            </a:r>
+            <a:endParaRPr kumimoji="1" lang="ja-JP" altLang="en-US" sz="1000"/>
+          </a:p>
+        </p:txBody>
+      </p:sp>
+      <p:sp>
+        <p:nvSpPr>
+          <p:cNvPr id="38" name="TextBox 37"/>
+          <p:cNvSpPr txBox="1"/>
+          <p:nvPr/>
+        </p:nvSpPr>
+        <p:spPr>
+          <a:xfrm>
+            <a:off x="3876349" y="3920528"/>
+            <a:ext cx="327433" cy="246221"/>
+          </a:xfrm>
+          <a:prstGeom prst="rect">
+            <a:avLst/>
+          </a:prstGeom>
+          <a:noFill/>
+        </p:spPr>
+        <p:txBody>
+          <a:bodyPr wrap="none" rtlCol="0">
+            <a:spAutoFit/>
+          </a:bodyPr>
+          <a:lstStyle/>
+          <a:p>
+            <a:r>
+              <a:rPr kumimoji="1" lang="en-US" altLang="ja-JP" sz="1000">
+                <a:solidFill>
+                  <a:srgbClr val="FF0000"/>
+                </a:solidFill>
+              </a:rPr>
+              <a:t>(8)</a:t>
+            </a:r>
+            <a:endParaRPr kumimoji="1" lang="ja-JP" altLang="en-US" sz="1000">
+              <a:solidFill>
+                <a:srgbClr val="FF0000"/>
+              </a:solidFill>
+            </a:endParaRPr>
+          </a:p>
+        </p:txBody>
+      </p:sp>
+      <p:sp>
+        <p:nvSpPr>
+          <p:cNvPr id="39" name="Rectangle 38"/>
+          <p:cNvSpPr/>
+          <p:nvPr/>
+        </p:nvSpPr>
+        <p:spPr>
+          <a:xfrm>
+            <a:off x="622319" y="3534981"/>
+            <a:ext cx="557218" cy="531168"/>
+          </a:xfrm>
+          <a:prstGeom prst="rect">
+            <a:avLst/>
+          </a:prstGeom>
+          <a:ln>
+            <a:solidFill>
+              <a:schemeClr val="tx1"/>
+            </a:solidFill>
+          </a:ln>
+          <a:effectLst/>
+        </p:spPr>
+        <p:style>
+          <a:lnRef idx="1">
+            <a:schemeClr val="accent1"/>
+          </a:lnRef>
+          <a:fillRef idx="3">
+            <a:schemeClr val="accent1"/>
+          </a:fillRef>
+          <a:effectRef idx="2">
+            <a:schemeClr val="accent1"/>
+          </a:effectRef>
+          <a:fontRef idx="minor">
+            <a:schemeClr val="lt1"/>
+          </a:fontRef>
+        </p:style>
+        <p:txBody>
+          <a:bodyPr rtlCol="0" anchor="ctr"/>
+          <a:lstStyle/>
+          <a:p>
+            <a:pPr algn="ctr"/>
+            <a:r>
+              <a:rPr kumimoji="1" lang="en-US" altLang="ja-JP" sz="1000">
+                <a:solidFill>
+                  <a:schemeClr val="tx1"/>
+                </a:solidFill>
+              </a:rPr>
+              <a:t>Image</a:t>
+            </a:r>
+            <a:endParaRPr kumimoji="1" lang="ja-JP" altLang="en-US" sz="1000">
+              <a:solidFill>
+                <a:schemeClr val="tx1"/>
+              </a:solidFill>
+            </a:endParaRPr>
+          </a:p>
+        </p:txBody>
+      </p:sp>
+      <p:sp>
+        <p:nvSpPr>
+          <p:cNvPr id="40" name="TextBox 39"/>
+          <p:cNvSpPr txBox="1"/>
+          <p:nvPr/>
+        </p:nvSpPr>
+        <p:spPr>
+          <a:xfrm>
+            <a:off x="1181119" y="3450311"/>
+            <a:ext cx="505830" cy="246221"/>
+          </a:xfrm>
+          <a:prstGeom prst="rect">
+            <a:avLst/>
+          </a:prstGeom>
+          <a:noFill/>
+        </p:spPr>
+        <p:txBody>
+          <a:bodyPr wrap="none" rtlCol="0">
+            <a:spAutoFit/>
+          </a:bodyPr>
+          <a:lstStyle/>
+          <a:p>
+            <a:r>
+              <a:rPr kumimoji="1" lang="en-US" altLang="ja-JP" sz="1000"/>
+              <a:t>Blog 1</a:t>
+            </a:r>
+            <a:endParaRPr kumimoji="1" lang="ja-JP" altLang="en-US" sz="1000"/>
+          </a:p>
+        </p:txBody>
+      </p:sp>
+      <p:sp>
+        <p:nvSpPr>
+          <p:cNvPr id="41" name="TextBox 40"/>
+          <p:cNvSpPr txBox="1"/>
+          <p:nvPr/>
+        </p:nvSpPr>
+        <p:spPr>
+          <a:xfrm>
+            <a:off x="1204938" y="3581974"/>
+            <a:ext cx="1218633" cy="215444"/>
+          </a:xfrm>
+          <a:prstGeom prst="rect">
+            <a:avLst/>
+          </a:prstGeom>
+          <a:noFill/>
+        </p:spPr>
+        <p:txBody>
+          <a:bodyPr wrap="none" rtlCol="0">
+            <a:spAutoFit/>
+          </a:bodyPr>
+          <a:lstStyle/>
+          <a:p>
+            <a:r>
+              <a:rPr kumimoji="1" lang="en-US" altLang="ja-JP" sz="800" i="1">
+                <a:solidFill>
+                  <a:schemeClr val="bg1">
+                    <a:lumMod val="65000"/>
+                  </a:schemeClr>
+                </a:solidFill>
+              </a:rPr>
+              <a:t>Date: 08/12/2015 12:40</a:t>
+            </a:r>
+            <a:endParaRPr kumimoji="1" lang="ja-JP" altLang="en-US" sz="800" i="1">
+              <a:solidFill>
+                <a:schemeClr val="bg1">
+                  <a:lumMod val="65000"/>
+                </a:schemeClr>
+              </a:solidFill>
+            </a:endParaRPr>
+          </a:p>
+        </p:txBody>
+      </p:sp>
+      <p:sp>
+        <p:nvSpPr>
+          <p:cNvPr id="42" name="TextBox 41"/>
+          <p:cNvSpPr txBox="1"/>
+          <p:nvPr/>
+        </p:nvSpPr>
+        <p:spPr>
+          <a:xfrm>
+            <a:off x="1200686" y="3729682"/>
+            <a:ext cx="3445934" cy="400110"/>
+          </a:xfrm>
+          <a:prstGeom prst="rect">
+            <a:avLst/>
+          </a:prstGeom>
+          <a:noFill/>
+        </p:spPr>
+        <p:txBody>
+          <a:bodyPr wrap="square" rtlCol="0">
+            <a:spAutoFit/>
+          </a:bodyPr>
+          <a:lstStyle/>
+          <a:p>
+            <a:r>
+              <a:rPr kumimoji="1" lang="en-US" altLang="ja-JP" sz="1000"/>
+              <a:t>Lorem Ipsum is simply dummy text of the printing and typesetting industry. Lorem Ipsum has been the</a:t>
+            </a:r>
+            <a:endParaRPr kumimoji="1" lang="ja-JP" altLang="en-US" sz="1000"/>
+          </a:p>
+        </p:txBody>
+      </p:sp>
+      <p:sp>
+        <p:nvSpPr>
+          <p:cNvPr id="43" name="Rectangle 42"/>
+          <p:cNvSpPr/>
+          <p:nvPr/>
+        </p:nvSpPr>
+        <p:spPr>
+          <a:xfrm>
+            <a:off x="613815" y="4294805"/>
+            <a:ext cx="557218" cy="531168"/>
+          </a:xfrm>
+          <a:prstGeom prst="rect">
+            <a:avLst/>
+          </a:prstGeom>
+          <a:ln>
+            <a:solidFill>
+              <a:schemeClr val="tx1"/>
+            </a:solidFill>
+          </a:ln>
+          <a:effectLst/>
+        </p:spPr>
+        <p:style>
+          <a:lnRef idx="1">
+            <a:schemeClr val="accent1"/>
+          </a:lnRef>
+          <a:fillRef idx="3">
+            <a:schemeClr val="accent1"/>
+          </a:fillRef>
+          <a:effectRef idx="2">
+            <a:schemeClr val="accent1"/>
+          </a:effectRef>
+          <a:fontRef idx="minor">
+            <a:schemeClr val="lt1"/>
+          </a:fontRef>
+        </p:style>
+        <p:txBody>
+          <a:bodyPr rtlCol="0" anchor="ctr"/>
+          <a:lstStyle/>
+          <a:p>
+            <a:pPr algn="ctr"/>
+            <a:r>
+              <a:rPr kumimoji="1" lang="en-US" altLang="ja-JP" sz="1000">
+                <a:solidFill>
+                  <a:schemeClr val="tx1"/>
+                </a:solidFill>
+              </a:rPr>
+              <a:t>Image</a:t>
+            </a:r>
+            <a:endParaRPr kumimoji="1" lang="ja-JP" altLang="en-US" sz="1000">
+              <a:solidFill>
+                <a:schemeClr val="tx1"/>
+              </a:solidFill>
+            </a:endParaRPr>
+          </a:p>
+        </p:txBody>
+      </p:sp>
+      <p:sp>
+        <p:nvSpPr>
+          <p:cNvPr id="44" name="TextBox 43"/>
+          <p:cNvSpPr txBox="1"/>
+          <p:nvPr/>
+        </p:nvSpPr>
+        <p:spPr>
+          <a:xfrm>
+            <a:off x="1172615" y="4210135"/>
+            <a:ext cx="505830" cy="246221"/>
+          </a:xfrm>
+          <a:prstGeom prst="rect">
+            <a:avLst/>
+          </a:prstGeom>
+          <a:noFill/>
+        </p:spPr>
+        <p:txBody>
+          <a:bodyPr wrap="none" rtlCol="0">
+            <a:spAutoFit/>
+          </a:bodyPr>
+          <a:lstStyle/>
+          <a:p>
+            <a:r>
+              <a:rPr kumimoji="1" lang="en-US" altLang="ja-JP" sz="1000"/>
+              <a:t>Blog 1</a:t>
+            </a:r>
+            <a:endParaRPr kumimoji="1" lang="ja-JP" altLang="en-US" sz="1000"/>
+          </a:p>
+        </p:txBody>
+      </p:sp>
+      <p:sp>
+        <p:nvSpPr>
+          <p:cNvPr id="45" name="TextBox 44"/>
+          <p:cNvSpPr txBox="1"/>
+          <p:nvPr/>
+        </p:nvSpPr>
+        <p:spPr>
+          <a:xfrm>
+            <a:off x="1196434" y="4341798"/>
+            <a:ext cx="1218633" cy="215444"/>
+          </a:xfrm>
+          <a:prstGeom prst="rect">
+            <a:avLst/>
+          </a:prstGeom>
+          <a:noFill/>
+        </p:spPr>
+        <p:txBody>
+          <a:bodyPr wrap="none" rtlCol="0">
+            <a:spAutoFit/>
+          </a:bodyPr>
+          <a:lstStyle/>
+          <a:p>
+            <a:r>
+              <a:rPr kumimoji="1" lang="en-US" altLang="ja-JP" sz="800" i="1">
+                <a:solidFill>
+                  <a:schemeClr val="bg1">
+                    <a:lumMod val="65000"/>
+                  </a:schemeClr>
+                </a:solidFill>
+              </a:rPr>
+              <a:t>Date: 08/12/2015 12:40</a:t>
+            </a:r>
+            <a:endParaRPr kumimoji="1" lang="ja-JP" altLang="en-US" sz="800" i="1">
+              <a:solidFill>
+                <a:schemeClr val="bg1">
+                  <a:lumMod val="65000"/>
+                </a:schemeClr>
+              </a:solidFill>
+            </a:endParaRPr>
+          </a:p>
+        </p:txBody>
+      </p:sp>
+      <p:sp>
+        <p:nvSpPr>
+          <p:cNvPr id="46" name="TextBox 45"/>
+          <p:cNvSpPr txBox="1"/>
+          <p:nvPr/>
+        </p:nvSpPr>
+        <p:spPr>
+          <a:xfrm>
+            <a:off x="1192182" y="4489506"/>
+            <a:ext cx="3445934" cy="400110"/>
+          </a:xfrm>
+          <a:prstGeom prst="rect">
+            <a:avLst/>
+          </a:prstGeom>
+          <a:noFill/>
+        </p:spPr>
+        <p:txBody>
+          <a:bodyPr wrap="square" rtlCol="0">
+            <a:spAutoFit/>
+          </a:bodyPr>
+          <a:lstStyle/>
+          <a:p>
+            <a:r>
+              <a:rPr kumimoji="1" lang="en-US" altLang="ja-JP" sz="1000"/>
+              <a:t>Lorem Ipsum is simply dummy text of the printing and typesetting industry. Lorem Ipsum has been the</a:t>
+            </a:r>
+            <a:endParaRPr kumimoji="1" lang="ja-JP" altLang="en-US" sz="1000"/>
+          </a:p>
+        </p:txBody>
+      </p:sp>
+      <p:sp>
+        <p:nvSpPr>
+          <p:cNvPr id="36" name="TextBox 35"/>
+          <p:cNvSpPr txBox="1"/>
+          <p:nvPr/>
+        </p:nvSpPr>
+        <p:spPr>
+          <a:xfrm>
+            <a:off x="2178757" y="1679607"/>
+            <a:ext cx="392430" cy="246221"/>
+          </a:xfrm>
+          <a:prstGeom prst="rect">
+            <a:avLst/>
+          </a:prstGeom>
+          <a:noFill/>
+        </p:spPr>
+        <p:txBody>
+          <a:bodyPr wrap="none" rtlCol="0">
+            <a:spAutoFit/>
+          </a:bodyPr>
+          <a:lstStyle/>
+          <a:p>
+            <a:r>
+              <a:rPr kumimoji="1" lang="en-US" altLang="ja-JP" sz="1000">
+                <a:solidFill>
+                  <a:srgbClr val="FF0000"/>
+                </a:solidFill>
+              </a:rPr>
+              <a:t>(10)</a:t>
+            </a:r>
+            <a:endParaRPr kumimoji="1" lang="ja-JP" altLang="en-US" sz="1000">
+              <a:solidFill>
+                <a:srgbClr val="FF0000"/>
+              </a:solidFill>
+            </a:endParaRPr>
+          </a:p>
+        </p:txBody>
+      </p:sp>
+      <p:sp>
+        <p:nvSpPr>
+          <p:cNvPr id="37" name="Rectangle 36"/>
+          <p:cNvSpPr/>
+          <p:nvPr/>
+        </p:nvSpPr>
+        <p:spPr>
+          <a:xfrm>
+            <a:off x="604873" y="5076464"/>
+            <a:ext cx="508001" cy="279400"/>
+          </a:xfrm>
+          <a:prstGeom prst="rect">
+            <a:avLst/>
+          </a:prstGeom>
+          <a:ln>
+            <a:solidFill>
+              <a:schemeClr val="tx1"/>
+            </a:solidFill>
+          </a:ln>
+          <a:effectLst/>
+        </p:spPr>
+        <p:style>
+          <a:lnRef idx="1">
+            <a:schemeClr val="accent1"/>
+          </a:lnRef>
+          <a:fillRef idx="3">
+            <a:schemeClr val="accent1"/>
+          </a:fillRef>
+          <a:effectRef idx="2">
+            <a:schemeClr val="accent1"/>
+          </a:effectRef>
+          <a:fontRef idx="minor">
+            <a:schemeClr val="lt1"/>
+          </a:fontRef>
+        </p:style>
+        <p:txBody>
+          <a:bodyPr rtlCol="0" anchor="ctr"/>
+          <a:lstStyle/>
+          <a:p>
+            <a:pPr algn="ctr"/>
+            <a:r>
+              <a:rPr kumimoji="1" lang="en-US" altLang="ja-JP" sz="1000">
+                <a:solidFill>
+                  <a:schemeClr val="tx1"/>
+                </a:solidFill>
+              </a:rPr>
+              <a:t>Prev</a:t>
+            </a:r>
+            <a:endParaRPr kumimoji="1" lang="ja-JP" altLang="en-US" sz="1000">
+              <a:solidFill>
+                <a:schemeClr val="tx1"/>
+              </a:solidFill>
+            </a:endParaRPr>
+          </a:p>
+        </p:txBody>
+      </p:sp>
+      <p:sp>
+        <p:nvSpPr>
+          <p:cNvPr id="47" name="Rectangle 46"/>
+          <p:cNvSpPr/>
+          <p:nvPr/>
+        </p:nvSpPr>
+        <p:spPr>
+          <a:xfrm>
+            <a:off x="1197548" y="5076458"/>
+            <a:ext cx="254000" cy="279400"/>
+          </a:xfrm>
+          <a:prstGeom prst="rect">
+            <a:avLst/>
+          </a:prstGeom>
+        </p:spPr>
+        <p:style>
+          <a:lnRef idx="1">
+            <a:schemeClr val="accent1"/>
+          </a:lnRef>
+          <a:fillRef idx="3">
+            <a:schemeClr val="accent1"/>
+          </a:fillRef>
+          <a:effectRef idx="2">
+            <a:schemeClr val="accent1"/>
+          </a:effectRef>
+          <a:fontRef idx="minor">
+            <a:schemeClr val="lt1"/>
+          </a:fontRef>
+        </p:style>
+        <p:txBody>
+          <a:bodyPr rtlCol="0" anchor="ctr"/>
+          <a:lstStyle/>
+          <a:p>
+            <a:pPr algn="ctr"/>
+            <a:r>
+              <a:rPr kumimoji="1" lang="en-US" altLang="ja-JP" sz="1000"/>
+              <a:t>1</a:t>
+            </a:r>
+            <a:endParaRPr kumimoji="1" lang="ja-JP" altLang="en-US" sz="1000"/>
+          </a:p>
+        </p:txBody>
+      </p:sp>
+      <p:sp>
+        <p:nvSpPr>
+          <p:cNvPr id="48" name="Rectangle 47"/>
+          <p:cNvSpPr/>
+          <p:nvPr/>
+        </p:nvSpPr>
+        <p:spPr>
+          <a:xfrm>
+            <a:off x="1544695" y="5076458"/>
+            <a:ext cx="254000" cy="279400"/>
+          </a:xfrm>
+          <a:prstGeom prst="rect">
+            <a:avLst/>
+          </a:prstGeom>
+          <a:ln>
+            <a:solidFill>
+              <a:schemeClr val="tx1"/>
+            </a:solidFill>
+          </a:ln>
+          <a:effectLst/>
+        </p:spPr>
+        <p:style>
+          <a:lnRef idx="1">
+            <a:schemeClr val="accent1"/>
+          </a:lnRef>
+          <a:fillRef idx="3">
+            <a:schemeClr val="accent1"/>
+          </a:fillRef>
+          <a:effectRef idx="2">
+            <a:schemeClr val="accent1"/>
+          </a:effectRef>
+          <a:fontRef idx="minor">
+            <a:schemeClr val="lt1"/>
+          </a:fontRef>
+        </p:style>
+        <p:txBody>
+          <a:bodyPr rtlCol="0" anchor="ctr"/>
+          <a:lstStyle/>
+          <a:p>
+            <a:pPr algn="ctr"/>
+            <a:r>
+              <a:rPr kumimoji="1" lang="en-US" altLang="ja-JP" sz="1000">
+                <a:solidFill>
+                  <a:schemeClr val="tx1"/>
+                </a:solidFill>
+              </a:rPr>
+              <a:t>2</a:t>
+            </a:r>
+            <a:endParaRPr kumimoji="1" lang="ja-JP" altLang="en-US" sz="1000">
+              <a:solidFill>
+                <a:schemeClr val="tx1"/>
+              </a:solidFill>
+            </a:endParaRPr>
+          </a:p>
+        </p:txBody>
+      </p:sp>
+      <p:sp>
+        <p:nvSpPr>
+          <p:cNvPr id="49" name="Rectangle 48"/>
+          <p:cNvSpPr/>
+          <p:nvPr/>
+        </p:nvSpPr>
+        <p:spPr>
+          <a:xfrm>
+            <a:off x="1900308" y="5076458"/>
+            <a:ext cx="482566" cy="279400"/>
+          </a:xfrm>
+          <a:prstGeom prst="rect">
+            <a:avLst/>
+          </a:prstGeom>
+          <a:ln>
+            <a:solidFill>
+              <a:schemeClr val="tx1"/>
+            </a:solidFill>
+          </a:ln>
+          <a:effectLst/>
+        </p:spPr>
+        <p:style>
+          <a:lnRef idx="1">
+            <a:schemeClr val="accent1"/>
+          </a:lnRef>
+          <a:fillRef idx="3">
+            <a:schemeClr val="accent1"/>
+          </a:fillRef>
+          <a:effectRef idx="2">
+            <a:schemeClr val="accent1"/>
+          </a:effectRef>
+          <a:fontRef idx="minor">
+            <a:schemeClr val="lt1"/>
+          </a:fontRef>
+        </p:style>
+        <p:txBody>
+          <a:bodyPr rtlCol="0" anchor="ctr"/>
+          <a:lstStyle/>
+          <a:p>
+            <a:pPr algn="ctr"/>
+            <a:r>
+              <a:rPr kumimoji="1" lang="en-US" altLang="ja-JP" sz="1000">
+                <a:solidFill>
+                  <a:schemeClr val="tx1"/>
+                </a:solidFill>
+              </a:rPr>
+              <a:t>Next</a:t>
+            </a:r>
+            <a:endParaRPr kumimoji="1" lang="ja-JP" altLang="en-US" sz="1000">
+              <a:solidFill>
+                <a:schemeClr val="tx1"/>
+              </a:solidFill>
+            </a:endParaRPr>
+          </a:p>
+        </p:txBody>
+      </p:sp>
+      <p:sp>
+        <p:nvSpPr>
+          <p:cNvPr id="53" name="TextBox 52"/>
+          <p:cNvSpPr txBox="1"/>
+          <p:nvPr/>
+        </p:nvSpPr>
+        <p:spPr>
+          <a:xfrm>
+            <a:off x="510663" y="2223082"/>
+            <a:ext cx="515188" cy="308953"/>
+          </a:xfrm>
+          <a:prstGeom prst="rect">
+            <a:avLst/>
+          </a:prstGeom>
+          <a:noFill/>
+        </p:spPr>
+        <p:txBody>
+          <a:bodyPr wrap="none" rtlCol="0">
+            <a:spAutoFit/>
+          </a:bodyPr>
+          <a:lstStyle/>
+          <a:p>
+            <a:r>
+              <a:rPr kumimoji="1" lang="en-GB" altLang="ja-JP" sz="1000" b="1" dirty="0" smtClean="0">
+                <a:solidFill>
+                  <a:schemeClr val="accent1">
+                    <a:lumMod val="75000"/>
+                  </a:schemeClr>
+                </a:solidFill>
+              </a:rPr>
+              <a:t>Sort:</a:t>
+            </a:r>
+            <a:endParaRPr kumimoji="1" lang="ja-JP" altLang="en-US" sz="1000" b="1" dirty="0">
+              <a:solidFill>
+                <a:schemeClr val="accent1">
+                  <a:lumMod val="75000"/>
+                </a:schemeClr>
+              </a:solidFill>
+            </a:endParaRPr>
+          </a:p>
+        </p:txBody>
+      </p:sp>
+      <p:sp>
+        <p:nvSpPr>
+          <p:cNvPr id="57" name="TextBox 56"/>
+          <p:cNvSpPr txBox="1"/>
+          <p:nvPr/>
+        </p:nvSpPr>
+        <p:spPr>
+          <a:xfrm>
+            <a:off x="2448619" y="2182001"/>
+            <a:ext cx="603495" cy="308953"/>
+          </a:xfrm>
+          <a:prstGeom prst="rect">
+            <a:avLst/>
+          </a:prstGeom>
+          <a:noFill/>
+        </p:spPr>
+        <p:txBody>
+          <a:bodyPr wrap="none" rtlCol="0">
+            <a:spAutoFit/>
+          </a:bodyPr>
+          <a:lstStyle/>
+          <a:p>
+            <a:r>
+              <a:rPr kumimoji="1" lang="en-GB" altLang="ja-JP" sz="1000" b="1" dirty="0" smtClean="0">
+                <a:solidFill>
+                  <a:schemeClr val="accent1">
+                    <a:lumMod val="75000"/>
+                  </a:schemeClr>
+                </a:solidFill>
+              </a:rPr>
+              <a:t>Show:</a:t>
+            </a:r>
+            <a:endParaRPr kumimoji="1" lang="ja-JP" altLang="en-US" sz="1000" b="1" dirty="0">
+              <a:solidFill>
+                <a:schemeClr val="accent1">
+                  <a:lumMod val="75000"/>
+                </a:schemeClr>
+              </a:solidFill>
+            </a:endParaRPr>
+          </a:p>
+        </p:txBody>
+      </p:sp>
+      <p:sp>
+        <p:nvSpPr>
+          <p:cNvPr id="58" name="Rectangle 57"/>
+          <p:cNvSpPr/>
+          <p:nvPr/>
+        </p:nvSpPr>
+        <p:spPr>
+          <a:xfrm>
+            <a:off x="945879" y="2508130"/>
+            <a:ext cx="1173563" cy="299557"/>
+          </a:xfrm>
+          <a:prstGeom prst="rect">
+            <a:avLst/>
+          </a:prstGeom>
+          <a:solidFill>
+            <a:schemeClr val="accent1">
+              <a:lumMod val="40000"/>
+              <a:lumOff val="60000"/>
+            </a:schemeClr>
+          </a:solidFill>
+          <a:ln w="3175" cmpd="sng"/>
+        </p:spPr>
+        <p:style>
+          <a:lnRef idx="2">
+            <a:schemeClr val="accent1">
+              <a:shade val="50000"/>
+            </a:schemeClr>
+          </a:lnRef>
+          <a:fillRef idx="1">
+            <a:schemeClr val="accent1"/>
+          </a:fillRef>
+          <a:effectRef idx="0">
+            <a:schemeClr val="accent1"/>
+          </a:effectRef>
+          <a:fontRef idx="minor">
+            <a:schemeClr val="lt1"/>
+          </a:fontRef>
+        </p:style>
+        <p:txBody>
+          <a:bodyPr rtlCol="0" anchor="ctr"/>
+          <a:lstStyle/>
+          <a:p>
+            <a:pPr algn="ctr"/>
+            <a:r>
+              <a:rPr lang="en-GB" sz="1000" dirty="0" smtClean="0"/>
+              <a:t>Most comment</a:t>
+            </a:r>
+            <a:endParaRPr lang="en-US" sz="1000" dirty="0"/>
+          </a:p>
+        </p:txBody>
+      </p:sp>
+      <p:sp>
+        <p:nvSpPr>
+          <p:cNvPr id="59" name="Rectangle 58"/>
+          <p:cNvSpPr/>
+          <p:nvPr/>
+        </p:nvSpPr>
+        <p:spPr>
+          <a:xfrm>
+            <a:off x="949170" y="2167089"/>
+            <a:ext cx="1170270" cy="340742"/>
+          </a:xfrm>
+          <a:prstGeom prst="rect">
+            <a:avLst/>
+          </a:prstGeom>
+          <a:ln w="3175" cmpd="sng"/>
+        </p:spPr>
+        <p:style>
+          <a:lnRef idx="2">
+            <a:schemeClr val="accent1">
+              <a:shade val="50000"/>
+            </a:schemeClr>
+          </a:lnRef>
+          <a:fillRef idx="1">
+            <a:schemeClr val="accent1"/>
+          </a:fillRef>
+          <a:effectRef idx="0">
+            <a:schemeClr val="accent1"/>
+          </a:effectRef>
+          <a:fontRef idx="minor">
+            <a:schemeClr val="lt1"/>
+          </a:fontRef>
+        </p:style>
+        <p:txBody>
+          <a:bodyPr rtlCol="0" anchor="ctr"/>
+          <a:lstStyle/>
+          <a:p>
+            <a:pPr algn="ctr"/>
+            <a:r>
+              <a:rPr lang="en-GB" sz="1000" dirty="0" smtClean="0"/>
+              <a:t>Newest</a:t>
+            </a:r>
+            <a:endParaRPr lang="en-US" sz="1000" dirty="0"/>
+          </a:p>
+        </p:txBody>
+      </p:sp>
+      <p:sp>
+        <p:nvSpPr>
+          <p:cNvPr id="60" name="Isosceles Triangle 59"/>
+          <p:cNvSpPr/>
+          <p:nvPr/>
+        </p:nvSpPr>
+        <p:spPr>
+          <a:xfrm rot="10800000">
+            <a:off x="1846120" y="2326128"/>
+            <a:ext cx="105191" cy="77232"/>
+          </a:xfrm>
+          <a:prstGeom prst="triangle">
+            <a:avLst/>
+          </a:prstGeom>
+          <a:solidFill>
+            <a:schemeClr val="bg1"/>
+          </a:solidFill>
+          <a:ln/>
+        </p:spPr>
+        <p:style>
+          <a:lnRef idx="1">
+            <a:schemeClr val="accent1"/>
+          </a:lnRef>
+          <a:fillRef idx="3">
+            <a:schemeClr val="accent1"/>
+          </a:fillRef>
+          <a:effectRef idx="2">
+            <a:schemeClr val="accent1"/>
+          </a:effectRef>
+          <a:fontRef idx="minor">
+            <a:schemeClr val="lt1"/>
+          </a:fontRef>
+        </p:style>
+        <p:txBody>
+          <a:bodyPr/>
+          <a:lstStyle/>
+          <a:p>
+            <a:endParaRPr lang="ja-JP" altLang="en-US"/>
+          </a:p>
+        </p:txBody>
+      </p:sp>
+      <p:sp>
+        <p:nvSpPr>
+          <p:cNvPr id="61" name="Rectangle 60"/>
+          <p:cNvSpPr/>
+          <p:nvPr/>
+        </p:nvSpPr>
+        <p:spPr>
+          <a:xfrm>
+            <a:off x="945878" y="2805283"/>
+            <a:ext cx="1173563" cy="299557"/>
+          </a:xfrm>
+          <a:prstGeom prst="rect">
+            <a:avLst/>
+          </a:prstGeom>
+          <a:solidFill>
+            <a:schemeClr val="accent1">
+              <a:lumMod val="40000"/>
+              <a:lumOff val="60000"/>
+            </a:schemeClr>
+          </a:solidFill>
+          <a:ln w="3175" cmpd="sng"/>
+        </p:spPr>
+        <p:style>
+          <a:lnRef idx="2">
+            <a:schemeClr val="accent1">
+              <a:shade val="50000"/>
+            </a:schemeClr>
+          </a:lnRef>
+          <a:fillRef idx="1">
+            <a:schemeClr val="accent1"/>
+          </a:fillRef>
+          <a:effectRef idx="0">
+            <a:schemeClr val="accent1"/>
+          </a:effectRef>
+          <a:fontRef idx="minor">
+            <a:schemeClr val="lt1"/>
+          </a:fontRef>
+        </p:style>
+        <p:txBody>
+          <a:bodyPr rtlCol="0" anchor="ctr"/>
+          <a:lstStyle/>
+          <a:p>
+            <a:pPr algn="ctr"/>
+            <a:r>
+              <a:rPr lang="en-GB" sz="1000" dirty="0" smtClean="0"/>
+              <a:t>Name(A-Z)</a:t>
+            </a:r>
+            <a:endParaRPr lang="en-US" sz="1000" dirty="0"/>
+          </a:p>
+        </p:txBody>
+      </p:sp>
+      <p:sp>
+        <p:nvSpPr>
+          <p:cNvPr id="62" name="Rectangle 61"/>
+          <p:cNvSpPr/>
+          <p:nvPr/>
+        </p:nvSpPr>
+        <p:spPr>
+          <a:xfrm>
+            <a:off x="2940509" y="2466832"/>
+            <a:ext cx="1173563" cy="299557"/>
+          </a:xfrm>
+          <a:prstGeom prst="rect">
+            <a:avLst/>
+          </a:prstGeom>
+          <a:solidFill>
+            <a:schemeClr val="accent1">
+              <a:lumMod val="40000"/>
+              <a:lumOff val="60000"/>
+            </a:schemeClr>
+          </a:solidFill>
+          <a:ln w="3175" cmpd="sng"/>
+        </p:spPr>
+        <p:style>
+          <a:lnRef idx="2">
+            <a:schemeClr val="accent1">
+              <a:shade val="50000"/>
+            </a:schemeClr>
+          </a:lnRef>
+          <a:fillRef idx="1">
+            <a:schemeClr val="accent1"/>
+          </a:fillRef>
+          <a:effectRef idx="0">
+            <a:schemeClr val="accent1"/>
+          </a:effectRef>
+          <a:fontRef idx="minor">
+            <a:schemeClr val="lt1"/>
+          </a:fontRef>
+        </p:style>
+        <p:txBody>
+          <a:bodyPr rtlCol="0" anchor="ctr"/>
+          <a:lstStyle/>
+          <a:p>
+            <a:pPr algn="ctr"/>
+            <a:r>
+              <a:rPr lang="en-GB" sz="1000" dirty="0" smtClean="0"/>
+              <a:t>20</a:t>
+            </a:r>
+            <a:endParaRPr lang="en-US" sz="1000" dirty="0"/>
+          </a:p>
+        </p:txBody>
+      </p:sp>
+      <p:sp>
+        <p:nvSpPr>
+          <p:cNvPr id="63" name="Rectangle 62"/>
+          <p:cNvSpPr/>
+          <p:nvPr/>
+        </p:nvSpPr>
+        <p:spPr>
+          <a:xfrm>
+            <a:off x="2940510" y="2172271"/>
+            <a:ext cx="1171636" cy="297182"/>
+          </a:xfrm>
+          <a:prstGeom prst="rect">
+            <a:avLst/>
+          </a:prstGeom>
+          <a:ln w="3175" cmpd="sng"/>
+        </p:spPr>
+        <p:style>
+          <a:lnRef idx="2">
+            <a:schemeClr val="accent1">
+              <a:shade val="50000"/>
+            </a:schemeClr>
+          </a:lnRef>
+          <a:fillRef idx="1">
+            <a:schemeClr val="accent1"/>
+          </a:fillRef>
+          <a:effectRef idx="0">
+            <a:schemeClr val="accent1"/>
+          </a:effectRef>
+          <a:fontRef idx="minor">
+            <a:schemeClr val="lt1"/>
+          </a:fontRef>
+        </p:style>
+        <p:txBody>
+          <a:bodyPr rtlCol="0" anchor="ctr"/>
+          <a:lstStyle/>
+          <a:p>
+            <a:pPr algn="ctr"/>
+            <a:r>
+              <a:rPr lang="en-GB" sz="1000" dirty="0" smtClean="0"/>
+              <a:t>10</a:t>
+            </a:r>
+            <a:endParaRPr lang="en-US" sz="1000" dirty="0"/>
+          </a:p>
+        </p:txBody>
+      </p:sp>
+      <p:sp>
+        <p:nvSpPr>
+          <p:cNvPr id="64" name="Isosceles Triangle 63"/>
+          <p:cNvSpPr/>
+          <p:nvPr/>
+        </p:nvSpPr>
+        <p:spPr>
+          <a:xfrm rot="10800000">
+            <a:off x="3859553" y="2285047"/>
+            <a:ext cx="105191" cy="77232"/>
+          </a:xfrm>
+          <a:prstGeom prst="triangle">
+            <a:avLst/>
+          </a:prstGeom>
+          <a:solidFill>
+            <a:schemeClr val="bg1"/>
+          </a:solidFill>
+          <a:ln/>
+        </p:spPr>
+        <p:style>
+          <a:lnRef idx="1">
+            <a:schemeClr val="accent1"/>
+          </a:lnRef>
+          <a:fillRef idx="3">
+            <a:schemeClr val="accent1"/>
+          </a:fillRef>
+          <a:effectRef idx="2">
+            <a:schemeClr val="accent1"/>
+          </a:effectRef>
+          <a:fontRef idx="minor">
+            <a:schemeClr val="lt1"/>
+          </a:fontRef>
+        </p:style>
+        <p:txBody>
+          <a:bodyPr/>
+          <a:lstStyle/>
+          <a:p>
+            <a:endParaRPr lang="ja-JP" altLang="en-US"/>
+          </a:p>
+        </p:txBody>
+      </p:sp>
+      <p:sp>
+        <p:nvSpPr>
+          <p:cNvPr id="67" name="Rectangle 66"/>
+          <p:cNvSpPr/>
+          <p:nvPr/>
+        </p:nvSpPr>
+        <p:spPr>
+          <a:xfrm>
+            <a:off x="2940508" y="2764202"/>
+            <a:ext cx="1173563" cy="299557"/>
+          </a:xfrm>
+          <a:prstGeom prst="rect">
+            <a:avLst/>
+          </a:prstGeom>
+          <a:solidFill>
+            <a:schemeClr val="accent1">
+              <a:lumMod val="40000"/>
+              <a:lumOff val="60000"/>
+            </a:schemeClr>
+          </a:solidFill>
+          <a:ln w="3175" cmpd="sng"/>
+        </p:spPr>
+        <p:style>
+          <a:lnRef idx="2">
+            <a:schemeClr val="accent1">
+              <a:shade val="50000"/>
+            </a:schemeClr>
+          </a:lnRef>
+          <a:fillRef idx="1">
+            <a:schemeClr val="accent1"/>
+          </a:fillRef>
+          <a:effectRef idx="0">
+            <a:schemeClr val="accent1"/>
+          </a:effectRef>
+          <a:fontRef idx="minor">
+            <a:schemeClr val="lt1"/>
+          </a:fontRef>
+        </p:style>
+        <p:txBody>
+          <a:bodyPr rtlCol="0" anchor="ctr"/>
+          <a:lstStyle/>
+          <a:p>
+            <a:pPr algn="ctr"/>
+            <a:r>
+              <a:rPr lang="en-GB" sz="1000" dirty="0" smtClean="0"/>
+              <a:t>30</a:t>
+            </a:r>
+            <a:endParaRPr lang="en-US" sz="1000" dirty="0"/>
+          </a:p>
+        </p:txBody>
+      </p:sp>
+      <p:sp>
+        <p:nvSpPr>
+          <p:cNvPr id="68" name="TextBox 67"/>
+          <p:cNvSpPr txBox="1"/>
+          <p:nvPr/>
+        </p:nvSpPr>
+        <p:spPr>
+          <a:xfrm>
+            <a:off x="2152795" y="2244733"/>
+            <a:ext cx="392430" cy="246221"/>
+          </a:xfrm>
+          <a:prstGeom prst="rect">
+            <a:avLst/>
+          </a:prstGeom>
+          <a:noFill/>
+        </p:spPr>
+        <p:txBody>
+          <a:bodyPr wrap="none" rtlCol="0">
+            <a:spAutoFit/>
+          </a:bodyPr>
+          <a:lstStyle/>
+          <a:p>
+            <a:r>
+              <a:rPr kumimoji="1" lang="en-US" altLang="ja-JP" sz="1000">
+                <a:solidFill>
+                  <a:srgbClr val="FF0000"/>
+                </a:solidFill>
+              </a:rPr>
+              <a:t>(11)</a:t>
+            </a:r>
+            <a:endParaRPr kumimoji="1" lang="ja-JP" altLang="en-US" sz="1000">
+              <a:solidFill>
+                <a:srgbClr val="FF0000"/>
+              </a:solidFill>
+            </a:endParaRPr>
+          </a:p>
+        </p:txBody>
+      </p:sp>
+      <p:sp>
+        <p:nvSpPr>
+          <p:cNvPr id="69" name="TextBox 68"/>
+          <p:cNvSpPr txBox="1"/>
+          <p:nvPr/>
+        </p:nvSpPr>
+        <p:spPr>
+          <a:xfrm>
+            <a:off x="2111669" y="2532035"/>
+            <a:ext cx="392430" cy="246221"/>
+          </a:xfrm>
+          <a:prstGeom prst="rect">
+            <a:avLst/>
+          </a:prstGeom>
+          <a:noFill/>
+        </p:spPr>
+        <p:txBody>
+          <a:bodyPr wrap="none" rtlCol="0">
+            <a:spAutoFit/>
+          </a:bodyPr>
+          <a:lstStyle/>
+          <a:p>
+            <a:r>
+              <a:rPr kumimoji="1" lang="en-US" altLang="ja-JP" sz="1000">
+                <a:solidFill>
+                  <a:srgbClr val="FF0000"/>
+                </a:solidFill>
+              </a:rPr>
+              <a:t>(12)</a:t>
+            </a:r>
+            <a:endParaRPr kumimoji="1" lang="ja-JP" altLang="en-US" sz="1000">
+              <a:solidFill>
+                <a:srgbClr val="FF0000"/>
+              </a:solidFill>
+            </a:endParaRPr>
+          </a:p>
+        </p:txBody>
+      </p:sp>
+      <p:sp>
+        <p:nvSpPr>
+          <p:cNvPr id="70" name="TextBox 69"/>
+          <p:cNvSpPr txBox="1"/>
+          <p:nvPr/>
+        </p:nvSpPr>
+        <p:spPr>
+          <a:xfrm>
+            <a:off x="2134942" y="2778256"/>
+            <a:ext cx="392430" cy="246221"/>
+          </a:xfrm>
+          <a:prstGeom prst="rect">
+            <a:avLst/>
+          </a:prstGeom>
+          <a:noFill/>
+        </p:spPr>
+        <p:txBody>
+          <a:bodyPr wrap="none" rtlCol="0">
+            <a:spAutoFit/>
+          </a:bodyPr>
+          <a:lstStyle/>
+          <a:p>
+            <a:r>
+              <a:rPr kumimoji="1" lang="en-US" altLang="ja-JP" sz="1000">
+                <a:solidFill>
+                  <a:srgbClr val="FF0000"/>
+                </a:solidFill>
+              </a:rPr>
+              <a:t>(13)</a:t>
+            </a:r>
+            <a:endParaRPr kumimoji="1" lang="ja-JP" altLang="en-US" sz="1000">
+              <a:solidFill>
+                <a:srgbClr val="FF0000"/>
+              </a:solidFill>
+            </a:endParaRPr>
+          </a:p>
+        </p:txBody>
+      </p:sp>
+      <p:sp>
+        <p:nvSpPr>
+          <p:cNvPr id="71" name="TextBox 70"/>
+          <p:cNvSpPr txBox="1"/>
+          <p:nvPr/>
+        </p:nvSpPr>
+        <p:spPr>
+          <a:xfrm>
+            <a:off x="4024013" y="2256350"/>
+            <a:ext cx="392430" cy="246221"/>
+          </a:xfrm>
+          <a:prstGeom prst="rect">
+            <a:avLst/>
+          </a:prstGeom>
+          <a:noFill/>
+        </p:spPr>
+        <p:txBody>
+          <a:bodyPr wrap="none" rtlCol="0">
+            <a:spAutoFit/>
+          </a:bodyPr>
+          <a:lstStyle/>
+          <a:p>
+            <a:r>
+              <a:rPr kumimoji="1" lang="en-US" altLang="ja-JP" sz="1000">
+                <a:solidFill>
+                  <a:srgbClr val="FF0000"/>
+                </a:solidFill>
+              </a:rPr>
+              <a:t>(14)</a:t>
+            </a:r>
+            <a:endParaRPr kumimoji="1" lang="ja-JP" altLang="en-US" sz="1000">
+              <a:solidFill>
+                <a:srgbClr val="FF0000"/>
+              </a:solidFill>
+            </a:endParaRPr>
+          </a:p>
+        </p:txBody>
+      </p:sp>
+    </p:spTree>
+    <p:extLst>
+      <p:ext uri="{BB962C8B-B14F-4D97-AF65-F5344CB8AC3E}">
+        <p14:creationId xmlns:p14="http://schemas.microsoft.com/office/powerpoint/2010/main" val="1850536433"/>
       </p:ext>
     </p:extLst>
   </p:cSld>

--- a/php/tam-v.anh/doc/detail_design/frontend/wireframe/MiniBlog_Wireframe_Ver_0.1.0.pptx
+++ b/php/tam-v.anh/doc/detail_design/frontend/wireframe/MiniBlog_Wireframe_Ver_0.1.0.pptx
@@ -7287,13 +7287,7 @@
                         <a:rPr kumimoji="1" lang="en-GB" altLang="ja-JP" sz="1000" dirty="0" smtClean="0">
                           <a:latin typeface="Calibri" panose="020F0502020204030204" pitchFamily="34" charset="0"/>
                         </a:rPr>
-                        <a:t>Number </a:t>
-                      </a:r>
-                      <a:r>
-                        <a:rPr kumimoji="1" lang="en-GB" altLang="ja-JP" sz="1000" dirty="0" smtClean="0">
-                          <a:latin typeface="Calibri" panose="020F0502020204030204" pitchFamily="34" charset="0"/>
-                        </a:rPr>
-                        <a:t>posts</a:t>
+                        <a:t>Number posts</a:t>
                       </a:r>
                       <a:r>
                         <a:rPr kumimoji="1" lang="en-GB" altLang="ja-JP" sz="1000" baseline="0" dirty="0" smtClean="0">
@@ -8090,7 +8084,7 @@
                     </a:schemeClr>
                   </a:solidFill>
                 </a:rPr>
-                <a:t>Username, firstname, lastname,…</a:t>
+                <a:t>Username, firstname, lastname</a:t>
               </a:r>
               <a:endParaRPr kumimoji="1" lang="ja-JP" altLang="en-US" sz="800" i="1">
                 <a:solidFill>
@@ -8498,7 +8492,7 @@
           <p:spPr>
             <a:xfrm>
               <a:off x="1176867" y="2406748"/>
-              <a:ext cx="505830" cy="246221"/>
+              <a:ext cx="456110" cy="207389"/>
             </a:xfrm>
             <a:prstGeom prst="rect">
               <a:avLst/>
@@ -8512,10 +8506,18 @@
             <a:lstStyle/>
             <a:p>
               <a:r>
-                <a:rPr kumimoji="1" lang="en-US" altLang="ja-JP" sz="1000" dirty="0"/>
+                <a:rPr kumimoji="1" lang="en-US" altLang="ja-JP" sz="1000" dirty="0">
+                  <a:solidFill>
+                    <a:srgbClr val="558ED5"/>
+                  </a:solidFill>
+                </a:rPr>
                 <a:t>Blog 1</a:t>
               </a:r>
-              <a:endParaRPr kumimoji="1" lang="ja-JP" altLang="en-US" sz="1000" dirty="0"/>
+              <a:endParaRPr kumimoji="1" lang="ja-JP" altLang="en-US" sz="1000" dirty="0">
+                <a:solidFill>
+                  <a:srgbClr val="558ED5"/>
+                </a:solidFill>
+              </a:endParaRPr>
             </a:p>
           </p:txBody>
         </p:sp>
@@ -8600,7 +8602,7 @@
           <p:spPr>
             <a:xfrm>
               <a:off x="1181119" y="3052362"/>
-              <a:ext cx="505830" cy="246221"/>
+              <a:ext cx="456110" cy="207389"/>
             </a:xfrm>
             <a:prstGeom prst="rect">
               <a:avLst/>
@@ -8614,10 +8616,18 @@
             <a:lstStyle/>
             <a:p>
               <a:r>
-                <a:rPr kumimoji="1" lang="en-US" altLang="ja-JP" sz="1000" dirty="0"/>
+                <a:rPr kumimoji="1" lang="en-US" altLang="ja-JP" sz="1000" dirty="0">
+                  <a:solidFill>
+                    <a:srgbClr val="558ED5"/>
+                  </a:solidFill>
+                </a:rPr>
                 <a:t>Blog 1</a:t>
               </a:r>
-              <a:endParaRPr kumimoji="1" lang="ja-JP" altLang="en-US" sz="1000" dirty="0"/>
+              <a:endParaRPr kumimoji="1" lang="ja-JP" altLang="en-US" sz="1000" dirty="0">
+                <a:solidFill>
+                  <a:srgbClr val="558ED5"/>
+                </a:solidFill>
+              </a:endParaRPr>
             </a:p>
           </p:txBody>
         </p:sp>
@@ -8649,15 +8659,7 @@
                     <a:srgbClr val="FF0000"/>
                   </a:solidFill>
                 </a:rPr>
-                <a:t>(</a:t>
-              </a:r>
-              <a:r>
-                <a:rPr kumimoji="1" lang="en-US" altLang="ja-JP" sz="1000" dirty="0">
-                  <a:solidFill>
-                    <a:srgbClr val="FF0000"/>
-                  </a:solidFill>
-                </a:rPr>
-                <a:t>9</a:t>
+                <a:t>(9</a:t>
               </a:r>
               <a:r>
                 <a:rPr kumimoji="1" lang="en-US" altLang="ja-JP" sz="1000" dirty="0" smtClean="0">
@@ -8868,7 +8870,7 @@
           <p:spPr>
             <a:xfrm>
               <a:off x="1172615" y="3812186"/>
-              <a:ext cx="505830" cy="246221"/>
+              <a:ext cx="456110" cy="207389"/>
             </a:xfrm>
             <a:prstGeom prst="rect">
               <a:avLst/>
@@ -8882,10 +8884,18 @@
             <a:lstStyle/>
             <a:p>
               <a:r>
-                <a:rPr kumimoji="1" lang="en-US" altLang="ja-JP" sz="1000"/>
+                <a:rPr kumimoji="1" lang="en-US" altLang="ja-JP" sz="1000">
+                  <a:solidFill>
+                    <a:srgbClr val="558ED5"/>
+                  </a:solidFill>
+                </a:rPr>
                 <a:t>Blog 1</a:t>
               </a:r>
-              <a:endParaRPr kumimoji="1" lang="ja-JP" altLang="en-US" sz="1000"/>
+              <a:endParaRPr kumimoji="1" lang="ja-JP" altLang="en-US" sz="1000">
+                <a:solidFill>
+                  <a:srgbClr val="558ED5"/>
+                </a:solidFill>
+              </a:endParaRPr>
             </a:p>
           </p:txBody>
         </p:sp>
@@ -13894,10 +13904,18 @@
           <a:lstStyle/>
           <a:p>
             <a:r>
-              <a:rPr kumimoji="1" lang="en-US" altLang="ja-JP" sz="1000"/>
+              <a:rPr kumimoji="1" lang="en-US" altLang="ja-JP" sz="1000">
+                <a:solidFill>
+                  <a:srgbClr val="558ED5"/>
+                </a:solidFill>
+              </a:rPr>
               <a:t>Blog 1</a:t>
             </a:r>
-            <a:endParaRPr kumimoji="1" lang="ja-JP" altLang="en-US" sz="1000"/>
+            <a:endParaRPr kumimoji="1" lang="ja-JP" altLang="en-US" sz="1000">
+              <a:solidFill>
+                <a:srgbClr val="558ED5"/>
+              </a:solidFill>
+            </a:endParaRPr>
           </a:p>
         </p:txBody>
       </p:sp>
@@ -14090,10 +14108,18 @@
           <a:lstStyle/>
           <a:p>
             <a:r>
-              <a:rPr kumimoji="1" lang="en-US" altLang="ja-JP" sz="1000"/>
+              <a:rPr kumimoji="1" lang="en-US" altLang="ja-JP" sz="1000">
+                <a:solidFill>
+                  <a:srgbClr val="558ED5"/>
+                </a:solidFill>
+              </a:rPr>
               <a:t>Blog 1</a:t>
             </a:r>
-            <a:endParaRPr kumimoji="1" lang="ja-JP" altLang="en-US" sz="1000"/>
+            <a:endParaRPr kumimoji="1" lang="ja-JP" altLang="en-US" sz="1000">
+              <a:solidFill>
+                <a:srgbClr val="558ED5"/>
+              </a:solidFill>
+            </a:endParaRPr>
           </a:p>
         </p:txBody>
       </p:sp>
@@ -14248,10 +14274,18 @@
           <a:lstStyle/>
           <a:p>
             <a:r>
-              <a:rPr kumimoji="1" lang="en-US" altLang="ja-JP" sz="1000"/>
+              <a:rPr kumimoji="1" lang="en-US" altLang="ja-JP" sz="1000">
+                <a:solidFill>
+                  <a:srgbClr val="558ED5"/>
+                </a:solidFill>
+              </a:rPr>
               <a:t>Blog 1</a:t>
             </a:r>
-            <a:endParaRPr kumimoji="1" lang="ja-JP" altLang="en-US" sz="1000"/>
+            <a:endParaRPr kumimoji="1" lang="ja-JP" altLang="en-US" sz="1000">
+              <a:solidFill>
+                <a:srgbClr val="558ED5"/>
+              </a:solidFill>
+            </a:endParaRPr>
           </a:p>
         </p:txBody>
       </p:sp>
@@ -25132,7 +25166,7 @@
                     </a:schemeClr>
                   </a:solidFill>
                 </a:rPr>
-                <a:t>Username, firstname, lastname,…</a:t>
+                <a:t>Username, firstname, lastname</a:t>
               </a:r>
               <a:endParaRPr kumimoji="1" lang="ja-JP" altLang="en-US" sz="800" i="1">
                 <a:solidFill>
@@ -26485,11 +26519,7 @@
             </a:r>
             <a:r>
               <a:rPr kumimoji="1" lang="en-US" altLang="ja-JP" sz="1050"/>
-              <a:t> /</a:t>
-            </a:r>
-            <a:r>
-              <a:rPr kumimoji="1" lang="en-US" altLang="ja-JP" sz="1050"/>
-              <a:t>List all post</a:t>
+              <a:t> /List all post</a:t>
             </a:r>
             <a:endParaRPr kumimoji="1" lang="ja-JP" altLang="en-US" sz="1050"/>
           </a:p>
@@ -28481,10 +28511,24 @@
           <a:lstStyle/>
           <a:p>
             <a:r>
-              <a:rPr kumimoji="1" lang="en-US" altLang="ja-JP" sz="1000"/>
+              <a:rPr kumimoji="1" lang="en-US" altLang="ja-JP" sz="1000">
+                <a:solidFill>
+                  <a:schemeClr val="tx2">
+                    <a:lumMod val="60000"/>
+                    <a:lumOff val="40000"/>
+                  </a:schemeClr>
+                </a:solidFill>
+              </a:rPr>
               <a:t>Blog 1</a:t>
             </a:r>
-            <a:endParaRPr kumimoji="1" lang="ja-JP" altLang="en-US" sz="1000"/>
+            <a:endParaRPr kumimoji="1" lang="ja-JP" altLang="en-US" sz="1000">
+              <a:solidFill>
+                <a:schemeClr val="tx2">
+                  <a:lumMod val="60000"/>
+                  <a:lumOff val="40000"/>
+                </a:schemeClr>
+              </a:solidFill>
+            </a:endParaRPr>
           </a:p>
         </p:txBody>
       </p:sp>
@@ -28639,10 +28683,18 @@
           <a:lstStyle/>
           <a:p>
             <a:r>
-              <a:rPr kumimoji="1" lang="en-US" altLang="ja-JP" sz="1000"/>
+              <a:rPr kumimoji="1" lang="en-US" altLang="ja-JP" sz="1000">
+                <a:solidFill>
+                  <a:srgbClr val="558ED5"/>
+                </a:solidFill>
+              </a:rPr>
               <a:t>Blog 1</a:t>
             </a:r>
-            <a:endParaRPr kumimoji="1" lang="ja-JP" altLang="en-US" sz="1000"/>
+            <a:endParaRPr kumimoji="1" lang="ja-JP" altLang="en-US" sz="1000">
+              <a:solidFill>
+                <a:srgbClr val="558ED5"/>
+              </a:solidFill>
+            </a:endParaRPr>
           </a:p>
         </p:txBody>
       </p:sp>

--- a/php/tam-v.anh/doc/detail_design/frontend/wireframe/MiniBlog_Wireframe_Ver_0.1.0.pptx
+++ b/php/tam-v.anh/doc/detail_design/frontend/wireframe/MiniBlog_Wireframe_Ver_0.1.0.pptx
@@ -123,6 +123,22 @@
       </a:defRPr>
     </a:lvl9pPr>
   </p:defaultTextStyle>
+  <p:extLst>
+    <p:ext uri="{EFAFB233-063F-42B5-8137-9DF3F51BA10A}">
+      <p15:sldGuideLst xmlns:p15="http://schemas.microsoft.com/office/powerpoint/2012/main">
+        <p15:guide id="1" orient="horz" pos="2160">
+          <p15:clr>
+            <a:srgbClr val="A4A3A4"/>
+          </p15:clr>
+        </p15:guide>
+        <p15:guide id="2" pos="2880">
+          <p15:clr>
+            <a:srgbClr val="A4A3A4"/>
+          </p15:clr>
+        </p15:guide>
+      </p15:sldGuideLst>
+    </p:ext>
+  </p:extLst>
 </p:presentation>
 </file>
 
@@ -207,7 +223,7 @@
           </a:lstStyle>
           <a:p>
             <a:fld id="{0B14D75D-3A88-044C-B530-B9A2A8B351DB}" type="datetimeFigureOut">
-              <a:t>11/12/2014</a:t>
+              <a:t>12/11/2014</a:t>
             </a:fld>
             <a:endParaRPr kumimoji="1" lang="ja-JP" altLang="en-US"/>
           </a:p>
@@ -747,7 +763,7 @@
                 <a:ea typeface="ＭＳ Ｐゴシック"/>
               </a:rPr>
               <a:pPr/>
-              <a:t>11/12/2014</a:t>
+              <a:t>2014/12/11</a:t>
             </a:fld>
             <a:endParaRPr lang="ja-JP" altLang="en-US">
               <a:solidFill>
@@ -991,7 +1007,7 @@
                 <a:ea typeface="ＭＳ Ｐゴシック"/>
               </a:rPr>
               <a:pPr/>
-              <a:t>11/12/2014</a:t>
+              <a:t>2014/12/11</a:t>
             </a:fld>
             <a:endParaRPr lang="ja-JP" altLang="en-US">
               <a:solidFill>
@@ -1245,7 +1261,7 @@
                 <a:ea typeface="ＭＳ Ｐゴシック"/>
               </a:rPr>
               <a:pPr/>
-              <a:t>11/12/2014</a:t>
+              <a:t>2014/12/11</a:t>
             </a:fld>
             <a:endParaRPr lang="ja-JP" altLang="en-US">
               <a:solidFill>
@@ -1382,7 +1398,7 @@
                 <a:ea typeface="ＭＳ Ｐゴシック"/>
               </a:rPr>
               <a:pPr/>
-              <a:t>11/12/2014</a:t>
+              <a:t>2014/12/11</a:t>
             </a:fld>
             <a:endParaRPr lang="ja-JP" altLang="en-US">
               <a:solidFill>
@@ -1491,12 +1507,12 @@
           <a:effectLst/>
           <a:extLst>
             <a:ext uri="{909E8E84-426E-40dd-AFC4-6F175D3DCCD1}">
-              <a14:hiddenFill xmlns:a14="http://schemas.microsoft.com/office/drawing/2010/main">
+              <a14:hiddenFill xmlns:a14="http://schemas.microsoft.com/office/drawing/2010/main" xmlns="">
                 <a:noFill/>
               </a14:hiddenFill>
             </a:ext>
             <a:ext uri="{AF507438-7753-43e0-B8FC-AC1667EBCBE1}">
-              <a14:hiddenEffects xmlns:a14="http://schemas.microsoft.com/office/drawing/2010/main">
+              <a14:hiddenEffects xmlns:a14="http://schemas.microsoft.com/office/drawing/2010/main" xmlns="">
                 <a:effectLst>
                   <a:outerShdw blurRad="63500" dist="38099" dir="2700000" algn="ctr" rotWithShape="0">
                     <a:schemeClr val="bg2">
@@ -1550,12 +1566,12 @@
           <a:effectLst/>
           <a:extLst>
             <a:ext uri="{909E8E84-426E-40dd-AFC4-6F175D3DCCD1}">
-              <a14:hiddenFill xmlns:a14="http://schemas.microsoft.com/office/drawing/2010/main">
+              <a14:hiddenFill xmlns:a14="http://schemas.microsoft.com/office/drawing/2010/main" xmlns="">
                 <a:noFill/>
               </a14:hiddenFill>
             </a:ext>
             <a:ext uri="{AF507438-7753-43e0-B8FC-AC1667EBCBE1}">
-              <a14:hiddenEffects xmlns:a14="http://schemas.microsoft.com/office/drawing/2010/main">
+              <a14:hiddenEffects xmlns:a14="http://schemas.microsoft.com/office/drawing/2010/main" xmlns="">
                 <a:effectLst>
                   <a:outerShdw blurRad="63500" dist="38099" dir="2700000" algn="ctr" rotWithShape="0">
                     <a:schemeClr val="bg2">
@@ -1613,7 +1629,7 @@
           <a:effectLst/>
           <a:extLst>
             <a:ext uri="{AF507438-7753-43e0-B8FC-AC1667EBCBE1}">
-              <a14:hiddenEffects xmlns:a14="http://schemas.microsoft.com/office/drawing/2010/main">
+              <a14:hiddenEffects xmlns:a14="http://schemas.microsoft.com/office/drawing/2010/main" xmlns="">
                 <a:effectLst>
                   <a:outerShdw blurRad="63500" dist="38099" dir="2700000" algn="ctr" rotWithShape="0">
                     <a:schemeClr val="bg2">
@@ -1669,7 +1685,7 @@
           <a:effectLst/>
           <a:extLst>
             <a:ext uri="{AF507438-7753-43e0-B8FC-AC1667EBCBE1}">
-              <a14:hiddenEffects xmlns:a14="http://schemas.microsoft.com/office/drawing/2010/main">
+              <a14:hiddenEffects xmlns:a14="http://schemas.microsoft.com/office/drawing/2010/main" xmlns="">
                 <a:effectLst>
                   <a:outerShdw blurRad="63500" dist="38099" dir="2700000" algn="ctr" rotWithShape="0">
                     <a:schemeClr val="bg2">
@@ -1722,14 +1738,14 @@
           <a:effectLst/>
           <a:extLst>
             <a:ext uri="{909E8E84-426E-40dd-AFC4-6F175D3DCCD1}">
-              <a14:hiddenFill xmlns:a14="http://schemas.microsoft.com/office/drawing/2010/main">
+              <a14:hiddenFill xmlns:a14="http://schemas.microsoft.com/office/drawing/2010/main" xmlns="">
                 <a:solidFill>
                   <a:schemeClr val="accent1"/>
                 </a:solidFill>
               </a14:hiddenFill>
             </a:ext>
             <a:ext uri="{91240B29-F687-4f45-9708-019B960494DF}">
-              <a14:hiddenLine xmlns:a14="http://schemas.microsoft.com/office/drawing/2010/main" w="9525">
+              <a14:hiddenLine xmlns:a14="http://schemas.microsoft.com/office/drawing/2010/main" xmlns="" w="9525">
                 <a:solidFill>
                   <a:schemeClr val="tx1"/>
                 </a:solidFill>
@@ -1739,7 +1755,7 @@
               </a14:hiddenLine>
             </a:ext>
             <a:ext uri="{AF507438-7753-43e0-B8FC-AC1667EBCBE1}">
-              <a14:hiddenEffects xmlns:a14="http://schemas.microsoft.com/office/drawing/2010/main">
+              <a14:hiddenEffects xmlns:a14="http://schemas.microsoft.com/office/drawing/2010/main" xmlns="">
                 <a:effectLst>
                   <a:outerShdw blurRad="63500" dist="38099" dir="2700000" algn="ctr" rotWithShape="0">
                     <a:schemeClr val="bg2">
@@ -1750,7 +1766,7 @@
               </a14:hiddenEffects>
             </a:ext>
             <a:ext uri="{FAA26D3D-D897-4be2-8F04-BA451C77F1D7}">
-              <ma14:placeholderFlag xmlns:ma14="http://schemas.microsoft.com/office/mac/drawingml/2011/main" val="1"/>
+              <ma14:placeholderFlag xmlns:ma14="http://schemas.microsoft.com/office/mac/drawingml/2011/main" xmlns="" val="1"/>
             </a:ext>
           </a:extLst>
         </p:spPr>
@@ -1902,7 +1918,7 @@
           <a:noFill/>
           <a:extLst>
             <a:ext uri="{909E8E84-426E-40dd-AFC4-6F175D3DCCD1}">
-              <a14:hiddenFill xmlns:a14="http://schemas.microsoft.com/office/drawing/2010/main">
+              <a14:hiddenFill xmlns:a14="http://schemas.microsoft.com/office/drawing/2010/main" xmlns="">
                 <a:solidFill>
                   <a:srgbClr val="FFFFFF"/>
                 </a:solidFill>
@@ -1934,14 +1950,14 @@
           <a:effectLst/>
           <a:extLst>
             <a:ext uri="{909E8E84-426E-40dd-AFC4-6F175D3DCCD1}">
-              <a14:hiddenFill xmlns:a14="http://schemas.microsoft.com/office/drawing/2010/main">
+              <a14:hiddenFill xmlns:a14="http://schemas.microsoft.com/office/drawing/2010/main" xmlns="">
                 <a:solidFill>
                   <a:schemeClr val="accent1"/>
                 </a:solidFill>
               </a14:hiddenFill>
             </a:ext>
             <a:ext uri="{91240B29-F687-4f45-9708-019B960494DF}">
-              <a14:hiddenLine xmlns:a14="http://schemas.microsoft.com/office/drawing/2010/main" w="9525">
+              <a14:hiddenLine xmlns:a14="http://schemas.microsoft.com/office/drawing/2010/main" xmlns="" w="9525">
                 <a:solidFill>
                   <a:schemeClr val="tx1"/>
                 </a:solidFill>
@@ -1951,7 +1967,7 @@
               </a14:hiddenLine>
             </a:ext>
             <a:ext uri="{AF507438-7753-43e0-B8FC-AC1667EBCBE1}">
-              <a14:hiddenEffects xmlns:a14="http://schemas.microsoft.com/office/drawing/2010/main">
+              <a14:hiddenEffects xmlns:a14="http://schemas.microsoft.com/office/drawing/2010/main" xmlns="">
                 <a:effectLst>
                   <a:outerShdw blurRad="63500" dist="38099" dir="2700000" algn="ctr" rotWithShape="0">
                     <a:schemeClr val="bg2">
@@ -2053,7 +2069,7 @@
                 <a:ea typeface="ＭＳ Ｐゴシック"/>
               </a:rPr>
               <a:pPr/>
-              <a:t>11/12/2014</a:t>
+              <a:t>2014/12/11</a:t>
             </a:fld>
             <a:endParaRPr lang="ja-JP" altLang="en-US">
               <a:solidFill>
@@ -2162,12 +2178,12 @@
           <a:effectLst/>
           <a:extLst>
             <a:ext uri="{909E8E84-426E-40dd-AFC4-6F175D3DCCD1}">
-              <a14:hiddenFill xmlns:a14="http://schemas.microsoft.com/office/drawing/2010/main">
+              <a14:hiddenFill xmlns:a14="http://schemas.microsoft.com/office/drawing/2010/main" xmlns="">
                 <a:noFill/>
               </a14:hiddenFill>
             </a:ext>
             <a:ext uri="{AF507438-7753-43e0-B8FC-AC1667EBCBE1}">
-              <a14:hiddenEffects xmlns:a14="http://schemas.microsoft.com/office/drawing/2010/main">
+              <a14:hiddenEffects xmlns:a14="http://schemas.microsoft.com/office/drawing/2010/main" xmlns="">
                 <a:effectLst>
                   <a:outerShdw blurRad="63500" dist="38099" dir="2700000" algn="ctr" rotWithShape="0">
                     <a:schemeClr val="bg2">
@@ -2221,12 +2237,12 @@
           <a:effectLst/>
           <a:extLst>
             <a:ext uri="{909E8E84-426E-40dd-AFC4-6F175D3DCCD1}">
-              <a14:hiddenFill xmlns:a14="http://schemas.microsoft.com/office/drawing/2010/main">
+              <a14:hiddenFill xmlns:a14="http://schemas.microsoft.com/office/drawing/2010/main" xmlns="">
                 <a:noFill/>
               </a14:hiddenFill>
             </a:ext>
             <a:ext uri="{AF507438-7753-43e0-B8FC-AC1667EBCBE1}">
-              <a14:hiddenEffects xmlns:a14="http://schemas.microsoft.com/office/drawing/2010/main">
+              <a14:hiddenEffects xmlns:a14="http://schemas.microsoft.com/office/drawing/2010/main" xmlns="">
                 <a:effectLst>
                   <a:outerShdw blurRad="63500" dist="38099" dir="2700000" algn="ctr" rotWithShape="0">
                     <a:schemeClr val="bg2">
@@ -2284,7 +2300,7 @@
           <a:effectLst/>
           <a:extLst>
             <a:ext uri="{AF507438-7753-43e0-B8FC-AC1667EBCBE1}">
-              <a14:hiddenEffects xmlns:a14="http://schemas.microsoft.com/office/drawing/2010/main">
+              <a14:hiddenEffects xmlns:a14="http://schemas.microsoft.com/office/drawing/2010/main" xmlns="">
                 <a:effectLst>
                   <a:outerShdw blurRad="63500" dist="38099" dir="2700000" algn="ctr" rotWithShape="0">
                     <a:schemeClr val="bg2">
@@ -2340,7 +2356,7 @@
           <a:effectLst/>
           <a:extLst>
             <a:ext uri="{AF507438-7753-43e0-B8FC-AC1667EBCBE1}">
-              <a14:hiddenEffects xmlns:a14="http://schemas.microsoft.com/office/drawing/2010/main">
+              <a14:hiddenEffects xmlns:a14="http://schemas.microsoft.com/office/drawing/2010/main" xmlns="">
                 <a:effectLst>
                   <a:outerShdw blurRad="63500" dist="38099" dir="2700000" algn="ctr" rotWithShape="0">
                     <a:schemeClr val="bg2">
@@ -2393,14 +2409,14 @@
           <a:effectLst/>
           <a:extLst>
             <a:ext uri="{909E8E84-426E-40dd-AFC4-6F175D3DCCD1}">
-              <a14:hiddenFill xmlns:a14="http://schemas.microsoft.com/office/drawing/2010/main">
+              <a14:hiddenFill xmlns:a14="http://schemas.microsoft.com/office/drawing/2010/main" xmlns="">
                 <a:solidFill>
                   <a:schemeClr val="accent1"/>
                 </a:solidFill>
               </a14:hiddenFill>
             </a:ext>
             <a:ext uri="{91240B29-F687-4f45-9708-019B960494DF}">
-              <a14:hiddenLine xmlns:a14="http://schemas.microsoft.com/office/drawing/2010/main" w="9525">
+              <a14:hiddenLine xmlns:a14="http://schemas.microsoft.com/office/drawing/2010/main" xmlns="" w="9525">
                 <a:solidFill>
                   <a:schemeClr val="tx1"/>
                 </a:solidFill>
@@ -2410,7 +2426,7 @@
               </a14:hiddenLine>
             </a:ext>
             <a:ext uri="{AF507438-7753-43e0-B8FC-AC1667EBCBE1}">
-              <a14:hiddenEffects xmlns:a14="http://schemas.microsoft.com/office/drawing/2010/main">
+              <a14:hiddenEffects xmlns:a14="http://schemas.microsoft.com/office/drawing/2010/main" xmlns="">
                 <a:effectLst>
                   <a:outerShdw blurRad="63500" dist="38099" dir="2700000" algn="ctr" rotWithShape="0">
                     <a:schemeClr val="bg2">
@@ -2421,7 +2437,7 @@
               </a14:hiddenEffects>
             </a:ext>
             <a:ext uri="{FAA26D3D-D897-4be2-8F04-BA451C77F1D7}">
-              <ma14:placeholderFlag xmlns:ma14="http://schemas.microsoft.com/office/mac/drawingml/2011/main" val="1"/>
+              <ma14:placeholderFlag xmlns:ma14="http://schemas.microsoft.com/office/mac/drawingml/2011/main" xmlns="" val="1"/>
             </a:ext>
           </a:extLst>
         </p:spPr>
@@ -2573,7 +2589,7 @@
           <a:noFill/>
           <a:extLst>
             <a:ext uri="{909E8E84-426E-40dd-AFC4-6F175D3DCCD1}">
-              <a14:hiddenFill xmlns:a14="http://schemas.microsoft.com/office/drawing/2010/main">
+              <a14:hiddenFill xmlns:a14="http://schemas.microsoft.com/office/drawing/2010/main" xmlns="">
                 <a:solidFill>
                   <a:srgbClr val="FFFFFF"/>
                 </a:solidFill>
@@ -2605,14 +2621,14 @@
           <a:effectLst/>
           <a:extLst>
             <a:ext uri="{909E8E84-426E-40dd-AFC4-6F175D3DCCD1}">
-              <a14:hiddenFill xmlns:a14="http://schemas.microsoft.com/office/drawing/2010/main">
+              <a14:hiddenFill xmlns:a14="http://schemas.microsoft.com/office/drawing/2010/main" xmlns="">
                 <a:solidFill>
                   <a:schemeClr val="accent1"/>
                 </a:solidFill>
               </a14:hiddenFill>
             </a:ext>
             <a:ext uri="{91240B29-F687-4f45-9708-019B960494DF}">
-              <a14:hiddenLine xmlns:a14="http://schemas.microsoft.com/office/drawing/2010/main" w="9525">
+              <a14:hiddenLine xmlns:a14="http://schemas.microsoft.com/office/drawing/2010/main" xmlns="" w="9525">
                 <a:solidFill>
                   <a:schemeClr val="tx1"/>
                 </a:solidFill>
@@ -2622,7 +2638,7 @@
               </a14:hiddenLine>
             </a:ext>
             <a:ext uri="{AF507438-7753-43e0-B8FC-AC1667EBCBE1}">
-              <a14:hiddenEffects xmlns:a14="http://schemas.microsoft.com/office/drawing/2010/main">
+              <a14:hiddenEffects xmlns:a14="http://schemas.microsoft.com/office/drawing/2010/main" xmlns="">
                 <a:effectLst>
                   <a:outerShdw blurRad="63500" dist="38099" dir="2700000" algn="ctr" rotWithShape="0">
                     <a:schemeClr val="bg2">
@@ -2724,7 +2740,7 @@
                 <a:ea typeface="ＭＳ Ｐゴシック"/>
               </a:rPr>
               <a:pPr/>
-              <a:t>11/12/2014</a:t>
+              <a:t>2014/12/11</a:t>
             </a:fld>
             <a:endParaRPr lang="ja-JP" altLang="en-US">
               <a:solidFill>
@@ -2833,12 +2849,12 @@
           <a:effectLst/>
           <a:extLst>
             <a:ext uri="{909E8E84-426E-40dd-AFC4-6F175D3DCCD1}">
-              <a14:hiddenFill xmlns:a14="http://schemas.microsoft.com/office/drawing/2010/main">
+              <a14:hiddenFill xmlns:a14="http://schemas.microsoft.com/office/drawing/2010/main" xmlns="">
                 <a:noFill/>
               </a14:hiddenFill>
             </a:ext>
             <a:ext uri="{AF507438-7753-43e0-B8FC-AC1667EBCBE1}">
-              <a14:hiddenEffects xmlns:a14="http://schemas.microsoft.com/office/drawing/2010/main">
+              <a14:hiddenEffects xmlns:a14="http://schemas.microsoft.com/office/drawing/2010/main" xmlns="">
                 <a:effectLst>
                   <a:outerShdw blurRad="63500" dist="38099" dir="2700000" algn="ctr" rotWithShape="0">
                     <a:schemeClr val="bg2">
@@ -2892,12 +2908,12 @@
           <a:effectLst/>
           <a:extLst>
             <a:ext uri="{909E8E84-426E-40dd-AFC4-6F175D3DCCD1}">
-              <a14:hiddenFill xmlns:a14="http://schemas.microsoft.com/office/drawing/2010/main">
+              <a14:hiddenFill xmlns:a14="http://schemas.microsoft.com/office/drawing/2010/main" xmlns="">
                 <a:noFill/>
               </a14:hiddenFill>
             </a:ext>
             <a:ext uri="{AF507438-7753-43e0-B8FC-AC1667EBCBE1}">
-              <a14:hiddenEffects xmlns:a14="http://schemas.microsoft.com/office/drawing/2010/main">
+              <a14:hiddenEffects xmlns:a14="http://schemas.microsoft.com/office/drawing/2010/main" xmlns="">
                 <a:effectLst>
                   <a:outerShdw blurRad="63500" dist="38099" dir="2700000" algn="ctr" rotWithShape="0">
                     <a:schemeClr val="bg2">
@@ -2955,7 +2971,7 @@
           <a:effectLst/>
           <a:extLst>
             <a:ext uri="{AF507438-7753-43e0-B8FC-AC1667EBCBE1}">
-              <a14:hiddenEffects xmlns:a14="http://schemas.microsoft.com/office/drawing/2010/main">
+              <a14:hiddenEffects xmlns:a14="http://schemas.microsoft.com/office/drawing/2010/main" xmlns="">
                 <a:effectLst>
                   <a:outerShdw blurRad="63500" dist="38099" dir="2700000" algn="ctr" rotWithShape="0">
                     <a:schemeClr val="bg2">
@@ -3011,7 +3027,7 @@
           <a:effectLst/>
           <a:extLst>
             <a:ext uri="{AF507438-7753-43e0-B8FC-AC1667EBCBE1}">
-              <a14:hiddenEffects xmlns:a14="http://schemas.microsoft.com/office/drawing/2010/main">
+              <a14:hiddenEffects xmlns:a14="http://schemas.microsoft.com/office/drawing/2010/main" xmlns="">
                 <a:effectLst>
                   <a:outerShdw blurRad="63500" dist="38099" dir="2700000" algn="ctr" rotWithShape="0">
                     <a:schemeClr val="bg2">
@@ -3064,14 +3080,14 @@
           <a:effectLst/>
           <a:extLst>
             <a:ext uri="{909E8E84-426E-40dd-AFC4-6F175D3DCCD1}">
-              <a14:hiddenFill xmlns:a14="http://schemas.microsoft.com/office/drawing/2010/main">
+              <a14:hiddenFill xmlns:a14="http://schemas.microsoft.com/office/drawing/2010/main" xmlns="">
                 <a:solidFill>
                   <a:schemeClr val="accent1"/>
                 </a:solidFill>
               </a14:hiddenFill>
             </a:ext>
             <a:ext uri="{91240B29-F687-4f45-9708-019B960494DF}">
-              <a14:hiddenLine xmlns:a14="http://schemas.microsoft.com/office/drawing/2010/main" w="9525">
+              <a14:hiddenLine xmlns:a14="http://schemas.microsoft.com/office/drawing/2010/main" xmlns="" w="9525">
                 <a:solidFill>
                   <a:schemeClr val="tx1"/>
                 </a:solidFill>
@@ -3081,7 +3097,7 @@
               </a14:hiddenLine>
             </a:ext>
             <a:ext uri="{AF507438-7753-43e0-B8FC-AC1667EBCBE1}">
-              <a14:hiddenEffects xmlns:a14="http://schemas.microsoft.com/office/drawing/2010/main">
+              <a14:hiddenEffects xmlns:a14="http://schemas.microsoft.com/office/drawing/2010/main" xmlns="">
                 <a:effectLst>
                   <a:outerShdw blurRad="63500" dist="38099" dir="2700000" algn="ctr" rotWithShape="0">
                     <a:schemeClr val="bg2">
@@ -3092,7 +3108,7 @@
               </a14:hiddenEffects>
             </a:ext>
             <a:ext uri="{FAA26D3D-D897-4be2-8F04-BA451C77F1D7}">
-              <ma14:placeholderFlag xmlns:ma14="http://schemas.microsoft.com/office/mac/drawingml/2011/main" val="1"/>
+              <ma14:placeholderFlag xmlns:ma14="http://schemas.microsoft.com/office/mac/drawingml/2011/main" xmlns="" val="1"/>
             </a:ext>
           </a:extLst>
         </p:spPr>
@@ -3244,7 +3260,7 @@
           <a:noFill/>
           <a:extLst>
             <a:ext uri="{909E8E84-426E-40dd-AFC4-6F175D3DCCD1}">
-              <a14:hiddenFill xmlns:a14="http://schemas.microsoft.com/office/drawing/2010/main">
+              <a14:hiddenFill xmlns:a14="http://schemas.microsoft.com/office/drawing/2010/main" xmlns="">
                 <a:solidFill>
                   <a:srgbClr val="FFFFFF"/>
                 </a:solidFill>
@@ -3276,14 +3292,14 @@
           <a:effectLst/>
           <a:extLst>
             <a:ext uri="{909E8E84-426E-40dd-AFC4-6F175D3DCCD1}">
-              <a14:hiddenFill xmlns:a14="http://schemas.microsoft.com/office/drawing/2010/main">
+              <a14:hiddenFill xmlns:a14="http://schemas.microsoft.com/office/drawing/2010/main" xmlns="">
                 <a:solidFill>
                   <a:schemeClr val="accent1"/>
                 </a:solidFill>
               </a14:hiddenFill>
             </a:ext>
             <a:ext uri="{91240B29-F687-4f45-9708-019B960494DF}">
-              <a14:hiddenLine xmlns:a14="http://schemas.microsoft.com/office/drawing/2010/main" w="9525">
+              <a14:hiddenLine xmlns:a14="http://schemas.microsoft.com/office/drawing/2010/main" xmlns="" w="9525">
                 <a:solidFill>
                   <a:schemeClr val="tx1"/>
                 </a:solidFill>
@@ -3293,7 +3309,7 @@
               </a14:hiddenLine>
             </a:ext>
             <a:ext uri="{AF507438-7753-43e0-B8FC-AC1667EBCBE1}">
-              <a14:hiddenEffects xmlns:a14="http://schemas.microsoft.com/office/drawing/2010/main">
+              <a14:hiddenEffects xmlns:a14="http://schemas.microsoft.com/office/drawing/2010/main" xmlns="">
                 <a:effectLst>
                   <a:outerShdw blurRad="63500" dist="38099" dir="2700000" algn="ctr" rotWithShape="0">
                     <a:schemeClr val="bg2">
@@ -3502,7 +3518,7 @@
                 <a:ea typeface="ＭＳ Ｐゴシック"/>
               </a:rPr>
               <a:pPr/>
-              <a:t>11/12/2014</a:t>
+              <a:t>2014/12/11</a:t>
             </a:fld>
             <a:endParaRPr lang="ja-JP" altLang="en-US">
               <a:solidFill>
@@ -3610,7 +3626,7 @@
           <a:effectLst/>
           <a:extLst>
             <a:ext uri="{91240B29-F687-4f45-9708-019B960494DF}">
-              <a14:hiddenLine xmlns:a14="http://schemas.microsoft.com/office/drawing/2010/main" w="9525">
+              <a14:hiddenLine xmlns:a14="http://schemas.microsoft.com/office/drawing/2010/main" xmlns="" w="9525">
                 <a:solidFill>
                   <a:schemeClr val="tx1"/>
                 </a:solidFill>
@@ -3620,7 +3636,7 @@
               </a14:hiddenLine>
             </a:ext>
             <a:ext uri="{AF507438-7753-43e0-B8FC-AC1667EBCBE1}">
-              <a14:hiddenEffects xmlns:a14="http://schemas.microsoft.com/office/drawing/2010/main">
+              <a14:hiddenEffects xmlns:a14="http://schemas.microsoft.com/office/drawing/2010/main" xmlns="">
                 <a:effectLst>
                   <a:outerShdw blurRad="63500" dist="38099" dir="2700000" algn="ctr" rotWithShape="0">
                     <a:schemeClr val="bg2">
@@ -3676,7 +3692,7 @@
           <a:effectLst/>
           <a:extLst>
             <a:ext uri="{AF507438-7753-43e0-B8FC-AC1667EBCBE1}">
-              <a14:hiddenEffects xmlns:a14="http://schemas.microsoft.com/office/drawing/2010/main">
+              <a14:hiddenEffects xmlns:a14="http://schemas.microsoft.com/office/drawing/2010/main" xmlns="">
                 <a:effectLst>
                   <a:outerShdw blurRad="63500" dist="38099" dir="2700000" algn="ctr" rotWithShape="0">
                     <a:schemeClr val="bg2">
@@ -3729,14 +3745,14 @@
           <a:effectLst/>
           <a:extLst>
             <a:ext uri="{909E8E84-426E-40dd-AFC4-6F175D3DCCD1}">
-              <a14:hiddenFill xmlns:a14="http://schemas.microsoft.com/office/drawing/2010/main">
+              <a14:hiddenFill xmlns:a14="http://schemas.microsoft.com/office/drawing/2010/main" xmlns="">
                 <a:solidFill>
                   <a:schemeClr val="accent1"/>
                 </a:solidFill>
               </a14:hiddenFill>
             </a:ext>
             <a:ext uri="{91240B29-F687-4f45-9708-019B960494DF}">
-              <a14:hiddenLine xmlns:a14="http://schemas.microsoft.com/office/drawing/2010/main" w="9525">
+              <a14:hiddenLine xmlns:a14="http://schemas.microsoft.com/office/drawing/2010/main" xmlns="" w="9525">
                 <a:solidFill>
                   <a:schemeClr val="tx1"/>
                 </a:solidFill>
@@ -3746,7 +3762,7 @@
               </a14:hiddenLine>
             </a:ext>
             <a:ext uri="{AF507438-7753-43e0-B8FC-AC1667EBCBE1}">
-              <a14:hiddenEffects xmlns:a14="http://schemas.microsoft.com/office/drawing/2010/main">
+              <a14:hiddenEffects xmlns:a14="http://schemas.microsoft.com/office/drawing/2010/main" xmlns="">
                 <a:effectLst>
                   <a:outerShdw blurRad="63500" dist="38099" dir="2700000" algn="ctr" rotWithShape="0">
                     <a:schemeClr val="bg2">
@@ -3824,7 +3840,7 @@
           <a:noFill/>
           <a:extLst>
             <a:ext uri="{909E8E84-426E-40dd-AFC4-6F175D3DCCD1}">
-              <a14:hiddenFill xmlns:a14="http://schemas.microsoft.com/office/drawing/2010/main">
+              <a14:hiddenFill xmlns:a14="http://schemas.microsoft.com/office/drawing/2010/main" xmlns="">
                 <a:solidFill>
                   <a:srgbClr val="FFFFFF"/>
                 </a:solidFill>
@@ -4040,7 +4056,7 @@
                 <a:ea typeface="ＭＳ Ｐゴシック"/>
               </a:rPr>
               <a:pPr/>
-              <a:t>11/12/2014</a:t>
+              <a:t>2014/12/11</a:t>
             </a:fld>
             <a:endParaRPr lang="ja-JP" altLang="en-US">
               <a:solidFill>
@@ -4434,7 +4450,7 @@
                 <a:ea typeface="ＭＳ Ｐゴシック"/>
               </a:rPr>
               <a:pPr/>
-              <a:t>11/12/2014</a:t>
+              <a:t>2014/12/11</a:t>
             </a:fld>
             <a:endParaRPr lang="ja-JP" altLang="en-US">
               <a:solidFill>
@@ -4543,12 +4559,12 @@
           <a:effectLst/>
           <a:extLst>
             <a:ext uri="{909E8E84-426E-40dd-AFC4-6F175D3DCCD1}">
-              <a14:hiddenFill xmlns:a14="http://schemas.microsoft.com/office/drawing/2010/main">
+              <a14:hiddenFill xmlns:a14="http://schemas.microsoft.com/office/drawing/2010/main" xmlns="">
                 <a:noFill/>
               </a14:hiddenFill>
             </a:ext>
             <a:ext uri="{AF507438-7753-43e0-B8FC-AC1667EBCBE1}">
-              <a14:hiddenEffects xmlns:a14="http://schemas.microsoft.com/office/drawing/2010/main">
+              <a14:hiddenEffects xmlns:a14="http://schemas.microsoft.com/office/drawing/2010/main" xmlns="">
                 <a:effectLst>
                   <a:outerShdw blurRad="63500" dist="38099" dir="2700000" algn="ctr" rotWithShape="0">
                     <a:schemeClr val="bg2">
@@ -4602,12 +4618,12 @@
           <a:effectLst/>
           <a:extLst>
             <a:ext uri="{909E8E84-426E-40dd-AFC4-6F175D3DCCD1}">
-              <a14:hiddenFill xmlns:a14="http://schemas.microsoft.com/office/drawing/2010/main">
+              <a14:hiddenFill xmlns:a14="http://schemas.microsoft.com/office/drawing/2010/main" xmlns="">
                 <a:noFill/>
               </a14:hiddenFill>
             </a:ext>
             <a:ext uri="{AF507438-7753-43e0-B8FC-AC1667EBCBE1}">
-              <a14:hiddenEffects xmlns:a14="http://schemas.microsoft.com/office/drawing/2010/main">
+              <a14:hiddenEffects xmlns:a14="http://schemas.microsoft.com/office/drawing/2010/main" xmlns="">
                 <a:effectLst>
                   <a:outerShdw blurRad="63500" dist="38099" dir="2700000" algn="ctr" rotWithShape="0">
                     <a:schemeClr val="bg2">
@@ -4665,7 +4681,7 @@
           <a:effectLst/>
           <a:extLst>
             <a:ext uri="{AF507438-7753-43e0-B8FC-AC1667EBCBE1}">
-              <a14:hiddenEffects xmlns:a14="http://schemas.microsoft.com/office/drawing/2010/main">
+              <a14:hiddenEffects xmlns:a14="http://schemas.microsoft.com/office/drawing/2010/main" xmlns="">
                 <a:effectLst>
                   <a:outerShdw blurRad="63500" dist="38099" dir="2700000" algn="ctr" rotWithShape="0">
                     <a:schemeClr val="bg2">
@@ -4721,7 +4737,7 @@
           <a:effectLst/>
           <a:extLst>
             <a:ext uri="{AF507438-7753-43e0-B8FC-AC1667EBCBE1}">
-              <a14:hiddenEffects xmlns:a14="http://schemas.microsoft.com/office/drawing/2010/main">
+              <a14:hiddenEffects xmlns:a14="http://schemas.microsoft.com/office/drawing/2010/main" xmlns="">
                 <a:effectLst>
                   <a:outerShdw blurRad="63500" dist="38099" dir="2700000" algn="ctr" rotWithShape="0">
                     <a:schemeClr val="bg2">
@@ -4783,7 +4799,7 @@
           <a:noFill/>
           <a:extLst>
             <a:ext uri="{909E8E84-426E-40dd-AFC4-6F175D3DCCD1}">
-              <a14:hiddenFill xmlns:a14="http://schemas.microsoft.com/office/drawing/2010/main">
+              <a14:hiddenFill xmlns:a14="http://schemas.microsoft.com/office/drawing/2010/main" xmlns="">
                 <a:solidFill>
                   <a:srgbClr val="FFFFFF"/>
                 </a:solidFill>
@@ -4815,14 +4831,14 @@
           <a:effectLst/>
           <a:extLst>
             <a:ext uri="{909E8E84-426E-40dd-AFC4-6F175D3DCCD1}">
-              <a14:hiddenFill xmlns:a14="http://schemas.microsoft.com/office/drawing/2010/main">
+              <a14:hiddenFill xmlns:a14="http://schemas.microsoft.com/office/drawing/2010/main" xmlns="">
                 <a:solidFill>
                   <a:schemeClr val="accent1"/>
                 </a:solidFill>
               </a14:hiddenFill>
             </a:ext>
             <a:ext uri="{91240B29-F687-4f45-9708-019B960494DF}">
-              <a14:hiddenLine xmlns:a14="http://schemas.microsoft.com/office/drawing/2010/main" w="9525">
+              <a14:hiddenLine xmlns:a14="http://schemas.microsoft.com/office/drawing/2010/main" xmlns="" w="9525">
                 <a:solidFill>
                   <a:schemeClr val="tx1"/>
                 </a:solidFill>
@@ -4832,7 +4848,7 @@
               </a14:hiddenLine>
             </a:ext>
             <a:ext uri="{AF507438-7753-43e0-B8FC-AC1667EBCBE1}">
-              <a14:hiddenEffects xmlns:a14="http://schemas.microsoft.com/office/drawing/2010/main">
+              <a14:hiddenEffects xmlns:a14="http://schemas.microsoft.com/office/drawing/2010/main" xmlns="">
                 <a:effectLst>
                   <a:outerShdw blurRad="63500" dist="38099" dir="2700000" algn="ctr" rotWithShape="0">
                     <a:schemeClr val="bg2">
@@ -5325,7 +5341,7 @@
                 <a:ea typeface="ＭＳ Ｐゴシック"/>
               </a:rPr>
               <a:pPr/>
-              <a:t>11/12/2014</a:t>
+              <a:t>2014/12/11</a:t>
             </a:fld>
             <a:endParaRPr lang="ja-JP" altLang="en-US">
               <a:solidFill>
@@ -5485,7 +5501,7 @@
                 <a:ea typeface="ＭＳ Ｐゴシック"/>
               </a:rPr>
               <a:pPr/>
-              <a:t>11/12/2014</a:t>
+              <a:t>2014/12/11</a:t>
             </a:fld>
             <a:endParaRPr lang="ja-JP" altLang="en-US">
               <a:solidFill>
@@ -5622,7 +5638,7 @@
                 <a:ea typeface="ＭＳ Ｐゴシック"/>
               </a:rPr>
               <a:pPr/>
-              <a:t>11/12/2014</a:t>
+              <a:t>2014/12/11</a:t>
             </a:fld>
             <a:endParaRPr lang="ja-JP" altLang="en-US">
               <a:solidFill>
@@ -5973,7 +5989,7 @@
                 <a:ea typeface="ＭＳ Ｐゴシック"/>
               </a:rPr>
               <a:pPr/>
-              <a:t>11/12/2014</a:t>
+              <a:t>2014/12/11</a:t>
             </a:fld>
             <a:endParaRPr lang="ja-JP" altLang="en-US">
               <a:solidFill>
@@ -6268,7 +6284,7 @@
                 <a:ea typeface="ＭＳ Ｐゴシック"/>
               </a:rPr>
               <a:pPr/>
-              <a:t>11/12/2014</a:t>
+              <a:t>2014/12/11</a:t>
             </a:fld>
             <a:endParaRPr lang="ja-JP" altLang="en-US">
               <a:solidFill>
@@ -6555,7 +6571,7 @@
                 <a:ea typeface="ＭＳ Ｐゴシック"/>
               </a:rPr>
               <a:pPr/>
-              <a:t>11/12/2014</a:t>
+              <a:t>2014/12/11</a:t>
             </a:fld>
             <a:endParaRPr kumimoji="1" lang="ja-JP" altLang="en-US">
               <a:solidFill>
@@ -7263,7 +7279,7 @@
         </p:nvGraphicFramePr>
         <p:xfrm>
           <a:off x="5131965" y="548879"/>
-          <a:ext cx="3868103" cy="4363316"/>
+          <a:ext cx="3868103" cy="4515716"/>
         </p:xfrm>
         <a:graphic>
           <a:graphicData uri="http://schemas.openxmlformats.org/drawingml/2006/table">
@@ -14346,7 +14362,7 @@
   <p:timing>
     <p:tnLst>
       <p:par>
-        <p:cTn xmlns:p14="http://schemas.microsoft.com/office/powerpoint/2010/main" id="1" dur="indefinite" restart="never" nodeType="tmRoot"/>
+        <p:cTn id="1" dur="indefinite" restart="never" nodeType="tmRoot"/>
       </p:par>
     </p:tnLst>
   </p:timing>
@@ -15339,11 +15355,7 @@
                     <a:p>
                       <a:r>
                         <a:rPr kumimoji="1" lang="en-US" altLang="ja-JP" sz="1000"/>
-                        <a:t>Title </a:t>
-                      </a:r>
-                      <a:r>
-                        <a:rPr kumimoji="1" lang="en-US" altLang="ja-JP" sz="1000"/>
-                        <a:t>post</a:t>
+                        <a:t>Title post</a:t>
                       </a:r>
                       <a:endParaRPr kumimoji="1" lang="ja-JP" altLang="en-US" sz="1000"/>
                     </a:p>
@@ -17109,7 +17121,7 @@
   <p:timing>
     <p:tnLst>
       <p:par>
-        <p:cTn xmlns:p14="http://schemas.microsoft.com/office/powerpoint/2010/main" id="1" dur="indefinite" restart="never" nodeType="tmRoot"/>
+        <p:cTn id="1" dur="indefinite" restart="never" nodeType="tmRoot"/>
       </p:par>
     </p:tnLst>
   </p:timing>
@@ -18102,11 +18114,7 @@
                     <a:p>
                       <a:r>
                         <a:rPr kumimoji="1" lang="en-US" altLang="ja-JP" sz="1000"/>
-                        <a:t>Title </a:t>
-                      </a:r>
-                      <a:r>
-                        <a:rPr kumimoji="1" lang="en-US" altLang="ja-JP" sz="1000"/>
-                        <a:t>post</a:t>
+                        <a:t>Title post</a:t>
                       </a:r>
                       <a:endParaRPr kumimoji="1" lang="ja-JP" altLang="en-US" sz="1000"/>
                     </a:p>
@@ -20034,7 +20042,7 @@
   <p:timing>
     <p:tnLst>
       <p:par>
-        <p:cTn xmlns:p14="http://schemas.microsoft.com/office/powerpoint/2010/main" id="1" dur="indefinite" restart="never" nodeType="tmRoot"/>
+        <p:cTn id="1" dur="indefinite" restart="never" nodeType="tmRoot"/>
       </p:par>
     </p:tnLst>
   </p:timing>
@@ -23629,7 +23637,7 @@
   <p:timing>
     <p:tnLst>
       <p:par>
-        <p:cTn xmlns:p14="http://schemas.microsoft.com/office/powerpoint/2010/main" id="1" dur="indefinite" restart="never" nodeType="tmRoot"/>
+        <p:cTn id="1" dur="indefinite" restart="never" nodeType="tmRoot"/>
       </p:par>
     </p:tnLst>
   </p:timing>
@@ -25826,7 +25834,7 @@
           <p:nvPr>
             <p:extLst>
               <p:ext uri="{D42A27DB-BD31-4B8C-83A1-F6EECF244321}">
-                <p14:modId xmlns:p14="http://schemas.microsoft.com/office/powerpoint/2010/main" val="1361596128"/>
+                <p14:modId xmlns:p14="http://schemas.microsoft.com/office/powerpoint/2010/main" val="1013060960"/>
               </p:ext>
             </p:extLst>
           </p:nvPr>
@@ -27499,7 +27507,13 @@
                         <a:rPr kumimoji="1" lang="en-GB" altLang="ja-JP" sz="1000" dirty="0" smtClean="0">
                           <a:latin typeface="Calibri" panose="020F0502020204030204" pitchFamily="34" charset="0"/>
                         </a:rPr>
-                        <a:t>Pagination</a:t>
+                        <a:t>Show</a:t>
+                      </a:r>
+                      <a:r>
+                        <a:rPr kumimoji="1" lang="en-GB" altLang="ja-JP" sz="1000" baseline="0" dirty="0" smtClean="0">
+                          <a:latin typeface="Calibri" panose="020F0502020204030204" pitchFamily="34" charset="0"/>
+                        </a:rPr>
+                        <a:t> more</a:t>
                       </a:r>
                       <a:endParaRPr kumimoji="1" lang="ja-JP" altLang="en-US" sz="1000" dirty="0">
                         <a:latin typeface="Calibri" panose="020F0502020204030204" pitchFamily="34" charset="0"/>
@@ -27525,6 +27539,18 @@
                     <a:bodyPr/>
                     <a:lstStyle/>
                     <a:p>
+                      <a:r>
+                        <a:rPr kumimoji="1" lang="en-GB" altLang="ja-JP" sz="1000" dirty="0" smtClean="0">
+                          <a:latin typeface="Calibri" panose="020F0502020204030204" pitchFamily="34" charset="0"/>
+                        </a:rPr>
+                        <a:t>Display</a:t>
+                      </a:r>
+                      <a:r>
+                        <a:rPr kumimoji="1" lang="en-GB" altLang="ja-JP" sz="1000" baseline="0" dirty="0" smtClean="0">
+                          <a:latin typeface="Calibri" panose="020F0502020204030204" pitchFamily="34" charset="0"/>
+                        </a:rPr>
+                        <a:t> more user’s comments</a:t>
+                      </a:r>
                       <a:endParaRPr kumimoji="1" lang="ja-JP" altLang="en-US" sz="1000" dirty="0">
                         <a:latin typeface="Calibri" panose="020F0502020204030204" pitchFamily="34" charset="0"/>
                       </a:endParaRPr>
@@ -27589,223 +27615,13 @@
       </p:sp>
       <p:sp>
         <p:nvSpPr>
-          <p:cNvPr id="71" name="Rectangle 70"/>
-          <p:cNvSpPr/>
-          <p:nvPr/>
-        </p:nvSpPr>
-        <p:spPr>
-          <a:xfrm>
-            <a:off x="233117" y="6214849"/>
-            <a:ext cx="508001" cy="279400"/>
-          </a:xfrm>
-          <a:prstGeom prst="rect">
-            <a:avLst/>
-          </a:prstGeom>
-          <a:ln>
-            <a:solidFill>
-              <a:schemeClr val="tx1"/>
-            </a:solidFill>
-          </a:ln>
-          <a:effectLst/>
-        </p:spPr>
-        <p:style>
-          <a:lnRef idx="1">
-            <a:schemeClr val="accent1"/>
-          </a:lnRef>
-          <a:fillRef idx="3">
-            <a:schemeClr val="accent1"/>
-          </a:fillRef>
-          <a:effectRef idx="2">
-            <a:schemeClr val="accent1"/>
-          </a:effectRef>
-          <a:fontRef idx="minor">
-            <a:schemeClr val="lt1"/>
-          </a:fontRef>
-        </p:style>
-        <p:txBody>
-          <a:bodyPr rtlCol="0" anchor="ctr"/>
-          <a:lstStyle/>
-          <a:p>
-            <a:pPr algn="ctr"/>
-            <a:r>
-              <a:rPr kumimoji="1" lang="en-US" altLang="ja-JP" sz="1000">
-                <a:solidFill>
-                  <a:schemeClr val="tx1"/>
-                </a:solidFill>
-              </a:rPr>
-              <a:t>Prev</a:t>
-            </a:r>
-            <a:endParaRPr kumimoji="1" lang="ja-JP" altLang="en-US" sz="1000">
-              <a:solidFill>
-                <a:schemeClr val="tx1"/>
-              </a:solidFill>
-            </a:endParaRPr>
-          </a:p>
-        </p:txBody>
-      </p:sp>
-      <p:sp>
-        <p:nvSpPr>
-          <p:cNvPr id="72" name="Rectangle 71"/>
-          <p:cNvSpPr/>
-          <p:nvPr/>
-        </p:nvSpPr>
-        <p:spPr>
-          <a:xfrm>
-            <a:off x="825792" y="6214843"/>
-            <a:ext cx="254000" cy="279400"/>
-          </a:xfrm>
-          <a:prstGeom prst="rect">
-            <a:avLst/>
-          </a:prstGeom>
-        </p:spPr>
-        <p:style>
-          <a:lnRef idx="1">
-            <a:schemeClr val="accent1"/>
-          </a:lnRef>
-          <a:fillRef idx="3">
-            <a:schemeClr val="accent1"/>
-          </a:fillRef>
-          <a:effectRef idx="2">
-            <a:schemeClr val="accent1"/>
-          </a:effectRef>
-          <a:fontRef idx="minor">
-            <a:schemeClr val="lt1"/>
-          </a:fontRef>
-        </p:style>
-        <p:txBody>
-          <a:bodyPr rtlCol="0" anchor="ctr"/>
-          <a:lstStyle/>
-          <a:p>
-            <a:pPr algn="ctr"/>
-            <a:r>
-              <a:rPr kumimoji="1" lang="en-US" altLang="ja-JP" sz="1000"/>
-              <a:t>1</a:t>
-            </a:r>
-            <a:endParaRPr kumimoji="1" lang="ja-JP" altLang="en-US" sz="1000"/>
-          </a:p>
-        </p:txBody>
-      </p:sp>
-      <p:sp>
-        <p:nvSpPr>
-          <p:cNvPr id="73" name="Rectangle 72"/>
-          <p:cNvSpPr/>
-          <p:nvPr/>
-        </p:nvSpPr>
-        <p:spPr>
-          <a:xfrm>
-            <a:off x="1172939" y="6214843"/>
-            <a:ext cx="254000" cy="279400"/>
-          </a:xfrm>
-          <a:prstGeom prst="rect">
-            <a:avLst/>
-          </a:prstGeom>
-          <a:ln>
-            <a:solidFill>
-              <a:schemeClr val="tx1"/>
-            </a:solidFill>
-          </a:ln>
-          <a:effectLst/>
-        </p:spPr>
-        <p:style>
-          <a:lnRef idx="1">
-            <a:schemeClr val="accent1"/>
-          </a:lnRef>
-          <a:fillRef idx="3">
-            <a:schemeClr val="accent1"/>
-          </a:fillRef>
-          <a:effectRef idx="2">
-            <a:schemeClr val="accent1"/>
-          </a:effectRef>
-          <a:fontRef idx="minor">
-            <a:schemeClr val="lt1"/>
-          </a:fontRef>
-        </p:style>
-        <p:txBody>
-          <a:bodyPr rtlCol="0" anchor="ctr"/>
-          <a:lstStyle/>
-          <a:p>
-            <a:pPr algn="ctr"/>
-            <a:r>
-              <a:rPr kumimoji="1" lang="en-US" altLang="ja-JP" sz="1000">
-                <a:solidFill>
-                  <a:schemeClr val="tx1"/>
-                </a:solidFill>
-              </a:rPr>
-              <a:t>2</a:t>
-            </a:r>
-            <a:endParaRPr kumimoji="1" lang="ja-JP" altLang="en-US" sz="1000">
-              <a:solidFill>
-                <a:schemeClr val="tx1"/>
-              </a:solidFill>
-            </a:endParaRPr>
-          </a:p>
-        </p:txBody>
-      </p:sp>
-      <p:sp>
-        <p:nvSpPr>
-          <p:cNvPr id="74" name="Rectangle 73"/>
-          <p:cNvSpPr/>
-          <p:nvPr/>
-        </p:nvSpPr>
-        <p:spPr>
-          <a:xfrm>
-            <a:off x="1528552" y="6214843"/>
-            <a:ext cx="482566" cy="279400"/>
-          </a:xfrm>
-          <a:prstGeom prst="rect">
-            <a:avLst/>
-          </a:prstGeom>
-          <a:ln>
-            <a:solidFill>
-              <a:schemeClr val="tx1"/>
-            </a:solidFill>
-          </a:ln>
-          <a:effectLst/>
-        </p:spPr>
-        <p:style>
-          <a:lnRef idx="1">
-            <a:schemeClr val="accent1"/>
-          </a:lnRef>
-          <a:fillRef idx="3">
-            <a:schemeClr val="accent1"/>
-          </a:fillRef>
-          <a:effectRef idx="2">
-            <a:schemeClr val="accent1"/>
-          </a:effectRef>
-          <a:fontRef idx="minor">
-            <a:schemeClr val="lt1"/>
-          </a:fontRef>
-        </p:style>
-        <p:txBody>
-          <a:bodyPr rtlCol="0" anchor="ctr"/>
-          <a:lstStyle/>
-          <a:p>
-            <a:pPr algn="ctr"/>
-            <a:r>
-              <a:rPr kumimoji="1" lang="en-US" altLang="ja-JP" sz="1000">
-                <a:solidFill>
-                  <a:schemeClr val="tx1"/>
-                </a:solidFill>
-              </a:rPr>
-              <a:t>Next</a:t>
-            </a:r>
-            <a:endParaRPr kumimoji="1" lang="ja-JP" altLang="en-US" sz="1000">
-              <a:solidFill>
-                <a:schemeClr val="tx1"/>
-              </a:solidFill>
-            </a:endParaRPr>
-          </a:p>
-        </p:txBody>
-      </p:sp>
-      <p:sp>
-        <p:nvSpPr>
           <p:cNvPr id="75" name="TextBox 74"/>
           <p:cNvSpPr txBox="1"/>
           <p:nvPr/>
         </p:nvSpPr>
         <p:spPr>
           <a:xfrm>
-            <a:off x="2169725" y="6214843"/>
+            <a:off x="2330900" y="6202968"/>
             <a:ext cx="392430" cy="246221"/>
           </a:xfrm>
           <a:prstGeom prst="rect">
@@ -27830,6 +27646,48 @@
             <a:endParaRPr kumimoji="1" lang="ja-JP" altLang="en-US" sz="1000" dirty="0">
               <a:solidFill>
                 <a:srgbClr val="FF0000"/>
+              </a:solidFill>
+            </a:endParaRPr>
+          </a:p>
+        </p:txBody>
+      </p:sp>
+      <p:sp>
+        <p:nvSpPr>
+          <p:cNvPr id="67" name="TextBox 66"/>
+          <p:cNvSpPr txBox="1"/>
+          <p:nvPr/>
+        </p:nvSpPr>
+        <p:spPr>
+          <a:xfrm>
+            <a:off x="1727488" y="6191571"/>
+            <a:ext cx="839250" cy="246221"/>
+          </a:xfrm>
+          <a:prstGeom prst="rect">
+            <a:avLst/>
+          </a:prstGeom>
+          <a:noFill/>
+        </p:spPr>
+        <p:txBody>
+          <a:bodyPr wrap="square" rtlCol="0">
+            <a:spAutoFit/>
+          </a:bodyPr>
+          <a:lstStyle/>
+          <a:p>
+            <a:r>
+              <a:rPr kumimoji="1" lang="en-US" altLang="ja-JP" sz="1000" u="sng" dirty="0" smtClean="0">
+                <a:solidFill>
+                  <a:schemeClr val="accent1">
+                    <a:lumMod val="75000"/>
+                  </a:schemeClr>
+                </a:solidFill>
+              </a:rPr>
+              <a:t>Show more</a:t>
+            </a:r>
+            <a:endParaRPr kumimoji="1" lang="ja-JP" altLang="en-US" sz="1000" u="sng" dirty="0">
+              <a:solidFill>
+                <a:schemeClr val="accent1">
+                  <a:lumMod val="75000"/>
+                </a:schemeClr>
               </a:solidFill>
             </a:endParaRPr>
           </a:p>
@@ -27925,2693 +27783,6 @@
           </a:p>
         </p:txBody>
       </p:sp>
-      <p:grpSp>
-        <p:nvGrpSpPr>
-          <p:cNvPr id="5" name="Group 4"/>
-          <p:cNvGrpSpPr/>
-          <p:nvPr/>
-        </p:nvGrpSpPr>
-        <p:grpSpPr>
-          <a:xfrm>
-            <a:off x="116104" y="542926"/>
-            <a:ext cx="4611672" cy="6174866"/>
-            <a:chOff x="387048" y="542926"/>
-            <a:chExt cx="4007217" cy="5998120"/>
-          </a:xfrm>
-        </p:grpSpPr>
-        <p:grpSp>
-          <p:nvGrpSpPr>
-            <p:cNvPr id="6" name="Group 5"/>
-            <p:cNvGrpSpPr/>
-            <p:nvPr/>
-          </p:nvGrpSpPr>
-          <p:grpSpPr>
-            <a:xfrm>
-              <a:off x="387048" y="542926"/>
-              <a:ext cx="4007217" cy="5998120"/>
-              <a:chOff x="387048" y="542926"/>
-              <a:chExt cx="4007217" cy="5998120"/>
-            </a:xfrm>
-          </p:grpSpPr>
-          <p:grpSp>
-            <p:nvGrpSpPr>
-              <p:cNvPr id="13" name="Group 12"/>
-              <p:cNvGrpSpPr/>
-              <p:nvPr/>
-            </p:nvGrpSpPr>
-            <p:grpSpPr>
-              <a:xfrm>
-                <a:off x="387048" y="542926"/>
-                <a:ext cx="4007217" cy="5998120"/>
-                <a:chOff x="387048" y="542926"/>
-                <a:chExt cx="4007217" cy="5998120"/>
-              </a:xfrm>
-            </p:grpSpPr>
-            <p:grpSp>
-              <p:nvGrpSpPr>
-                <p:cNvPr id="28" name="Group 27"/>
-                <p:cNvGrpSpPr/>
-                <p:nvPr/>
-              </p:nvGrpSpPr>
-              <p:grpSpPr>
-                <a:xfrm>
-                  <a:off x="387048" y="542926"/>
-                  <a:ext cx="4007217" cy="5998120"/>
-                  <a:chOff x="387048" y="542926"/>
-                  <a:chExt cx="4007217" cy="5998120"/>
-                </a:xfrm>
-              </p:grpSpPr>
-              <p:sp useBgFill="1">
-                <p:nvSpPr>
-                  <p:cNvPr id="30" name="Rectangle 29"/>
-                  <p:cNvSpPr/>
-                  <p:nvPr/>
-                </p:nvSpPr>
-                <p:spPr>
-                  <a:xfrm>
-                    <a:off x="387048" y="542926"/>
-                    <a:ext cx="3967238" cy="5998120"/>
-                  </a:xfrm>
-                  <a:prstGeom prst="rect">
-                    <a:avLst/>
-                  </a:prstGeom>
-                  <a:ln w="6350" cmpd="sng">
-                    <a:solidFill>
-                      <a:schemeClr val="tx1"/>
-                    </a:solidFill>
-                  </a:ln>
-                </p:spPr>
-                <p:style>
-                  <a:lnRef idx="2">
-                    <a:schemeClr val="accent1"/>
-                  </a:lnRef>
-                  <a:fillRef idx="1">
-                    <a:schemeClr val="lt1"/>
-                  </a:fillRef>
-                  <a:effectRef idx="0">
-                    <a:schemeClr val="accent1"/>
-                  </a:effectRef>
-                  <a:fontRef idx="minor">
-                    <a:schemeClr val="dk1"/>
-                  </a:fontRef>
-                </p:style>
-                <p:txBody>
-                  <a:bodyPr rtlCol="0" anchor="ctr"/>
-                  <a:lstStyle/>
-                  <a:p>
-                    <a:pPr algn="ctr"/>
-                    <a:endParaRPr kumimoji="1" lang="ja-JP" altLang="en-US">
-                      <a:solidFill>
-                        <a:srgbClr val="FF0000"/>
-                      </a:solidFill>
-                    </a:endParaRPr>
-                  </a:p>
-                </p:txBody>
-              </p:sp>
-              <p:sp>
-                <p:nvSpPr>
-                  <p:cNvPr id="31" name="TextBox 30"/>
-                  <p:cNvSpPr txBox="1"/>
-                  <p:nvPr/>
-                </p:nvSpPr>
-                <p:spPr>
-                  <a:xfrm>
-                    <a:off x="418039" y="1646211"/>
-                    <a:ext cx="3967238" cy="400110"/>
-                  </a:xfrm>
-                  <a:prstGeom prst="rect">
-                    <a:avLst/>
-                  </a:prstGeom>
-                  <a:noFill/>
-                </p:spPr>
-                <p:txBody>
-                  <a:bodyPr wrap="square" rtlCol="0">
-                    <a:spAutoFit/>
-                  </a:bodyPr>
-                  <a:lstStyle/>
-                  <a:p>
-                    <a:r>
-                      <a:rPr lang="en-GB" sz="1000" dirty="0" smtClean="0"/>
-                      <a:t>Blog 1</a:t>
-                    </a:r>
-                  </a:p>
-                  <a:p>
-                    <a:r>
-                      <a:rPr kumimoji="1" lang="en-US" altLang="ja-JP" sz="1000" i="1" dirty="0" smtClean="0">
-                        <a:solidFill>
-                          <a:schemeClr val="bg1">
-                            <a:lumMod val="65000"/>
-                          </a:schemeClr>
-                        </a:solidFill>
-                      </a:rPr>
-                      <a:t>Date: 08/12/2015 12:40</a:t>
-                    </a:r>
-                    <a:endParaRPr kumimoji="1" lang="ja-JP" altLang="en-US" sz="1000" i="1" dirty="0" smtClean="0">
-                      <a:solidFill>
-                        <a:schemeClr val="bg1">
-                          <a:lumMod val="65000"/>
-                        </a:schemeClr>
-                      </a:solidFill>
-                    </a:endParaRPr>
-                  </a:p>
-                </p:txBody>
-              </p:sp>
-              <p:sp>
-                <p:nvSpPr>
-                  <p:cNvPr id="32" name="TextBox 31"/>
-                  <p:cNvSpPr txBox="1"/>
-                  <p:nvPr/>
-                </p:nvSpPr>
-                <p:spPr>
-                  <a:xfrm>
-                    <a:off x="482218" y="2487887"/>
-                    <a:ext cx="3790951" cy="1323439"/>
-                  </a:xfrm>
-                  <a:prstGeom prst="rect">
-                    <a:avLst/>
-                  </a:prstGeom>
-                  <a:noFill/>
-                </p:spPr>
-                <p:txBody>
-                  <a:bodyPr wrap="square" rtlCol="0">
-                    <a:spAutoFit/>
-                  </a:bodyPr>
-                  <a:lstStyle/>
-                  <a:p>
-                    <a:r>
-                      <a:rPr lang="en-US" sz="1000" dirty="0"/>
-                      <a:t>Cupcake ipsum dolor sit </a:t>
-                    </a:r>
-                    <a:r>
-                      <a:rPr lang="en-US" sz="1000" dirty="0" err="1"/>
-                      <a:t>amet</a:t>
-                    </a:r>
-                    <a:r>
-                      <a:rPr lang="en-US" sz="1000" dirty="0"/>
-                      <a:t> wafer. Jelly-o caramels </a:t>
-                    </a:r>
-                    <a:r>
-                      <a:rPr lang="en-US" sz="1000" dirty="0" err="1"/>
-                      <a:t>gummi</a:t>
-                    </a:r>
-                    <a:r>
-                      <a:rPr lang="en-US" sz="1000" dirty="0"/>
-                      <a:t> bears I love pie jelly beans wafer. Lollipop I love cake apple pie gingerbread soufflé jujubes. </a:t>
-                    </a:r>
-                    <a:endParaRPr lang="en-US" sz="1000" dirty="0" smtClean="0"/>
-                  </a:p>
-                  <a:p>
-                    <a:r>
-                      <a:rPr lang="en-US" sz="1000" dirty="0" smtClean="0"/>
-                      <a:t>Jujubes </a:t>
-                    </a:r>
-                    <a:r>
-                      <a:rPr lang="en-US" sz="1000" dirty="0"/>
-                      <a:t>I love caramels pie jelly-o apple pie </a:t>
-                    </a:r>
-                    <a:r>
-                      <a:rPr lang="en-US" sz="1000" dirty="0" smtClean="0"/>
-                      <a:t>banana.com </a:t>
-                    </a:r>
-                    <a:r>
-                      <a:rPr lang="en-US" sz="1000" dirty="0" err="1"/>
-                      <a:t>dragée</a:t>
-                    </a:r>
-                    <a:r>
-                      <a:rPr lang="en-US" sz="1000" dirty="0"/>
-                      <a:t>. Cupcake soufflé jelly-o. Donut I love sesame snaps cake powder halvah </a:t>
-                    </a:r>
-                    <a:r>
-                      <a:rPr lang="en-US" sz="1000" dirty="0" err="1"/>
-                      <a:t>halvah</a:t>
-                    </a:r>
-                    <a:r>
-                      <a:rPr lang="en-US" sz="1000" dirty="0" smtClean="0"/>
-                      <a:t>.</a:t>
-                    </a:r>
-                  </a:p>
-                  <a:p>
-                    <a:r>
-                      <a:rPr lang="en-US" sz="1000" dirty="0" smtClean="0"/>
-                      <a:t>Lemon </a:t>
-                    </a:r>
-                    <a:r>
-                      <a:rPr lang="en-US" sz="1000" dirty="0"/>
-                      <a:t>drops lollipop cake carrot cake cheesecake marzipan. Lollipop caramels oat cake </a:t>
-                    </a:r>
-                    <a:r>
-                      <a:rPr lang="en-US" sz="1000" dirty="0" err="1"/>
-                      <a:t>danish</a:t>
-                    </a:r>
-                    <a:r>
-                      <a:rPr lang="en-US" sz="1000" dirty="0"/>
-                      <a:t> pie jujubes chocolate </a:t>
-                    </a:r>
-                    <a:r>
-                      <a:rPr lang="en-US" sz="1000" dirty="0" smtClean="0"/>
-                      <a:t>bar.</a:t>
-                    </a:r>
-                    <a:endParaRPr lang="en-US" sz="1000" dirty="0"/>
-                  </a:p>
-                </p:txBody>
-              </p:sp>
-              <p:grpSp>
-                <p:nvGrpSpPr>
-                  <p:cNvPr id="33" name="Group 32"/>
-                  <p:cNvGrpSpPr/>
-                  <p:nvPr/>
-                </p:nvGrpSpPr>
-                <p:grpSpPr>
-                  <a:xfrm>
-                    <a:off x="499336" y="2007358"/>
-                    <a:ext cx="3887562" cy="504825"/>
-                    <a:chOff x="466724" y="1304985"/>
-                    <a:chExt cx="3887562" cy="504825"/>
-                  </a:xfrm>
-                </p:grpSpPr>
-                <p:cxnSp>
-                  <p:nvCxnSpPr>
-                    <p:cNvPr id="65" name="Straight Connector 64"/>
-                    <p:cNvCxnSpPr/>
-                    <p:nvPr/>
-                  </p:nvCxnSpPr>
-                  <p:spPr>
-                    <a:xfrm>
-                      <a:off x="466725" y="1304985"/>
-                      <a:ext cx="3790950" cy="0"/>
-                    </a:xfrm>
-                    <a:prstGeom prst="line">
-                      <a:avLst/>
-                    </a:prstGeom>
-                  </p:spPr>
-                  <p:style>
-                    <a:lnRef idx="1">
-                      <a:schemeClr val="accent1"/>
-                    </a:lnRef>
-                    <a:fillRef idx="0">
-                      <a:schemeClr val="accent1"/>
-                    </a:fillRef>
-                    <a:effectRef idx="0">
-                      <a:schemeClr val="accent1"/>
-                    </a:effectRef>
-                    <a:fontRef idx="minor">
-                      <a:schemeClr val="tx1"/>
-                    </a:fontRef>
-                  </p:style>
-                </p:cxnSp>
-                <p:pic>
-                  <p:nvPicPr>
-                    <p:cNvPr id="66" name="Picture 65"/>
-                    <p:cNvPicPr>
-                      <a:picLocks noChangeAspect="1"/>
-                    </p:cNvPicPr>
-                    <p:nvPr/>
-                  </p:nvPicPr>
-                  <p:blipFill>
-                    <a:blip r:embed="rId3" cstate="print">
-                      <a:extLst>
-                        <a:ext uri="{28A0092B-C50C-407E-A947-70E740481C1C}">
-                          <a14:useLocalDpi xmlns:a14="http://schemas.microsoft.com/office/drawing/2010/main" val="0"/>
-                        </a:ext>
-                      </a:extLst>
-                    </a:blip>
-                    <a:stretch>
-                      <a:fillRect/>
-                    </a:stretch>
-                  </p:blipFill>
-                  <p:spPr>
-                    <a:xfrm>
-                      <a:off x="466724" y="1362805"/>
-                      <a:ext cx="396000" cy="395280"/>
-                    </a:xfrm>
-                    <a:prstGeom prst="rect">
-                      <a:avLst/>
-                    </a:prstGeom>
-                    <a:ln>
-                      <a:solidFill>
-                        <a:schemeClr val="tx1"/>
-                      </a:solidFill>
-                    </a:ln>
-                    <a:effectLst/>
-                  </p:spPr>
-                </p:pic>
-                <p:sp>
-                  <p:nvSpPr>
-                    <p:cNvPr id="67" name="TextBox 66"/>
-                    <p:cNvSpPr txBox="1"/>
-                    <p:nvPr/>
-                  </p:nvSpPr>
-                  <p:spPr>
-                    <a:xfrm>
-                      <a:off x="809625" y="1438275"/>
-                      <a:ext cx="3544661" cy="246221"/>
-                    </a:xfrm>
-                    <a:prstGeom prst="rect">
-                      <a:avLst/>
-                    </a:prstGeom>
-                    <a:noFill/>
-                  </p:spPr>
-                  <p:txBody>
-                    <a:bodyPr wrap="square" rtlCol="0">
-                      <a:spAutoFit/>
-                    </a:bodyPr>
-                    <a:lstStyle/>
-                    <a:p>
-                      <a:r>
-                        <a:rPr lang="en-GB" sz="1000" b="1" dirty="0" smtClean="0"/>
-                        <a:t>Hoang Anh</a:t>
-                      </a:r>
-                      <a:endParaRPr lang="en-US" sz="1000" b="1" dirty="0"/>
-                    </a:p>
-                  </p:txBody>
-                </p:sp>
-                <p:cxnSp>
-                  <p:nvCxnSpPr>
-                    <p:cNvPr id="68" name="Straight Connector 67"/>
-                    <p:cNvCxnSpPr/>
-                    <p:nvPr/>
-                  </p:nvCxnSpPr>
-                  <p:spPr>
-                    <a:xfrm>
-                      <a:off x="466725" y="1809810"/>
-                      <a:ext cx="3790950" cy="0"/>
-                    </a:xfrm>
-                    <a:prstGeom prst="line">
-                      <a:avLst/>
-                    </a:prstGeom>
-                  </p:spPr>
-                  <p:style>
-                    <a:lnRef idx="1">
-                      <a:schemeClr val="accent1"/>
-                    </a:lnRef>
-                    <a:fillRef idx="0">
-                      <a:schemeClr val="accent1"/>
-                    </a:fillRef>
-                    <a:effectRef idx="0">
-                      <a:schemeClr val="accent1"/>
-                    </a:effectRef>
-                    <a:fontRef idx="minor">
-                      <a:schemeClr val="tx1"/>
-                    </a:fontRef>
-                  </p:style>
-                </p:cxnSp>
-              </p:grpSp>
-              <p:cxnSp>
-                <p:nvCxnSpPr>
-                  <p:cNvPr id="34" name="Straight Connector 33"/>
-                  <p:cNvCxnSpPr/>
-                  <p:nvPr/>
-                </p:nvCxnSpPr>
-                <p:spPr>
-                  <a:xfrm>
-                    <a:off x="482219" y="4908136"/>
-                    <a:ext cx="3790950" cy="0"/>
-                  </a:xfrm>
-                  <a:prstGeom prst="line">
-                    <a:avLst/>
-                  </a:prstGeom>
-                </p:spPr>
-                <p:style>
-                  <a:lnRef idx="1">
-                    <a:schemeClr val="accent1"/>
-                  </a:lnRef>
-                  <a:fillRef idx="0">
-                    <a:schemeClr val="accent1"/>
-                  </a:fillRef>
-                  <a:effectRef idx="0">
-                    <a:schemeClr val="accent1"/>
-                  </a:effectRef>
-                  <a:fontRef idx="minor">
-                    <a:schemeClr val="tx1"/>
-                  </a:fontRef>
-                </p:style>
-              </p:cxnSp>
-              <p:cxnSp>
-                <p:nvCxnSpPr>
-                  <p:cNvPr id="35" name="Straight Connector 34"/>
-                  <p:cNvCxnSpPr/>
-                  <p:nvPr/>
-                </p:nvCxnSpPr>
-                <p:spPr>
-                  <a:xfrm>
-                    <a:off x="499336" y="3811326"/>
-                    <a:ext cx="3790950" cy="0"/>
-                  </a:xfrm>
-                  <a:prstGeom prst="line">
-                    <a:avLst/>
-                  </a:prstGeom>
-                </p:spPr>
-                <p:style>
-                  <a:lnRef idx="1">
-                    <a:schemeClr val="accent1"/>
-                  </a:lnRef>
-                  <a:fillRef idx="0">
-                    <a:schemeClr val="accent1"/>
-                  </a:fillRef>
-                  <a:effectRef idx="0">
-                    <a:schemeClr val="accent1"/>
-                  </a:effectRef>
-                  <a:fontRef idx="minor">
-                    <a:schemeClr val="tx1"/>
-                  </a:fontRef>
-                </p:style>
-              </p:cxnSp>
-              <p:grpSp>
-                <p:nvGrpSpPr>
-                  <p:cNvPr id="36" name="Group 35"/>
-                  <p:cNvGrpSpPr/>
-                  <p:nvPr/>
-                </p:nvGrpSpPr>
-                <p:grpSpPr>
-                  <a:xfrm>
-                    <a:off x="499336" y="3858989"/>
-                    <a:ext cx="3790950" cy="829211"/>
-                    <a:chOff x="466724" y="3123663"/>
-                    <a:chExt cx="3790950" cy="829211"/>
-                  </a:xfrm>
-                </p:grpSpPr>
-                <p:sp>
-                  <p:nvSpPr>
-                    <p:cNvPr id="63" name="Rectangle 62"/>
-                    <p:cNvSpPr/>
-                    <p:nvPr/>
-                  </p:nvSpPr>
-                  <p:spPr>
-                    <a:xfrm>
-                      <a:off x="466724" y="3123663"/>
-                      <a:ext cx="3790950" cy="829211"/>
-                    </a:xfrm>
-                    <a:prstGeom prst="rect">
-                      <a:avLst/>
-                    </a:prstGeom>
-                  </p:spPr>
-                  <p:style>
-                    <a:lnRef idx="2">
-                      <a:schemeClr val="accent1"/>
-                    </a:lnRef>
-                    <a:fillRef idx="1">
-                      <a:schemeClr val="lt1"/>
-                    </a:fillRef>
-                    <a:effectRef idx="0">
-                      <a:schemeClr val="accent1"/>
-                    </a:effectRef>
-                    <a:fontRef idx="minor">
-                      <a:schemeClr val="dk1"/>
-                    </a:fontRef>
-                  </p:style>
-                  <p:txBody>
-                    <a:bodyPr rtlCol="0" anchor="t"/>
-                    <a:lstStyle/>
-                    <a:p>
-                      <a:r>
-                        <a:rPr kumimoji="1" lang="en-GB" sz="1000" i="1" dirty="0">
-                          <a:solidFill>
-                            <a:schemeClr val="bg1">
-                              <a:lumMod val="65000"/>
-                            </a:schemeClr>
-                          </a:solidFill>
-                        </a:rPr>
-                        <a:t>Type your comment…</a:t>
-                      </a:r>
-                      <a:endParaRPr kumimoji="1" lang="en-US" sz="1000" i="1" dirty="0">
-                        <a:solidFill>
-                          <a:schemeClr val="bg1">
-                            <a:lumMod val="65000"/>
-                          </a:schemeClr>
-                        </a:solidFill>
-                      </a:endParaRPr>
-                    </a:p>
-                  </p:txBody>
-                </p:sp>
-                <p:sp>
-                  <p:nvSpPr>
-                    <p:cNvPr id="64" name="Rectangle 63"/>
-                    <p:cNvSpPr/>
-                    <p:nvPr/>
-                  </p:nvSpPr>
-                  <p:spPr>
-                    <a:xfrm>
-                      <a:off x="3231786" y="3693811"/>
-                      <a:ext cx="974885" cy="207234"/>
-                    </a:xfrm>
-                    <a:prstGeom prst="rect">
-                      <a:avLst/>
-                    </a:prstGeom>
-                    <a:ln>
-                      <a:noFill/>
-                    </a:ln>
-                    <a:effectLst/>
-                  </p:spPr>
-                  <p:style>
-                    <a:lnRef idx="1">
-                      <a:schemeClr val="accent1"/>
-                    </a:lnRef>
-                    <a:fillRef idx="3">
-                      <a:schemeClr val="accent1"/>
-                    </a:fillRef>
-                    <a:effectRef idx="2">
-                      <a:schemeClr val="accent1"/>
-                    </a:effectRef>
-                    <a:fontRef idx="minor">
-                      <a:schemeClr val="lt1"/>
-                    </a:fontRef>
-                  </p:style>
-                  <p:txBody>
-                    <a:bodyPr rtlCol="0" anchor="ctr"/>
-                    <a:lstStyle/>
-                    <a:p>
-                      <a:pPr algn="ctr"/>
-                      <a:r>
-                        <a:rPr kumimoji="1" lang="en-US" altLang="ja-JP" sz="1000" dirty="0" smtClean="0">
-                          <a:solidFill>
-                            <a:schemeClr val="bg1"/>
-                          </a:solidFill>
-                        </a:rPr>
-                        <a:t>Create</a:t>
-                      </a:r>
-                      <a:endParaRPr kumimoji="1" lang="ja-JP" altLang="en-US" sz="1000" dirty="0">
-                        <a:solidFill>
-                          <a:schemeClr val="bg1"/>
-                        </a:solidFill>
-                      </a:endParaRPr>
-                    </a:p>
-                  </p:txBody>
-                </p:sp>
-              </p:grpSp>
-              <p:grpSp>
-                <p:nvGrpSpPr>
-                  <p:cNvPr id="37" name="Group 36"/>
-                  <p:cNvGrpSpPr/>
-                  <p:nvPr/>
-                </p:nvGrpSpPr>
-                <p:grpSpPr>
-                  <a:xfrm>
-                    <a:off x="485774" y="4922094"/>
-                    <a:ext cx="3868512" cy="553998"/>
-                    <a:chOff x="485774" y="4200882"/>
-                    <a:chExt cx="3839937" cy="553998"/>
-                  </a:xfrm>
-                </p:grpSpPr>
-                <p:pic>
-                  <p:nvPicPr>
-                    <p:cNvPr id="61" name="Picture 60"/>
-                    <p:cNvPicPr>
-                      <a:picLocks noChangeAspect="1"/>
-                    </p:cNvPicPr>
-                    <p:nvPr/>
-                  </p:nvPicPr>
-                  <p:blipFill>
-                    <a:blip r:embed="rId3" cstate="print">
-                      <a:extLst>
-                        <a:ext uri="{28A0092B-C50C-407E-A947-70E740481C1C}">
-                          <a14:useLocalDpi xmlns:a14="http://schemas.microsoft.com/office/drawing/2010/main" val="0"/>
-                        </a:ext>
-                      </a:extLst>
-                    </a:blip>
-                    <a:stretch>
-                      <a:fillRect/>
-                    </a:stretch>
-                  </p:blipFill>
-                  <p:spPr>
-                    <a:xfrm>
-                      <a:off x="485774" y="4244590"/>
-                      <a:ext cx="396000" cy="395280"/>
-                    </a:xfrm>
-                    <a:prstGeom prst="rect">
-                      <a:avLst/>
-                    </a:prstGeom>
-                    <a:ln>
-                      <a:solidFill>
-                        <a:schemeClr val="tx1"/>
-                      </a:solidFill>
-                    </a:ln>
-                    <a:effectLst/>
-                  </p:spPr>
-                </p:pic>
-                <p:sp>
-                  <p:nvSpPr>
-                    <p:cNvPr id="62" name="TextBox 61"/>
-                    <p:cNvSpPr txBox="1"/>
-                    <p:nvPr/>
-                  </p:nvSpPr>
-                  <p:spPr>
-                    <a:xfrm>
-                      <a:off x="853199" y="4200882"/>
-                      <a:ext cx="3472512" cy="553998"/>
-                    </a:xfrm>
-                    <a:prstGeom prst="rect">
-                      <a:avLst/>
-                    </a:prstGeom>
-                    <a:noFill/>
-                  </p:spPr>
-                  <p:txBody>
-                    <a:bodyPr wrap="square" rtlCol="0">
-                      <a:spAutoFit/>
-                    </a:bodyPr>
-                    <a:lstStyle/>
-                    <a:p>
-                      <a:r>
-                        <a:rPr lang="en-GB" sz="1000" b="1" dirty="0" smtClean="0"/>
-                        <a:t>Hoang Anh </a:t>
-                      </a:r>
-                      <a:r>
-                        <a:rPr lang="en-US" sz="1000" dirty="0"/>
-                        <a:t>Pudding gummies croissant cookie </a:t>
-                      </a:r>
-                      <a:r>
-                        <a:rPr lang="en-US" sz="1000" dirty="0" err="1"/>
-                        <a:t>dragée</a:t>
-                      </a:r>
-                      <a:r>
-                        <a:rPr lang="en-US" sz="1000" dirty="0"/>
-                        <a:t>. I love gingerbread </a:t>
-                      </a:r>
-                      <a:r>
-                        <a:rPr lang="en-US" sz="1000" dirty="0" err="1"/>
-                        <a:t>chupa</a:t>
-                      </a:r>
-                      <a:r>
-                        <a:rPr lang="en-US" sz="1000" dirty="0"/>
-                        <a:t> </a:t>
-                      </a:r>
-                      <a:r>
-                        <a:rPr lang="en-US" sz="1000" dirty="0" err="1" smtClean="0"/>
-                        <a:t>chups</a:t>
-                      </a:r>
-                      <a:r>
-                        <a:rPr lang="en-US" sz="1000" dirty="0" smtClean="0"/>
-                        <a:t>.</a:t>
-                      </a:r>
-                    </a:p>
-                    <a:p>
-                      <a:r>
-                        <a:rPr kumimoji="1" lang="en-US" altLang="ja-JP" sz="1000" i="1" dirty="0" smtClean="0">
-                          <a:solidFill>
-                            <a:schemeClr val="bg1">
-                              <a:lumMod val="65000"/>
-                            </a:schemeClr>
-                          </a:solidFill>
-                        </a:rPr>
-                        <a:t>11/12/2015 10:40 – </a:t>
-                      </a:r>
-                      <a:r>
-                        <a:rPr kumimoji="1" lang="en-US" altLang="ja-JP" sz="1000" i="1" u="sng" dirty="0" smtClean="0">
-                          <a:solidFill>
-                            <a:schemeClr val="bg1">
-                              <a:lumMod val="65000"/>
-                            </a:schemeClr>
-                          </a:solidFill>
-                        </a:rPr>
-                        <a:t>Edit</a:t>
-                      </a:r>
-                      <a:r>
-                        <a:rPr kumimoji="1" lang="en-US" altLang="ja-JP" sz="1000" i="1" dirty="0" smtClean="0">
-                          <a:solidFill>
-                            <a:schemeClr val="bg1">
-                              <a:lumMod val="65000"/>
-                            </a:schemeClr>
-                          </a:solidFill>
-                        </a:rPr>
-                        <a:t> - </a:t>
-                      </a:r>
-                      <a:r>
-                        <a:rPr kumimoji="1" lang="en-US" altLang="ja-JP" sz="1000" i="1" u="sng" dirty="0" smtClean="0">
-                          <a:solidFill>
-                            <a:schemeClr val="bg1">
-                              <a:lumMod val="65000"/>
-                            </a:schemeClr>
-                          </a:solidFill>
-                        </a:rPr>
-                        <a:t>Delete</a:t>
-                      </a:r>
-                      <a:endParaRPr lang="en-US" sz="1000" b="1" u="sng" dirty="0"/>
-                    </a:p>
-                  </p:txBody>
-                </p:sp>
-              </p:grpSp>
-              <p:sp>
-                <p:nvSpPr>
-                  <p:cNvPr id="38" name="TextBox 37"/>
-                  <p:cNvSpPr txBox="1"/>
-                  <p:nvPr/>
-                </p:nvSpPr>
-                <p:spPr>
-                  <a:xfrm>
-                    <a:off x="427027" y="4672814"/>
-                    <a:ext cx="3967238" cy="246221"/>
-                  </a:xfrm>
-                  <a:prstGeom prst="rect">
-                    <a:avLst/>
-                  </a:prstGeom>
-                  <a:noFill/>
-                </p:spPr>
-                <p:txBody>
-                  <a:bodyPr wrap="square" rtlCol="0">
-                    <a:spAutoFit/>
-                  </a:bodyPr>
-                  <a:lstStyle/>
-                  <a:p>
-                    <a:r>
-                      <a:rPr kumimoji="1" lang="en-US" altLang="ja-JP" sz="1000" dirty="0" smtClean="0"/>
-                      <a:t>This post has </a:t>
-                    </a:r>
-                    <a:r>
-                      <a:rPr kumimoji="1" lang="en-US" altLang="ja-JP" sz="1000" dirty="0" smtClean="0">
-                        <a:solidFill>
-                          <a:srgbClr val="FF0000"/>
-                        </a:solidFill>
-                      </a:rPr>
-                      <a:t>30</a:t>
-                    </a:r>
-                    <a:r>
-                      <a:rPr kumimoji="1" lang="en-US" altLang="ja-JP" sz="1000" dirty="0" smtClean="0"/>
-                      <a:t> comments:  </a:t>
-                    </a:r>
-                    <a:endParaRPr kumimoji="1" lang="ja-JP" altLang="en-US" sz="1000" dirty="0"/>
-                  </a:p>
-                </p:txBody>
-              </p:sp>
-              <p:grpSp>
-                <p:nvGrpSpPr>
-                  <p:cNvPr id="39" name="Group 38"/>
-                  <p:cNvGrpSpPr/>
-                  <p:nvPr/>
-                </p:nvGrpSpPr>
-                <p:grpSpPr>
-                  <a:xfrm>
-                    <a:off x="499335" y="5530988"/>
-                    <a:ext cx="3868512" cy="707886"/>
-                    <a:chOff x="485774" y="4200882"/>
-                    <a:chExt cx="3839937" cy="707886"/>
-                  </a:xfrm>
-                </p:grpSpPr>
-                <p:pic>
-                  <p:nvPicPr>
-                    <p:cNvPr id="59" name="Picture 58"/>
-                    <p:cNvPicPr>
-                      <a:picLocks noChangeAspect="1"/>
-                    </p:cNvPicPr>
-                    <p:nvPr/>
-                  </p:nvPicPr>
-                  <p:blipFill>
-                    <a:blip r:embed="rId3" cstate="print">
-                      <a:extLst>
-                        <a:ext uri="{28A0092B-C50C-407E-A947-70E740481C1C}">
-                          <a14:useLocalDpi xmlns:a14="http://schemas.microsoft.com/office/drawing/2010/main" val="0"/>
-                        </a:ext>
-                      </a:extLst>
-                    </a:blip>
-                    <a:stretch>
-                      <a:fillRect/>
-                    </a:stretch>
-                  </p:blipFill>
-                  <p:spPr>
-                    <a:xfrm>
-                      <a:off x="485774" y="4244590"/>
-                      <a:ext cx="396000" cy="395280"/>
-                    </a:xfrm>
-                    <a:prstGeom prst="rect">
-                      <a:avLst/>
-                    </a:prstGeom>
-                    <a:ln>
-                      <a:solidFill>
-                        <a:schemeClr val="tx1"/>
-                      </a:solidFill>
-                    </a:ln>
-                    <a:effectLst/>
-                  </p:spPr>
-                </p:pic>
-                <p:sp>
-                  <p:nvSpPr>
-                    <p:cNvPr id="60" name="TextBox 59"/>
-                    <p:cNvSpPr txBox="1"/>
-                    <p:nvPr/>
-                  </p:nvSpPr>
-                  <p:spPr>
-                    <a:xfrm>
-                      <a:off x="853199" y="4200882"/>
-                      <a:ext cx="3472512" cy="707886"/>
-                    </a:xfrm>
-                    <a:prstGeom prst="rect">
-                      <a:avLst/>
-                    </a:prstGeom>
-                    <a:noFill/>
-                  </p:spPr>
-                  <p:txBody>
-                    <a:bodyPr wrap="square" rtlCol="0">
-                      <a:spAutoFit/>
-                    </a:bodyPr>
-                    <a:lstStyle/>
-                    <a:p>
-                      <a:r>
-                        <a:rPr lang="en-GB" sz="1000" b="1" dirty="0" smtClean="0"/>
-                        <a:t>Pham Tam </a:t>
-                      </a:r>
-                      <a:r>
-                        <a:rPr lang="en-US" sz="1000" dirty="0" smtClean="0"/>
-                        <a:t>Lemon </a:t>
-                      </a:r>
-                      <a:r>
-                        <a:rPr lang="en-US" sz="1000" dirty="0"/>
-                        <a:t>drops lemon drops I love pie marshmallow fruitcake muffin icing cookie. I love I love halvah. Brownie </a:t>
-                      </a:r>
-                      <a:r>
-                        <a:rPr lang="en-US" sz="1000" dirty="0" err="1"/>
-                        <a:t>danish</a:t>
-                      </a:r>
-                      <a:r>
-                        <a:rPr lang="en-US" sz="1000" dirty="0"/>
-                        <a:t> I love soufflé pastry </a:t>
-                      </a:r>
-                      <a:r>
-                        <a:rPr lang="en-US" sz="1000" dirty="0" err="1"/>
-                        <a:t>liquorice</a:t>
-                      </a:r>
-                      <a:r>
-                        <a:rPr lang="en-US" sz="1000" dirty="0"/>
-                        <a:t> cake</a:t>
-                      </a:r>
-                      <a:r>
-                        <a:rPr lang="en-US" sz="1000" dirty="0" smtClean="0"/>
-                        <a:t>.</a:t>
-                      </a:r>
-                    </a:p>
-                    <a:p>
-                      <a:r>
-                        <a:rPr kumimoji="1" lang="en-US" altLang="ja-JP" sz="1000" i="1" dirty="0" smtClean="0">
-                          <a:solidFill>
-                            <a:schemeClr val="bg1">
-                              <a:lumMod val="65000"/>
-                            </a:schemeClr>
-                          </a:solidFill>
-                        </a:rPr>
-                        <a:t>11/12/2015 10:45</a:t>
-                      </a:r>
-                      <a:endParaRPr lang="en-US" sz="1000" b="1" dirty="0"/>
-                    </a:p>
-                  </p:txBody>
-                </p:sp>
-              </p:grpSp>
-              <p:sp>
-                <p:nvSpPr>
-                  <p:cNvPr id="40" name="Rectangle 39"/>
-                  <p:cNvSpPr/>
-                  <p:nvPr/>
-                </p:nvSpPr>
-                <p:spPr>
-                  <a:xfrm>
-                    <a:off x="420348" y="554982"/>
-                    <a:ext cx="1196687" cy="400110"/>
-                  </a:xfrm>
-                  <a:prstGeom prst="rect">
-                    <a:avLst/>
-                  </a:prstGeom>
-                  <a:noFill/>
-                </p:spPr>
-                <p:txBody>
-                  <a:bodyPr wrap="none" lIns="91440" tIns="45720" rIns="91440" bIns="45720">
-                    <a:spAutoFit/>
-                  </a:bodyPr>
-                  <a:lstStyle/>
-                  <a:p>
-                    <a:pPr algn="ctr"/>
-                    <a:r>
-                      <a:rPr lang="en-US" altLang="ja-JP" sz="2000" b="1" cap="none" spc="0" dirty="0">
-                        <a:ln w="12700">
-                          <a:solidFill>
-                            <a:schemeClr val="tx2">
-                              <a:satMod val="155000"/>
-                            </a:schemeClr>
-                          </a:solidFill>
-                          <a:prstDash val="solid"/>
-                        </a:ln>
-                        <a:solidFill>
-                          <a:schemeClr val="bg2">
-                            <a:tint val="85000"/>
-                            <a:satMod val="155000"/>
-                          </a:schemeClr>
-                        </a:solidFill>
-                        <a:effectLst>
-                          <a:outerShdw blurRad="41275" dist="20320" dir="1800000" algn="tl" rotWithShape="0">
-                            <a:srgbClr val="000000">
-                              <a:alpha val="40000"/>
-                            </a:srgbClr>
-                          </a:outerShdw>
-                        </a:effectLst>
-                      </a:rPr>
-                      <a:t>Mini Blog</a:t>
-                    </a:r>
-                  </a:p>
-                </p:txBody>
-              </p:sp>
-              <p:sp>
-                <p:nvSpPr>
-                  <p:cNvPr id="41" name="Rectangle 40"/>
-                  <p:cNvSpPr/>
-                  <p:nvPr/>
-                </p:nvSpPr>
-                <p:spPr>
-                  <a:xfrm>
-                    <a:off x="511176" y="1099713"/>
-                    <a:ext cx="1871134" cy="192975"/>
-                  </a:xfrm>
-                  <a:prstGeom prst="rect">
-                    <a:avLst/>
-                  </a:prstGeom>
-                  <a:ln>
-                    <a:solidFill>
-                      <a:schemeClr val="tx1"/>
-                    </a:solidFill>
-                  </a:ln>
-                  <a:effectLst/>
-                </p:spPr>
-                <p:style>
-                  <a:lnRef idx="1">
-                    <a:schemeClr val="accent1"/>
-                  </a:lnRef>
-                  <a:fillRef idx="3">
-                    <a:schemeClr val="accent1"/>
-                  </a:fillRef>
-                  <a:effectRef idx="2">
-                    <a:schemeClr val="accent1"/>
-                  </a:effectRef>
-                  <a:fontRef idx="minor">
-                    <a:schemeClr val="lt1"/>
-                  </a:fontRef>
-                </p:style>
-                <p:txBody>
-                  <a:bodyPr rtlCol="0" anchor="ctr"/>
-                  <a:lstStyle/>
-                  <a:p>
-                    <a:r>
-                      <a:rPr kumimoji="1" lang="en-US" altLang="ja-JP" sz="800" i="1" dirty="0">
-                        <a:solidFill>
-                          <a:schemeClr val="bg1">
-                            <a:lumMod val="75000"/>
-                          </a:schemeClr>
-                        </a:solidFill>
-                      </a:rPr>
-                      <a:t>Username, </a:t>
-                    </a:r>
-                    <a:r>
-                      <a:rPr kumimoji="1" lang="en-US" altLang="ja-JP" sz="800" i="1" dirty="0" err="1">
-                        <a:solidFill>
-                          <a:schemeClr val="bg1">
-                            <a:lumMod val="75000"/>
-                          </a:schemeClr>
-                        </a:solidFill>
-                      </a:rPr>
-                      <a:t>firstname</a:t>
-                    </a:r>
-                    <a:r>
-                      <a:rPr kumimoji="1" lang="en-US" altLang="ja-JP" sz="800" i="1" dirty="0">
-                        <a:solidFill>
-                          <a:schemeClr val="bg1">
-                            <a:lumMod val="75000"/>
-                          </a:schemeClr>
-                        </a:solidFill>
-                      </a:rPr>
-                      <a:t>, </a:t>
-                    </a:r>
-                    <a:r>
-                      <a:rPr kumimoji="1" lang="en-US" altLang="ja-JP" sz="800" i="1" dirty="0" err="1" smtClean="0">
-                        <a:solidFill>
-                          <a:schemeClr val="bg1">
-                            <a:lumMod val="75000"/>
-                          </a:schemeClr>
-                        </a:solidFill>
-                      </a:rPr>
-                      <a:t>lastname</a:t>
-                    </a:r>
-                    <a:endParaRPr kumimoji="1" lang="ja-JP" altLang="en-US" sz="800" i="1" dirty="0">
-                      <a:solidFill>
-                        <a:schemeClr val="bg1">
-                          <a:lumMod val="75000"/>
-                        </a:schemeClr>
-                      </a:solidFill>
-                    </a:endParaRPr>
-                  </a:p>
-                </p:txBody>
-              </p:sp>
-              <p:sp>
-                <p:nvSpPr>
-                  <p:cNvPr id="42" name="Rectangle 41"/>
-                  <p:cNvSpPr/>
-                  <p:nvPr/>
-                </p:nvSpPr>
-                <p:spPr>
-                  <a:xfrm>
-                    <a:off x="2446300" y="1099713"/>
-                    <a:ext cx="558800" cy="209383"/>
-                  </a:xfrm>
-                  <a:prstGeom prst="rect">
-                    <a:avLst/>
-                  </a:prstGeom>
-                </p:spPr>
-                <p:style>
-                  <a:lnRef idx="1">
-                    <a:schemeClr val="accent1"/>
-                  </a:lnRef>
-                  <a:fillRef idx="3">
-                    <a:schemeClr val="accent1"/>
-                  </a:fillRef>
-                  <a:effectRef idx="2">
-                    <a:schemeClr val="accent1"/>
-                  </a:effectRef>
-                  <a:fontRef idx="minor">
-                    <a:schemeClr val="lt1"/>
-                  </a:fontRef>
-                </p:style>
-                <p:txBody>
-                  <a:bodyPr rtlCol="0" anchor="ctr"/>
-                  <a:lstStyle/>
-                  <a:p>
-                    <a:pPr algn="ctr"/>
-                    <a:r>
-                      <a:rPr kumimoji="1" lang="en-US" altLang="ja-JP" sz="1000" dirty="0"/>
-                      <a:t>Search</a:t>
-                    </a:r>
-                    <a:endParaRPr kumimoji="1" lang="ja-JP" altLang="en-US" sz="1000" dirty="0"/>
-                  </a:p>
-                </p:txBody>
-              </p:sp>
-              <p:cxnSp>
-                <p:nvCxnSpPr>
-                  <p:cNvPr id="43" name="Straight Connector 42"/>
-                  <p:cNvCxnSpPr/>
-                  <p:nvPr/>
-                </p:nvCxnSpPr>
-                <p:spPr>
-                  <a:xfrm>
-                    <a:off x="511176" y="1600843"/>
-                    <a:ext cx="3761993" cy="0"/>
-                  </a:xfrm>
-                  <a:prstGeom prst="line">
-                    <a:avLst/>
-                  </a:prstGeom>
-                  <a:ln w="3175" cmpd="sng">
-                    <a:solidFill>
-                      <a:schemeClr val="bg1">
-                        <a:lumMod val="75000"/>
-                      </a:schemeClr>
-                    </a:solidFill>
-                  </a:ln>
-                  <a:effectLst/>
-                </p:spPr>
-                <p:style>
-                  <a:lnRef idx="2">
-                    <a:schemeClr val="accent1"/>
-                  </a:lnRef>
-                  <a:fillRef idx="0">
-                    <a:schemeClr val="accent1"/>
-                  </a:fillRef>
-                  <a:effectRef idx="1">
-                    <a:schemeClr val="accent1"/>
-                  </a:effectRef>
-                  <a:fontRef idx="minor">
-                    <a:schemeClr val="tx1"/>
-                  </a:fontRef>
-                </p:style>
-              </p:cxnSp>
-              <p:sp>
-                <p:nvSpPr>
-                  <p:cNvPr id="44" name="TextBox 43"/>
-                  <p:cNvSpPr txBox="1"/>
-                  <p:nvPr/>
-                </p:nvSpPr>
-                <p:spPr>
-                  <a:xfrm>
-                    <a:off x="418039" y="1346927"/>
-                    <a:ext cx="1297150" cy="253916"/>
-                  </a:xfrm>
-                  <a:prstGeom prst="rect">
-                    <a:avLst/>
-                  </a:prstGeom>
-                  <a:noFill/>
-                </p:spPr>
-                <p:txBody>
-                  <a:bodyPr wrap="none" rtlCol="0">
-                    <a:spAutoFit/>
-                  </a:bodyPr>
-                  <a:lstStyle/>
-                  <a:p>
-                    <a:r>
-                      <a:rPr kumimoji="1" lang="en-US" altLang="ja-JP" sz="1050" u="sng" dirty="0">
-                        <a:solidFill>
-                          <a:schemeClr val="tx2">
-                            <a:lumMod val="20000"/>
-                            <a:lumOff val="80000"/>
-                          </a:schemeClr>
-                        </a:solidFill>
-                      </a:rPr>
-                      <a:t>Home </a:t>
-                    </a:r>
-                    <a:r>
-                      <a:rPr kumimoji="1" lang="en-US" altLang="ja-JP" sz="1050" dirty="0">
-                        <a:solidFill>
-                          <a:schemeClr val="tx2">
-                            <a:lumMod val="20000"/>
-                            <a:lumOff val="80000"/>
-                          </a:schemeClr>
-                        </a:solidFill>
-                      </a:rPr>
-                      <a:t>/</a:t>
-                    </a:r>
-                    <a:r>
-                      <a:rPr kumimoji="1" lang="en-US" altLang="ja-JP" sz="1050" u="sng" dirty="0">
-                        <a:solidFill>
-                          <a:schemeClr val="tx2">
-                            <a:lumMod val="20000"/>
-                            <a:lumOff val="80000"/>
-                          </a:schemeClr>
-                        </a:solidFill>
-                      </a:rPr>
-                      <a:t> </a:t>
-                    </a:r>
-                    <a:r>
-                      <a:rPr kumimoji="1" lang="en-US" altLang="ja-JP" sz="1050" u="sng" dirty="0" smtClean="0">
-                        <a:solidFill>
-                          <a:schemeClr val="tx2">
-                            <a:lumMod val="20000"/>
-                            <a:lumOff val="80000"/>
-                          </a:schemeClr>
-                        </a:solidFill>
-                      </a:rPr>
-                      <a:t>Blog</a:t>
-                    </a:r>
-                    <a:r>
-                      <a:rPr kumimoji="1" lang="en-US" altLang="ja-JP" sz="1050" dirty="0" smtClean="0">
-                        <a:solidFill>
-                          <a:schemeClr val="tx2">
-                            <a:lumMod val="20000"/>
-                            <a:lumOff val="80000"/>
-                          </a:schemeClr>
-                        </a:solidFill>
-                      </a:rPr>
-                      <a:t> </a:t>
-                    </a:r>
-                    <a:r>
-                      <a:rPr kumimoji="1" lang="en-US" altLang="ja-JP" sz="1050" dirty="0">
-                        <a:solidFill>
-                          <a:schemeClr val="tx2">
-                            <a:lumMod val="20000"/>
-                            <a:lumOff val="80000"/>
-                          </a:schemeClr>
-                        </a:solidFill>
-                      </a:rPr>
-                      <a:t>/ </a:t>
-                    </a:r>
-                    <a:r>
-                      <a:rPr kumimoji="1" lang="en-US" altLang="ja-JP" sz="1050" dirty="0" smtClean="0"/>
-                      <a:t>Detail</a:t>
-                    </a:r>
-                    <a:endParaRPr kumimoji="1" lang="ja-JP" altLang="en-US" sz="1050" dirty="0"/>
-                  </a:p>
-                </p:txBody>
-              </p:sp>
-              <p:sp>
-                <p:nvSpPr>
-                  <p:cNvPr id="45" name="Rectangle 44"/>
-                  <p:cNvSpPr/>
-                  <p:nvPr/>
-                </p:nvSpPr>
-                <p:spPr>
-                  <a:xfrm>
-                    <a:off x="2450693" y="626089"/>
-                    <a:ext cx="1799657" cy="292291"/>
-                  </a:xfrm>
-                  <a:prstGeom prst="rect">
-                    <a:avLst/>
-                  </a:prstGeom>
-                </p:spPr>
-                <p:style>
-                  <a:lnRef idx="1">
-                    <a:schemeClr val="accent1"/>
-                  </a:lnRef>
-                  <a:fillRef idx="3">
-                    <a:schemeClr val="accent1"/>
-                  </a:fillRef>
-                  <a:effectRef idx="2">
-                    <a:schemeClr val="accent1"/>
-                  </a:effectRef>
-                  <a:fontRef idx="minor">
-                    <a:schemeClr val="lt1"/>
-                  </a:fontRef>
-                </p:style>
-                <p:txBody>
-                  <a:bodyPr rtlCol="0" anchor="ctr"/>
-                  <a:lstStyle/>
-                  <a:p>
-                    <a:pPr algn="r"/>
-                    <a:r>
-                      <a:rPr kumimoji="1" lang="en-US" altLang="ja-JP" sz="1000" dirty="0"/>
-                      <a:t>  Blog | My</a:t>
-                    </a:r>
-                    <a:r>
-                      <a:rPr kumimoji="1" lang="en-US" altLang="ja-JP" sz="1000" dirty="0">
-                        <a:solidFill>
-                          <a:srgbClr val="FF0000"/>
-                        </a:solidFill>
-                      </a:rPr>
-                      <a:t> </a:t>
-                    </a:r>
-                    <a:r>
-                      <a:rPr kumimoji="1" lang="en-US" altLang="ja-JP" sz="1000" dirty="0"/>
-                      <a:t>Account</a:t>
-                    </a:r>
-                    <a:endParaRPr kumimoji="1" lang="ja-JP" altLang="en-US" sz="1000" dirty="0"/>
-                  </a:p>
-                </p:txBody>
-              </p:sp>
-              <p:cxnSp>
-                <p:nvCxnSpPr>
-                  <p:cNvPr id="46" name="Straight Connector 45"/>
-                  <p:cNvCxnSpPr/>
-                  <p:nvPr/>
-                </p:nvCxnSpPr>
-                <p:spPr>
-                  <a:xfrm>
-                    <a:off x="499335" y="4390072"/>
-                    <a:ext cx="3790950" cy="0"/>
-                  </a:xfrm>
-                  <a:prstGeom prst="line">
-                    <a:avLst/>
-                  </a:prstGeom>
-                </p:spPr>
-                <p:style>
-                  <a:lnRef idx="1">
-                    <a:schemeClr val="accent1"/>
-                  </a:lnRef>
-                  <a:fillRef idx="0">
-                    <a:schemeClr val="accent1"/>
-                  </a:fillRef>
-                  <a:effectRef idx="0">
-                    <a:schemeClr val="accent1"/>
-                  </a:effectRef>
-                  <a:fontRef idx="minor">
-                    <a:schemeClr val="tx1"/>
-                  </a:fontRef>
-                </p:style>
-              </p:cxnSp>
-              <p:sp>
-                <p:nvSpPr>
-                  <p:cNvPr id="47" name="Smiley Face 46"/>
-                  <p:cNvSpPr/>
-                  <p:nvPr/>
-                </p:nvSpPr>
-                <p:spPr>
-                  <a:xfrm>
-                    <a:off x="3106787" y="4466535"/>
-                    <a:ext cx="135691" cy="136800"/>
-                  </a:xfrm>
-                  <a:prstGeom prst="smileyFace">
-                    <a:avLst/>
-                  </a:prstGeom>
-                  <a:noFill/>
-                </p:spPr>
-                <p:style>
-                  <a:lnRef idx="2">
-                    <a:schemeClr val="accent1">
-                      <a:shade val="50000"/>
-                    </a:schemeClr>
-                  </a:lnRef>
-                  <a:fillRef idx="1">
-                    <a:schemeClr val="accent1"/>
-                  </a:fillRef>
-                  <a:effectRef idx="0">
-                    <a:schemeClr val="accent1"/>
-                  </a:effectRef>
-                  <a:fontRef idx="minor">
-                    <a:schemeClr val="lt1"/>
-                  </a:fontRef>
-                </p:style>
-                <p:txBody>
-                  <a:bodyPr rtlCol="0" anchor="ctr"/>
-                  <a:lstStyle/>
-                  <a:p>
-                    <a:pPr algn="ctr"/>
-                    <a:endParaRPr lang="en-US"/>
-                  </a:p>
-                </p:txBody>
-              </p:sp>
-              <p:sp>
-                <p:nvSpPr>
-                  <p:cNvPr id="48" name="TextBox 47"/>
-                  <p:cNvSpPr txBox="1"/>
-                  <p:nvPr/>
-                </p:nvSpPr>
-                <p:spPr>
-                  <a:xfrm>
-                    <a:off x="511176" y="4421586"/>
-                    <a:ext cx="2392933" cy="246221"/>
-                  </a:xfrm>
-                  <a:prstGeom prst="rect">
-                    <a:avLst/>
-                  </a:prstGeom>
-                  <a:noFill/>
-                </p:spPr>
-                <p:txBody>
-                  <a:bodyPr wrap="square" rtlCol="0">
-                    <a:spAutoFit/>
-                  </a:bodyPr>
-                  <a:lstStyle/>
-                  <a:p>
-                    <a:r>
-                      <a:rPr kumimoji="1" lang="en-US" altLang="ja-JP" sz="1000" u="sng" dirty="0" smtClean="0">
-                        <a:solidFill>
-                          <a:schemeClr val="accent1">
-                            <a:lumMod val="75000"/>
-                          </a:schemeClr>
-                        </a:solidFill>
-                      </a:rPr>
-                      <a:t>Message for creating a comment</a:t>
-                    </a:r>
-                    <a:endParaRPr kumimoji="1" lang="ja-JP" altLang="en-US" sz="1000" u="sng" dirty="0">
-                      <a:solidFill>
-                        <a:schemeClr val="accent1">
-                          <a:lumMod val="75000"/>
-                        </a:schemeClr>
-                      </a:solidFill>
-                    </a:endParaRPr>
-                  </a:p>
-                </p:txBody>
-              </p:sp>
-              <p:grpSp>
-                <p:nvGrpSpPr>
-                  <p:cNvPr id="49" name="Group 48"/>
-                  <p:cNvGrpSpPr/>
-                  <p:nvPr/>
-                </p:nvGrpSpPr>
-                <p:grpSpPr>
-                  <a:xfrm>
-                    <a:off x="2572810" y="4672822"/>
-                    <a:ext cx="865226" cy="241664"/>
-                    <a:chOff x="2572810" y="4672822"/>
-                    <a:chExt cx="865226" cy="241664"/>
-                  </a:xfrm>
-                </p:grpSpPr>
-                <p:sp>
-                  <p:nvSpPr>
-                    <p:cNvPr id="55" name="Rectangular Callout 54"/>
-                    <p:cNvSpPr/>
-                    <p:nvPr/>
-                  </p:nvSpPr>
-                  <p:spPr>
-                    <a:xfrm>
-                      <a:off x="2572810" y="4672822"/>
-                      <a:ext cx="865226" cy="241664"/>
-                    </a:xfrm>
-                    <a:prstGeom prst="wedgeRectCallout">
-                      <a:avLst>
-                        <a:gd name="adj1" fmla="val 20266"/>
-                        <a:gd name="adj2" fmla="val -68881"/>
-                      </a:avLst>
-                    </a:prstGeom>
-                  </p:spPr>
-                  <p:style>
-                    <a:lnRef idx="2">
-                      <a:schemeClr val="accent1"/>
-                    </a:lnRef>
-                    <a:fillRef idx="1">
-                      <a:schemeClr val="lt1"/>
-                    </a:fillRef>
-                    <a:effectRef idx="0">
-                      <a:schemeClr val="accent1"/>
-                    </a:effectRef>
-                    <a:fontRef idx="minor">
-                      <a:schemeClr val="dk1"/>
-                    </a:fontRef>
-                  </p:style>
-                  <p:txBody>
-                    <a:bodyPr rtlCol="0" anchor="ctr"/>
-                    <a:lstStyle/>
-                    <a:p>
-                      <a:pPr algn="ctr"/>
-                      <a:endParaRPr lang="en-US"/>
-                    </a:p>
-                  </p:txBody>
-                </p:sp>
-                <p:sp>
-                  <p:nvSpPr>
-                    <p:cNvPr id="56" name="Smiley Face 55"/>
-                    <p:cNvSpPr/>
-                    <p:nvPr/>
-                  </p:nvSpPr>
-                  <p:spPr>
-                    <a:xfrm>
-                      <a:off x="2659608" y="4702568"/>
-                      <a:ext cx="180000" cy="180000"/>
-                    </a:xfrm>
-                    <a:prstGeom prst="smileyFace">
-                      <a:avLst/>
-                    </a:prstGeom>
-                  </p:spPr>
-                  <p:style>
-                    <a:lnRef idx="2">
-                      <a:schemeClr val="accent1"/>
-                    </a:lnRef>
-                    <a:fillRef idx="1">
-                      <a:schemeClr val="lt1"/>
-                    </a:fillRef>
-                    <a:effectRef idx="0">
-                      <a:schemeClr val="accent1"/>
-                    </a:effectRef>
-                    <a:fontRef idx="minor">
-                      <a:schemeClr val="dk1"/>
-                    </a:fontRef>
-                  </p:style>
-                  <p:txBody>
-                    <a:bodyPr rtlCol="0" anchor="ctr"/>
-                    <a:lstStyle/>
-                    <a:p>
-                      <a:pPr algn="ctr"/>
-                      <a:endParaRPr lang="en-US"/>
-                    </a:p>
-                  </p:txBody>
-                </p:sp>
-                <p:sp>
-                  <p:nvSpPr>
-                    <p:cNvPr id="57" name="Smiley Face 56"/>
-                    <p:cNvSpPr/>
-                    <p:nvPr/>
-                  </p:nvSpPr>
-                  <p:spPr>
-                    <a:xfrm>
-                      <a:off x="2917671" y="4702568"/>
-                      <a:ext cx="180000" cy="180000"/>
-                    </a:xfrm>
-                    <a:prstGeom prst="smileyFace">
-                      <a:avLst>
-                        <a:gd name="adj" fmla="val -4653"/>
-                      </a:avLst>
-                    </a:prstGeom>
-                  </p:spPr>
-                  <p:style>
-                    <a:lnRef idx="2">
-                      <a:schemeClr val="accent1"/>
-                    </a:lnRef>
-                    <a:fillRef idx="1">
-                      <a:schemeClr val="lt1"/>
-                    </a:fillRef>
-                    <a:effectRef idx="0">
-                      <a:schemeClr val="accent1"/>
-                    </a:effectRef>
-                    <a:fontRef idx="minor">
-                      <a:schemeClr val="dk1"/>
-                    </a:fontRef>
-                  </p:style>
-                  <p:txBody>
-                    <a:bodyPr rtlCol="0" anchor="ctr"/>
-                    <a:lstStyle/>
-                    <a:p>
-                      <a:pPr algn="ctr"/>
-                      <a:endParaRPr lang="en-US"/>
-                    </a:p>
-                  </p:txBody>
-                </p:sp>
-                <p:sp>
-                  <p:nvSpPr>
-                    <p:cNvPr id="58" name="Smiley Face 57"/>
-                    <p:cNvSpPr/>
-                    <p:nvPr/>
-                  </p:nvSpPr>
-                  <p:spPr>
-                    <a:xfrm>
-                      <a:off x="3175733" y="4702568"/>
-                      <a:ext cx="180000" cy="180000"/>
-                    </a:xfrm>
-                    <a:prstGeom prst="smileyFace">
-                      <a:avLst>
-                        <a:gd name="adj" fmla="val 352"/>
-                      </a:avLst>
-                    </a:prstGeom>
-                  </p:spPr>
-                  <p:style>
-                    <a:lnRef idx="2">
-                      <a:schemeClr val="accent1"/>
-                    </a:lnRef>
-                    <a:fillRef idx="1">
-                      <a:schemeClr val="lt1"/>
-                    </a:fillRef>
-                    <a:effectRef idx="0">
-                      <a:schemeClr val="accent1"/>
-                    </a:effectRef>
-                    <a:fontRef idx="minor">
-                      <a:schemeClr val="dk1"/>
-                    </a:fontRef>
-                  </p:style>
-                  <p:txBody>
-                    <a:bodyPr rtlCol="0" anchor="ctr"/>
-                    <a:lstStyle/>
-                    <a:p>
-                      <a:pPr algn="ctr"/>
-                      <a:endParaRPr lang="en-US"/>
-                    </a:p>
-                  </p:txBody>
-                </p:sp>
-              </p:grpSp>
-              <p:sp>
-                <p:nvSpPr>
-                  <p:cNvPr id="50" name="Rectangle 49"/>
-                  <p:cNvSpPr/>
-                  <p:nvPr/>
-                </p:nvSpPr>
-                <p:spPr>
-                  <a:xfrm>
-                    <a:off x="1735760" y="6289780"/>
-                    <a:ext cx="165600" cy="165463"/>
-                  </a:xfrm>
-                  <a:prstGeom prst="rect">
-                    <a:avLst/>
-                  </a:prstGeom>
-                  <a:ln>
-                    <a:solidFill>
-                      <a:schemeClr val="accent1">
-                        <a:lumMod val="60000"/>
-                        <a:lumOff val="40000"/>
-                      </a:schemeClr>
-                    </a:solidFill>
-                  </a:ln>
-                </p:spPr>
-                <p:style>
-                  <a:lnRef idx="2">
-                    <a:schemeClr val="accent1">
-                      <a:shade val="50000"/>
-                    </a:schemeClr>
-                  </a:lnRef>
-                  <a:fillRef idx="1">
-                    <a:schemeClr val="accent1"/>
-                  </a:fillRef>
-                  <a:effectRef idx="0">
-                    <a:schemeClr val="accent1"/>
-                  </a:effectRef>
-                  <a:fontRef idx="minor">
-                    <a:schemeClr val="lt1"/>
-                  </a:fontRef>
-                </p:style>
-                <p:txBody>
-                  <a:bodyPr rtlCol="0" anchor="ctr"/>
-                  <a:lstStyle/>
-                  <a:p>
-                    <a:pPr algn="ctr"/>
-                    <a:r>
-                      <a:rPr lang="en-GB" sz="1000" dirty="0" smtClean="0"/>
-                      <a:t>1</a:t>
-                    </a:r>
-                    <a:endParaRPr lang="en-US" sz="1000" dirty="0"/>
-                  </a:p>
-                </p:txBody>
-              </p:sp>
-              <p:sp>
-                <p:nvSpPr>
-                  <p:cNvPr id="51" name="Rectangle 50"/>
-                  <p:cNvSpPr/>
-                  <p:nvPr/>
-                </p:nvSpPr>
-                <p:spPr>
-                  <a:xfrm>
-                    <a:off x="1960475" y="6289780"/>
-                    <a:ext cx="165600" cy="165463"/>
-                  </a:xfrm>
-                  <a:prstGeom prst="rect">
-                    <a:avLst/>
-                  </a:prstGeom>
-                  <a:solidFill>
-                    <a:schemeClr val="accent1">
-                      <a:lumMod val="60000"/>
-                      <a:lumOff val="40000"/>
-                    </a:schemeClr>
-                  </a:solidFill>
-                  <a:ln>
-                    <a:solidFill>
-                      <a:schemeClr val="accent1">
-                        <a:lumMod val="60000"/>
-                        <a:lumOff val="40000"/>
-                      </a:schemeClr>
-                    </a:solidFill>
-                  </a:ln>
-                </p:spPr>
-                <p:style>
-                  <a:lnRef idx="2">
-                    <a:schemeClr val="accent1">
-                      <a:shade val="50000"/>
-                    </a:schemeClr>
-                  </a:lnRef>
-                  <a:fillRef idx="1">
-                    <a:schemeClr val="accent1"/>
-                  </a:fillRef>
-                  <a:effectRef idx="0">
-                    <a:schemeClr val="accent1"/>
-                  </a:effectRef>
-                  <a:fontRef idx="minor">
-                    <a:schemeClr val="lt1"/>
-                  </a:fontRef>
-                </p:style>
-                <p:txBody>
-                  <a:bodyPr rtlCol="0" anchor="ctr"/>
-                  <a:lstStyle/>
-                  <a:p>
-                    <a:pPr algn="ctr"/>
-                    <a:r>
-                      <a:rPr lang="en-GB" sz="1000" dirty="0" smtClean="0"/>
-                      <a:t>2</a:t>
-                    </a:r>
-                    <a:endParaRPr lang="en-US" sz="1000" dirty="0"/>
-                  </a:p>
-                </p:txBody>
-              </p:sp>
-              <p:sp>
-                <p:nvSpPr>
-                  <p:cNvPr id="52" name="Rectangle 51"/>
-                  <p:cNvSpPr/>
-                  <p:nvPr/>
-                </p:nvSpPr>
-                <p:spPr>
-                  <a:xfrm>
-                    <a:off x="2185190" y="6289780"/>
-                    <a:ext cx="165600" cy="165463"/>
-                  </a:xfrm>
-                  <a:prstGeom prst="rect">
-                    <a:avLst/>
-                  </a:prstGeom>
-                  <a:ln>
-                    <a:solidFill>
-                      <a:schemeClr val="accent1">
-                        <a:lumMod val="60000"/>
-                        <a:lumOff val="40000"/>
-                      </a:schemeClr>
-                    </a:solidFill>
-                  </a:ln>
-                </p:spPr>
-                <p:style>
-                  <a:lnRef idx="2">
-                    <a:schemeClr val="accent1">
-                      <a:shade val="50000"/>
-                    </a:schemeClr>
-                  </a:lnRef>
-                  <a:fillRef idx="1">
-                    <a:schemeClr val="accent1"/>
-                  </a:fillRef>
-                  <a:effectRef idx="0">
-                    <a:schemeClr val="accent1"/>
-                  </a:effectRef>
-                  <a:fontRef idx="minor">
-                    <a:schemeClr val="lt1"/>
-                  </a:fontRef>
-                </p:style>
-                <p:txBody>
-                  <a:bodyPr rtlCol="0" anchor="ctr"/>
-                  <a:lstStyle/>
-                  <a:p>
-                    <a:pPr algn="ctr"/>
-                    <a:r>
-                      <a:rPr lang="en-GB" sz="1000" dirty="0" smtClean="0"/>
-                      <a:t>3</a:t>
-                    </a:r>
-                    <a:endParaRPr lang="en-US" sz="1000" dirty="0"/>
-                  </a:p>
-                </p:txBody>
-              </p:sp>
-              <p:sp>
-                <p:nvSpPr>
-                  <p:cNvPr id="53" name="Rectangle 52"/>
-                  <p:cNvSpPr/>
-                  <p:nvPr/>
-                </p:nvSpPr>
-                <p:spPr>
-                  <a:xfrm>
-                    <a:off x="2409905" y="6289780"/>
-                    <a:ext cx="432000" cy="165463"/>
-                  </a:xfrm>
-                  <a:prstGeom prst="rect">
-                    <a:avLst/>
-                  </a:prstGeom>
-                  <a:ln>
-                    <a:solidFill>
-                      <a:schemeClr val="accent1">
-                        <a:lumMod val="60000"/>
-                        <a:lumOff val="40000"/>
-                      </a:schemeClr>
-                    </a:solidFill>
-                  </a:ln>
-                </p:spPr>
-                <p:style>
-                  <a:lnRef idx="2">
-                    <a:schemeClr val="accent1">
-                      <a:shade val="50000"/>
-                    </a:schemeClr>
-                  </a:lnRef>
-                  <a:fillRef idx="1">
-                    <a:schemeClr val="accent1"/>
-                  </a:fillRef>
-                  <a:effectRef idx="0">
-                    <a:schemeClr val="accent1"/>
-                  </a:effectRef>
-                  <a:fontRef idx="minor">
-                    <a:schemeClr val="lt1"/>
-                  </a:fontRef>
-                </p:style>
-                <p:txBody>
-                  <a:bodyPr rtlCol="0" anchor="ctr"/>
-                  <a:lstStyle/>
-                  <a:p>
-                    <a:pPr algn="ctr"/>
-                    <a:r>
-                      <a:rPr lang="en-GB" sz="1000" dirty="0" smtClean="0"/>
-                      <a:t>Last</a:t>
-                    </a:r>
-                    <a:endParaRPr lang="en-US" sz="1000" dirty="0"/>
-                  </a:p>
-                </p:txBody>
-              </p:sp>
-              <p:sp>
-                <p:nvSpPr>
-                  <p:cNvPr id="54" name="Rectangle 53"/>
-                  <p:cNvSpPr/>
-                  <p:nvPr/>
-                </p:nvSpPr>
-                <p:spPr>
-                  <a:xfrm>
-                    <a:off x="1244645" y="6289780"/>
-                    <a:ext cx="432000" cy="165463"/>
-                  </a:xfrm>
-                  <a:prstGeom prst="rect">
-                    <a:avLst/>
-                  </a:prstGeom>
-                  <a:ln>
-                    <a:solidFill>
-                      <a:schemeClr val="accent1">
-                        <a:lumMod val="60000"/>
-                        <a:lumOff val="40000"/>
-                      </a:schemeClr>
-                    </a:solidFill>
-                  </a:ln>
-                </p:spPr>
-                <p:style>
-                  <a:lnRef idx="2">
-                    <a:schemeClr val="accent1">
-                      <a:shade val="50000"/>
-                    </a:schemeClr>
-                  </a:lnRef>
-                  <a:fillRef idx="1">
-                    <a:schemeClr val="accent1"/>
-                  </a:fillRef>
-                  <a:effectRef idx="0">
-                    <a:schemeClr val="accent1"/>
-                  </a:effectRef>
-                  <a:fontRef idx="minor">
-                    <a:schemeClr val="lt1"/>
-                  </a:fontRef>
-                </p:style>
-                <p:txBody>
-                  <a:bodyPr rtlCol="0" anchor="ctr"/>
-                  <a:lstStyle/>
-                  <a:p>
-                    <a:pPr algn="ctr"/>
-                    <a:r>
-                      <a:rPr lang="en-GB" sz="1000" dirty="0" smtClean="0"/>
-                      <a:t>First</a:t>
-                    </a:r>
-                    <a:endParaRPr lang="en-US" sz="1000" dirty="0"/>
-                  </a:p>
-                </p:txBody>
-              </p:sp>
-            </p:grpSp>
-            <p:sp>
-              <p:nvSpPr>
-                <p:cNvPr id="29" name="Rectangle 28"/>
-                <p:cNvSpPr/>
-                <p:nvPr/>
-              </p:nvSpPr>
-              <p:spPr>
-                <a:xfrm>
-                  <a:off x="388611" y="542926"/>
-                  <a:ext cx="3967238" cy="5998119"/>
-                </a:xfrm>
-                <a:prstGeom prst="rect">
-                  <a:avLst/>
-                </a:prstGeom>
-                <a:solidFill>
-                  <a:schemeClr val="accent1">
-                    <a:lumMod val="50000"/>
-                    <a:alpha val="29000"/>
-                  </a:schemeClr>
-                </a:solidFill>
-                <a:ln w="6350" cmpd="sng">
-                  <a:solidFill>
-                    <a:schemeClr val="tx1"/>
-                  </a:solidFill>
-                </a:ln>
-              </p:spPr>
-              <p:style>
-                <a:lnRef idx="2">
-                  <a:schemeClr val="accent1">
-                    <a:shade val="50000"/>
-                  </a:schemeClr>
-                </a:lnRef>
-                <a:fillRef idx="1">
-                  <a:schemeClr val="accent1"/>
-                </a:fillRef>
-                <a:effectRef idx="0">
-                  <a:schemeClr val="accent1"/>
-                </a:effectRef>
-                <a:fontRef idx="minor">
-                  <a:schemeClr val="lt1"/>
-                </a:fontRef>
-              </p:style>
-              <p:txBody>
-                <a:bodyPr rtlCol="0" anchor="ctr"/>
-                <a:lstStyle/>
-                <a:p>
-                  <a:pPr algn="ctr"/>
-                  <a:endParaRPr lang="en-US"/>
-                </a:p>
-              </p:txBody>
-            </p:sp>
-          </p:grpSp>
-          <p:grpSp>
-            <p:nvGrpSpPr>
-              <p:cNvPr id="14" name="Group 13"/>
-              <p:cNvGrpSpPr/>
-              <p:nvPr/>
-            </p:nvGrpSpPr>
-            <p:grpSpPr>
-              <a:xfrm>
-                <a:off x="476970" y="2760666"/>
-                <a:ext cx="3787394" cy="1484399"/>
-                <a:chOff x="476970" y="3101866"/>
-                <a:chExt cx="3787394" cy="1484399"/>
-              </a:xfrm>
-            </p:grpSpPr>
-            <p:grpSp>
-              <p:nvGrpSpPr>
-                <p:cNvPr id="15" name="Group 14"/>
-                <p:cNvGrpSpPr/>
-                <p:nvPr/>
-              </p:nvGrpSpPr>
-              <p:grpSpPr>
-                <a:xfrm>
-                  <a:off x="476970" y="3101866"/>
-                  <a:ext cx="3787394" cy="1387088"/>
-                  <a:chOff x="497615" y="2828436"/>
-                  <a:chExt cx="3787394" cy="1387088"/>
-                </a:xfrm>
-              </p:grpSpPr>
-              <p:sp>
-                <p:nvSpPr>
-                  <p:cNvPr id="23" name="Rectangle 22"/>
-                  <p:cNvSpPr/>
-                  <p:nvPr/>
-                </p:nvSpPr>
-                <p:spPr>
-                  <a:xfrm>
-                    <a:off x="497615" y="2828436"/>
-                    <a:ext cx="3787394" cy="1387088"/>
-                  </a:xfrm>
-                  <a:prstGeom prst="rect">
-                    <a:avLst/>
-                  </a:prstGeom>
-                  <a:solidFill>
-                    <a:schemeClr val="bg1">
-                      <a:alpha val="87000"/>
-                    </a:schemeClr>
-                  </a:solidFill>
-                </p:spPr>
-                <p:style>
-                  <a:lnRef idx="2">
-                    <a:schemeClr val="accent1">
-                      <a:shade val="50000"/>
-                    </a:schemeClr>
-                  </a:lnRef>
-                  <a:fillRef idx="1">
-                    <a:schemeClr val="accent1"/>
-                  </a:fillRef>
-                  <a:effectRef idx="0">
-                    <a:schemeClr val="accent1"/>
-                  </a:effectRef>
-                  <a:fontRef idx="minor">
-                    <a:schemeClr val="lt1"/>
-                  </a:fontRef>
-                </p:style>
-                <p:txBody>
-                  <a:bodyPr rtlCol="0" anchor="ctr"/>
-                  <a:lstStyle/>
-                  <a:p>
-                    <a:pPr algn="ctr"/>
-                    <a:endParaRPr lang="en-US"/>
-                  </a:p>
-                </p:txBody>
-              </p:sp>
-              <p:sp>
-                <p:nvSpPr>
-                  <p:cNvPr id="24" name="TextBox 23"/>
-                  <p:cNvSpPr txBox="1"/>
-                  <p:nvPr/>
-                </p:nvSpPr>
-                <p:spPr>
-                  <a:xfrm>
-                    <a:off x="1353561" y="2861828"/>
-                    <a:ext cx="1977391" cy="246221"/>
-                  </a:xfrm>
-                  <a:prstGeom prst="rect">
-                    <a:avLst/>
-                  </a:prstGeom>
-                  <a:noFill/>
-                </p:spPr>
-                <p:txBody>
-                  <a:bodyPr wrap="square" rtlCol="0">
-                    <a:spAutoFit/>
-                  </a:bodyPr>
-                  <a:lstStyle/>
-                  <a:p>
-                    <a:pPr algn="ctr"/>
-                    <a:r>
-                      <a:rPr lang="en-GB" sz="1000" dirty="0" smtClean="0">
-                        <a:solidFill>
-                          <a:schemeClr val="accent1">
-                            <a:lumMod val="75000"/>
-                          </a:schemeClr>
-                        </a:solidFill>
-                      </a:rPr>
-                      <a:t>Update this comment</a:t>
-                    </a:r>
-                    <a:endParaRPr lang="en-US" sz="1000" dirty="0">
-                      <a:solidFill>
-                        <a:schemeClr val="accent1">
-                          <a:lumMod val="75000"/>
-                        </a:schemeClr>
-                      </a:solidFill>
-                    </a:endParaRPr>
-                  </a:p>
-                </p:txBody>
-              </p:sp>
-              <p:sp>
-                <p:nvSpPr>
-                  <p:cNvPr id="25" name="Rectangle 24"/>
-                  <p:cNvSpPr/>
-                  <p:nvPr/>
-                </p:nvSpPr>
-                <p:spPr>
-                  <a:xfrm>
-                    <a:off x="609600" y="3120833"/>
-                    <a:ext cx="3553097" cy="670961"/>
-                  </a:xfrm>
-                  <a:prstGeom prst="rect">
-                    <a:avLst/>
-                  </a:prstGeom>
-                  <a:solidFill>
-                    <a:schemeClr val="bg1"/>
-                  </a:solidFill>
-                  <a:ln>
-                    <a:solidFill>
-                      <a:schemeClr val="accent1">
-                        <a:lumMod val="75000"/>
-                      </a:schemeClr>
-                    </a:solidFill>
-                  </a:ln>
-                </p:spPr>
-                <p:style>
-                  <a:lnRef idx="2">
-                    <a:schemeClr val="accent1">
-                      <a:shade val="50000"/>
-                    </a:schemeClr>
-                  </a:lnRef>
-                  <a:fillRef idx="1">
-                    <a:schemeClr val="accent1"/>
-                  </a:fillRef>
-                  <a:effectRef idx="0">
-                    <a:schemeClr val="accent1"/>
-                  </a:effectRef>
-                  <a:fontRef idx="minor">
-                    <a:schemeClr val="lt1"/>
-                  </a:fontRef>
-                </p:style>
-                <p:txBody>
-                  <a:bodyPr rtlCol="0" anchor="t"/>
-                  <a:lstStyle/>
-                  <a:p>
-                    <a:r>
-                      <a:rPr lang="en-US" sz="1000" dirty="0">
-                        <a:solidFill>
-                          <a:schemeClr val="accent1">
-                            <a:lumMod val="75000"/>
-                          </a:schemeClr>
-                        </a:solidFill>
-                      </a:rPr>
-                      <a:t>Pudding gummies croissant cookie </a:t>
-                    </a:r>
-                    <a:r>
-                      <a:rPr lang="en-US" sz="1000" dirty="0" err="1">
-                        <a:solidFill>
-                          <a:schemeClr val="accent1">
-                            <a:lumMod val="75000"/>
-                          </a:schemeClr>
-                        </a:solidFill>
-                      </a:rPr>
-                      <a:t>dragée</a:t>
-                    </a:r>
-                    <a:r>
-                      <a:rPr lang="en-US" sz="1000" dirty="0">
-                        <a:solidFill>
-                          <a:schemeClr val="accent1">
-                            <a:lumMod val="75000"/>
-                          </a:schemeClr>
-                        </a:solidFill>
-                      </a:rPr>
-                      <a:t>. I love gingerbread </a:t>
-                    </a:r>
-                    <a:r>
-                      <a:rPr lang="en-US" sz="1000" dirty="0" err="1">
-                        <a:solidFill>
-                          <a:schemeClr val="accent1">
-                            <a:lumMod val="75000"/>
-                          </a:schemeClr>
-                        </a:solidFill>
-                      </a:rPr>
-                      <a:t>chupa</a:t>
-                    </a:r>
-                    <a:r>
-                      <a:rPr lang="en-US" sz="1000" dirty="0">
-                        <a:solidFill>
-                          <a:schemeClr val="accent1">
-                            <a:lumMod val="75000"/>
-                          </a:schemeClr>
-                        </a:solidFill>
-                      </a:rPr>
-                      <a:t> </a:t>
-                    </a:r>
-                    <a:r>
-                      <a:rPr lang="en-US" sz="1000" dirty="0" err="1">
-                        <a:solidFill>
-                          <a:schemeClr val="accent1">
-                            <a:lumMod val="75000"/>
-                          </a:schemeClr>
-                        </a:solidFill>
-                      </a:rPr>
-                      <a:t>chups</a:t>
-                    </a:r>
-                    <a:r>
-                      <a:rPr lang="en-US" sz="1000" dirty="0" smtClean="0">
-                        <a:solidFill>
-                          <a:schemeClr val="accent1">
-                            <a:lumMod val="75000"/>
-                          </a:schemeClr>
-                        </a:solidFill>
-                      </a:rPr>
-                      <a:t>.</a:t>
-                    </a:r>
-                    <a:endParaRPr lang="en-US" sz="1000" dirty="0">
-                      <a:solidFill>
-                        <a:schemeClr val="accent1">
-                          <a:lumMod val="75000"/>
-                        </a:schemeClr>
-                      </a:solidFill>
-                    </a:endParaRPr>
-                  </a:p>
-                </p:txBody>
-              </p:sp>
-              <p:sp>
-                <p:nvSpPr>
-                  <p:cNvPr id="26" name="Rectangle 25"/>
-                  <p:cNvSpPr/>
-                  <p:nvPr/>
-                </p:nvSpPr>
-                <p:spPr>
-                  <a:xfrm>
-                    <a:off x="604323" y="3791940"/>
-                    <a:ext cx="3553200" cy="241285"/>
-                  </a:xfrm>
-                  <a:prstGeom prst="rect">
-                    <a:avLst/>
-                  </a:prstGeom>
-                  <a:solidFill>
-                    <a:schemeClr val="bg1"/>
-                  </a:solidFill>
-                  <a:ln>
-                    <a:solidFill>
-                      <a:schemeClr val="accent1">
-                        <a:lumMod val="75000"/>
-                      </a:schemeClr>
-                    </a:solidFill>
-                  </a:ln>
-                </p:spPr>
-                <p:style>
-                  <a:lnRef idx="2">
-                    <a:schemeClr val="accent1">
-                      <a:shade val="50000"/>
-                    </a:schemeClr>
-                  </a:lnRef>
-                  <a:fillRef idx="1">
-                    <a:schemeClr val="accent1"/>
-                  </a:fillRef>
-                  <a:effectRef idx="0">
-                    <a:schemeClr val="accent1"/>
-                  </a:effectRef>
-                  <a:fontRef idx="minor">
-                    <a:schemeClr val="lt1"/>
-                  </a:fontRef>
-                </p:style>
-                <p:txBody>
-                  <a:bodyPr rtlCol="0" anchor="ctr"/>
-                  <a:lstStyle/>
-                  <a:p>
-                    <a:pPr algn="ctr"/>
-                    <a:endParaRPr lang="en-US"/>
-                  </a:p>
-                </p:txBody>
-              </p:sp>
-              <p:sp>
-                <p:nvSpPr>
-                  <p:cNvPr id="27" name="Rectangle 26"/>
-                  <p:cNvSpPr/>
-                  <p:nvPr/>
-                </p:nvSpPr>
-                <p:spPr>
-                  <a:xfrm>
-                    <a:off x="3445268" y="3820849"/>
-                    <a:ext cx="680925" cy="184394"/>
-                  </a:xfrm>
-                  <a:prstGeom prst="rect">
-                    <a:avLst/>
-                  </a:prstGeom>
-                </p:spPr>
-                <p:style>
-                  <a:lnRef idx="1">
-                    <a:schemeClr val="accent1"/>
-                  </a:lnRef>
-                  <a:fillRef idx="3">
-                    <a:schemeClr val="accent1"/>
-                  </a:fillRef>
-                  <a:effectRef idx="2">
-                    <a:schemeClr val="accent1"/>
-                  </a:effectRef>
-                  <a:fontRef idx="minor">
-                    <a:schemeClr val="lt1"/>
-                  </a:fontRef>
-                </p:style>
-                <p:txBody>
-                  <a:bodyPr rtlCol="0" anchor="ctr"/>
-                  <a:lstStyle/>
-                  <a:p>
-                    <a:pPr algn="ctr"/>
-                    <a:r>
-                      <a:rPr kumimoji="1" lang="en-US" altLang="ja-JP" sz="1000" dirty="0" smtClean="0"/>
-                      <a:t>Update</a:t>
-                    </a:r>
-                    <a:endParaRPr kumimoji="1" lang="ja-JP" altLang="en-US" sz="1000" dirty="0"/>
-                  </a:p>
-                </p:txBody>
-              </p:sp>
-            </p:grpSp>
-            <p:grpSp>
-              <p:nvGrpSpPr>
-                <p:cNvPr id="16" name="Group 15"/>
-                <p:cNvGrpSpPr/>
-                <p:nvPr/>
-              </p:nvGrpSpPr>
-              <p:grpSpPr>
-                <a:xfrm>
-                  <a:off x="2699631" y="4084679"/>
-                  <a:ext cx="865226" cy="501586"/>
-                  <a:chOff x="2657874" y="4353385"/>
-                  <a:chExt cx="865226" cy="501586"/>
-                </a:xfrm>
-              </p:grpSpPr>
-              <p:sp>
-                <p:nvSpPr>
-                  <p:cNvPr id="21" name="Rectangular Callout 20"/>
-                  <p:cNvSpPr/>
-                  <p:nvPr/>
-                </p:nvSpPr>
-                <p:spPr>
-                  <a:xfrm>
-                    <a:off x="2657874" y="4613307"/>
-                    <a:ext cx="865226" cy="241664"/>
-                  </a:xfrm>
-                  <a:prstGeom prst="wedgeRectCallout">
-                    <a:avLst>
-                      <a:gd name="adj1" fmla="val 20266"/>
-                      <a:gd name="adj2" fmla="val -68881"/>
-                    </a:avLst>
-                  </a:prstGeom>
-                </p:spPr>
-                <p:style>
-                  <a:lnRef idx="2">
-                    <a:schemeClr val="accent1"/>
-                  </a:lnRef>
-                  <a:fillRef idx="1">
-                    <a:schemeClr val="lt1"/>
-                  </a:fillRef>
-                  <a:effectRef idx="0">
-                    <a:schemeClr val="accent1"/>
-                  </a:effectRef>
-                  <a:fontRef idx="minor">
-                    <a:schemeClr val="dk1"/>
-                  </a:fontRef>
-                </p:style>
-                <p:txBody>
-                  <a:bodyPr rtlCol="0" anchor="ctr"/>
-                  <a:lstStyle/>
-                  <a:p>
-                    <a:pPr algn="ctr"/>
-                    <a:endParaRPr lang="en-US"/>
-                  </a:p>
-                </p:txBody>
-              </p:sp>
-              <p:sp>
-                <p:nvSpPr>
-                  <p:cNvPr id="22" name="TextBox 21"/>
-                  <p:cNvSpPr txBox="1"/>
-                  <p:nvPr/>
-                </p:nvSpPr>
-                <p:spPr>
-                  <a:xfrm>
-                    <a:off x="2942884" y="4353385"/>
-                    <a:ext cx="327334" cy="246221"/>
-                  </a:xfrm>
-                  <a:prstGeom prst="rect">
-                    <a:avLst/>
-                  </a:prstGeom>
-                  <a:noFill/>
-                </p:spPr>
-                <p:txBody>
-                  <a:bodyPr wrap="none" rtlCol="0">
-                    <a:spAutoFit/>
-                  </a:bodyPr>
-                  <a:lstStyle/>
-                  <a:p>
-                    <a:r>
-                      <a:rPr kumimoji="1" lang="en-US" altLang="ja-JP" sz="1000" dirty="0" smtClean="0">
-                        <a:solidFill>
-                          <a:srgbClr val="FF0000"/>
-                        </a:solidFill>
-                      </a:rPr>
-                      <a:t>(4)</a:t>
-                    </a:r>
-                    <a:endParaRPr kumimoji="1" lang="ja-JP" altLang="en-US" sz="1000" dirty="0">
-                      <a:solidFill>
-                        <a:srgbClr val="FF0000"/>
-                      </a:solidFill>
-                    </a:endParaRPr>
-                  </a:p>
-                </p:txBody>
-              </p:sp>
-            </p:grpSp>
-            <p:sp>
-              <p:nvSpPr>
-                <p:cNvPr id="17" name="Smiley Face 16"/>
-                <p:cNvSpPr/>
-                <p:nvPr/>
-              </p:nvSpPr>
-              <p:spPr>
-                <a:xfrm>
-                  <a:off x="2786429" y="4374347"/>
-                  <a:ext cx="180000" cy="180000"/>
-                </a:xfrm>
-                <a:prstGeom prst="smileyFace">
-                  <a:avLst/>
-                </a:prstGeom>
-              </p:spPr>
-              <p:style>
-                <a:lnRef idx="2">
-                  <a:schemeClr val="accent1"/>
-                </a:lnRef>
-                <a:fillRef idx="1">
-                  <a:schemeClr val="lt1"/>
-                </a:fillRef>
-                <a:effectRef idx="0">
-                  <a:schemeClr val="accent1"/>
-                </a:effectRef>
-                <a:fontRef idx="minor">
-                  <a:schemeClr val="dk1"/>
-                </a:fontRef>
-              </p:style>
-              <p:txBody>
-                <a:bodyPr rtlCol="0" anchor="ctr"/>
-                <a:lstStyle/>
-                <a:p>
-                  <a:pPr algn="ctr"/>
-                  <a:endParaRPr lang="en-US"/>
-                </a:p>
-              </p:txBody>
-            </p:sp>
-            <p:sp>
-              <p:nvSpPr>
-                <p:cNvPr id="18" name="Smiley Face 17"/>
-                <p:cNvSpPr/>
-                <p:nvPr/>
-              </p:nvSpPr>
-              <p:spPr>
-                <a:xfrm>
-                  <a:off x="3044492" y="4374347"/>
-                  <a:ext cx="180000" cy="180000"/>
-                </a:xfrm>
-                <a:prstGeom prst="smileyFace">
-                  <a:avLst>
-                    <a:gd name="adj" fmla="val -4653"/>
-                  </a:avLst>
-                </a:prstGeom>
-              </p:spPr>
-              <p:style>
-                <a:lnRef idx="2">
-                  <a:schemeClr val="accent1"/>
-                </a:lnRef>
-                <a:fillRef idx="1">
-                  <a:schemeClr val="lt1"/>
-                </a:fillRef>
-                <a:effectRef idx="0">
-                  <a:schemeClr val="accent1"/>
-                </a:effectRef>
-                <a:fontRef idx="minor">
-                  <a:schemeClr val="dk1"/>
-                </a:fontRef>
-              </p:style>
-              <p:txBody>
-                <a:bodyPr rtlCol="0" anchor="ctr"/>
-                <a:lstStyle/>
-                <a:p>
-                  <a:pPr algn="ctr"/>
-                  <a:endParaRPr lang="en-US"/>
-                </a:p>
-              </p:txBody>
-            </p:sp>
-            <p:sp>
-              <p:nvSpPr>
-                <p:cNvPr id="19" name="Smiley Face 18"/>
-                <p:cNvSpPr/>
-                <p:nvPr/>
-              </p:nvSpPr>
-              <p:spPr>
-                <a:xfrm>
-                  <a:off x="3302554" y="4374347"/>
-                  <a:ext cx="180000" cy="180000"/>
-                </a:xfrm>
-                <a:prstGeom prst="smileyFace">
-                  <a:avLst>
-                    <a:gd name="adj" fmla="val 352"/>
-                  </a:avLst>
-                </a:prstGeom>
-              </p:spPr>
-              <p:style>
-                <a:lnRef idx="2">
-                  <a:schemeClr val="accent1"/>
-                </a:lnRef>
-                <a:fillRef idx="1">
-                  <a:schemeClr val="lt1"/>
-                </a:fillRef>
-                <a:effectRef idx="0">
-                  <a:schemeClr val="accent1"/>
-                </a:effectRef>
-                <a:fontRef idx="minor">
-                  <a:schemeClr val="dk1"/>
-                </a:fontRef>
-              </p:style>
-              <p:txBody>
-                <a:bodyPr rtlCol="0" anchor="ctr"/>
-                <a:lstStyle/>
-                <a:p>
-                  <a:pPr algn="ctr"/>
-                  <a:endParaRPr lang="en-US"/>
-                </a:p>
-              </p:txBody>
-            </p:sp>
-            <p:sp>
-              <p:nvSpPr>
-                <p:cNvPr id="20" name="Smiley Face 19"/>
-                <p:cNvSpPr/>
-                <p:nvPr/>
-              </p:nvSpPr>
-              <p:spPr>
-                <a:xfrm>
-                  <a:off x="3216361" y="4091034"/>
-                  <a:ext cx="180000" cy="180000"/>
-                </a:xfrm>
-                <a:prstGeom prst="smileyFace">
-                  <a:avLst/>
-                </a:prstGeom>
-              </p:spPr>
-              <p:style>
-                <a:lnRef idx="2">
-                  <a:schemeClr val="accent1"/>
-                </a:lnRef>
-                <a:fillRef idx="1">
-                  <a:schemeClr val="lt1"/>
-                </a:fillRef>
-                <a:effectRef idx="0">
-                  <a:schemeClr val="accent1"/>
-                </a:effectRef>
-                <a:fontRef idx="minor">
-                  <a:schemeClr val="dk1"/>
-                </a:fontRef>
-              </p:style>
-              <p:txBody>
-                <a:bodyPr rtlCol="0" anchor="ctr"/>
-                <a:lstStyle/>
-                <a:p>
-                  <a:pPr algn="ctr"/>
-                  <a:endParaRPr lang="en-US"/>
-                </a:p>
-              </p:txBody>
-            </p:sp>
-          </p:grpSp>
-        </p:grpSp>
-        <p:sp>
-          <p:nvSpPr>
-            <p:cNvPr id="7" name="TextBox 6"/>
-            <p:cNvSpPr txBox="1"/>
-            <p:nvPr/>
-          </p:nvSpPr>
-          <p:spPr>
-            <a:xfrm>
-              <a:off x="3883275" y="3720992"/>
-              <a:ext cx="327334" cy="246221"/>
-            </a:xfrm>
-            <a:prstGeom prst="rect">
-              <a:avLst/>
-            </a:prstGeom>
-            <a:noFill/>
-          </p:spPr>
-          <p:txBody>
-            <a:bodyPr wrap="none" rtlCol="0">
-              <a:spAutoFit/>
-            </a:bodyPr>
-            <a:lstStyle/>
-            <a:p>
-              <a:r>
-                <a:rPr kumimoji="1" lang="en-US" altLang="ja-JP" sz="1000" dirty="0" smtClean="0">
-                  <a:solidFill>
-                    <a:srgbClr val="FF0000"/>
-                  </a:solidFill>
-                </a:rPr>
-                <a:t>(5)</a:t>
-              </a:r>
-              <a:endParaRPr kumimoji="1" lang="ja-JP" altLang="en-US" sz="1000" dirty="0">
-                <a:solidFill>
-                  <a:srgbClr val="FF0000"/>
-                </a:solidFill>
-              </a:endParaRPr>
-            </a:p>
-          </p:txBody>
-        </p:sp>
-        <p:sp>
-          <p:nvSpPr>
-            <p:cNvPr id="8" name="TextBox 7"/>
-            <p:cNvSpPr txBox="1"/>
-            <p:nvPr/>
-          </p:nvSpPr>
-          <p:spPr>
-            <a:xfrm>
-              <a:off x="3944966" y="2672695"/>
-              <a:ext cx="247398" cy="369332"/>
-            </a:xfrm>
-            <a:prstGeom prst="rect">
-              <a:avLst/>
-            </a:prstGeom>
-            <a:noFill/>
-          </p:spPr>
-          <p:txBody>
-            <a:bodyPr wrap="square" rtlCol="0">
-              <a:spAutoFit/>
-            </a:bodyPr>
-            <a:lstStyle/>
-            <a:p>
-              <a:r>
-                <a:rPr lang="en-GB" dirty="0" smtClean="0">
-                  <a:solidFill>
-                    <a:schemeClr val="accent1">
-                      <a:lumMod val="75000"/>
-                    </a:schemeClr>
-                  </a:solidFill>
-                </a:rPr>
-                <a:t>x</a:t>
-              </a:r>
-              <a:endParaRPr lang="en-US" dirty="0">
-                <a:solidFill>
-                  <a:schemeClr val="accent1">
-                    <a:lumMod val="75000"/>
-                  </a:schemeClr>
-                </a:solidFill>
-              </a:endParaRPr>
-            </a:p>
-          </p:txBody>
-        </p:sp>
-        <p:sp>
-          <p:nvSpPr>
-            <p:cNvPr id="9" name="TextBox 8"/>
-            <p:cNvSpPr txBox="1"/>
-            <p:nvPr/>
-          </p:nvSpPr>
-          <p:spPr>
-            <a:xfrm>
-              <a:off x="1334996" y="3223905"/>
-              <a:ext cx="327334" cy="246221"/>
-            </a:xfrm>
-            <a:prstGeom prst="rect">
-              <a:avLst/>
-            </a:prstGeom>
-            <a:noFill/>
-          </p:spPr>
-          <p:txBody>
-            <a:bodyPr wrap="none" rtlCol="0">
-              <a:spAutoFit/>
-            </a:bodyPr>
-            <a:lstStyle/>
-            <a:p>
-              <a:r>
-                <a:rPr kumimoji="1" lang="en-US" altLang="ja-JP" sz="1000" dirty="0" smtClean="0">
-                  <a:solidFill>
-                    <a:srgbClr val="FF0000"/>
-                  </a:solidFill>
-                </a:rPr>
-                <a:t>(2)</a:t>
-              </a:r>
-              <a:endParaRPr kumimoji="1" lang="ja-JP" altLang="en-US" sz="1000" dirty="0">
-                <a:solidFill>
-                  <a:srgbClr val="FF0000"/>
-                </a:solidFill>
-              </a:endParaRPr>
-            </a:p>
-          </p:txBody>
-        </p:sp>
-        <p:sp>
-          <p:nvSpPr>
-            <p:cNvPr id="10" name="TextBox 9"/>
-            <p:cNvSpPr txBox="1"/>
-            <p:nvPr/>
-          </p:nvSpPr>
-          <p:spPr>
-            <a:xfrm>
-              <a:off x="608389" y="3719706"/>
-              <a:ext cx="2582050" cy="246221"/>
-            </a:xfrm>
-            <a:prstGeom prst="rect">
-              <a:avLst/>
-            </a:prstGeom>
-            <a:noFill/>
-          </p:spPr>
-          <p:txBody>
-            <a:bodyPr wrap="square" rtlCol="0">
-              <a:spAutoFit/>
-            </a:bodyPr>
-            <a:lstStyle/>
-            <a:p>
-              <a:r>
-                <a:rPr kumimoji="1" lang="en-US" altLang="ja-JP" sz="1000" u="sng" dirty="0" smtClean="0">
-                  <a:solidFill>
-                    <a:schemeClr val="accent1">
-                      <a:lumMod val="75000"/>
-                    </a:schemeClr>
-                  </a:solidFill>
-                </a:rPr>
-                <a:t>Message for updating a comment</a:t>
-              </a:r>
-              <a:endParaRPr kumimoji="1" lang="ja-JP" altLang="en-US" sz="1000" u="sng" dirty="0">
-                <a:solidFill>
-                  <a:schemeClr val="accent1">
-                    <a:lumMod val="75000"/>
-                  </a:schemeClr>
-                </a:solidFill>
-              </a:endParaRPr>
-            </a:p>
-          </p:txBody>
-        </p:sp>
-        <p:sp>
-          <p:nvSpPr>
-            <p:cNvPr id="11" name="TextBox 10"/>
-            <p:cNvSpPr txBox="1"/>
-            <p:nvPr/>
-          </p:nvSpPr>
-          <p:spPr>
-            <a:xfrm>
-              <a:off x="3981835" y="2862904"/>
-              <a:ext cx="327334" cy="246221"/>
-            </a:xfrm>
-            <a:prstGeom prst="rect">
-              <a:avLst/>
-            </a:prstGeom>
-            <a:noFill/>
-          </p:spPr>
-          <p:txBody>
-            <a:bodyPr wrap="none" rtlCol="0">
-              <a:spAutoFit/>
-            </a:bodyPr>
-            <a:lstStyle/>
-            <a:p>
-              <a:r>
-                <a:rPr kumimoji="1" lang="en-US" altLang="ja-JP" sz="1000" dirty="0" smtClean="0">
-                  <a:solidFill>
-                    <a:srgbClr val="FF0000"/>
-                  </a:solidFill>
-                </a:rPr>
-                <a:t>(1)</a:t>
-              </a:r>
-              <a:endParaRPr kumimoji="1" lang="ja-JP" altLang="en-US" sz="1000" dirty="0">
-                <a:solidFill>
-                  <a:srgbClr val="FF0000"/>
-                </a:solidFill>
-              </a:endParaRPr>
-            </a:p>
-          </p:txBody>
-        </p:sp>
-        <p:sp>
-          <p:nvSpPr>
-            <p:cNvPr id="12" name="TextBox 11"/>
-            <p:cNvSpPr txBox="1"/>
-            <p:nvPr/>
-          </p:nvSpPr>
-          <p:spPr>
-            <a:xfrm>
-              <a:off x="2120394" y="3725200"/>
-              <a:ext cx="327334" cy="246221"/>
-            </a:xfrm>
-            <a:prstGeom prst="rect">
-              <a:avLst/>
-            </a:prstGeom>
-            <a:noFill/>
-          </p:spPr>
-          <p:txBody>
-            <a:bodyPr wrap="none" rtlCol="0">
-              <a:spAutoFit/>
-            </a:bodyPr>
-            <a:lstStyle/>
-            <a:p>
-              <a:r>
-                <a:rPr kumimoji="1" lang="en-US" altLang="ja-JP" sz="1000" dirty="0" smtClean="0">
-                  <a:solidFill>
-                    <a:srgbClr val="FF0000"/>
-                  </a:solidFill>
-                </a:rPr>
-                <a:t>(3)</a:t>
-              </a:r>
-              <a:endParaRPr kumimoji="1" lang="ja-JP" altLang="en-US" sz="1000" dirty="0">
-                <a:solidFill>
-                  <a:srgbClr val="FF0000"/>
-                </a:solidFill>
-              </a:endParaRPr>
-            </a:p>
-          </p:txBody>
-        </p:sp>
-      </p:grpSp>
       <p:graphicFrame>
         <p:nvGraphicFramePr>
           <p:cNvPr id="69" name="Table 68"/>
@@ -31288,6 +28459,2482 @@
           </a:graphicData>
         </a:graphic>
       </p:graphicFrame>
+      <p:grpSp>
+        <p:nvGrpSpPr>
+          <p:cNvPr id="4" name="Group 3"/>
+          <p:cNvGrpSpPr/>
+          <p:nvPr/>
+        </p:nvGrpSpPr>
+        <p:grpSpPr>
+          <a:xfrm>
+            <a:off x="116104" y="541028"/>
+            <a:ext cx="4611672" cy="6176764"/>
+            <a:chOff x="116104" y="541028"/>
+            <a:chExt cx="4611672" cy="6176764"/>
+          </a:xfrm>
+        </p:grpSpPr>
+        <p:grpSp>
+          <p:nvGrpSpPr>
+            <p:cNvPr id="5" name="Group 4"/>
+            <p:cNvGrpSpPr/>
+            <p:nvPr/>
+          </p:nvGrpSpPr>
+          <p:grpSpPr>
+            <a:xfrm>
+              <a:off x="116104" y="541028"/>
+              <a:ext cx="4611672" cy="6176764"/>
+              <a:chOff x="387048" y="541083"/>
+              <a:chExt cx="4007213" cy="5999970"/>
+            </a:xfrm>
+          </p:grpSpPr>
+          <p:grpSp>
+            <p:nvGrpSpPr>
+              <p:cNvPr id="6" name="Group 5"/>
+              <p:cNvGrpSpPr/>
+              <p:nvPr/>
+            </p:nvGrpSpPr>
+            <p:grpSpPr>
+              <a:xfrm>
+                <a:off x="387048" y="541083"/>
+                <a:ext cx="4007213" cy="5999970"/>
+                <a:chOff x="387048" y="541082"/>
+                <a:chExt cx="4007217" cy="5999964"/>
+              </a:xfrm>
+            </p:grpSpPr>
+            <p:grpSp>
+              <p:nvGrpSpPr>
+                <p:cNvPr id="13" name="Group 12"/>
+                <p:cNvGrpSpPr/>
+                <p:nvPr/>
+              </p:nvGrpSpPr>
+              <p:grpSpPr>
+                <a:xfrm>
+                  <a:off x="387048" y="541082"/>
+                  <a:ext cx="4007217" cy="5999964"/>
+                  <a:chOff x="387048" y="541082"/>
+                  <a:chExt cx="4007217" cy="5999964"/>
+                </a:xfrm>
+              </p:grpSpPr>
+              <p:grpSp>
+                <p:nvGrpSpPr>
+                  <p:cNvPr id="28" name="Group 27"/>
+                  <p:cNvGrpSpPr/>
+                  <p:nvPr/>
+                </p:nvGrpSpPr>
+                <p:grpSpPr>
+                  <a:xfrm>
+                    <a:off x="387048" y="542926"/>
+                    <a:ext cx="4007217" cy="5998120"/>
+                    <a:chOff x="387048" y="542926"/>
+                    <a:chExt cx="4007217" cy="5998120"/>
+                  </a:xfrm>
+                </p:grpSpPr>
+                <p:sp useBgFill="1">
+                  <p:nvSpPr>
+                    <p:cNvPr id="30" name="Rectangle 29"/>
+                    <p:cNvSpPr/>
+                    <p:nvPr/>
+                  </p:nvSpPr>
+                  <p:spPr>
+                    <a:xfrm>
+                      <a:off x="387048" y="542926"/>
+                      <a:ext cx="3967238" cy="5998120"/>
+                    </a:xfrm>
+                    <a:prstGeom prst="rect">
+                      <a:avLst/>
+                    </a:prstGeom>
+                    <a:ln w="6350" cmpd="sng">
+                      <a:solidFill>
+                        <a:schemeClr val="tx1"/>
+                      </a:solidFill>
+                    </a:ln>
+                  </p:spPr>
+                  <p:style>
+                    <a:lnRef idx="2">
+                      <a:schemeClr val="accent1"/>
+                    </a:lnRef>
+                    <a:fillRef idx="1">
+                      <a:schemeClr val="lt1"/>
+                    </a:fillRef>
+                    <a:effectRef idx="0">
+                      <a:schemeClr val="accent1"/>
+                    </a:effectRef>
+                    <a:fontRef idx="minor">
+                      <a:schemeClr val="dk1"/>
+                    </a:fontRef>
+                  </p:style>
+                  <p:txBody>
+                    <a:bodyPr rtlCol="0" anchor="ctr"/>
+                    <a:lstStyle/>
+                    <a:p>
+                      <a:pPr algn="ctr"/>
+                      <a:endParaRPr kumimoji="1" lang="ja-JP" altLang="en-US">
+                        <a:solidFill>
+                          <a:srgbClr val="FF0000"/>
+                        </a:solidFill>
+                      </a:endParaRPr>
+                    </a:p>
+                  </p:txBody>
+                </p:sp>
+                <p:sp>
+                  <p:nvSpPr>
+                    <p:cNvPr id="31" name="TextBox 30"/>
+                    <p:cNvSpPr txBox="1"/>
+                    <p:nvPr/>
+                  </p:nvSpPr>
+                  <p:spPr>
+                    <a:xfrm>
+                      <a:off x="418039" y="1646211"/>
+                      <a:ext cx="3967238" cy="400110"/>
+                    </a:xfrm>
+                    <a:prstGeom prst="rect">
+                      <a:avLst/>
+                    </a:prstGeom>
+                    <a:noFill/>
+                  </p:spPr>
+                  <p:txBody>
+                    <a:bodyPr wrap="square" rtlCol="0">
+                      <a:spAutoFit/>
+                    </a:bodyPr>
+                    <a:lstStyle/>
+                    <a:p>
+                      <a:r>
+                        <a:rPr lang="en-GB" sz="1000" dirty="0" smtClean="0"/>
+                        <a:t>Blog 1</a:t>
+                      </a:r>
+                    </a:p>
+                    <a:p>
+                      <a:r>
+                        <a:rPr kumimoji="1" lang="en-US" altLang="ja-JP" sz="1000" i="1" dirty="0" smtClean="0">
+                          <a:solidFill>
+                            <a:schemeClr val="bg1">
+                              <a:lumMod val="65000"/>
+                            </a:schemeClr>
+                          </a:solidFill>
+                        </a:rPr>
+                        <a:t>Date: 08/12/2015 12:40</a:t>
+                      </a:r>
+                      <a:endParaRPr kumimoji="1" lang="ja-JP" altLang="en-US" sz="1000" i="1" dirty="0" smtClean="0">
+                        <a:solidFill>
+                          <a:schemeClr val="bg1">
+                            <a:lumMod val="65000"/>
+                          </a:schemeClr>
+                        </a:solidFill>
+                      </a:endParaRPr>
+                    </a:p>
+                  </p:txBody>
+                </p:sp>
+                <p:sp>
+                  <p:nvSpPr>
+                    <p:cNvPr id="32" name="TextBox 31"/>
+                    <p:cNvSpPr txBox="1"/>
+                    <p:nvPr/>
+                  </p:nvSpPr>
+                  <p:spPr>
+                    <a:xfrm>
+                      <a:off x="482218" y="2487887"/>
+                      <a:ext cx="3790951" cy="1323439"/>
+                    </a:xfrm>
+                    <a:prstGeom prst="rect">
+                      <a:avLst/>
+                    </a:prstGeom>
+                    <a:noFill/>
+                  </p:spPr>
+                  <p:txBody>
+                    <a:bodyPr wrap="square" rtlCol="0">
+                      <a:spAutoFit/>
+                    </a:bodyPr>
+                    <a:lstStyle/>
+                    <a:p>
+                      <a:r>
+                        <a:rPr lang="en-US" sz="1000" dirty="0"/>
+                        <a:t>Cupcake ipsum dolor sit </a:t>
+                      </a:r>
+                      <a:r>
+                        <a:rPr lang="en-US" sz="1000" dirty="0" err="1"/>
+                        <a:t>amet</a:t>
+                      </a:r>
+                      <a:r>
+                        <a:rPr lang="en-US" sz="1000" dirty="0"/>
+                        <a:t> wafer. Jelly-o caramels </a:t>
+                      </a:r>
+                      <a:r>
+                        <a:rPr lang="en-US" sz="1000" dirty="0" err="1"/>
+                        <a:t>gummi</a:t>
+                      </a:r>
+                      <a:r>
+                        <a:rPr lang="en-US" sz="1000" dirty="0"/>
+                        <a:t> bears I love pie jelly beans wafer. Lollipop I love cake apple pie gingerbread soufflé jujubes. </a:t>
+                      </a:r>
+                      <a:endParaRPr lang="en-US" sz="1000" dirty="0" smtClean="0"/>
+                    </a:p>
+                    <a:p>
+                      <a:r>
+                        <a:rPr lang="en-US" sz="1000" dirty="0" smtClean="0"/>
+                        <a:t>Jujubes </a:t>
+                      </a:r>
+                      <a:r>
+                        <a:rPr lang="en-US" sz="1000" dirty="0"/>
+                        <a:t>I love caramels pie jelly-o apple pie </a:t>
+                      </a:r>
+                      <a:r>
+                        <a:rPr lang="en-US" sz="1000" dirty="0" smtClean="0"/>
+                        <a:t>banana.com </a:t>
+                      </a:r>
+                      <a:r>
+                        <a:rPr lang="en-US" sz="1000" dirty="0" err="1"/>
+                        <a:t>dragée</a:t>
+                      </a:r>
+                      <a:r>
+                        <a:rPr lang="en-US" sz="1000" dirty="0"/>
+                        <a:t>. Cupcake soufflé jelly-o. Donut I love sesame snaps cake powder halvah </a:t>
+                      </a:r>
+                      <a:r>
+                        <a:rPr lang="en-US" sz="1000" dirty="0" err="1"/>
+                        <a:t>halvah</a:t>
+                      </a:r>
+                      <a:r>
+                        <a:rPr lang="en-US" sz="1000" dirty="0" smtClean="0"/>
+                        <a:t>.</a:t>
+                      </a:r>
+                    </a:p>
+                    <a:p>
+                      <a:r>
+                        <a:rPr lang="en-US" sz="1000" dirty="0" smtClean="0"/>
+                        <a:t>Lemon </a:t>
+                      </a:r>
+                      <a:r>
+                        <a:rPr lang="en-US" sz="1000" dirty="0"/>
+                        <a:t>drops lollipop cake carrot cake cheesecake marzipan. Lollipop caramels oat cake </a:t>
+                      </a:r>
+                      <a:r>
+                        <a:rPr lang="en-US" sz="1000" dirty="0" err="1"/>
+                        <a:t>danish</a:t>
+                      </a:r>
+                      <a:r>
+                        <a:rPr lang="en-US" sz="1000" dirty="0"/>
+                        <a:t> pie jujubes chocolate </a:t>
+                      </a:r>
+                      <a:r>
+                        <a:rPr lang="en-US" sz="1000" dirty="0" smtClean="0"/>
+                        <a:t>bar.</a:t>
+                      </a:r>
+                      <a:endParaRPr lang="en-US" sz="1000" dirty="0"/>
+                    </a:p>
+                  </p:txBody>
+                </p:sp>
+                <p:grpSp>
+                  <p:nvGrpSpPr>
+                    <p:cNvPr id="33" name="Group 32"/>
+                    <p:cNvGrpSpPr/>
+                    <p:nvPr/>
+                  </p:nvGrpSpPr>
+                  <p:grpSpPr>
+                    <a:xfrm>
+                      <a:off x="499336" y="2007358"/>
+                      <a:ext cx="3887562" cy="504825"/>
+                      <a:chOff x="466724" y="1304985"/>
+                      <a:chExt cx="3887562" cy="504825"/>
+                    </a:xfrm>
+                  </p:grpSpPr>
+                  <p:cxnSp>
+                    <p:nvCxnSpPr>
+                      <p:cNvPr id="65" name="Straight Connector 64"/>
+                      <p:cNvCxnSpPr/>
+                      <p:nvPr/>
+                    </p:nvCxnSpPr>
+                    <p:spPr>
+                      <a:xfrm>
+                        <a:off x="466725" y="1304985"/>
+                        <a:ext cx="3790950" cy="0"/>
+                      </a:xfrm>
+                      <a:prstGeom prst="line">
+                        <a:avLst/>
+                      </a:prstGeom>
+                    </p:spPr>
+                    <p:style>
+                      <a:lnRef idx="1">
+                        <a:schemeClr val="accent1"/>
+                      </a:lnRef>
+                      <a:fillRef idx="0">
+                        <a:schemeClr val="accent1"/>
+                      </a:fillRef>
+                      <a:effectRef idx="0">
+                        <a:schemeClr val="accent1"/>
+                      </a:effectRef>
+                      <a:fontRef idx="minor">
+                        <a:schemeClr val="tx1"/>
+                      </a:fontRef>
+                    </p:style>
+                  </p:cxnSp>
+                  <p:pic>
+                    <p:nvPicPr>
+                      <p:cNvPr id="66" name="Picture 65"/>
+                      <p:cNvPicPr>
+                        <a:picLocks noChangeAspect="1"/>
+                      </p:cNvPicPr>
+                      <p:nvPr/>
+                    </p:nvPicPr>
+                    <p:blipFill>
+                      <a:blip r:embed="rId3" cstate="print">
+                        <a:extLst>
+                          <a:ext uri="{28A0092B-C50C-407E-A947-70E740481C1C}">
+                            <a14:useLocalDpi xmlns:a14="http://schemas.microsoft.com/office/drawing/2010/main" val="0"/>
+                          </a:ext>
+                        </a:extLst>
+                      </a:blip>
+                      <a:stretch>
+                        <a:fillRect/>
+                      </a:stretch>
+                    </p:blipFill>
+                    <p:spPr>
+                      <a:xfrm>
+                        <a:off x="466724" y="1362805"/>
+                        <a:ext cx="396000" cy="395280"/>
+                      </a:xfrm>
+                      <a:prstGeom prst="rect">
+                        <a:avLst/>
+                      </a:prstGeom>
+                      <a:ln>
+                        <a:solidFill>
+                          <a:schemeClr val="tx1"/>
+                        </a:solidFill>
+                      </a:ln>
+                      <a:effectLst/>
+                    </p:spPr>
+                  </p:pic>
+                  <p:sp>
+                    <p:nvSpPr>
+                      <p:cNvPr id="67" name="TextBox 66"/>
+                      <p:cNvSpPr txBox="1"/>
+                      <p:nvPr/>
+                    </p:nvSpPr>
+                    <p:spPr>
+                      <a:xfrm>
+                        <a:off x="809625" y="1438275"/>
+                        <a:ext cx="3544661" cy="246221"/>
+                      </a:xfrm>
+                      <a:prstGeom prst="rect">
+                        <a:avLst/>
+                      </a:prstGeom>
+                      <a:noFill/>
+                    </p:spPr>
+                    <p:txBody>
+                      <a:bodyPr wrap="square" rtlCol="0">
+                        <a:spAutoFit/>
+                      </a:bodyPr>
+                      <a:lstStyle/>
+                      <a:p>
+                        <a:r>
+                          <a:rPr lang="en-GB" sz="1000" b="1" dirty="0" smtClean="0"/>
+                          <a:t>Hoang Anh</a:t>
+                        </a:r>
+                        <a:endParaRPr lang="en-US" sz="1000" b="1" dirty="0"/>
+                      </a:p>
+                    </p:txBody>
+                  </p:sp>
+                  <p:cxnSp>
+                    <p:nvCxnSpPr>
+                      <p:cNvPr id="68" name="Straight Connector 67"/>
+                      <p:cNvCxnSpPr/>
+                      <p:nvPr/>
+                    </p:nvCxnSpPr>
+                    <p:spPr>
+                      <a:xfrm>
+                        <a:off x="466725" y="1809810"/>
+                        <a:ext cx="3790950" cy="0"/>
+                      </a:xfrm>
+                      <a:prstGeom prst="line">
+                        <a:avLst/>
+                      </a:prstGeom>
+                    </p:spPr>
+                    <p:style>
+                      <a:lnRef idx="1">
+                        <a:schemeClr val="accent1"/>
+                      </a:lnRef>
+                      <a:fillRef idx="0">
+                        <a:schemeClr val="accent1"/>
+                      </a:fillRef>
+                      <a:effectRef idx="0">
+                        <a:schemeClr val="accent1"/>
+                      </a:effectRef>
+                      <a:fontRef idx="minor">
+                        <a:schemeClr val="tx1"/>
+                      </a:fontRef>
+                    </p:style>
+                  </p:cxnSp>
+                </p:grpSp>
+                <p:cxnSp>
+                  <p:nvCxnSpPr>
+                    <p:cNvPr id="34" name="Straight Connector 33"/>
+                    <p:cNvCxnSpPr/>
+                    <p:nvPr/>
+                  </p:nvCxnSpPr>
+                  <p:spPr>
+                    <a:xfrm>
+                      <a:off x="482219" y="4908136"/>
+                      <a:ext cx="3790950" cy="0"/>
+                    </a:xfrm>
+                    <a:prstGeom prst="line">
+                      <a:avLst/>
+                    </a:prstGeom>
+                  </p:spPr>
+                  <p:style>
+                    <a:lnRef idx="1">
+                      <a:schemeClr val="accent1"/>
+                    </a:lnRef>
+                    <a:fillRef idx="0">
+                      <a:schemeClr val="accent1"/>
+                    </a:fillRef>
+                    <a:effectRef idx="0">
+                      <a:schemeClr val="accent1"/>
+                    </a:effectRef>
+                    <a:fontRef idx="minor">
+                      <a:schemeClr val="tx1"/>
+                    </a:fontRef>
+                  </p:style>
+                </p:cxnSp>
+                <p:cxnSp>
+                  <p:nvCxnSpPr>
+                    <p:cNvPr id="35" name="Straight Connector 34"/>
+                    <p:cNvCxnSpPr/>
+                    <p:nvPr/>
+                  </p:nvCxnSpPr>
+                  <p:spPr>
+                    <a:xfrm>
+                      <a:off x="499336" y="3811326"/>
+                      <a:ext cx="3790950" cy="0"/>
+                    </a:xfrm>
+                    <a:prstGeom prst="line">
+                      <a:avLst/>
+                    </a:prstGeom>
+                  </p:spPr>
+                  <p:style>
+                    <a:lnRef idx="1">
+                      <a:schemeClr val="accent1"/>
+                    </a:lnRef>
+                    <a:fillRef idx="0">
+                      <a:schemeClr val="accent1"/>
+                    </a:fillRef>
+                    <a:effectRef idx="0">
+                      <a:schemeClr val="accent1"/>
+                    </a:effectRef>
+                    <a:fontRef idx="minor">
+                      <a:schemeClr val="tx1"/>
+                    </a:fontRef>
+                  </p:style>
+                </p:cxnSp>
+                <p:grpSp>
+                  <p:nvGrpSpPr>
+                    <p:cNvPr id="36" name="Group 35"/>
+                    <p:cNvGrpSpPr/>
+                    <p:nvPr/>
+                  </p:nvGrpSpPr>
+                  <p:grpSpPr>
+                    <a:xfrm>
+                      <a:off x="499336" y="3858989"/>
+                      <a:ext cx="3790950" cy="829211"/>
+                      <a:chOff x="466724" y="3123663"/>
+                      <a:chExt cx="3790950" cy="829211"/>
+                    </a:xfrm>
+                  </p:grpSpPr>
+                  <p:sp>
+                    <p:nvSpPr>
+                      <p:cNvPr id="63" name="Rectangle 62"/>
+                      <p:cNvSpPr/>
+                      <p:nvPr/>
+                    </p:nvSpPr>
+                    <p:spPr>
+                      <a:xfrm>
+                        <a:off x="466724" y="3123663"/>
+                        <a:ext cx="3790950" cy="829211"/>
+                      </a:xfrm>
+                      <a:prstGeom prst="rect">
+                        <a:avLst/>
+                      </a:prstGeom>
+                    </p:spPr>
+                    <p:style>
+                      <a:lnRef idx="2">
+                        <a:schemeClr val="accent1"/>
+                      </a:lnRef>
+                      <a:fillRef idx="1">
+                        <a:schemeClr val="lt1"/>
+                      </a:fillRef>
+                      <a:effectRef idx="0">
+                        <a:schemeClr val="accent1"/>
+                      </a:effectRef>
+                      <a:fontRef idx="minor">
+                        <a:schemeClr val="dk1"/>
+                      </a:fontRef>
+                    </p:style>
+                    <p:txBody>
+                      <a:bodyPr rtlCol="0" anchor="t"/>
+                      <a:lstStyle/>
+                      <a:p>
+                        <a:r>
+                          <a:rPr kumimoji="1" lang="en-GB" sz="1000" i="1" dirty="0">
+                            <a:solidFill>
+                              <a:schemeClr val="bg1">
+                                <a:lumMod val="65000"/>
+                              </a:schemeClr>
+                            </a:solidFill>
+                          </a:rPr>
+                          <a:t>Type your comment…</a:t>
+                        </a:r>
+                        <a:endParaRPr kumimoji="1" lang="en-US" sz="1000" i="1" dirty="0">
+                          <a:solidFill>
+                            <a:schemeClr val="bg1">
+                              <a:lumMod val="65000"/>
+                            </a:schemeClr>
+                          </a:solidFill>
+                        </a:endParaRPr>
+                      </a:p>
+                    </p:txBody>
+                  </p:sp>
+                  <p:sp>
+                    <p:nvSpPr>
+                      <p:cNvPr id="64" name="Rectangle 63"/>
+                      <p:cNvSpPr/>
+                      <p:nvPr/>
+                    </p:nvSpPr>
+                    <p:spPr>
+                      <a:xfrm>
+                        <a:off x="3231786" y="3693811"/>
+                        <a:ext cx="974885" cy="207234"/>
+                      </a:xfrm>
+                      <a:prstGeom prst="rect">
+                        <a:avLst/>
+                      </a:prstGeom>
+                      <a:ln>
+                        <a:noFill/>
+                      </a:ln>
+                      <a:effectLst/>
+                    </p:spPr>
+                    <p:style>
+                      <a:lnRef idx="1">
+                        <a:schemeClr val="accent1"/>
+                      </a:lnRef>
+                      <a:fillRef idx="3">
+                        <a:schemeClr val="accent1"/>
+                      </a:fillRef>
+                      <a:effectRef idx="2">
+                        <a:schemeClr val="accent1"/>
+                      </a:effectRef>
+                      <a:fontRef idx="minor">
+                        <a:schemeClr val="lt1"/>
+                      </a:fontRef>
+                    </p:style>
+                    <p:txBody>
+                      <a:bodyPr rtlCol="0" anchor="ctr"/>
+                      <a:lstStyle/>
+                      <a:p>
+                        <a:pPr algn="ctr"/>
+                        <a:r>
+                          <a:rPr kumimoji="1" lang="en-US" altLang="ja-JP" sz="1000" dirty="0" smtClean="0">
+                            <a:solidFill>
+                              <a:schemeClr val="bg1"/>
+                            </a:solidFill>
+                          </a:rPr>
+                          <a:t>Create</a:t>
+                        </a:r>
+                        <a:endParaRPr kumimoji="1" lang="ja-JP" altLang="en-US" sz="1000" dirty="0">
+                          <a:solidFill>
+                            <a:schemeClr val="bg1"/>
+                          </a:solidFill>
+                        </a:endParaRPr>
+                      </a:p>
+                    </p:txBody>
+                  </p:sp>
+                </p:grpSp>
+                <p:grpSp>
+                  <p:nvGrpSpPr>
+                    <p:cNvPr id="37" name="Group 36"/>
+                    <p:cNvGrpSpPr/>
+                    <p:nvPr/>
+                  </p:nvGrpSpPr>
+                  <p:grpSpPr>
+                    <a:xfrm>
+                      <a:off x="485774" y="4922094"/>
+                      <a:ext cx="3868512" cy="553998"/>
+                      <a:chOff x="485774" y="4200882"/>
+                      <a:chExt cx="3839937" cy="553998"/>
+                    </a:xfrm>
+                  </p:grpSpPr>
+                  <p:pic>
+                    <p:nvPicPr>
+                      <p:cNvPr id="61" name="Picture 60"/>
+                      <p:cNvPicPr>
+                        <a:picLocks noChangeAspect="1"/>
+                      </p:cNvPicPr>
+                      <p:nvPr/>
+                    </p:nvPicPr>
+                    <p:blipFill>
+                      <a:blip r:embed="rId3" cstate="print">
+                        <a:extLst>
+                          <a:ext uri="{28A0092B-C50C-407E-A947-70E740481C1C}">
+                            <a14:useLocalDpi xmlns:a14="http://schemas.microsoft.com/office/drawing/2010/main" val="0"/>
+                          </a:ext>
+                        </a:extLst>
+                      </a:blip>
+                      <a:stretch>
+                        <a:fillRect/>
+                      </a:stretch>
+                    </p:blipFill>
+                    <p:spPr>
+                      <a:xfrm>
+                        <a:off x="485774" y="4244590"/>
+                        <a:ext cx="396000" cy="395280"/>
+                      </a:xfrm>
+                      <a:prstGeom prst="rect">
+                        <a:avLst/>
+                      </a:prstGeom>
+                      <a:ln>
+                        <a:solidFill>
+                          <a:schemeClr val="tx1"/>
+                        </a:solidFill>
+                      </a:ln>
+                      <a:effectLst/>
+                    </p:spPr>
+                  </p:pic>
+                  <p:sp>
+                    <p:nvSpPr>
+                      <p:cNvPr id="62" name="TextBox 61"/>
+                      <p:cNvSpPr txBox="1"/>
+                      <p:nvPr/>
+                    </p:nvSpPr>
+                    <p:spPr>
+                      <a:xfrm>
+                        <a:off x="853199" y="4200882"/>
+                        <a:ext cx="3472512" cy="553998"/>
+                      </a:xfrm>
+                      <a:prstGeom prst="rect">
+                        <a:avLst/>
+                      </a:prstGeom>
+                      <a:noFill/>
+                    </p:spPr>
+                    <p:txBody>
+                      <a:bodyPr wrap="square" rtlCol="0">
+                        <a:spAutoFit/>
+                      </a:bodyPr>
+                      <a:lstStyle/>
+                      <a:p>
+                        <a:r>
+                          <a:rPr lang="en-GB" sz="1000" b="1" dirty="0" smtClean="0"/>
+                          <a:t>Hoang Anh </a:t>
+                        </a:r>
+                        <a:r>
+                          <a:rPr lang="en-US" sz="1000" dirty="0"/>
+                          <a:t>Pudding gummies croissant cookie </a:t>
+                        </a:r>
+                        <a:r>
+                          <a:rPr lang="en-US" sz="1000" dirty="0" err="1"/>
+                          <a:t>dragée</a:t>
+                        </a:r>
+                        <a:r>
+                          <a:rPr lang="en-US" sz="1000" dirty="0"/>
+                          <a:t>. I love gingerbread </a:t>
+                        </a:r>
+                        <a:r>
+                          <a:rPr lang="en-US" sz="1000" dirty="0" err="1"/>
+                          <a:t>chupa</a:t>
+                        </a:r>
+                        <a:r>
+                          <a:rPr lang="en-US" sz="1000" dirty="0"/>
+                          <a:t> </a:t>
+                        </a:r>
+                        <a:r>
+                          <a:rPr lang="en-US" sz="1000" dirty="0" err="1" smtClean="0"/>
+                          <a:t>chups</a:t>
+                        </a:r>
+                        <a:r>
+                          <a:rPr lang="en-US" sz="1000" dirty="0" smtClean="0"/>
+                          <a:t>.</a:t>
+                        </a:r>
+                      </a:p>
+                      <a:p>
+                        <a:r>
+                          <a:rPr kumimoji="1" lang="en-US" altLang="ja-JP" sz="1000" i="1" dirty="0" smtClean="0">
+                            <a:solidFill>
+                              <a:schemeClr val="bg1">
+                                <a:lumMod val="65000"/>
+                              </a:schemeClr>
+                            </a:solidFill>
+                          </a:rPr>
+                          <a:t>11/12/2015 10:40 – </a:t>
+                        </a:r>
+                        <a:r>
+                          <a:rPr kumimoji="1" lang="en-US" altLang="ja-JP" sz="1000" i="1" u="sng" dirty="0" smtClean="0">
+                            <a:solidFill>
+                              <a:schemeClr val="bg1">
+                                <a:lumMod val="65000"/>
+                              </a:schemeClr>
+                            </a:solidFill>
+                          </a:rPr>
+                          <a:t>Edit</a:t>
+                        </a:r>
+                        <a:r>
+                          <a:rPr kumimoji="1" lang="en-US" altLang="ja-JP" sz="1000" i="1" dirty="0" smtClean="0">
+                            <a:solidFill>
+                              <a:schemeClr val="bg1">
+                                <a:lumMod val="65000"/>
+                              </a:schemeClr>
+                            </a:solidFill>
+                          </a:rPr>
+                          <a:t> - </a:t>
+                        </a:r>
+                        <a:r>
+                          <a:rPr kumimoji="1" lang="en-US" altLang="ja-JP" sz="1000" i="1" u="sng" dirty="0" smtClean="0">
+                            <a:solidFill>
+                              <a:schemeClr val="bg1">
+                                <a:lumMod val="65000"/>
+                              </a:schemeClr>
+                            </a:solidFill>
+                          </a:rPr>
+                          <a:t>Delete</a:t>
+                        </a:r>
+                        <a:endParaRPr lang="en-US" sz="1000" b="1" u="sng" dirty="0"/>
+                      </a:p>
+                    </p:txBody>
+                  </p:sp>
+                </p:grpSp>
+                <p:sp>
+                  <p:nvSpPr>
+                    <p:cNvPr id="38" name="TextBox 37"/>
+                    <p:cNvSpPr txBox="1"/>
+                    <p:nvPr/>
+                  </p:nvSpPr>
+                  <p:spPr>
+                    <a:xfrm>
+                      <a:off x="427027" y="4672814"/>
+                      <a:ext cx="3967238" cy="246221"/>
+                    </a:xfrm>
+                    <a:prstGeom prst="rect">
+                      <a:avLst/>
+                    </a:prstGeom>
+                    <a:noFill/>
+                  </p:spPr>
+                  <p:txBody>
+                    <a:bodyPr wrap="square" rtlCol="0">
+                      <a:spAutoFit/>
+                    </a:bodyPr>
+                    <a:lstStyle/>
+                    <a:p>
+                      <a:r>
+                        <a:rPr kumimoji="1" lang="en-US" altLang="ja-JP" sz="1000" dirty="0" smtClean="0"/>
+                        <a:t>This post has </a:t>
+                      </a:r>
+                      <a:r>
+                        <a:rPr kumimoji="1" lang="en-US" altLang="ja-JP" sz="1000" dirty="0" smtClean="0">
+                          <a:solidFill>
+                            <a:srgbClr val="FF0000"/>
+                          </a:solidFill>
+                        </a:rPr>
+                        <a:t>30</a:t>
+                      </a:r>
+                      <a:r>
+                        <a:rPr kumimoji="1" lang="en-US" altLang="ja-JP" sz="1000" dirty="0" smtClean="0"/>
+                        <a:t> comments:  </a:t>
+                      </a:r>
+                      <a:endParaRPr kumimoji="1" lang="ja-JP" altLang="en-US" sz="1000" dirty="0"/>
+                    </a:p>
+                  </p:txBody>
+                </p:sp>
+                <p:grpSp>
+                  <p:nvGrpSpPr>
+                    <p:cNvPr id="39" name="Group 38"/>
+                    <p:cNvGrpSpPr/>
+                    <p:nvPr/>
+                  </p:nvGrpSpPr>
+                  <p:grpSpPr>
+                    <a:xfrm>
+                      <a:off x="499335" y="5530988"/>
+                      <a:ext cx="3868512" cy="707886"/>
+                      <a:chOff x="485774" y="4200882"/>
+                      <a:chExt cx="3839937" cy="707886"/>
+                    </a:xfrm>
+                  </p:grpSpPr>
+                  <p:pic>
+                    <p:nvPicPr>
+                      <p:cNvPr id="59" name="Picture 58"/>
+                      <p:cNvPicPr>
+                        <a:picLocks noChangeAspect="1"/>
+                      </p:cNvPicPr>
+                      <p:nvPr/>
+                    </p:nvPicPr>
+                    <p:blipFill>
+                      <a:blip r:embed="rId3" cstate="print">
+                        <a:extLst>
+                          <a:ext uri="{28A0092B-C50C-407E-A947-70E740481C1C}">
+                            <a14:useLocalDpi xmlns:a14="http://schemas.microsoft.com/office/drawing/2010/main" val="0"/>
+                          </a:ext>
+                        </a:extLst>
+                      </a:blip>
+                      <a:stretch>
+                        <a:fillRect/>
+                      </a:stretch>
+                    </p:blipFill>
+                    <p:spPr>
+                      <a:xfrm>
+                        <a:off x="485774" y="4244590"/>
+                        <a:ext cx="396000" cy="395280"/>
+                      </a:xfrm>
+                      <a:prstGeom prst="rect">
+                        <a:avLst/>
+                      </a:prstGeom>
+                      <a:ln>
+                        <a:solidFill>
+                          <a:schemeClr val="tx1"/>
+                        </a:solidFill>
+                      </a:ln>
+                      <a:effectLst/>
+                    </p:spPr>
+                  </p:pic>
+                  <p:sp>
+                    <p:nvSpPr>
+                      <p:cNvPr id="60" name="TextBox 59"/>
+                      <p:cNvSpPr txBox="1"/>
+                      <p:nvPr/>
+                    </p:nvSpPr>
+                    <p:spPr>
+                      <a:xfrm>
+                        <a:off x="853199" y="4200882"/>
+                        <a:ext cx="3472512" cy="707886"/>
+                      </a:xfrm>
+                      <a:prstGeom prst="rect">
+                        <a:avLst/>
+                      </a:prstGeom>
+                      <a:noFill/>
+                    </p:spPr>
+                    <p:txBody>
+                      <a:bodyPr wrap="square" rtlCol="0">
+                        <a:spAutoFit/>
+                      </a:bodyPr>
+                      <a:lstStyle/>
+                      <a:p>
+                        <a:r>
+                          <a:rPr lang="en-GB" sz="1000" b="1" dirty="0" smtClean="0"/>
+                          <a:t>Pham Tam </a:t>
+                        </a:r>
+                        <a:r>
+                          <a:rPr lang="en-US" sz="1000" dirty="0" smtClean="0"/>
+                          <a:t>Lemon </a:t>
+                        </a:r>
+                        <a:r>
+                          <a:rPr lang="en-US" sz="1000" dirty="0"/>
+                          <a:t>drops lemon drops I love pie marshmallow fruitcake muffin icing cookie. I love I love halvah. Brownie </a:t>
+                        </a:r>
+                        <a:r>
+                          <a:rPr lang="en-US" sz="1000" dirty="0" err="1"/>
+                          <a:t>danish</a:t>
+                        </a:r>
+                        <a:r>
+                          <a:rPr lang="en-US" sz="1000" dirty="0"/>
+                          <a:t> I love soufflé pastry </a:t>
+                        </a:r>
+                        <a:r>
+                          <a:rPr lang="en-US" sz="1000" dirty="0" err="1"/>
+                          <a:t>liquorice</a:t>
+                        </a:r>
+                        <a:r>
+                          <a:rPr lang="en-US" sz="1000" dirty="0"/>
+                          <a:t> cake</a:t>
+                        </a:r>
+                        <a:r>
+                          <a:rPr lang="en-US" sz="1000" dirty="0" smtClean="0"/>
+                          <a:t>.</a:t>
+                        </a:r>
+                      </a:p>
+                      <a:p>
+                        <a:r>
+                          <a:rPr kumimoji="1" lang="en-US" altLang="ja-JP" sz="1000" i="1" dirty="0" smtClean="0">
+                            <a:solidFill>
+                              <a:schemeClr val="bg1">
+                                <a:lumMod val="65000"/>
+                              </a:schemeClr>
+                            </a:solidFill>
+                          </a:rPr>
+                          <a:t>11/12/2015 10:45</a:t>
+                        </a:r>
+                        <a:endParaRPr lang="en-US" sz="1000" b="1" dirty="0"/>
+                      </a:p>
+                    </p:txBody>
+                  </p:sp>
+                </p:grpSp>
+                <p:sp>
+                  <p:nvSpPr>
+                    <p:cNvPr id="40" name="Rectangle 39"/>
+                    <p:cNvSpPr/>
+                    <p:nvPr/>
+                  </p:nvSpPr>
+                  <p:spPr>
+                    <a:xfrm>
+                      <a:off x="420348" y="554982"/>
+                      <a:ext cx="1196687" cy="400110"/>
+                    </a:xfrm>
+                    <a:prstGeom prst="rect">
+                      <a:avLst/>
+                    </a:prstGeom>
+                    <a:noFill/>
+                  </p:spPr>
+                  <p:txBody>
+                    <a:bodyPr wrap="none" lIns="91440" tIns="45720" rIns="91440" bIns="45720">
+                      <a:spAutoFit/>
+                    </a:bodyPr>
+                    <a:lstStyle/>
+                    <a:p>
+                      <a:pPr algn="ctr"/>
+                      <a:r>
+                        <a:rPr lang="en-US" altLang="ja-JP" sz="2000" b="1" cap="none" spc="0" dirty="0">
+                          <a:ln w="12700">
+                            <a:solidFill>
+                              <a:schemeClr val="tx2">
+                                <a:satMod val="155000"/>
+                              </a:schemeClr>
+                            </a:solidFill>
+                            <a:prstDash val="solid"/>
+                          </a:ln>
+                          <a:solidFill>
+                            <a:schemeClr val="bg2">
+                              <a:tint val="85000"/>
+                              <a:satMod val="155000"/>
+                            </a:schemeClr>
+                          </a:solidFill>
+                          <a:effectLst>
+                            <a:outerShdw blurRad="41275" dist="20320" dir="1800000" algn="tl" rotWithShape="0">
+                              <a:srgbClr val="000000">
+                                <a:alpha val="40000"/>
+                              </a:srgbClr>
+                            </a:outerShdw>
+                          </a:effectLst>
+                        </a:rPr>
+                        <a:t>Mini Blog</a:t>
+                      </a:r>
+                    </a:p>
+                  </p:txBody>
+                </p:sp>
+                <p:sp>
+                  <p:nvSpPr>
+                    <p:cNvPr id="41" name="Rectangle 40"/>
+                    <p:cNvSpPr/>
+                    <p:nvPr/>
+                  </p:nvSpPr>
+                  <p:spPr>
+                    <a:xfrm>
+                      <a:off x="511176" y="1099713"/>
+                      <a:ext cx="1871134" cy="192975"/>
+                    </a:xfrm>
+                    <a:prstGeom prst="rect">
+                      <a:avLst/>
+                    </a:prstGeom>
+                    <a:ln>
+                      <a:solidFill>
+                        <a:schemeClr val="tx1"/>
+                      </a:solidFill>
+                    </a:ln>
+                    <a:effectLst/>
+                  </p:spPr>
+                  <p:style>
+                    <a:lnRef idx="1">
+                      <a:schemeClr val="accent1"/>
+                    </a:lnRef>
+                    <a:fillRef idx="3">
+                      <a:schemeClr val="accent1"/>
+                    </a:fillRef>
+                    <a:effectRef idx="2">
+                      <a:schemeClr val="accent1"/>
+                    </a:effectRef>
+                    <a:fontRef idx="minor">
+                      <a:schemeClr val="lt1"/>
+                    </a:fontRef>
+                  </p:style>
+                  <p:txBody>
+                    <a:bodyPr rtlCol="0" anchor="ctr"/>
+                    <a:lstStyle/>
+                    <a:p>
+                      <a:r>
+                        <a:rPr kumimoji="1" lang="en-US" altLang="ja-JP" sz="800" i="1" dirty="0">
+                          <a:solidFill>
+                            <a:schemeClr val="bg1">
+                              <a:lumMod val="75000"/>
+                            </a:schemeClr>
+                          </a:solidFill>
+                        </a:rPr>
+                        <a:t>Username, </a:t>
+                      </a:r>
+                      <a:r>
+                        <a:rPr kumimoji="1" lang="en-US" altLang="ja-JP" sz="800" i="1" dirty="0" err="1">
+                          <a:solidFill>
+                            <a:schemeClr val="bg1">
+                              <a:lumMod val="75000"/>
+                            </a:schemeClr>
+                          </a:solidFill>
+                        </a:rPr>
+                        <a:t>firstname</a:t>
+                      </a:r>
+                      <a:r>
+                        <a:rPr kumimoji="1" lang="en-US" altLang="ja-JP" sz="800" i="1" dirty="0">
+                          <a:solidFill>
+                            <a:schemeClr val="bg1">
+                              <a:lumMod val="75000"/>
+                            </a:schemeClr>
+                          </a:solidFill>
+                        </a:rPr>
+                        <a:t>, </a:t>
+                      </a:r>
+                      <a:r>
+                        <a:rPr kumimoji="1" lang="en-US" altLang="ja-JP" sz="800" i="1" dirty="0" err="1" smtClean="0">
+                          <a:solidFill>
+                            <a:schemeClr val="bg1">
+                              <a:lumMod val="75000"/>
+                            </a:schemeClr>
+                          </a:solidFill>
+                        </a:rPr>
+                        <a:t>lastname</a:t>
+                      </a:r>
+                      <a:endParaRPr kumimoji="1" lang="ja-JP" altLang="en-US" sz="800" i="1" dirty="0">
+                        <a:solidFill>
+                          <a:schemeClr val="bg1">
+                            <a:lumMod val="75000"/>
+                          </a:schemeClr>
+                        </a:solidFill>
+                      </a:endParaRPr>
+                    </a:p>
+                  </p:txBody>
+                </p:sp>
+                <p:sp>
+                  <p:nvSpPr>
+                    <p:cNvPr id="42" name="Rectangle 41"/>
+                    <p:cNvSpPr/>
+                    <p:nvPr/>
+                  </p:nvSpPr>
+                  <p:spPr>
+                    <a:xfrm>
+                      <a:off x="2446300" y="1099713"/>
+                      <a:ext cx="558800" cy="209383"/>
+                    </a:xfrm>
+                    <a:prstGeom prst="rect">
+                      <a:avLst/>
+                    </a:prstGeom>
+                  </p:spPr>
+                  <p:style>
+                    <a:lnRef idx="1">
+                      <a:schemeClr val="accent1"/>
+                    </a:lnRef>
+                    <a:fillRef idx="3">
+                      <a:schemeClr val="accent1"/>
+                    </a:fillRef>
+                    <a:effectRef idx="2">
+                      <a:schemeClr val="accent1"/>
+                    </a:effectRef>
+                    <a:fontRef idx="minor">
+                      <a:schemeClr val="lt1"/>
+                    </a:fontRef>
+                  </p:style>
+                  <p:txBody>
+                    <a:bodyPr rtlCol="0" anchor="ctr"/>
+                    <a:lstStyle/>
+                    <a:p>
+                      <a:pPr algn="ctr"/>
+                      <a:r>
+                        <a:rPr kumimoji="1" lang="en-US" altLang="ja-JP" sz="1000" dirty="0"/>
+                        <a:t>Search</a:t>
+                      </a:r>
+                      <a:endParaRPr kumimoji="1" lang="ja-JP" altLang="en-US" sz="1000" dirty="0"/>
+                    </a:p>
+                  </p:txBody>
+                </p:sp>
+                <p:cxnSp>
+                  <p:nvCxnSpPr>
+                    <p:cNvPr id="43" name="Straight Connector 42"/>
+                    <p:cNvCxnSpPr/>
+                    <p:nvPr/>
+                  </p:nvCxnSpPr>
+                  <p:spPr>
+                    <a:xfrm>
+                      <a:off x="511176" y="1600843"/>
+                      <a:ext cx="3761993" cy="0"/>
+                    </a:xfrm>
+                    <a:prstGeom prst="line">
+                      <a:avLst/>
+                    </a:prstGeom>
+                    <a:ln w="3175" cmpd="sng">
+                      <a:solidFill>
+                        <a:schemeClr val="bg1">
+                          <a:lumMod val="75000"/>
+                        </a:schemeClr>
+                      </a:solidFill>
+                    </a:ln>
+                    <a:effectLst/>
+                  </p:spPr>
+                  <p:style>
+                    <a:lnRef idx="2">
+                      <a:schemeClr val="accent1"/>
+                    </a:lnRef>
+                    <a:fillRef idx="0">
+                      <a:schemeClr val="accent1"/>
+                    </a:fillRef>
+                    <a:effectRef idx="1">
+                      <a:schemeClr val="accent1"/>
+                    </a:effectRef>
+                    <a:fontRef idx="minor">
+                      <a:schemeClr val="tx1"/>
+                    </a:fontRef>
+                  </p:style>
+                </p:cxnSp>
+                <p:sp>
+                  <p:nvSpPr>
+                    <p:cNvPr id="44" name="TextBox 43"/>
+                    <p:cNvSpPr txBox="1"/>
+                    <p:nvPr/>
+                  </p:nvSpPr>
+                  <p:spPr>
+                    <a:xfrm>
+                      <a:off x="418039" y="1346927"/>
+                      <a:ext cx="1297150" cy="253916"/>
+                    </a:xfrm>
+                    <a:prstGeom prst="rect">
+                      <a:avLst/>
+                    </a:prstGeom>
+                    <a:noFill/>
+                  </p:spPr>
+                  <p:txBody>
+                    <a:bodyPr wrap="none" rtlCol="0">
+                      <a:spAutoFit/>
+                    </a:bodyPr>
+                    <a:lstStyle/>
+                    <a:p>
+                      <a:r>
+                        <a:rPr kumimoji="1" lang="en-US" altLang="ja-JP" sz="1050" u="sng" dirty="0">
+                          <a:solidFill>
+                            <a:schemeClr val="tx2">
+                              <a:lumMod val="20000"/>
+                              <a:lumOff val="80000"/>
+                            </a:schemeClr>
+                          </a:solidFill>
+                        </a:rPr>
+                        <a:t>Home </a:t>
+                      </a:r>
+                      <a:r>
+                        <a:rPr kumimoji="1" lang="en-US" altLang="ja-JP" sz="1050" dirty="0">
+                          <a:solidFill>
+                            <a:schemeClr val="tx2">
+                              <a:lumMod val="20000"/>
+                              <a:lumOff val="80000"/>
+                            </a:schemeClr>
+                          </a:solidFill>
+                        </a:rPr>
+                        <a:t>/</a:t>
+                      </a:r>
+                      <a:r>
+                        <a:rPr kumimoji="1" lang="en-US" altLang="ja-JP" sz="1050" u="sng" dirty="0">
+                          <a:solidFill>
+                            <a:schemeClr val="tx2">
+                              <a:lumMod val="20000"/>
+                              <a:lumOff val="80000"/>
+                            </a:schemeClr>
+                          </a:solidFill>
+                        </a:rPr>
+                        <a:t> </a:t>
+                      </a:r>
+                      <a:r>
+                        <a:rPr kumimoji="1" lang="en-US" altLang="ja-JP" sz="1050" u="sng" dirty="0" smtClean="0">
+                          <a:solidFill>
+                            <a:schemeClr val="tx2">
+                              <a:lumMod val="20000"/>
+                              <a:lumOff val="80000"/>
+                            </a:schemeClr>
+                          </a:solidFill>
+                        </a:rPr>
+                        <a:t>Blog</a:t>
+                      </a:r>
+                      <a:r>
+                        <a:rPr kumimoji="1" lang="en-US" altLang="ja-JP" sz="1050" dirty="0" smtClean="0">
+                          <a:solidFill>
+                            <a:schemeClr val="tx2">
+                              <a:lumMod val="20000"/>
+                              <a:lumOff val="80000"/>
+                            </a:schemeClr>
+                          </a:solidFill>
+                        </a:rPr>
+                        <a:t> </a:t>
+                      </a:r>
+                      <a:r>
+                        <a:rPr kumimoji="1" lang="en-US" altLang="ja-JP" sz="1050" dirty="0">
+                          <a:solidFill>
+                            <a:schemeClr val="tx2">
+                              <a:lumMod val="20000"/>
+                              <a:lumOff val="80000"/>
+                            </a:schemeClr>
+                          </a:solidFill>
+                        </a:rPr>
+                        <a:t>/ </a:t>
+                      </a:r>
+                      <a:r>
+                        <a:rPr kumimoji="1" lang="en-US" altLang="ja-JP" sz="1050" dirty="0" smtClean="0"/>
+                        <a:t>Detail</a:t>
+                      </a:r>
+                      <a:endParaRPr kumimoji="1" lang="ja-JP" altLang="en-US" sz="1050" dirty="0"/>
+                    </a:p>
+                  </p:txBody>
+                </p:sp>
+                <p:sp>
+                  <p:nvSpPr>
+                    <p:cNvPr id="45" name="Rectangle 44"/>
+                    <p:cNvSpPr/>
+                    <p:nvPr/>
+                  </p:nvSpPr>
+                  <p:spPr>
+                    <a:xfrm>
+                      <a:off x="2450693" y="626089"/>
+                      <a:ext cx="1799657" cy="292291"/>
+                    </a:xfrm>
+                    <a:prstGeom prst="rect">
+                      <a:avLst/>
+                    </a:prstGeom>
+                  </p:spPr>
+                  <p:style>
+                    <a:lnRef idx="1">
+                      <a:schemeClr val="accent1"/>
+                    </a:lnRef>
+                    <a:fillRef idx="3">
+                      <a:schemeClr val="accent1"/>
+                    </a:fillRef>
+                    <a:effectRef idx="2">
+                      <a:schemeClr val="accent1"/>
+                    </a:effectRef>
+                    <a:fontRef idx="minor">
+                      <a:schemeClr val="lt1"/>
+                    </a:fontRef>
+                  </p:style>
+                  <p:txBody>
+                    <a:bodyPr rtlCol="0" anchor="ctr"/>
+                    <a:lstStyle/>
+                    <a:p>
+                      <a:pPr algn="r"/>
+                      <a:r>
+                        <a:rPr kumimoji="1" lang="en-US" altLang="ja-JP" sz="1000" dirty="0"/>
+                        <a:t>  Blog | My</a:t>
+                      </a:r>
+                      <a:r>
+                        <a:rPr kumimoji="1" lang="en-US" altLang="ja-JP" sz="1000" dirty="0">
+                          <a:solidFill>
+                            <a:srgbClr val="FF0000"/>
+                          </a:solidFill>
+                        </a:rPr>
+                        <a:t> </a:t>
+                      </a:r>
+                      <a:r>
+                        <a:rPr kumimoji="1" lang="en-US" altLang="ja-JP" sz="1000" dirty="0"/>
+                        <a:t>Account</a:t>
+                      </a:r>
+                      <a:endParaRPr kumimoji="1" lang="ja-JP" altLang="en-US" sz="1000" dirty="0"/>
+                    </a:p>
+                  </p:txBody>
+                </p:sp>
+                <p:cxnSp>
+                  <p:nvCxnSpPr>
+                    <p:cNvPr id="46" name="Straight Connector 45"/>
+                    <p:cNvCxnSpPr/>
+                    <p:nvPr/>
+                  </p:nvCxnSpPr>
+                  <p:spPr>
+                    <a:xfrm>
+                      <a:off x="499335" y="4390072"/>
+                      <a:ext cx="3790950" cy="0"/>
+                    </a:xfrm>
+                    <a:prstGeom prst="line">
+                      <a:avLst/>
+                    </a:prstGeom>
+                  </p:spPr>
+                  <p:style>
+                    <a:lnRef idx="1">
+                      <a:schemeClr val="accent1"/>
+                    </a:lnRef>
+                    <a:fillRef idx="0">
+                      <a:schemeClr val="accent1"/>
+                    </a:fillRef>
+                    <a:effectRef idx="0">
+                      <a:schemeClr val="accent1"/>
+                    </a:effectRef>
+                    <a:fontRef idx="minor">
+                      <a:schemeClr val="tx1"/>
+                    </a:fontRef>
+                  </p:style>
+                </p:cxnSp>
+                <p:sp>
+                  <p:nvSpPr>
+                    <p:cNvPr id="47" name="Smiley Face 46"/>
+                    <p:cNvSpPr/>
+                    <p:nvPr/>
+                  </p:nvSpPr>
+                  <p:spPr>
+                    <a:xfrm>
+                      <a:off x="3106787" y="4466535"/>
+                      <a:ext cx="135691" cy="136800"/>
+                    </a:xfrm>
+                    <a:prstGeom prst="smileyFace">
+                      <a:avLst/>
+                    </a:prstGeom>
+                    <a:noFill/>
+                  </p:spPr>
+                  <p:style>
+                    <a:lnRef idx="2">
+                      <a:schemeClr val="accent1">
+                        <a:shade val="50000"/>
+                      </a:schemeClr>
+                    </a:lnRef>
+                    <a:fillRef idx="1">
+                      <a:schemeClr val="accent1"/>
+                    </a:fillRef>
+                    <a:effectRef idx="0">
+                      <a:schemeClr val="accent1"/>
+                    </a:effectRef>
+                    <a:fontRef idx="minor">
+                      <a:schemeClr val="lt1"/>
+                    </a:fontRef>
+                  </p:style>
+                  <p:txBody>
+                    <a:bodyPr rtlCol="0" anchor="ctr"/>
+                    <a:lstStyle/>
+                    <a:p>
+                      <a:pPr algn="ctr"/>
+                      <a:endParaRPr lang="en-US"/>
+                    </a:p>
+                  </p:txBody>
+                </p:sp>
+                <p:sp>
+                  <p:nvSpPr>
+                    <p:cNvPr id="48" name="TextBox 47"/>
+                    <p:cNvSpPr txBox="1"/>
+                    <p:nvPr/>
+                  </p:nvSpPr>
+                  <p:spPr>
+                    <a:xfrm>
+                      <a:off x="511176" y="4421586"/>
+                      <a:ext cx="2392933" cy="246221"/>
+                    </a:xfrm>
+                    <a:prstGeom prst="rect">
+                      <a:avLst/>
+                    </a:prstGeom>
+                    <a:noFill/>
+                  </p:spPr>
+                  <p:txBody>
+                    <a:bodyPr wrap="square" rtlCol="0">
+                      <a:spAutoFit/>
+                    </a:bodyPr>
+                    <a:lstStyle/>
+                    <a:p>
+                      <a:r>
+                        <a:rPr kumimoji="1" lang="en-US" altLang="ja-JP" sz="1000" u="sng" dirty="0" smtClean="0">
+                          <a:solidFill>
+                            <a:schemeClr val="accent1">
+                              <a:lumMod val="75000"/>
+                            </a:schemeClr>
+                          </a:solidFill>
+                        </a:rPr>
+                        <a:t>Message for creating a comment</a:t>
+                      </a:r>
+                      <a:endParaRPr kumimoji="1" lang="ja-JP" altLang="en-US" sz="1000" u="sng" dirty="0">
+                        <a:solidFill>
+                          <a:schemeClr val="accent1">
+                            <a:lumMod val="75000"/>
+                          </a:schemeClr>
+                        </a:solidFill>
+                      </a:endParaRPr>
+                    </a:p>
+                  </p:txBody>
+                </p:sp>
+                <p:grpSp>
+                  <p:nvGrpSpPr>
+                    <p:cNvPr id="49" name="Group 48"/>
+                    <p:cNvGrpSpPr/>
+                    <p:nvPr/>
+                  </p:nvGrpSpPr>
+                  <p:grpSpPr>
+                    <a:xfrm>
+                      <a:off x="2572810" y="4672822"/>
+                      <a:ext cx="865226" cy="241664"/>
+                      <a:chOff x="2572810" y="4672822"/>
+                      <a:chExt cx="865226" cy="241664"/>
+                    </a:xfrm>
+                  </p:grpSpPr>
+                  <p:sp>
+                    <p:nvSpPr>
+                      <p:cNvPr id="55" name="Rectangular Callout 54"/>
+                      <p:cNvSpPr/>
+                      <p:nvPr/>
+                    </p:nvSpPr>
+                    <p:spPr>
+                      <a:xfrm>
+                        <a:off x="2572810" y="4672822"/>
+                        <a:ext cx="865226" cy="241664"/>
+                      </a:xfrm>
+                      <a:prstGeom prst="wedgeRectCallout">
+                        <a:avLst>
+                          <a:gd name="adj1" fmla="val 20266"/>
+                          <a:gd name="adj2" fmla="val -68881"/>
+                        </a:avLst>
+                      </a:prstGeom>
+                    </p:spPr>
+                    <p:style>
+                      <a:lnRef idx="2">
+                        <a:schemeClr val="accent1"/>
+                      </a:lnRef>
+                      <a:fillRef idx="1">
+                        <a:schemeClr val="lt1"/>
+                      </a:fillRef>
+                      <a:effectRef idx="0">
+                        <a:schemeClr val="accent1"/>
+                      </a:effectRef>
+                      <a:fontRef idx="minor">
+                        <a:schemeClr val="dk1"/>
+                      </a:fontRef>
+                    </p:style>
+                    <p:txBody>
+                      <a:bodyPr rtlCol="0" anchor="ctr"/>
+                      <a:lstStyle/>
+                      <a:p>
+                        <a:pPr algn="ctr"/>
+                        <a:endParaRPr lang="en-US"/>
+                      </a:p>
+                    </p:txBody>
+                  </p:sp>
+                  <p:sp>
+                    <p:nvSpPr>
+                      <p:cNvPr id="56" name="Smiley Face 55"/>
+                      <p:cNvSpPr/>
+                      <p:nvPr/>
+                    </p:nvSpPr>
+                    <p:spPr>
+                      <a:xfrm>
+                        <a:off x="2659608" y="4702568"/>
+                        <a:ext cx="180000" cy="180000"/>
+                      </a:xfrm>
+                      <a:prstGeom prst="smileyFace">
+                        <a:avLst/>
+                      </a:prstGeom>
+                    </p:spPr>
+                    <p:style>
+                      <a:lnRef idx="2">
+                        <a:schemeClr val="accent1"/>
+                      </a:lnRef>
+                      <a:fillRef idx="1">
+                        <a:schemeClr val="lt1"/>
+                      </a:fillRef>
+                      <a:effectRef idx="0">
+                        <a:schemeClr val="accent1"/>
+                      </a:effectRef>
+                      <a:fontRef idx="minor">
+                        <a:schemeClr val="dk1"/>
+                      </a:fontRef>
+                    </p:style>
+                    <p:txBody>
+                      <a:bodyPr rtlCol="0" anchor="ctr"/>
+                      <a:lstStyle/>
+                      <a:p>
+                        <a:pPr algn="ctr"/>
+                        <a:endParaRPr lang="en-US"/>
+                      </a:p>
+                    </p:txBody>
+                  </p:sp>
+                  <p:sp>
+                    <p:nvSpPr>
+                      <p:cNvPr id="57" name="Smiley Face 56"/>
+                      <p:cNvSpPr/>
+                      <p:nvPr/>
+                    </p:nvSpPr>
+                    <p:spPr>
+                      <a:xfrm>
+                        <a:off x="2917671" y="4702568"/>
+                        <a:ext cx="180000" cy="180000"/>
+                      </a:xfrm>
+                      <a:prstGeom prst="smileyFace">
+                        <a:avLst>
+                          <a:gd name="adj" fmla="val -4653"/>
+                        </a:avLst>
+                      </a:prstGeom>
+                    </p:spPr>
+                    <p:style>
+                      <a:lnRef idx="2">
+                        <a:schemeClr val="accent1"/>
+                      </a:lnRef>
+                      <a:fillRef idx="1">
+                        <a:schemeClr val="lt1"/>
+                      </a:fillRef>
+                      <a:effectRef idx="0">
+                        <a:schemeClr val="accent1"/>
+                      </a:effectRef>
+                      <a:fontRef idx="minor">
+                        <a:schemeClr val="dk1"/>
+                      </a:fontRef>
+                    </p:style>
+                    <p:txBody>
+                      <a:bodyPr rtlCol="0" anchor="ctr"/>
+                      <a:lstStyle/>
+                      <a:p>
+                        <a:pPr algn="ctr"/>
+                        <a:endParaRPr lang="en-US"/>
+                      </a:p>
+                    </p:txBody>
+                  </p:sp>
+                  <p:sp>
+                    <p:nvSpPr>
+                      <p:cNvPr id="58" name="Smiley Face 57"/>
+                      <p:cNvSpPr/>
+                      <p:nvPr/>
+                    </p:nvSpPr>
+                    <p:spPr>
+                      <a:xfrm>
+                        <a:off x="3175733" y="4702568"/>
+                        <a:ext cx="180000" cy="180000"/>
+                      </a:xfrm>
+                      <a:prstGeom prst="smileyFace">
+                        <a:avLst>
+                          <a:gd name="adj" fmla="val 352"/>
+                        </a:avLst>
+                      </a:prstGeom>
+                    </p:spPr>
+                    <p:style>
+                      <a:lnRef idx="2">
+                        <a:schemeClr val="accent1"/>
+                      </a:lnRef>
+                      <a:fillRef idx="1">
+                        <a:schemeClr val="lt1"/>
+                      </a:fillRef>
+                      <a:effectRef idx="0">
+                        <a:schemeClr val="accent1"/>
+                      </a:effectRef>
+                      <a:fontRef idx="minor">
+                        <a:schemeClr val="dk1"/>
+                      </a:fontRef>
+                    </p:style>
+                    <p:txBody>
+                      <a:bodyPr rtlCol="0" anchor="ctr"/>
+                      <a:lstStyle/>
+                      <a:p>
+                        <a:pPr algn="ctr"/>
+                        <a:endParaRPr lang="en-US"/>
+                      </a:p>
+                    </p:txBody>
+                  </p:sp>
+                </p:grpSp>
+              </p:grpSp>
+              <p:sp>
+                <p:nvSpPr>
+                  <p:cNvPr id="29" name="Rectangle 28"/>
+                  <p:cNvSpPr/>
+                  <p:nvPr/>
+                </p:nvSpPr>
+                <p:spPr>
+                  <a:xfrm>
+                    <a:off x="395090" y="541082"/>
+                    <a:ext cx="3959196" cy="5999964"/>
+                  </a:xfrm>
+                  <a:prstGeom prst="rect">
+                    <a:avLst/>
+                  </a:prstGeom>
+                  <a:solidFill>
+                    <a:schemeClr val="accent1">
+                      <a:lumMod val="50000"/>
+                      <a:alpha val="29000"/>
+                    </a:schemeClr>
+                  </a:solidFill>
+                  <a:ln w="6350" cmpd="sng">
+                    <a:noFill/>
+                  </a:ln>
+                </p:spPr>
+                <p:style>
+                  <a:lnRef idx="2">
+                    <a:schemeClr val="accent1">
+                      <a:shade val="50000"/>
+                    </a:schemeClr>
+                  </a:lnRef>
+                  <a:fillRef idx="1">
+                    <a:schemeClr val="accent1"/>
+                  </a:fillRef>
+                  <a:effectRef idx="0">
+                    <a:schemeClr val="accent1"/>
+                  </a:effectRef>
+                  <a:fontRef idx="minor">
+                    <a:schemeClr val="lt1"/>
+                  </a:fontRef>
+                </p:style>
+                <p:txBody>
+                  <a:bodyPr rtlCol="0" anchor="ctr"/>
+                  <a:lstStyle/>
+                  <a:p>
+                    <a:pPr algn="ctr"/>
+                    <a:endParaRPr lang="en-US" dirty="0"/>
+                  </a:p>
+                </p:txBody>
+              </p:sp>
+            </p:grpSp>
+            <p:grpSp>
+              <p:nvGrpSpPr>
+                <p:cNvPr id="14" name="Group 13"/>
+                <p:cNvGrpSpPr/>
+                <p:nvPr/>
+              </p:nvGrpSpPr>
+              <p:grpSpPr>
+                <a:xfrm>
+                  <a:off x="476970" y="2760666"/>
+                  <a:ext cx="3787394" cy="1484399"/>
+                  <a:chOff x="476970" y="3101866"/>
+                  <a:chExt cx="3787394" cy="1484399"/>
+                </a:xfrm>
+              </p:grpSpPr>
+              <p:grpSp>
+                <p:nvGrpSpPr>
+                  <p:cNvPr id="15" name="Group 14"/>
+                  <p:cNvGrpSpPr/>
+                  <p:nvPr/>
+                </p:nvGrpSpPr>
+                <p:grpSpPr>
+                  <a:xfrm>
+                    <a:off x="476970" y="3101866"/>
+                    <a:ext cx="3787394" cy="1387088"/>
+                    <a:chOff x="497615" y="2828436"/>
+                    <a:chExt cx="3787394" cy="1387088"/>
+                  </a:xfrm>
+                </p:grpSpPr>
+                <p:sp>
+                  <p:nvSpPr>
+                    <p:cNvPr id="23" name="Rectangle 22"/>
+                    <p:cNvSpPr/>
+                    <p:nvPr/>
+                  </p:nvSpPr>
+                  <p:spPr>
+                    <a:xfrm>
+                      <a:off x="497615" y="2828436"/>
+                      <a:ext cx="3787394" cy="1387088"/>
+                    </a:xfrm>
+                    <a:prstGeom prst="rect">
+                      <a:avLst/>
+                    </a:prstGeom>
+                    <a:solidFill>
+                      <a:schemeClr val="bg1">
+                        <a:alpha val="87000"/>
+                      </a:schemeClr>
+                    </a:solidFill>
+                  </p:spPr>
+                  <p:style>
+                    <a:lnRef idx="2">
+                      <a:schemeClr val="accent1">
+                        <a:shade val="50000"/>
+                      </a:schemeClr>
+                    </a:lnRef>
+                    <a:fillRef idx="1">
+                      <a:schemeClr val="accent1"/>
+                    </a:fillRef>
+                    <a:effectRef idx="0">
+                      <a:schemeClr val="accent1"/>
+                    </a:effectRef>
+                    <a:fontRef idx="minor">
+                      <a:schemeClr val="lt1"/>
+                    </a:fontRef>
+                  </p:style>
+                  <p:txBody>
+                    <a:bodyPr rtlCol="0" anchor="ctr"/>
+                    <a:lstStyle/>
+                    <a:p>
+                      <a:pPr algn="ctr"/>
+                      <a:endParaRPr lang="en-US"/>
+                    </a:p>
+                  </p:txBody>
+                </p:sp>
+                <p:sp>
+                  <p:nvSpPr>
+                    <p:cNvPr id="24" name="TextBox 23"/>
+                    <p:cNvSpPr txBox="1"/>
+                    <p:nvPr/>
+                  </p:nvSpPr>
+                  <p:spPr>
+                    <a:xfrm>
+                      <a:off x="1353561" y="2861828"/>
+                      <a:ext cx="1977391" cy="246221"/>
+                    </a:xfrm>
+                    <a:prstGeom prst="rect">
+                      <a:avLst/>
+                    </a:prstGeom>
+                    <a:noFill/>
+                  </p:spPr>
+                  <p:txBody>
+                    <a:bodyPr wrap="square" rtlCol="0">
+                      <a:spAutoFit/>
+                    </a:bodyPr>
+                    <a:lstStyle/>
+                    <a:p>
+                      <a:pPr algn="ctr"/>
+                      <a:r>
+                        <a:rPr lang="en-GB" sz="1000" dirty="0" smtClean="0">
+                          <a:solidFill>
+                            <a:schemeClr val="accent1">
+                              <a:lumMod val="75000"/>
+                            </a:schemeClr>
+                          </a:solidFill>
+                        </a:rPr>
+                        <a:t>Update this comment</a:t>
+                      </a:r>
+                      <a:endParaRPr lang="en-US" sz="1000" dirty="0">
+                        <a:solidFill>
+                          <a:schemeClr val="accent1">
+                            <a:lumMod val="75000"/>
+                          </a:schemeClr>
+                        </a:solidFill>
+                      </a:endParaRPr>
+                    </a:p>
+                  </p:txBody>
+                </p:sp>
+                <p:sp>
+                  <p:nvSpPr>
+                    <p:cNvPr id="25" name="Rectangle 24"/>
+                    <p:cNvSpPr/>
+                    <p:nvPr/>
+                  </p:nvSpPr>
+                  <p:spPr>
+                    <a:xfrm>
+                      <a:off x="609600" y="3120833"/>
+                      <a:ext cx="3553097" cy="670961"/>
+                    </a:xfrm>
+                    <a:prstGeom prst="rect">
+                      <a:avLst/>
+                    </a:prstGeom>
+                    <a:solidFill>
+                      <a:schemeClr val="bg1"/>
+                    </a:solidFill>
+                    <a:ln>
+                      <a:solidFill>
+                        <a:schemeClr val="accent1">
+                          <a:lumMod val="75000"/>
+                        </a:schemeClr>
+                      </a:solidFill>
+                    </a:ln>
+                  </p:spPr>
+                  <p:style>
+                    <a:lnRef idx="2">
+                      <a:schemeClr val="accent1">
+                        <a:shade val="50000"/>
+                      </a:schemeClr>
+                    </a:lnRef>
+                    <a:fillRef idx="1">
+                      <a:schemeClr val="accent1"/>
+                    </a:fillRef>
+                    <a:effectRef idx="0">
+                      <a:schemeClr val="accent1"/>
+                    </a:effectRef>
+                    <a:fontRef idx="minor">
+                      <a:schemeClr val="lt1"/>
+                    </a:fontRef>
+                  </p:style>
+                  <p:txBody>
+                    <a:bodyPr rtlCol="0" anchor="t"/>
+                    <a:lstStyle/>
+                    <a:p>
+                      <a:r>
+                        <a:rPr lang="en-US" sz="1000" dirty="0">
+                          <a:solidFill>
+                            <a:schemeClr val="accent1">
+                              <a:lumMod val="75000"/>
+                            </a:schemeClr>
+                          </a:solidFill>
+                        </a:rPr>
+                        <a:t>Pudding gummies croissant cookie </a:t>
+                      </a:r>
+                      <a:r>
+                        <a:rPr lang="en-US" sz="1000" dirty="0" err="1">
+                          <a:solidFill>
+                            <a:schemeClr val="accent1">
+                              <a:lumMod val="75000"/>
+                            </a:schemeClr>
+                          </a:solidFill>
+                        </a:rPr>
+                        <a:t>dragée</a:t>
+                      </a:r>
+                      <a:r>
+                        <a:rPr lang="en-US" sz="1000" dirty="0">
+                          <a:solidFill>
+                            <a:schemeClr val="accent1">
+                              <a:lumMod val="75000"/>
+                            </a:schemeClr>
+                          </a:solidFill>
+                        </a:rPr>
+                        <a:t>. I love gingerbread </a:t>
+                      </a:r>
+                      <a:r>
+                        <a:rPr lang="en-US" sz="1000" dirty="0" err="1">
+                          <a:solidFill>
+                            <a:schemeClr val="accent1">
+                              <a:lumMod val="75000"/>
+                            </a:schemeClr>
+                          </a:solidFill>
+                        </a:rPr>
+                        <a:t>chupa</a:t>
+                      </a:r>
+                      <a:r>
+                        <a:rPr lang="en-US" sz="1000" dirty="0">
+                          <a:solidFill>
+                            <a:schemeClr val="accent1">
+                              <a:lumMod val="75000"/>
+                            </a:schemeClr>
+                          </a:solidFill>
+                        </a:rPr>
+                        <a:t> </a:t>
+                      </a:r>
+                      <a:r>
+                        <a:rPr lang="en-US" sz="1000" dirty="0" err="1">
+                          <a:solidFill>
+                            <a:schemeClr val="accent1">
+                              <a:lumMod val="75000"/>
+                            </a:schemeClr>
+                          </a:solidFill>
+                        </a:rPr>
+                        <a:t>chups</a:t>
+                      </a:r>
+                      <a:r>
+                        <a:rPr lang="en-US" sz="1000" dirty="0" smtClean="0">
+                          <a:solidFill>
+                            <a:schemeClr val="accent1">
+                              <a:lumMod val="75000"/>
+                            </a:schemeClr>
+                          </a:solidFill>
+                        </a:rPr>
+                        <a:t>.</a:t>
+                      </a:r>
+                      <a:endParaRPr lang="en-US" sz="1000" dirty="0">
+                        <a:solidFill>
+                          <a:schemeClr val="accent1">
+                            <a:lumMod val="75000"/>
+                          </a:schemeClr>
+                        </a:solidFill>
+                      </a:endParaRPr>
+                    </a:p>
+                  </p:txBody>
+                </p:sp>
+                <p:sp>
+                  <p:nvSpPr>
+                    <p:cNvPr id="26" name="Rectangle 25"/>
+                    <p:cNvSpPr/>
+                    <p:nvPr/>
+                  </p:nvSpPr>
+                  <p:spPr>
+                    <a:xfrm>
+                      <a:off x="604323" y="3791940"/>
+                      <a:ext cx="3553200" cy="241285"/>
+                    </a:xfrm>
+                    <a:prstGeom prst="rect">
+                      <a:avLst/>
+                    </a:prstGeom>
+                    <a:solidFill>
+                      <a:schemeClr val="bg1"/>
+                    </a:solidFill>
+                    <a:ln>
+                      <a:solidFill>
+                        <a:schemeClr val="accent1">
+                          <a:lumMod val="75000"/>
+                        </a:schemeClr>
+                      </a:solidFill>
+                    </a:ln>
+                  </p:spPr>
+                  <p:style>
+                    <a:lnRef idx="2">
+                      <a:schemeClr val="accent1">
+                        <a:shade val="50000"/>
+                      </a:schemeClr>
+                    </a:lnRef>
+                    <a:fillRef idx="1">
+                      <a:schemeClr val="accent1"/>
+                    </a:fillRef>
+                    <a:effectRef idx="0">
+                      <a:schemeClr val="accent1"/>
+                    </a:effectRef>
+                    <a:fontRef idx="minor">
+                      <a:schemeClr val="lt1"/>
+                    </a:fontRef>
+                  </p:style>
+                  <p:txBody>
+                    <a:bodyPr rtlCol="0" anchor="ctr"/>
+                    <a:lstStyle/>
+                    <a:p>
+                      <a:pPr algn="ctr"/>
+                      <a:endParaRPr lang="en-US"/>
+                    </a:p>
+                  </p:txBody>
+                </p:sp>
+                <p:sp>
+                  <p:nvSpPr>
+                    <p:cNvPr id="27" name="Rectangle 26"/>
+                    <p:cNvSpPr/>
+                    <p:nvPr/>
+                  </p:nvSpPr>
+                  <p:spPr>
+                    <a:xfrm>
+                      <a:off x="3445268" y="3820849"/>
+                      <a:ext cx="680925" cy="184394"/>
+                    </a:xfrm>
+                    <a:prstGeom prst="rect">
+                      <a:avLst/>
+                    </a:prstGeom>
+                  </p:spPr>
+                  <p:style>
+                    <a:lnRef idx="1">
+                      <a:schemeClr val="accent1"/>
+                    </a:lnRef>
+                    <a:fillRef idx="3">
+                      <a:schemeClr val="accent1"/>
+                    </a:fillRef>
+                    <a:effectRef idx="2">
+                      <a:schemeClr val="accent1"/>
+                    </a:effectRef>
+                    <a:fontRef idx="minor">
+                      <a:schemeClr val="lt1"/>
+                    </a:fontRef>
+                  </p:style>
+                  <p:txBody>
+                    <a:bodyPr rtlCol="0" anchor="ctr"/>
+                    <a:lstStyle/>
+                    <a:p>
+                      <a:pPr algn="ctr"/>
+                      <a:r>
+                        <a:rPr kumimoji="1" lang="en-US" altLang="ja-JP" sz="1000" dirty="0" smtClean="0"/>
+                        <a:t>Update</a:t>
+                      </a:r>
+                      <a:endParaRPr kumimoji="1" lang="ja-JP" altLang="en-US" sz="1000" dirty="0"/>
+                    </a:p>
+                  </p:txBody>
+                </p:sp>
+              </p:grpSp>
+              <p:grpSp>
+                <p:nvGrpSpPr>
+                  <p:cNvPr id="16" name="Group 15"/>
+                  <p:cNvGrpSpPr/>
+                  <p:nvPr/>
+                </p:nvGrpSpPr>
+                <p:grpSpPr>
+                  <a:xfrm>
+                    <a:off x="2699631" y="4084679"/>
+                    <a:ext cx="865226" cy="501586"/>
+                    <a:chOff x="2657874" y="4353385"/>
+                    <a:chExt cx="865226" cy="501586"/>
+                  </a:xfrm>
+                </p:grpSpPr>
+                <p:sp>
+                  <p:nvSpPr>
+                    <p:cNvPr id="21" name="Rectangular Callout 20"/>
+                    <p:cNvSpPr/>
+                    <p:nvPr/>
+                  </p:nvSpPr>
+                  <p:spPr>
+                    <a:xfrm>
+                      <a:off x="2657874" y="4613307"/>
+                      <a:ext cx="865226" cy="241664"/>
+                    </a:xfrm>
+                    <a:prstGeom prst="wedgeRectCallout">
+                      <a:avLst>
+                        <a:gd name="adj1" fmla="val 20266"/>
+                        <a:gd name="adj2" fmla="val -68881"/>
+                      </a:avLst>
+                    </a:prstGeom>
+                  </p:spPr>
+                  <p:style>
+                    <a:lnRef idx="2">
+                      <a:schemeClr val="accent1"/>
+                    </a:lnRef>
+                    <a:fillRef idx="1">
+                      <a:schemeClr val="lt1"/>
+                    </a:fillRef>
+                    <a:effectRef idx="0">
+                      <a:schemeClr val="accent1"/>
+                    </a:effectRef>
+                    <a:fontRef idx="minor">
+                      <a:schemeClr val="dk1"/>
+                    </a:fontRef>
+                  </p:style>
+                  <p:txBody>
+                    <a:bodyPr rtlCol="0" anchor="ctr"/>
+                    <a:lstStyle/>
+                    <a:p>
+                      <a:pPr algn="ctr"/>
+                      <a:endParaRPr lang="en-US"/>
+                    </a:p>
+                  </p:txBody>
+                </p:sp>
+                <p:sp>
+                  <p:nvSpPr>
+                    <p:cNvPr id="22" name="TextBox 21"/>
+                    <p:cNvSpPr txBox="1"/>
+                    <p:nvPr/>
+                  </p:nvSpPr>
+                  <p:spPr>
+                    <a:xfrm>
+                      <a:off x="2942884" y="4353385"/>
+                      <a:ext cx="327334" cy="246221"/>
+                    </a:xfrm>
+                    <a:prstGeom prst="rect">
+                      <a:avLst/>
+                    </a:prstGeom>
+                    <a:noFill/>
+                  </p:spPr>
+                  <p:txBody>
+                    <a:bodyPr wrap="none" rtlCol="0">
+                      <a:spAutoFit/>
+                    </a:bodyPr>
+                    <a:lstStyle/>
+                    <a:p>
+                      <a:r>
+                        <a:rPr kumimoji="1" lang="en-US" altLang="ja-JP" sz="1000" dirty="0" smtClean="0">
+                          <a:solidFill>
+                            <a:srgbClr val="FF0000"/>
+                          </a:solidFill>
+                        </a:rPr>
+                        <a:t>(4)</a:t>
+                      </a:r>
+                      <a:endParaRPr kumimoji="1" lang="ja-JP" altLang="en-US" sz="1000" dirty="0">
+                        <a:solidFill>
+                          <a:srgbClr val="FF0000"/>
+                        </a:solidFill>
+                      </a:endParaRPr>
+                    </a:p>
+                  </p:txBody>
+                </p:sp>
+              </p:grpSp>
+              <p:sp>
+                <p:nvSpPr>
+                  <p:cNvPr id="17" name="Smiley Face 16"/>
+                  <p:cNvSpPr/>
+                  <p:nvPr/>
+                </p:nvSpPr>
+                <p:spPr>
+                  <a:xfrm>
+                    <a:off x="2786429" y="4374347"/>
+                    <a:ext cx="180000" cy="180000"/>
+                  </a:xfrm>
+                  <a:prstGeom prst="smileyFace">
+                    <a:avLst/>
+                  </a:prstGeom>
+                </p:spPr>
+                <p:style>
+                  <a:lnRef idx="2">
+                    <a:schemeClr val="accent1"/>
+                  </a:lnRef>
+                  <a:fillRef idx="1">
+                    <a:schemeClr val="lt1"/>
+                  </a:fillRef>
+                  <a:effectRef idx="0">
+                    <a:schemeClr val="accent1"/>
+                  </a:effectRef>
+                  <a:fontRef idx="minor">
+                    <a:schemeClr val="dk1"/>
+                  </a:fontRef>
+                </p:style>
+                <p:txBody>
+                  <a:bodyPr rtlCol="0" anchor="ctr"/>
+                  <a:lstStyle/>
+                  <a:p>
+                    <a:pPr algn="ctr"/>
+                    <a:endParaRPr lang="en-US"/>
+                  </a:p>
+                </p:txBody>
+              </p:sp>
+              <p:sp>
+                <p:nvSpPr>
+                  <p:cNvPr id="18" name="Smiley Face 17"/>
+                  <p:cNvSpPr/>
+                  <p:nvPr/>
+                </p:nvSpPr>
+                <p:spPr>
+                  <a:xfrm>
+                    <a:off x="3044492" y="4374347"/>
+                    <a:ext cx="180000" cy="180000"/>
+                  </a:xfrm>
+                  <a:prstGeom prst="smileyFace">
+                    <a:avLst>
+                      <a:gd name="adj" fmla="val -4653"/>
+                    </a:avLst>
+                  </a:prstGeom>
+                </p:spPr>
+                <p:style>
+                  <a:lnRef idx="2">
+                    <a:schemeClr val="accent1"/>
+                  </a:lnRef>
+                  <a:fillRef idx="1">
+                    <a:schemeClr val="lt1"/>
+                  </a:fillRef>
+                  <a:effectRef idx="0">
+                    <a:schemeClr val="accent1"/>
+                  </a:effectRef>
+                  <a:fontRef idx="minor">
+                    <a:schemeClr val="dk1"/>
+                  </a:fontRef>
+                </p:style>
+                <p:txBody>
+                  <a:bodyPr rtlCol="0" anchor="ctr"/>
+                  <a:lstStyle/>
+                  <a:p>
+                    <a:pPr algn="ctr"/>
+                    <a:endParaRPr lang="en-US"/>
+                  </a:p>
+                </p:txBody>
+              </p:sp>
+              <p:sp>
+                <p:nvSpPr>
+                  <p:cNvPr id="19" name="Smiley Face 18"/>
+                  <p:cNvSpPr/>
+                  <p:nvPr/>
+                </p:nvSpPr>
+                <p:spPr>
+                  <a:xfrm>
+                    <a:off x="3302554" y="4374347"/>
+                    <a:ext cx="180000" cy="180000"/>
+                  </a:xfrm>
+                  <a:prstGeom prst="smileyFace">
+                    <a:avLst>
+                      <a:gd name="adj" fmla="val 352"/>
+                    </a:avLst>
+                  </a:prstGeom>
+                </p:spPr>
+                <p:style>
+                  <a:lnRef idx="2">
+                    <a:schemeClr val="accent1"/>
+                  </a:lnRef>
+                  <a:fillRef idx="1">
+                    <a:schemeClr val="lt1"/>
+                  </a:fillRef>
+                  <a:effectRef idx="0">
+                    <a:schemeClr val="accent1"/>
+                  </a:effectRef>
+                  <a:fontRef idx="minor">
+                    <a:schemeClr val="dk1"/>
+                  </a:fontRef>
+                </p:style>
+                <p:txBody>
+                  <a:bodyPr rtlCol="0" anchor="ctr"/>
+                  <a:lstStyle/>
+                  <a:p>
+                    <a:pPr algn="ctr"/>
+                    <a:endParaRPr lang="en-US"/>
+                  </a:p>
+                </p:txBody>
+              </p:sp>
+              <p:sp>
+                <p:nvSpPr>
+                  <p:cNvPr id="20" name="Smiley Face 19"/>
+                  <p:cNvSpPr/>
+                  <p:nvPr/>
+                </p:nvSpPr>
+                <p:spPr>
+                  <a:xfrm>
+                    <a:off x="3216361" y="4091034"/>
+                    <a:ext cx="180000" cy="180000"/>
+                  </a:xfrm>
+                  <a:prstGeom prst="smileyFace">
+                    <a:avLst/>
+                  </a:prstGeom>
+                </p:spPr>
+                <p:style>
+                  <a:lnRef idx="2">
+                    <a:schemeClr val="accent1"/>
+                  </a:lnRef>
+                  <a:fillRef idx="1">
+                    <a:schemeClr val="lt1"/>
+                  </a:fillRef>
+                  <a:effectRef idx="0">
+                    <a:schemeClr val="accent1"/>
+                  </a:effectRef>
+                  <a:fontRef idx="minor">
+                    <a:schemeClr val="dk1"/>
+                  </a:fontRef>
+                </p:style>
+                <p:txBody>
+                  <a:bodyPr rtlCol="0" anchor="ctr"/>
+                  <a:lstStyle/>
+                  <a:p>
+                    <a:pPr algn="ctr"/>
+                    <a:endParaRPr lang="en-US"/>
+                  </a:p>
+                </p:txBody>
+              </p:sp>
+            </p:grpSp>
+          </p:grpSp>
+          <p:sp>
+            <p:nvSpPr>
+              <p:cNvPr id="7" name="TextBox 6"/>
+              <p:cNvSpPr txBox="1"/>
+              <p:nvPr/>
+            </p:nvSpPr>
+            <p:spPr>
+              <a:xfrm>
+                <a:off x="3883271" y="3720996"/>
+                <a:ext cx="327334" cy="246221"/>
+              </a:xfrm>
+              <a:prstGeom prst="rect">
+                <a:avLst/>
+              </a:prstGeom>
+              <a:noFill/>
+            </p:spPr>
+            <p:txBody>
+              <a:bodyPr wrap="none" rtlCol="0">
+                <a:spAutoFit/>
+              </a:bodyPr>
+              <a:lstStyle/>
+              <a:p>
+                <a:r>
+                  <a:rPr kumimoji="1" lang="en-US" altLang="ja-JP" sz="1000" dirty="0" smtClean="0">
+                    <a:solidFill>
+                      <a:srgbClr val="FF0000"/>
+                    </a:solidFill>
+                  </a:rPr>
+                  <a:t>(5)</a:t>
+                </a:r>
+                <a:endParaRPr kumimoji="1" lang="ja-JP" altLang="en-US" sz="1000" dirty="0">
+                  <a:solidFill>
+                    <a:srgbClr val="FF0000"/>
+                  </a:solidFill>
+                </a:endParaRPr>
+              </a:p>
+            </p:txBody>
+          </p:sp>
+          <p:sp>
+            <p:nvSpPr>
+              <p:cNvPr id="8" name="TextBox 7"/>
+              <p:cNvSpPr txBox="1"/>
+              <p:nvPr/>
+            </p:nvSpPr>
+            <p:spPr>
+              <a:xfrm>
+                <a:off x="3944962" y="2672699"/>
+                <a:ext cx="247398" cy="369332"/>
+              </a:xfrm>
+              <a:prstGeom prst="rect">
+                <a:avLst/>
+              </a:prstGeom>
+              <a:noFill/>
+            </p:spPr>
+            <p:txBody>
+              <a:bodyPr wrap="square" rtlCol="0">
+                <a:spAutoFit/>
+              </a:bodyPr>
+              <a:lstStyle/>
+              <a:p>
+                <a:r>
+                  <a:rPr lang="en-GB" dirty="0" smtClean="0">
+                    <a:solidFill>
+                      <a:schemeClr val="accent1">
+                        <a:lumMod val="75000"/>
+                      </a:schemeClr>
+                    </a:solidFill>
+                  </a:rPr>
+                  <a:t>x</a:t>
+                </a:r>
+                <a:endParaRPr lang="en-US" dirty="0">
+                  <a:solidFill>
+                    <a:schemeClr val="accent1">
+                      <a:lumMod val="75000"/>
+                    </a:schemeClr>
+                  </a:solidFill>
+                </a:endParaRPr>
+              </a:p>
+            </p:txBody>
+          </p:sp>
+          <p:sp>
+            <p:nvSpPr>
+              <p:cNvPr id="9" name="TextBox 8"/>
+              <p:cNvSpPr txBox="1"/>
+              <p:nvPr/>
+            </p:nvSpPr>
+            <p:spPr>
+              <a:xfrm>
+                <a:off x="1334995" y="3223909"/>
+                <a:ext cx="327334" cy="246221"/>
+              </a:xfrm>
+              <a:prstGeom prst="rect">
+                <a:avLst/>
+              </a:prstGeom>
+              <a:noFill/>
+            </p:spPr>
+            <p:txBody>
+              <a:bodyPr wrap="none" rtlCol="0">
+                <a:spAutoFit/>
+              </a:bodyPr>
+              <a:lstStyle/>
+              <a:p>
+                <a:r>
+                  <a:rPr kumimoji="1" lang="en-US" altLang="ja-JP" sz="1000" dirty="0" smtClean="0">
+                    <a:solidFill>
+                      <a:srgbClr val="FF0000"/>
+                    </a:solidFill>
+                  </a:rPr>
+                  <a:t>(2)</a:t>
+                </a:r>
+                <a:endParaRPr kumimoji="1" lang="ja-JP" altLang="en-US" sz="1000" dirty="0">
+                  <a:solidFill>
+                    <a:srgbClr val="FF0000"/>
+                  </a:solidFill>
+                </a:endParaRPr>
+              </a:p>
+            </p:txBody>
+          </p:sp>
+          <p:sp>
+            <p:nvSpPr>
+              <p:cNvPr id="10" name="TextBox 9"/>
+              <p:cNvSpPr txBox="1"/>
+              <p:nvPr/>
+            </p:nvSpPr>
+            <p:spPr>
+              <a:xfrm>
+                <a:off x="608388" y="3719711"/>
+                <a:ext cx="2582048" cy="246221"/>
+              </a:xfrm>
+              <a:prstGeom prst="rect">
+                <a:avLst/>
+              </a:prstGeom>
+              <a:noFill/>
+            </p:spPr>
+            <p:txBody>
+              <a:bodyPr wrap="square" rtlCol="0">
+                <a:spAutoFit/>
+              </a:bodyPr>
+              <a:lstStyle/>
+              <a:p>
+                <a:r>
+                  <a:rPr kumimoji="1" lang="en-US" altLang="ja-JP" sz="1000" u="sng" dirty="0" smtClean="0">
+                    <a:solidFill>
+                      <a:schemeClr val="accent1">
+                        <a:lumMod val="75000"/>
+                      </a:schemeClr>
+                    </a:solidFill>
+                  </a:rPr>
+                  <a:t>Message for updating a comment</a:t>
+                </a:r>
+                <a:endParaRPr kumimoji="1" lang="ja-JP" altLang="en-US" sz="1000" u="sng" dirty="0">
+                  <a:solidFill>
+                    <a:schemeClr val="accent1">
+                      <a:lumMod val="75000"/>
+                    </a:schemeClr>
+                  </a:solidFill>
+                </a:endParaRPr>
+              </a:p>
+            </p:txBody>
+          </p:sp>
+          <p:sp>
+            <p:nvSpPr>
+              <p:cNvPr id="11" name="TextBox 10"/>
+              <p:cNvSpPr txBox="1"/>
+              <p:nvPr/>
+            </p:nvSpPr>
+            <p:spPr>
+              <a:xfrm>
+                <a:off x="3981831" y="2862909"/>
+                <a:ext cx="327334" cy="246221"/>
+              </a:xfrm>
+              <a:prstGeom prst="rect">
+                <a:avLst/>
+              </a:prstGeom>
+              <a:noFill/>
+            </p:spPr>
+            <p:txBody>
+              <a:bodyPr wrap="none" rtlCol="0">
+                <a:spAutoFit/>
+              </a:bodyPr>
+              <a:lstStyle/>
+              <a:p>
+                <a:r>
+                  <a:rPr kumimoji="1" lang="en-US" altLang="ja-JP" sz="1000" dirty="0" smtClean="0">
+                    <a:solidFill>
+                      <a:srgbClr val="FF0000"/>
+                    </a:solidFill>
+                  </a:rPr>
+                  <a:t>(1)</a:t>
+                </a:r>
+                <a:endParaRPr kumimoji="1" lang="ja-JP" altLang="en-US" sz="1000" dirty="0">
+                  <a:solidFill>
+                    <a:srgbClr val="FF0000"/>
+                  </a:solidFill>
+                </a:endParaRPr>
+              </a:p>
+            </p:txBody>
+          </p:sp>
+          <p:sp>
+            <p:nvSpPr>
+              <p:cNvPr id="12" name="TextBox 11"/>
+              <p:cNvSpPr txBox="1"/>
+              <p:nvPr/>
+            </p:nvSpPr>
+            <p:spPr>
+              <a:xfrm>
+                <a:off x="2120394" y="3725200"/>
+                <a:ext cx="327334" cy="246221"/>
+              </a:xfrm>
+              <a:prstGeom prst="rect">
+                <a:avLst/>
+              </a:prstGeom>
+              <a:noFill/>
+            </p:spPr>
+            <p:txBody>
+              <a:bodyPr wrap="none" rtlCol="0">
+                <a:spAutoFit/>
+              </a:bodyPr>
+              <a:lstStyle/>
+              <a:p>
+                <a:r>
+                  <a:rPr kumimoji="1" lang="en-US" altLang="ja-JP" sz="1000" dirty="0" smtClean="0">
+                    <a:solidFill>
+                      <a:srgbClr val="FF0000"/>
+                    </a:solidFill>
+                  </a:rPr>
+                  <a:t>(3)</a:t>
+                </a:r>
+                <a:endParaRPr kumimoji="1" lang="ja-JP" altLang="en-US" sz="1000" dirty="0">
+                  <a:solidFill>
+                    <a:srgbClr val="FF0000"/>
+                  </a:solidFill>
+                </a:endParaRPr>
+              </a:p>
+            </p:txBody>
+          </p:sp>
+        </p:grpSp>
+        <p:sp>
+          <p:nvSpPr>
+            <p:cNvPr id="70" name="TextBox 69"/>
+            <p:cNvSpPr txBox="1"/>
+            <p:nvPr/>
+          </p:nvSpPr>
+          <p:spPr>
+            <a:xfrm>
+              <a:off x="1856598" y="6348461"/>
+              <a:ext cx="839250" cy="246221"/>
+            </a:xfrm>
+            <a:prstGeom prst="rect">
+              <a:avLst/>
+            </a:prstGeom>
+            <a:noFill/>
+          </p:spPr>
+          <p:txBody>
+            <a:bodyPr wrap="square" rtlCol="0">
+              <a:spAutoFit/>
+            </a:bodyPr>
+            <a:lstStyle/>
+            <a:p>
+              <a:r>
+                <a:rPr kumimoji="1" lang="en-US" altLang="ja-JP" sz="1000" u="sng" dirty="0" smtClean="0">
+                  <a:solidFill>
+                    <a:schemeClr val="accent1">
+                      <a:lumMod val="75000"/>
+                    </a:schemeClr>
+                  </a:solidFill>
+                </a:rPr>
+                <a:t>Show more</a:t>
+              </a:r>
+              <a:endParaRPr kumimoji="1" lang="ja-JP" altLang="en-US" sz="1000" u="sng" dirty="0">
+                <a:solidFill>
+                  <a:schemeClr val="accent1">
+                    <a:lumMod val="75000"/>
+                  </a:schemeClr>
+                </a:solidFill>
+              </a:endParaRPr>
+            </a:p>
+          </p:txBody>
+        </p:sp>
+      </p:grpSp>
     </p:spTree>
     <p:extLst>
       <p:ext uri="{BB962C8B-B14F-4D97-AF65-F5344CB8AC3E}">
@@ -31387,9 +31034,9 @@
         <p:grpSpPr>
           <a:xfrm>
             <a:off x="146304" y="542926"/>
-            <a:ext cx="5010912" cy="6001708"/>
+            <a:ext cx="5010912" cy="5998120"/>
             <a:chOff x="387048" y="542926"/>
-            <a:chExt cx="4007217" cy="6001708"/>
+            <a:chExt cx="4007217" cy="5998120"/>
           </a:xfrm>
         </p:grpSpPr>
         <p:grpSp>
@@ -31401,9 +31048,9 @@
           <p:grpSpPr>
             <a:xfrm>
               <a:off x="387048" y="542926"/>
-              <a:ext cx="4007217" cy="6001708"/>
+              <a:ext cx="4007217" cy="5998120"/>
               <a:chOff x="387048" y="542926"/>
-              <a:chExt cx="4007217" cy="6001708"/>
+              <a:chExt cx="4007217" cy="5998120"/>
             </a:xfrm>
           </p:grpSpPr>
           <p:grpSp>
@@ -32909,272 +32556,6 @@
                 </p:txBody>
               </p:sp>
             </p:grpSp>
-            <p:sp>
-              <p:nvSpPr>
-                <p:cNvPr id="39" name="Rectangle 38"/>
-                <p:cNvSpPr/>
-                <p:nvPr/>
-              </p:nvSpPr>
-              <p:spPr>
-                <a:xfrm>
-                  <a:off x="1735760" y="6289780"/>
-                  <a:ext cx="165600" cy="165463"/>
-                </a:xfrm>
-                <a:prstGeom prst="rect">
-                  <a:avLst/>
-                </a:prstGeom>
-                <a:ln>
-                  <a:solidFill>
-                    <a:schemeClr val="accent1">
-                      <a:lumMod val="60000"/>
-                      <a:lumOff val="40000"/>
-                    </a:schemeClr>
-                  </a:solidFill>
-                </a:ln>
-              </p:spPr>
-              <p:style>
-                <a:lnRef idx="2">
-                  <a:schemeClr val="accent1">
-                    <a:shade val="50000"/>
-                  </a:schemeClr>
-                </a:lnRef>
-                <a:fillRef idx="1">
-                  <a:schemeClr val="accent1"/>
-                </a:fillRef>
-                <a:effectRef idx="0">
-                  <a:schemeClr val="accent1"/>
-                </a:effectRef>
-                <a:fontRef idx="minor">
-                  <a:schemeClr val="lt1"/>
-                </a:fontRef>
-              </p:style>
-              <p:txBody>
-                <a:bodyPr rtlCol="0" anchor="ctr"/>
-                <a:lstStyle/>
-                <a:p>
-                  <a:pPr algn="ctr"/>
-                  <a:r>
-                    <a:rPr lang="en-GB" sz="1000" dirty="0" smtClean="0"/>
-                    <a:t>1</a:t>
-                  </a:r>
-                  <a:endParaRPr lang="en-US" sz="1000" dirty="0"/>
-                </a:p>
-              </p:txBody>
-            </p:sp>
-            <p:sp>
-              <p:nvSpPr>
-                <p:cNvPr id="40" name="Rectangle 39"/>
-                <p:cNvSpPr/>
-                <p:nvPr/>
-              </p:nvSpPr>
-              <p:spPr>
-                <a:xfrm>
-                  <a:off x="1960475" y="6289780"/>
-                  <a:ext cx="165600" cy="165463"/>
-                </a:xfrm>
-                <a:prstGeom prst="rect">
-                  <a:avLst/>
-                </a:prstGeom>
-                <a:solidFill>
-                  <a:schemeClr val="accent1">
-                    <a:lumMod val="60000"/>
-                    <a:lumOff val="40000"/>
-                  </a:schemeClr>
-                </a:solidFill>
-                <a:ln>
-                  <a:solidFill>
-                    <a:schemeClr val="accent1">
-                      <a:lumMod val="60000"/>
-                      <a:lumOff val="40000"/>
-                    </a:schemeClr>
-                  </a:solidFill>
-                </a:ln>
-              </p:spPr>
-              <p:style>
-                <a:lnRef idx="2">
-                  <a:schemeClr val="accent1">
-                    <a:shade val="50000"/>
-                  </a:schemeClr>
-                </a:lnRef>
-                <a:fillRef idx="1">
-                  <a:schemeClr val="accent1"/>
-                </a:fillRef>
-                <a:effectRef idx="0">
-                  <a:schemeClr val="accent1"/>
-                </a:effectRef>
-                <a:fontRef idx="minor">
-                  <a:schemeClr val="lt1"/>
-                </a:fontRef>
-              </p:style>
-              <p:txBody>
-                <a:bodyPr rtlCol="0" anchor="ctr"/>
-                <a:lstStyle/>
-                <a:p>
-                  <a:pPr algn="ctr"/>
-                  <a:r>
-                    <a:rPr lang="en-GB" sz="1000" dirty="0" smtClean="0"/>
-                    <a:t>2</a:t>
-                  </a:r>
-                  <a:endParaRPr lang="en-US" sz="1000" dirty="0"/>
-                </a:p>
-              </p:txBody>
-            </p:sp>
-            <p:sp>
-              <p:nvSpPr>
-                <p:cNvPr id="41" name="Rectangle 40"/>
-                <p:cNvSpPr/>
-                <p:nvPr/>
-              </p:nvSpPr>
-              <p:spPr>
-                <a:xfrm>
-                  <a:off x="2185190" y="6289780"/>
-                  <a:ext cx="165600" cy="165463"/>
-                </a:xfrm>
-                <a:prstGeom prst="rect">
-                  <a:avLst/>
-                </a:prstGeom>
-                <a:ln>
-                  <a:solidFill>
-                    <a:schemeClr val="accent1">
-                      <a:lumMod val="60000"/>
-                      <a:lumOff val="40000"/>
-                    </a:schemeClr>
-                  </a:solidFill>
-                </a:ln>
-              </p:spPr>
-              <p:style>
-                <a:lnRef idx="2">
-                  <a:schemeClr val="accent1">
-                    <a:shade val="50000"/>
-                  </a:schemeClr>
-                </a:lnRef>
-                <a:fillRef idx="1">
-                  <a:schemeClr val="accent1"/>
-                </a:fillRef>
-                <a:effectRef idx="0">
-                  <a:schemeClr val="accent1"/>
-                </a:effectRef>
-                <a:fontRef idx="minor">
-                  <a:schemeClr val="lt1"/>
-                </a:fontRef>
-              </p:style>
-              <p:txBody>
-                <a:bodyPr rtlCol="0" anchor="ctr"/>
-                <a:lstStyle/>
-                <a:p>
-                  <a:pPr algn="ctr"/>
-                  <a:r>
-                    <a:rPr lang="en-GB" sz="1000" dirty="0" smtClean="0"/>
-                    <a:t>3</a:t>
-                  </a:r>
-                  <a:endParaRPr lang="en-US" sz="1000" dirty="0"/>
-                </a:p>
-              </p:txBody>
-            </p:sp>
-            <p:sp>
-              <p:nvSpPr>
-                <p:cNvPr id="42" name="Rectangle 41"/>
-                <p:cNvSpPr/>
-                <p:nvPr/>
-              </p:nvSpPr>
-              <p:spPr>
-                <a:xfrm>
-                  <a:off x="2409905" y="6289780"/>
-                  <a:ext cx="432000" cy="165463"/>
-                </a:xfrm>
-                <a:prstGeom prst="rect">
-                  <a:avLst/>
-                </a:prstGeom>
-                <a:ln>
-                  <a:solidFill>
-                    <a:schemeClr val="accent1">
-                      <a:lumMod val="60000"/>
-                      <a:lumOff val="40000"/>
-                    </a:schemeClr>
-                  </a:solidFill>
-                </a:ln>
-              </p:spPr>
-              <p:style>
-                <a:lnRef idx="2">
-                  <a:schemeClr val="accent1">
-                    <a:shade val="50000"/>
-                  </a:schemeClr>
-                </a:lnRef>
-                <a:fillRef idx="1">
-                  <a:schemeClr val="accent1"/>
-                </a:fillRef>
-                <a:effectRef idx="0">
-                  <a:schemeClr val="accent1"/>
-                </a:effectRef>
-                <a:fontRef idx="minor">
-                  <a:schemeClr val="lt1"/>
-                </a:fontRef>
-              </p:style>
-              <p:txBody>
-                <a:bodyPr rtlCol="0" anchor="ctr"/>
-                <a:lstStyle/>
-                <a:p>
-                  <a:pPr algn="ctr"/>
-                  <a:r>
-                    <a:rPr lang="en-GB" sz="1000" dirty="0" smtClean="0"/>
-                    <a:t>Last</a:t>
-                  </a:r>
-                  <a:endParaRPr lang="en-US" sz="1000" dirty="0"/>
-                </a:p>
-              </p:txBody>
-            </p:sp>
-            <p:sp>
-              <p:nvSpPr>
-                <p:cNvPr id="43" name="Rectangle 42"/>
-                <p:cNvSpPr/>
-                <p:nvPr/>
-              </p:nvSpPr>
-              <p:spPr>
-                <a:xfrm>
-                  <a:off x="1244645" y="6289780"/>
-                  <a:ext cx="432000" cy="165463"/>
-                </a:xfrm>
-                <a:prstGeom prst="rect">
-                  <a:avLst/>
-                </a:prstGeom>
-                <a:ln>
-                  <a:solidFill>
-                    <a:schemeClr val="accent1">
-                      <a:lumMod val="60000"/>
-                      <a:lumOff val="40000"/>
-                    </a:schemeClr>
-                  </a:solidFill>
-                </a:ln>
-              </p:spPr>
-              <p:style>
-                <a:lnRef idx="2">
-                  <a:schemeClr val="accent1">
-                    <a:shade val="50000"/>
-                  </a:schemeClr>
-                </a:lnRef>
-                <a:fillRef idx="1">
-                  <a:schemeClr val="accent1"/>
-                </a:fillRef>
-                <a:effectRef idx="0">
-                  <a:schemeClr val="accent1"/>
-                </a:effectRef>
-                <a:fontRef idx="minor">
-                  <a:schemeClr val="lt1"/>
-                </a:fontRef>
-              </p:style>
-              <p:txBody>
-                <a:bodyPr rtlCol="0" anchor="ctr"/>
-                <a:lstStyle/>
-                <a:p>
-                  <a:pPr algn="ctr"/>
-                  <a:r>
-                    <a:rPr lang="en-GB" sz="1000" dirty="0" smtClean="0"/>
-                    <a:t>First</a:t>
-                  </a:r>
-                  <a:endParaRPr lang="en-US" sz="1000" dirty="0"/>
-                </a:p>
-              </p:txBody>
-            </p:sp>
           </p:grpSp>
           <p:sp>
             <p:nvSpPr>
@@ -33185,7 +32566,7 @@
             <p:spPr>
               <a:xfrm>
                 <a:off x="387048" y="546515"/>
-                <a:ext cx="3967238" cy="5998119"/>
+                <a:ext cx="3967238" cy="5994531"/>
               </a:xfrm>
               <a:prstGeom prst="rect">
                 <a:avLst/>
@@ -33834,6 +33215,48 @@
           </a:graphicData>
         </a:graphic>
       </p:graphicFrame>
+      <p:sp>
+        <p:nvSpPr>
+          <p:cNvPr id="59" name="TextBox 58"/>
+          <p:cNvSpPr txBox="1"/>
+          <p:nvPr/>
+        </p:nvSpPr>
+        <p:spPr>
+          <a:xfrm>
+            <a:off x="2300617" y="6165321"/>
+            <a:ext cx="839250" cy="246221"/>
+          </a:xfrm>
+          <a:prstGeom prst="rect">
+            <a:avLst/>
+          </a:prstGeom>
+          <a:noFill/>
+        </p:spPr>
+        <p:txBody>
+          <a:bodyPr wrap="square" rtlCol="0">
+            <a:spAutoFit/>
+          </a:bodyPr>
+          <a:lstStyle/>
+          <a:p>
+            <a:r>
+              <a:rPr kumimoji="1" lang="en-US" altLang="ja-JP" sz="1000" u="sng" dirty="0" smtClean="0">
+                <a:solidFill>
+                  <a:schemeClr val="accent1">
+                    <a:lumMod val="75000"/>
+                  </a:schemeClr>
+                </a:solidFill>
+              </a:rPr>
+              <a:t>Show more</a:t>
+            </a:r>
+            <a:endParaRPr kumimoji="1" lang="ja-JP" altLang="en-US" sz="1000" u="sng" dirty="0">
+              <a:solidFill>
+                <a:schemeClr val="accent1">
+                  <a:lumMod val="75000"/>
+                </a:schemeClr>
+              </a:solidFill>
+            </a:endParaRPr>
+          </a:p>
+        </p:txBody>
+      </p:sp>
     </p:spTree>
     <p:extLst>
       <p:ext uri="{BB962C8B-B14F-4D97-AF65-F5344CB8AC3E}">
@@ -36071,7 +35494,7 @@
   <p:timing>
     <p:tnLst>
       <p:par>
-        <p:cTn xmlns:p14="http://schemas.microsoft.com/office/powerpoint/2010/main" id="1" dur="indefinite" restart="never" nodeType="tmRoot"/>
+        <p:cTn id="1" dur="indefinite" restart="never" nodeType="tmRoot"/>
       </p:par>
     </p:tnLst>
   </p:timing>
@@ -38308,7 +37731,7 @@
   <p:timing>
     <p:tnLst>
       <p:par>
-        <p:cTn xmlns:p14="http://schemas.microsoft.com/office/powerpoint/2010/main" id="1" dur="indefinite" restart="never" nodeType="tmRoot"/>
+        <p:cTn id="1" dur="indefinite" restart="never" nodeType="tmRoot"/>
       </p:par>
     </p:tnLst>
   </p:timing>
@@ -39760,7 +39183,7 @@
   <p:timing>
     <p:tnLst>
       <p:par>
-        <p:cTn xmlns:p14="http://schemas.microsoft.com/office/powerpoint/2010/main" id="1" dur="indefinite" restart="never" nodeType="tmRoot"/>
+        <p:cTn id="1" dur="indefinite" restart="never" nodeType="tmRoot"/>
       </p:par>
     </p:tnLst>
   </p:timing>
@@ -41084,7 +40507,7 @@
   <p:timing>
     <p:tnLst>
       <p:par>
-        <p:cTn xmlns:p14="http://schemas.microsoft.com/office/powerpoint/2010/main" id="1" dur="indefinite" restart="never" nodeType="tmRoot"/>
+        <p:cTn id="1" dur="indefinite" restart="never" nodeType="tmRoot"/>
       </p:par>
     </p:tnLst>
   </p:timing>
@@ -45352,7 +44775,7 @@
   <p:timing>
     <p:tnLst>
       <p:par>
-        <p:cTn xmlns:p14="http://schemas.microsoft.com/office/powerpoint/2010/main" id="1" dur="indefinite" restart="never" nodeType="tmRoot"/>
+        <p:cTn id="1" dur="indefinite" restart="never" nodeType="tmRoot"/>
       </p:par>
     </p:tnLst>
   </p:timing>
@@ -49965,7 +49388,7 @@
   <p:timing>
     <p:tnLst>
       <p:par>
-        <p:cTn xmlns:p14="http://schemas.microsoft.com/office/powerpoint/2010/main" id="1" dur="indefinite" restart="never" nodeType="tmRoot"/>
+        <p:cTn id="1" dur="indefinite" restart="never" nodeType="tmRoot"/>
       </p:par>
     </p:tnLst>
   </p:timing>
@@ -53539,7 +52962,7 @@
   <p:timing>
     <p:tnLst>
       <p:par>
-        <p:cTn xmlns:p14="http://schemas.microsoft.com/office/powerpoint/2010/main" id="1" dur="indefinite" restart="never" nodeType="tmRoot"/>
+        <p:cTn id="1" dur="indefinite" restart="never" nodeType="tmRoot"/>
       </p:par>
     </p:tnLst>
   </p:timing>
@@ -53554,7 +52977,7 @@
         <a:sysClr val="windowText" lastClr="000000"/>
       </a:dk1>
       <a:lt1>
-        <a:sysClr val="window" lastClr="FFFFFF"/>
+        <a:sysClr val="window" lastClr="FEFEFE"/>
       </a:lt1>
       <a:dk2>
         <a:srgbClr val="1F497D"/>
@@ -53874,7 +53297,7 @@
         <a:sysClr val="windowText" lastClr="000000"/>
       </a:dk1>
       <a:lt1>
-        <a:sysClr val="window" lastClr="FFFFFF"/>
+        <a:sysClr val="window" lastClr="FEFEFE"/>
       </a:lt1>
       <a:dk2>
         <a:srgbClr val="1F497D"/>

--- a/php/tam-v.anh/doc/detail_design/frontend/wireframe/MiniBlog_Wireframe_Ver_0.1.0.pptx
+++ b/php/tam-v.anh/doc/detail_design/frontend/wireframe/MiniBlog_Wireframe_Ver_0.1.0.pptx
@@ -125,7 +125,7 @@
   </p:defaultTextStyle>
   <p:extLst>
     <p:ext uri="{EFAFB233-063F-42B5-8137-9DF3F51BA10A}">
-      <p15:sldGuideLst xmlns:p15="http://schemas.microsoft.com/office/powerpoint/2012/main">
+      <p15:sldGuideLst xmlns:p15="http://schemas.microsoft.com/office/powerpoint/2012/main" xmlns="">
         <p15:guide id="1" orient="horz" pos="2160">
           <p15:clr>
             <a:srgbClr val="A4A3A4"/>
@@ -223,7 +223,7 @@
           </a:lstStyle>
           <a:p>
             <a:fld id="{0B14D75D-3A88-044C-B530-B9A2A8B351DB}" type="datetimeFigureOut">
-              <a:t>12/11/2014</a:t>
+              <a:t>11/12/2014</a:t>
             </a:fld>
             <a:endParaRPr kumimoji="1" lang="ja-JP" altLang="en-US"/>
           </a:p>
@@ -763,7 +763,7 @@
                 <a:ea typeface="ＭＳ Ｐゴシック"/>
               </a:rPr>
               <a:pPr/>
-              <a:t>2014/12/11</a:t>
+              <a:t>11/12/2014</a:t>
             </a:fld>
             <a:endParaRPr lang="ja-JP" altLang="en-US">
               <a:solidFill>
@@ -1007,7 +1007,7 @@
                 <a:ea typeface="ＭＳ Ｐゴシック"/>
               </a:rPr>
               <a:pPr/>
-              <a:t>2014/12/11</a:t>
+              <a:t>11/12/2014</a:t>
             </a:fld>
             <a:endParaRPr lang="ja-JP" altLang="en-US">
               <a:solidFill>
@@ -1261,7 +1261,7 @@
                 <a:ea typeface="ＭＳ Ｐゴシック"/>
               </a:rPr>
               <a:pPr/>
-              <a:t>2014/12/11</a:t>
+              <a:t>11/12/2014</a:t>
             </a:fld>
             <a:endParaRPr lang="ja-JP" altLang="en-US">
               <a:solidFill>
@@ -1398,7 +1398,7 @@
                 <a:ea typeface="ＭＳ Ｐゴシック"/>
               </a:rPr>
               <a:pPr/>
-              <a:t>2014/12/11</a:t>
+              <a:t>11/12/2014</a:t>
             </a:fld>
             <a:endParaRPr lang="ja-JP" altLang="en-US">
               <a:solidFill>
@@ -1507,12 +1507,12 @@
           <a:effectLst/>
           <a:extLst>
             <a:ext uri="{909E8E84-426E-40dd-AFC4-6F175D3DCCD1}">
-              <a14:hiddenFill xmlns:a14="http://schemas.microsoft.com/office/drawing/2010/main" xmlns="">
+              <a14:hiddenFill xmlns:a14="http://schemas.microsoft.com/office/drawing/2010/main">
                 <a:noFill/>
               </a14:hiddenFill>
             </a:ext>
             <a:ext uri="{AF507438-7753-43e0-B8FC-AC1667EBCBE1}">
-              <a14:hiddenEffects xmlns:a14="http://schemas.microsoft.com/office/drawing/2010/main" xmlns="">
+              <a14:hiddenEffects xmlns:a14="http://schemas.microsoft.com/office/drawing/2010/main">
                 <a:effectLst>
                   <a:outerShdw blurRad="63500" dist="38099" dir="2700000" algn="ctr" rotWithShape="0">
                     <a:schemeClr val="bg2">
@@ -1566,12 +1566,12 @@
           <a:effectLst/>
           <a:extLst>
             <a:ext uri="{909E8E84-426E-40dd-AFC4-6F175D3DCCD1}">
-              <a14:hiddenFill xmlns:a14="http://schemas.microsoft.com/office/drawing/2010/main" xmlns="">
+              <a14:hiddenFill xmlns:a14="http://schemas.microsoft.com/office/drawing/2010/main">
                 <a:noFill/>
               </a14:hiddenFill>
             </a:ext>
             <a:ext uri="{AF507438-7753-43e0-B8FC-AC1667EBCBE1}">
-              <a14:hiddenEffects xmlns:a14="http://schemas.microsoft.com/office/drawing/2010/main" xmlns="">
+              <a14:hiddenEffects xmlns:a14="http://schemas.microsoft.com/office/drawing/2010/main">
                 <a:effectLst>
                   <a:outerShdw blurRad="63500" dist="38099" dir="2700000" algn="ctr" rotWithShape="0">
                     <a:schemeClr val="bg2">
@@ -1629,7 +1629,7 @@
           <a:effectLst/>
           <a:extLst>
             <a:ext uri="{AF507438-7753-43e0-B8FC-AC1667EBCBE1}">
-              <a14:hiddenEffects xmlns:a14="http://schemas.microsoft.com/office/drawing/2010/main" xmlns="">
+              <a14:hiddenEffects xmlns:a14="http://schemas.microsoft.com/office/drawing/2010/main">
                 <a:effectLst>
                   <a:outerShdw blurRad="63500" dist="38099" dir="2700000" algn="ctr" rotWithShape="0">
                     <a:schemeClr val="bg2">
@@ -1685,7 +1685,7 @@
           <a:effectLst/>
           <a:extLst>
             <a:ext uri="{AF507438-7753-43e0-B8FC-AC1667EBCBE1}">
-              <a14:hiddenEffects xmlns:a14="http://schemas.microsoft.com/office/drawing/2010/main" xmlns="">
+              <a14:hiddenEffects xmlns:a14="http://schemas.microsoft.com/office/drawing/2010/main">
                 <a:effectLst>
                   <a:outerShdw blurRad="63500" dist="38099" dir="2700000" algn="ctr" rotWithShape="0">
                     <a:schemeClr val="bg2">
@@ -1738,14 +1738,14 @@
           <a:effectLst/>
           <a:extLst>
             <a:ext uri="{909E8E84-426E-40dd-AFC4-6F175D3DCCD1}">
-              <a14:hiddenFill xmlns:a14="http://schemas.microsoft.com/office/drawing/2010/main" xmlns="">
+              <a14:hiddenFill xmlns:a14="http://schemas.microsoft.com/office/drawing/2010/main">
                 <a:solidFill>
                   <a:schemeClr val="accent1"/>
                 </a:solidFill>
               </a14:hiddenFill>
             </a:ext>
             <a:ext uri="{91240B29-F687-4f45-9708-019B960494DF}">
-              <a14:hiddenLine xmlns:a14="http://schemas.microsoft.com/office/drawing/2010/main" xmlns="" w="9525">
+              <a14:hiddenLine xmlns:a14="http://schemas.microsoft.com/office/drawing/2010/main" w="9525">
                 <a:solidFill>
                   <a:schemeClr val="tx1"/>
                 </a:solidFill>
@@ -1755,7 +1755,7 @@
               </a14:hiddenLine>
             </a:ext>
             <a:ext uri="{AF507438-7753-43e0-B8FC-AC1667EBCBE1}">
-              <a14:hiddenEffects xmlns:a14="http://schemas.microsoft.com/office/drawing/2010/main" xmlns="">
+              <a14:hiddenEffects xmlns:a14="http://schemas.microsoft.com/office/drawing/2010/main">
                 <a:effectLst>
                   <a:outerShdw blurRad="63500" dist="38099" dir="2700000" algn="ctr" rotWithShape="0">
                     <a:schemeClr val="bg2">
@@ -1766,7 +1766,7 @@
               </a14:hiddenEffects>
             </a:ext>
             <a:ext uri="{FAA26D3D-D897-4be2-8F04-BA451C77F1D7}">
-              <ma14:placeholderFlag xmlns:ma14="http://schemas.microsoft.com/office/mac/drawingml/2011/main" xmlns="" val="1"/>
+              <ma14:placeholderFlag xmlns:ma14="http://schemas.microsoft.com/office/mac/drawingml/2011/main" val="1"/>
             </a:ext>
           </a:extLst>
         </p:spPr>
@@ -1918,7 +1918,7 @@
           <a:noFill/>
           <a:extLst>
             <a:ext uri="{909E8E84-426E-40dd-AFC4-6F175D3DCCD1}">
-              <a14:hiddenFill xmlns:a14="http://schemas.microsoft.com/office/drawing/2010/main" xmlns="">
+              <a14:hiddenFill xmlns:a14="http://schemas.microsoft.com/office/drawing/2010/main">
                 <a:solidFill>
                   <a:srgbClr val="FFFFFF"/>
                 </a:solidFill>
@@ -1950,14 +1950,14 @@
           <a:effectLst/>
           <a:extLst>
             <a:ext uri="{909E8E84-426E-40dd-AFC4-6F175D3DCCD1}">
-              <a14:hiddenFill xmlns:a14="http://schemas.microsoft.com/office/drawing/2010/main" xmlns="">
+              <a14:hiddenFill xmlns:a14="http://schemas.microsoft.com/office/drawing/2010/main">
                 <a:solidFill>
                   <a:schemeClr val="accent1"/>
                 </a:solidFill>
               </a14:hiddenFill>
             </a:ext>
             <a:ext uri="{91240B29-F687-4f45-9708-019B960494DF}">
-              <a14:hiddenLine xmlns:a14="http://schemas.microsoft.com/office/drawing/2010/main" xmlns="" w="9525">
+              <a14:hiddenLine xmlns:a14="http://schemas.microsoft.com/office/drawing/2010/main" w="9525">
                 <a:solidFill>
                   <a:schemeClr val="tx1"/>
                 </a:solidFill>
@@ -1967,7 +1967,7 @@
               </a14:hiddenLine>
             </a:ext>
             <a:ext uri="{AF507438-7753-43e0-B8FC-AC1667EBCBE1}">
-              <a14:hiddenEffects xmlns:a14="http://schemas.microsoft.com/office/drawing/2010/main" xmlns="">
+              <a14:hiddenEffects xmlns:a14="http://schemas.microsoft.com/office/drawing/2010/main">
                 <a:effectLst>
                   <a:outerShdw blurRad="63500" dist="38099" dir="2700000" algn="ctr" rotWithShape="0">
                     <a:schemeClr val="bg2">
@@ -2069,7 +2069,7 @@
                 <a:ea typeface="ＭＳ Ｐゴシック"/>
               </a:rPr>
               <a:pPr/>
-              <a:t>2014/12/11</a:t>
+              <a:t>11/12/2014</a:t>
             </a:fld>
             <a:endParaRPr lang="ja-JP" altLang="en-US">
               <a:solidFill>
@@ -2178,12 +2178,12 @@
           <a:effectLst/>
           <a:extLst>
             <a:ext uri="{909E8E84-426E-40dd-AFC4-6F175D3DCCD1}">
-              <a14:hiddenFill xmlns:a14="http://schemas.microsoft.com/office/drawing/2010/main" xmlns="">
+              <a14:hiddenFill xmlns:a14="http://schemas.microsoft.com/office/drawing/2010/main">
                 <a:noFill/>
               </a14:hiddenFill>
             </a:ext>
             <a:ext uri="{AF507438-7753-43e0-B8FC-AC1667EBCBE1}">
-              <a14:hiddenEffects xmlns:a14="http://schemas.microsoft.com/office/drawing/2010/main" xmlns="">
+              <a14:hiddenEffects xmlns:a14="http://schemas.microsoft.com/office/drawing/2010/main">
                 <a:effectLst>
                   <a:outerShdw blurRad="63500" dist="38099" dir="2700000" algn="ctr" rotWithShape="0">
                     <a:schemeClr val="bg2">
@@ -2237,12 +2237,12 @@
           <a:effectLst/>
           <a:extLst>
             <a:ext uri="{909E8E84-426E-40dd-AFC4-6F175D3DCCD1}">
-              <a14:hiddenFill xmlns:a14="http://schemas.microsoft.com/office/drawing/2010/main" xmlns="">
+              <a14:hiddenFill xmlns:a14="http://schemas.microsoft.com/office/drawing/2010/main">
                 <a:noFill/>
               </a14:hiddenFill>
             </a:ext>
             <a:ext uri="{AF507438-7753-43e0-B8FC-AC1667EBCBE1}">
-              <a14:hiddenEffects xmlns:a14="http://schemas.microsoft.com/office/drawing/2010/main" xmlns="">
+              <a14:hiddenEffects xmlns:a14="http://schemas.microsoft.com/office/drawing/2010/main">
                 <a:effectLst>
                   <a:outerShdw blurRad="63500" dist="38099" dir="2700000" algn="ctr" rotWithShape="0">
                     <a:schemeClr val="bg2">
@@ -2300,7 +2300,7 @@
           <a:effectLst/>
           <a:extLst>
             <a:ext uri="{AF507438-7753-43e0-B8FC-AC1667EBCBE1}">
-              <a14:hiddenEffects xmlns:a14="http://schemas.microsoft.com/office/drawing/2010/main" xmlns="">
+              <a14:hiddenEffects xmlns:a14="http://schemas.microsoft.com/office/drawing/2010/main">
                 <a:effectLst>
                   <a:outerShdw blurRad="63500" dist="38099" dir="2700000" algn="ctr" rotWithShape="0">
                     <a:schemeClr val="bg2">
@@ -2356,7 +2356,7 @@
           <a:effectLst/>
           <a:extLst>
             <a:ext uri="{AF507438-7753-43e0-B8FC-AC1667EBCBE1}">
-              <a14:hiddenEffects xmlns:a14="http://schemas.microsoft.com/office/drawing/2010/main" xmlns="">
+              <a14:hiddenEffects xmlns:a14="http://schemas.microsoft.com/office/drawing/2010/main">
                 <a:effectLst>
                   <a:outerShdw blurRad="63500" dist="38099" dir="2700000" algn="ctr" rotWithShape="0">
                     <a:schemeClr val="bg2">
@@ -2409,14 +2409,14 @@
           <a:effectLst/>
           <a:extLst>
             <a:ext uri="{909E8E84-426E-40dd-AFC4-6F175D3DCCD1}">
-              <a14:hiddenFill xmlns:a14="http://schemas.microsoft.com/office/drawing/2010/main" xmlns="">
+              <a14:hiddenFill xmlns:a14="http://schemas.microsoft.com/office/drawing/2010/main">
                 <a:solidFill>
                   <a:schemeClr val="accent1"/>
                 </a:solidFill>
               </a14:hiddenFill>
             </a:ext>
             <a:ext uri="{91240B29-F687-4f45-9708-019B960494DF}">
-              <a14:hiddenLine xmlns:a14="http://schemas.microsoft.com/office/drawing/2010/main" xmlns="" w="9525">
+              <a14:hiddenLine xmlns:a14="http://schemas.microsoft.com/office/drawing/2010/main" w="9525">
                 <a:solidFill>
                   <a:schemeClr val="tx1"/>
                 </a:solidFill>
@@ -2426,7 +2426,7 @@
               </a14:hiddenLine>
             </a:ext>
             <a:ext uri="{AF507438-7753-43e0-B8FC-AC1667EBCBE1}">
-              <a14:hiddenEffects xmlns:a14="http://schemas.microsoft.com/office/drawing/2010/main" xmlns="">
+              <a14:hiddenEffects xmlns:a14="http://schemas.microsoft.com/office/drawing/2010/main">
                 <a:effectLst>
                   <a:outerShdw blurRad="63500" dist="38099" dir="2700000" algn="ctr" rotWithShape="0">
                     <a:schemeClr val="bg2">
@@ -2437,7 +2437,7 @@
               </a14:hiddenEffects>
             </a:ext>
             <a:ext uri="{FAA26D3D-D897-4be2-8F04-BA451C77F1D7}">
-              <ma14:placeholderFlag xmlns:ma14="http://schemas.microsoft.com/office/mac/drawingml/2011/main" xmlns="" val="1"/>
+              <ma14:placeholderFlag xmlns:ma14="http://schemas.microsoft.com/office/mac/drawingml/2011/main" val="1"/>
             </a:ext>
           </a:extLst>
         </p:spPr>
@@ -2589,7 +2589,7 @@
           <a:noFill/>
           <a:extLst>
             <a:ext uri="{909E8E84-426E-40dd-AFC4-6F175D3DCCD1}">
-              <a14:hiddenFill xmlns:a14="http://schemas.microsoft.com/office/drawing/2010/main" xmlns="">
+              <a14:hiddenFill xmlns:a14="http://schemas.microsoft.com/office/drawing/2010/main">
                 <a:solidFill>
                   <a:srgbClr val="FFFFFF"/>
                 </a:solidFill>
@@ -2621,14 +2621,14 @@
           <a:effectLst/>
           <a:extLst>
             <a:ext uri="{909E8E84-426E-40dd-AFC4-6F175D3DCCD1}">
-              <a14:hiddenFill xmlns:a14="http://schemas.microsoft.com/office/drawing/2010/main" xmlns="">
+              <a14:hiddenFill xmlns:a14="http://schemas.microsoft.com/office/drawing/2010/main">
                 <a:solidFill>
                   <a:schemeClr val="accent1"/>
                 </a:solidFill>
               </a14:hiddenFill>
             </a:ext>
             <a:ext uri="{91240B29-F687-4f45-9708-019B960494DF}">
-              <a14:hiddenLine xmlns:a14="http://schemas.microsoft.com/office/drawing/2010/main" xmlns="" w="9525">
+              <a14:hiddenLine xmlns:a14="http://schemas.microsoft.com/office/drawing/2010/main" w="9525">
                 <a:solidFill>
                   <a:schemeClr val="tx1"/>
                 </a:solidFill>
@@ -2638,7 +2638,7 @@
               </a14:hiddenLine>
             </a:ext>
             <a:ext uri="{AF507438-7753-43e0-B8FC-AC1667EBCBE1}">
-              <a14:hiddenEffects xmlns:a14="http://schemas.microsoft.com/office/drawing/2010/main" xmlns="">
+              <a14:hiddenEffects xmlns:a14="http://schemas.microsoft.com/office/drawing/2010/main">
                 <a:effectLst>
                   <a:outerShdw blurRad="63500" dist="38099" dir="2700000" algn="ctr" rotWithShape="0">
                     <a:schemeClr val="bg2">
@@ -2740,7 +2740,7 @@
                 <a:ea typeface="ＭＳ Ｐゴシック"/>
               </a:rPr>
               <a:pPr/>
-              <a:t>2014/12/11</a:t>
+              <a:t>11/12/2014</a:t>
             </a:fld>
             <a:endParaRPr lang="ja-JP" altLang="en-US">
               <a:solidFill>
@@ -2849,12 +2849,12 @@
           <a:effectLst/>
           <a:extLst>
             <a:ext uri="{909E8E84-426E-40dd-AFC4-6F175D3DCCD1}">
-              <a14:hiddenFill xmlns:a14="http://schemas.microsoft.com/office/drawing/2010/main" xmlns="">
+              <a14:hiddenFill xmlns:a14="http://schemas.microsoft.com/office/drawing/2010/main">
                 <a:noFill/>
               </a14:hiddenFill>
             </a:ext>
             <a:ext uri="{AF507438-7753-43e0-B8FC-AC1667EBCBE1}">
-              <a14:hiddenEffects xmlns:a14="http://schemas.microsoft.com/office/drawing/2010/main" xmlns="">
+              <a14:hiddenEffects xmlns:a14="http://schemas.microsoft.com/office/drawing/2010/main">
                 <a:effectLst>
                   <a:outerShdw blurRad="63500" dist="38099" dir="2700000" algn="ctr" rotWithShape="0">
                     <a:schemeClr val="bg2">
@@ -2908,12 +2908,12 @@
           <a:effectLst/>
           <a:extLst>
             <a:ext uri="{909E8E84-426E-40dd-AFC4-6F175D3DCCD1}">
-              <a14:hiddenFill xmlns:a14="http://schemas.microsoft.com/office/drawing/2010/main" xmlns="">
+              <a14:hiddenFill xmlns:a14="http://schemas.microsoft.com/office/drawing/2010/main">
                 <a:noFill/>
               </a14:hiddenFill>
             </a:ext>
             <a:ext uri="{AF507438-7753-43e0-B8FC-AC1667EBCBE1}">
-              <a14:hiddenEffects xmlns:a14="http://schemas.microsoft.com/office/drawing/2010/main" xmlns="">
+              <a14:hiddenEffects xmlns:a14="http://schemas.microsoft.com/office/drawing/2010/main">
                 <a:effectLst>
                   <a:outerShdw blurRad="63500" dist="38099" dir="2700000" algn="ctr" rotWithShape="0">
                     <a:schemeClr val="bg2">
@@ -2971,7 +2971,7 @@
           <a:effectLst/>
           <a:extLst>
             <a:ext uri="{AF507438-7753-43e0-B8FC-AC1667EBCBE1}">
-              <a14:hiddenEffects xmlns:a14="http://schemas.microsoft.com/office/drawing/2010/main" xmlns="">
+              <a14:hiddenEffects xmlns:a14="http://schemas.microsoft.com/office/drawing/2010/main">
                 <a:effectLst>
                   <a:outerShdw blurRad="63500" dist="38099" dir="2700000" algn="ctr" rotWithShape="0">
                     <a:schemeClr val="bg2">
@@ -3027,7 +3027,7 @@
           <a:effectLst/>
           <a:extLst>
             <a:ext uri="{AF507438-7753-43e0-B8FC-AC1667EBCBE1}">
-              <a14:hiddenEffects xmlns:a14="http://schemas.microsoft.com/office/drawing/2010/main" xmlns="">
+              <a14:hiddenEffects xmlns:a14="http://schemas.microsoft.com/office/drawing/2010/main">
                 <a:effectLst>
                   <a:outerShdw blurRad="63500" dist="38099" dir="2700000" algn="ctr" rotWithShape="0">
                     <a:schemeClr val="bg2">
@@ -3080,14 +3080,14 @@
           <a:effectLst/>
           <a:extLst>
             <a:ext uri="{909E8E84-426E-40dd-AFC4-6F175D3DCCD1}">
-              <a14:hiddenFill xmlns:a14="http://schemas.microsoft.com/office/drawing/2010/main" xmlns="">
+              <a14:hiddenFill xmlns:a14="http://schemas.microsoft.com/office/drawing/2010/main">
                 <a:solidFill>
                   <a:schemeClr val="accent1"/>
                 </a:solidFill>
               </a14:hiddenFill>
             </a:ext>
             <a:ext uri="{91240B29-F687-4f45-9708-019B960494DF}">
-              <a14:hiddenLine xmlns:a14="http://schemas.microsoft.com/office/drawing/2010/main" xmlns="" w="9525">
+              <a14:hiddenLine xmlns:a14="http://schemas.microsoft.com/office/drawing/2010/main" w="9525">
                 <a:solidFill>
                   <a:schemeClr val="tx1"/>
                 </a:solidFill>
@@ -3097,7 +3097,7 @@
               </a14:hiddenLine>
             </a:ext>
             <a:ext uri="{AF507438-7753-43e0-B8FC-AC1667EBCBE1}">
-              <a14:hiddenEffects xmlns:a14="http://schemas.microsoft.com/office/drawing/2010/main" xmlns="">
+              <a14:hiddenEffects xmlns:a14="http://schemas.microsoft.com/office/drawing/2010/main">
                 <a:effectLst>
                   <a:outerShdw blurRad="63500" dist="38099" dir="2700000" algn="ctr" rotWithShape="0">
                     <a:schemeClr val="bg2">
@@ -3108,7 +3108,7 @@
               </a14:hiddenEffects>
             </a:ext>
             <a:ext uri="{FAA26D3D-D897-4be2-8F04-BA451C77F1D7}">
-              <ma14:placeholderFlag xmlns:ma14="http://schemas.microsoft.com/office/mac/drawingml/2011/main" xmlns="" val="1"/>
+              <ma14:placeholderFlag xmlns:ma14="http://schemas.microsoft.com/office/mac/drawingml/2011/main" val="1"/>
             </a:ext>
           </a:extLst>
         </p:spPr>
@@ -3260,7 +3260,7 @@
           <a:noFill/>
           <a:extLst>
             <a:ext uri="{909E8E84-426E-40dd-AFC4-6F175D3DCCD1}">
-              <a14:hiddenFill xmlns:a14="http://schemas.microsoft.com/office/drawing/2010/main" xmlns="">
+              <a14:hiddenFill xmlns:a14="http://schemas.microsoft.com/office/drawing/2010/main">
                 <a:solidFill>
                   <a:srgbClr val="FFFFFF"/>
                 </a:solidFill>
@@ -3292,14 +3292,14 @@
           <a:effectLst/>
           <a:extLst>
             <a:ext uri="{909E8E84-426E-40dd-AFC4-6F175D3DCCD1}">
-              <a14:hiddenFill xmlns:a14="http://schemas.microsoft.com/office/drawing/2010/main" xmlns="">
+              <a14:hiddenFill xmlns:a14="http://schemas.microsoft.com/office/drawing/2010/main">
                 <a:solidFill>
                   <a:schemeClr val="accent1"/>
                 </a:solidFill>
               </a14:hiddenFill>
             </a:ext>
             <a:ext uri="{91240B29-F687-4f45-9708-019B960494DF}">
-              <a14:hiddenLine xmlns:a14="http://schemas.microsoft.com/office/drawing/2010/main" xmlns="" w="9525">
+              <a14:hiddenLine xmlns:a14="http://schemas.microsoft.com/office/drawing/2010/main" w="9525">
                 <a:solidFill>
                   <a:schemeClr val="tx1"/>
                 </a:solidFill>
@@ -3309,7 +3309,7 @@
               </a14:hiddenLine>
             </a:ext>
             <a:ext uri="{AF507438-7753-43e0-B8FC-AC1667EBCBE1}">
-              <a14:hiddenEffects xmlns:a14="http://schemas.microsoft.com/office/drawing/2010/main" xmlns="">
+              <a14:hiddenEffects xmlns:a14="http://schemas.microsoft.com/office/drawing/2010/main">
                 <a:effectLst>
                   <a:outerShdw blurRad="63500" dist="38099" dir="2700000" algn="ctr" rotWithShape="0">
                     <a:schemeClr val="bg2">
@@ -3518,7 +3518,7 @@
                 <a:ea typeface="ＭＳ Ｐゴシック"/>
               </a:rPr>
               <a:pPr/>
-              <a:t>2014/12/11</a:t>
+              <a:t>11/12/2014</a:t>
             </a:fld>
             <a:endParaRPr lang="ja-JP" altLang="en-US">
               <a:solidFill>
@@ -3626,7 +3626,7 @@
           <a:effectLst/>
           <a:extLst>
             <a:ext uri="{91240B29-F687-4f45-9708-019B960494DF}">
-              <a14:hiddenLine xmlns:a14="http://schemas.microsoft.com/office/drawing/2010/main" xmlns="" w="9525">
+              <a14:hiddenLine xmlns:a14="http://schemas.microsoft.com/office/drawing/2010/main" w="9525">
                 <a:solidFill>
                   <a:schemeClr val="tx1"/>
                 </a:solidFill>
@@ -3636,7 +3636,7 @@
               </a14:hiddenLine>
             </a:ext>
             <a:ext uri="{AF507438-7753-43e0-B8FC-AC1667EBCBE1}">
-              <a14:hiddenEffects xmlns:a14="http://schemas.microsoft.com/office/drawing/2010/main" xmlns="">
+              <a14:hiddenEffects xmlns:a14="http://schemas.microsoft.com/office/drawing/2010/main">
                 <a:effectLst>
                   <a:outerShdw blurRad="63500" dist="38099" dir="2700000" algn="ctr" rotWithShape="0">
                     <a:schemeClr val="bg2">
@@ -3692,7 +3692,7 @@
           <a:effectLst/>
           <a:extLst>
             <a:ext uri="{AF507438-7753-43e0-B8FC-AC1667EBCBE1}">
-              <a14:hiddenEffects xmlns:a14="http://schemas.microsoft.com/office/drawing/2010/main" xmlns="">
+              <a14:hiddenEffects xmlns:a14="http://schemas.microsoft.com/office/drawing/2010/main">
                 <a:effectLst>
                   <a:outerShdw blurRad="63500" dist="38099" dir="2700000" algn="ctr" rotWithShape="0">
                     <a:schemeClr val="bg2">
@@ -3745,14 +3745,14 @@
           <a:effectLst/>
           <a:extLst>
             <a:ext uri="{909E8E84-426E-40dd-AFC4-6F175D3DCCD1}">
-              <a14:hiddenFill xmlns:a14="http://schemas.microsoft.com/office/drawing/2010/main" xmlns="">
+              <a14:hiddenFill xmlns:a14="http://schemas.microsoft.com/office/drawing/2010/main">
                 <a:solidFill>
                   <a:schemeClr val="accent1"/>
                 </a:solidFill>
               </a14:hiddenFill>
             </a:ext>
             <a:ext uri="{91240B29-F687-4f45-9708-019B960494DF}">
-              <a14:hiddenLine xmlns:a14="http://schemas.microsoft.com/office/drawing/2010/main" xmlns="" w="9525">
+              <a14:hiddenLine xmlns:a14="http://schemas.microsoft.com/office/drawing/2010/main" w="9525">
                 <a:solidFill>
                   <a:schemeClr val="tx1"/>
                 </a:solidFill>
@@ -3762,7 +3762,7 @@
               </a14:hiddenLine>
             </a:ext>
             <a:ext uri="{AF507438-7753-43e0-B8FC-AC1667EBCBE1}">
-              <a14:hiddenEffects xmlns:a14="http://schemas.microsoft.com/office/drawing/2010/main" xmlns="">
+              <a14:hiddenEffects xmlns:a14="http://schemas.microsoft.com/office/drawing/2010/main">
                 <a:effectLst>
                   <a:outerShdw blurRad="63500" dist="38099" dir="2700000" algn="ctr" rotWithShape="0">
                     <a:schemeClr val="bg2">
@@ -3840,7 +3840,7 @@
           <a:noFill/>
           <a:extLst>
             <a:ext uri="{909E8E84-426E-40dd-AFC4-6F175D3DCCD1}">
-              <a14:hiddenFill xmlns:a14="http://schemas.microsoft.com/office/drawing/2010/main" xmlns="">
+              <a14:hiddenFill xmlns:a14="http://schemas.microsoft.com/office/drawing/2010/main">
                 <a:solidFill>
                   <a:srgbClr val="FFFFFF"/>
                 </a:solidFill>
@@ -4056,7 +4056,7 @@
                 <a:ea typeface="ＭＳ Ｐゴシック"/>
               </a:rPr>
               <a:pPr/>
-              <a:t>2014/12/11</a:t>
+              <a:t>11/12/2014</a:t>
             </a:fld>
             <a:endParaRPr lang="ja-JP" altLang="en-US">
               <a:solidFill>
@@ -4450,7 +4450,7 @@
                 <a:ea typeface="ＭＳ Ｐゴシック"/>
               </a:rPr>
               <a:pPr/>
-              <a:t>2014/12/11</a:t>
+              <a:t>11/12/2014</a:t>
             </a:fld>
             <a:endParaRPr lang="ja-JP" altLang="en-US">
               <a:solidFill>
@@ -4559,12 +4559,12 @@
           <a:effectLst/>
           <a:extLst>
             <a:ext uri="{909E8E84-426E-40dd-AFC4-6F175D3DCCD1}">
-              <a14:hiddenFill xmlns:a14="http://schemas.microsoft.com/office/drawing/2010/main" xmlns="">
+              <a14:hiddenFill xmlns:a14="http://schemas.microsoft.com/office/drawing/2010/main">
                 <a:noFill/>
               </a14:hiddenFill>
             </a:ext>
             <a:ext uri="{AF507438-7753-43e0-B8FC-AC1667EBCBE1}">
-              <a14:hiddenEffects xmlns:a14="http://schemas.microsoft.com/office/drawing/2010/main" xmlns="">
+              <a14:hiddenEffects xmlns:a14="http://schemas.microsoft.com/office/drawing/2010/main">
                 <a:effectLst>
                   <a:outerShdw blurRad="63500" dist="38099" dir="2700000" algn="ctr" rotWithShape="0">
                     <a:schemeClr val="bg2">
@@ -4618,12 +4618,12 @@
           <a:effectLst/>
           <a:extLst>
             <a:ext uri="{909E8E84-426E-40dd-AFC4-6F175D3DCCD1}">
-              <a14:hiddenFill xmlns:a14="http://schemas.microsoft.com/office/drawing/2010/main" xmlns="">
+              <a14:hiddenFill xmlns:a14="http://schemas.microsoft.com/office/drawing/2010/main">
                 <a:noFill/>
               </a14:hiddenFill>
             </a:ext>
             <a:ext uri="{AF507438-7753-43e0-B8FC-AC1667EBCBE1}">
-              <a14:hiddenEffects xmlns:a14="http://schemas.microsoft.com/office/drawing/2010/main" xmlns="">
+              <a14:hiddenEffects xmlns:a14="http://schemas.microsoft.com/office/drawing/2010/main">
                 <a:effectLst>
                   <a:outerShdw blurRad="63500" dist="38099" dir="2700000" algn="ctr" rotWithShape="0">
                     <a:schemeClr val="bg2">
@@ -4681,7 +4681,7 @@
           <a:effectLst/>
           <a:extLst>
             <a:ext uri="{AF507438-7753-43e0-B8FC-AC1667EBCBE1}">
-              <a14:hiddenEffects xmlns:a14="http://schemas.microsoft.com/office/drawing/2010/main" xmlns="">
+              <a14:hiddenEffects xmlns:a14="http://schemas.microsoft.com/office/drawing/2010/main">
                 <a:effectLst>
                   <a:outerShdw blurRad="63500" dist="38099" dir="2700000" algn="ctr" rotWithShape="0">
                     <a:schemeClr val="bg2">
@@ -4737,7 +4737,7 @@
           <a:effectLst/>
           <a:extLst>
             <a:ext uri="{AF507438-7753-43e0-B8FC-AC1667EBCBE1}">
-              <a14:hiddenEffects xmlns:a14="http://schemas.microsoft.com/office/drawing/2010/main" xmlns="">
+              <a14:hiddenEffects xmlns:a14="http://schemas.microsoft.com/office/drawing/2010/main">
                 <a:effectLst>
                   <a:outerShdw blurRad="63500" dist="38099" dir="2700000" algn="ctr" rotWithShape="0">
                     <a:schemeClr val="bg2">
@@ -4799,7 +4799,7 @@
           <a:noFill/>
           <a:extLst>
             <a:ext uri="{909E8E84-426E-40dd-AFC4-6F175D3DCCD1}">
-              <a14:hiddenFill xmlns:a14="http://schemas.microsoft.com/office/drawing/2010/main" xmlns="">
+              <a14:hiddenFill xmlns:a14="http://schemas.microsoft.com/office/drawing/2010/main">
                 <a:solidFill>
                   <a:srgbClr val="FFFFFF"/>
                 </a:solidFill>
@@ -4831,14 +4831,14 @@
           <a:effectLst/>
           <a:extLst>
             <a:ext uri="{909E8E84-426E-40dd-AFC4-6F175D3DCCD1}">
-              <a14:hiddenFill xmlns:a14="http://schemas.microsoft.com/office/drawing/2010/main" xmlns="">
+              <a14:hiddenFill xmlns:a14="http://schemas.microsoft.com/office/drawing/2010/main">
                 <a:solidFill>
                   <a:schemeClr val="accent1"/>
                 </a:solidFill>
               </a14:hiddenFill>
             </a:ext>
             <a:ext uri="{91240B29-F687-4f45-9708-019B960494DF}">
-              <a14:hiddenLine xmlns:a14="http://schemas.microsoft.com/office/drawing/2010/main" xmlns="" w="9525">
+              <a14:hiddenLine xmlns:a14="http://schemas.microsoft.com/office/drawing/2010/main" w="9525">
                 <a:solidFill>
                   <a:schemeClr val="tx1"/>
                 </a:solidFill>
@@ -4848,7 +4848,7 @@
               </a14:hiddenLine>
             </a:ext>
             <a:ext uri="{AF507438-7753-43e0-B8FC-AC1667EBCBE1}">
-              <a14:hiddenEffects xmlns:a14="http://schemas.microsoft.com/office/drawing/2010/main" xmlns="">
+              <a14:hiddenEffects xmlns:a14="http://schemas.microsoft.com/office/drawing/2010/main">
                 <a:effectLst>
                   <a:outerShdw blurRad="63500" dist="38099" dir="2700000" algn="ctr" rotWithShape="0">
                     <a:schemeClr val="bg2">
@@ -5341,7 +5341,7 @@
                 <a:ea typeface="ＭＳ Ｐゴシック"/>
               </a:rPr>
               <a:pPr/>
-              <a:t>2014/12/11</a:t>
+              <a:t>11/12/2014</a:t>
             </a:fld>
             <a:endParaRPr lang="ja-JP" altLang="en-US">
               <a:solidFill>
@@ -5501,7 +5501,7 @@
                 <a:ea typeface="ＭＳ Ｐゴシック"/>
               </a:rPr>
               <a:pPr/>
-              <a:t>2014/12/11</a:t>
+              <a:t>11/12/2014</a:t>
             </a:fld>
             <a:endParaRPr lang="ja-JP" altLang="en-US">
               <a:solidFill>
@@ -5638,7 +5638,7 @@
                 <a:ea typeface="ＭＳ Ｐゴシック"/>
               </a:rPr>
               <a:pPr/>
-              <a:t>2014/12/11</a:t>
+              <a:t>11/12/2014</a:t>
             </a:fld>
             <a:endParaRPr lang="ja-JP" altLang="en-US">
               <a:solidFill>
@@ -5989,7 +5989,7 @@
                 <a:ea typeface="ＭＳ Ｐゴシック"/>
               </a:rPr>
               <a:pPr/>
-              <a:t>2014/12/11</a:t>
+              <a:t>11/12/2014</a:t>
             </a:fld>
             <a:endParaRPr lang="ja-JP" altLang="en-US">
               <a:solidFill>
@@ -6284,7 +6284,7 @@
                 <a:ea typeface="ＭＳ Ｐゴシック"/>
               </a:rPr>
               <a:pPr/>
-              <a:t>2014/12/11</a:t>
+              <a:t>11/12/2014</a:t>
             </a:fld>
             <a:endParaRPr lang="ja-JP" altLang="en-US">
               <a:solidFill>
@@ -6571,7 +6571,7 @@
                 <a:ea typeface="ＭＳ Ｐゴシック"/>
               </a:rPr>
               <a:pPr/>
-              <a:t>2014/12/11</a:t>
+              <a:t>11/12/2014</a:t>
             </a:fld>
             <a:endParaRPr kumimoji="1" lang="ja-JP" altLang="en-US">
               <a:solidFill>
@@ -14362,7 +14362,7 @@
   <p:timing>
     <p:tnLst>
       <p:par>
-        <p:cTn id="1" dur="indefinite" restart="never" nodeType="tmRoot"/>
+        <p:cTn xmlns:p14="http://schemas.microsoft.com/office/powerpoint/2010/main" id="1" dur="indefinite" restart="never" nodeType="tmRoot"/>
       </p:par>
     </p:tnLst>
   </p:timing>
@@ -14455,7 +14455,7 @@
         <p:spPr>
           <a:xfrm>
             <a:off x="387048" y="753533"/>
-            <a:ext cx="3967238" cy="4334933"/>
+            <a:ext cx="3967238" cy="5706534"/>
           </a:xfrm>
           <a:prstGeom prst="rect">
             <a:avLst/>
@@ -14854,14 +14854,14 @@
           <p:nvPr>
             <p:extLst>
               <p:ext uri="{D42A27DB-BD31-4B8C-83A1-F6EECF244321}">
-                <p14:modId xmlns:p14="http://schemas.microsoft.com/office/powerpoint/2010/main" val="2158570970"/>
+                <p14:modId xmlns:p14="http://schemas.microsoft.com/office/powerpoint/2010/main" val="3913063964"/>
               </p:ext>
             </p:extLst>
           </p:nvPr>
         </p:nvGraphicFramePr>
         <p:xfrm>
           <a:off x="4478866" y="758611"/>
-          <a:ext cx="4461935" cy="4332619"/>
+          <a:ext cx="4461935" cy="4728859"/>
         </p:xfrm>
         <a:graphic>
           <a:graphicData uri="http://schemas.openxmlformats.org/drawingml/2006/table">
@@ -15879,6 +15879,73 @@
                   <a:tcPr/>
                 </a:tc>
               </a:tr>
+              <a:tr h="281539">
+                <a:tc>
+                  <a:txBody>
+                    <a:bodyPr/>
+                    <a:lstStyle/>
+                    <a:p>
+                      <a:r>
+                        <a:rPr kumimoji="1" lang="en-US" altLang="ja-JP" sz="1000"/>
+                        <a:t>15</a:t>
+                      </a:r>
+                      <a:endParaRPr kumimoji="1" lang="ja-JP" altLang="en-US" sz="1000"/>
+                    </a:p>
+                  </a:txBody>
+                  <a:tcPr/>
+                </a:tc>
+                <a:tc>
+                  <a:txBody>
+                    <a:bodyPr/>
+                    <a:lstStyle/>
+                    <a:p>
+                      <a:r>
+                        <a:rPr kumimoji="1" lang="en-US" altLang="ja-JP" sz="1000"/>
+                        <a:t>Preview Post</a:t>
+                      </a:r>
+                      <a:endParaRPr kumimoji="1" lang="ja-JP" altLang="en-US" sz="1000"/>
+                    </a:p>
+                  </a:txBody>
+                  <a:tcPr/>
+                </a:tc>
+                <a:tc>
+                  <a:txBody>
+                    <a:bodyPr/>
+                    <a:lstStyle/>
+                    <a:p>
+                      <a:endParaRPr kumimoji="1" lang="ja-JP" altLang="en-US" sz="1000"/>
+                    </a:p>
+                  </a:txBody>
+                  <a:tcPr/>
+                </a:tc>
+                <a:tc>
+                  <a:txBody>
+                    <a:bodyPr/>
+                    <a:lstStyle/>
+                    <a:p>
+                      <a:r>
+                        <a:rPr kumimoji="1" lang="en-US" altLang="ja-JP" sz="1000"/>
+                        <a:t>Click =&gt;&gt; appear after form add</a:t>
+                      </a:r>
+                      <a:endParaRPr kumimoji="1" lang="ja-JP" altLang="en-US" sz="1000"/>
+                    </a:p>
+                  </a:txBody>
+                  <a:tcPr/>
+                </a:tc>
+                <a:tc>
+                  <a:txBody>
+                    <a:bodyPr/>
+                    <a:lstStyle/>
+                    <a:p>
+                      <a:endParaRPr kumimoji="1" lang="ja-JP" altLang="en-US" sz="1000">
+                        <a:latin typeface="Calibri"/>
+                        <a:cs typeface="Calibri"/>
+                      </a:endParaRPr>
+                    </a:p>
+                  </a:txBody>
+                  <a:tcPr/>
+                </a:tc>
+              </a:tr>
             </a:tbl>
           </a:graphicData>
         </a:graphic>
@@ -16615,7 +16682,7 @@
         </p:nvSpPr>
         <p:spPr>
           <a:xfrm>
-            <a:off x="2650224" y="4693226"/>
+            <a:off x="2058075" y="4454230"/>
             <a:ext cx="392430" cy="246221"/>
           </a:xfrm>
           <a:prstGeom prst="rect">
@@ -17105,6 +17172,226 @@
               <a:t>Reset</a:t>
             </a:r>
             <a:endParaRPr kumimoji="1" lang="ja-JP" altLang="en-US" sz="1000"/>
+          </a:p>
+        </p:txBody>
+      </p:sp>
+      <p:sp>
+        <p:nvSpPr>
+          <p:cNvPr id="44" name="Rectangle 43"/>
+          <p:cNvSpPr/>
+          <p:nvPr/>
+        </p:nvSpPr>
+        <p:spPr>
+          <a:xfrm>
+            <a:off x="2631978" y="4700451"/>
+            <a:ext cx="664392" cy="209383"/>
+          </a:xfrm>
+          <a:prstGeom prst="rect">
+            <a:avLst/>
+          </a:prstGeom>
+        </p:spPr>
+        <p:style>
+          <a:lnRef idx="1">
+            <a:schemeClr val="accent1"/>
+          </a:lnRef>
+          <a:fillRef idx="3">
+            <a:schemeClr val="accent1"/>
+          </a:fillRef>
+          <a:effectRef idx="2">
+            <a:schemeClr val="accent1"/>
+          </a:effectRef>
+          <a:fontRef idx="minor">
+            <a:schemeClr val="lt1"/>
+          </a:fontRef>
+        </p:style>
+        <p:txBody>
+          <a:bodyPr rtlCol="0" anchor="ctr"/>
+          <a:lstStyle/>
+          <a:p>
+            <a:pPr algn="ctr"/>
+            <a:r>
+              <a:rPr kumimoji="1" lang="en-US" altLang="ja-JP" sz="1000"/>
+              <a:t>Preview</a:t>
+            </a:r>
+            <a:endParaRPr kumimoji="1" lang="ja-JP" altLang="en-US" sz="1000"/>
+          </a:p>
+        </p:txBody>
+      </p:sp>
+      <p:cxnSp>
+        <p:nvCxnSpPr>
+          <p:cNvPr id="45" name="Straight Connector 44"/>
+          <p:cNvCxnSpPr/>
+          <p:nvPr/>
+        </p:nvCxnSpPr>
+        <p:spPr>
+          <a:xfrm flipV="1">
+            <a:off x="482597" y="5063067"/>
+            <a:ext cx="3781874" cy="25400"/>
+          </a:xfrm>
+          <a:prstGeom prst="line">
+            <a:avLst/>
+          </a:prstGeom>
+          <a:ln w="3175" cmpd="sng">
+            <a:solidFill>
+              <a:schemeClr val="bg1">
+                <a:lumMod val="65000"/>
+              </a:schemeClr>
+            </a:solidFill>
+          </a:ln>
+          <a:effectLst/>
+        </p:spPr>
+        <p:style>
+          <a:lnRef idx="2">
+            <a:schemeClr val="accent1"/>
+          </a:lnRef>
+          <a:fillRef idx="0">
+            <a:schemeClr val="accent1"/>
+          </a:fillRef>
+          <a:effectRef idx="1">
+            <a:schemeClr val="accent1"/>
+          </a:effectRef>
+          <a:fontRef idx="minor">
+            <a:schemeClr val="tx1"/>
+          </a:fontRef>
+        </p:style>
+      </p:cxnSp>
+      <p:sp>
+        <p:nvSpPr>
+          <p:cNvPr id="46" name="TextBox 45"/>
+          <p:cNvSpPr txBox="1"/>
+          <p:nvPr/>
+        </p:nvSpPr>
+        <p:spPr>
+          <a:xfrm>
+            <a:off x="477876" y="5126548"/>
+            <a:ext cx="607859" cy="246221"/>
+          </a:xfrm>
+          <a:prstGeom prst="rect">
+            <a:avLst/>
+          </a:prstGeom>
+          <a:noFill/>
+        </p:spPr>
+        <p:txBody>
+          <a:bodyPr wrap="none" rtlCol="0">
+            <a:spAutoFit/>
+          </a:bodyPr>
+          <a:lstStyle/>
+          <a:p>
+            <a:r>
+              <a:rPr kumimoji="1" lang="en-US" altLang="ja-JP" sz="1000" u="sng"/>
+              <a:t>Preview</a:t>
+            </a:r>
+            <a:endParaRPr kumimoji="1" lang="ja-JP" altLang="en-US" sz="1000" u="sng"/>
+          </a:p>
+        </p:txBody>
+      </p:sp>
+      <p:sp>
+        <p:nvSpPr>
+          <p:cNvPr id="47" name="TextBox 46"/>
+          <p:cNvSpPr txBox="1"/>
+          <p:nvPr/>
+        </p:nvSpPr>
+        <p:spPr>
+          <a:xfrm>
+            <a:off x="481130" y="5372769"/>
+            <a:ext cx="3039534" cy="1169551"/>
+          </a:xfrm>
+          <a:prstGeom prst="rect">
+            <a:avLst/>
+          </a:prstGeom>
+          <a:noFill/>
+        </p:spPr>
+        <p:txBody>
+          <a:bodyPr wrap="square" rtlCol="0">
+            <a:spAutoFit/>
+          </a:bodyPr>
+          <a:lstStyle/>
+          <a:p>
+            <a:r>
+              <a:rPr kumimoji="1" lang="en-US" altLang="ja-JP" sz="1000">
+                <a:solidFill>
+                  <a:schemeClr val="tx2">
+                    <a:lumMod val="60000"/>
+                    <a:lumOff val="40000"/>
+                  </a:schemeClr>
+                </a:solidFill>
+              </a:rPr>
+              <a:t>Blog 1</a:t>
+            </a:r>
+          </a:p>
+          <a:p>
+            <a:r>
+              <a:rPr kumimoji="1" lang="en-US" altLang="ja-JP" sz="1000" i="1">
+                <a:solidFill>
+                  <a:schemeClr val="bg1">
+                    <a:lumMod val="75000"/>
+                  </a:schemeClr>
+                </a:solidFill>
+              </a:rPr>
+              <a:t>11/12/2014 15:20:00</a:t>
+            </a:r>
+          </a:p>
+          <a:p>
+            <a:endParaRPr kumimoji="1" lang="en-US" altLang="ja-JP" sz="1000"/>
+          </a:p>
+          <a:p>
+            <a:r>
+              <a:rPr kumimoji="1" lang="en-US" altLang="ja-JP" sz="1000" dirty="0"/>
+              <a:t>Lorem Ipsum is simply dummy text of the printing and typesetting industry. Lorem Ipsum has been the</a:t>
+            </a:r>
+            <a:endParaRPr kumimoji="1" lang="ja-JP" altLang="en-US" sz="1000" dirty="0"/>
+          </a:p>
+          <a:p>
+            <a:endParaRPr kumimoji="1" lang="en-US" altLang="ja-JP" sz="1000"/>
+          </a:p>
+          <a:p>
+            <a:endParaRPr kumimoji="1" lang="ja-JP" altLang="en-US" sz="1000"/>
+          </a:p>
+        </p:txBody>
+      </p:sp>
+      <p:sp>
+        <p:nvSpPr>
+          <p:cNvPr id="48" name="TextBox 47"/>
+          <p:cNvSpPr txBox="1"/>
+          <p:nvPr/>
+        </p:nvSpPr>
+        <p:spPr>
+          <a:xfrm>
+            <a:off x="3440350" y="4665978"/>
+            <a:ext cx="392430" cy="246221"/>
+          </a:xfrm>
+          <a:prstGeom prst="rect">
+            <a:avLst/>
+          </a:prstGeom>
+          <a:noFill/>
+        </p:spPr>
+        <p:txBody>
+          <a:bodyPr wrap="none" rtlCol="0">
+            <a:spAutoFit/>
+          </a:bodyPr>
+          <a:lstStyle/>
+          <a:p>
+            <a:r>
+              <a:rPr kumimoji="1" lang="en-US" altLang="ja-JP" sz="1000" dirty="0">
+                <a:solidFill>
+                  <a:srgbClr val="FF0000"/>
+                </a:solidFill>
+              </a:rPr>
+              <a:t>(</a:t>
+            </a:r>
+            <a:r>
+              <a:rPr kumimoji="1" lang="en-US" altLang="ja-JP" sz="1000" dirty="0" smtClean="0">
+                <a:solidFill>
+                  <a:srgbClr val="FF0000"/>
+                </a:solidFill>
+              </a:rPr>
+              <a:t>15)</a:t>
+            </a:r>
+            <a:endParaRPr kumimoji="1" lang="ja-JP" altLang="en-US" sz="1000" dirty="0">
+              <a:solidFill>
+                <a:srgbClr val="FF0000"/>
+              </a:solidFill>
+            </a:endParaRPr>
           </a:p>
         </p:txBody>
       </p:sp>
@@ -17121,7 +17408,7 @@
   <p:timing>
     <p:tnLst>
       <p:par>
-        <p:cTn id="1" dur="indefinite" restart="never" nodeType="tmRoot"/>
+        <p:cTn xmlns:p14="http://schemas.microsoft.com/office/powerpoint/2010/main" id="1" dur="indefinite" restart="never" nodeType="tmRoot"/>
       </p:par>
     </p:tnLst>
   </p:timing>
@@ -17214,7 +17501,7 @@
         <p:spPr>
           <a:xfrm>
             <a:off x="387048" y="753533"/>
-            <a:ext cx="3967238" cy="4334933"/>
+            <a:ext cx="3967238" cy="5799667"/>
           </a:xfrm>
           <a:prstGeom prst="rect">
             <a:avLst/>
@@ -17613,14 +17900,14 @@
           <p:nvPr>
             <p:extLst>
               <p:ext uri="{D42A27DB-BD31-4B8C-83A1-F6EECF244321}">
-                <p14:modId xmlns:p14="http://schemas.microsoft.com/office/powerpoint/2010/main" val="3530571507"/>
+                <p14:modId xmlns:p14="http://schemas.microsoft.com/office/powerpoint/2010/main" val="4059335815"/>
               </p:ext>
             </p:extLst>
           </p:nvPr>
         </p:nvGraphicFramePr>
         <p:xfrm>
           <a:off x="4478866" y="758611"/>
-          <a:ext cx="4461935" cy="4614158"/>
+          <a:ext cx="4461935" cy="5010398"/>
         </p:xfrm>
         <a:graphic>
           <a:graphicData uri="http://schemas.openxmlformats.org/drawingml/2006/table">
@@ -18705,6 +18992,73 @@
                   <a:tcPr/>
                 </a:tc>
               </a:tr>
+              <a:tr h="281539">
+                <a:tc>
+                  <a:txBody>
+                    <a:bodyPr/>
+                    <a:lstStyle/>
+                    <a:p>
+                      <a:r>
+                        <a:rPr kumimoji="1" lang="en-US" altLang="ja-JP" sz="1000"/>
+                        <a:t>16</a:t>
+                      </a:r>
+                      <a:endParaRPr kumimoji="1" lang="ja-JP" altLang="en-US" sz="1000"/>
+                    </a:p>
+                  </a:txBody>
+                  <a:tcPr/>
+                </a:tc>
+                <a:tc>
+                  <a:txBody>
+                    <a:bodyPr/>
+                    <a:lstStyle/>
+                    <a:p>
+                      <a:r>
+                        <a:rPr kumimoji="1" lang="en-US" altLang="ja-JP" sz="1000"/>
+                        <a:t>Preview Post</a:t>
+                      </a:r>
+                      <a:endParaRPr kumimoji="1" lang="ja-JP" altLang="en-US" sz="1000"/>
+                    </a:p>
+                  </a:txBody>
+                  <a:tcPr/>
+                </a:tc>
+                <a:tc>
+                  <a:txBody>
+                    <a:bodyPr/>
+                    <a:lstStyle/>
+                    <a:p>
+                      <a:endParaRPr kumimoji="1" lang="ja-JP" altLang="en-US" sz="1000"/>
+                    </a:p>
+                  </a:txBody>
+                  <a:tcPr/>
+                </a:tc>
+                <a:tc>
+                  <a:txBody>
+                    <a:bodyPr/>
+                    <a:lstStyle/>
+                    <a:p>
+                      <a:r>
+                        <a:rPr kumimoji="1" lang="en-US" altLang="ja-JP" sz="1000"/>
+                        <a:t>Click =&gt;&gt; appear after form edit</a:t>
+                      </a:r>
+                      <a:endParaRPr kumimoji="1" lang="ja-JP" altLang="en-US" sz="1000"/>
+                    </a:p>
+                  </a:txBody>
+                  <a:tcPr/>
+                </a:tc>
+                <a:tc>
+                  <a:txBody>
+                    <a:bodyPr/>
+                    <a:lstStyle/>
+                    <a:p>
+                      <a:endParaRPr kumimoji="1" lang="ja-JP" altLang="en-US" sz="1000">
+                        <a:latin typeface="Calibri"/>
+                        <a:cs typeface="Calibri"/>
+                      </a:endParaRPr>
+                    </a:p>
+                  </a:txBody>
+                  <a:tcPr/>
+                </a:tc>
+              </a:tr>
             </a:tbl>
           </a:graphicData>
         </a:graphic>
@@ -19447,7 +19801,7 @@
         </p:nvSpPr>
         <p:spPr>
           <a:xfrm>
-            <a:off x="2650224" y="4693226"/>
+            <a:off x="2216785" y="4456923"/>
             <a:ext cx="392430" cy="246221"/>
           </a:xfrm>
           <a:prstGeom prst="rect">
@@ -20022,6 +20376,226 @@
               <a:t>(9)</a:t>
             </a:r>
             <a:endParaRPr kumimoji="1" lang="ja-JP" altLang="en-US" sz="1000">
+              <a:solidFill>
+                <a:srgbClr val="FF0000"/>
+              </a:solidFill>
+            </a:endParaRPr>
+          </a:p>
+        </p:txBody>
+      </p:sp>
+      <p:sp>
+        <p:nvSpPr>
+          <p:cNvPr id="47" name="Rectangle 46"/>
+          <p:cNvSpPr/>
+          <p:nvPr/>
+        </p:nvSpPr>
+        <p:spPr>
+          <a:xfrm>
+            <a:off x="2722275" y="4700451"/>
+            <a:ext cx="664392" cy="209383"/>
+          </a:xfrm>
+          <a:prstGeom prst="rect">
+            <a:avLst/>
+          </a:prstGeom>
+        </p:spPr>
+        <p:style>
+          <a:lnRef idx="1">
+            <a:schemeClr val="accent1"/>
+          </a:lnRef>
+          <a:fillRef idx="3">
+            <a:schemeClr val="accent1"/>
+          </a:fillRef>
+          <a:effectRef idx="2">
+            <a:schemeClr val="accent1"/>
+          </a:effectRef>
+          <a:fontRef idx="minor">
+            <a:schemeClr val="lt1"/>
+          </a:fontRef>
+        </p:style>
+        <p:txBody>
+          <a:bodyPr rtlCol="0" anchor="ctr"/>
+          <a:lstStyle/>
+          <a:p>
+            <a:pPr algn="ctr"/>
+            <a:r>
+              <a:rPr kumimoji="1" lang="en-US" altLang="ja-JP" sz="1000"/>
+              <a:t>Preview</a:t>
+            </a:r>
+            <a:endParaRPr kumimoji="1" lang="ja-JP" altLang="en-US" sz="1000"/>
+          </a:p>
+        </p:txBody>
+      </p:sp>
+      <p:cxnSp>
+        <p:nvCxnSpPr>
+          <p:cNvPr id="11" name="Straight Connector 10"/>
+          <p:cNvCxnSpPr/>
+          <p:nvPr/>
+        </p:nvCxnSpPr>
+        <p:spPr>
+          <a:xfrm flipV="1">
+            <a:off x="482597" y="5063067"/>
+            <a:ext cx="3781874" cy="25400"/>
+          </a:xfrm>
+          <a:prstGeom prst="line">
+            <a:avLst/>
+          </a:prstGeom>
+          <a:ln w="3175" cmpd="sng">
+            <a:solidFill>
+              <a:schemeClr val="bg1">
+                <a:lumMod val="65000"/>
+              </a:schemeClr>
+            </a:solidFill>
+          </a:ln>
+          <a:effectLst/>
+        </p:spPr>
+        <p:style>
+          <a:lnRef idx="2">
+            <a:schemeClr val="accent1"/>
+          </a:lnRef>
+          <a:fillRef idx="0">
+            <a:schemeClr val="accent1"/>
+          </a:fillRef>
+          <a:effectRef idx="1">
+            <a:schemeClr val="accent1"/>
+          </a:effectRef>
+          <a:fontRef idx="minor">
+            <a:schemeClr val="tx1"/>
+          </a:fontRef>
+        </p:style>
+      </p:cxnSp>
+      <p:sp>
+        <p:nvSpPr>
+          <p:cNvPr id="12" name="TextBox 11"/>
+          <p:cNvSpPr txBox="1"/>
+          <p:nvPr/>
+        </p:nvSpPr>
+        <p:spPr>
+          <a:xfrm>
+            <a:off x="477876" y="5126548"/>
+            <a:ext cx="607859" cy="246221"/>
+          </a:xfrm>
+          <a:prstGeom prst="rect">
+            <a:avLst/>
+          </a:prstGeom>
+          <a:noFill/>
+        </p:spPr>
+        <p:txBody>
+          <a:bodyPr wrap="none" rtlCol="0">
+            <a:spAutoFit/>
+          </a:bodyPr>
+          <a:lstStyle/>
+          <a:p>
+            <a:r>
+              <a:rPr kumimoji="1" lang="en-US" altLang="ja-JP" sz="1000" u="sng"/>
+              <a:t>Preview</a:t>
+            </a:r>
+            <a:endParaRPr kumimoji="1" lang="ja-JP" altLang="en-US" sz="1000" u="sng"/>
+          </a:p>
+        </p:txBody>
+      </p:sp>
+      <p:sp>
+        <p:nvSpPr>
+          <p:cNvPr id="16" name="TextBox 15"/>
+          <p:cNvSpPr txBox="1"/>
+          <p:nvPr/>
+        </p:nvSpPr>
+        <p:spPr>
+          <a:xfrm>
+            <a:off x="481130" y="5372769"/>
+            <a:ext cx="3039534" cy="1169551"/>
+          </a:xfrm>
+          <a:prstGeom prst="rect">
+            <a:avLst/>
+          </a:prstGeom>
+          <a:noFill/>
+        </p:spPr>
+        <p:txBody>
+          <a:bodyPr wrap="square" rtlCol="0">
+            <a:spAutoFit/>
+          </a:bodyPr>
+          <a:lstStyle/>
+          <a:p>
+            <a:r>
+              <a:rPr kumimoji="1" lang="en-US" altLang="ja-JP" sz="1000">
+                <a:solidFill>
+                  <a:schemeClr val="tx2">
+                    <a:lumMod val="60000"/>
+                    <a:lumOff val="40000"/>
+                  </a:schemeClr>
+                </a:solidFill>
+              </a:rPr>
+              <a:t>Blog 1</a:t>
+            </a:r>
+          </a:p>
+          <a:p>
+            <a:r>
+              <a:rPr kumimoji="1" lang="en-US" altLang="ja-JP" sz="1000" i="1">
+                <a:solidFill>
+                  <a:schemeClr val="bg1">
+                    <a:lumMod val="75000"/>
+                  </a:schemeClr>
+                </a:solidFill>
+              </a:rPr>
+              <a:t>11/12/2014 15:20:00</a:t>
+            </a:r>
+          </a:p>
+          <a:p>
+            <a:endParaRPr kumimoji="1" lang="en-US" altLang="ja-JP" sz="1000"/>
+          </a:p>
+          <a:p>
+            <a:r>
+              <a:rPr kumimoji="1" lang="en-US" altLang="ja-JP" sz="1000" dirty="0"/>
+              <a:t>Lorem Ipsum is simply dummy text of the printing and typesetting industry. Lorem Ipsum has been the</a:t>
+            </a:r>
+            <a:endParaRPr kumimoji="1" lang="ja-JP" altLang="en-US" sz="1000" dirty="0"/>
+          </a:p>
+          <a:p>
+            <a:endParaRPr kumimoji="1" lang="en-US" altLang="ja-JP" sz="1000"/>
+          </a:p>
+          <a:p>
+            <a:endParaRPr kumimoji="1" lang="ja-JP" altLang="en-US" sz="1000"/>
+          </a:p>
+        </p:txBody>
+      </p:sp>
+      <p:sp>
+        <p:nvSpPr>
+          <p:cNvPr id="51" name="TextBox 50"/>
+          <p:cNvSpPr txBox="1"/>
+          <p:nvPr/>
+        </p:nvSpPr>
+        <p:spPr>
+          <a:xfrm>
+            <a:off x="3533599" y="4667069"/>
+            <a:ext cx="392430" cy="246221"/>
+          </a:xfrm>
+          <a:prstGeom prst="rect">
+            <a:avLst/>
+          </a:prstGeom>
+          <a:noFill/>
+        </p:spPr>
+        <p:txBody>
+          <a:bodyPr wrap="none" rtlCol="0">
+            <a:spAutoFit/>
+          </a:bodyPr>
+          <a:lstStyle/>
+          <a:p>
+            <a:r>
+              <a:rPr kumimoji="1" lang="en-US" altLang="ja-JP" sz="1000" dirty="0">
+                <a:solidFill>
+                  <a:srgbClr val="FF0000"/>
+                </a:solidFill>
+              </a:rPr>
+              <a:t>(</a:t>
+            </a:r>
+            <a:r>
+              <a:rPr kumimoji="1" lang="en-US" altLang="ja-JP" sz="1000" dirty="0" smtClean="0">
+                <a:solidFill>
+                  <a:srgbClr val="FF0000"/>
+                </a:solidFill>
+              </a:rPr>
+              <a:t>16)</a:t>
+            </a:r>
+            <a:endParaRPr kumimoji="1" lang="ja-JP" altLang="en-US" sz="1000" dirty="0">
               <a:solidFill>
                 <a:srgbClr val="FF0000"/>
               </a:solidFill>
@@ -20042,7 +20616,7 @@
   <p:timing>
     <p:tnLst>
       <p:par>
-        <p:cTn id="1" dur="indefinite" restart="never" nodeType="tmRoot"/>
+        <p:cTn xmlns:p14="http://schemas.microsoft.com/office/powerpoint/2010/main" id="1" dur="indefinite" restart="never" nodeType="tmRoot"/>
       </p:par>
     </p:tnLst>
   </p:timing>
@@ -23637,7 +24211,7 @@
   <p:timing>
     <p:tnLst>
       <p:par>
-        <p:cTn id="1" dur="indefinite" restart="never" nodeType="tmRoot"/>
+        <p:cTn xmlns:p14="http://schemas.microsoft.com/office/powerpoint/2010/main" id="1" dur="indefinite" restart="never" nodeType="tmRoot"/>
       </p:par>
     </p:tnLst>
   </p:timing>
@@ -35494,7 +36068,7 @@
   <p:timing>
     <p:tnLst>
       <p:par>
-        <p:cTn id="1" dur="indefinite" restart="never" nodeType="tmRoot"/>
+        <p:cTn xmlns:p14="http://schemas.microsoft.com/office/powerpoint/2010/main" id="1" dur="indefinite" restart="never" nodeType="tmRoot"/>
       </p:par>
     </p:tnLst>
   </p:timing>
@@ -37731,7 +38305,7 @@
   <p:timing>
     <p:tnLst>
       <p:par>
-        <p:cTn id="1" dur="indefinite" restart="never" nodeType="tmRoot"/>
+        <p:cTn xmlns:p14="http://schemas.microsoft.com/office/powerpoint/2010/main" id="1" dur="indefinite" restart="never" nodeType="tmRoot"/>
       </p:par>
     </p:tnLst>
   </p:timing>
@@ -39183,7 +39757,7 @@
   <p:timing>
     <p:tnLst>
       <p:par>
-        <p:cTn id="1" dur="indefinite" restart="never" nodeType="tmRoot"/>
+        <p:cTn xmlns:p14="http://schemas.microsoft.com/office/powerpoint/2010/main" id="1" dur="indefinite" restart="never" nodeType="tmRoot"/>
       </p:par>
     </p:tnLst>
   </p:timing>
@@ -40507,7 +41081,7 @@
   <p:timing>
     <p:tnLst>
       <p:par>
-        <p:cTn id="1" dur="indefinite" restart="never" nodeType="tmRoot"/>
+        <p:cTn xmlns:p14="http://schemas.microsoft.com/office/powerpoint/2010/main" id="1" dur="indefinite" restart="never" nodeType="tmRoot"/>
       </p:par>
     </p:tnLst>
   </p:timing>
@@ -44775,7 +45349,7 @@
   <p:timing>
     <p:tnLst>
       <p:par>
-        <p:cTn id="1" dur="indefinite" restart="never" nodeType="tmRoot"/>
+        <p:cTn xmlns:p14="http://schemas.microsoft.com/office/powerpoint/2010/main" id="1" dur="indefinite" restart="never" nodeType="tmRoot"/>
       </p:par>
     </p:tnLst>
   </p:timing>
@@ -49388,7 +49962,7 @@
   <p:timing>
     <p:tnLst>
       <p:par>
-        <p:cTn id="1" dur="indefinite" restart="never" nodeType="tmRoot"/>
+        <p:cTn xmlns:p14="http://schemas.microsoft.com/office/powerpoint/2010/main" id="1" dur="indefinite" restart="never" nodeType="tmRoot"/>
       </p:par>
     </p:tnLst>
   </p:timing>
@@ -52962,7 +53536,7 @@
   <p:timing>
     <p:tnLst>
       <p:par>
-        <p:cTn id="1" dur="indefinite" restart="never" nodeType="tmRoot"/>
+        <p:cTn xmlns:p14="http://schemas.microsoft.com/office/powerpoint/2010/main" id="1" dur="indefinite" restart="never" nodeType="tmRoot"/>
       </p:par>
     </p:tnLst>
   </p:timing>
@@ -52977,7 +53551,7 @@
         <a:sysClr val="windowText" lastClr="000000"/>
       </a:dk1>
       <a:lt1>
-        <a:sysClr val="window" lastClr="FEFEFE"/>
+        <a:sysClr val="window" lastClr="FFFFFF"/>
       </a:lt1>
       <a:dk2>
         <a:srgbClr val="1F497D"/>
@@ -53297,7 +53871,7 @@
         <a:sysClr val="windowText" lastClr="000000"/>
       </a:dk1>
       <a:lt1>
-        <a:sysClr val="window" lastClr="FEFEFE"/>
+        <a:sysClr val="window" lastClr="FFFFFF"/>
       </a:lt1>
       <a:dk2>
         <a:srgbClr val="1F497D"/>

--- a/php/tam-v.anh/doc/detail_design/frontend/wireframe/MiniBlog_Wireframe_Ver_0.1.0.pptx
+++ b/php/tam-v.anh/doc/detail_design/frontend/wireframe/MiniBlog_Wireframe_Ver_0.1.0.pptx
@@ -223,7 +223,7 @@
           </a:lstStyle>
           <a:p>
             <a:fld id="{0B14D75D-3A88-044C-B530-B9A2A8B351DB}" type="datetimeFigureOut">
-              <a:t>11/12/2014</a:t>
+              <a:t>17/12/2014</a:t>
             </a:fld>
             <a:endParaRPr kumimoji="1" lang="ja-JP" altLang="en-US"/>
           </a:p>
@@ -763,7 +763,7 @@
                 <a:ea typeface="ＭＳ Ｐゴシック"/>
               </a:rPr>
               <a:pPr/>
-              <a:t>11/12/2014</a:t>
+              <a:t>17/12/2014</a:t>
             </a:fld>
             <a:endParaRPr lang="ja-JP" altLang="en-US">
               <a:solidFill>
@@ -1007,7 +1007,7 @@
                 <a:ea typeface="ＭＳ Ｐゴシック"/>
               </a:rPr>
               <a:pPr/>
-              <a:t>11/12/2014</a:t>
+              <a:t>17/12/2014</a:t>
             </a:fld>
             <a:endParaRPr lang="ja-JP" altLang="en-US">
               <a:solidFill>
@@ -1261,7 +1261,7 @@
                 <a:ea typeface="ＭＳ Ｐゴシック"/>
               </a:rPr>
               <a:pPr/>
-              <a:t>11/12/2014</a:t>
+              <a:t>17/12/2014</a:t>
             </a:fld>
             <a:endParaRPr lang="ja-JP" altLang="en-US">
               <a:solidFill>
@@ -1398,7 +1398,7 @@
                 <a:ea typeface="ＭＳ Ｐゴシック"/>
               </a:rPr>
               <a:pPr/>
-              <a:t>11/12/2014</a:t>
+              <a:t>17/12/2014</a:t>
             </a:fld>
             <a:endParaRPr lang="ja-JP" altLang="en-US">
               <a:solidFill>
@@ -2069,7 +2069,7 @@
                 <a:ea typeface="ＭＳ Ｐゴシック"/>
               </a:rPr>
               <a:pPr/>
-              <a:t>11/12/2014</a:t>
+              <a:t>17/12/2014</a:t>
             </a:fld>
             <a:endParaRPr lang="ja-JP" altLang="en-US">
               <a:solidFill>
@@ -2740,7 +2740,7 @@
                 <a:ea typeface="ＭＳ Ｐゴシック"/>
               </a:rPr>
               <a:pPr/>
-              <a:t>11/12/2014</a:t>
+              <a:t>17/12/2014</a:t>
             </a:fld>
             <a:endParaRPr lang="ja-JP" altLang="en-US">
               <a:solidFill>
@@ -3518,7 +3518,7 @@
                 <a:ea typeface="ＭＳ Ｐゴシック"/>
               </a:rPr>
               <a:pPr/>
-              <a:t>11/12/2014</a:t>
+              <a:t>17/12/2014</a:t>
             </a:fld>
             <a:endParaRPr lang="ja-JP" altLang="en-US">
               <a:solidFill>
@@ -4056,7 +4056,7 @@
                 <a:ea typeface="ＭＳ Ｐゴシック"/>
               </a:rPr>
               <a:pPr/>
-              <a:t>11/12/2014</a:t>
+              <a:t>17/12/2014</a:t>
             </a:fld>
             <a:endParaRPr lang="ja-JP" altLang="en-US">
               <a:solidFill>
@@ -4450,7 +4450,7 @@
                 <a:ea typeface="ＭＳ Ｐゴシック"/>
               </a:rPr>
               <a:pPr/>
-              <a:t>11/12/2014</a:t>
+              <a:t>17/12/2014</a:t>
             </a:fld>
             <a:endParaRPr lang="ja-JP" altLang="en-US">
               <a:solidFill>
@@ -5341,7 +5341,7 @@
                 <a:ea typeface="ＭＳ Ｐゴシック"/>
               </a:rPr>
               <a:pPr/>
-              <a:t>11/12/2014</a:t>
+              <a:t>17/12/2014</a:t>
             </a:fld>
             <a:endParaRPr lang="ja-JP" altLang="en-US">
               <a:solidFill>
@@ -5501,7 +5501,7 @@
                 <a:ea typeface="ＭＳ Ｐゴシック"/>
               </a:rPr>
               <a:pPr/>
-              <a:t>11/12/2014</a:t>
+              <a:t>17/12/2014</a:t>
             </a:fld>
             <a:endParaRPr lang="ja-JP" altLang="en-US">
               <a:solidFill>
@@ -5638,7 +5638,7 @@
                 <a:ea typeface="ＭＳ Ｐゴシック"/>
               </a:rPr>
               <a:pPr/>
-              <a:t>11/12/2014</a:t>
+              <a:t>17/12/2014</a:t>
             </a:fld>
             <a:endParaRPr lang="ja-JP" altLang="en-US">
               <a:solidFill>
@@ -5989,7 +5989,7 @@
                 <a:ea typeface="ＭＳ Ｐゴシック"/>
               </a:rPr>
               <a:pPr/>
-              <a:t>11/12/2014</a:t>
+              <a:t>17/12/2014</a:t>
             </a:fld>
             <a:endParaRPr lang="ja-JP" altLang="en-US">
               <a:solidFill>
@@ -6284,7 +6284,7 @@
                 <a:ea typeface="ＭＳ Ｐゴシック"/>
               </a:rPr>
               <a:pPr/>
-              <a:t>11/12/2014</a:t>
+              <a:t>17/12/2014</a:t>
             </a:fld>
             <a:endParaRPr lang="ja-JP" altLang="en-US">
               <a:solidFill>
@@ -6571,7 +6571,7 @@
                 <a:ea typeface="ＭＳ Ｐゴシック"/>
               </a:rPr>
               <a:pPr/>
-              <a:t>11/12/2014</a:t>
+              <a:t>17/12/2014</a:t>
             </a:fld>
             <a:endParaRPr kumimoji="1" lang="ja-JP" altLang="en-US">
               <a:solidFill>
@@ -7279,7 +7279,7 @@
         </p:nvGraphicFramePr>
         <p:xfrm>
           <a:off x="5131965" y="548879"/>
-          <a:ext cx="3868103" cy="4515716"/>
+          <a:ext cx="3868103" cy="4363316"/>
         </p:xfrm>
         <a:graphic>
           <a:graphicData uri="http://schemas.openxmlformats.org/drawingml/2006/table">
@@ -8350,10 +8350,10 @@
         </p:nvGrpSpPr>
         <p:grpSpPr>
           <a:xfrm>
-            <a:off x="262468" y="533133"/>
-            <a:ext cx="4726466" cy="4944800"/>
-            <a:chOff x="384739" y="737671"/>
-            <a:chExt cx="4261881" cy="4164952"/>
+            <a:off x="-69277" y="533133"/>
+            <a:ext cx="5048463" cy="4944801"/>
+            <a:chOff x="235728" y="737671"/>
+            <a:chExt cx="4402388" cy="4164952"/>
           </a:xfrm>
         </p:grpSpPr>
         <p:sp useBgFill="1">
@@ -8365,7 +8365,7 @@
           <p:spPr>
             <a:xfrm>
               <a:off x="387048" y="762000"/>
-              <a:ext cx="4071955" cy="4140623"/>
+              <a:ext cx="4251068" cy="4140623"/>
             </a:xfrm>
             <a:prstGeom prst="rect">
               <a:avLst/>
@@ -8734,51 +8734,13 @@
         </p:sp>
         <p:sp>
           <p:nvSpPr>
-            <p:cNvPr id="16" name="TextBox 15"/>
-            <p:cNvSpPr txBox="1"/>
-            <p:nvPr/>
-          </p:nvSpPr>
-          <p:spPr>
-            <a:xfrm>
-              <a:off x="571436" y="2769247"/>
-              <a:ext cx="327433" cy="246221"/>
-            </a:xfrm>
-            <a:prstGeom prst="rect">
-              <a:avLst/>
-            </a:prstGeom>
-            <a:noFill/>
-          </p:spPr>
-          <p:txBody>
-            <a:bodyPr wrap="none" rtlCol="0">
-              <a:spAutoFit/>
-            </a:bodyPr>
-            <a:lstStyle/>
-            <a:p>
-              <a:r>
-                <a:rPr kumimoji="1" lang="en-US" altLang="ja-JP" sz="1000">
-                  <a:solidFill>
-                    <a:srgbClr val="FF0000"/>
-                  </a:solidFill>
-                </a:rPr>
-                <a:t>(6)</a:t>
-              </a:r>
-              <a:endParaRPr kumimoji="1" lang="ja-JP" altLang="en-US" sz="1000">
-                <a:solidFill>
-                  <a:srgbClr val="FF0000"/>
-                </a:solidFill>
-              </a:endParaRPr>
-            </a:p>
-          </p:txBody>
-        </p:sp>
-        <p:sp>
-          <p:nvSpPr>
             <p:cNvPr id="17" name="TextBox 16"/>
             <p:cNvSpPr txBox="1"/>
             <p:nvPr/>
           </p:nvSpPr>
           <p:spPr>
             <a:xfrm>
-              <a:off x="1528128" y="3044741"/>
+              <a:off x="1241681" y="3183588"/>
               <a:ext cx="279357" cy="196227"/>
             </a:xfrm>
             <a:prstGeom prst="rect">
@@ -8816,7 +8778,7 @@
           </p:nvSpPr>
           <p:spPr>
             <a:xfrm>
-              <a:off x="1983629" y="3108859"/>
+              <a:off x="1549521" y="3219181"/>
               <a:ext cx="279357" cy="196227"/>
             </a:xfrm>
             <a:prstGeom prst="rect">
@@ -8854,7 +8816,7 @@
           </p:nvSpPr>
           <p:spPr>
             <a:xfrm>
-              <a:off x="2828848" y="3117393"/>
+              <a:off x="2165859" y="3213449"/>
               <a:ext cx="279357" cy="196227"/>
             </a:xfrm>
             <a:prstGeom prst="rect">
@@ -8886,217 +8848,13 @@
         </p:sp>
         <p:sp>
           <p:nvSpPr>
-            <p:cNvPr id="20" name="Rectangle 19"/>
-            <p:cNvSpPr/>
-            <p:nvPr/>
-          </p:nvSpPr>
-          <p:spPr>
-            <a:xfrm>
-              <a:off x="618067" y="2491418"/>
-              <a:ext cx="557218" cy="531168"/>
-            </a:xfrm>
-            <a:prstGeom prst="rect">
-              <a:avLst/>
-            </a:prstGeom>
-            <a:ln>
-              <a:solidFill>
-                <a:schemeClr val="tx1"/>
-              </a:solidFill>
-            </a:ln>
-            <a:effectLst/>
-          </p:spPr>
-          <p:style>
-            <a:lnRef idx="1">
-              <a:schemeClr val="accent1"/>
-            </a:lnRef>
-            <a:fillRef idx="3">
-              <a:schemeClr val="accent1"/>
-            </a:fillRef>
-            <a:effectRef idx="2">
-              <a:schemeClr val="accent1"/>
-            </a:effectRef>
-            <a:fontRef idx="minor">
-              <a:schemeClr val="lt1"/>
-            </a:fontRef>
-          </p:style>
-          <p:txBody>
-            <a:bodyPr rtlCol="0" anchor="ctr"/>
-            <a:lstStyle/>
-            <a:p>
-              <a:pPr algn="ctr"/>
-              <a:r>
-                <a:rPr kumimoji="1" lang="en-US" altLang="ja-JP" sz="900" dirty="0" smtClean="0">
-                  <a:solidFill>
-                    <a:schemeClr val="tx1"/>
-                  </a:solidFill>
-                </a:rPr>
-                <a:t>Image</a:t>
-              </a:r>
-              <a:endParaRPr kumimoji="1" lang="ja-JP" altLang="en-US" sz="900" dirty="0">
-                <a:solidFill>
-                  <a:schemeClr val="tx1"/>
-                </a:solidFill>
-              </a:endParaRPr>
-            </a:p>
-          </p:txBody>
-        </p:sp>
-        <p:sp>
-          <p:nvSpPr>
-            <p:cNvPr id="21" name="TextBox 20"/>
-            <p:cNvSpPr txBox="1"/>
-            <p:nvPr/>
-          </p:nvSpPr>
-          <p:spPr>
-            <a:xfrm>
-              <a:off x="1176867" y="2406748"/>
-              <a:ext cx="456110" cy="207389"/>
-            </a:xfrm>
-            <a:prstGeom prst="rect">
-              <a:avLst/>
-            </a:prstGeom>
-            <a:noFill/>
-          </p:spPr>
-          <p:txBody>
-            <a:bodyPr wrap="none" rtlCol="0">
-              <a:spAutoFit/>
-            </a:bodyPr>
-            <a:lstStyle/>
-            <a:p>
-              <a:r>
-                <a:rPr kumimoji="1" lang="en-US" altLang="ja-JP" sz="1000" dirty="0">
-                  <a:solidFill>
-                    <a:srgbClr val="558ED5"/>
-                  </a:solidFill>
-                </a:rPr>
-                <a:t>Blog 1</a:t>
-              </a:r>
-              <a:endParaRPr kumimoji="1" lang="ja-JP" altLang="en-US" sz="1000" dirty="0">
-                <a:solidFill>
-                  <a:srgbClr val="558ED5"/>
-                </a:solidFill>
-              </a:endParaRPr>
-            </a:p>
-          </p:txBody>
-        </p:sp>
-        <p:sp>
-          <p:nvSpPr>
-            <p:cNvPr id="22" name="TextBox 21"/>
-            <p:cNvSpPr txBox="1"/>
-            <p:nvPr/>
-          </p:nvSpPr>
-          <p:spPr>
-            <a:xfrm>
-              <a:off x="1200686" y="2538411"/>
-              <a:ext cx="2096678" cy="215444"/>
-            </a:xfrm>
-            <a:prstGeom prst="rect">
-              <a:avLst/>
-            </a:prstGeom>
-            <a:noFill/>
-          </p:spPr>
-          <p:txBody>
-            <a:bodyPr wrap="none" rtlCol="0">
-              <a:spAutoFit/>
-            </a:bodyPr>
-            <a:lstStyle/>
-            <a:p>
-              <a:r>
-                <a:rPr kumimoji="1" lang="en-US" altLang="ja-JP" sz="800" i="1" dirty="0">
-                  <a:solidFill>
-                    <a:schemeClr val="bg1">
-                      <a:lumMod val="65000"/>
-                    </a:schemeClr>
-                  </a:solidFill>
-                </a:rPr>
-                <a:t>Date: 08/12/2015 12:40 | Author: Tam Pham</a:t>
-              </a:r>
-              <a:endParaRPr kumimoji="1" lang="ja-JP" altLang="en-US" sz="800" i="1" dirty="0">
-                <a:solidFill>
-                  <a:schemeClr val="bg1">
-                    <a:lumMod val="65000"/>
-                  </a:schemeClr>
-                </a:solidFill>
-              </a:endParaRPr>
-            </a:p>
-          </p:txBody>
-        </p:sp>
-        <p:sp>
-          <p:nvSpPr>
-            <p:cNvPr id="23" name="TextBox 22"/>
-            <p:cNvSpPr txBox="1"/>
-            <p:nvPr/>
-          </p:nvSpPr>
-          <p:spPr>
-            <a:xfrm>
-              <a:off x="1196434" y="2686119"/>
-              <a:ext cx="3445934" cy="400110"/>
-            </a:xfrm>
-            <a:prstGeom prst="rect">
-              <a:avLst/>
-            </a:prstGeom>
-            <a:noFill/>
-          </p:spPr>
-          <p:txBody>
-            <a:bodyPr wrap="square" rtlCol="0">
-              <a:spAutoFit/>
-            </a:bodyPr>
-            <a:lstStyle/>
-            <a:p>
-              <a:r>
-                <a:rPr kumimoji="1" lang="en-US" altLang="ja-JP" sz="1000" dirty="0"/>
-                <a:t>Lorem Ipsum is simply dummy text of the printing and typesetting industry. Lorem Ipsum has been the</a:t>
-              </a:r>
-              <a:endParaRPr kumimoji="1" lang="ja-JP" altLang="en-US" sz="1000" dirty="0"/>
-            </a:p>
-          </p:txBody>
-        </p:sp>
-        <p:sp>
-          <p:nvSpPr>
-            <p:cNvPr id="24" name="TextBox 23"/>
-            <p:cNvSpPr txBox="1"/>
-            <p:nvPr/>
-          </p:nvSpPr>
-          <p:spPr>
-            <a:xfrm>
-              <a:off x="1181119" y="3052362"/>
-              <a:ext cx="456110" cy="207389"/>
-            </a:xfrm>
-            <a:prstGeom prst="rect">
-              <a:avLst/>
-            </a:prstGeom>
-            <a:noFill/>
-          </p:spPr>
-          <p:txBody>
-            <a:bodyPr wrap="none" rtlCol="0">
-              <a:spAutoFit/>
-            </a:bodyPr>
-            <a:lstStyle/>
-            <a:p>
-              <a:r>
-                <a:rPr kumimoji="1" lang="en-US" altLang="ja-JP" sz="1000" dirty="0">
-                  <a:solidFill>
-                    <a:srgbClr val="558ED5"/>
-                  </a:solidFill>
-                </a:rPr>
-                <a:t>Blog 1</a:t>
-              </a:r>
-              <a:endParaRPr kumimoji="1" lang="ja-JP" altLang="en-US" sz="1000" dirty="0">
-                <a:solidFill>
-                  <a:srgbClr val="558ED5"/>
-                </a:solidFill>
-              </a:endParaRPr>
-            </a:p>
-          </p:txBody>
-        </p:sp>
-        <p:sp>
-          <p:nvSpPr>
             <p:cNvPr id="25" name="TextBox 24"/>
             <p:cNvSpPr txBox="1"/>
             <p:nvPr/>
           </p:nvSpPr>
           <p:spPr>
             <a:xfrm>
-              <a:off x="4146201" y="3270071"/>
+              <a:off x="2219871" y="3542839"/>
               <a:ext cx="279357" cy="196227"/>
             </a:xfrm>
             <a:prstGeom prst="rect">
@@ -9134,300 +8892,6 @@
             </a:p>
           </p:txBody>
         </p:sp>
-        <p:sp>
-          <p:nvSpPr>
-            <p:cNvPr id="26" name="Rectangle 25"/>
-            <p:cNvSpPr/>
-            <p:nvPr/>
-          </p:nvSpPr>
-          <p:spPr>
-            <a:xfrm>
-              <a:off x="622319" y="3137032"/>
-              <a:ext cx="557218" cy="531168"/>
-            </a:xfrm>
-            <a:prstGeom prst="rect">
-              <a:avLst/>
-            </a:prstGeom>
-            <a:ln>
-              <a:solidFill>
-                <a:schemeClr val="tx1"/>
-              </a:solidFill>
-            </a:ln>
-            <a:effectLst/>
-          </p:spPr>
-          <p:style>
-            <a:lnRef idx="1">
-              <a:schemeClr val="accent1"/>
-            </a:lnRef>
-            <a:fillRef idx="3">
-              <a:schemeClr val="accent1"/>
-            </a:fillRef>
-            <a:effectRef idx="2">
-              <a:schemeClr val="accent1"/>
-            </a:effectRef>
-            <a:fontRef idx="minor">
-              <a:schemeClr val="lt1"/>
-            </a:fontRef>
-          </p:style>
-          <p:txBody>
-            <a:bodyPr rtlCol="0" anchor="ctr"/>
-            <a:lstStyle/>
-            <a:p>
-              <a:pPr algn="ctr"/>
-              <a:r>
-                <a:rPr kumimoji="1" lang="en-US" altLang="ja-JP" sz="900">
-                  <a:solidFill>
-                    <a:schemeClr val="tx1"/>
-                  </a:solidFill>
-                </a:rPr>
-                <a:t>Image</a:t>
-              </a:r>
-              <a:endParaRPr kumimoji="1" lang="ja-JP" altLang="en-US" sz="900">
-                <a:solidFill>
-                  <a:schemeClr val="tx1"/>
-                </a:solidFill>
-              </a:endParaRPr>
-            </a:p>
-          </p:txBody>
-        </p:sp>
-        <p:sp>
-          <p:nvSpPr>
-            <p:cNvPr id="27" name="TextBox 26"/>
-            <p:cNvSpPr txBox="1"/>
-            <p:nvPr/>
-          </p:nvSpPr>
-          <p:spPr>
-            <a:xfrm>
-              <a:off x="1204938" y="3184025"/>
-              <a:ext cx="2096678" cy="215444"/>
-            </a:xfrm>
-            <a:prstGeom prst="rect">
-              <a:avLst/>
-            </a:prstGeom>
-            <a:noFill/>
-          </p:spPr>
-          <p:txBody>
-            <a:bodyPr wrap="none" rtlCol="0">
-              <a:spAutoFit/>
-            </a:bodyPr>
-            <a:lstStyle/>
-            <a:p>
-              <a:r>
-                <a:rPr kumimoji="1" lang="en-US" altLang="ja-JP" sz="800" i="1" dirty="0">
-                  <a:solidFill>
-                    <a:schemeClr val="bg1">
-                      <a:lumMod val="65000"/>
-                    </a:schemeClr>
-                  </a:solidFill>
-                </a:rPr>
-                <a:t>Date: 08/12/2015 12:40 | Author: Tam Pham</a:t>
-              </a:r>
-              <a:endParaRPr kumimoji="1" lang="ja-JP" altLang="en-US" sz="800" i="1" dirty="0">
-                <a:solidFill>
-                  <a:schemeClr val="bg1">
-                    <a:lumMod val="65000"/>
-                  </a:schemeClr>
-                </a:solidFill>
-              </a:endParaRPr>
-            </a:p>
-          </p:txBody>
-        </p:sp>
-        <p:sp>
-          <p:nvSpPr>
-            <p:cNvPr id="28" name="TextBox 27"/>
-            <p:cNvSpPr txBox="1"/>
-            <p:nvPr/>
-          </p:nvSpPr>
-          <p:spPr>
-            <a:xfrm>
-              <a:off x="1200686" y="3331733"/>
-              <a:ext cx="3445934" cy="400110"/>
-            </a:xfrm>
-            <a:prstGeom prst="rect">
-              <a:avLst/>
-            </a:prstGeom>
-            <a:noFill/>
-          </p:spPr>
-          <p:txBody>
-            <a:bodyPr wrap="square" rtlCol="0">
-              <a:spAutoFit/>
-            </a:bodyPr>
-            <a:lstStyle/>
-            <a:p>
-              <a:r>
-                <a:rPr kumimoji="1" lang="en-US" altLang="ja-JP" sz="1000" dirty="0"/>
-                <a:t>Lorem Ipsum is simply dummy text of the printing and typesetting industry. Lorem Ipsum has been the</a:t>
-              </a:r>
-              <a:endParaRPr kumimoji="1" lang="ja-JP" altLang="en-US" sz="1000" dirty="0"/>
-            </a:p>
-          </p:txBody>
-        </p:sp>
-        <p:sp>
-          <p:nvSpPr>
-            <p:cNvPr id="29" name="Rectangle 28"/>
-            <p:cNvSpPr/>
-            <p:nvPr/>
-          </p:nvSpPr>
-          <p:spPr>
-            <a:xfrm>
-              <a:off x="613815" y="3896856"/>
-              <a:ext cx="557218" cy="531168"/>
-            </a:xfrm>
-            <a:prstGeom prst="rect">
-              <a:avLst/>
-            </a:prstGeom>
-            <a:ln>
-              <a:solidFill>
-                <a:schemeClr val="tx1"/>
-              </a:solidFill>
-            </a:ln>
-            <a:effectLst/>
-          </p:spPr>
-          <p:style>
-            <a:lnRef idx="1">
-              <a:schemeClr val="accent1"/>
-            </a:lnRef>
-            <a:fillRef idx="3">
-              <a:schemeClr val="accent1"/>
-            </a:fillRef>
-            <a:effectRef idx="2">
-              <a:schemeClr val="accent1"/>
-            </a:effectRef>
-            <a:fontRef idx="minor">
-              <a:schemeClr val="lt1"/>
-            </a:fontRef>
-          </p:style>
-          <p:txBody>
-            <a:bodyPr rtlCol="0" anchor="ctr"/>
-            <a:lstStyle/>
-            <a:p>
-              <a:pPr algn="ctr"/>
-              <a:r>
-                <a:rPr kumimoji="1" lang="en-US" altLang="ja-JP" sz="900">
-                  <a:solidFill>
-                    <a:schemeClr val="tx1"/>
-                  </a:solidFill>
-                </a:rPr>
-                <a:t>Image</a:t>
-              </a:r>
-              <a:endParaRPr kumimoji="1" lang="ja-JP" altLang="en-US" sz="900">
-                <a:solidFill>
-                  <a:schemeClr val="tx1"/>
-                </a:solidFill>
-              </a:endParaRPr>
-            </a:p>
-          </p:txBody>
-        </p:sp>
-        <p:sp>
-          <p:nvSpPr>
-            <p:cNvPr id="30" name="TextBox 29"/>
-            <p:cNvSpPr txBox="1"/>
-            <p:nvPr/>
-          </p:nvSpPr>
-          <p:spPr>
-            <a:xfrm>
-              <a:off x="1172615" y="3812186"/>
-              <a:ext cx="456110" cy="207389"/>
-            </a:xfrm>
-            <a:prstGeom prst="rect">
-              <a:avLst/>
-            </a:prstGeom>
-            <a:noFill/>
-          </p:spPr>
-          <p:txBody>
-            <a:bodyPr wrap="none" rtlCol="0">
-              <a:spAutoFit/>
-            </a:bodyPr>
-            <a:lstStyle/>
-            <a:p>
-              <a:r>
-                <a:rPr kumimoji="1" lang="en-US" altLang="ja-JP" sz="1000">
-                  <a:solidFill>
-                    <a:srgbClr val="558ED5"/>
-                  </a:solidFill>
-                </a:rPr>
-                <a:t>Blog 1</a:t>
-              </a:r>
-              <a:endParaRPr kumimoji="1" lang="ja-JP" altLang="en-US" sz="1000">
-                <a:solidFill>
-                  <a:srgbClr val="558ED5"/>
-                </a:solidFill>
-              </a:endParaRPr>
-            </a:p>
-          </p:txBody>
-        </p:sp>
-        <p:sp>
-          <p:nvSpPr>
-            <p:cNvPr id="31" name="TextBox 30"/>
-            <p:cNvSpPr txBox="1"/>
-            <p:nvPr/>
-          </p:nvSpPr>
-          <p:spPr>
-            <a:xfrm>
-              <a:off x="1196434" y="3943849"/>
-              <a:ext cx="2096678" cy="215444"/>
-            </a:xfrm>
-            <a:prstGeom prst="rect">
-              <a:avLst/>
-            </a:prstGeom>
-            <a:noFill/>
-          </p:spPr>
-          <p:txBody>
-            <a:bodyPr wrap="none" rtlCol="0">
-              <a:spAutoFit/>
-            </a:bodyPr>
-            <a:lstStyle/>
-            <a:p>
-              <a:r>
-                <a:rPr kumimoji="1" lang="en-US" altLang="ja-JP" sz="800" i="1">
-                  <a:solidFill>
-                    <a:schemeClr val="bg1">
-                      <a:lumMod val="65000"/>
-                    </a:schemeClr>
-                  </a:solidFill>
-                </a:rPr>
-                <a:t>Date: 08/12/2015 12:40 | Author: Tam Pham</a:t>
-              </a:r>
-              <a:endParaRPr kumimoji="1" lang="ja-JP" altLang="en-US" sz="800" i="1">
-                <a:solidFill>
-                  <a:schemeClr val="bg1">
-                    <a:lumMod val="65000"/>
-                  </a:schemeClr>
-                </a:solidFill>
-              </a:endParaRPr>
-            </a:p>
-          </p:txBody>
-        </p:sp>
-        <p:sp>
-          <p:nvSpPr>
-            <p:cNvPr id="32" name="TextBox 31"/>
-            <p:cNvSpPr txBox="1"/>
-            <p:nvPr/>
-          </p:nvSpPr>
-          <p:spPr>
-            <a:xfrm>
-              <a:off x="1192182" y="4091557"/>
-              <a:ext cx="3445934" cy="400110"/>
-            </a:xfrm>
-            <a:prstGeom prst="rect">
-              <a:avLst/>
-            </a:prstGeom>
-            <a:noFill/>
-          </p:spPr>
-          <p:txBody>
-            <a:bodyPr wrap="square" rtlCol="0">
-              <a:spAutoFit/>
-            </a:bodyPr>
-            <a:lstStyle/>
-            <a:p>
-              <a:r>
-                <a:rPr kumimoji="1" lang="en-US" altLang="ja-JP" sz="1000" dirty="0"/>
-                <a:t>Lorem Ipsum is simply dummy text of the printing and typesetting industry. Lorem Ipsum has been the</a:t>
-              </a:r>
-              <a:endParaRPr kumimoji="1" lang="ja-JP" altLang="en-US" sz="1000" dirty="0"/>
-            </a:p>
-          </p:txBody>
-        </p:sp>
         <p:grpSp>
           <p:nvGrpSpPr>
             <p:cNvPr id="38" name="Group 37"/>
@@ -9436,10 +8900,10 @@
           </p:nvGrpSpPr>
           <p:grpSpPr>
             <a:xfrm>
-              <a:off x="1116606" y="1945389"/>
-              <a:ext cx="1709955" cy="771673"/>
-              <a:chOff x="2752559" y="1919901"/>
-              <a:chExt cx="1709955" cy="771673"/>
+              <a:off x="1039862" y="1944896"/>
+              <a:ext cx="1786699" cy="772166"/>
+              <a:chOff x="2675815" y="1919408"/>
+              <a:chExt cx="1786699" cy="772166"/>
             </a:xfrm>
           </p:grpSpPr>
           <p:sp>
@@ -9450,7 +8914,7 @@
             </p:nvSpPr>
             <p:spPr>
               <a:xfrm>
-                <a:off x="3159992" y="2191695"/>
+                <a:off x="3083249" y="2191201"/>
                 <a:ext cx="1001251" cy="238733"/>
               </a:xfrm>
               <a:prstGeom prst="rect">
@@ -9501,7 +8965,7 @@
             </p:nvSpPr>
             <p:spPr>
               <a:xfrm>
-                <a:off x="3162800" y="1919901"/>
+                <a:off x="3086057" y="1919408"/>
                 <a:ext cx="998442" cy="271556"/>
               </a:xfrm>
               <a:prstGeom prst="rect">
@@ -9546,7 +9010,7 @@
             </p:nvSpPr>
             <p:spPr>
               <a:xfrm rot="10800000">
-                <a:off x="3928053" y="2046648"/>
+                <a:off x="3851310" y="2046156"/>
                 <a:ext cx="89746" cy="61550"/>
               </a:xfrm>
               <a:prstGeom prst="triangle">
@@ -9587,7 +9051,7 @@
             </p:nvSpPr>
             <p:spPr>
               <a:xfrm>
-                <a:off x="3159991" y="2428512"/>
+                <a:off x="3083247" y="2428019"/>
                 <a:ext cx="1001251" cy="238733"/>
               </a:xfrm>
               <a:prstGeom prst="rect">
@@ -9638,7 +9102,7 @@
             </p:nvSpPr>
             <p:spPr>
               <a:xfrm>
-                <a:off x="2752559" y="1957777"/>
+                <a:off x="2675815" y="1957283"/>
                 <a:ext cx="439544" cy="246221"/>
               </a:xfrm>
               <a:prstGeom prst="rect">
@@ -9795,10 +9259,10 @@
           </p:nvGrpSpPr>
           <p:grpSpPr>
             <a:xfrm>
-              <a:off x="2770016" y="1916285"/>
-              <a:ext cx="1678904" cy="743708"/>
-              <a:chOff x="2688164" y="1923537"/>
-              <a:chExt cx="1678904" cy="743708"/>
+              <a:off x="2693272" y="1916285"/>
+              <a:ext cx="1755648" cy="743215"/>
+              <a:chOff x="2611420" y="1923537"/>
+              <a:chExt cx="1755648" cy="743215"/>
             </a:xfrm>
           </p:grpSpPr>
           <p:sp>
@@ -9809,7 +9273,7 @@
             </p:nvSpPr>
             <p:spPr>
               <a:xfrm>
-                <a:off x="3143950" y="2191522"/>
+                <a:off x="3067207" y="2191028"/>
                 <a:ext cx="1001251" cy="238733"/>
               </a:xfrm>
               <a:prstGeom prst="rect">
@@ -9860,7 +9324,7 @@
             </p:nvSpPr>
             <p:spPr>
               <a:xfrm>
-                <a:off x="3143951" y="1956771"/>
+                <a:off x="3067208" y="1956277"/>
                 <a:ext cx="999607" cy="236840"/>
               </a:xfrm>
               <a:prstGeom prst="rect">
@@ -9905,7 +9369,7 @@
             </p:nvSpPr>
             <p:spPr>
               <a:xfrm rot="10800000">
-                <a:off x="3928053" y="2046648"/>
+                <a:off x="3851309" y="2046154"/>
                 <a:ext cx="89746" cy="61550"/>
               </a:xfrm>
               <a:prstGeom prst="triangle">
@@ -9946,7 +9410,7 @@
             </p:nvSpPr>
             <p:spPr>
               <a:xfrm>
-                <a:off x="3143949" y="2428512"/>
+                <a:off x="3067205" y="2428019"/>
                 <a:ext cx="1001251" cy="238733"/>
               </a:xfrm>
               <a:prstGeom prst="rect">
@@ -9997,7 +9461,7 @@
             </p:nvSpPr>
             <p:spPr>
               <a:xfrm>
-                <a:off x="2688164" y="1957777"/>
+                <a:off x="2611420" y="1957283"/>
                 <a:ext cx="514885" cy="246221"/>
               </a:xfrm>
               <a:prstGeom prst="rect">
@@ -10078,7 +9542,7 @@
           </p:nvSpPr>
           <p:spPr>
             <a:xfrm>
-              <a:off x="898718" y="3088735"/>
+              <a:off x="235728" y="3263242"/>
               <a:ext cx="279357" cy="196227"/>
             </a:xfrm>
             <a:prstGeom prst="rect">
@@ -10390,6 +9854,960 @@
             <a:endParaRPr kumimoji="1" lang="ja-JP" altLang="en-US" sz="1000" dirty="0">
               <a:solidFill>
                 <a:srgbClr val="FF0000"/>
+              </a:solidFill>
+            </a:endParaRPr>
+          </a:p>
+        </p:txBody>
+      </p:sp>
+      <p:sp>
+        <p:nvSpPr>
+          <p:cNvPr id="60" name="TextBox 59"/>
+          <p:cNvSpPr txBox="1"/>
+          <p:nvPr/>
+        </p:nvSpPr>
+        <p:spPr>
+          <a:xfrm>
+            <a:off x="751947" y="2774914"/>
+            <a:ext cx="505830" cy="246221"/>
+          </a:xfrm>
+          <a:prstGeom prst="rect">
+            <a:avLst/>
+          </a:prstGeom>
+          <a:noFill/>
+        </p:spPr>
+        <p:txBody>
+          <a:bodyPr wrap="none" rtlCol="0">
+            <a:spAutoFit/>
+          </a:bodyPr>
+          <a:lstStyle/>
+          <a:p>
+            <a:r>
+              <a:rPr kumimoji="1" lang="en-US" altLang="ja-JP" sz="1000"/>
+              <a:t>Blog 1</a:t>
+            </a:r>
+            <a:endParaRPr kumimoji="1" lang="ja-JP" altLang="en-US" sz="1000"/>
+          </a:p>
+        </p:txBody>
+      </p:sp>
+      <p:sp>
+        <p:nvSpPr>
+          <p:cNvPr id="66" name="TextBox 65"/>
+          <p:cNvSpPr txBox="1"/>
+          <p:nvPr/>
+        </p:nvSpPr>
+        <p:spPr>
+          <a:xfrm>
+            <a:off x="750365" y="2906577"/>
+            <a:ext cx="2096678" cy="215444"/>
+          </a:xfrm>
+          <a:prstGeom prst="rect">
+            <a:avLst/>
+          </a:prstGeom>
+          <a:noFill/>
+        </p:spPr>
+        <p:txBody>
+          <a:bodyPr wrap="none" rtlCol="0">
+            <a:spAutoFit/>
+          </a:bodyPr>
+          <a:lstStyle/>
+          <a:p>
+            <a:r>
+              <a:rPr kumimoji="1" lang="en-US" altLang="ja-JP" sz="800" i="1">
+                <a:solidFill>
+                  <a:schemeClr val="bg1">
+                    <a:lumMod val="65000"/>
+                  </a:schemeClr>
+                </a:solidFill>
+              </a:rPr>
+              <a:t>Date: 08/12/2015 12:40 | Author: Tam Pham</a:t>
+            </a:r>
+            <a:endParaRPr kumimoji="1" lang="ja-JP" altLang="en-US" sz="800" i="1">
+              <a:solidFill>
+                <a:schemeClr val="bg1">
+                  <a:lumMod val="65000"/>
+                </a:schemeClr>
+              </a:solidFill>
+            </a:endParaRPr>
+          </a:p>
+        </p:txBody>
+      </p:sp>
+      <p:sp>
+        <p:nvSpPr>
+          <p:cNvPr id="67" name="TextBox 66"/>
+          <p:cNvSpPr txBox="1"/>
+          <p:nvPr/>
+        </p:nvSpPr>
+        <p:spPr>
+          <a:xfrm>
+            <a:off x="737645" y="2995016"/>
+            <a:ext cx="1580633" cy="400110"/>
+          </a:xfrm>
+          <a:prstGeom prst="rect">
+            <a:avLst/>
+          </a:prstGeom>
+          <a:noFill/>
+        </p:spPr>
+        <p:txBody>
+          <a:bodyPr wrap="square" rtlCol="0">
+            <a:spAutoFit/>
+          </a:bodyPr>
+          <a:lstStyle/>
+          <a:p>
+            <a:pPr algn="just"/>
+            <a:r>
+              <a:rPr kumimoji="1" lang="en-US" altLang="ja-JP" sz="1000"/>
+              <a:t>Lorem Ipsum is simply dummy text of the print … </a:t>
+            </a:r>
+            <a:endParaRPr kumimoji="1" lang="ja-JP" altLang="en-US" sz="1000"/>
+          </a:p>
+        </p:txBody>
+      </p:sp>
+      <p:sp>
+        <p:nvSpPr>
+          <p:cNvPr id="68" name="Rectangle 67"/>
+          <p:cNvSpPr/>
+          <p:nvPr/>
+        </p:nvSpPr>
+        <p:spPr>
+          <a:xfrm>
+            <a:off x="184173" y="2847025"/>
+            <a:ext cx="557218" cy="531168"/>
+          </a:xfrm>
+          <a:prstGeom prst="rect">
+            <a:avLst/>
+          </a:prstGeom>
+          <a:ln>
+            <a:solidFill>
+              <a:schemeClr val="tx1"/>
+            </a:solidFill>
+          </a:ln>
+          <a:effectLst/>
+        </p:spPr>
+        <p:style>
+          <a:lnRef idx="1">
+            <a:schemeClr val="accent1"/>
+          </a:lnRef>
+          <a:fillRef idx="3">
+            <a:schemeClr val="accent1"/>
+          </a:fillRef>
+          <a:effectRef idx="2">
+            <a:schemeClr val="accent1"/>
+          </a:effectRef>
+          <a:fontRef idx="minor">
+            <a:schemeClr val="lt1"/>
+          </a:fontRef>
+        </p:style>
+        <p:txBody>
+          <a:bodyPr rtlCol="0" anchor="ctr"/>
+          <a:lstStyle/>
+          <a:p>
+            <a:pPr algn="ctr"/>
+            <a:r>
+              <a:rPr kumimoji="1" lang="en-US" altLang="ja-JP" sz="1000">
+                <a:solidFill>
+                  <a:schemeClr val="tx1"/>
+                </a:solidFill>
+              </a:rPr>
+              <a:t>Image</a:t>
+            </a:r>
+            <a:endParaRPr kumimoji="1" lang="ja-JP" altLang="en-US" sz="1000">
+              <a:solidFill>
+                <a:schemeClr val="tx1"/>
+              </a:solidFill>
+            </a:endParaRPr>
+          </a:p>
+        </p:txBody>
+      </p:sp>
+      <p:sp>
+        <p:nvSpPr>
+          <p:cNvPr id="69" name="TextBox 68"/>
+          <p:cNvSpPr txBox="1"/>
+          <p:nvPr/>
+        </p:nvSpPr>
+        <p:spPr>
+          <a:xfrm>
+            <a:off x="3159220" y="2774914"/>
+            <a:ext cx="505830" cy="246221"/>
+          </a:xfrm>
+          <a:prstGeom prst="rect">
+            <a:avLst/>
+          </a:prstGeom>
+          <a:noFill/>
+        </p:spPr>
+        <p:txBody>
+          <a:bodyPr wrap="none" rtlCol="0">
+            <a:spAutoFit/>
+          </a:bodyPr>
+          <a:lstStyle/>
+          <a:p>
+            <a:r>
+              <a:rPr kumimoji="1" lang="en-US" altLang="ja-JP" sz="1000"/>
+              <a:t>Blog 1</a:t>
+            </a:r>
+            <a:endParaRPr kumimoji="1" lang="ja-JP" altLang="en-US" sz="1000"/>
+          </a:p>
+        </p:txBody>
+      </p:sp>
+      <p:sp>
+        <p:nvSpPr>
+          <p:cNvPr id="70" name="TextBox 69"/>
+          <p:cNvSpPr txBox="1"/>
+          <p:nvPr/>
+        </p:nvSpPr>
+        <p:spPr>
+          <a:xfrm>
+            <a:off x="3157638" y="2906577"/>
+            <a:ext cx="2096678" cy="215444"/>
+          </a:xfrm>
+          <a:prstGeom prst="rect">
+            <a:avLst/>
+          </a:prstGeom>
+          <a:noFill/>
+        </p:spPr>
+        <p:txBody>
+          <a:bodyPr wrap="none" rtlCol="0">
+            <a:spAutoFit/>
+          </a:bodyPr>
+          <a:lstStyle/>
+          <a:p>
+            <a:r>
+              <a:rPr kumimoji="1" lang="en-US" altLang="ja-JP" sz="800" i="1">
+                <a:solidFill>
+                  <a:schemeClr val="bg1">
+                    <a:lumMod val="65000"/>
+                  </a:schemeClr>
+                </a:solidFill>
+              </a:rPr>
+              <a:t>Date: 08/12/2015 12:40 | Author: Tam Pham</a:t>
+            </a:r>
+            <a:endParaRPr kumimoji="1" lang="ja-JP" altLang="en-US" sz="800" i="1">
+              <a:solidFill>
+                <a:schemeClr val="bg1">
+                  <a:lumMod val="65000"/>
+                </a:schemeClr>
+              </a:solidFill>
+            </a:endParaRPr>
+          </a:p>
+        </p:txBody>
+      </p:sp>
+      <p:sp>
+        <p:nvSpPr>
+          <p:cNvPr id="71" name="TextBox 70"/>
+          <p:cNvSpPr txBox="1"/>
+          <p:nvPr/>
+        </p:nvSpPr>
+        <p:spPr>
+          <a:xfrm>
+            <a:off x="3144918" y="2995016"/>
+            <a:ext cx="1580633" cy="400110"/>
+          </a:xfrm>
+          <a:prstGeom prst="rect">
+            <a:avLst/>
+          </a:prstGeom>
+          <a:noFill/>
+        </p:spPr>
+        <p:txBody>
+          <a:bodyPr wrap="square" rtlCol="0">
+            <a:spAutoFit/>
+          </a:bodyPr>
+          <a:lstStyle/>
+          <a:p>
+            <a:pPr algn="just"/>
+            <a:r>
+              <a:rPr kumimoji="1" lang="en-US" altLang="ja-JP" sz="1000"/>
+              <a:t>Lorem Ipsum is simply dummy text of the print … </a:t>
+            </a:r>
+            <a:endParaRPr kumimoji="1" lang="ja-JP" altLang="en-US" sz="1000"/>
+          </a:p>
+        </p:txBody>
+      </p:sp>
+      <p:sp>
+        <p:nvSpPr>
+          <p:cNvPr id="72" name="Rectangle 71"/>
+          <p:cNvSpPr/>
+          <p:nvPr/>
+        </p:nvSpPr>
+        <p:spPr>
+          <a:xfrm>
+            <a:off x="2591446" y="2847025"/>
+            <a:ext cx="557218" cy="531168"/>
+          </a:xfrm>
+          <a:prstGeom prst="rect">
+            <a:avLst/>
+          </a:prstGeom>
+          <a:ln>
+            <a:solidFill>
+              <a:schemeClr val="tx1"/>
+            </a:solidFill>
+          </a:ln>
+          <a:effectLst/>
+        </p:spPr>
+        <p:style>
+          <a:lnRef idx="1">
+            <a:schemeClr val="accent1"/>
+          </a:lnRef>
+          <a:fillRef idx="3">
+            <a:schemeClr val="accent1"/>
+          </a:fillRef>
+          <a:effectRef idx="2">
+            <a:schemeClr val="accent1"/>
+          </a:effectRef>
+          <a:fontRef idx="minor">
+            <a:schemeClr val="lt1"/>
+          </a:fontRef>
+        </p:style>
+        <p:txBody>
+          <a:bodyPr rtlCol="0" anchor="ctr"/>
+          <a:lstStyle/>
+          <a:p>
+            <a:pPr algn="ctr"/>
+            <a:r>
+              <a:rPr kumimoji="1" lang="en-US" altLang="ja-JP" sz="1000">
+                <a:solidFill>
+                  <a:schemeClr val="tx1"/>
+                </a:solidFill>
+              </a:rPr>
+              <a:t>Image</a:t>
+            </a:r>
+            <a:endParaRPr kumimoji="1" lang="ja-JP" altLang="en-US" sz="1000">
+              <a:solidFill>
+                <a:schemeClr val="tx1"/>
+              </a:solidFill>
+            </a:endParaRPr>
+          </a:p>
+        </p:txBody>
+      </p:sp>
+      <p:sp>
+        <p:nvSpPr>
+          <p:cNvPr id="73" name="TextBox 72"/>
+          <p:cNvSpPr txBox="1"/>
+          <p:nvPr/>
+        </p:nvSpPr>
+        <p:spPr>
+          <a:xfrm>
+            <a:off x="748201" y="3470937"/>
+            <a:ext cx="505830" cy="246221"/>
+          </a:xfrm>
+          <a:prstGeom prst="rect">
+            <a:avLst/>
+          </a:prstGeom>
+          <a:noFill/>
+        </p:spPr>
+        <p:txBody>
+          <a:bodyPr wrap="none" rtlCol="0">
+            <a:spAutoFit/>
+          </a:bodyPr>
+          <a:lstStyle/>
+          <a:p>
+            <a:r>
+              <a:rPr kumimoji="1" lang="en-US" altLang="ja-JP" sz="1000"/>
+              <a:t>Blog 1</a:t>
+            </a:r>
+            <a:endParaRPr kumimoji="1" lang="ja-JP" altLang="en-US" sz="1000"/>
+          </a:p>
+        </p:txBody>
+      </p:sp>
+      <p:sp>
+        <p:nvSpPr>
+          <p:cNvPr id="74" name="TextBox 73"/>
+          <p:cNvSpPr txBox="1"/>
+          <p:nvPr/>
+        </p:nvSpPr>
+        <p:spPr>
+          <a:xfrm>
+            <a:off x="746619" y="3602600"/>
+            <a:ext cx="2096678" cy="215444"/>
+          </a:xfrm>
+          <a:prstGeom prst="rect">
+            <a:avLst/>
+          </a:prstGeom>
+          <a:noFill/>
+        </p:spPr>
+        <p:txBody>
+          <a:bodyPr wrap="none" rtlCol="0">
+            <a:spAutoFit/>
+          </a:bodyPr>
+          <a:lstStyle/>
+          <a:p>
+            <a:r>
+              <a:rPr kumimoji="1" lang="en-US" altLang="ja-JP" sz="800" i="1">
+                <a:solidFill>
+                  <a:schemeClr val="bg1">
+                    <a:lumMod val="65000"/>
+                  </a:schemeClr>
+                </a:solidFill>
+              </a:rPr>
+              <a:t>Date: 08/12/2015 12:40 | Author: Tam Pham</a:t>
+            </a:r>
+            <a:endParaRPr kumimoji="1" lang="ja-JP" altLang="en-US" sz="800" i="1">
+              <a:solidFill>
+                <a:schemeClr val="bg1">
+                  <a:lumMod val="65000"/>
+                </a:schemeClr>
+              </a:solidFill>
+            </a:endParaRPr>
+          </a:p>
+        </p:txBody>
+      </p:sp>
+      <p:sp>
+        <p:nvSpPr>
+          <p:cNvPr id="75" name="TextBox 74"/>
+          <p:cNvSpPr txBox="1"/>
+          <p:nvPr/>
+        </p:nvSpPr>
+        <p:spPr>
+          <a:xfrm>
+            <a:off x="733899" y="3691039"/>
+            <a:ext cx="1580633" cy="400110"/>
+          </a:xfrm>
+          <a:prstGeom prst="rect">
+            <a:avLst/>
+          </a:prstGeom>
+          <a:noFill/>
+        </p:spPr>
+        <p:txBody>
+          <a:bodyPr wrap="square" rtlCol="0">
+            <a:spAutoFit/>
+          </a:bodyPr>
+          <a:lstStyle/>
+          <a:p>
+            <a:pPr algn="just"/>
+            <a:r>
+              <a:rPr kumimoji="1" lang="en-US" altLang="ja-JP" sz="1000"/>
+              <a:t>Lorem Ipsum is simply dummy text of the print … </a:t>
+            </a:r>
+            <a:endParaRPr kumimoji="1" lang="ja-JP" altLang="en-US" sz="1000"/>
+          </a:p>
+        </p:txBody>
+      </p:sp>
+      <p:sp>
+        <p:nvSpPr>
+          <p:cNvPr id="76" name="Rectangle 75"/>
+          <p:cNvSpPr/>
+          <p:nvPr/>
+        </p:nvSpPr>
+        <p:spPr>
+          <a:xfrm>
+            <a:off x="180427" y="3543048"/>
+            <a:ext cx="557218" cy="531168"/>
+          </a:xfrm>
+          <a:prstGeom prst="rect">
+            <a:avLst/>
+          </a:prstGeom>
+          <a:ln>
+            <a:solidFill>
+              <a:schemeClr val="tx1"/>
+            </a:solidFill>
+          </a:ln>
+          <a:effectLst/>
+        </p:spPr>
+        <p:style>
+          <a:lnRef idx="1">
+            <a:schemeClr val="accent1"/>
+          </a:lnRef>
+          <a:fillRef idx="3">
+            <a:schemeClr val="accent1"/>
+          </a:fillRef>
+          <a:effectRef idx="2">
+            <a:schemeClr val="accent1"/>
+          </a:effectRef>
+          <a:fontRef idx="minor">
+            <a:schemeClr val="lt1"/>
+          </a:fontRef>
+        </p:style>
+        <p:txBody>
+          <a:bodyPr rtlCol="0" anchor="ctr"/>
+          <a:lstStyle/>
+          <a:p>
+            <a:pPr algn="ctr"/>
+            <a:r>
+              <a:rPr kumimoji="1" lang="en-US" altLang="ja-JP" sz="1000">
+                <a:solidFill>
+                  <a:schemeClr val="tx1"/>
+                </a:solidFill>
+              </a:rPr>
+              <a:t>Image</a:t>
+            </a:r>
+            <a:endParaRPr kumimoji="1" lang="ja-JP" altLang="en-US" sz="1000">
+              <a:solidFill>
+                <a:schemeClr val="tx1"/>
+              </a:solidFill>
+            </a:endParaRPr>
+          </a:p>
+        </p:txBody>
+      </p:sp>
+      <p:sp>
+        <p:nvSpPr>
+          <p:cNvPr id="77" name="TextBox 76"/>
+          <p:cNvSpPr txBox="1"/>
+          <p:nvPr/>
+        </p:nvSpPr>
+        <p:spPr>
+          <a:xfrm>
+            <a:off x="3155474" y="3470937"/>
+            <a:ext cx="505830" cy="246221"/>
+          </a:xfrm>
+          <a:prstGeom prst="rect">
+            <a:avLst/>
+          </a:prstGeom>
+          <a:noFill/>
+        </p:spPr>
+        <p:txBody>
+          <a:bodyPr wrap="none" rtlCol="0">
+            <a:spAutoFit/>
+          </a:bodyPr>
+          <a:lstStyle/>
+          <a:p>
+            <a:r>
+              <a:rPr kumimoji="1" lang="en-US" altLang="ja-JP" sz="1000"/>
+              <a:t>Blog 1</a:t>
+            </a:r>
+            <a:endParaRPr kumimoji="1" lang="ja-JP" altLang="en-US" sz="1000"/>
+          </a:p>
+        </p:txBody>
+      </p:sp>
+      <p:sp>
+        <p:nvSpPr>
+          <p:cNvPr id="78" name="TextBox 77"/>
+          <p:cNvSpPr txBox="1"/>
+          <p:nvPr/>
+        </p:nvSpPr>
+        <p:spPr>
+          <a:xfrm>
+            <a:off x="3153892" y="3602600"/>
+            <a:ext cx="2096678" cy="215444"/>
+          </a:xfrm>
+          <a:prstGeom prst="rect">
+            <a:avLst/>
+          </a:prstGeom>
+          <a:noFill/>
+        </p:spPr>
+        <p:txBody>
+          <a:bodyPr wrap="none" rtlCol="0">
+            <a:spAutoFit/>
+          </a:bodyPr>
+          <a:lstStyle/>
+          <a:p>
+            <a:r>
+              <a:rPr kumimoji="1" lang="en-US" altLang="ja-JP" sz="800" i="1">
+                <a:solidFill>
+                  <a:schemeClr val="bg1">
+                    <a:lumMod val="65000"/>
+                  </a:schemeClr>
+                </a:solidFill>
+              </a:rPr>
+              <a:t>Date: 08/12/2015 12:40 | Author: Tam Pham</a:t>
+            </a:r>
+            <a:endParaRPr kumimoji="1" lang="ja-JP" altLang="en-US" sz="800" i="1">
+              <a:solidFill>
+                <a:schemeClr val="bg1">
+                  <a:lumMod val="65000"/>
+                </a:schemeClr>
+              </a:solidFill>
+            </a:endParaRPr>
+          </a:p>
+        </p:txBody>
+      </p:sp>
+      <p:sp>
+        <p:nvSpPr>
+          <p:cNvPr id="79" name="TextBox 78"/>
+          <p:cNvSpPr txBox="1"/>
+          <p:nvPr/>
+        </p:nvSpPr>
+        <p:spPr>
+          <a:xfrm>
+            <a:off x="3141172" y="3691039"/>
+            <a:ext cx="1580633" cy="400110"/>
+          </a:xfrm>
+          <a:prstGeom prst="rect">
+            <a:avLst/>
+          </a:prstGeom>
+          <a:noFill/>
+        </p:spPr>
+        <p:txBody>
+          <a:bodyPr wrap="square" rtlCol="0">
+            <a:spAutoFit/>
+          </a:bodyPr>
+          <a:lstStyle/>
+          <a:p>
+            <a:pPr algn="just"/>
+            <a:r>
+              <a:rPr kumimoji="1" lang="en-US" altLang="ja-JP" sz="1000"/>
+              <a:t>Lorem Ipsum is simply dummy text of the print … </a:t>
+            </a:r>
+            <a:endParaRPr kumimoji="1" lang="ja-JP" altLang="en-US" sz="1000"/>
+          </a:p>
+        </p:txBody>
+      </p:sp>
+      <p:sp>
+        <p:nvSpPr>
+          <p:cNvPr id="80" name="Rectangle 79"/>
+          <p:cNvSpPr/>
+          <p:nvPr/>
+        </p:nvSpPr>
+        <p:spPr>
+          <a:xfrm>
+            <a:off x="2587700" y="3543048"/>
+            <a:ext cx="557218" cy="531168"/>
+          </a:xfrm>
+          <a:prstGeom prst="rect">
+            <a:avLst/>
+          </a:prstGeom>
+          <a:ln>
+            <a:solidFill>
+              <a:schemeClr val="tx1"/>
+            </a:solidFill>
+          </a:ln>
+          <a:effectLst/>
+        </p:spPr>
+        <p:style>
+          <a:lnRef idx="1">
+            <a:schemeClr val="accent1"/>
+          </a:lnRef>
+          <a:fillRef idx="3">
+            <a:schemeClr val="accent1"/>
+          </a:fillRef>
+          <a:effectRef idx="2">
+            <a:schemeClr val="accent1"/>
+          </a:effectRef>
+          <a:fontRef idx="minor">
+            <a:schemeClr val="lt1"/>
+          </a:fontRef>
+        </p:style>
+        <p:txBody>
+          <a:bodyPr rtlCol="0" anchor="ctr"/>
+          <a:lstStyle/>
+          <a:p>
+            <a:pPr algn="ctr"/>
+            <a:r>
+              <a:rPr kumimoji="1" lang="en-US" altLang="ja-JP" sz="1000">
+                <a:solidFill>
+                  <a:schemeClr val="tx1"/>
+                </a:solidFill>
+              </a:rPr>
+              <a:t>Image</a:t>
+            </a:r>
+            <a:endParaRPr kumimoji="1" lang="ja-JP" altLang="en-US" sz="1000">
+              <a:solidFill>
+                <a:schemeClr val="tx1"/>
+              </a:solidFill>
+            </a:endParaRPr>
+          </a:p>
+        </p:txBody>
+      </p:sp>
+      <p:sp>
+        <p:nvSpPr>
+          <p:cNvPr id="81" name="TextBox 80"/>
+          <p:cNvSpPr txBox="1"/>
+          <p:nvPr/>
+        </p:nvSpPr>
+        <p:spPr>
+          <a:xfrm>
+            <a:off x="744455" y="4163421"/>
+            <a:ext cx="505830" cy="246221"/>
+          </a:xfrm>
+          <a:prstGeom prst="rect">
+            <a:avLst/>
+          </a:prstGeom>
+          <a:noFill/>
+        </p:spPr>
+        <p:txBody>
+          <a:bodyPr wrap="none" rtlCol="0">
+            <a:spAutoFit/>
+          </a:bodyPr>
+          <a:lstStyle/>
+          <a:p>
+            <a:r>
+              <a:rPr kumimoji="1" lang="en-US" altLang="ja-JP" sz="1000"/>
+              <a:t>Blog 1</a:t>
+            </a:r>
+            <a:endParaRPr kumimoji="1" lang="ja-JP" altLang="en-US" sz="1000"/>
+          </a:p>
+        </p:txBody>
+      </p:sp>
+      <p:sp>
+        <p:nvSpPr>
+          <p:cNvPr id="82" name="TextBox 81"/>
+          <p:cNvSpPr txBox="1"/>
+          <p:nvPr/>
+        </p:nvSpPr>
+        <p:spPr>
+          <a:xfrm>
+            <a:off x="742873" y="4295084"/>
+            <a:ext cx="2096678" cy="215444"/>
+          </a:xfrm>
+          <a:prstGeom prst="rect">
+            <a:avLst/>
+          </a:prstGeom>
+          <a:noFill/>
+        </p:spPr>
+        <p:txBody>
+          <a:bodyPr wrap="none" rtlCol="0">
+            <a:spAutoFit/>
+          </a:bodyPr>
+          <a:lstStyle/>
+          <a:p>
+            <a:r>
+              <a:rPr kumimoji="1" lang="en-US" altLang="ja-JP" sz="800" i="1">
+                <a:solidFill>
+                  <a:schemeClr val="bg1">
+                    <a:lumMod val="65000"/>
+                  </a:schemeClr>
+                </a:solidFill>
+              </a:rPr>
+              <a:t>Date: 08/12/2015 12:40 | Author: Tam Pham</a:t>
+            </a:r>
+            <a:endParaRPr kumimoji="1" lang="ja-JP" altLang="en-US" sz="800" i="1">
+              <a:solidFill>
+                <a:schemeClr val="bg1">
+                  <a:lumMod val="65000"/>
+                </a:schemeClr>
+              </a:solidFill>
+            </a:endParaRPr>
+          </a:p>
+        </p:txBody>
+      </p:sp>
+      <p:sp>
+        <p:nvSpPr>
+          <p:cNvPr id="83" name="TextBox 82"/>
+          <p:cNvSpPr txBox="1"/>
+          <p:nvPr/>
+        </p:nvSpPr>
+        <p:spPr>
+          <a:xfrm>
+            <a:off x="730153" y="4383523"/>
+            <a:ext cx="1580633" cy="400110"/>
+          </a:xfrm>
+          <a:prstGeom prst="rect">
+            <a:avLst/>
+          </a:prstGeom>
+          <a:noFill/>
+        </p:spPr>
+        <p:txBody>
+          <a:bodyPr wrap="square" rtlCol="0">
+            <a:spAutoFit/>
+          </a:bodyPr>
+          <a:lstStyle/>
+          <a:p>
+            <a:pPr algn="just"/>
+            <a:r>
+              <a:rPr kumimoji="1" lang="en-US" altLang="ja-JP" sz="1000"/>
+              <a:t>Lorem Ipsum is simply dummy text of the print … </a:t>
+            </a:r>
+            <a:endParaRPr kumimoji="1" lang="ja-JP" altLang="en-US" sz="1000"/>
+          </a:p>
+        </p:txBody>
+      </p:sp>
+      <p:sp>
+        <p:nvSpPr>
+          <p:cNvPr id="84" name="Rectangle 83"/>
+          <p:cNvSpPr/>
+          <p:nvPr/>
+        </p:nvSpPr>
+        <p:spPr>
+          <a:xfrm>
+            <a:off x="176681" y="4235532"/>
+            <a:ext cx="557218" cy="531168"/>
+          </a:xfrm>
+          <a:prstGeom prst="rect">
+            <a:avLst/>
+          </a:prstGeom>
+          <a:ln>
+            <a:solidFill>
+              <a:schemeClr val="tx1"/>
+            </a:solidFill>
+          </a:ln>
+          <a:effectLst/>
+        </p:spPr>
+        <p:style>
+          <a:lnRef idx="1">
+            <a:schemeClr val="accent1"/>
+          </a:lnRef>
+          <a:fillRef idx="3">
+            <a:schemeClr val="accent1"/>
+          </a:fillRef>
+          <a:effectRef idx="2">
+            <a:schemeClr val="accent1"/>
+          </a:effectRef>
+          <a:fontRef idx="minor">
+            <a:schemeClr val="lt1"/>
+          </a:fontRef>
+        </p:style>
+        <p:txBody>
+          <a:bodyPr rtlCol="0" anchor="ctr"/>
+          <a:lstStyle/>
+          <a:p>
+            <a:pPr algn="ctr"/>
+            <a:r>
+              <a:rPr kumimoji="1" lang="en-US" altLang="ja-JP" sz="1000">
+                <a:solidFill>
+                  <a:schemeClr val="tx1"/>
+                </a:solidFill>
+              </a:rPr>
+              <a:t>Image</a:t>
+            </a:r>
+            <a:endParaRPr kumimoji="1" lang="ja-JP" altLang="en-US" sz="1000">
+              <a:solidFill>
+                <a:schemeClr val="tx1"/>
+              </a:solidFill>
+            </a:endParaRPr>
+          </a:p>
+        </p:txBody>
+      </p:sp>
+      <p:sp>
+        <p:nvSpPr>
+          <p:cNvPr id="85" name="TextBox 84"/>
+          <p:cNvSpPr txBox="1"/>
+          <p:nvPr/>
+        </p:nvSpPr>
+        <p:spPr>
+          <a:xfrm>
+            <a:off x="3151728" y="4163421"/>
+            <a:ext cx="505830" cy="246221"/>
+          </a:xfrm>
+          <a:prstGeom prst="rect">
+            <a:avLst/>
+          </a:prstGeom>
+          <a:noFill/>
+        </p:spPr>
+        <p:txBody>
+          <a:bodyPr wrap="none" rtlCol="0">
+            <a:spAutoFit/>
+          </a:bodyPr>
+          <a:lstStyle/>
+          <a:p>
+            <a:r>
+              <a:rPr kumimoji="1" lang="en-US" altLang="ja-JP" sz="1000"/>
+              <a:t>Blog 1</a:t>
+            </a:r>
+            <a:endParaRPr kumimoji="1" lang="ja-JP" altLang="en-US" sz="1000"/>
+          </a:p>
+        </p:txBody>
+      </p:sp>
+      <p:sp>
+        <p:nvSpPr>
+          <p:cNvPr id="86" name="TextBox 85"/>
+          <p:cNvSpPr txBox="1"/>
+          <p:nvPr/>
+        </p:nvSpPr>
+        <p:spPr>
+          <a:xfrm>
+            <a:off x="3150146" y="4295084"/>
+            <a:ext cx="2096678" cy="215444"/>
+          </a:xfrm>
+          <a:prstGeom prst="rect">
+            <a:avLst/>
+          </a:prstGeom>
+          <a:noFill/>
+        </p:spPr>
+        <p:txBody>
+          <a:bodyPr wrap="none" rtlCol="0">
+            <a:spAutoFit/>
+          </a:bodyPr>
+          <a:lstStyle/>
+          <a:p>
+            <a:r>
+              <a:rPr kumimoji="1" lang="en-US" altLang="ja-JP" sz="800" i="1">
+                <a:solidFill>
+                  <a:schemeClr val="bg1">
+                    <a:lumMod val="65000"/>
+                  </a:schemeClr>
+                </a:solidFill>
+              </a:rPr>
+              <a:t>Date: 08/12/2015 12:40 | Author: Tam Pham</a:t>
+            </a:r>
+            <a:endParaRPr kumimoji="1" lang="ja-JP" altLang="en-US" sz="800" i="1">
+              <a:solidFill>
+                <a:schemeClr val="bg1">
+                  <a:lumMod val="65000"/>
+                </a:schemeClr>
+              </a:solidFill>
+            </a:endParaRPr>
+          </a:p>
+        </p:txBody>
+      </p:sp>
+      <p:sp>
+        <p:nvSpPr>
+          <p:cNvPr id="87" name="TextBox 86"/>
+          <p:cNvSpPr txBox="1"/>
+          <p:nvPr/>
+        </p:nvSpPr>
+        <p:spPr>
+          <a:xfrm>
+            <a:off x="3137426" y="4383523"/>
+            <a:ext cx="1580633" cy="400110"/>
+          </a:xfrm>
+          <a:prstGeom prst="rect">
+            <a:avLst/>
+          </a:prstGeom>
+          <a:noFill/>
+        </p:spPr>
+        <p:txBody>
+          <a:bodyPr wrap="square" rtlCol="0">
+            <a:spAutoFit/>
+          </a:bodyPr>
+          <a:lstStyle/>
+          <a:p>
+            <a:pPr algn="just"/>
+            <a:r>
+              <a:rPr kumimoji="1" lang="en-US" altLang="ja-JP" sz="1000"/>
+              <a:t>Lorem Ipsum is simply dummy text of the print … </a:t>
+            </a:r>
+            <a:endParaRPr kumimoji="1" lang="ja-JP" altLang="en-US" sz="1000"/>
+          </a:p>
+        </p:txBody>
+      </p:sp>
+      <p:sp>
+        <p:nvSpPr>
+          <p:cNvPr id="88" name="Rectangle 87"/>
+          <p:cNvSpPr/>
+          <p:nvPr/>
+        </p:nvSpPr>
+        <p:spPr>
+          <a:xfrm>
+            <a:off x="2583954" y="4235532"/>
+            <a:ext cx="557218" cy="531168"/>
+          </a:xfrm>
+          <a:prstGeom prst="rect">
+            <a:avLst/>
+          </a:prstGeom>
+          <a:ln>
+            <a:solidFill>
+              <a:schemeClr val="tx1"/>
+            </a:solidFill>
+          </a:ln>
+          <a:effectLst/>
+        </p:spPr>
+        <p:style>
+          <a:lnRef idx="1">
+            <a:schemeClr val="accent1"/>
+          </a:lnRef>
+          <a:fillRef idx="3">
+            <a:schemeClr val="accent1"/>
+          </a:fillRef>
+          <a:effectRef idx="2">
+            <a:schemeClr val="accent1"/>
+          </a:effectRef>
+          <a:fontRef idx="minor">
+            <a:schemeClr val="lt1"/>
+          </a:fontRef>
+        </p:style>
+        <p:txBody>
+          <a:bodyPr rtlCol="0" anchor="ctr"/>
+          <a:lstStyle/>
+          <a:p>
+            <a:pPr algn="ctr"/>
+            <a:r>
+              <a:rPr kumimoji="1" lang="en-US" altLang="ja-JP" sz="1000">
+                <a:solidFill>
+                  <a:schemeClr val="tx1"/>
+                </a:solidFill>
+              </a:rPr>
+              <a:t>Image</a:t>
+            </a:r>
+            <a:endParaRPr kumimoji="1" lang="ja-JP" altLang="en-US" sz="1000">
+              <a:solidFill>
+                <a:schemeClr val="tx1"/>
               </a:solidFill>
             </a:endParaRPr>
           </a:p>
@@ -36160,8 +36578,8 @@
         </p:nvSpPr>
         <p:spPr>
           <a:xfrm>
-            <a:off x="387048" y="762000"/>
-            <a:ext cx="3967238" cy="4140623"/>
+            <a:off x="110067" y="762000"/>
+            <a:ext cx="4919133" cy="4258733"/>
           </a:xfrm>
           <a:prstGeom prst="rect">
             <a:avLst/>
@@ -36533,14 +36951,14 @@
           <p:nvPr>
             <p:extLst>
               <p:ext uri="{D42A27DB-BD31-4B8C-83A1-F6EECF244321}">
-                <p14:modId xmlns:p14="http://schemas.microsoft.com/office/powerpoint/2010/main" val="1584659550"/>
+                <p14:modId xmlns:p14="http://schemas.microsoft.com/office/powerpoint/2010/main" val="3319088031"/>
               </p:ext>
             </p:extLst>
           </p:nvPr>
         </p:nvGraphicFramePr>
         <p:xfrm>
-          <a:off x="4478866" y="876073"/>
-          <a:ext cx="4461935" cy="3805376"/>
+          <a:off x="5173132" y="876073"/>
+          <a:ext cx="3903137" cy="3805376"/>
         </p:xfrm>
         <a:graphic>
           <a:graphicData uri="http://schemas.openxmlformats.org/drawingml/2006/table">
@@ -36549,11 +36967,11 @@
                 <a:tableStyleId>{5202B0CA-FC54-4496-8BCA-5EF66A818D29}</a:tableStyleId>
               </a:tblPr>
               <a:tblGrid>
-                <a:gridCol w="406401"/>
-                <a:gridCol w="1134533"/>
-                <a:gridCol w="1136227"/>
-                <a:gridCol w="1259840"/>
-                <a:gridCol w="524934"/>
+                <a:gridCol w="355505"/>
+                <a:gridCol w="992448"/>
+                <a:gridCol w="725819"/>
+                <a:gridCol w="1370172"/>
+                <a:gridCol w="459193"/>
               </a:tblGrid>
               <a:tr h="327082">
                 <a:tc>
@@ -37536,7 +37954,7 @@
         </p:nvSpPr>
         <p:spPr>
           <a:xfrm>
-            <a:off x="1768197" y="2184400"/>
+            <a:off x="1747451" y="2220198"/>
             <a:ext cx="327433" cy="246221"/>
           </a:xfrm>
           <a:prstGeom prst="rect">
@@ -37574,7 +37992,7 @@
         </p:nvSpPr>
         <p:spPr>
           <a:xfrm>
-            <a:off x="342827" y="2718445"/>
+            <a:off x="-64243" y="2795948"/>
             <a:ext cx="327433" cy="246221"/>
           </a:xfrm>
           <a:prstGeom prst="rect">
@@ -37612,7 +38030,7 @@
         </p:nvSpPr>
         <p:spPr>
           <a:xfrm>
-            <a:off x="1593164" y="2406748"/>
+            <a:off x="1085247" y="2436293"/>
             <a:ext cx="327433" cy="246221"/>
           </a:xfrm>
           <a:prstGeom prst="rect">
@@ -37650,7 +38068,7 @@
         </p:nvSpPr>
         <p:spPr>
           <a:xfrm>
-            <a:off x="2034277" y="2406748"/>
+            <a:off x="1411977" y="2491471"/>
             <a:ext cx="327433" cy="246221"/>
           </a:xfrm>
           <a:prstGeom prst="rect">
@@ -37688,7 +38106,7 @@
         </p:nvSpPr>
         <p:spPr>
           <a:xfrm>
-            <a:off x="3173699" y="2538411"/>
+            <a:off x="2103599" y="2504471"/>
             <a:ext cx="327433" cy="246221"/>
           </a:xfrm>
           <a:prstGeom prst="rect">
@@ -37720,70 +38138,14 @@
       </p:sp>
       <p:sp>
         <p:nvSpPr>
-          <p:cNvPr id="6" name="Rectangle 5"/>
-          <p:cNvSpPr/>
-          <p:nvPr/>
-        </p:nvSpPr>
-        <p:spPr>
-          <a:xfrm>
-            <a:off x="618067" y="2491418"/>
-            <a:ext cx="557218" cy="531168"/>
-          </a:xfrm>
-          <a:prstGeom prst="rect">
-            <a:avLst/>
-          </a:prstGeom>
-          <a:ln>
-            <a:solidFill>
-              <a:schemeClr val="tx1"/>
-            </a:solidFill>
-          </a:ln>
-          <a:effectLst/>
-        </p:spPr>
-        <p:style>
-          <a:lnRef idx="1">
-            <a:schemeClr val="accent1"/>
-          </a:lnRef>
-          <a:fillRef idx="3">
-            <a:schemeClr val="accent1"/>
-          </a:fillRef>
-          <a:effectRef idx="2">
-            <a:schemeClr val="accent1"/>
-          </a:effectRef>
-          <a:fontRef idx="minor">
-            <a:schemeClr val="lt1"/>
-          </a:fontRef>
-        </p:style>
-        <p:txBody>
-          <a:bodyPr rtlCol="0" anchor="ctr"/>
-          <a:lstStyle/>
-          <a:p>
-            <a:pPr algn="ctr"/>
-            <a:r>
-              <a:rPr kumimoji="1" lang="en-US" altLang="ja-JP" sz="1000">
-                <a:solidFill>
-                  <a:schemeClr val="tx1"/>
-                </a:solidFill>
-              </a:rPr>
-              <a:t>Image</a:t>
-            </a:r>
-            <a:endParaRPr kumimoji="1" lang="ja-JP" altLang="en-US" sz="1000">
-              <a:solidFill>
-                <a:schemeClr val="tx1"/>
-              </a:solidFill>
-            </a:endParaRPr>
-          </a:p>
-        </p:txBody>
-      </p:sp>
-      <p:sp>
-        <p:nvSpPr>
-          <p:cNvPr id="10" name="TextBox 9"/>
+          <p:cNvPr id="38" name="TextBox 37"/>
           <p:cNvSpPr txBox="1"/>
           <p:nvPr/>
         </p:nvSpPr>
         <p:spPr>
           <a:xfrm>
-            <a:off x="1176867" y="2406748"/>
-            <a:ext cx="505830" cy="246221"/>
+            <a:off x="2221034" y="2831299"/>
+            <a:ext cx="327433" cy="246221"/>
           </a:xfrm>
           <a:prstGeom prst="rect">
             <a:avLst/>
@@ -37799,14 +38161,14 @@
             <a:r>
               <a:rPr kumimoji="1" lang="en-US" altLang="ja-JP" sz="1000">
                 <a:solidFill>
-                  <a:srgbClr val="558ED5"/>
+                  <a:srgbClr val="FF0000"/>
                 </a:solidFill>
               </a:rPr>
-              <a:t>Blog 1</a:t>
+              <a:t>(9)</a:t>
             </a:r>
             <a:endParaRPr kumimoji="1" lang="ja-JP" altLang="en-US" sz="1000">
               <a:solidFill>
-                <a:srgbClr val="558ED5"/>
+                <a:srgbClr val="FF0000"/>
               </a:solidFill>
             </a:endParaRPr>
           </a:p>
@@ -37814,13 +38176,81 @@
       </p:sp>
       <p:sp>
         <p:nvSpPr>
-          <p:cNvPr id="11" name="TextBox 10"/>
+          <p:cNvPr id="36" name="TextBox 35"/>
           <p:cNvSpPr txBox="1"/>
           <p:nvPr/>
         </p:nvSpPr>
         <p:spPr>
           <a:xfrm>
-            <a:off x="1200686" y="2538411"/>
+            <a:off x="898869" y="1679607"/>
+            <a:ext cx="392430" cy="246221"/>
+          </a:xfrm>
+          <a:prstGeom prst="rect">
+            <a:avLst/>
+          </a:prstGeom>
+          <a:noFill/>
+        </p:spPr>
+        <p:txBody>
+          <a:bodyPr wrap="none" rtlCol="0">
+            <a:spAutoFit/>
+          </a:bodyPr>
+          <a:lstStyle/>
+          <a:p>
+            <a:r>
+              <a:rPr kumimoji="1" lang="en-US" altLang="ja-JP" sz="1000">
+                <a:solidFill>
+                  <a:srgbClr val="FF0000"/>
+                </a:solidFill>
+              </a:rPr>
+              <a:t>(10)</a:t>
+            </a:r>
+            <a:endParaRPr kumimoji="1" lang="ja-JP" altLang="en-US" sz="1000">
+              <a:solidFill>
+                <a:srgbClr val="FF0000"/>
+              </a:solidFill>
+            </a:endParaRPr>
+          </a:p>
+        </p:txBody>
+      </p:sp>
+      <p:sp>
+        <p:nvSpPr>
+          <p:cNvPr id="37" name="TextBox 36"/>
+          <p:cNvSpPr txBox="1"/>
+          <p:nvPr/>
+        </p:nvSpPr>
+        <p:spPr>
+          <a:xfrm>
+            <a:off x="763015" y="2457308"/>
+            <a:ext cx="505830" cy="246221"/>
+          </a:xfrm>
+          <a:prstGeom prst="rect">
+            <a:avLst/>
+          </a:prstGeom>
+          <a:noFill/>
+        </p:spPr>
+        <p:txBody>
+          <a:bodyPr wrap="none" rtlCol="0">
+            <a:spAutoFit/>
+          </a:bodyPr>
+          <a:lstStyle/>
+          <a:p>
+            <a:r>
+              <a:rPr kumimoji="1" lang="en-US" altLang="ja-JP" sz="1000"/>
+              <a:t>Blog 1</a:t>
+            </a:r>
+            <a:endParaRPr kumimoji="1" lang="ja-JP" altLang="en-US" sz="1000"/>
+          </a:p>
+        </p:txBody>
+      </p:sp>
+      <p:sp>
+        <p:nvSpPr>
+          <p:cNvPr id="47" name="TextBox 46"/>
+          <p:cNvSpPr txBox="1"/>
+          <p:nvPr/>
+        </p:nvSpPr>
+        <p:spPr>
+          <a:xfrm>
+            <a:off x="761433" y="2588971"/>
             <a:ext cx="2096678" cy="215444"/>
           </a:xfrm>
           <a:prstGeom prst="rect">
@@ -37856,14 +38286,14 @@
       </p:sp>
       <p:sp>
         <p:nvSpPr>
-          <p:cNvPr id="12" name="TextBox 11"/>
+          <p:cNvPr id="48" name="TextBox 47"/>
           <p:cNvSpPr txBox="1"/>
           <p:nvPr/>
         </p:nvSpPr>
         <p:spPr>
           <a:xfrm>
-            <a:off x="1196434" y="2686119"/>
-            <a:ext cx="3445934" cy="400110"/>
+            <a:off x="748713" y="2677410"/>
+            <a:ext cx="1580633" cy="400110"/>
           </a:xfrm>
           <a:prstGeom prst="rect">
             <a:avLst/>
@@ -37876,9 +38306,10 @@
           </a:bodyPr>
           <a:lstStyle/>
           <a:p>
+            <a:pPr algn="just"/>
             <a:r>
               <a:rPr kumimoji="1" lang="en-US" altLang="ja-JP" sz="1000"/>
-              <a:t>Lorem Ipsum is simply dummy text of the printing and typesetting industry. Lorem Ipsum has been the</a:t>
+              <a:t>Lorem Ipsum is simply dummy text of the print … </a:t>
             </a:r>
             <a:endParaRPr kumimoji="1" lang="ja-JP" altLang="en-US" sz="1000"/>
           </a:p>
@@ -37886,51 +38317,13 @@
       </p:sp>
       <p:sp>
         <p:nvSpPr>
-          <p:cNvPr id="38" name="TextBox 37"/>
-          <p:cNvSpPr txBox="1"/>
-          <p:nvPr/>
-        </p:nvSpPr>
-        <p:spPr>
-          <a:xfrm>
-            <a:off x="3778899" y="2848673"/>
-            <a:ext cx="327433" cy="246221"/>
-          </a:xfrm>
-          <a:prstGeom prst="rect">
-            <a:avLst/>
-          </a:prstGeom>
-          <a:noFill/>
-        </p:spPr>
-        <p:txBody>
-          <a:bodyPr wrap="none" rtlCol="0">
-            <a:spAutoFit/>
-          </a:bodyPr>
-          <a:lstStyle/>
-          <a:p>
-            <a:r>
-              <a:rPr kumimoji="1" lang="en-US" altLang="ja-JP" sz="1000">
-                <a:solidFill>
-                  <a:srgbClr val="FF0000"/>
-                </a:solidFill>
-              </a:rPr>
-              <a:t>(9)</a:t>
-            </a:r>
-            <a:endParaRPr kumimoji="1" lang="ja-JP" altLang="en-US" sz="1000">
-              <a:solidFill>
-                <a:srgbClr val="FF0000"/>
-              </a:solidFill>
-            </a:endParaRPr>
-          </a:p>
-        </p:txBody>
-      </p:sp>
-      <p:sp>
-        <p:nvSpPr>
-          <p:cNvPr id="39" name="Rectangle 38"/>
+          <p:cNvPr id="49" name="Rectangle 48"/>
           <p:cNvSpPr/>
           <p:nvPr/>
         </p:nvSpPr>
         <p:spPr>
           <a:xfrm>
-            <a:off x="622319" y="3137032"/>
+            <a:off x="195241" y="2529419"/>
             <a:ext cx="557218" cy="531168"/>
           </a:xfrm>
           <a:prstGeom prst="rect">
@@ -37980,13 +38373,13 @@
       </p:sp>
       <p:sp>
         <p:nvSpPr>
-          <p:cNvPr id="40" name="TextBox 39"/>
+          <p:cNvPr id="50" name="TextBox 49"/>
           <p:cNvSpPr txBox="1"/>
           <p:nvPr/>
         </p:nvSpPr>
         <p:spPr>
           <a:xfrm>
-            <a:off x="1181119" y="3052362"/>
+            <a:off x="3170288" y="2457308"/>
             <a:ext cx="505830" cy="246221"/>
           </a:xfrm>
           <a:prstGeom prst="rect">
@@ -38001,30 +38394,22 @@
           <a:lstStyle/>
           <a:p>
             <a:r>
-              <a:rPr kumimoji="1" lang="en-US" altLang="ja-JP" sz="1000">
-                <a:solidFill>
-                  <a:srgbClr val="558ED5"/>
-                </a:solidFill>
-              </a:rPr>
+              <a:rPr kumimoji="1" lang="en-US" altLang="ja-JP" sz="1000"/>
               <a:t>Blog 1</a:t>
             </a:r>
-            <a:endParaRPr kumimoji="1" lang="ja-JP" altLang="en-US" sz="1000">
-              <a:solidFill>
-                <a:srgbClr val="558ED5"/>
-              </a:solidFill>
-            </a:endParaRPr>
-          </a:p>
-        </p:txBody>
-      </p:sp>
-      <p:sp>
-        <p:nvSpPr>
-          <p:cNvPr id="41" name="TextBox 40"/>
+            <a:endParaRPr kumimoji="1" lang="ja-JP" altLang="en-US" sz="1000"/>
+          </a:p>
+        </p:txBody>
+      </p:sp>
+      <p:sp>
+        <p:nvSpPr>
+          <p:cNvPr id="51" name="TextBox 50"/>
           <p:cNvSpPr txBox="1"/>
           <p:nvPr/>
         </p:nvSpPr>
         <p:spPr>
           <a:xfrm>
-            <a:off x="1204938" y="3184025"/>
+            <a:off x="3168706" y="2588971"/>
             <a:ext cx="2096678" cy="215444"/>
           </a:xfrm>
           <a:prstGeom prst="rect">
@@ -38060,14 +38445,14 @@
       </p:sp>
       <p:sp>
         <p:nvSpPr>
-          <p:cNvPr id="42" name="TextBox 41"/>
+          <p:cNvPr id="52" name="TextBox 51"/>
           <p:cNvSpPr txBox="1"/>
           <p:nvPr/>
         </p:nvSpPr>
         <p:spPr>
           <a:xfrm>
-            <a:off x="1200686" y="3331733"/>
-            <a:ext cx="3445934" cy="400110"/>
+            <a:off x="3155986" y="2677410"/>
+            <a:ext cx="1580633" cy="400110"/>
           </a:xfrm>
           <a:prstGeom prst="rect">
             <a:avLst/>
@@ -38080,9 +38465,10 @@
           </a:bodyPr>
           <a:lstStyle/>
           <a:p>
+            <a:pPr algn="just"/>
             <a:r>
               <a:rPr kumimoji="1" lang="en-US" altLang="ja-JP" sz="1000"/>
-              <a:t>Lorem Ipsum is simply dummy text of the printing and typesetting industry. Lorem Ipsum has been the</a:t>
+              <a:t>Lorem Ipsum is simply dummy text of the print … </a:t>
             </a:r>
             <a:endParaRPr kumimoji="1" lang="ja-JP" altLang="en-US" sz="1000"/>
           </a:p>
@@ -38090,13 +38476,13 @@
       </p:sp>
       <p:sp>
         <p:nvSpPr>
-          <p:cNvPr id="43" name="Rectangle 42"/>
+          <p:cNvPr id="53" name="Rectangle 52"/>
           <p:cNvSpPr/>
           <p:nvPr/>
         </p:nvSpPr>
         <p:spPr>
           <a:xfrm>
-            <a:off x="613815" y="3896856"/>
+            <a:off x="2602514" y="2529419"/>
             <a:ext cx="557218" cy="531168"/>
           </a:xfrm>
           <a:prstGeom prst="rect">
@@ -38146,13 +38532,13 @@
       </p:sp>
       <p:sp>
         <p:nvSpPr>
-          <p:cNvPr id="44" name="TextBox 43"/>
+          <p:cNvPr id="54" name="TextBox 53"/>
           <p:cNvSpPr txBox="1"/>
           <p:nvPr/>
         </p:nvSpPr>
         <p:spPr>
           <a:xfrm>
-            <a:off x="1172615" y="3812186"/>
+            <a:off x="759269" y="3122021"/>
             <a:ext cx="505830" cy="246221"/>
           </a:xfrm>
           <a:prstGeom prst="rect">
@@ -38167,30 +38553,22 @@
           <a:lstStyle/>
           <a:p>
             <a:r>
-              <a:rPr kumimoji="1" lang="en-US" altLang="ja-JP" sz="1000">
-                <a:solidFill>
-                  <a:srgbClr val="558ED5"/>
-                </a:solidFill>
-              </a:rPr>
+              <a:rPr kumimoji="1" lang="en-US" altLang="ja-JP" sz="1000"/>
               <a:t>Blog 1</a:t>
             </a:r>
-            <a:endParaRPr kumimoji="1" lang="ja-JP" altLang="en-US" sz="1000">
-              <a:solidFill>
-                <a:srgbClr val="558ED5"/>
-              </a:solidFill>
-            </a:endParaRPr>
-          </a:p>
-        </p:txBody>
-      </p:sp>
-      <p:sp>
-        <p:nvSpPr>
-          <p:cNvPr id="45" name="TextBox 44"/>
+            <a:endParaRPr kumimoji="1" lang="ja-JP" altLang="en-US" sz="1000"/>
+          </a:p>
+        </p:txBody>
+      </p:sp>
+      <p:sp>
+        <p:nvSpPr>
+          <p:cNvPr id="55" name="TextBox 54"/>
           <p:cNvSpPr txBox="1"/>
           <p:nvPr/>
         </p:nvSpPr>
         <p:spPr>
           <a:xfrm>
-            <a:off x="1196434" y="3943849"/>
+            <a:off x="757687" y="3253684"/>
             <a:ext cx="2096678" cy="215444"/>
           </a:xfrm>
           <a:prstGeom prst="rect">
@@ -38226,14 +38604,14 @@
       </p:sp>
       <p:sp>
         <p:nvSpPr>
-          <p:cNvPr id="46" name="TextBox 45"/>
+          <p:cNvPr id="56" name="TextBox 55"/>
           <p:cNvSpPr txBox="1"/>
           <p:nvPr/>
         </p:nvSpPr>
         <p:spPr>
           <a:xfrm>
-            <a:off x="1192182" y="4091557"/>
-            <a:ext cx="3445934" cy="400110"/>
+            <a:off x="744967" y="3342123"/>
+            <a:ext cx="1580633" cy="400110"/>
           </a:xfrm>
           <a:prstGeom prst="rect">
             <a:avLst/>
@@ -38246,9 +38624,10 @@
           </a:bodyPr>
           <a:lstStyle/>
           <a:p>
+            <a:pPr algn="just"/>
             <a:r>
               <a:rPr kumimoji="1" lang="en-US" altLang="ja-JP" sz="1000"/>
-              <a:t>Lorem Ipsum is simply dummy text of the printing and typesetting industry. Lorem Ipsum has been the</a:t>
+              <a:t>Lorem Ipsum is simply dummy text of the print … </a:t>
             </a:r>
             <a:endParaRPr kumimoji="1" lang="ja-JP" altLang="en-US" sz="1000"/>
           </a:p>
@@ -38256,14 +38635,70 @@
       </p:sp>
       <p:sp>
         <p:nvSpPr>
-          <p:cNvPr id="36" name="TextBox 35"/>
+          <p:cNvPr id="57" name="Rectangle 56"/>
+          <p:cNvSpPr/>
+          <p:nvPr/>
+        </p:nvSpPr>
+        <p:spPr>
+          <a:xfrm>
+            <a:off x="191495" y="3194132"/>
+            <a:ext cx="557218" cy="531168"/>
+          </a:xfrm>
+          <a:prstGeom prst="rect">
+            <a:avLst/>
+          </a:prstGeom>
+          <a:ln>
+            <a:solidFill>
+              <a:schemeClr val="tx1"/>
+            </a:solidFill>
+          </a:ln>
+          <a:effectLst/>
+        </p:spPr>
+        <p:style>
+          <a:lnRef idx="1">
+            <a:schemeClr val="accent1"/>
+          </a:lnRef>
+          <a:fillRef idx="3">
+            <a:schemeClr val="accent1"/>
+          </a:fillRef>
+          <a:effectRef idx="2">
+            <a:schemeClr val="accent1"/>
+          </a:effectRef>
+          <a:fontRef idx="minor">
+            <a:schemeClr val="lt1"/>
+          </a:fontRef>
+        </p:style>
+        <p:txBody>
+          <a:bodyPr rtlCol="0" anchor="ctr"/>
+          <a:lstStyle/>
+          <a:p>
+            <a:pPr algn="ctr"/>
+            <a:r>
+              <a:rPr kumimoji="1" lang="en-US" altLang="ja-JP" sz="1000">
+                <a:solidFill>
+                  <a:schemeClr val="tx1"/>
+                </a:solidFill>
+              </a:rPr>
+              <a:t>Image</a:t>
+            </a:r>
+            <a:endParaRPr kumimoji="1" lang="ja-JP" altLang="en-US" sz="1000">
+              <a:solidFill>
+                <a:schemeClr val="tx1"/>
+              </a:solidFill>
+            </a:endParaRPr>
+          </a:p>
+        </p:txBody>
+      </p:sp>
+      <p:sp>
+        <p:nvSpPr>
+          <p:cNvPr id="58" name="TextBox 57"/>
           <p:cNvSpPr txBox="1"/>
           <p:nvPr/>
         </p:nvSpPr>
         <p:spPr>
           <a:xfrm>
-            <a:off x="898869" y="1679607"/>
-            <a:ext cx="392430" cy="246221"/>
+            <a:off x="3166542" y="3122021"/>
+            <a:ext cx="505830" cy="246221"/>
           </a:xfrm>
           <a:prstGeom prst="rect">
             <a:avLst/>
@@ -38277,16 +38712,455 @@
           <a:lstStyle/>
           <a:p>
             <a:r>
+              <a:rPr kumimoji="1" lang="en-US" altLang="ja-JP" sz="1000"/>
+              <a:t>Blog 1</a:t>
+            </a:r>
+            <a:endParaRPr kumimoji="1" lang="ja-JP" altLang="en-US" sz="1000"/>
+          </a:p>
+        </p:txBody>
+      </p:sp>
+      <p:sp>
+        <p:nvSpPr>
+          <p:cNvPr id="59" name="TextBox 58"/>
+          <p:cNvSpPr txBox="1"/>
+          <p:nvPr/>
+        </p:nvSpPr>
+        <p:spPr>
+          <a:xfrm>
+            <a:off x="3164960" y="3253684"/>
+            <a:ext cx="2096678" cy="215444"/>
+          </a:xfrm>
+          <a:prstGeom prst="rect">
+            <a:avLst/>
+          </a:prstGeom>
+          <a:noFill/>
+        </p:spPr>
+        <p:txBody>
+          <a:bodyPr wrap="none" rtlCol="0">
+            <a:spAutoFit/>
+          </a:bodyPr>
+          <a:lstStyle/>
+          <a:p>
+            <a:r>
+              <a:rPr kumimoji="1" lang="en-US" altLang="ja-JP" sz="800" i="1">
+                <a:solidFill>
+                  <a:schemeClr val="bg1">
+                    <a:lumMod val="65000"/>
+                  </a:schemeClr>
+                </a:solidFill>
+              </a:rPr>
+              <a:t>Date: 08/12/2015 12:40 | Author: Tam Pham</a:t>
+            </a:r>
+            <a:endParaRPr kumimoji="1" lang="ja-JP" altLang="en-US" sz="800" i="1">
+              <a:solidFill>
+                <a:schemeClr val="bg1">
+                  <a:lumMod val="65000"/>
+                </a:schemeClr>
+              </a:solidFill>
+            </a:endParaRPr>
+          </a:p>
+        </p:txBody>
+      </p:sp>
+      <p:sp>
+        <p:nvSpPr>
+          <p:cNvPr id="60" name="TextBox 59"/>
+          <p:cNvSpPr txBox="1"/>
+          <p:nvPr/>
+        </p:nvSpPr>
+        <p:spPr>
+          <a:xfrm>
+            <a:off x="3152240" y="3342123"/>
+            <a:ext cx="1580633" cy="400110"/>
+          </a:xfrm>
+          <a:prstGeom prst="rect">
+            <a:avLst/>
+          </a:prstGeom>
+          <a:noFill/>
+        </p:spPr>
+        <p:txBody>
+          <a:bodyPr wrap="square" rtlCol="0">
+            <a:spAutoFit/>
+          </a:bodyPr>
+          <a:lstStyle/>
+          <a:p>
+            <a:pPr algn="just"/>
+            <a:r>
+              <a:rPr kumimoji="1" lang="en-US" altLang="ja-JP" sz="1000"/>
+              <a:t>Lorem Ipsum is simply dummy text of the print … </a:t>
+            </a:r>
+            <a:endParaRPr kumimoji="1" lang="ja-JP" altLang="en-US" sz="1000"/>
+          </a:p>
+        </p:txBody>
+      </p:sp>
+      <p:sp>
+        <p:nvSpPr>
+          <p:cNvPr id="61" name="Rectangle 60"/>
+          <p:cNvSpPr/>
+          <p:nvPr/>
+        </p:nvSpPr>
+        <p:spPr>
+          <a:xfrm>
+            <a:off x="2598768" y="3194132"/>
+            <a:ext cx="557218" cy="531168"/>
+          </a:xfrm>
+          <a:prstGeom prst="rect">
+            <a:avLst/>
+          </a:prstGeom>
+          <a:ln>
+            <a:solidFill>
+              <a:schemeClr val="tx1"/>
+            </a:solidFill>
+          </a:ln>
+          <a:effectLst/>
+        </p:spPr>
+        <p:style>
+          <a:lnRef idx="1">
+            <a:schemeClr val="accent1"/>
+          </a:lnRef>
+          <a:fillRef idx="3">
+            <a:schemeClr val="accent1"/>
+          </a:fillRef>
+          <a:effectRef idx="2">
+            <a:schemeClr val="accent1"/>
+          </a:effectRef>
+          <a:fontRef idx="minor">
+            <a:schemeClr val="lt1"/>
+          </a:fontRef>
+        </p:style>
+        <p:txBody>
+          <a:bodyPr rtlCol="0" anchor="ctr"/>
+          <a:lstStyle/>
+          <a:p>
+            <a:pPr algn="ctr"/>
+            <a:r>
               <a:rPr kumimoji="1" lang="en-US" altLang="ja-JP" sz="1000">
                 <a:solidFill>
-                  <a:srgbClr val="FF0000"/>
+                  <a:schemeClr val="tx1"/>
                 </a:solidFill>
               </a:rPr>
-              <a:t>(10)</a:t>
+              <a:t>Image</a:t>
             </a:r>
             <a:endParaRPr kumimoji="1" lang="ja-JP" altLang="en-US" sz="1000">
               <a:solidFill>
-                <a:srgbClr val="FF0000"/>
+                <a:schemeClr val="tx1"/>
+              </a:solidFill>
+            </a:endParaRPr>
+          </a:p>
+        </p:txBody>
+      </p:sp>
+      <p:sp>
+        <p:nvSpPr>
+          <p:cNvPr id="62" name="TextBox 61"/>
+          <p:cNvSpPr txBox="1"/>
+          <p:nvPr/>
+        </p:nvSpPr>
+        <p:spPr>
+          <a:xfrm>
+            <a:off x="761299" y="3787715"/>
+            <a:ext cx="505830" cy="246221"/>
+          </a:xfrm>
+          <a:prstGeom prst="rect">
+            <a:avLst/>
+          </a:prstGeom>
+          <a:noFill/>
+        </p:spPr>
+        <p:txBody>
+          <a:bodyPr wrap="none" rtlCol="0">
+            <a:spAutoFit/>
+          </a:bodyPr>
+          <a:lstStyle/>
+          <a:p>
+            <a:r>
+              <a:rPr kumimoji="1" lang="en-US" altLang="ja-JP" sz="1000"/>
+              <a:t>Blog 1</a:t>
+            </a:r>
+            <a:endParaRPr kumimoji="1" lang="ja-JP" altLang="en-US" sz="1000"/>
+          </a:p>
+        </p:txBody>
+      </p:sp>
+      <p:sp>
+        <p:nvSpPr>
+          <p:cNvPr id="63" name="TextBox 62"/>
+          <p:cNvSpPr txBox="1"/>
+          <p:nvPr/>
+        </p:nvSpPr>
+        <p:spPr>
+          <a:xfrm>
+            <a:off x="759717" y="3919378"/>
+            <a:ext cx="2096678" cy="215444"/>
+          </a:xfrm>
+          <a:prstGeom prst="rect">
+            <a:avLst/>
+          </a:prstGeom>
+          <a:noFill/>
+        </p:spPr>
+        <p:txBody>
+          <a:bodyPr wrap="none" rtlCol="0">
+            <a:spAutoFit/>
+          </a:bodyPr>
+          <a:lstStyle/>
+          <a:p>
+            <a:r>
+              <a:rPr kumimoji="1" lang="en-US" altLang="ja-JP" sz="800" i="1">
+                <a:solidFill>
+                  <a:schemeClr val="bg1">
+                    <a:lumMod val="65000"/>
+                  </a:schemeClr>
+                </a:solidFill>
+              </a:rPr>
+              <a:t>Date: 08/12/2015 12:40 | Author: Tam Pham</a:t>
+            </a:r>
+            <a:endParaRPr kumimoji="1" lang="ja-JP" altLang="en-US" sz="800" i="1">
+              <a:solidFill>
+                <a:schemeClr val="bg1">
+                  <a:lumMod val="65000"/>
+                </a:schemeClr>
+              </a:solidFill>
+            </a:endParaRPr>
+          </a:p>
+        </p:txBody>
+      </p:sp>
+      <p:sp>
+        <p:nvSpPr>
+          <p:cNvPr id="64" name="TextBox 63"/>
+          <p:cNvSpPr txBox="1"/>
+          <p:nvPr/>
+        </p:nvSpPr>
+        <p:spPr>
+          <a:xfrm>
+            <a:off x="746997" y="4007817"/>
+            <a:ext cx="1580633" cy="400110"/>
+          </a:xfrm>
+          <a:prstGeom prst="rect">
+            <a:avLst/>
+          </a:prstGeom>
+          <a:noFill/>
+        </p:spPr>
+        <p:txBody>
+          <a:bodyPr wrap="square" rtlCol="0">
+            <a:spAutoFit/>
+          </a:bodyPr>
+          <a:lstStyle/>
+          <a:p>
+            <a:pPr algn="just"/>
+            <a:r>
+              <a:rPr kumimoji="1" lang="en-US" altLang="ja-JP" sz="1000"/>
+              <a:t>Lorem Ipsum is simply dummy text of the print … </a:t>
+            </a:r>
+            <a:endParaRPr kumimoji="1" lang="ja-JP" altLang="en-US" sz="1000"/>
+          </a:p>
+        </p:txBody>
+      </p:sp>
+      <p:sp>
+        <p:nvSpPr>
+          <p:cNvPr id="67" name="Rectangle 66"/>
+          <p:cNvSpPr/>
+          <p:nvPr/>
+        </p:nvSpPr>
+        <p:spPr>
+          <a:xfrm>
+            <a:off x="193525" y="3859826"/>
+            <a:ext cx="557218" cy="531168"/>
+          </a:xfrm>
+          <a:prstGeom prst="rect">
+            <a:avLst/>
+          </a:prstGeom>
+          <a:ln>
+            <a:solidFill>
+              <a:schemeClr val="tx1"/>
+            </a:solidFill>
+          </a:ln>
+          <a:effectLst/>
+        </p:spPr>
+        <p:style>
+          <a:lnRef idx="1">
+            <a:schemeClr val="accent1"/>
+          </a:lnRef>
+          <a:fillRef idx="3">
+            <a:schemeClr val="accent1"/>
+          </a:fillRef>
+          <a:effectRef idx="2">
+            <a:schemeClr val="accent1"/>
+          </a:effectRef>
+          <a:fontRef idx="minor">
+            <a:schemeClr val="lt1"/>
+          </a:fontRef>
+        </p:style>
+        <p:txBody>
+          <a:bodyPr rtlCol="0" anchor="ctr"/>
+          <a:lstStyle/>
+          <a:p>
+            <a:pPr algn="ctr"/>
+            <a:r>
+              <a:rPr kumimoji="1" lang="en-US" altLang="ja-JP" sz="1000">
+                <a:solidFill>
+                  <a:schemeClr val="tx1"/>
+                </a:solidFill>
+              </a:rPr>
+              <a:t>Image</a:t>
+            </a:r>
+            <a:endParaRPr kumimoji="1" lang="ja-JP" altLang="en-US" sz="1000">
+              <a:solidFill>
+                <a:schemeClr val="tx1"/>
+              </a:solidFill>
+            </a:endParaRPr>
+          </a:p>
+        </p:txBody>
+      </p:sp>
+      <p:sp>
+        <p:nvSpPr>
+          <p:cNvPr id="68" name="TextBox 67"/>
+          <p:cNvSpPr txBox="1"/>
+          <p:nvPr/>
+        </p:nvSpPr>
+        <p:spPr>
+          <a:xfrm>
+            <a:off x="3168572" y="3787715"/>
+            <a:ext cx="505830" cy="246221"/>
+          </a:xfrm>
+          <a:prstGeom prst="rect">
+            <a:avLst/>
+          </a:prstGeom>
+          <a:noFill/>
+        </p:spPr>
+        <p:txBody>
+          <a:bodyPr wrap="none" rtlCol="0">
+            <a:spAutoFit/>
+          </a:bodyPr>
+          <a:lstStyle/>
+          <a:p>
+            <a:r>
+              <a:rPr kumimoji="1" lang="en-US" altLang="ja-JP" sz="1000"/>
+              <a:t>Blog 1</a:t>
+            </a:r>
+            <a:endParaRPr kumimoji="1" lang="ja-JP" altLang="en-US" sz="1000"/>
+          </a:p>
+        </p:txBody>
+      </p:sp>
+      <p:sp>
+        <p:nvSpPr>
+          <p:cNvPr id="69" name="TextBox 68"/>
+          <p:cNvSpPr txBox="1"/>
+          <p:nvPr/>
+        </p:nvSpPr>
+        <p:spPr>
+          <a:xfrm>
+            <a:off x="3166990" y="3919378"/>
+            <a:ext cx="2096678" cy="215444"/>
+          </a:xfrm>
+          <a:prstGeom prst="rect">
+            <a:avLst/>
+          </a:prstGeom>
+          <a:noFill/>
+        </p:spPr>
+        <p:txBody>
+          <a:bodyPr wrap="none" rtlCol="0">
+            <a:spAutoFit/>
+          </a:bodyPr>
+          <a:lstStyle/>
+          <a:p>
+            <a:r>
+              <a:rPr kumimoji="1" lang="en-US" altLang="ja-JP" sz="800" i="1">
+                <a:solidFill>
+                  <a:schemeClr val="bg1">
+                    <a:lumMod val="65000"/>
+                  </a:schemeClr>
+                </a:solidFill>
+              </a:rPr>
+              <a:t>Date: 08/12/2015 12:40 | Author: Tam Pham</a:t>
+            </a:r>
+            <a:endParaRPr kumimoji="1" lang="ja-JP" altLang="en-US" sz="800" i="1">
+              <a:solidFill>
+                <a:schemeClr val="bg1">
+                  <a:lumMod val="65000"/>
+                </a:schemeClr>
+              </a:solidFill>
+            </a:endParaRPr>
+          </a:p>
+        </p:txBody>
+      </p:sp>
+      <p:sp>
+        <p:nvSpPr>
+          <p:cNvPr id="70" name="TextBox 69"/>
+          <p:cNvSpPr txBox="1"/>
+          <p:nvPr/>
+        </p:nvSpPr>
+        <p:spPr>
+          <a:xfrm>
+            <a:off x="3154270" y="4007817"/>
+            <a:ext cx="1580633" cy="400110"/>
+          </a:xfrm>
+          <a:prstGeom prst="rect">
+            <a:avLst/>
+          </a:prstGeom>
+          <a:noFill/>
+        </p:spPr>
+        <p:txBody>
+          <a:bodyPr wrap="square" rtlCol="0">
+            <a:spAutoFit/>
+          </a:bodyPr>
+          <a:lstStyle/>
+          <a:p>
+            <a:pPr algn="just"/>
+            <a:r>
+              <a:rPr kumimoji="1" lang="en-US" altLang="ja-JP" sz="1000"/>
+              <a:t>Lorem Ipsum is simply dummy text of the print … </a:t>
+            </a:r>
+            <a:endParaRPr kumimoji="1" lang="ja-JP" altLang="en-US" sz="1000"/>
+          </a:p>
+        </p:txBody>
+      </p:sp>
+      <p:sp>
+        <p:nvSpPr>
+          <p:cNvPr id="71" name="Rectangle 70"/>
+          <p:cNvSpPr/>
+          <p:nvPr/>
+        </p:nvSpPr>
+        <p:spPr>
+          <a:xfrm>
+            <a:off x="2600798" y="3859826"/>
+            <a:ext cx="557218" cy="531168"/>
+          </a:xfrm>
+          <a:prstGeom prst="rect">
+            <a:avLst/>
+          </a:prstGeom>
+          <a:ln>
+            <a:solidFill>
+              <a:schemeClr val="tx1"/>
+            </a:solidFill>
+          </a:ln>
+          <a:effectLst/>
+        </p:spPr>
+        <p:style>
+          <a:lnRef idx="1">
+            <a:schemeClr val="accent1"/>
+          </a:lnRef>
+          <a:fillRef idx="3">
+            <a:schemeClr val="accent1"/>
+          </a:fillRef>
+          <a:effectRef idx="2">
+            <a:schemeClr val="accent1"/>
+          </a:effectRef>
+          <a:fontRef idx="minor">
+            <a:schemeClr val="lt1"/>
+          </a:fontRef>
+        </p:style>
+        <p:txBody>
+          <a:bodyPr rtlCol="0" anchor="ctr"/>
+          <a:lstStyle/>
+          <a:p>
+            <a:pPr algn="ctr"/>
+            <a:r>
+              <a:rPr kumimoji="1" lang="en-US" altLang="ja-JP" sz="1000">
+                <a:solidFill>
+                  <a:schemeClr val="tx1"/>
+                </a:solidFill>
+              </a:rPr>
+              <a:t>Image</a:t>
+            </a:r>
+            <a:endParaRPr kumimoji="1" lang="ja-JP" altLang="en-US" sz="1000">
+              <a:solidFill>
+                <a:schemeClr val="tx1"/>
               </a:solidFill>
             </a:endParaRPr>
           </a:p>
@@ -45441,8 +46315,8 @@
         </p:nvSpPr>
         <p:spPr>
           <a:xfrm>
-            <a:off x="387048" y="762000"/>
-            <a:ext cx="3967238" cy="4140623"/>
+            <a:off x="53820" y="767949"/>
+            <a:ext cx="5144711" cy="4395212"/>
           </a:xfrm>
           <a:prstGeom prst="rect">
             <a:avLst/>
@@ -45489,7 +46363,7 @@
         </p:nvSpPr>
         <p:spPr>
           <a:xfrm>
-            <a:off x="387048" y="876073"/>
+            <a:off x="48368" y="876073"/>
             <a:ext cx="1196687" cy="400110"/>
           </a:xfrm>
           <a:prstGeom prst="rect">
@@ -45541,7 +46415,7 @@
         </p:nvSpPr>
         <p:spPr>
           <a:xfrm>
-            <a:off x="401506" y="737671"/>
+            <a:off x="71293" y="737671"/>
             <a:ext cx="837263" cy="246221"/>
           </a:xfrm>
           <a:prstGeom prst="rect">
@@ -45579,7 +46453,7 @@
         </p:nvSpPr>
         <p:spPr>
           <a:xfrm>
-            <a:off x="477876" y="1420804"/>
+            <a:off x="139196" y="1420804"/>
             <a:ext cx="1871134" cy="192975"/>
           </a:xfrm>
           <a:prstGeom prst="rect">
@@ -45634,7 +46508,7 @@
         </p:nvSpPr>
         <p:spPr>
           <a:xfrm>
-            <a:off x="2413000" y="1420804"/>
+            <a:off x="2074320" y="1420804"/>
             <a:ext cx="558800" cy="209383"/>
           </a:xfrm>
           <a:prstGeom prst="rect">
@@ -45676,7 +46550,7 @@
         </p:nvSpPr>
         <p:spPr>
           <a:xfrm>
-            <a:off x="2548467" y="983891"/>
+            <a:off x="2209787" y="983891"/>
             <a:ext cx="1600200" cy="292291"/>
           </a:xfrm>
           <a:prstGeom prst="rect">
@@ -45730,7 +46604,7 @@
         </p:nvCxnSpPr>
         <p:spPr>
           <a:xfrm>
-            <a:off x="477876" y="1921934"/>
+            <a:off x="139196" y="1921934"/>
             <a:ext cx="3670791" cy="0"/>
           </a:xfrm>
           <a:prstGeom prst="line">
@@ -45768,7 +46642,7 @@
         </p:nvSpPr>
         <p:spPr>
           <a:xfrm>
-            <a:off x="384739" y="1668018"/>
+            <a:off x="46059" y="1668018"/>
             <a:ext cx="1287532" cy="253916"/>
           </a:xfrm>
           <a:prstGeom prst="rect">
@@ -45821,14 +46695,14 @@
           <p:nvPr>
             <p:extLst>
               <p:ext uri="{D42A27DB-BD31-4B8C-83A1-F6EECF244321}">
-                <p14:modId xmlns:p14="http://schemas.microsoft.com/office/powerpoint/2010/main" val="3033908097"/>
+                <p14:modId xmlns:p14="http://schemas.microsoft.com/office/powerpoint/2010/main" val="418869539"/>
               </p:ext>
             </p:extLst>
           </p:nvPr>
         </p:nvGraphicFramePr>
         <p:xfrm>
-          <a:off x="4478866" y="740601"/>
-          <a:ext cx="4461935" cy="4390382"/>
+          <a:off x="5342467" y="703620"/>
+          <a:ext cx="3742268" cy="4459540"/>
         </p:xfrm>
         <a:graphic>
           <a:graphicData uri="http://schemas.openxmlformats.org/drawingml/2006/table">
@@ -45837,11 +46711,11 @@
                 <a:tableStyleId>{5202B0CA-FC54-4496-8BCA-5EF66A818D29}</a:tableStyleId>
               </a:tblPr>
               <a:tblGrid>
-                <a:gridCol w="406401"/>
-                <a:gridCol w="1103271"/>
-                <a:gridCol w="1167489"/>
-                <a:gridCol w="1259840"/>
-                <a:gridCol w="524934"/>
+                <a:gridCol w="340852"/>
+                <a:gridCol w="925324"/>
+                <a:gridCol w="537498"/>
+                <a:gridCol w="1430593"/>
+                <a:gridCol w="508001"/>
               </a:tblGrid>
               <a:tr h="327082">
                 <a:tc>
@@ -46752,7 +47626,7 @@
         </p:nvSpPr>
         <p:spPr>
           <a:xfrm>
-            <a:off x="3039533" y="1421797"/>
+            <a:off x="2700853" y="1421797"/>
             <a:ext cx="327433" cy="246221"/>
           </a:xfrm>
           <a:prstGeom prst="rect">
@@ -46790,7 +47664,7 @@
         </p:nvSpPr>
         <p:spPr>
           <a:xfrm>
-            <a:off x="410140" y="2150532"/>
+            <a:off x="71460" y="2150532"/>
             <a:ext cx="2351926" cy="246221"/>
           </a:xfrm>
           <a:prstGeom prst="rect">
@@ -46844,7 +47718,7 @@
         </p:nvSpPr>
         <p:spPr>
           <a:xfrm>
-            <a:off x="3255433" y="774097"/>
+            <a:off x="2925220" y="774097"/>
             <a:ext cx="327433" cy="246221"/>
           </a:xfrm>
           <a:prstGeom prst="rect">
@@ -46882,7 +47756,7 @@
         </p:nvSpPr>
         <p:spPr>
           <a:xfrm>
-            <a:off x="3712633" y="774097"/>
+            <a:off x="3382420" y="774097"/>
             <a:ext cx="327433" cy="246221"/>
           </a:xfrm>
           <a:prstGeom prst="rect">
@@ -46920,7 +47794,7 @@
         </p:nvSpPr>
         <p:spPr>
           <a:xfrm>
-            <a:off x="2689143" y="2147668"/>
+            <a:off x="2350463" y="2147668"/>
             <a:ext cx="327433" cy="246221"/>
           </a:xfrm>
           <a:prstGeom prst="rect">
@@ -46958,7 +47832,7 @@
         </p:nvSpPr>
         <p:spPr>
           <a:xfrm>
-            <a:off x="571436" y="2769247"/>
+            <a:off x="232756" y="2769247"/>
             <a:ext cx="327433" cy="246221"/>
           </a:xfrm>
           <a:prstGeom prst="rect">
@@ -46996,7 +47870,7 @@
         </p:nvSpPr>
         <p:spPr>
           <a:xfrm>
-            <a:off x="2079507" y="2398282"/>
+            <a:off x="1563020" y="2347480"/>
             <a:ext cx="327433" cy="246221"/>
           </a:xfrm>
           <a:prstGeom prst="rect">
@@ -47034,7 +47908,7 @@
         </p:nvSpPr>
         <p:spPr>
           <a:xfrm>
-            <a:off x="2186599" y="2555260"/>
+            <a:off x="1687046" y="2462123"/>
             <a:ext cx="327433" cy="246221"/>
           </a:xfrm>
           <a:prstGeom prst="rect">
@@ -47072,7 +47946,7 @@
         </p:nvSpPr>
         <p:spPr>
           <a:xfrm>
-            <a:off x="2145979" y="2722283"/>
+            <a:off x="1629492" y="2603745"/>
             <a:ext cx="327433" cy="246221"/>
           </a:xfrm>
           <a:prstGeom prst="rect">
@@ -47110,8 +47984,8 @@
         </p:nvSpPr>
         <p:spPr>
           <a:xfrm>
-            <a:off x="524930" y="2482950"/>
-            <a:ext cx="768406" cy="732483"/>
+            <a:off x="118514" y="2482951"/>
+            <a:ext cx="660417" cy="629542"/>
           </a:xfrm>
           <a:prstGeom prst="rect">
             <a:avLst/>
@@ -47166,7 +48040,7 @@
         </p:nvSpPr>
         <p:spPr>
           <a:xfrm>
-            <a:off x="1295405" y="2406748"/>
+            <a:off x="736583" y="2364413"/>
             <a:ext cx="882911" cy="246221"/>
           </a:xfrm>
           <a:prstGeom prst="rect">
@@ -47196,7 +48070,7 @@
         </p:nvSpPr>
         <p:spPr>
           <a:xfrm>
-            <a:off x="1302290" y="2572279"/>
+            <a:off x="743468" y="2504543"/>
             <a:ext cx="1131814" cy="215444"/>
           </a:xfrm>
           <a:prstGeom prst="rect">
@@ -47238,7 +48112,7 @@
         </p:nvSpPr>
         <p:spPr>
           <a:xfrm>
-            <a:off x="2155387" y="2857187"/>
+            <a:off x="1655834" y="2764050"/>
             <a:ext cx="327433" cy="246221"/>
           </a:xfrm>
           <a:prstGeom prst="rect">
@@ -47276,7 +48150,7 @@
         </p:nvSpPr>
         <p:spPr>
           <a:xfrm>
-            <a:off x="1306542" y="2703771"/>
+            <a:off x="747720" y="2602167"/>
             <a:ext cx="1048973" cy="553998"/>
           </a:xfrm>
           <a:prstGeom prst="rect">
@@ -47326,14 +48200,14 @@
       </p:sp>
       <p:sp>
         <p:nvSpPr>
-          <p:cNvPr id="41" name="Rectangle 40"/>
+          <p:cNvPr id="53" name="Rectangle 52"/>
           <p:cNvSpPr/>
           <p:nvPr/>
         </p:nvSpPr>
         <p:spPr>
           <a:xfrm>
-            <a:off x="2409790" y="2482951"/>
-            <a:ext cx="768406" cy="732483"/>
+            <a:off x="131746" y="4249025"/>
+            <a:ext cx="508001" cy="279400"/>
           </a:xfrm>
           <a:prstGeom prst="rect">
             <a:avLst/>
@@ -47370,7 +48244,7 @@
                   <a:schemeClr val="tx1"/>
                 </a:solidFill>
               </a:rPr>
-              <a:t>Avatar</a:t>
+              <a:t>Prev</a:t>
             </a:r>
             <a:endParaRPr kumimoji="1" lang="ja-JP" altLang="en-US" sz="1000">
               <a:solidFill>
@@ -47382,14 +48256,168 @@
       </p:sp>
       <p:sp>
         <p:nvSpPr>
-          <p:cNvPr id="42" name="TextBox 41"/>
+          <p:cNvPr id="54" name="Rectangle 53"/>
+          <p:cNvSpPr/>
+          <p:nvPr/>
+        </p:nvSpPr>
+        <p:spPr>
+          <a:xfrm>
+            <a:off x="724421" y="4249019"/>
+            <a:ext cx="254000" cy="279400"/>
+          </a:xfrm>
+          <a:prstGeom prst="rect">
+            <a:avLst/>
+          </a:prstGeom>
+        </p:spPr>
+        <p:style>
+          <a:lnRef idx="1">
+            <a:schemeClr val="accent1"/>
+          </a:lnRef>
+          <a:fillRef idx="3">
+            <a:schemeClr val="accent1"/>
+          </a:fillRef>
+          <a:effectRef idx="2">
+            <a:schemeClr val="accent1"/>
+          </a:effectRef>
+          <a:fontRef idx="minor">
+            <a:schemeClr val="lt1"/>
+          </a:fontRef>
+        </p:style>
+        <p:txBody>
+          <a:bodyPr rtlCol="0" anchor="ctr"/>
+          <a:lstStyle/>
+          <a:p>
+            <a:pPr algn="ctr"/>
+            <a:r>
+              <a:rPr kumimoji="1" lang="en-US" altLang="ja-JP" sz="1000"/>
+              <a:t>1</a:t>
+            </a:r>
+            <a:endParaRPr kumimoji="1" lang="ja-JP" altLang="en-US" sz="1000"/>
+          </a:p>
+        </p:txBody>
+      </p:sp>
+      <p:sp>
+        <p:nvSpPr>
+          <p:cNvPr id="55" name="Rectangle 54"/>
+          <p:cNvSpPr/>
+          <p:nvPr/>
+        </p:nvSpPr>
+        <p:spPr>
+          <a:xfrm>
+            <a:off x="1071568" y="4249019"/>
+            <a:ext cx="254000" cy="279400"/>
+          </a:xfrm>
+          <a:prstGeom prst="rect">
+            <a:avLst/>
+          </a:prstGeom>
+          <a:ln>
+            <a:solidFill>
+              <a:schemeClr val="tx1"/>
+            </a:solidFill>
+          </a:ln>
+          <a:effectLst/>
+        </p:spPr>
+        <p:style>
+          <a:lnRef idx="1">
+            <a:schemeClr val="accent1"/>
+          </a:lnRef>
+          <a:fillRef idx="3">
+            <a:schemeClr val="accent1"/>
+          </a:fillRef>
+          <a:effectRef idx="2">
+            <a:schemeClr val="accent1"/>
+          </a:effectRef>
+          <a:fontRef idx="minor">
+            <a:schemeClr val="lt1"/>
+          </a:fontRef>
+        </p:style>
+        <p:txBody>
+          <a:bodyPr rtlCol="0" anchor="ctr"/>
+          <a:lstStyle/>
+          <a:p>
+            <a:pPr algn="ctr"/>
+            <a:r>
+              <a:rPr kumimoji="1" lang="en-US" altLang="ja-JP" sz="1000">
+                <a:solidFill>
+                  <a:schemeClr val="tx1"/>
+                </a:solidFill>
+              </a:rPr>
+              <a:t>2</a:t>
+            </a:r>
+            <a:endParaRPr kumimoji="1" lang="ja-JP" altLang="en-US" sz="1000">
+              <a:solidFill>
+                <a:schemeClr val="tx1"/>
+              </a:solidFill>
+            </a:endParaRPr>
+          </a:p>
+        </p:txBody>
+      </p:sp>
+      <p:sp>
+        <p:nvSpPr>
+          <p:cNvPr id="56" name="Rectangle 55"/>
+          <p:cNvSpPr/>
+          <p:nvPr/>
+        </p:nvSpPr>
+        <p:spPr>
+          <a:xfrm>
+            <a:off x="1427181" y="4249019"/>
+            <a:ext cx="482566" cy="279400"/>
+          </a:xfrm>
+          <a:prstGeom prst="rect">
+            <a:avLst/>
+          </a:prstGeom>
+          <a:ln>
+            <a:solidFill>
+              <a:schemeClr val="tx1"/>
+            </a:solidFill>
+          </a:ln>
+          <a:effectLst/>
+        </p:spPr>
+        <p:style>
+          <a:lnRef idx="1">
+            <a:schemeClr val="accent1"/>
+          </a:lnRef>
+          <a:fillRef idx="3">
+            <a:schemeClr val="accent1"/>
+          </a:fillRef>
+          <a:effectRef idx="2">
+            <a:schemeClr val="accent1"/>
+          </a:effectRef>
+          <a:fontRef idx="minor">
+            <a:schemeClr val="lt1"/>
+          </a:fontRef>
+        </p:style>
+        <p:txBody>
+          <a:bodyPr rtlCol="0" anchor="ctr"/>
+          <a:lstStyle/>
+          <a:p>
+            <a:pPr algn="ctr"/>
+            <a:r>
+              <a:rPr kumimoji="1" lang="en-US" altLang="ja-JP" sz="1000">
+                <a:solidFill>
+                  <a:schemeClr val="tx1"/>
+                </a:solidFill>
+              </a:rPr>
+              <a:t>Next</a:t>
+            </a:r>
+            <a:endParaRPr kumimoji="1" lang="ja-JP" altLang="en-US" sz="1000">
+              <a:solidFill>
+                <a:schemeClr val="tx1"/>
+              </a:solidFill>
+            </a:endParaRPr>
+          </a:p>
+        </p:txBody>
+      </p:sp>
+      <p:sp>
+        <p:nvSpPr>
+          <p:cNvPr id="57" name="TextBox 56"/>
           <p:cNvSpPr txBox="1"/>
           <p:nvPr/>
         </p:nvSpPr>
         <p:spPr>
           <a:xfrm>
-            <a:off x="3180265" y="2406749"/>
-            <a:ext cx="882911" cy="246221"/>
+            <a:off x="1563346" y="2926219"/>
+            <a:ext cx="392430" cy="246221"/>
           </a:xfrm>
           <a:prstGeom prst="rect">
             <a:avLst/>
@@ -47403,6 +48431,214 @@
           <a:lstStyle/>
           <a:p>
             <a:r>
+              <a:rPr kumimoji="1" lang="en-US" altLang="ja-JP" sz="1000">
+                <a:solidFill>
+                  <a:srgbClr val="FF0000"/>
+                </a:solidFill>
+              </a:rPr>
+              <a:t>(10)</a:t>
+            </a:r>
+            <a:endParaRPr kumimoji="1" lang="ja-JP" altLang="en-US" sz="1000">
+              <a:solidFill>
+                <a:srgbClr val="FF0000"/>
+              </a:solidFill>
+            </a:endParaRPr>
+          </a:p>
+        </p:txBody>
+      </p:sp>
+      <p:sp>
+        <p:nvSpPr>
+          <p:cNvPr id="58" name="TextBox 57"/>
+          <p:cNvSpPr txBox="1"/>
+          <p:nvPr/>
+        </p:nvSpPr>
+        <p:spPr>
+          <a:xfrm>
+            <a:off x="182080" y="2970548"/>
+            <a:ext cx="392430" cy="246221"/>
+          </a:xfrm>
+          <a:prstGeom prst="rect">
+            <a:avLst/>
+          </a:prstGeom>
+          <a:noFill/>
+        </p:spPr>
+        <p:txBody>
+          <a:bodyPr wrap="none" rtlCol="0">
+            <a:spAutoFit/>
+          </a:bodyPr>
+          <a:lstStyle/>
+          <a:p>
+            <a:r>
+              <a:rPr kumimoji="1" lang="en-US" altLang="ja-JP" sz="1000">
+                <a:solidFill>
+                  <a:srgbClr val="FF0000"/>
+                </a:solidFill>
+              </a:rPr>
+              <a:t>(11)</a:t>
+            </a:r>
+            <a:endParaRPr kumimoji="1" lang="ja-JP" altLang="en-US" sz="1000">
+              <a:solidFill>
+                <a:srgbClr val="FF0000"/>
+              </a:solidFill>
+            </a:endParaRPr>
+          </a:p>
+        </p:txBody>
+      </p:sp>
+      <p:sp>
+        <p:nvSpPr>
+          <p:cNvPr id="59" name="TextBox 58"/>
+          <p:cNvSpPr txBox="1"/>
+          <p:nvPr/>
+        </p:nvSpPr>
+        <p:spPr>
+          <a:xfrm>
+            <a:off x="2080913" y="4285126"/>
+            <a:ext cx="392430" cy="246221"/>
+          </a:xfrm>
+          <a:prstGeom prst="rect">
+            <a:avLst/>
+          </a:prstGeom>
+          <a:noFill/>
+        </p:spPr>
+        <p:txBody>
+          <a:bodyPr wrap="none" rtlCol="0">
+            <a:spAutoFit/>
+          </a:bodyPr>
+          <a:lstStyle/>
+          <a:p>
+            <a:r>
+              <a:rPr kumimoji="1" lang="en-US" altLang="ja-JP" sz="1000">
+                <a:solidFill>
+                  <a:srgbClr val="FF0000"/>
+                </a:solidFill>
+              </a:rPr>
+              <a:t>(12)</a:t>
+            </a:r>
+            <a:endParaRPr kumimoji="1" lang="ja-JP" altLang="en-US" sz="1000">
+              <a:solidFill>
+                <a:srgbClr val="FF0000"/>
+              </a:solidFill>
+            </a:endParaRPr>
+          </a:p>
+        </p:txBody>
+      </p:sp>
+      <p:sp>
+        <p:nvSpPr>
+          <p:cNvPr id="60" name="TextBox 59"/>
+          <p:cNvSpPr txBox="1"/>
+          <p:nvPr/>
+        </p:nvSpPr>
+        <p:spPr>
+          <a:xfrm>
+            <a:off x="1417639" y="1675713"/>
+            <a:ext cx="327433" cy="246221"/>
+          </a:xfrm>
+          <a:prstGeom prst="rect">
+            <a:avLst/>
+          </a:prstGeom>
+          <a:noFill/>
+        </p:spPr>
+        <p:txBody>
+          <a:bodyPr wrap="none" rtlCol="0">
+            <a:spAutoFit/>
+          </a:bodyPr>
+          <a:lstStyle/>
+          <a:p>
+            <a:r>
+              <a:rPr kumimoji="1" lang="en-US" altLang="ja-JP" sz="1000">
+                <a:solidFill>
+                  <a:srgbClr val="FF0000"/>
+                </a:solidFill>
+              </a:rPr>
+              <a:t>(5)</a:t>
+            </a:r>
+            <a:endParaRPr kumimoji="1" lang="ja-JP" altLang="en-US" sz="1000">
+              <a:solidFill>
+                <a:srgbClr val="FF0000"/>
+              </a:solidFill>
+            </a:endParaRPr>
+          </a:p>
+        </p:txBody>
+      </p:sp>
+      <p:sp>
+        <p:nvSpPr>
+          <p:cNvPr id="65" name="Rectangle 64"/>
+          <p:cNvSpPr/>
+          <p:nvPr/>
+        </p:nvSpPr>
+        <p:spPr>
+          <a:xfrm>
+            <a:off x="1880722" y="2504543"/>
+            <a:ext cx="660417" cy="629542"/>
+          </a:xfrm>
+          <a:prstGeom prst="rect">
+            <a:avLst/>
+          </a:prstGeom>
+          <a:ln>
+            <a:solidFill>
+              <a:schemeClr val="tx1"/>
+            </a:solidFill>
+          </a:ln>
+          <a:effectLst/>
+        </p:spPr>
+        <p:style>
+          <a:lnRef idx="1">
+            <a:schemeClr val="accent1"/>
+          </a:lnRef>
+          <a:fillRef idx="3">
+            <a:schemeClr val="accent1"/>
+          </a:fillRef>
+          <a:effectRef idx="2">
+            <a:schemeClr val="accent1"/>
+          </a:effectRef>
+          <a:fontRef idx="minor">
+            <a:schemeClr val="lt1"/>
+          </a:fontRef>
+        </p:style>
+        <p:txBody>
+          <a:bodyPr rtlCol="0" anchor="ctr"/>
+          <a:lstStyle/>
+          <a:p>
+            <a:pPr algn="ctr"/>
+            <a:r>
+              <a:rPr kumimoji="1" lang="en-US" altLang="ja-JP" sz="1000">
+                <a:solidFill>
+                  <a:schemeClr val="tx1"/>
+                </a:solidFill>
+              </a:rPr>
+              <a:t>Avatar</a:t>
+            </a:r>
+            <a:endParaRPr kumimoji="1" lang="ja-JP" altLang="en-US" sz="1000">
+              <a:solidFill>
+                <a:schemeClr val="tx1"/>
+              </a:solidFill>
+            </a:endParaRPr>
+          </a:p>
+        </p:txBody>
+      </p:sp>
+      <p:sp>
+        <p:nvSpPr>
+          <p:cNvPr id="66" name="TextBox 65"/>
+          <p:cNvSpPr txBox="1"/>
+          <p:nvPr/>
+        </p:nvSpPr>
+        <p:spPr>
+          <a:xfrm>
+            <a:off x="2498791" y="2386005"/>
+            <a:ext cx="882911" cy="246221"/>
+          </a:xfrm>
+          <a:prstGeom prst="rect">
+            <a:avLst/>
+          </a:prstGeom>
+          <a:noFill/>
+        </p:spPr>
+        <p:txBody>
+          <a:bodyPr wrap="none" rtlCol="0">
+            <a:spAutoFit/>
+          </a:bodyPr>
+          <a:lstStyle/>
+          <a:p>
+            <a:r>
               <a:rPr kumimoji="1" lang="en-US" altLang="ja-JP" sz="1000"/>
               <a:t>phamduytam</a:t>
             </a:r>
@@ -47412,13 +48648,13 @@
       </p:sp>
       <p:sp>
         <p:nvSpPr>
-          <p:cNvPr id="43" name="TextBox 42"/>
+          <p:cNvPr id="67" name="TextBox 66"/>
           <p:cNvSpPr txBox="1"/>
           <p:nvPr/>
         </p:nvSpPr>
         <p:spPr>
           <a:xfrm>
-            <a:off x="3187150" y="2572280"/>
+            <a:off x="2497209" y="2526135"/>
             <a:ext cx="1131814" cy="215444"/>
           </a:xfrm>
           <a:prstGeom prst="rect">
@@ -47454,13 +48690,13 @@
       </p:sp>
       <p:sp>
         <p:nvSpPr>
-          <p:cNvPr id="44" name="TextBox 43"/>
+          <p:cNvPr id="68" name="TextBox 67"/>
           <p:cNvSpPr txBox="1"/>
           <p:nvPr/>
         </p:nvSpPr>
         <p:spPr>
           <a:xfrm>
-            <a:off x="3191402" y="2703772"/>
+            <a:off x="2509928" y="2623759"/>
             <a:ext cx="1048973" cy="553998"/>
           </a:xfrm>
           <a:prstGeom prst="rect">
@@ -47489,14 +48725,20 @@
             <a:r>
               <a:rPr kumimoji="1" lang="en-US" altLang="ja-JP" sz="1000" u="sng">
                 <a:solidFill>
-                  <a:srgbClr val="558ED5"/>
+                  <a:schemeClr val="tx2">
+                    <a:lumMod val="60000"/>
+                    <a:lumOff val="40000"/>
+                  </a:schemeClr>
                 </a:solidFill>
               </a:rPr>
               <a:t>View all Post</a:t>
             </a:r>
             <a:endParaRPr kumimoji="1" lang="ja-JP" altLang="en-US" sz="1000" u="sng">
               <a:solidFill>
-                <a:srgbClr val="558ED5"/>
+                <a:schemeClr val="tx2">
+                  <a:lumMod val="60000"/>
+                  <a:lumOff val="40000"/>
+                </a:schemeClr>
               </a:solidFill>
             </a:endParaRPr>
           </a:p>
@@ -47504,14 +48746,14 @@
       </p:sp>
       <p:sp>
         <p:nvSpPr>
-          <p:cNvPr id="45" name="Rectangle 44"/>
+          <p:cNvPr id="69" name="Rectangle 68"/>
           <p:cNvSpPr/>
           <p:nvPr/>
         </p:nvSpPr>
         <p:spPr>
           <a:xfrm>
-            <a:off x="520760" y="3592083"/>
-            <a:ext cx="768406" cy="732483"/>
+            <a:off x="3533500" y="2466665"/>
+            <a:ext cx="660417" cy="629542"/>
           </a:xfrm>
           <a:prstGeom prst="rect">
             <a:avLst/>
@@ -47560,13 +48802,13 @@
       </p:sp>
       <p:sp>
         <p:nvSpPr>
-          <p:cNvPr id="46" name="TextBox 45"/>
+          <p:cNvPr id="70" name="TextBox 69"/>
           <p:cNvSpPr txBox="1"/>
           <p:nvPr/>
         </p:nvSpPr>
         <p:spPr>
           <a:xfrm>
-            <a:off x="1291235" y="3515881"/>
+            <a:off x="4151569" y="2348127"/>
             <a:ext cx="882911" cy="246221"/>
           </a:xfrm>
           <a:prstGeom prst="rect">
@@ -47590,13 +48832,13 @@
       </p:sp>
       <p:sp>
         <p:nvSpPr>
-          <p:cNvPr id="47" name="TextBox 46"/>
+          <p:cNvPr id="71" name="TextBox 70"/>
           <p:cNvSpPr txBox="1"/>
           <p:nvPr/>
         </p:nvSpPr>
         <p:spPr>
           <a:xfrm>
-            <a:off x="1298120" y="3681412"/>
+            <a:off x="4149987" y="2488257"/>
             <a:ext cx="1131814" cy="215444"/>
           </a:xfrm>
           <a:prstGeom prst="rect">
@@ -47632,13 +48874,13 @@
       </p:sp>
       <p:sp>
         <p:nvSpPr>
-          <p:cNvPr id="48" name="TextBox 47"/>
+          <p:cNvPr id="72" name="TextBox 71"/>
           <p:cNvSpPr txBox="1"/>
           <p:nvPr/>
         </p:nvSpPr>
         <p:spPr>
           <a:xfrm>
-            <a:off x="1302372" y="3812904"/>
+            <a:off x="4162706" y="2585881"/>
             <a:ext cx="1048973" cy="553998"/>
           </a:xfrm>
           <a:prstGeom prst="rect">
@@ -47667,14 +48909,20 @@
             <a:r>
               <a:rPr kumimoji="1" lang="en-US" altLang="ja-JP" sz="1000" u="sng">
                 <a:solidFill>
-                  <a:srgbClr val="558ED5"/>
+                  <a:schemeClr val="tx2">
+                    <a:lumMod val="60000"/>
+                    <a:lumOff val="40000"/>
+                  </a:schemeClr>
                 </a:solidFill>
               </a:rPr>
               <a:t>View all Post</a:t>
             </a:r>
             <a:endParaRPr kumimoji="1" lang="ja-JP" altLang="en-US" sz="1000" u="sng">
               <a:solidFill>
-                <a:srgbClr val="558ED5"/>
+                <a:schemeClr val="tx2">
+                  <a:lumMod val="60000"/>
+                  <a:lumOff val="40000"/>
+                </a:schemeClr>
               </a:solidFill>
             </a:endParaRPr>
           </a:p>
@@ -47682,14 +48930,14 @@
       </p:sp>
       <p:sp>
         <p:nvSpPr>
-          <p:cNvPr id="49" name="Rectangle 48"/>
+          <p:cNvPr id="73" name="Rectangle 72"/>
           <p:cNvSpPr/>
           <p:nvPr/>
         </p:nvSpPr>
         <p:spPr>
           <a:xfrm>
-            <a:off x="2413000" y="3578052"/>
-            <a:ext cx="768406" cy="732483"/>
+            <a:off x="135028" y="3308565"/>
+            <a:ext cx="660417" cy="629542"/>
           </a:xfrm>
           <a:prstGeom prst="rect">
             <a:avLst/>
@@ -47738,13 +48986,13 @@
       </p:sp>
       <p:sp>
         <p:nvSpPr>
-          <p:cNvPr id="50" name="TextBox 49"/>
+          <p:cNvPr id="74" name="TextBox 73"/>
           <p:cNvSpPr txBox="1"/>
           <p:nvPr/>
         </p:nvSpPr>
         <p:spPr>
           <a:xfrm>
-            <a:off x="3183475" y="3501850"/>
+            <a:off x="753097" y="3190027"/>
             <a:ext cx="882911" cy="246221"/>
           </a:xfrm>
           <a:prstGeom prst="rect">
@@ -47768,13 +49016,13 @@
       </p:sp>
       <p:sp>
         <p:nvSpPr>
-          <p:cNvPr id="51" name="TextBox 50"/>
+          <p:cNvPr id="75" name="TextBox 74"/>
           <p:cNvSpPr txBox="1"/>
           <p:nvPr/>
         </p:nvSpPr>
         <p:spPr>
           <a:xfrm>
-            <a:off x="3190360" y="3667381"/>
+            <a:off x="751515" y="3330157"/>
             <a:ext cx="1131814" cy="215444"/>
           </a:xfrm>
           <a:prstGeom prst="rect">
@@ -47810,13 +49058,13 @@
       </p:sp>
       <p:sp>
         <p:nvSpPr>
-          <p:cNvPr id="52" name="TextBox 51"/>
+          <p:cNvPr id="76" name="TextBox 75"/>
           <p:cNvSpPr txBox="1"/>
           <p:nvPr/>
         </p:nvSpPr>
         <p:spPr>
           <a:xfrm>
-            <a:off x="3194612" y="3798873"/>
+            <a:off x="764234" y="3427781"/>
             <a:ext cx="1048973" cy="553998"/>
           </a:xfrm>
           <a:prstGeom prst="rect">
@@ -47845,14 +49093,20 @@
             <a:r>
               <a:rPr kumimoji="1" lang="en-US" altLang="ja-JP" sz="1000" u="sng">
                 <a:solidFill>
-                  <a:srgbClr val="558ED5"/>
+                  <a:schemeClr val="tx2">
+                    <a:lumMod val="60000"/>
+                    <a:lumOff val="40000"/>
+                  </a:schemeClr>
                 </a:solidFill>
               </a:rPr>
               <a:t>View all Post</a:t>
             </a:r>
             <a:endParaRPr kumimoji="1" lang="ja-JP" altLang="en-US" sz="1000" u="sng">
               <a:solidFill>
-                <a:srgbClr val="558ED5"/>
+                <a:schemeClr val="tx2">
+                  <a:lumMod val="60000"/>
+                  <a:lumOff val="40000"/>
+                </a:schemeClr>
               </a:solidFill>
             </a:endParaRPr>
           </a:p>
@@ -47860,14 +49114,14 @@
       </p:sp>
       <p:sp>
         <p:nvSpPr>
-          <p:cNvPr id="53" name="Rectangle 52"/>
+          <p:cNvPr id="77" name="Rectangle 76"/>
           <p:cNvSpPr/>
           <p:nvPr/>
         </p:nvSpPr>
         <p:spPr>
           <a:xfrm>
-            <a:off x="477876" y="4541749"/>
-            <a:ext cx="508001" cy="279400"/>
+            <a:off x="1889129" y="3264893"/>
+            <a:ext cx="660417" cy="629542"/>
           </a:xfrm>
           <a:prstGeom prst="rect">
             <a:avLst/>
@@ -47904,7 +49158,7 @@
                   <a:schemeClr val="tx1"/>
                 </a:solidFill>
               </a:rPr>
-              <a:t>Prev</a:t>
+              <a:t>Avatar</a:t>
             </a:r>
             <a:endParaRPr kumimoji="1" lang="ja-JP" altLang="en-US" sz="1000">
               <a:solidFill>
@@ -47916,56 +49170,142 @@
       </p:sp>
       <p:sp>
         <p:nvSpPr>
-          <p:cNvPr id="54" name="Rectangle 53"/>
+          <p:cNvPr id="78" name="TextBox 77"/>
+          <p:cNvSpPr txBox="1"/>
+          <p:nvPr/>
+        </p:nvSpPr>
+        <p:spPr>
+          <a:xfrm>
+            <a:off x="2507198" y="3146355"/>
+            <a:ext cx="882911" cy="246221"/>
+          </a:xfrm>
+          <a:prstGeom prst="rect">
+            <a:avLst/>
+          </a:prstGeom>
+          <a:noFill/>
+        </p:spPr>
+        <p:txBody>
+          <a:bodyPr wrap="none" rtlCol="0">
+            <a:spAutoFit/>
+          </a:bodyPr>
+          <a:lstStyle/>
+          <a:p>
+            <a:r>
+              <a:rPr kumimoji="1" lang="en-US" altLang="ja-JP" sz="1000"/>
+              <a:t>phamduytam</a:t>
+            </a:r>
+            <a:endParaRPr kumimoji="1" lang="ja-JP" altLang="en-US" sz="1000"/>
+          </a:p>
+        </p:txBody>
+      </p:sp>
+      <p:sp>
+        <p:nvSpPr>
+          <p:cNvPr id="79" name="TextBox 78"/>
+          <p:cNvSpPr txBox="1"/>
+          <p:nvPr/>
+        </p:nvSpPr>
+        <p:spPr>
+          <a:xfrm>
+            <a:off x="2505616" y="3286485"/>
+            <a:ext cx="1131814" cy="215444"/>
+          </a:xfrm>
+          <a:prstGeom prst="rect">
+            <a:avLst/>
+          </a:prstGeom>
+          <a:noFill/>
+        </p:spPr>
+        <p:txBody>
+          <a:bodyPr wrap="none" rtlCol="0">
+            <a:spAutoFit/>
+          </a:bodyPr>
+          <a:lstStyle/>
+          <a:p>
+            <a:r>
+              <a:rPr kumimoji="1" lang="en-US" altLang="ja-JP" sz="800" i="1">
+                <a:solidFill>
+                  <a:schemeClr val="bg1">
+                    <a:lumMod val="65000"/>
+                  </a:schemeClr>
+                </a:solidFill>
+              </a:rPr>
+              <a:t>Date join: 08/12/2015</a:t>
+            </a:r>
+            <a:endParaRPr kumimoji="1" lang="ja-JP" altLang="en-US" sz="800" i="1">
+              <a:solidFill>
+                <a:schemeClr val="bg1">
+                  <a:lumMod val="65000"/>
+                </a:schemeClr>
+              </a:solidFill>
+            </a:endParaRPr>
+          </a:p>
+        </p:txBody>
+      </p:sp>
+      <p:sp>
+        <p:nvSpPr>
+          <p:cNvPr id="80" name="TextBox 79"/>
+          <p:cNvSpPr txBox="1"/>
+          <p:nvPr/>
+        </p:nvSpPr>
+        <p:spPr>
+          <a:xfrm>
+            <a:off x="2518335" y="3384109"/>
+            <a:ext cx="1048973" cy="553998"/>
+          </a:xfrm>
+          <a:prstGeom prst="rect">
+            <a:avLst/>
+          </a:prstGeom>
+          <a:noFill/>
+        </p:spPr>
+        <p:txBody>
+          <a:bodyPr wrap="none" rtlCol="0">
+            <a:spAutoFit/>
+          </a:bodyPr>
+          <a:lstStyle/>
+          <a:p>
+            <a:r>
+              <a:rPr kumimoji="1" lang="en-US" altLang="ja-JP" sz="1000"/>
+              <a:t>Firstname: Tam</a:t>
+            </a:r>
+          </a:p>
+          <a:p>
+            <a:r>
+              <a:rPr kumimoji="1" lang="en-US" altLang="ja-JP" sz="1000"/>
+              <a:t>Lastname: Pham</a:t>
+            </a:r>
+          </a:p>
+          <a:p>
+            <a:r>
+              <a:rPr kumimoji="1" lang="en-US" altLang="ja-JP" sz="1000" u="sng">
+                <a:solidFill>
+                  <a:schemeClr val="tx2">
+                    <a:lumMod val="60000"/>
+                    <a:lumOff val="40000"/>
+                  </a:schemeClr>
+                </a:solidFill>
+              </a:rPr>
+              <a:t>View all Post</a:t>
+            </a:r>
+            <a:endParaRPr kumimoji="1" lang="ja-JP" altLang="en-US" sz="1000" u="sng">
+              <a:solidFill>
+                <a:schemeClr val="tx2">
+                  <a:lumMod val="60000"/>
+                  <a:lumOff val="40000"/>
+                </a:schemeClr>
+              </a:solidFill>
+            </a:endParaRPr>
+          </a:p>
+        </p:txBody>
+      </p:sp>
+      <p:sp>
+        <p:nvSpPr>
+          <p:cNvPr id="81" name="Rectangle 80"/>
           <p:cNvSpPr/>
           <p:nvPr/>
         </p:nvSpPr>
         <p:spPr>
           <a:xfrm>
-            <a:off x="1070551" y="4541743"/>
-            <a:ext cx="254000" cy="279400"/>
-          </a:xfrm>
-          <a:prstGeom prst="rect">
-            <a:avLst/>
-          </a:prstGeom>
-        </p:spPr>
-        <p:style>
-          <a:lnRef idx="1">
-            <a:schemeClr val="accent1"/>
-          </a:lnRef>
-          <a:fillRef idx="3">
-            <a:schemeClr val="accent1"/>
-          </a:fillRef>
-          <a:effectRef idx="2">
-            <a:schemeClr val="accent1"/>
-          </a:effectRef>
-          <a:fontRef idx="minor">
-            <a:schemeClr val="lt1"/>
-          </a:fontRef>
-        </p:style>
-        <p:txBody>
-          <a:bodyPr rtlCol="0" anchor="ctr"/>
-          <a:lstStyle/>
-          <a:p>
-            <a:pPr algn="ctr"/>
-            <a:r>
-              <a:rPr kumimoji="1" lang="en-US" altLang="ja-JP" sz="1000"/>
-              <a:t>1</a:t>
-            </a:r>
-            <a:endParaRPr kumimoji="1" lang="ja-JP" altLang="en-US" sz="1000"/>
-          </a:p>
-        </p:txBody>
-      </p:sp>
-      <p:sp>
-        <p:nvSpPr>
-          <p:cNvPr id="55" name="Rectangle 54"/>
-          <p:cNvSpPr/>
-          <p:nvPr/>
-        </p:nvSpPr>
-        <p:spPr>
-          <a:xfrm>
-            <a:off x="1417698" y="4541743"/>
-            <a:ext cx="254000" cy="279400"/>
+            <a:off x="3545601" y="3264893"/>
+            <a:ext cx="660417" cy="629542"/>
           </a:xfrm>
           <a:prstGeom prst="rect">
             <a:avLst/>
@@ -48002,7 +49342,7 @@
                   <a:schemeClr val="tx1"/>
                 </a:solidFill>
               </a:rPr>
-              <a:t>2</a:t>
+              <a:t>Avatar</a:t>
             </a:r>
             <a:endParaRPr kumimoji="1" lang="ja-JP" altLang="en-US" sz="1000">
               <a:solidFill>
@@ -48014,70 +49354,14 @@
       </p:sp>
       <p:sp>
         <p:nvSpPr>
-          <p:cNvPr id="56" name="Rectangle 55"/>
-          <p:cNvSpPr/>
-          <p:nvPr/>
-        </p:nvSpPr>
-        <p:spPr>
-          <a:xfrm>
-            <a:off x="1773311" y="4541743"/>
-            <a:ext cx="482566" cy="279400"/>
-          </a:xfrm>
-          <a:prstGeom prst="rect">
-            <a:avLst/>
-          </a:prstGeom>
-          <a:ln>
-            <a:solidFill>
-              <a:schemeClr val="tx1"/>
-            </a:solidFill>
-          </a:ln>
-          <a:effectLst/>
-        </p:spPr>
-        <p:style>
-          <a:lnRef idx="1">
-            <a:schemeClr val="accent1"/>
-          </a:lnRef>
-          <a:fillRef idx="3">
-            <a:schemeClr val="accent1"/>
-          </a:fillRef>
-          <a:effectRef idx="2">
-            <a:schemeClr val="accent1"/>
-          </a:effectRef>
-          <a:fontRef idx="minor">
-            <a:schemeClr val="lt1"/>
-          </a:fontRef>
-        </p:style>
-        <p:txBody>
-          <a:bodyPr rtlCol="0" anchor="ctr"/>
-          <a:lstStyle/>
-          <a:p>
-            <a:pPr algn="ctr"/>
-            <a:r>
-              <a:rPr kumimoji="1" lang="en-US" altLang="ja-JP" sz="1000">
-                <a:solidFill>
-                  <a:schemeClr val="tx1"/>
-                </a:solidFill>
-              </a:rPr>
-              <a:t>Next</a:t>
-            </a:r>
-            <a:endParaRPr kumimoji="1" lang="ja-JP" altLang="en-US" sz="1000">
-              <a:solidFill>
-                <a:schemeClr val="tx1"/>
-              </a:solidFill>
-            </a:endParaRPr>
-          </a:p>
-        </p:txBody>
-      </p:sp>
-      <p:sp>
-        <p:nvSpPr>
-          <p:cNvPr id="57" name="TextBox 56"/>
+          <p:cNvPr id="82" name="TextBox 81"/>
           <p:cNvSpPr txBox="1"/>
           <p:nvPr/>
         </p:nvSpPr>
         <p:spPr>
           <a:xfrm>
-            <a:off x="2062899" y="3019356"/>
-            <a:ext cx="392430" cy="246221"/>
+            <a:off x="4163670" y="3146355"/>
+            <a:ext cx="882911" cy="246221"/>
           </a:xfrm>
           <a:prstGeom prst="rect">
             <a:avLst/>
@@ -48091,31 +49375,23 @@
           <a:lstStyle/>
           <a:p>
             <a:r>
-              <a:rPr kumimoji="1" lang="en-US" altLang="ja-JP" sz="1000">
-                <a:solidFill>
-                  <a:srgbClr val="FF0000"/>
-                </a:solidFill>
-              </a:rPr>
-              <a:t>(10)</a:t>
-            </a:r>
-            <a:endParaRPr kumimoji="1" lang="ja-JP" altLang="en-US" sz="1000">
-              <a:solidFill>
-                <a:srgbClr val="FF0000"/>
-              </a:solidFill>
-            </a:endParaRPr>
-          </a:p>
-        </p:txBody>
-      </p:sp>
-      <p:sp>
-        <p:nvSpPr>
-          <p:cNvPr id="58" name="TextBox 57"/>
+              <a:rPr kumimoji="1" lang="en-US" altLang="ja-JP" sz="1000"/>
+              <a:t>phamduytam</a:t>
+            </a:r>
+            <a:endParaRPr kumimoji="1" lang="ja-JP" altLang="en-US" sz="1000"/>
+          </a:p>
+        </p:txBody>
+      </p:sp>
+      <p:sp>
+        <p:nvSpPr>
+          <p:cNvPr id="83" name="TextBox 82"/>
           <p:cNvSpPr txBox="1"/>
           <p:nvPr/>
         </p:nvSpPr>
         <p:spPr>
           <a:xfrm>
-            <a:off x="520760" y="2970548"/>
-            <a:ext cx="392430" cy="246221"/>
+            <a:off x="4162088" y="3286485"/>
+            <a:ext cx="1131814" cy="215444"/>
           </a:xfrm>
           <a:prstGeom prst="rect">
             <a:avLst/>
@@ -48129,16 +49405,20 @@
           <a:lstStyle/>
           <a:p>
             <a:r>
-              <a:rPr kumimoji="1" lang="en-US" altLang="ja-JP" sz="1000">
+              <a:rPr kumimoji="1" lang="en-US" altLang="ja-JP" sz="800" i="1">
                 <a:solidFill>
-                  <a:srgbClr val="FF0000"/>
+                  <a:schemeClr val="bg1">
+                    <a:lumMod val="65000"/>
+                  </a:schemeClr>
                 </a:solidFill>
               </a:rPr>
-              <a:t>(11)</a:t>
-            </a:r>
-            <a:endParaRPr kumimoji="1" lang="ja-JP" altLang="en-US" sz="1000">
+              <a:t>Date join: 08/12/2015</a:t>
+            </a:r>
+            <a:endParaRPr kumimoji="1" lang="ja-JP" altLang="en-US" sz="800" i="1">
               <a:solidFill>
-                <a:srgbClr val="FF0000"/>
+                <a:schemeClr val="bg1">
+                  <a:lumMod val="65000"/>
+                </a:schemeClr>
               </a:solidFill>
             </a:endParaRPr>
           </a:p>
@@ -48146,14 +49426,14 @@
       </p:sp>
       <p:sp>
         <p:nvSpPr>
-          <p:cNvPr id="59" name="TextBox 58"/>
+          <p:cNvPr id="84" name="TextBox 83"/>
           <p:cNvSpPr txBox="1"/>
           <p:nvPr/>
         </p:nvSpPr>
         <p:spPr>
           <a:xfrm>
-            <a:off x="2419593" y="4574922"/>
-            <a:ext cx="392430" cy="246221"/>
+            <a:off x="4174807" y="3384109"/>
+            <a:ext cx="1048973" cy="553998"/>
           </a:xfrm>
           <a:prstGeom prst="rect">
             <a:avLst/>
@@ -48167,54 +49447,34 @@
           <a:lstStyle/>
           <a:p>
             <a:r>
-              <a:rPr kumimoji="1" lang="en-US" altLang="ja-JP" sz="1000">
+              <a:rPr kumimoji="1" lang="en-US" altLang="ja-JP" sz="1000"/>
+              <a:t>Firstname: Tam</a:t>
+            </a:r>
+          </a:p>
+          <a:p>
+            <a:r>
+              <a:rPr kumimoji="1" lang="en-US" altLang="ja-JP" sz="1000"/>
+              <a:t>Lastname: Pham</a:t>
+            </a:r>
+          </a:p>
+          <a:p>
+            <a:r>
+              <a:rPr kumimoji="1" lang="en-US" altLang="ja-JP" sz="1000" u="sng">
                 <a:solidFill>
-                  <a:srgbClr val="FF0000"/>
+                  <a:schemeClr val="tx2">
+                    <a:lumMod val="60000"/>
+                    <a:lumOff val="40000"/>
+                  </a:schemeClr>
                 </a:solidFill>
               </a:rPr>
-              <a:t>(12)</a:t>
-            </a:r>
-            <a:endParaRPr kumimoji="1" lang="ja-JP" altLang="en-US" sz="1000">
+              <a:t>View all Post</a:t>
+            </a:r>
+            <a:endParaRPr kumimoji="1" lang="ja-JP" altLang="en-US" sz="1000" u="sng">
               <a:solidFill>
-                <a:srgbClr val="FF0000"/>
-              </a:solidFill>
-            </a:endParaRPr>
-          </a:p>
-        </p:txBody>
-      </p:sp>
-      <p:sp>
-        <p:nvSpPr>
-          <p:cNvPr id="60" name="TextBox 59"/>
-          <p:cNvSpPr txBox="1"/>
-          <p:nvPr/>
-        </p:nvSpPr>
-        <p:spPr>
-          <a:xfrm>
-            <a:off x="1756319" y="1675713"/>
-            <a:ext cx="327433" cy="246221"/>
-          </a:xfrm>
-          <a:prstGeom prst="rect">
-            <a:avLst/>
-          </a:prstGeom>
-          <a:noFill/>
-        </p:spPr>
-        <p:txBody>
-          <a:bodyPr wrap="none" rtlCol="0">
-            <a:spAutoFit/>
-          </a:bodyPr>
-          <a:lstStyle/>
-          <a:p>
-            <a:r>
-              <a:rPr kumimoji="1" lang="en-US" altLang="ja-JP" sz="1000">
-                <a:solidFill>
-                  <a:srgbClr val="FF0000"/>
-                </a:solidFill>
-              </a:rPr>
-              <a:t>(5)</a:t>
-            </a:r>
-            <a:endParaRPr kumimoji="1" lang="ja-JP" altLang="en-US" sz="1000">
-              <a:solidFill>
-                <a:srgbClr val="FF0000"/>
+                <a:schemeClr val="tx2">
+                  <a:lumMod val="60000"/>
+                  <a:lumOff val="40000"/>
+                </a:schemeClr>
               </a:solidFill>
             </a:endParaRPr>
           </a:p>
@@ -50054,8 +51314,8 @@
         </p:nvSpPr>
         <p:spPr>
           <a:xfrm>
-            <a:off x="387048" y="761999"/>
-            <a:ext cx="3967238" cy="4809067"/>
+            <a:off x="209240" y="761999"/>
+            <a:ext cx="4340073" cy="4809067"/>
           </a:xfrm>
           <a:prstGeom prst="rect">
             <a:avLst/>
@@ -50102,7 +51362,7 @@
         </p:nvSpPr>
         <p:spPr>
           <a:xfrm>
-            <a:off x="387048" y="876073"/>
+            <a:off x="217708" y="876073"/>
             <a:ext cx="1196687" cy="400110"/>
           </a:xfrm>
           <a:prstGeom prst="rect">
@@ -50154,7 +51414,7 @@
         </p:nvSpPr>
         <p:spPr>
           <a:xfrm>
-            <a:off x="401506" y="737671"/>
+            <a:off x="232166" y="737671"/>
             <a:ext cx="837263" cy="246221"/>
           </a:xfrm>
           <a:prstGeom prst="rect">
@@ -50192,7 +51452,7 @@
         </p:nvSpPr>
         <p:spPr>
           <a:xfrm>
-            <a:off x="477876" y="1420804"/>
+            <a:off x="308536" y="1420804"/>
             <a:ext cx="1871134" cy="192975"/>
           </a:xfrm>
           <a:prstGeom prst="rect">
@@ -50251,7 +51511,7 @@
         </p:nvSpPr>
         <p:spPr>
           <a:xfrm>
-            <a:off x="2413000" y="1420804"/>
+            <a:off x="2243660" y="1420804"/>
             <a:ext cx="558800" cy="209383"/>
           </a:xfrm>
           <a:prstGeom prst="rect">
@@ -50293,7 +51553,7 @@
         </p:nvSpPr>
         <p:spPr>
           <a:xfrm>
-            <a:off x="2548467" y="983891"/>
+            <a:off x="2379127" y="983891"/>
             <a:ext cx="1600200" cy="292291"/>
           </a:xfrm>
           <a:prstGeom prst="rect">
@@ -50347,7 +51607,7 @@
         </p:nvCxnSpPr>
         <p:spPr>
           <a:xfrm>
-            <a:off x="477876" y="1921934"/>
+            <a:off x="308536" y="1921934"/>
             <a:ext cx="3670791" cy="0"/>
           </a:xfrm>
           <a:prstGeom prst="line">
@@ -50385,7 +51645,7 @@
         </p:nvSpPr>
         <p:spPr>
           <a:xfrm>
-            <a:off x="384739" y="1668018"/>
+            <a:off x="215399" y="1668018"/>
             <a:ext cx="1208562" cy="253916"/>
           </a:xfrm>
           <a:prstGeom prst="rect">
@@ -50427,13 +51687,13 @@
           <p:nvPr>
             <p:extLst>
               <p:ext uri="{D42A27DB-BD31-4B8C-83A1-F6EECF244321}">
-                <p14:modId xmlns:p14="http://schemas.microsoft.com/office/powerpoint/2010/main" val="3908153365"/>
+                <p14:modId xmlns:p14="http://schemas.microsoft.com/office/powerpoint/2010/main" val="438905793"/>
               </p:ext>
             </p:extLst>
           </p:nvPr>
         </p:nvGraphicFramePr>
         <p:xfrm>
-          <a:off x="4478866" y="755449"/>
+          <a:off x="4638116" y="755449"/>
           <a:ext cx="4461935" cy="5044546"/>
         </p:xfrm>
         <a:graphic>
@@ -51791,7 +53051,7 @@
         </p:nvSpPr>
         <p:spPr>
           <a:xfrm>
-            <a:off x="3039533" y="1421797"/>
+            <a:off x="2870193" y="1421797"/>
             <a:ext cx="327433" cy="246221"/>
           </a:xfrm>
           <a:prstGeom prst="rect">
@@ -51871,7 +53131,7 @@
         </p:nvSpPr>
         <p:spPr>
           <a:xfrm>
-            <a:off x="3390905" y="774097"/>
+            <a:off x="3221565" y="774097"/>
             <a:ext cx="327433" cy="246221"/>
           </a:xfrm>
           <a:prstGeom prst="rect">
@@ -51909,7 +53169,7 @@
         </p:nvSpPr>
         <p:spPr>
           <a:xfrm>
-            <a:off x="3712633" y="774097"/>
+            <a:off x="3543293" y="774097"/>
             <a:ext cx="327433" cy="246221"/>
           </a:xfrm>
           <a:prstGeom prst="rect">
@@ -51985,7 +53245,7 @@
         </p:nvSpPr>
         <p:spPr>
           <a:xfrm>
-            <a:off x="294886" y="3674307"/>
+            <a:off x="56835" y="3637208"/>
             <a:ext cx="327433" cy="246221"/>
           </a:xfrm>
           <a:prstGeom prst="rect">
@@ -52023,7 +53283,7 @@
         </p:nvSpPr>
         <p:spPr>
           <a:xfrm>
-            <a:off x="1572875" y="3411870"/>
+            <a:off x="1240466" y="3471415"/>
             <a:ext cx="327433" cy="246221"/>
           </a:xfrm>
           <a:prstGeom prst="rect">
@@ -52061,7 +53321,7 @@
         </p:nvSpPr>
         <p:spPr>
           <a:xfrm>
-            <a:off x="2361710" y="3534981"/>
+            <a:off x="1894564" y="3589150"/>
             <a:ext cx="327433" cy="246221"/>
           </a:xfrm>
           <a:prstGeom prst="rect">
@@ -52131,69 +53391,13 @@
       </p:sp>
       <p:sp>
         <p:nvSpPr>
-          <p:cNvPr id="6" name="Rectangle 5"/>
-          <p:cNvSpPr/>
-          <p:nvPr/>
-        </p:nvSpPr>
-        <p:spPr>
-          <a:xfrm>
-            <a:off x="618067" y="2889367"/>
-            <a:ext cx="557218" cy="531168"/>
-          </a:xfrm>
-          <a:prstGeom prst="rect">
-            <a:avLst/>
-          </a:prstGeom>
-          <a:ln>
-            <a:solidFill>
-              <a:schemeClr val="tx1"/>
-            </a:solidFill>
-          </a:ln>
-          <a:effectLst/>
-        </p:spPr>
-        <p:style>
-          <a:lnRef idx="1">
-            <a:schemeClr val="accent1"/>
-          </a:lnRef>
-          <a:fillRef idx="3">
-            <a:schemeClr val="accent1"/>
-          </a:fillRef>
-          <a:effectRef idx="2">
-            <a:schemeClr val="accent1"/>
-          </a:effectRef>
-          <a:fontRef idx="minor">
-            <a:schemeClr val="lt1"/>
-          </a:fontRef>
-        </p:style>
-        <p:txBody>
-          <a:bodyPr rtlCol="0" anchor="ctr"/>
-          <a:lstStyle/>
-          <a:p>
-            <a:pPr algn="ctr"/>
-            <a:r>
-              <a:rPr kumimoji="1" lang="en-US" altLang="ja-JP" sz="1000">
-                <a:solidFill>
-                  <a:schemeClr val="tx1"/>
-                </a:solidFill>
-              </a:rPr>
-              <a:t>Image</a:t>
-            </a:r>
-            <a:endParaRPr kumimoji="1" lang="ja-JP" altLang="en-US" sz="1000">
-              <a:solidFill>
-                <a:schemeClr val="tx1"/>
-              </a:solidFill>
-            </a:endParaRPr>
-          </a:p>
-        </p:txBody>
-      </p:sp>
-      <p:sp>
-        <p:nvSpPr>
           <p:cNvPr id="10" name="TextBox 9"/>
           <p:cNvSpPr txBox="1"/>
           <p:nvPr/>
         </p:nvSpPr>
         <p:spPr>
           <a:xfrm>
-            <a:off x="1176867" y="2804697"/>
+            <a:off x="872055" y="2804697"/>
             <a:ext cx="505830" cy="246221"/>
           </a:xfrm>
           <a:prstGeom prst="rect">
@@ -52223,7 +53427,7 @@
         </p:nvSpPr>
         <p:spPr>
           <a:xfrm>
-            <a:off x="1200686" y="2936360"/>
+            <a:off x="870473" y="2936360"/>
             <a:ext cx="1218633" cy="215444"/>
           </a:xfrm>
           <a:prstGeom prst="rect">
@@ -52265,8 +53469,8 @@
         </p:nvSpPr>
         <p:spPr>
           <a:xfrm>
-            <a:off x="1196434" y="3084068"/>
-            <a:ext cx="3445934" cy="400110"/>
+            <a:off x="857753" y="3024799"/>
+            <a:ext cx="1580633" cy="400110"/>
           </a:xfrm>
           <a:prstGeom prst="rect">
             <a:avLst/>
@@ -52279,9 +53483,10 @@
           </a:bodyPr>
           <a:lstStyle/>
           <a:p>
+            <a:pPr algn="just"/>
             <a:r>
               <a:rPr kumimoji="1" lang="en-US" altLang="ja-JP" sz="1000"/>
-              <a:t>Lorem Ipsum is simply dummy text of the printing and typesetting industry. Lorem Ipsum has been the</a:t>
+              <a:t>Lorem Ipsum is simply dummy text of the print … </a:t>
             </a:r>
             <a:endParaRPr kumimoji="1" lang="ja-JP" altLang="en-US" sz="1000"/>
           </a:p>
@@ -52295,7 +53500,7 @@
         </p:nvSpPr>
         <p:spPr>
           <a:xfrm>
-            <a:off x="3876349" y="3920528"/>
+            <a:off x="2159084" y="3866495"/>
             <a:ext cx="327433" cy="246221"/>
           </a:xfrm>
           <a:prstGeom prst="rect">
@@ -52327,14 +53532,52 @@
       </p:sp>
       <p:sp>
         <p:nvSpPr>
-          <p:cNvPr id="39" name="Rectangle 38"/>
+          <p:cNvPr id="36" name="TextBox 35"/>
+          <p:cNvSpPr txBox="1"/>
+          <p:nvPr/>
+        </p:nvSpPr>
+        <p:spPr>
+          <a:xfrm>
+            <a:off x="2009417" y="1679607"/>
+            <a:ext cx="392430" cy="246221"/>
+          </a:xfrm>
+          <a:prstGeom prst="rect">
+            <a:avLst/>
+          </a:prstGeom>
+          <a:noFill/>
+        </p:spPr>
+        <p:txBody>
+          <a:bodyPr wrap="none" rtlCol="0">
+            <a:spAutoFit/>
+          </a:bodyPr>
+          <a:lstStyle/>
+          <a:p>
+            <a:r>
+              <a:rPr kumimoji="1" lang="en-US" altLang="ja-JP" sz="1000">
+                <a:solidFill>
+                  <a:srgbClr val="FF0000"/>
+                </a:solidFill>
+              </a:rPr>
+              <a:t>(10)</a:t>
+            </a:r>
+            <a:endParaRPr kumimoji="1" lang="ja-JP" altLang="en-US" sz="1000">
+              <a:solidFill>
+                <a:srgbClr val="FF0000"/>
+              </a:solidFill>
+            </a:endParaRPr>
+          </a:p>
+        </p:txBody>
+      </p:sp>
+      <p:sp>
+        <p:nvSpPr>
+          <p:cNvPr id="37" name="Rectangle 36"/>
           <p:cNvSpPr/>
           <p:nvPr/>
         </p:nvSpPr>
         <p:spPr>
           <a:xfrm>
-            <a:off x="622319" y="3534981"/>
-            <a:ext cx="557218" cy="531168"/>
+            <a:off x="604873" y="5076464"/>
+            <a:ext cx="508001" cy="279400"/>
           </a:xfrm>
           <a:prstGeom prst="rect">
             <a:avLst/>
@@ -52371,7 +53614,7 @@
                   <a:schemeClr val="tx1"/>
                 </a:solidFill>
               </a:rPr>
-              <a:t>Image</a:t>
+              <a:t>Prev</a:t>
             </a:r>
             <a:endParaRPr kumimoji="1" lang="ja-JP" altLang="en-US" sz="1000">
               <a:solidFill>
@@ -52383,14 +53626,168 @@
       </p:sp>
       <p:sp>
         <p:nvSpPr>
-          <p:cNvPr id="40" name="TextBox 39"/>
+          <p:cNvPr id="47" name="Rectangle 46"/>
+          <p:cNvSpPr/>
+          <p:nvPr/>
+        </p:nvSpPr>
+        <p:spPr>
+          <a:xfrm>
+            <a:off x="1197548" y="5076458"/>
+            <a:ext cx="254000" cy="279400"/>
+          </a:xfrm>
+          <a:prstGeom prst="rect">
+            <a:avLst/>
+          </a:prstGeom>
+        </p:spPr>
+        <p:style>
+          <a:lnRef idx="1">
+            <a:schemeClr val="accent1"/>
+          </a:lnRef>
+          <a:fillRef idx="3">
+            <a:schemeClr val="accent1"/>
+          </a:fillRef>
+          <a:effectRef idx="2">
+            <a:schemeClr val="accent1"/>
+          </a:effectRef>
+          <a:fontRef idx="minor">
+            <a:schemeClr val="lt1"/>
+          </a:fontRef>
+        </p:style>
+        <p:txBody>
+          <a:bodyPr rtlCol="0" anchor="ctr"/>
+          <a:lstStyle/>
+          <a:p>
+            <a:pPr algn="ctr"/>
+            <a:r>
+              <a:rPr kumimoji="1" lang="en-US" altLang="ja-JP" sz="1000"/>
+              <a:t>1</a:t>
+            </a:r>
+            <a:endParaRPr kumimoji="1" lang="ja-JP" altLang="en-US" sz="1000"/>
+          </a:p>
+        </p:txBody>
+      </p:sp>
+      <p:sp>
+        <p:nvSpPr>
+          <p:cNvPr id="48" name="Rectangle 47"/>
+          <p:cNvSpPr/>
+          <p:nvPr/>
+        </p:nvSpPr>
+        <p:spPr>
+          <a:xfrm>
+            <a:off x="1544695" y="5076458"/>
+            <a:ext cx="254000" cy="279400"/>
+          </a:xfrm>
+          <a:prstGeom prst="rect">
+            <a:avLst/>
+          </a:prstGeom>
+          <a:ln>
+            <a:solidFill>
+              <a:schemeClr val="tx1"/>
+            </a:solidFill>
+          </a:ln>
+          <a:effectLst/>
+        </p:spPr>
+        <p:style>
+          <a:lnRef idx="1">
+            <a:schemeClr val="accent1"/>
+          </a:lnRef>
+          <a:fillRef idx="3">
+            <a:schemeClr val="accent1"/>
+          </a:fillRef>
+          <a:effectRef idx="2">
+            <a:schemeClr val="accent1"/>
+          </a:effectRef>
+          <a:fontRef idx="minor">
+            <a:schemeClr val="lt1"/>
+          </a:fontRef>
+        </p:style>
+        <p:txBody>
+          <a:bodyPr rtlCol="0" anchor="ctr"/>
+          <a:lstStyle/>
+          <a:p>
+            <a:pPr algn="ctr"/>
+            <a:r>
+              <a:rPr kumimoji="1" lang="en-US" altLang="ja-JP" sz="1000">
+                <a:solidFill>
+                  <a:schemeClr val="tx1"/>
+                </a:solidFill>
+              </a:rPr>
+              <a:t>2</a:t>
+            </a:r>
+            <a:endParaRPr kumimoji="1" lang="ja-JP" altLang="en-US" sz="1000">
+              <a:solidFill>
+                <a:schemeClr val="tx1"/>
+              </a:solidFill>
+            </a:endParaRPr>
+          </a:p>
+        </p:txBody>
+      </p:sp>
+      <p:sp>
+        <p:nvSpPr>
+          <p:cNvPr id="49" name="Rectangle 48"/>
+          <p:cNvSpPr/>
+          <p:nvPr/>
+        </p:nvSpPr>
+        <p:spPr>
+          <a:xfrm>
+            <a:off x="1900308" y="5076458"/>
+            <a:ext cx="482566" cy="279400"/>
+          </a:xfrm>
+          <a:prstGeom prst="rect">
+            <a:avLst/>
+          </a:prstGeom>
+          <a:ln>
+            <a:solidFill>
+              <a:schemeClr val="tx1"/>
+            </a:solidFill>
+          </a:ln>
+          <a:effectLst/>
+        </p:spPr>
+        <p:style>
+          <a:lnRef idx="1">
+            <a:schemeClr val="accent1"/>
+          </a:lnRef>
+          <a:fillRef idx="3">
+            <a:schemeClr val="accent1"/>
+          </a:fillRef>
+          <a:effectRef idx="2">
+            <a:schemeClr val="accent1"/>
+          </a:effectRef>
+          <a:fontRef idx="minor">
+            <a:schemeClr val="lt1"/>
+          </a:fontRef>
+        </p:style>
+        <p:txBody>
+          <a:bodyPr rtlCol="0" anchor="ctr"/>
+          <a:lstStyle/>
+          <a:p>
+            <a:pPr algn="ctr"/>
+            <a:r>
+              <a:rPr kumimoji="1" lang="en-US" altLang="ja-JP" sz="1000">
+                <a:solidFill>
+                  <a:schemeClr val="tx1"/>
+                </a:solidFill>
+              </a:rPr>
+              <a:t>Next</a:t>
+            </a:r>
+            <a:endParaRPr kumimoji="1" lang="ja-JP" altLang="en-US" sz="1000">
+              <a:solidFill>
+                <a:schemeClr val="tx1"/>
+              </a:solidFill>
+            </a:endParaRPr>
+          </a:p>
+        </p:txBody>
+      </p:sp>
+      <p:sp>
+        <p:nvSpPr>
+          <p:cNvPr id="53" name="TextBox 52"/>
           <p:cNvSpPr txBox="1"/>
           <p:nvPr/>
         </p:nvSpPr>
         <p:spPr>
           <a:xfrm>
-            <a:off x="1181119" y="3450311"/>
-            <a:ext cx="505830" cy="246221"/>
+            <a:off x="526165" y="2239859"/>
+            <a:ext cx="515188" cy="308953"/>
           </a:xfrm>
           <a:prstGeom prst="rect">
             <a:avLst/>
@@ -52404,21 +53801,19 @@
           <a:lstStyle/>
           <a:p>
             <a:r>
-              <a:rPr kumimoji="1" lang="en-US" altLang="ja-JP" sz="1000">
+              <a:rPr kumimoji="1" lang="en-GB" altLang="ja-JP" sz="1000" b="1" dirty="0" smtClean="0">
                 <a:solidFill>
-                  <a:schemeClr val="tx2">
-                    <a:lumMod val="60000"/>
-                    <a:lumOff val="40000"/>
+                  <a:schemeClr val="accent1">
+                    <a:lumMod val="75000"/>
                   </a:schemeClr>
                 </a:solidFill>
               </a:rPr>
-              <a:t>Blog 1</a:t>
-            </a:r>
-            <a:endParaRPr kumimoji="1" lang="ja-JP" altLang="en-US" sz="1000">
+              <a:t>Sort:</a:t>
+            </a:r>
+            <a:endParaRPr kumimoji="1" lang="ja-JP" altLang="en-US" sz="1000" b="1" dirty="0">
               <a:solidFill>
-                <a:schemeClr val="tx2">
-                  <a:lumMod val="60000"/>
-                  <a:lumOff val="40000"/>
+                <a:schemeClr val="accent1">
+                  <a:lumMod val="75000"/>
                 </a:schemeClr>
               </a:solidFill>
             </a:endParaRPr>
@@ -52427,13 +53822,669 @@
       </p:sp>
       <p:sp>
         <p:nvSpPr>
-          <p:cNvPr id="41" name="TextBox 40"/>
+          <p:cNvPr id="57" name="TextBox 56"/>
           <p:cNvSpPr txBox="1"/>
           <p:nvPr/>
         </p:nvSpPr>
         <p:spPr>
           <a:xfrm>
-            <a:off x="1204938" y="3581974"/>
+            <a:off x="2464121" y="2198778"/>
+            <a:ext cx="603495" cy="308953"/>
+          </a:xfrm>
+          <a:prstGeom prst="rect">
+            <a:avLst/>
+          </a:prstGeom>
+          <a:noFill/>
+        </p:spPr>
+        <p:txBody>
+          <a:bodyPr wrap="none" rtlCol="0">
+            <a:spAutoFit/>
+          </a:bodyPr>
+          <a:lstStyle/>
+          <a:p>
+            <a:r>
+              <a:rPr kumimoji="1" lang="en-GB" altLang="ja-JP" sz="1000" b="1" dirty="0" smtClean="0">
+                <a:solidFill>
+                  <a:schemeClr val="accent1">
+                    <a:lumMod val="75000"/>
+                  </a:schemeClr>
+                </a:solidFill>
+              </a:rPr>
+              <a:t>Show:</a:t>
+            </a:r>
+            <a:endParaRPr kumimoji="1" lang="ja-JP" altLang="en-US" sz="1000" b="1" dirty="0">
+              <a:solidFill>
+                <a:schemeClr val="accent1">
+                  <a:lumMod val="75000"/>
+                </a:schemeClr>
+              </a:solidFill>
+            </a:endParaRPr>
+          </a:p>
+        </p:txBody>
+      </p:sp>
+      <p:sp>
+        <p:nvSpPr>
+          <p:cNvPr id="58" name="Rectangle 57"/>
+          <p:cNvSpPr/>
+          <p:nvPr/>
+        </p:nvSpPr>
+        <p:spPr>
+          <a:xfrm>
+            <a:off x="961381" y="2524907"/>
+            <a:ext cx="1173563" cy="299557"/>
+          </a:xfrm>
+          <a:prstGeom prst="rect">
+            <a:avLst/>
+          </a:prstGeom>
+          <a:solidFill>
+            <a:schemeClr val="accent1">
+              <a:lumMod val="40000"/>
+              <a:lumOff val="60000"/>
+            </a:schemeClr>
+          </a:solidFill>
+          <a:ln w="3175" cmpd="sng"/>
+        </p:spPr>
+        <p:style>
+          <a:lnRef idx="2">
+            <a:schemeClr val="accent1">
+              <a:shade val="50000"/>
+            </a:schemeClr>
+          </a:lnRef>
+          <a:fillRef idx="1">
+            <a:schemeClr val="accent1"/>
+          </a:fillRef>
+          <a:effectRef idx="0">
+            <a:schemeClr val="accent1"/>
+          </a:effectRef>
+          <a:fontRef idx="minor">
+            <a:schemeClr val="lt1"/>
+          </a:fontRef>
+        </p:style>
+        <p:txBody>
+          <a:bodyPr rtlCol="0" anchor="ctr"/>
+          <a:lstStyle/>
+          <a:p>
+            <a:pPr algn="ctr"/>
+            <a:r>
+              <a:rPr lang="en-GB" sz="1000" dirty="0" smtClean="0"/>
+              <a:t>Most comment</a:t>
+            </a:r>
+            <a:endParaRPr lang="en-US" sz="1000" dirty="0"/>
+          </a:p>
+        </p:txBody>
+      </p:sp>
+      <p:sp>
+        <p:nvSpPr>
+          <p:cNvPr id="59" name="Rectangle 58"/>
+          <p:cNvSpPr/>
+          <p:nvPr/>
+        </p:nvSpPr>
+        <p:spPr>
+          <a:xfrm>
+            <a:off x="964672" y="2183866"/>
+            <a:ext cx="1170270" cy="340742"/>
+          </a:xfrm>
+          <a:prstGeom prst="rect">
+            <a:avLst/>
+          </a:prstGeom>
+          <a:ln w="3175" cmpd="sng"/>
+        </p:spPr>
+        <p:style>
+          <a:lnRef idx="2">
+            <a:schemeClr val="accent1">
+              <a:shade val="50000"/>
+            </a:schemeClr>
+          </a:lnRef>
+          <a:fillRef idx="1">
+            <a:schemeClr val="accent1"/>
+          </a:fillRef>
+          <a:effectRef idx="0">
+            <a:schemeClr val="accent1"/>
+          </a:effectRef>
+          <a:fontRef idx="minor">
+            <a:schemeClr val="lt1"/>
+          </a:fontRef>
+        </p:style>
+        <p:txBody>
+          <a:bodyPr rtlCol="0" anchor="ctr"/>
+          <a:lstStyle/>
+          <a:p>
+            <a:pPr algn="ctr"/>
+            <a:r>
+              <a:rPr lang="en-GB" sz="1000" dirty="0" smtClean="0"/>
+              <a:t>Newest</a:t>
+            </a:r>
+            <a:endParaRPr lang="en-US" sz="1000" dirty="0"/>
+          </a:p>
+        </p:txBody>
+      </p:sp>
+      <p:sp>
+        <p:nvSpPr>
+          <p:cNvPr id="60" name="Isosceles Triangle 59"/>
+          <p:cNvSpPr/>
+          <p:nvPr/>
+        </p:nvSpPr>
+        <p:spPr>
+          <a:xfrm rot="10800000">
+            <a:off x="1861622" y="2342905"/>
+            <a:ext cx="105191" cy="77232"/>
+          </a:xfrm>
+          <a:prstGeom prst="triangle">
+            <a:avLst/>
+          </a:prstGeom>
+          <a:solidFill>
+            <a:schemeClr val="bg1"/>
+          </a:solidFill>
+          <a:ln/>
+        </p:spPr>
+        <p:style>
+          <a:lnRef idx="1">
+            <a:schemeClr val="accent1"/>
+          </a:lnRef>
+          <a:fillRef idx="3">
+            <a:schemeClr val="accent1"/>
+          </a:fillRef>
+          <a:effectRef idx="2">
+            <a:schemeClr val="accent1"/>
+          </a:effectRef>
+          <a:fontRef idx="minor">
+            <a:schemeClr val="lt1"/>
+          </a:fontRef>
+        </p:style>
+        <p:txBody>
+          <a:bodyPr/>
+          <a:lstStyle/>
+          <a:p>
+            <a:endParaRPr lang="ja-JP" altLang="en-US"/>
+          </a:p>
+        </p:txBody>
+      </p:sp>
+      <p:sp>
+        <p:nvSpPr>
+          <p:cNvPr id="61" name="Rectangle 60"/>
+          <p:cNvSpPr/>
+          <p:nvPr/>
+        </p:nvSpPr>
+        <p:spPr>
+          <a:xfrm>
+            <a:off x="961380" y="2822060"/>
+            <a:ext cx="1173563" cy="299557"/>
+          </a:xfrm>
+          <a:prstGeom prst="rect">
+            <a:avLst/>
+          </a:prstGeom>
+          <a:solidFill>
+            <a:schemeClr val="accent1">
+              <a:lumMod val="40000"/>
+              <a:lumOff val="60000"/>
+            </a:schemeClr>
+          </a:solidFill>
+          <a:ln w="3175" cmpd="sng"/>
+        </p:spPr>
+        <p:style>
+          <a:lnRef idx="2">
+            <a:schemeClr val="accent1">
+              <a:shade val="50000"/>
+            </a:schemeClr>
+          </a:lnRef>
+          <a:fillRef idx="1">
+            <a:schemeClr val="accent1"/>
+          </a:fillRef>
+          <a:effectRef idx="0">
+            <a:schemeClr val="accent1"/>
+          </a:effectRef>
+          <a:fontRef idx="minor">
+            <a:schemeClr val="lt1"/>
+          </a:fontRef>
+        </p:style>
+        <p:txBody>
+          <a:bodyPr rtlCol="0" anchor="ctr"/>
+          <a:lstStyle/>
+          <a:p>
+            <a:pPr algn="ctr"/>
+            <a:r>
+              <a:rPr lang="en-GB" sz="1000" dirty="0" smtClean="0"/>
+              <a:t>Name(A-Z)</a:t>
+            </a:r>
+            <a:endParaRPr lang="en-US" sz="1000" dirty="0"/>
+          </a:p>
+        </p:txBody>
+      </p:sp>
+      <p:sp>
+        <p:nvSpPr>
+          <p:cNvPr id="62" name="Rectangle 61"/>
+          <p:cNvSpPr/>
+          <p:nvPr/>
+        </p:nvSpPr>
+        <p:spPr>
+          <a:xfrm>
+            <a:off x="2956011" y="2483609"/>
+            <a:ext cx="1173563" cy="299557"/>
+          </a:xfrm>
+          <a:prstGeom prst="rect">
+            <a:avLst/>
+          </a:prstGeom>
+          <a:solidFill>
+            <a:schemeClr val="accent1">
+              <a:lumMod val="40000"/>
+              <a:lumOff val="60000"/>
+            </a:schemeClr>
+          </a:solidFill>
+          <a:ln w="3175" cmpd="sng"/>
+        </p:spPr>
+        <p:style>
+          <a:lnRef idx="2">
+            <a:schemeClr val="accent1">
+              <a:shade val="50000"/>
+            </a:schemeClr>
+          </a:lnRef>
+          <a:fillRef idx="1">
+            <a:schemeClr val="accent1"/>
+          </a:fillRef>
+          <a:effectRef idx="0">
+            <a:schemeClr val="accent1"/>
+          </a:effectRef>
+          <a:fontRef idx="minor">
+            <a:schemeClr val="lt1"/>
+          </a:fontRef>
+        </p:style>
+        <p:txBody>
+          <a:bodyPr rtlCol="0" anchor="ctr"/>
+          <a:lstStyle/>
+          <a:p>
+            <a:pPr algn="ctr"/>
+            <a:r>
+              <a:rPr lang="en-GB" sz="1000" dirty="0" smtClean="0"/>
+              <a:t>20</a:t>
+            </a:r>
+            <a:endParaRPr lang="en-US" sz="1000" dirty="0"/>
+          </a:p>
+        </p:txBody>
+      </p:sp>
+      <p:sp>
+        <p:nvSpPr>
+          <p:cNvPr id="63" name="Rectangle 62"/>
+          <p:cNvSpPr/>
+          <p:nvPr/>
+        </p:nvSpPr>
+        <p:spPr>
+          <a:xfrm>
+            <a:off x="2956012" y="2189048"/>
+            <a:ext cx="1171636" cy="297182"/>
+          </a:xfrm>
+          <a:prstGeom prst="rect">
+            <a:avLst/>
+          </a:prstGeom>
+          <a:ln w="3175" cmpd="sng"/>
+        </p:spPr>
+        <p:style>
+          <a:lnRef idx="2">
+            <a:schemeClr val="accent1">
+              <a:shade val="50000"/>
+            </a:schemeClr>
+          </a:lnRef>
+          <a:fillRef idx="1">
+            <a:schemeClr val="accent1"/>
+          </a:fillRef>
+          <a:effectRef idx="0">
+            <a:schemeClr val="accent1"/>
+          </a:effectRef>
+          <a:fontRef idx="minor">
+            <a:schemeClr val="lt1"/>
+          </a:fontRef>
+        </p:style>
+        <p:txBody>
+          <a:bodyPr rtlCol="0" anchor="ctr"/>
+          <a:lstStyle/>
+          <a:p>
+            <a:pPr algn="ctr"/>
+            <a:r>
+              <a:rPr lang="en-GB" sz="1000" dirty="0" smtClean="0"/>
+              <a:t>10</a:t>
+            </a:r>
+            <a:endParaRPr lang="en-US" sz="1000" dirty="0"/>
+          </a:p>
+        </p:txBody>
+      </p:sp>
+      <p:sp>
+        <p:nvSpPr>
+          <p:cNvPr id="64" name="Isosceles Triangle 63"/>
+          <p:cNvSpPr/>
+          <p:nvPr/>
+        </p:nvSpPr>
+        <p:spPr>
+          <a:xfrm rot="10800000">
+            <a:off x="3859553" y="2285047"/>
+            <a:ext cx="105191" cy="77232"/>
+          </a:xfrm>
+          <a:prstGeom prst="triangle">
+            <a:avLst/>
+          </a:prstGeom>
+          <a:solidFill>
+            <a:schemeClr val="bg1"/>
+          </a:solidFill>
+          <a:ln/>
+        </p:spPr>
+        <p:style>
+          <a:lnRef idx="1">
+            <a:schemeClr val="accent1"/>
+          </a:lnRef>
+          <a:fillRef idx="3">
+            <a:schemeClr val="accent1"/>
+          </a:fillRef>
+          <a:effectRef idx="2">
+            <a:schemeClr val="accent1"/>
+          </a:effectRef>
+          <a:fontRef idx="minor">
+            <a:schemeClr val="lt1"/>
+          </a:fontRef>
+        </p:style>
+        <p:txBody>
+          <a:bodyPr/>
+          <a:lstStyle/>
+          <a:p>
+            <a:endParaRPr lang="ja-JP" altLang="en-US"/>
+          </a:p>
+        </p:txBody>
+      </p:sp>
+      <p:sp>
+        <p:nvSpPr>
+          <p:cNvPr id="67" name="Rectangle 66"/>
+          <p:cNvSpPr/>
+          <p:nvPr/>
+        </p:nvSpPr>
+        <p:spPr>
+          <a:xfrm>
+            <a:off x="2956010" y="2780979"/>
+            <a:ext cx="1173563" cy="299557"/>
+          </a:xfrm>
+          <a:prstGeom prst="rect">
+            <a:avLst/>
+          </a:prstGeom>
+          <a:solidFill>
+            <a:schemeClr val="accent1">
+              <a:lumMod val="40000"/>
+              <a:lumOff val="60000"/>
+            </a:schemeClr>
+          </a:solidFill>
+          <a:ln w="3175" cmpd="sng"/>
+        </p:spPr>
+        <p:style>
+          <a:lnRef idx="2">
+            <a:schemeClr val="accent1">
+              <a:shade val="50000"/>
+            </a:schemeClr>
+          </a:lnRef>
+          <a:fillRef idx="1">
+            <a:schemeClr val="accent1"/>
+          </a:fillRef>
+          <a:effectRef idx="0">
+            <a:schemeClr val="accent1"/>
+          </a:effectRef>
+          <a:fontRef idx="minor">
+            <a:schemeClr val="lt1"/>
+          </a:fontRef>
+        </p:style>
+        <p:txBody>
+          <a:bodyPr rtlCol="0" anchor="ctr"/>
+          <a:lstStyle/>
+          <a:p>
+            <a:pPr algn="ctr"/>
+            <a:r>
+              <a:rPr lang="en-GB" sz="1000" dirty="0" smtClean="0"/>
+              <a:t>30</a:t>
+            </a:r>
+            <a:endParaRPr lang="en-US" sz="1000" dirty="0"/>
+          </a:p>
+        </p:txBody>
+      </p:sp>
+      <p:sp>
+        <p:nvSpPr>
+          <p:cNvPr id="68" name="TextBox 67"/>
+          <p:cNvSpPr txBox="1"/>
+          <p:nvPr/>
+        </p:nvSpPr>
+        <p:spPr>
+          <a:xfrm>
+            <a:off x="2152795" y="2244733"/>
+            <a:ext cx="392430" cy="246221"/>
+          </a:xfrm>
+          <a:prstGeom prst="rect">
+            <a:avLst/>
+          </a:prstGeom>
+          <a:noFill/>
+        </p:spPr>
+        <p:txBody>
+          <a:bodyPr wrap="none" rtlCol="0">
+            <a:spAutoFit/>
+          </a:bodyPr>
+          <a:lstStyle/>
+          <a:p>
+            <a:r>
+              <a:rPr kumimoji="1" lang="en-US" altLang="ja-JP" sz="1000">
+                <a:solidFill>
+                  <a:srgbClr val="FF0000"/>
+                </a:solidFill>
+              </a:rPr>
+              <a:t>(11)</a:t>
+            </a:r>
+            <a:endParaRPr kumimoji="1" lang="ja-JP" altLang="en-US" sz="1000">
+              <a:solidFill>
+                <a:srgbClr val="FF0000"/>
+              </a:solidFill>
+            </a:endParaRPr>
+          </a:p>
+        </p:txBody>
+      </p:sp>
+      <p:sp>
+        <p:nvSpPr>
+          <p:cNvPr id="69" name="TextBox 68"/>
+          <p:cNvSpPr txBox="1"/>
+          <p:nvPr/>
+        </p:nvSpPr>
+        <p:spPr>
+          <a:xfrm>
+            <a:off x="2111669" y="2532035"/>
+            <a:ext cx="392430" cy="246221"/>
+          </a:xfrm>
+          <a:prstGeom prst="rect">
+            <a:avLst/>
+          </a:prstGeom>
+          <a:noFill/>
+        </p:spPr>
+        <p:txBody>
+          <a:bodyPr wrap="none" rtlCol="0">
+            <a:spAutoFit/>
+          </a:bodyPr>
+          <a:lstStyle/>
+          <a:p>
+            <a:r>
+              <a:rPr kumimoji="1" lang="en-US" altLang="ja-JP" sz="1000">
+                <a:solidFill>
+                  <a:srgbClr val="FF0000"/>
+                </a:solidFill>
+              </a:rPr>
+              <a:t>(12)</a:t>
+            </a:r>
+            <a:endParaRPr kumimoji="1" lang="ja-JP" altLang="en-US" sz="1000">
+              <a:solidFill>
+                <a:srgbClr val="FF0000"/>
+              </a:solidFill>
+            </a:endParaRPr>
+          </a:p>
+        </p:txBody>
+      </p:sp>
+      <p:sp>
+        <p:nvSpPr>
+          <p:cNvPr id="70" name="TextBox 69"/>
+          <p:cNvSpPr txBox="1"/>
+          <p:nvPr/>
+        </p:nvSpPr>
+        <p:spPr>
+          <a:xfrm>
+            <a:off x="2092607" y="2829058"/>
+            <a:ext cx="392430" cy="246221"/>
+          </a:xfrm>
+          <a:prstGeom prst="rect">
+            <a:avLst/>
+          </a:prstGeom>
+          <a:noFill/>
+        </p:spPr>
+        <p:txBody>
+          <a:bodyPr wrap="none" rtlCol="0">
+            <a:spAutoFit/>
+          </a:bodyPr>
+          <a:lstStyle/>
+          <a:p>
+            <a:r>
+              <a:rPr kumimoji="1" lang="en-US" altLang="ja-JP" sz="1000">
+                <a:solidFill>
+                  <a:srgbClr val="FF0000"/>
+                </a:solidFill>
+              </a:rPr>
+              <a:t>(13)</a:t>
+            </a:r>
+            <a:endParaRPr kumimoji="1" lang="ja-JP" altLang="en-US" sz="1000">
+              <a:solidFill>
+                <a:srgbClr val="FF0000"/>
+              </a:solidFill>
+            </a:endParaRPr>
+          </a:p>
+        </p:txBody>
+      </p:sp>
+      <p:sp>
+        <p:nvSpPr>
+          <p:cNvPr id="71" name="TextBox 70"/>
+          <p:cNvSpPr txBox="1"/>
+          <p:nvPr/>
+        </p:nvSpPr>
+        <p:spPr>
+          <a:xfrm>
+            <a:off x="4024013" y="2256350"/>
+            <a:ext cx="392430" cy="246221"/>
+          </a:xfrm>
+          <a:prstGeom prst="rect">
+            <a:avLst/>
+          </a:prstGeom>
+          <a:noFill/>
+        </p:spPr>
+        <p:txBody>
+          <a:bodyPr wrap="none" rtlCol="0">
+            <a:spAutoFit/>
+          </a:bodyPr>
+          <a:lstStyle/>
+          <a:p>
+            <a:r>
+              <a:rPr kumimoji="1" lang="en-US" altLang="ja-JP" sz="1000">
+                <a:solidFill>
+                  <a:srgbClr val="FF0000"/>
+                </a:solidFill>
+              </a:rPr>
+              <a:t>(14)</a:t>
+            </a:r>
+            <a:endParaRPr kumimoji="1" lang="ja-JP" altLang="en-US" sz="1000">
+              <a:solidFill>
+                <a:srgbClr val="FF0000"/>
+              </a:solidFill>
+            </a:endParaRPr>
+          </a:p>
+        </p:txBody>
+      </p:sp>
+      <p:sp>
+        <p:nvSpPr>
+          <p:cNvPr id="54" name="Rectangle 53"/>
+          <p:cNvSpPr/>
+          <p:nvPr/>
+        </p:nvSpPr>
+        <p:spPr>
+          <a:xfrm>
+            <a:off x="304281" y="2876808"/>
+            <a:ext cx="557218" cy="531168"/>
+          </a:xfrm>
+          <a:prstGeom prst="rect">
+            <a:avLst/>
+          </a:prstGeom>
+          <a:ln>
+            <a:solidFill>
+              <a:schemeClr val="tx1"/>
+            </a:solidFill>
+          </a:ln>
+          <a:effectLst/>
+        </p:spPr>
+        <p:style>
+          <a:lnRef idx="1">
+            <a:schemeClr val="accent1"/>
+          </a:lnRef>
+          <a:fillRef idx="3">
+            <a:schemeClr val="accent1"/>
+          </a:fillRef>
+          <a:effectRef idx="2">
+            <a:schemeClr val="accent1"/>
+          </a:effectRef>
+          <a:fontRef idx="minor">
+            <a:schemeClr val="lt1"/>
+          </a:fontRef>
+        </p:style>
+        <p:txBody>
+          <a:bodyPr rtlCol="0" anchor="ctr"/>
+          <a:lstStyle/>
+          <a:p>
+            <a:pPr algn="ctr"/>
+            <a:r>
+              <a:rPr kumimoji="1" lang="en-US" altLang="ja-JP" sz="1000">
+                <a:solidFill>
+                  <a:schemeClr val="tx1"/>
+                </a:solidFill>
+              </a:rPr>
+              <a:t>Image</a:t>
+            </a:r>
+            <a:endParaRPr kumimoji="1" lang="ja-JP" altLang="en-US" sz="1000">
+              <a:solidFill>
+                <a:schemeClr val="tx1"/>
+              </a:solidFill>
+            </a:endParaRPr>
+          </a:p>
+        </p:txBody>
+      </p:sp>
+      <p:sp>
+        <p:nvSpPr>
+          <p:cNvPr id="74" name="TextBox 73"/>
+          <p:cNvSpPr txBox="1"/>
+          <p:nvPr/>
+        </p:nvSpPr>
+        <p:spPr>
+          <a:xfrm>
+            <a:off x="2982983" y="2804697"/>
+            <a:ext cx="505830" cy="246221"/>
+          </a:xfrm>
+          <a:prstGeom prst="rect">
+            <a:avLst/>
+          </a:prstGeom>
+          <a:noFill/>
+        </p:spPr>
+        <p:txBody>
+          <a:bodyPr wrap="none" rtlCol="0">
+            <a:spAutoFit/>
+          </a:bodyPr>
+          <a:lstStyle/>
+          <a:p>
+            <a:r>
+              <a:rPr kumimoji="1" lang="en-US" altLang="ja-JP" sz="1000"/>
+              <a:t>Blog 1</a:t>
+            </a:r>
+            <a:endParaRPr kumimoji="1" lang="ja-JP" altLang="en-US" sz="1000"/>
+          </a:p>
+        </p:txBody>
+      </p:sp>
+      <p:sp>
+        <p:nvSpPr>
+          <p:cNvPr id="75" name="TextBox 74"/>
+          <p:cNvSpPr txBox="1"/>
+          <p:nvPr/>
+        </p:nvSpPr>
+        <p:spPr>
+          <a:xfrm>
+            <a:off x="2981401" y="2936360"/>
             <a:ext cx="1218633" cy="215444"/>
           </a:xfrm>
           <a:prstGeom prst="rect">
@@ -52469,14 +54520,14 @@
       </p:sp>
       <p:sp>
         <p:nvSpPr>
-          <p:cNvPr id="42" name="TextBox 41"/>
+          <p:cNvPr id="76" name="TextBox 75"/>
           <p:cNvSpPr txBox="1"/>
           <p:nvPr/>
         </p:nvSpPr>
         <p:spPr>
           <a:xfrm>
-            <a:off x="1200686" y="3729682"/>
-            <a:ext cx="3445934" cy="400110"/>
+            <a:off x="2968681" y="3024799"/>
+            <a:ext cx="1580633" cy="400110"/>
           </a:xfrm>
           <a:prstGeom prst="rect">
             <a:avLst/>
@@ -52489,9 +54540,10 @@
           </a:bodyPr>
           <a:lstStyle/>
           <a:p>
+            <a:pPr algn="just"/>
             <a:r>
               <a:rPr kumimoji="1" lang="en-US" altLang="ja-JP" sz="1000"/>
-              <a:t>Lorem Ipsum is simply dummy text of the printing and typesetting industry. Lorem Ipsum has been the</a:t>
+              <a:t>Lorem Ipsum is simply dummy text of the print … </a:t>
             </a:r>
             <a:endParaRPr kumimoji="1" lang="ja-JP" altLang="en-US" sz="1000"/>
           </a:p>
@@ -52499,13 +54551,13 @@
       </p:sp>
       <p:sp>
         <p:nvSpPr>
-          <p:cNvPr id="43" name="Rectangle 42"/>
+          <p:cNvPr id="77" name="Rectangle 76"/>
           <p:cNvSpPr/>
           <p:nvPr/>
         </p:nvSpPr>
         <p:spPr>
           <a:xfrm>
-            <a:off x="613815" y="4294805"/>
+            <a:off x="2415209" y="2876808"/>
             <a:ext cx="557218" cy="531168"/>
           </a:xfrm>
           <a:prstGeom prst="rect">
@@ -52555,13 +54607,13 @@
       </p:sp>
       <p:sp>
         <p:nvSpPr>
-          <p:cNvPr id="44" name="TextBox 43"/>
+          <p:cNvPr id="78" name="TextBox 77"/>
           <p:cNvSpPr txBox="1"/>
           <p:nvPr/>
         </p:nvSpPr>
         <p:spPr>
           <a:xfrm>
-            <a:off x="1172615" y="4210135"/>
+            <a:off x="872055" y="3505198"/>
             <a:ext cx="505830" cy="246221"/>
           </a:xfrm>
           <a:prstGeom prst="rect">
@@ -52576,30 +54628,22 @@
           <a:lstStyle/>
           <a:p>
             <a:r>
-              <a:rPr kumimoji="1" lang="en-US" altLang="ja-JP" sz="1000">
-                <a:solidFill>
-                  <a:srgbClr val="558ED5"/>
-                </a:solidFill>
-              </a:rPr>
+              <a:rPr kumimoji="1" lang="en-US" altLang="ja-JP" sz="1000"/>
               <a:t>Blog 1</a:t>
             </a:r>
-            <a:endParaRPr kumimoji="1" lang="ja-JP" altLang="en-US" sz="1000">
-              <a:solidFill>
-                <a:srgbClr val="558ED5"/>
-              </a:solidFill>
-            </a:endParaRPr>
-          </a:p>
-        </p:txBody>
-      </p:sp>
-      <p:sp>
-        <p:nvSpPr>
-          <p:cNvPr id="45" name="TextBox 44"/>
+            <a:endParaRPr kumimoji="1" lang="ja-JP" altLang="en-US" sz="1000"/>
+          </a:p>
+        </p:txBody>
+      </p:sp>
+      <p:sp>
+        <p:nvSpPr>
+          <p:cNvPr id="79" name="TextBox 78"/>
           <p:cNvSpPr txBox="1"/>
           <p:nvPr/>
         </p:nvSpPr>
         <p:spPr>
           <a:xfrm>
-            <a:off x="1196434" y="4341798"/>
+            <a:off x="870473" y="3636861"/>
             <a:ext cx="1218633" cy="215444"/>
           </a:xfrm>
           <a:prstGeom prst="rect">
@@ -52635,14 +54679,14 @@
       </p:sp>
       <p:sp>
         <p:nvSpPr>
-          <p:cNvPr id="46" name="TextBox 45"/>
+          <p:cNvPr id="80" name="TextBox 79"/>
           <p:cNvSpPr txBox="1"/>
           <p:nvPr/>
         </p:nvSpPr>
         <p:spPr>
           <a:xfrm>
-            <a:off x="1192182" y="4489506"/>
-            <a:ext cx="3445934" cy="400110"/>
+            <a:off x="857753" y="3725300"/>
+            <a:ext cx="1580633" cy="400110"/>
           </a:xfrm>
           <a:prstGeom prst="rect">
             <a:avLst/>
@@ -52655,9 +54699,10 @@
           </a:bodyPr>
           <a:lstStyle/>
           <a:p>
+            <a:pPr algn="just"/>
             <a:r>
               <a:rPr kumimoji="1" lang="en-US" altLang="ja-JP" sz="1000"/>
-              <a:t>Lorem Ipsum is simply dummy text of the printing and typesetting industry. Lorem Ipsum has been the</a:t>
+              <a:t>Lorem Ipsum is simply dummy text of the print … </a:t>
             </a:r>
             <a:endParaRPr kumimoji="1" lang="ja-JP" altLang="en-US" sz="1000"/>
           </a:p>
@@ -52665,52 +54710,14 @@
       </p:sp>
       <p:sp>
         <p:nvSpPr>
-          <p:cNvPr id="36" name="TextBox 35"/>
-          <p:cNvSpPr txBox="1"/>
-          <p:nvPr/>
-        </p:nvSpPr>
-        <p:spPr>
-          <a:xfrm>
-            <a:off x="2178757" y="1679607"/>
-            <a:ext cx="392430" cy="246221"/>
-          </a:xfrm>
-          <a:prstGeom prst="rect">
-            <a:avLst/>
-          </a:prstGeom>
-          <a:noFill/>
-        </p:spPr>
-        <p:txBody>
-          <a:bodyPr wrap="none" rtlCol="0">
-            <a:spAutoFit/>
-          </a:bodyPr>
-          <a:lstStyle/>
-          <a:p>
-            <a:r>
-              <a:rPr kumimoji="1" lang="en-US" altLang="ja-JP" sz="1000">
-                <a:solidFill>
-                  <a:srgbClr val="FF0000"/>
-                </a:solidFill>
-              </a:rPr>
-              <a:t>(10)</a:t>
-            </a:r>
-            <a:endParaRPr kumimoji="1" lang="ja-JP" altLang="en-US" sz="1000">
-              <a:solidFill>
-                <a:srgbClr val="FF0000"/>
-              </a:solidFill>
-            </a:endParaRPr>
-          </a:p>
-        </p:txBody>
-      </p:sp>
-      <p:sp>
-        <p:nvSpPr>
-          <p:cNvPr id="37" name="Rectangle 36"/>
+          <p:cNvPr id="81" name="Rectangle 80"/>
           <p:cNvSpPr/>
           <p:nvPr/>
         </p:nvSpPr>
         <p:spPr>
           <a:xfrm>
-            <a:off x="604873" y="5076464"/>
-            <a:ext cx="508001" cy="279400"/>
+            <a:off x="304281" y="3577309"/>
+            <a:ext cx="557218" cy="531168"/>
           </a:xfrm>
           <a:prstGeom prst="rect">
             <a:avLst/>
@@ -52747,7 +54754,7 @@
                   <a:schemeClr val="tx1"/>
                 </a:solidFill>
               </a:rPr>
-              <a:t>Prev</a:t>
+              <a:t>Image</a:t>
             </a:r>
             <a:endParaRPr kumimoji="1" lang="ja-JP" altLang="en-US" sz="1000">
               <a:solidFill>
@@ -52759,56 +54766,117 @@
       </p:sp>
       <p:sp>
         <p:nvSpPr>
-          <p:cNvPr id="47" name="Rectangle 46"/>
+          <p:cNvPr id="82" name="TextBox 81"/>
+          <p:cNvSpPr txBox="1"/>
+          <p:nvPr/>
+        </p:nvSpPr>
+        <p:spPr>
+          <a:xfrm>
+            <a:off x="2982983" y="3505198"/>
+            <a:ext cx="505830" cy="246221"/>
+          </a:xfrm>
+          <a:prstGeom prst="rect">
+            <a:avLst/>
+          </a:prstGeom>
+          <a:noFill/>
+        </p:spPr>
+        <p:txBody>
+          <a:bodyPr wrap="none" rtlCol="0">
+            <a:spAutoFit/>
+          </a:bodyPr>
+          <a:lstStyle/>
+          <a:p>
+            <a:r>
+              <a:rPr kumimoji="1" lang="en-US" altLang="ja-JP" sz="1000"/>
+              <a:t>Blog 1</a:t>
+            </a:r>
+            <a:endParaRPr kumimoji="1" lang="ja-JP" altLang="en-US" sz="1000"/>
+          </a:p>
+        </p:txBody>
+      </p:sp>
+      <p:sp>
+        <p:nvSpPr>
+          <p:cNvPr id="83" name="TextBox 82"/>
+          <p:cNvSpPr txBox="1"/>
+          <p:nvPr/>
+        </p:nvSpPr>
+        <p:spPr>
+          <a:xfrm>
+            <a:off x="2981401" y="3636861"/>
+            <a:ext cx="1218633" cy="215444"/>
+          </a:xfrm>
+          <a:prstGeom prst="rect">
+            <a:avLst/>
+          </a:prstGeom>
+          <a:noFill/>
+        </p:spPr>
+        <p:txBody>
+          <a:bodyPr wrap="none" rtlCol="0">
+            <a:spAutoFit/>
+          </a:bodyPr>
+          <a:lstStyle/>
+          <a:p>
+            <a:r>
+              <a:rPr kumimoji="1" lang="en-US" altLang="ja-JP" sz="800" i="1">
+                <a:solidFill>
+                  <a:schemeClr val="bg1">
+                    <a:lumMod val="65000"/>
+                  </a:schemeClr>
+                </a:solidFill>
+              </a:rPr>
+              <a:t>Date: 08/12/2015 12:40</a:t>
+            </a:r>
+            <a:endParaRPr kumimoji="1" lang="ja-JP" altLang="en-US" sz="800" i="1">
+              <a:solidFill>
+                <a:schemeClr val="bg1">
+                  <a:lumMod val="65000"/>
+                </a:schemeClr>
+              </a:solidFill>
+            </a:endParaRPr>
+          </a:p>
+        </p:txBody>
+      </p:sp>
+      <p:sp>
+        <p:nvSpPr>
+          <p:cNvPr id="84" name="TextBox 83"/>
+          <p:cNvSpPr txBox="1"/>
+          <p:nvPr/>
+        </p:nvSpPr>
+        <p:spPr>
+          <a:xfrm>
+            <a:off x="2968681" y="3725300"/>
+            <a:ext cx="1580633" cy="400110"/>
+          </a:xfrm>
+          <a:prstGeom prst="rect">
+            <a:avLst/>
+          </a:prstGeom>
+          <a:noFill/>
+        </p:spPr>
+        <p:txBody>
+          <a:bodyPr wrap="square" rtlCol="0">
+            <a:spAutoFit/>
+          </a:bodyPr>
+          <a:lstStyle/>
+          <a:p>
+            <a:pPr algn="just"/>
+            <a:r>
+              <a:rPr kumimoji="1" lang="en-US" altLang="ja-JP" sz="1000"/>
+              <a:t>Lorem Ipsum is simply dummy text of the print … </a:t>
+            </a:r>
+            <a:endParaRPr kumimoji="1" lang="ja-JP" altLang="en-US" sz="1000"/>
+          </a:p>
+        </p:txBody>
+      </p:sp>
+      <p:sp>
+        <p:nvSpPr>
+          <p:cNvPr id="86" name="Rectangle 85"/>
           <p:cNvSpPr/>
           <p:nvPr/>
         </p:nvSpPr>
         <p:spPr>
           <a:xfrm>
-            <a:off x="1197548" y="5076458"/>
-            <a:ext cx="254000" cy="279400"/>
-          </a:xfrm>
-          <a:prstGeom prst="rect">
-            <a:avLst/>
-          </a:prstGeom>
-        </p:spPr>
-        <p:style>
-          <a:lnRef idx="1">
-            <a:schemeClr val="accent1"/>
-          </a:lnRef>
-          <a:fillRef idx="3">
-            <a:schemeClr val="accent1"/>
-          </a:fillRef>
-          <a:effectRef idx="2">
-            <a:schemeClr val="accent1"/>
-          </a:effectRef>
-          <a:fontRef idx="minor">
-            <a:schemeClr val="lt1"/>
-          </a:fontRef>
-        </p:style>
-        <p:txBody>
-          <a:bodyPr rtlCol="0" anchor="ctr"/>
-          <a:lstStyle/>
-          <a:p>
-            <a:pPr algn="ctr"/>
-            <a:r>
-              <a:rPr kumimoji="1" lang="en-US" altLang="ja-JP" sz="1000"/>
-              <a:t>1</a:t>
-            </a:r>
-            <a:endParaRPr kumimoji="1" lang="ja-JP" altLang="en-US" sz="1000"/>
-          </a:p>
-        </p:txBody>
-      </p:sp>
-      <p:sp>
-        <p:nvSpPr>
-          <p:cNvPr id="48" name="Rectangle 47"/>
-          <p:cNvSpPr/>
-          <p:nvPr/>
-        </p:nvSpPr>
-        <p:spPr>
-          <a:xfrm>
-            <a:off x="1544695" y="5076458"/>
-            <a:ext cx="254000" cy="279400"/>
+            <a:off x="2415209" y="3577309"/>
+            <a:ext cx="557218" cy="531168"/>
           </a:xfrm>
           <a:prstGeom prst="rect">
             <a:avLst/>
@@ -52845,7 +54913,7 @@
                   <a:schemeClr val="tx1"/>
                 </a:solidFill>
               </a:rPr>
-              <a:t>2</a:t>
+              <a:t>Image</a:t>
             </a:r>
             <a:endParaRPr kumimoji="1" lang="ja-JP" altLang="en-US" sz="1000">
               <a:solidFill>
@@ -52857,14 +54925,117 @@
       </p:sp>
       <p:sp>
         <p:nvSpPr>
-          <p:cNvPr id="49" name="Rectangle 48"/>
+          <p:cNvPr id="87" name="TextBox 86"/>
+          <p:cNvSpPr txBox="1"/>
+          <p:nvPr/>
+        </p:nvSpPr>
+        <p:spPr>
+          <a:xfrm>
+            <a:off x="867766" y="4202293"/>
+            <a:ext cx="505830" cy="246221"/>
+          </a:xfrm>
+          <a:prstGeom prst="rect">
+            <a:avLst/>
+          </a:prstGeom>
+          <a:noFill/>
+        </p:spPr>
+        <p:txBody>
+          <a:bodyPr wrap="none" rtlCol="0">
+            <a:spAutoFit/>
+          </a:bodyPr>
+          <a:lstStyle/>
+          <a:p>
+            <a:r>
+              <a:rPr kumimoji="1" lang="en-US" altLang="ja-JP" sz="1000"/>
+              <a:t>Blog 1</a:t>
+            </a:r>
+            <a:endParaRPr kumimoji="1" lang="ja-JP" altLang="en-US" sz="1000"/>
+          </a:p>
+        </p:txBody>
+      </p:sp>
+      <p:sp>
+        <p:nvSpPr>
+          <p:cNvPr id="88" name="TextBox 87"/>
+          <p:cNvSpPr txBox="1"/>
+          <p:nvPr/>
+        </p:nvSpPr>
+        <p:spPr>
+          <a:xfrm>
+            <a:off x="866184" y="4333956"/>
+            <a:ext cx="1218633" cy="215444"/>
+          </a:xfrm>
+          <a:prstGeom prst="rect">
+            <a:avLst/>
+          </a:prstGeom>
+          <a:noFill/>
+        </p:spPr>
+        <p:txBody>
+          <a:bodyPr wrap="none" rtlCol="0">
+            <a:spAutoFit/>
+          </a:bodyPr>
+          <a:lstStyle/>
+          <a:p>
+            <a:r>
+              <a:rPr kumimoji="1" lang="en-US" altLang="ja-JP" sz="800" i="1">
+                <a:solidFill>
+                  <a:schemeClr val="bg1">
+                    <a:lumMod val="65000"/>
+                  </a:schemeClr>
+                </a:solidFill>
+              </a:rPr>
+              <a:t>Date: 08/12/2015 12:40</a:t>
+            </a:r>
+            <a:endParaRPr kumimoji="1" lang="ja-JP" altLang="en-US" sz="800" i="1">
+              <a:solidFill>
+                <a:schemeClr val="bg1">
+                  <a:lumMod val="65000"/>
+                </a:schemeClr>
+              </a:solidFill>
+            </a:endParaRPr>
+          </a:p>
+        </p:txBody>
+      </p:sp>
+      <p:sp>
+        <p:nvSpPr>
+          <p:cNvPr id="89" name="TextBox 88"/>
+          <p:cNvSpPr txBox="1"/>
+          <p:nvPr/>
+        </p:nvSpPr>
+        <p:spPr>
+          <a:xfrm>
+            <a:off x="853464" y="4422395"/>
+            <a:ext cx="1580633" cy="400110"/>
+          </a:xfrm>
+          <a:prstGeom prst="rect">
+            <a:avLst/>
+          </a:prstGeom>
+          <a:noFill/>
+        </p:spPr>
+        <p:txBody>
+          <a:bodyPr wrap="square" rtlCol="0">
+            <a:spAutoFit/>
+          </a:bodyPr>
+          <a:lstStyle/>
+          <a:p>
+            <a:pPr algn="just"/>
+            <a:r>
+              <a:rPr kumimoji="1" lang="en-US" altLang="ja-JP" sz="1000"/>
+              <a:t>Lorem Ipsum is simply dummy text of the print … </a:t>
+            </a:r>
+            <a:endParaRPr kumimoji="1" lang="ja-JP" altLang="en-US" sz="1000"/>
+          </a:p>
+        </p:txBody>
+      </p:sp>
+      <p:sp>
+        <p:nvSpPr>
+          <p:cNvPr id="90" name="Rectangle 89"/>
           <p:cNvSpPr/>
           <p:nvPr/>
         </p:nvSpPr>
         <p:spPr>
           <a:xfrm>
-            <a:off x="1900308" y="5076458"/>
-            <a:ext cx="482566" cy="279400"/>
+            <a:off x="299992" y="4274404"/>
+            <a:ext cx="557218" cy="531168"/>
           </a:xfrm>
           <a:prstGeom prst="rect">
             <a:avLst/>
@@ -52901,7 +55072,7 @@
                   <a:schemeClr val="tx1"/>
                 </a:solidFill>
               </a:rPr>
-              <a:t>Next</a:t>
+              <a:t>Image</a:t>
             </a:r>
             <a:endParaRPr kumimoji="1" lang="ja-JP" altLang="en-US" sz="1000">
               <a:solidFill>
@@ -52913,14 +55084,14 @@
       </p:sp>
       <p:sp>
         <p:nvSpPr>
-          <p:cNvPr id="53" name="TextBox 52"/>
+          <p:cNvPr id="91" name="TextBox 90"/>
           <p:cNvSpPr txBox="1"/>
           <p:nvPr/>
         </p:nvSpPr>
         <p:spPr>
           <a:xfrm>
-            <a:off x="510663" y="2223082"/>
-            <a:ext cx="515188" cy="308953"/>
+            <a:off x="2978694" y="4202293"/>
+            <a:ext cx="505830" cy="246221"/>
           </a:xfrm>
           <a:prstGeom prst="rect">
             <a:avLst/>
@@ -52934,19 +55105,49 @@
           <a:lstStyle/>
           <a:p>
             <a:r>
-              <a:rPr kumimoji="1" lang="en-GB" altLang="ja-JP" sz="1000" b="1" dirty="0" smtClean="0">
+              <a:rPr kumimoji="1" lang="en-US" altLang="ja-JP" sz="1000"/>
+              <a:t>Blog 1</a:t>
+            </a:r>
+            <a:endParaRPr kumimoji="1" lang="ja-JP" altLang="en-US" sz="1000"/>
+          </a:p>
+        </p:txBody>
+      </p:sp>
+      <p:sp>
+        <p:nvSpPr>
+          <p:cNvPr id="92" name="TextBox 91"/>
+          <p:cNvSpPr txBox="1"/>
+          <p:nvPr/>
+        </p:nvSpPr>
+        <p:spPr>
+          <a:xfrm>
+            <a:off x="2977112" y="4333956"/>
+            <a:ext cx="1218633" cy="215444"/>
+          </a:xfrm>
+          <a:prstGeom prst="rect">
+            <a:avLst/>
+          </a:prstGeom>
+          <a:noFill/>
+        </p:spPr>
+        <p:txBody>
+          <a:bodyPr wrap="none" rtlCol="0">
+            <a:spAutoFit/>
+          </a:bodyPr>
+          <a:lstStyle/>
+          <a:p>
+            <a:r>
+              <a:rPr kumimoji="1" lang="en-US" altLang="ja-JP" sz="800" i="1">
                 <a:solidFill>
-                  <a:schemeClr val="accent1">
-                    <a:lumMod val="75000"/>
+                  <a:schemeClr val="bg1">
+                    <a:lumMod val="65000"/>
                   </a:schemeClr>
                 </a:solidFill>
               </a:rPr>
-              <a:t>Sort:</a:t>
-            </a:r>
-            <a:endParaRPr kumimoji="1" lang="ja-JP" altLang="en-US" sz="1000" b="1" dirty="0">
+              <a:t>Date: 08/12/2015 12:40</a:t>
+            </a:r>
+            <a:endParaRPr kumimoji="1" lang="ja-JP" altLang="en-US" sz="800" i="1">
               <a:solidFill>
-                <a:schemeClr val="accent1">
-                  <a:lumMod val="75000"/>
+                <a:schemeClr val="bg1">
+                  <a:lumMod val="65000"/>
                 </a:schemeClr>
               </a:solidFill>
             </a:endParaRPr>
@@ -52955,14 +55156,14 @@
       </p:sp>
       <p:sp>
         <p:nvSpPr>
-          <p:cNvPr id="57" name="TextBox 56"/>
+          <p:cNvPr id="93" name="TextBox 92"/>
           <p:cNvSpPr txBox="1"/>
           <p:nvPr/>
         </p:nvSpPr>
         <p:spPr>
           <a:xfrm>
-            <a:off x="2448619" y="2182001"/>
-            <a:ext cx="603495" cy="308953"/>
+            <a:off x="2964392" y="4422395"/>
+            <a:ext cx="1580633" cy="400110"/>
           </a:xfrm>
           <a:prstGeom prst="rect">
             <a:avLst/>
@@ -52970,63 +55171,49 @@
           <a:noFill/>
         </p:spPr>
         <p:txBody>
-          <a:bodyPr wrap="none" rtlCol="0">
+          <a:bodyPr wrap="square" rtlCol="0">
             <a:spAutoFit/>
           </a:bodyPr>
           <a:lstStyle/>
           <a:p>
-            <a:r>
-              <a:rPr kumimoji="1" lang="en-GB" altLang="ja-JP" sz="1000" b="1" dirty="0" smtClean="0">
-                <a:solidFill>
-                  <a:schemeClr val="accent1">
-                    <a:lumMod val="75000"/>
-                  </a:schemeClr>
-                </a:solidFill>
-              </a:rPr>
-              <a:t>Show:</a:t>
-            </a:r>
-            <a:endParaRPr kumimoji="1" lang="ja-JP" altLang="en-US" sz="1000" b="1" dirty="0">
-              <a:solidFill>
-                <a:schemeClr val="accent1">
-                  <a:lumMod val="75000"/>
-                </a:schemeClr>
-              </a:solidFill>
-            </a:endParaRPr>
-          </a:p>
-        </p:txBody>
-      </p:sp>
-      <p:sp>
-        <p:nvSpPr>
-          <p:cNvPr id="58" name="Rectangle 57"/>
+            <a:pPr algn="just"/>
+            <a:r>
+              <a:rPr kumimoji="1" lang="en-US" altLang="ja-JP" sz="1000"/>
+              <a:t>Lorem Ipsum is simply dummy text of the print … </a:t>
+            </a:r>
+            <a:endParaRPr kumimoji="1" lang="ja-JP" altLang="en-US" sz="1000"/>
+          </a:p>
+        </p:txBody>
+      </p:sp>
+      <p:sp>
+        <p:nvSpPr>
+          <p:cNvPr id="94" name="Rectangle 93"/>
           <p:cNvSpPr/>
           <p:nvPr/>
         </p:nvSpPr>
         <p:spPr>
           <a:xfrm>
-            <a:off x="945879" y="2508130"/>
-            <a:ext cx="1173563" cy="299557"/>
+            <a:off x="2410920" y="4274404"/>
+            <a:ext cx="557218" cy="531168"/>
           </a:xfrm>
           <a:prstGeom prst="rect">
             <a:avLst/>
           </a:prstGeom>
-          <a:solidFill>
-            <a:schemeClr val="accent1">
-              <a:lumMod val="40000"/>
-              <a:lumOff val="60000"/>
-            </a:schemeClr>
-          </a:solidFill>
-          <a:ln w="3175" cmpd="sng"/>
+          <a:ln>
+            <a:solidFill>
+              <a:schemeClr val="tx1"/>
+            </a:solidFill>
+          </a:ln>
+          <a:effectLst/>
         </p:spPr>
         <p:style>
-          <a:lnRef idx="2">
-            <a:schemeClr val="accent1">
-              <a:shade val="50000"/>
-            </a:schemeClr>
+          <a:lnRef idx="1">
+            <a:schemeClr val="accent1"/>
           </a:lnRef>
-          <a:fillRef idx="1">
+          <a:fillRef idx="3">
             <a:schemeClr val="accent1"/>
           </a:fillRef>
-          <a:effectRef idx="0">
+          <a:effectRef idx="2">
             <a:schemeClr val="accent1"/>
           </a:effectRef>
           <a:fontRef idx="minor">
@@ -53039,485 +55226,16 @@
           <a:p>
             <a:pPr algn="ctr"/>
             <a:r>
-              <a:rPr lang="en-GB" sz="1000" dirty="0" smtClean="0"/>
-              <a:t>Most comment</a:t>
-            </a:r>
-            <a:endParaRPr lang="en-US" sz="1000" dirty="0"/>
-          </a:p>
-        </p:txBody>
-      </p:sp>
-      <p:sp>
-        <p:nvSpPr>
-          <p:cNvPr id="59" name="Rectangle 58"/>
-          <p:cNvSpPr/>
-          <p:nvPr/>
-        </p:nvSpPr>
-        <p:spPr>
-          <a:xfrm>
-            <a:off x="949170" y="2167089"/>
-            <a:ext cx="1170270" cy="340742"/>
-          </a:xfrm>
-          <a:prstGeom prst="rect">
-            <a:avLst/>
-          </a:prstGeom>
-          <a:ln w="3175" cmpd="sng"/>
-        </p:spPr>
-        <p:style>
-          <a:lnRef idx="2">
-            <a:schemeClr val="accent1">
-              <a:shade val="50000"/>
-            </a:schemeClr>
-          </a:lnRef>
-          <a:fillRef idx="1">
-            <a:schemeClr val="accent1"/>
-          </a:fillRef>
-          <a:effectRef idx="0">
-            <a:schemeClr val="accent1"/>
-          </a:effectRef>
-          <a:fontRef idx="minor">
-            <a:schemeClr val="lt1"/>
-          </a:fontRef>
-        </p:style>
-        <p:txBody>
-          <a:bodyPr rtlCol="0" anchor="ctr"/>
-          <a:lstStyle/>
-          <a:p>
-            <a:pPr algn="ctr"/>
-            <a:r>
-              <a:rPr lang="en-GB" sz="1000" dirty="0" smtClean="0"/>
-              <a:t>Newest</a:t>
-            </a:r>
-            <a:endParaRPr lang="en-US" sz="1000" dirty="0"/>
-          </a:p>
-        </p:txBody>
-      </p:sp>
-      <p:sp>
-        <p:nvSpPr>
-          <p:cNvPr id="60" name="Isosceles Triangle 59"/>
-          <p:cNvSpPr/>
-          <p:nvPr/>
-        </p:nvSpPr>
-        <p:spPr>
-          <a:xfrm rot="10800000">
-            <a:off x="1846120" y="2326128"/>
-            <a:ext cx="105191" cy="77232"/>
-          </a:xfrm>
-          <a:prstGeom prst="triangle">
-            <a:avLst/>
-          </a:prstGeom>
-          <a:solidFill>
-            <a:schemeClr val="bg1"/>
-          </a:solidFill>
-          <a:ln/>
-        </p:spPr>
-        <p:style>
-          <a:lnRef idx="1">
-            <a:schemeClr val="accent1"/>
-          </a:lnRef>
-          <a:fillRef idx="3">
-            <a:schemeClr val="accent1"/>
-          </a:fillRef>
-          <a:effectRef idx="2">
-            <a:schemeClr val="accent1"/>
-          </a:effectRef>
-          <a:fontRef idx="minor">
-            <a:schemeClr val="lt1"/>
-          </a:fontRef>
-        </p:style>
-        <p:txBody>
-          <a:bodyPr/>
-          <a:lstStyle/>
-          <a:p>
-            <a:endParaRPr lang="ja-JP" altLang="en-US"/>
-          </a:p>
-        </p:txBody>
-      </p:sp>
-      <p:sp>
-        <p:nvSpPr>
-          <p:cNvPr id="61" name="Rectangle 60"/>
-          <p:cNvSpPr/>
-          <p:nvPr/>
-        </p:nvSpPr>
-        <p:spPr>
-          <a:xfrm>
-            <a:off x="945878" y="2805283"/>
-            <a:ext cx="1173563" cy="299557"/>
-          </a:xfrm>
-          <a:prstGeom prst="rect">
-            <a:avLst/>
-          </a:prstGeom>
-          <a:solidFill>
-            <a:schemeClr val="accent1">
-              <a:lumMod val="40000"/>
-              <a:lumOff val="60000"/>
-            </a:schemeClr>
-          </a:solidFill>
-          <a:ln w="3175" cmpd="sng"/>
-        </p:spPr>
-        <p:style>
-          <a:lnRef idx="2">
-            <a:schemeClr val="accent1">
-              <a:shade val="50000"/>
-            </a:schemeClr>
-          </a:lnRef>
-          <a:fillRef idx="1">
-            <a:schemeClr val="accent1"/>
-          </a:fillRef>
-          <a:effectRef idx="0">
-            <a:schemeClr val="accent1"/>
-          </a:effectRef>
-          <a:fontRef idx="minor">
-            <a:schemeClr val="lt1"/>
-          </a:fontRef>
-        </p:style>
-        <p:txBody>
-          <a:bodyPr rtlCol="0" anchor="ctr"/>
-          <a:lstStyle/>
-          <a:p>
-            <a:pPr algn="ctr"/>
-            <a:r>
-              <a:rPr lang="en-GB" sz="1000" dirty="0" smtClean="0"/>
-              <a:t>Name(A-Z)</a:t>
-            </a:r>
-            <a:endParaRPr lang="en-US" sz="1000" dirty="0"/>
-          </a:p>
-        </p:txBody>
-      </p:sp>
-      <p:sp>
-        <p:nvSpPr>
-          <p:cNvPr id="62" name="Rectangle 61"/>
-          <p:cNvSpPr/>
-          <p:nvPr/>
-        </p:nvSpPr>
-        <p:spPr>
-          <a:xfrm>
-            <a:off x="2940509" y="2466832"/>
-            <a:ext cx="1173563" cy="299557"/>
-          </a:xfrm>
-          <a:prstGeom prst="rect">
-            <a:avLst/>
-          </a:prstGeom>
-          <a:solidFill>
-            <a:schemeClr val="accent1">
-              <a:lumMod val="40000"/>
-              <a:lumOff val="60000"/>
-            </a:schemeClr>
-          </a:solidFill>
-          <a:ln w="3175" cmpd="sng"/>
-        </p:spPr>
-        <p:style>
-          <a:lnRef idx="2">
-            <a:schemeClr val="accent1">
-              <a:shade val="50000"/>
-            </a:schemeClr>
-          </a:lnRef>
-          <a:fillRef idx="1">
-            <a:schemeClr val="accent1"/>
-          </a:fillRef>
-          <a:effectRef idx="0">
-            <a:schemeClr val="accent1"/>
-          </a:effectRef>
-          <a:fontRef idx="minor">
-            <a:schemeClr val="lt1"/>
-          </a:fontRef>
-        </p:style>
-        <p:txBody>
-          <a:bodyPr rtlCol="0" anchor="ctr"/>
-          <a:lstStyle/>
-          <a:p>
-            <a:pPr algn="ctr"/>
-            <a:r>
-              <a:rPr lang="en-GB" sz="1000" dirty="0" smtClean="0"/>
-              <a:t>20</a:t>
-            </a:r>
-            <a:endParaRPr lang="en-US" sz="1000" dirty="0"/>
-          </a:p>
-        </p:txBody>
-      </p:sp>
-      <p:sp>
-        <p:nvSpPr>
-          <p:cNvPr id="63" name="Rectangle 62"/>
-          <p:cNvSpPr/>
-          <p:nvPr/>
-        </p:nvSpPr>
-        <p:spPr>
-          <a:xfrm>
-            <a:off x="2940510" y="2172271"/>
-            <a:ext cx="1171636" cy="297182"/>
-          </a:xfrm>
-          <a:prstGeom prst="rect">
-            <a:avLst/>
-          </a:prstGeom>
-          <a:ln w="3175" cmpd="sng"/>
-        </p:spPr>
-        <p:style>
-          <a:lnRef idx="2">
-            <a:schemeClr val="accent1">
-              <a:shade val="50000"/>
-            </a:schemeClr>
-          </a:lnRef>
-          <a:fillRef idx="1">
-            <a:schemeClr val="accent1"/>
-          </a:fillRef>
-          <a:effectRef idx="0">
-            <a:schemeClr val="accent1"/>
-          </a:effectRef>
-          <a:fontRef idx="minor">
-            <a:schemeClr val="lt1"/>
-          </a:fontRef>
-        </p:style>
-        <p:txBody>
-          <a:bodyPr rtlCol="0" anchor="ctr"/>
-          <a:lstStyle/>
-          <a:p>
-            <a:pPr algn="ctr"/>
-            <a:r>
-              <a:rPr lang="en-GB" sz="1000" dirty="0" smtClean="0"/>
-              <a:t>10</a:t>
-            </a:r>
-            <a:endParaRPr lang="en-US" sz="1000" dirty="0"/>
-          </a:p>
-        </p:txBody>
-      </p:sp>
-      <p:sp>
-        <p:nvSpPr>
-          <p:cNvPr id="64" name="Isosceles Triangle 63"/>
-          <p:cNvSpPr/>
-          <p:nvPr/>
-        </p:nvSpPr>
-        <p:spPr>
-          <a:xfrm rot="10800000">
-            <a:off x="3859553" y="2285047"/>
-            <a:ext cx="105191" cy="77232"/>
-          </a:xfrm>
-          <a:prstGeom prst="triangle">
-            <a:avLst/>
-          </a:prstGeom>
-          <a:solidFill>
-            <a:schemeClr val="bg1"/>
-          </a:solidFill>
-          <a:ln/>
-        </p:spPr>
-        <p:style>
-          <a:lnRef idx="1">
-            <a:schemeClr val="accent1"/>
-          </a:lnRef>
-          <a:fillRef idx="3">
-            <a:schemeClr val="accent1"/>
-          </a:fillRef>
-          <a:effectRef idx="2">
-            <a:schemeClr val="accent1"/>
-          </a:effectRef>
-          <a:fontRef idx="minor">
-            <a:schemeClr val="lt1"/>
-          </a:fontRef>
-        </p:style>
-        <p:txBody>
-          <a:bodyPr/>
-          <a:lstStyle/>
-          <a:p>
-            <a:endParaRPr lang="ja-JP" altLang="en-US"/>
-          </a:p>
-        </p:txBody>
-      </p:sp>
-      <p:sp>
-        <p:nvSpPr>
-          <p:cNvPr id="67" name="Rectangle 66"/>
-          <p:cNvSpPr/>
-          <p:nvPr/>
-        </p:nvSpPr>
-        <p:spPr>
-          <a:xfrm>
-            <a:off x="2940508" y="2764202"/>
-            <a:ext cx="1173563" cy="299557"/>
-          </a:xfrm>
-          <a:prstGeom prst="rect">
-            <a:avLst/>
-          </a:prstGeom>
-          <a:solidFill>
-            <a:schemeClr val="accent1">
-              <a:lumMod val="40000"/>
-              <a:lumOff val="60000"/>
-            </a:schemeClr>
-          </a:solidFill>
-          <a:ln w="3175" cmpd="sng"/>
-        </p:spPr>
-        <p:style>
-          <a:lnRef idx="2">
-            <a:schemeClr val="accent1">
-              <a:shade val="50000"/>
-            </a:schemeClr>
-          </a:lnRef>
-          <a:fillRef idx="1">
-            <a:schemeClr val="accent1"/>
-          </a:fillRef>
-          <a:effectRef idx="0">
-            <a:schemeClr val="accent1"/>
-          </a:effectRef>
-          <a:fontRef idx="minor">
-            <a:schemeClr val="lt1"/>
-          </a:fontRef>
-        </p:style>
-        <p:txBody>
-          <a:bodyPr rtlCol="0" anchor="ctr"/>
-          <a:lstStyle/>
-          <a:p>
-            <a:pPr algn="ctr"/>
-            <a:r>
-              <a:rPr lang="en-GB" sz="1000" dirty="0" smtClean="0"/>
-              <a:t>30</a:t>
-            </a:r>
-            <a:endParaRPr lang="en-US" sz="1000" dirty="0"/>
-          </a:p>
-        </p:txBody>
-      </p:sp>
-      <p:sp>
-        <p:nvSpPr>
-          <p:cNvPr id="68" name="TextBox 67"/>
-          <p:cNvSpPr txBox="1"/>
-          <p:nvPr/>
-        </p:nvSpPr>
-        <p:spPr>
-          <a:xfrm>
-            <a:off x="2152795" y="2244733"/>
-            <a:ext cx="392430" cy="246221"/>
-          </a:xfrm>
-          <a:prstGeom prst="rect">
-            <a:avLst/>
-          </a:prstGeom>
-          <a:noFill/>
-        </p:spPr>
-        <p:txBody>
-          <a:bodyPr wrap="none" rtlCol="0">
-            <a:spAutoFit/>
-          </a:bodyPr>
-          <a:lstStyle/>
-          <a:p>
-            <a:r>
               <a:rPr kumimoji="1" lang="en-US" altLang="ja-JP" sz="1000">
                 <a:solidFill>
-                  <a:srgbClr val="FF0000"/>
+                  <a:schemeClr val="tx1"/>
                 </a:solidFill>
               </a:rPr>
-              <a:t>(11)</a:t>
+              <a:t>Image</a:t>
             </a:r>
             <a:endParaRPr kumimoji="1" lang="ja-JP" altLang="en-US" sz="1000">
               <a:solidFill>
-                <a:srgbClr val="FF0000"/>
-              </a:solidFill>
-            </a:endParaRPr>
-          </a:p>
-        </p:txBody>
-      </p:sp>
-      <p:sp>
-        <p:nvSpPr>
-          <p:cNvPr id="69" name="TextBox 68"/>
-          <p:cNvSpPr txBox="1"/>
-          <p:nvPr/>
-        </p:nvSpPr>
-        <p:spPr>
-          <a:xfrm>
-            <a:off x="2111669" y="2532035"/>
-            <a:ext cx="392430" cy="246221"/>
-          </a:xfrm>
-          <a:prstGeom prst="rect">
-            <a:avLst/>
-          </a:prstGeom>
-          <a:noFill/>
-        </p:spPr>
-        <p:txBody>
-          <a:bodyPr wrap="none" rtlCol="0">
-            <a:spAutoFit/>
-          </a:bodyPr>
-          <a:lstStyle/>
-          <a:p>
-            <a:r>
-              <a:rPr kumimoji="1" lang="en-US" altLang="ja-JP" sz="1000">
-                <a:solidFill>
-                  <a:srgbClr val="FF0000"/>
-                </a:solidFill>
-              </a:rPr>
-              <a:t>(12)</a:t>
-            </a:r>
-            <a:endParaRPr kumimoji="1" lang="ja-JP" altLang="en-US" sz="1000">
-              <a:solidFill>
-                <a:srgbClr val="FF0000"/>
-              </a:solidFill>
-            </a:endParaRPr>
-          </a:p>
-        </p:txBody>
-      </p:sp>
-      <p:sp>
-        <p:nvSpPr>
-          <p:cNvPr id="70" name="TextBox 69"/>
-          <p:cNvSpPr txBox="1"/>
-          <p:nvPr/>
-        </p:nvSpPr>
-        <p:spPr>
-          <a:xfrm>
-            <a:off x="2134942" y="2778256"/>
-            <a:ext cx="392430" cy="246221"/>
-          </a:xfrm>
-          <a:prstGeom prst="rect">
-            <a:avLst/>
-          </a:prstGeom>
-          <a:noFill/>
-        </p:spPr>
-        <p:txBody>
-          <a:bodyPr wrap="none" rtlCol="0">
-            <a:spAutoFit/>
-          </a:bodyPr>
-          <a:lstStyle/>
-          <a:p>
-            <a:r>
-              <a:rPr kumimoji="1" lang="en-US" altLang="ja-JP" sz="1000">
-                <a:solidFill>
-                  <a:srgbClr val="FF0000"/>
-                </a:solidFill>
-              </a:rPr>
-              <a:t>(13)</a:t>
-            </a:r>
-            <a:endParaRPr kumimoji="1" lang="ja-JP" altLang="en-US" sz="1000">
-              <a:solidFill>
-                <a:srgbClr val="FF0000"/>
-              </a:solidFill>
-            </a:endParaRPr>
-          </a:p>
-        </p:txBody>
-      </p:sp>
-      <p:sp>
-        <p:nvSpPr>
-          <p:cNvPr id="71" name="TextBox 70"/>
-          <p:cNvSpPr txBox="1"/>
-          <p:nvPr/>
-        </p:nvSpPr>
-        <p:spPr>
-          <a:xfrm>
-            <a:off x="4024013" y="2256350"/>
-            <a:ext cx="392430" cy="246221"/>
-          </a:xfrm>
-          <a:prstGeom prst="rect">
-            <a:avLst/>
-          </a:prstGeom>
-          <a:noFill/>
-        </p:spPr>
-        <p:txBody>
-          <a:bodyPr wrap="none" rtlCol="0">
-            <a:spAutoFit/>
-          </a:bodyPr>
-          <a:lstStyle/>
-          <a:p>
-            <a:r>
-              <a:rPr kumimoji="1" lang="en-US" altLang="ja-JP" sz="1000">
-                <a:solidFill>
-                  <a:srgbClr val="FF0000"/>
-                </a:solidFill>
-              </a:rPr>
-              <a:t>(14)</a:t>
-            </a:r>
-            <a:endParaRPr kumimoji="1" lang="ja-JP" altLang="en-US" sz="1000">
-              <a:solidFill>
-                <a:srgbClr val="FF0000"/>
+                <a:schemeClr val="tx1"/>
               </a:solidFill>
             </a:endParaRPr>
           </a:p>
